--- a/仕事ではじめる機械学習第4章.pptx
+++ b/仕事ではじめる機械学習第4章.pptx
@@ -227,7 +227,7 @@
           <a:p>
             <a:fld id="{CF0E26B5-8898-4486-87D2-8D9E02A65170}" type="datetimeFigureOut">
               <a:rPr kumimoji="1" lang="ja-JP" altLang="en-US" smtClean="0"/>
-              <a:t>2019/6/27</a:t>
+              <a:t>2019/6/29</a:t>
             </a:fld>
             <a:endParaRPr kumimoji="1" lang="ja-JP" altLang="en-US"/>
           </a:p>
@@ -665,53 +665,7 @@
           <a:p>
             <a:r>
               <a:rPr kumimoji="1" lang="ja-JP" altLang="en-US" dirty="0" smtClean="0"/>
-              <a:t>このパターンは、予測結果をレスポンスとして返す</a:t>
-            </a:r>
-            <a:r>
-              <a:rPr kumimoji="1" lang="en-US" altLang="ja-JP" dirty="0" smtClean="0"/>
-              <a:t>API</a:t>
-            </a:r>
-            <a:r>
-              <a:rPr kumimoji="1" lang="ja-JP" altLang="en-US" dirty="0" smtClean="0"/>
-              <a:t>サーバーを用意するパターンで</a:t>
-            </a:r>
-            <a:endParaRPr kumimoji="1" lang="en-US" altLang="ja-JP" dirty="0" smtClean="0"/>
-          </a:p>
-          <a:p>
-            <a:endParaRPr kumimoji="1" lang="en-US" altLang="ja-JP" dirty="0" smtClean="0"/>
-          </a:p>
-          <a:p>
-            <a:r>
-              <a:rPr kumimoji="1" lang="ja-JP" altLang="en-US" dirty="0" smtClean="0"/>
-              <a:t>このパターンの特徴は～～</a:t>
-            </a:r>
-            <a:endParaRPr kumimoji="1" lang="en-US" altLang="ja-JP" dirty="0" smtClean="0"/>
-          </a:p>
-          <a:p>
-            <a:endParaRPr kumimoji="1" lang="en-US" altLang="ja-JP" dirty="0" smtClean="0"/>
-          </a:p>
-          <a:p>
-            <a:r>
-              <a:rPr kumimoji="1" lang="ja-JP" altLang="en-US" dirty="0" smtClean="0"/>
-              <a:t>の２点があり</a:t>
-            </a:r>
-            <a:endParaRPr kumimoji="1" lang="en-US" altLang="ja-JP" dirty="0" smtClean="0"/>
-          </a:p>
-          <a:p>
-            <a:endParaRPr kumimoji="1" lang="en-US" altLang="ja-JP" dirty="0" smtClean="0"/>
-          </a:p>
-          <a:p>
-            <a:r>
-              <a:rPr kumimoji="1" lang="ja-JP" altLang="en-US" dirty="0" smtClean="0"/>
-              <a:t>バッチ処理で学習を行うことは他のパターンとは代わりませんが、</a:t>
-            </a:r>
-            <a:r>
-              <a:rPr kumimoji="1" lang="en-US" altLang="ja-JP" dirty="0" smtClean="0"/>
-              <a:t>Web</a:t>
-            </a:r>
-            <a:r>
-              <a:rPr kumimoji="1" lang="ja-JP" altLang="en-US" dirty="0" smtClean="0"/>
-              <a:t>アプリケーションから～～です</a:t>
+              <a:t>その結果をンもとに、ユーザーにフィードバックをするなどして、次の処理へとつなげていきます</a:t>
             </a:r>
             <a:endParaRPr kumimoji="1" lang="ja-JP" altLang="en-US" dirty="0"/>
           </a:p>
@@ -734,7 +688,7 @@
           <a:p>
             <a:fld id="{7D904524-672D-4E66-A637-CA0A2B28D555}" type="slidenum">
               <a:rPr kumimoji="1" lang="ja-JP" altLang="en-US" smtClean="0"/>
-              <a:t>13</a:t>
+              <a:t>12</a:t>
             </a:fld>
             <a:endParaRPr kumimoji="1" lang="ja-JP" altLang="en-US"/>
           </a:p>
@@ -743,7 +697,7 @@
     </p:spTree>
     <p:extLst>
       <p:ext uri="{BB962C8B-B14F-4D97-AF65-F5344CB8AC3E}">
-        <p14:creationId xmlns:p14="http://schemas.microsoft.com/office/powerpoint/2010/main" val="1667135320"/>
+        <p14:creationId xmlns:p14="http://schemas.microsoft.com/office/powerpoint/2010/main" val="416543690"/>
       </p:ext>
     </p:extLst>
   </p:cSld>
@@ -798,65 +752,55 @@
           <a:lstStyle/>
           <a:p>
             <a:r>
+              <a:rPr kumimoji="1" lang="ja-JP" altLang="en-US" dirty="0" smtClean="0"/>
+              <a:t>このパターンは、予測結果をレスポンスとして返す</a:t>
+            </a:r>
+            <a:r>
+              <a:rPr kumimoji="1" lang="en-US" altLang="ja-JP" dirty="0" smtClean="0"/>
+              <a:t>API</a:t>
+            </a:r>
+            <a:r>
+              <a:rPr kumimoji="1" lang="ja-JP" altLang="en-US" dirty="0" smtClean="0"/>
+              <a:t>サーバーを用意するパターンで</a:t>
+            </a:r>
+            <a:endParaRPr kumimoji="1" lang="en-US" altLang="ja-JP" dirty="0" smtClean="0"/>
+          </a:p>
+          <a:p>
+            <a:endParaRPr kumimoji="1" lang="en-US" altLang="ja-JP" dirty="0" smtClean="0"/>
+          </a:p>
+          <a:p>
+            <a:r>
+              <a:rPr kumimoji="1" lang="ja-JP" altLang="en-US" dirty="0" smtClean="0"/>
+              <a:t>このパターンの特徴は～～</a:t>
+            </a:r>
+            <a:endParaRPr kumimoji="1" lang="en-US" altLang="ja-JP" dirty="0" smtClean="0"/>
+          </a:p>
+          <a:p>
+            <a:endParaRPr kumimoji="1" lang="en-US" altLang="ja-JP" dirty="0" smtClean="0"/>
+          </a:p>
+          <a:p>
+            <a:r>
+              <a:rPr kumimoji="1" lang="ja-JP" altLang="en-US" dirty="0" smtClean="0"/>
+              <a:t>の２点があり</a:t>
+            </a:r>
+            <a:endParaRPr kumimoji="1" lang="en-US" altLang="ja-JP" dirty="0" smtClean="0"/>
+          </a:p>
+          <a:p>
+            <a:endParaRPr kumimoji="1" lang="en-US" altLang="ja-JP" dirty="0" smtClean="0"/>
+          </a:p>
+          <a:p>
+            <a:r>
+              <a:rPr kumimoji="1" lang="ja-JP" altLang="en-US" dirty="0" smtClean="0"/>
+              <a:t>バッチ処理で学習を行うことは他のパターンとは代わりませんが、</a:t>
+            </a:r>
+            <a:r>
               <a:rPr kumimoji="1" lang="en-US" altLang="ja-JP" dirty="0" smtClean="0"/>
               <a:t>Web</a:t>
             </a:r>
             <a:r>
               <a:rPr kumimoji="1" lang="ja-JP" altLang="en-US" dirty="0" smtClean="0"/>
-              <a:t>アプリケーションで使い勝手の良いのはこのパタンで、一番初めに試すパターンとしてはこの方法が無難らしいです。</a:t>
-            </a:r>
-            <a:endParaRPr kumimoji="1" lang="en-US" altLang="ja-JP" dirty="0" smtClean="0"/>
-          </a:p>
-          <a:p>
-            <a:endParaRPr kumimoji="1" lang="en-US" altLang="ja-JP" dirty="0" smtClean="0"/>
-          </a:p>
-          <a:p>
-            <a:r>
-              <a:rPr kumimoji="1" lang="ja-JP" altLang="en-US" dirty="0" smtClean="0"/>
-              <a:t>分類問題などについて～～</a:t>
-            </a:r>
-            <a:endParaRPr kumimoji="1" lang="en-US" altLang="ja-JP" dirty="0" smtClean="0"/>
-          </a:p>
-          <a:p>
-            <a:endParaRPr kumimoji="1" lang="en-US" altLang="ja-JP" dirty="0" smtClean="0"/>
-          </a:p>
-          <a:p>
-            <a:r>
-              <a:rPr kumimoji="1" lang="ja-JP" altLang="en-US" dirty="0" smtClean="0"/>
-              <a:t>このパターンは、予測バッチとアプリケーションの間で</a:t>
-            </a:r>
-            <a:r>
-              <a:rPr kumimoji="1" lang="en-US" altLang="ja-JP" dirty="0" smtClean="0"/>
-              <a:t>DB</a:t>
-            </a:r>
-            <a:r>
-              <a:rPr kumimoji="1" lang="ja-JP" altLang="en-US" dirty="0" smtClean="0"/>
-              <a:t>を介してやり取りをするので、</a:t>
-            </a:r>
-            <a:r>
-              <a:rPr kumimoji="1" lang="en-US" altLang="ja-JP" dirty="0" smtClean="0"/>
-              <a:t>Web</a:t>
-            </a:r>
-            <a:r>
-              <a:rPr kumimoji="1" lang="ja-JP" altLang="en-US" dirty="0" smtClean="0"/>
-              <a:t>アプリケーションと機械学習の学習・予測を行う部分がそれぞれ独立しており</a:t>
-            </a:r>
-            <a:endParaRPr kumimoji="1" lang="en-US" altLang="ja-JP" dirty="0" smtClean="0"/>
-          </a:p>
-          <a:p>
-            <a:endParaRPr kumimoji="1" lang="en-US" altLang="ja-JP" dirty="0" smtClean="0"/>
-          </a:p>
-          <a:p>
-            <a:r>
-              <a:rPr kumimoji="1" lang="en-US" altLang="ja-JP" dirty="0" smtClean="0"/>
-              <a:t>Web</a:t>
-            </a:r>
-            <a:r>
-              <a:rPr kumimoji="1" lang="ja-JP" altLang="en-US" dirty="0" smtClean="0"/>
-              <a:t>アプリケーションと機械学習する部分で言語がそれぞれ異なっても良いことが大きなメリットです。</a:t>
-            </a:r>
-          </a:p>
-          <a:p>
+              <a:t>アプリケーションから～～です</a:t>
+            </a:r>
             <a:endParaRPr kumimoji="1" lang="ja-JP" altLang="en-US" dirty="0"/>
           </a:p>
         </p:txBody>
@@ -878,7 +822,7 @@
           <a:p>
             <a:fld id="{7D904524-672D-4E66-A637-CA0A2B28D555}" type="slidenum">
               <a:rPr kumimoji="1" lang="ja-JP" altLang="en-US" smtClean="0"/>
-              <a:t>15</a:t>
+              <a:t>13</a:t>
             </a:fld>
             <a:endParaRPr kumimoji="1" lang="ja-JP" altLang="en-US"/>
           </a:p>
@@ -887,7 +831,7 @@
     </p:spTree>
     <p:extLst>
       <p:ext uri="{BB962C8B-B14F-4D97-AF65-F5344CB8AC3E}">
-        <p14:creationId xmlns:p14="http://schemas.microsoft.com/office/powerpoint/2010/main" val="686770271"/>
+        <p14:creationId xmlns:p14="http://schemas.microsoft.com/office/powerpoint/2010/main" val="1667135320"/>
       </p:ext>
     </p:extLst>
   </p:cSld>
@@ -942,68 +886,66 @@
           <a:lstStyle/>
           <a:p>
             <a:r>
-              <a:rPr kumimoji="1" lang="ja-JP" altLang="en-US" dirty="0" smtClean="0"/>
-              <a:t>・このパターンが用いられる場面</a:t>
-            </a:r>
-            <a:endParaRPr kumimoji="1" lang="en-US" altLang="ja-JP" dirty="0" smtClean="0"/>
-          </a:p>
-          <a:p>
-            <a:endParaRPr kumimoji="1" lang="en-US" altLang="ja-JP" dirty="0" smtClean="0"/>
-          </a:p>
-          <a:p>
-            <a:r>
-              <a:rPr kumimoji="1" lang="ja-JP" altLang="en-US" dirty="0" smtClean="0"/>
-              <a:t>例えば、ユーザのアクセスログからメールマガジンで送付する内容をパーソナライズする、などがこれに当たります</a:t>
-            </a:r>
-            <a:endParaRPr kumimoji="1" lang="en-US" altLang="ja-JP" dirty="0" smtClean="0"/>
-          </a:p>
-          <a:p>
-            <a:endParaRPr kumimoji="1" lang="en-US" altLang="ja-JP" dirty="0" smtClean="0"/>
-          </a:p>
-          <a:p>
-            <a:r>
-              <a:rPr kumimoji="1" lang="ja-JP" altLang="en-US" dirty="0" smtClean="0"/>
-              <a:t>・メリット</a:t>
-            </a:r>
-            <a:endParaRPr kumimoji="1" lang="en-US" altLang="ja-JP" dirty="0" smtClean="0"/>
-          </a:p>
-          <a:p>
-            <a:endParaRPr kumimoji="1" lang="en-US" altLang="ja-JP" dirty="0" smtClean="0"/>
-          </a:p>
-          <a:p>
-            <a:r>
               <a:rPr kumimoji="1" lang="en-US" altLang="ja-JP" dirty="0" smtClean="0"/>
               <a:t>Web</a:t>
             </a:r>
             <a:r>
               <a:rPr kumimoji="1" lang="ja-JP" altLang="en-US" dirty="0" smtClean="0"/>
-              <a:t>アプロケーションで</a:t>
+              <a:t>アプリケーションで使い勝手の良いのはこのパタンで、一番初めに試すパターンとしてはこの方法が無難らしいです。</a:t>
+            </a:r>
+            <a:endParaRPr kumimoji="1" lang="en-US" altLang="ja-JP" dirty="0" smtClean="0"/>
+          </a:p>
+          <a:p>
+            <a:endParaRPr kumimoji="1" lang="en-US" altLang="ja-JP" dirty="0" smtClean="0"/>
+          </a:p>
+          <a:p>
+            <a:r>
+              <a:rPr kumimoji="1" lang="ja-JP" altLang="en-US" dirty="0" smtClean="0"/>
+              <a:t>分類問題などについて～～</a:t>
+            </a:r>
+            <a:endParaRPr kumimoji="1" lang="en-US" altLang="ja-JP" dirty="0" smtClean="0"/>
+          </a:p>
+          <a:p>
+            <a:endParaRPr kumimoji="1" lang="en-US" altLang="ja-JP" dirty="0" smtClean="0"/>
+          </a:p>
+          <a:p>
+            <a:r>
+              <a:rPr kumimoji="1" lang="ja-JP" altLang="en-US" dirty="0" smtClean="0"/>
+              <a:t>このパターンは、予測バッチとアプリケーションの間で</a:t>
             </a:r>
             <a:r>
               <a:rPr kumimoji="1" lang="en-US" altLang="ja-JP" dirty="0" smtClean="0"/>
-              <a:t>Ruby on Rails</a:t>
+              <a:t>DB</a:t>
             </a:r>
             <a:r>
               <a:rPr kumimoji="1" lang="ja-JP" altLang="en-US" dirty="0" smtClean="0"/>
-              <a:t>を使ってた「としても、特に気にすることなく</a:t>
+              <a:t>を介してやり取りをするので、</a:t>
             </a:r>
             <a:r>
               <a:rPr kumimoji="1" lang="en-US" altLang="ja-JP" dirty="0" smtClean="0"/>
-              <a:t>Python</a:t>
+              <a:t>Web</a:t>
             </a:r>
             <a:r>
               <a:rPr kumimoji="1" lang="ja-JP" altLang="en-US" dirty="0" smtClean="0"/>
-              <a:t>や</a:t>
-            </a:r>
+              <a:t>アプリケーションと機械学習の学習・予測を行う部分がそれぞれ独立しており</a:t>
+            </a:r>
+            <a:endParaRPr kumimoji="1" lang="en-US" altLang="ja-JP" dirty="0" smtClean="0"/>
+          </a:p>
+          <a:p>
+            <a:endParaRPr kumimoji="1" lang="en-US" altLang="ja-JP" dirty="0" smtClean="0"/>
+          </a:p>
+          <a:p>
             <a:r>
               <a:rPr kumimoji="1" lang="en-US" altLang="ja-JP" dirty="0" smtClean="0"/>
-              <a:t>R</a:t>
+              <a:t>Web</a:t>
             </a:r>
             <a:r>
               <a:rPr kumimoji="1" lang="ja-JP" altLang="en-US" dirty="0" smtClean="0"/>
-              <a:t>でバッチを書けるというメリットがあります</a:t>
-            </a:r>
-            <a:endParaRPr kumimoji="1" lang="en-US" altLang="ja-JP" dirty="0" smtClean="0"/>
+              <a:t>アプリケーションと機械学習する部分で言語がそれぞれ異なっても良いことが大きなメリットです。</a:t>
+            </a:r>
+          </a:p>
+          <a:p>
+            <a:endParaRPr kumimoji="1" lang="ja-JP" altLang="en-US" dirty="0"/>
           </a:p>
         </p:txBody>
       </p:sp>
@@ -1024,7 +966,7 @@
           <a:p>
             <a:fld id="{7D904524-672D-4E66-A637-CA0A2B28D555}" type="slidenum">
               <a:rPr kumimoji="1" lang="ja-JP" altLang="en-US" smtClean="0"/>
-              <a:t>16</a:t>
+              <a:t>15</a:t>
             </a:fld>
             <a:endParaRPr kumimoji="1" lang="ja-JP" altLang="en-US"/>
           </a:p>
@@ -1033,7 +975,7 @@
     </p:spTree>
     <p:extLst>
       <p:ext uri="{BB962C8B-B14F-4D97-AF65-F5344CB8AC3E}">
-        <p14:creationId xmlns:p14="http://schemas.microsoft.com/office/powerpoint/2010/main" val="2801964498"/>
+        <p14:creationId xmlns:p14="http://schemas.microsoft.com/office/powerpoint/2010/main" val="686770271"/>
       </p:ext>
     </p:extLst>
   </p:cSld>
@@ -1087,7 +1029,69 @@
           <a:bodyPr/>
           <a:lstStyle/>
           <a:p>
-            <a:endParaRPr kumimoji="1" lang="ja-JP" altLang="en-US" dirty="0"/>
+            <a:r>
+              <a:rPr kumimoji="1" lang="ja-JP" altLang="en-US" dirty="0" smtClean="0"/>
+              <a:t>・このパターンが用いられる場面</a:t>
+            </a:r>
+            <a:endParaRPr kumimoji="1" lang="en-US" altLang="ja-JP" dirty="0" smtClean="0"/>
+          </a:p>
+          <a:p>
+            <a:endParaRPr kumimoji="1" lang="en-US" altLang="ja-JP" dirty="0" smtClean="0"/>
+          </a:p>
+          <a:p>
+            <a:r>
+              <a:rPr kumimoji="1" lang="ja-JP" altLang="en-US" dirty="0" smtClean="0"/>
+              <a:t>例えば、ユーザのアクセスログからメールマガジンで送付する内容をパーソナライズする、などがこれに当たります</a:t>
+            </a:r>
+            <a:endParaRPr kumimoji="1" lang="en-US" altLang="ja-JP" dirty="0" smtClean="0"/>
+          </a:p>
+          <a:p>
+            <a:endParaRPr kumimoji="1" lang="en-US" altLang="ja-JP" dirty="0" smtClean="0"/>
+          </a:p>
+          <a:p>
+            <a:r>
+              <a:rPr kumimoji="1" lang="ja-JP" altLang="en-US" dirty="0" smtClean="0"/>
+              <a:t>・メリット</a:t>
+            </a:r>
+            <a:endParaRPr kumimoji="1" lang="en-US" altLang="ja-JP" dirty="0" smtClean="0"/>
+          </a:p>
+          <a:p>
+            <a:endParaRPr kumimoji="1" lang="en-US" altLang="ja-JP" dirty="0" smtClean="0"/>
+          </a:p>
+          <a:p>
+            <a:r>
+              <a:rPr kumimoji="1" lang="en-US" altLang="ja-JP" dirty="0" smtClean="0"/>
+              <a:t>Web</a:t>
+            </a:r>
+            <a:r>
+              <a:rPr kumimoji="1" lang="ja-JP" altLang="en-US" dirty="0" smtClean="0"/>
+              <a:t>アプロケーションで</a:t>
+            </a:r>
+            <a:r>
+              <a:rPr kumimoji="1" lang="en-US" altLang="ja-JP" dirty="0" smtClean="0"/>
+              <a:t>Ruby on Rails</a:t>
+            </a:r>
+            <a:r>
+              <a:rPr kumimoji="1" lang="ja-JP" altLang="en-US" dirty="0" smtClean="0"/>
+              <a:t>を使ってた「としても、特に気にすることなく</a:t>
+            </a:r>
+            <a:r>
+              <a:rPr kumimoji="1" lang="en-US" altLang="ja-JP" dirty="0" smtClean="0"/>
+              <a:t>Python</a:t>
+            </a:r>
+            <a:r>
+              <a:rPr kumimoji="1" lang="ja-JP" altLang="en-US" dirty="0" smtClean="0"/>
+              <a:t>や</a:t>
+            </a:r>
+            <a:r>
+              <a:rPr kumimoji="1" lang="en-US" altLang="ja-JP" dirty="0" smtClean="0"/>
+              <a:t>R</a:t>
+            </a:r>
+            <a:r>
+              <a:rPr kumimoji="1" lang="ja-JP" altLang="en-US" dirty="0" smtClean="0"/>
+              <a:t>でバッチを書けるというメリットがあります</a:t>
+            </a:r>
+            <a:endParaRPr kumimoji="1" lang="en-US" altLang="ja-JP" dirty="0" smtClean="0"/>
           </a:p>
         </p:txBody>
       </p:sp>
@@ -1108,7 +1112,7 @@
           <a:p>
             <a:fld id="{7D904524-672D-4E66-A637-CA0A2B28D555}" type="slidenum">
               <a:rPr kumimoji="1" lang="ja-JP" altLang="en-US" smtClean="0"/>
-              <a:t>17</a:t>
+              <a:t>16</a:t>
             </a:fld>
             <a:endParaRPr kumimoji="1" lang="ja-JP" altLang="en-US"/>
           </a:p>
@@ -1117,7 +1121,7 @@
     </p:spTree>
     <p:extLst>
       <p:ext uri="{BB962C8B-B14F-4D97-AF65-F5344CB8AC3E}">
-        <p14:creationId xmlns:p14="http://schemas.microsoft.com/office/powerpoint/2010/main" val="3996026051"/>
+        <p14:creationId xmlns:p14="http://schemas.microsoft.com/office/powerpoint/2010/main" val="2801964498"/>
       </p:ext>
     </p:extLst>
   </p:cSld>
@@ -1171,10 +1175,6 @@
           <a:bodyPr/>
           <a:lstStyle/>
           <a:p>
-            <a:r>
-              <a:rPr kumimoji="1" lang="ja-JP" altLang="en-US" dirty="0" smtClean="0"/>
-              <a:t>このパターンは他のパターンと比べ、予測にかけられる時間に余裕があるのが特徴ですが、予測対象となるコンテンツが増えていくと</a:t>
-            </a:r>
             <a:endParaRPr kumimoji="1" lang="ja-JP" altLang="en-US" dirty="0"/>
           </a:p>
         </p:txBody>
@@ -1196,7 +1196,7 @@
           <a:p>
             <a:fld id="{7D904524-672D-4E66-A637-CA0A2B28D555}" type="slidenum">
               <a:rPr kumimoji="1" lang="ja-JP" altLang="en-US" smtClean="0"/>
-              <a:t>18</a:t>
+              <a:t>17</a:t>
             </a:fld>
             <a:endParaRPr kumimoji="1" lang="ja-JP" altLang="en-US"/>
           </a:p>
@@ -1205,7 +1205,7 @@
     </p:spTree>
     <p:extLst>
       <p:ext uri="{BB962C8B-B14F-4D97-AF65-F5344CB8AC3E}">
-        <p14:creationId xmlns:p14="http://schemas.microsoft.com/office/powerpoint/2010/main" val="198928953"/>
+        <p14:creationId xmlns:p14="http://schemas.microsoft.com/office/powerpoint/2010/main" val="3996026051"/>
       </p:ext>
     </p:extLst>
   </p:cSld>
@@ -1261,84 +1261,7 @@
           <a:p>
             <a:r>
               <a:rPr kumimoji="1" lang="ja-JP" altLang="en-US" dirty="0" smtClean="0"/>
-              <a:t>最後の節は、ログの設計ですね</a:t>
-            </a:r>
-            <a:endParaRPr kumimoji="1" lang="en-US" altLang="ja-JP" dirty="0" smtClean="0"/>
-          </a:p>
-          <a:p>
-            <a:endParaRPr kumimoji="1" lang="en-US" altLang="ja-JP" dirty="0" smtClean="0"/>
-          </a:p>
-          <a:p>
-            <a:r>
-              <a:rPr kumimoji="1" lang="ja-JP" altLang="en-US" dirty="0" smtClean="0"/>
-              <a:t>ログの設計とは、機械学習システムで必要な教師データをどのように取得するかを設計することです。</a:t>
-            </a:r>
-            <a:endParaRPr kumimoji="1" lang="en-US" altLang="ja-JP" dirty="0" smtClean="0"/>
-          </a:p>
-          <a:p>
-            <a:endParaRPr kumimoji="1" lang="en-US" altLang="ja-JP" dirty="0" smtClean="0"/>
-          </a:p>
-          <a:p>
-            <a:r>
-              <a:rPr kumimoji="1" lang="ja-JP" altLang="en-US" dirty="0" smtClean="0"/>
-              <a:t>ここでいうログとは、具体的には、</a:t>
-            </a:r>
-            <a:endParaRPr kumimoji="1" lang="en-US" altLang="ja-JP" dirty="0" smtClean="0"/>
-          </a:p>
-          <a:p>
-            <a:r>
-              <a:rPr kumimoji="1" lang="ja-JP" altLang="en-US" dirty="0" smtClean="0"/>
-              <a:t>・</a:t>
-            </a:r>
-            <a:r>
-              <a:rPr kumimoji="1" lang="en-US" altLang="ja-JP" dirty="0" smtClean="0"/>
-              <a:t>Web</a:t>
-            </a:r>
-            <a:r>
-              <a:rPr kumimoji="1" lang="ja-JP" altLang="en-US" dirty="0" smtClean="0"/>
-              <a:t>サーバのアプリケーションログ　や</a:t>
-            </a:r>
-            <a:endParaRPr kumimoji="1" lang="en-US" altLang="ja-JP" dirty="0" smtClean="0"/>
-          </a:p>
-          <a:p>
-            <a:r>
-              <a:rPr kumimoji="1" lang="ja-JP" altLang="en-US" dirty="0" smtClean="0"/>
-              <a:t>・どこをどうクリックしたかなどのユーザの行動ログ　</a:t>
-            </a:r>
-            <a:endParaRPr kumimoji="1" lang="en-US" altLang="ja-JP" dirty="0" smtClean="0"/>
-          </a:p>
-          <a:p>
-            <a:r>
-              <a:rPr kumimoji="1" lang="ja-JP" altLang="en-US" dirty="0" smtClean="0"/>
-              <a:t>を指します</a:t>
-            </a:r>
-            <a:endParaRPr kumimoji="1" lang="en-US" altLang="ja-JP" dirty="0" smtClean="0"/>
-          </a:p>
-          <a:p>
-            <a:endParaRPr kumimoji="1" lang="en-US" altLang="ja-JP" dirty="0" smtClean="0"/>
-          </a:p>
-          <a:p>
-            <a:r>
-              <a:rPr kumimoji="1" lang="ja-JP" altLang="en-US" dirty="0" smtClean="0"/>
-              <a:t>ログには、～～や～～といった特徴があり、システムに組み込みにあたっては様々なコツがあるらしいです。</a:t>
-            </a:r>
-            <a:endParaRPr kumimoji="1" lang="en-US" altLang="ja-JP" dirty="0" smtClean="0"/>
-          </a:p>
-          <a:p>
-            <a:endParaRPr kumimoji="1" lang="en-US" altLang="ja-JP" dirty="0" smtClean="0"/>
-          </a:p>
-          <a:p>
-            <a:r>
-              <a:rPr kumimoji="1" lang="ja-JP" altLang="en-US" dirty="0" smtClean="0"/>
-              <a:t>またログ設計は特徴量を決めるための重要なポイントということで、どこにある</a:t>
-            </a:r>
-            <a:r>
-              <a:rPr kumimoji="1" lang="ja-JP" altLang="en-US" dirty="0" err="1" smtClean="0"/>
-              <a:t>どった</a:t>
-            </a:r>
-            <a:r>
-              <a:rPr kumimoji="1" lang="ja-JP" altLang="en-US" dirty="0" smtClean="0"/>
-              <a:t>情報を利用し、教師データに活用するかについての概要を説明します</a:t>
+              <a:t>このパターンは他のパターンと比べ、予測にかけられる時間に余裕があるのが特徴ですが、予測対象となるコンテンツが増えていくと</a:t>
             </a:r>
             <a:endParaRPr kumimoji="1" lang="ja-JP" altLang="en-US" dirty="0"/>
           </a:p>
@@ -1361,7 +1284,7 @@
           <a:p>
             <a:fld id="{7D904524-672D-4E66-A637-CA0A2B28D555}" type="slidenum">
               <a:rPr kumimoji="1" lang="ja-JP" altLang="en-US" smtClean="0"/>
-              <a:t>20</a:t>
+              <a:t>18</a:t>
             </a:fld>
             <a:endParaRPr kumimoji="1" lang="ja-JP" altLang="en-US"/>
           </a:p>
@@ -1370,7 +1293,7 @@
     </p:spTree>
     <p:extLst>
       <p:ext uri="{BB962C8B-B14F-4D97-AF65-F5344CB8AC3E}">
-        <p14:creationId xmlns:p14="http://schemas.microsoft.com/office/powerpoint/2010/main" val="3081659053"/>
+        <p14:creationId xmlns:p14="http://schemas.microsoft.com/office/powerpoint/2010/main" val="198928953"/>
       </p:ext>
     </p:extLst>
   </p:cSld>
@@ -1425,28 +1348,85 @@
           <a:lstStyle/>
           <a:p>
             <a:r>
-              <a:rPr kumimoji="1" lang="ja-JP" altLang="en-US" sz="1200" b="1" i="0" kern="1200" dirty="0" smtClean="0">
-                <a:solidFill>
-                  <a:schemeClr val="tx1"/>
-                </a:solidFill>
-                <a:effectLst/>
-                <a:latin typeface="+mn-lt"/>
-                <a:ea typeface="+mn-ea"/>
-                <a:cs typeface="+mn-cs"/>
-              </a:rPr>
-              <a:t>分散データベース</a:t>
-            </a:r>
-            <a:r>
-              <a:rPr kumimoji="1" lang="ja-JP" altLang="en-US" sz="1200" b="0" i="0" kern="1200" dirty="0" smtClean="0">
-                <a:solidFill>
-                  <a:schemeClr val="tx1"/>
-                </a:solidFill>
-                <a:effectLst/>
-                <a:latin typeface="+mn-lt"/>
-                <a:ea typeface="+mn-ea"/>
-                <a:cs typeface="+mn-cs"/>
-              </a:rPr>
-              <a:t>は、ネットワーク上に複数存在するデータベースを、あたかも一つのデータベースであるように利用する仕組みです</a:t>
+              <a:rPr kumimoji="1" lang="ja-JP" altLang="en-US" dirty="0" smtClean="0"/>
+              <a:t>最後の節は、ログの設計ですね</a:t>
+            </a:r>
+            <a:endParaRPr kumimoji="1" lang="en-US" altLang="ja-JP" dirty="0" smtClean="0"/>
+          </a:p>
+          <a:p>
+            <a:endParaRPr kumimoji="1" lang="en-US" altLang="ja-JP" dirty="0" smtClean="0"/>
+          </a:p>
+          <a:p>
+            <a:r>
+              <a:rPr kumimoji="1" lang="ja-JP" altLang="en-US" dirty="0" smtClean="0"/>
+              <a:t>ログの設計とは、機械学習システムで必要な教師データをどのように取得するかを設計することです。</a:t>
+            </a:r>
+            <a:endParaRPr kumimoji="1" lang="en-US" altLang="ja-JP" dirty="0" smtClean="0"/>
+          </a:p>
+          <a:p>
+            <a:endParaRPr kumimoji="1" lang="en-US" altLang="ja-JP" dirty="0" smtClean="0"/>
+          </a:p>
+          <a:p>
+            <a:r>
+              <a:rPr kumimoji="1" lang="ja-JP" altLang="en-US" dirty="0" smtClean="0"/>
+              <a:t>ここでいうログとは、具体的には、</a:t>
+            </a:r>
+            <a:endParaRPr kumimoji="1" lang="en-US" altLang="ja-JP" dirty="0" smtClean="0"/>
+          </a:p>
+          <a:p>
+            <a:r>
+              <a:rPr kumimoji="1" lang="ja-JP" altLang="en-US" dirty="0" smtClean="0"/>
+              <a:t>・</a:t>
+            </a:r>
+            <a:r>
+              <a:rPr kumimoji="1" lang="en-US" altLang="ja-JP" dirty="0" smtClean="0"/>
+              <a:t>Web</a:t>
+            </a:r>
+            <a:r>
+              <a:rPr kumimoji="1" lang="ja-JP" altLang="en-US" dirty="0" smtClean="0"/>
+              <a:t>サーバのアプリケーションログ　や</a:t>
+            </a:r>
+            <a:endParaRPr kumimoji="1" lang="en-US" altLang="ja-JP" dirty="0" smtClean="0"/>
+          </a:p>
+          <a:p>
+            <a:r>
+              <a:rPr kumimoji="1" lang="ja-JP" altLang="en-US" dirty="0" smtClean="0"/>
+              <a:t>・どこをどうクリックしたかなどのユーザの行動ログ　</a:t>
+            </a:r>
+            <a:endParaRPr kumimoji="1" lang="en-US" altLang="ja-JP" dirty="0" smtClean="0"/>
+          </a:p>
+          <a:p>
+            <a:r>
+              <a:rPr kumimoji="1" lang="ja-JP" altLang="en-US" dirty="0" smtClean="0"/>
+              <a:t>を指します</a:t>
+            </a:r>
+            <a:endParaRPr kumimoji="1" lang="en-US" altLang="ja-JP" dirty="0" smtClean="0"/>
+          </a:p>
+          <a:p>
+            <a:endParaRPr kumimoji="1" lang="en-US" altLang="ja-JP" dirty="0" smtClean="0"/>
+          </a:p>
+          <a:p>
+            <a:r>
+              <a:rPr kumimoji="1" lang="ja-JP" altLang="en-US" dirty="0" smtClean="0"/>
+              <a:t>ログには、～～や～～といった特徴があり、システムに組み込みにあたっては様々なコツがあるらしいです。</a:t>
+            </a:r>
+            <a:endParaRPr kumimoji="1" lang="en-US" altLang="ja-JP" dirty="0" smtClean="0"/>
+          </a:p>
+          <a:p>
+            <a:endParaRPr kumimoji="1" lang="en-US" altLang="ja-JP" dirty="0" smtClean="0"/>
+          </a:p>
+          <a:p>
+            <a:r>
+              <a:rPr kumimoji="1" lang="ja-JP" altLang="en-US" dirty="0" smtClean="0"/>
+              <a:t>またログ設計は特徴量を決めるための重要なポイントということで、どこにある</a:t>
+            </a:r>
+            <a:r>
+              <a:rPr kumimoji="1" lang="ja-JP" altLang="en-US" dirty="0" err="1" smtClean="0"/>
+              <a:t>どった</a:t>
+            </a:r>
+            <a:r>
+              <a:rPr kumimoji="1" lang="ja-JP" altLang="en-US" dirty="0" smtClean="0"/>
+              <a:t>情報を利用し、教師データに活用するかについての概要を説明します</a:t>
             </a:r>
             <a:endParaRPr kumimoji="1" lang="ja-JP" altLang="en-US" dirty="0"/>
           </a:p>
@@ -1469,7 +1449,7 @@
           <a:p>
             <a:fld id="{7D904524-672D-4E66-A637-CA0A2B28D555}" type="slidenum">
               <a:rPr kumimoji="1" lang="ja-JP" altLang="en-US" smtClean="0"/>
-              <a:t>21</a:t>
+              <a:t>20</a:t>
             </a:fld>
             <a:endParaRPr kumimoji="1" lang="ja-JP" altLang="en-US"/>
           </a:p>
@@ -1478,7 +1458,7 @@
     </p:spTree>
     <p:extLst>
       <p:ext uri="{BB962C8B-B14F-4D97-AF65-F5344CB8AC3E}">
-        <p14:creationId xmlns:p14="http://schemas.microsoft.com/office/powerpoint/2010/main" val="2930396017"/>
+        <p14:creationId xmlns:p14="http://schemas.microsoft.com/office/powerpoint/2010/main" val="3081659053"/>
       </p:ext>
     </p:extLst>
   </p:cSld>
@@ -1533,6 +1513,114 @@
           <a:lstStyle/>
           <a:p>
             <a:r>
+              <a:rPr kumimoji="1" lang="ja-JP" altLang="en-US" sz="1200" b="1" i="0" kern="1200" dirty="0" smtClean="0">
+                <a:solidFill>
+                  <a:schemeClr val="tx1"/>
+                </a:solidFill>
+                <a:effectLst/>
+                <a:latin typeface="+mn-lt"/>
+                <a:ea typeface="+mn-ea"/>
+                <a:cs typeface="+mn-cs"/>
+              </a:rPr>
+              <a:t>分散データベース</a:t>
+            </a:r>
+            <a:r>
+              <a:rPr kumimoji="1" lang="ja-JP" altLang="en-US" sz="1200" b="0" i="0" kern="1200" dirty="0" smtClean="0">
+                <a:solidFill>
+                  <a:schemeClr val="tx1"/>
+                </a:solidFill>
+                <a:effectLst/>
+                <a:latin typeface="+mn-lt"/>
+                <a:ea typeface="+mn-ea"/>
+                <a:cs typeface="+mn-cs"/>
+              </a:rPr>
+              <a:t>は、ネットワーク上に複数存在するデータベースを、あたかも一つのデータベースであるように利用する仕組みです</a:t>
+            </a:r>
+            <a:endParaRPr kumimoji="1" lang="ja-JP" altLang="en-US" dirty="0"/>
+          </a:p>
+        </p:txBody>
+      </p:sp>
+      <p:sp>
+        <p:nvSpPr>
+          <p:cNvPr id="4" name="スライド番号プレースホルダー 3"/>
+          <p:cNvSpPr>
+            <a:spLocks noGrp="1"/>
+          </p:cNvSpPr>
+          <p:nvPr>
+            <p:ph type="sldNum" sz="quarter" idx="10"/>
+          </p:nvPr>
+        </p:nvSpPr>
+        <p:spPr/>
+        <p:txBody>
+          <a:bodyPr/>
+          <a:lstStyle/>
+          <a:p>
+            <a:fld id="{7D904524-672D-4E66-A637-CA0A2B28D555}" type="slidenum">
+              <a:rPr kumimoji="1" lang="ja-JP" altLang="en-US" smtClean="0"/>
+              <a:t>21</a:t>
+            </a:fld>
+            <a:endParaRPr kumimoji="1" lang="ja-JP" altLang="en-US"/>
+          </a:p>
+        </p:txBody>
+      </p:sp>
+    </p:spTree>
+    <p:extLst>
+      <p:ext uri="{BB962C8B-B14F-4D97-AF65-F5344CB8AC3E}">
+        <p14:creationId xmlns:p14="http://schemas.microsoft.com/office/powerpoint/2010/main" val="2930396017"/>
+      </p:ext>
+    </p:extLst>
+  </p:cSld>
+  <p:clrMapOvr>
+    <a:masterClrMapping/>
+  </p:clrMapOvr>
+</p:notes>
+</file>
+
+<file path=ppt/notesSlides/notesSlide18.xml><?xml version="1.0" encoding="utf-8"?>
+<p:notes xmlns:a="http://schemas.openxmlformats.org/drawingml/2006/main" xmlns:r="http://schemas.openxmlformats.org/officeDocument/2006/relationships" xmlns:p="http://schemas.openxmlformats.org/presentationml/2006/main">
+  <p:cSld>
+    <p:spTree>
+      <p:nvGrpSpPr>
+        <p:cNvPr id="1" name=""/>
+        <p:cNvGrpSpPr/>
+        <p:nvPr/>
+      </p:nvGrpSpPr>
+      <p:grpSpPr>
+        <a:xfrm>
+          <a:off x="0" y="0"/>
+          <a:ext cx="0" cy="0"/>
+          <a:chOff x="0" y="0"/>
+          <a:chExt cx="0" cy="0"/>
+        </a:xfrm>
+      </p:grpSpPr>
+      <p:sp>
+        <p:nvSpPr>
+          <p:cNvPr id="2" name="スライド イメージ プレースホルダー 1"/>
+          <p:cNvSpPr>
+            <a:spLocks noGrp="1" noRot="1" noChangeAspect="1"/>
+          </p:cNvSpPr>
+          <p:nvPr>
+            <p:ph type="sldImg"/>
+          </p:nvPr>
+        </p:nvSpPr>
+        <p:spPr/>
+      </p:sp>
+      <p:sp>
+        <p:nvSpPr>
+          <p:cNvPr id="3" name="ノート プレースホルダー 2"/>
+          <p:cNvSpPr>
+            <a:spLocks noGrp="1"/>
+          </p:cNvSpPr>
+          <p:nvPr>
+            <p:ph type="body" idx="1"/>
+          </p:nvPr>
+        </p:nvSpPr>
+        <p:spPr/>
+        <p:txBody>
+          <a:bodyPr/>
+          <a:lstStyle/>
+          <a:p>
+            <a:r>
               <a:rPr kumimoji="1" lang="ja-JP" altLang="en-US" dirty="0" smtClean="0"/>
               <a:t>このパターンは他のパターンと比べ、予測にかけられる時間に余裕があるのが特徴ですが、予測対象となるコンテンツが増えていくと</a:t>
             </a:r>
@@ -1576,7 +1664,7 @@
 </p:notes>
 </file>
 
-<file path=ppt/notesSlides/notesSlide18.xml><?xml version="1.0" encoding="utf-8"?>
+<file path=ppt/notesSlides/notesSlide19.xml><?xml version="1.0" encoding="utf-8"?>
 <p:notes xmlns:a="http://schemas.openxmlformats.org/drawingml/2006/main" xmlns:r="http://schemas.openxmlformats.org/officeDocument/2006/relationships" xmlns:p="http://schemas.openxmlformats.org/presentationml/2006/main">
   <p:cSld>
     <p:spTree>
@@ -1890,11 +1978,7 @@
           <a:p>
             <a:r>
               <a:rPr kumimoji="1" lang="ja-JP" altLang="en-US" dirty="0" smtClean="0"/>
-              <a:t>分類</a:t>
-            </a:r>
-            <a:r>
-              <a:rPr kumimoji="1" lang="ja-JP" altLang="en-US" dirty="0" smtClean="0"/>
-              <a:t>や回帰などの教師あり学習の場合、学習と予測の</a:t>
+              <a:t>分類や回帰などの教師あり学習の場合、学習と予測の</a:t>
             </a:r>
             <a:r>
               <a:rPr kumimoji="1" lang="en-US" altLang="ja-JP" dirty="0" smtClean="0"/>
@@ -2041,7 +2125,11 @@
           <a:p>
             <a:r>
               <a:rPr kumimoji="1" lang="ja-JP" altLang="en-US" dirty="0" smtClean="0"/>
-              <a:t>機械学習において、「バッチ」という言葉は特別な意味を持つということで、多くの場合、機械学習の文脈で「バッチ」というと「バッチ学習」のことを指します。</a:t>
+              <a:t>機械学習において、「バッチ」という言葉は特別な意味を持つということで、多くの場合、機械学習の文脈で「バッチ」というと「バッチ学習」のことを</a:t>
+            </a:r>
+            <a:r>
+              <a:rPr kumimoji="1" lang="ja-JP" altLang="en-US" smtClean="0"/>
+              <a:t>指すと</a:t>
             </a:r>
             <a:endParaRPr kumimoji="1" lang="en-US" altLang="ja-JP" dirty="0" smtClean="0"/>
           </a:p>
@@ -2729,9 +2817,143 @@
           <a:p>
             <a:r>
               <a:rPr kumimoji="1" lang="ja-JP" altLang="en-US" dirty="0" smtClean="0"/>
-              <a:t>その結果をンもとに、ユーザーにフィードバックをするなどして、次の処理へとつなげていきます</a:t>
-            </a:r>
-            <a:endParaRPr kumimoji="1" lang="ja-JP" altLang="en-US" dirty="0"/>
+              <a:t>で、このパターンがどのような場面で用いられるかというと</a:t>
+            </a:r>
+          </a:p>
+          <a:p>
+            <a:r>
+              <a:rPr kumimoji="1" lang="ja-JP" altLang="en-US" dirty="0" smtClean="0"/>
+              <a:t>学習は一括でできるけど、予測したい未知の入力データが事前に用意できず、予測結果を低遅延で使いたい場合です</a:t>
+            </a:r>
+            <a:endParaRPr kumimoji="1" lang="en-US" altLang="ja-JP" dirty="0" smtClean="0"/>
+          </a:p>
+          <a:p>
+            <a:endParaRPr kumimoji="1" lang="en-US" altLang="ja-JP" dirty="0" smtClean="0"/>
+          </a:p>
+          <a:p>
+            <a:r>
+              <a:rPr kumimoji="1" lang="ja-JP" altLang="en-US" dirty="0" smtClean="0"/>
+              <a:t>例えば、広告配信の最適化などが考えられます。</a:t>
+            </a:r>
+            <a:endParaRPr kumimoji="1" lang="en-US" altLang="ja-JP" dirty="0" smtClean="0"/>
+          </a:p>
+          <a:p>
+            <a:endParaRPr kumimoji="1" lang="en-US" altLang="ja-JP" dirty="0" smtClean="0"/>
+          </a:p>
+          <a:p>
+            <a:r>
+              <a:rPr kumimoji="1" lang="ja-JP" altLang="en-US" dirty="0" smtClean="0"/>
+              <a:t>で、この予測結果を低遅延で提供するためにはいろいろ工夫が必要で～～です</a:t>
+            </a:r>
+            <a:endParaRPr kumimoji="1" lang="en-US" altLang="ja-JP" dirty="0" smtClean="0"/>
+          </a:p>
+          <a:p>
+            <a:endParaRPr kumimoji="1" lang="en-US" altLang="ja-JP" dirty="0" smtClean="0"/>
+          </a:p>
+          <a:p>
+            <a:r>
+              <a:rPr kumimoji="1" lang="ja-JP" altLang="en-US" dirty="0" smtClean="0"/>
+              <a:t>そのため</a:t>
+            </a:r>
+            <a:r>
+              <a:rPr kumimoji="1" lang="en-US" altLang="ja-JP" dirty="0" smtClean="0"/>
+              <a:t>RDB</a:t>
+            </a:r>
+            <a:r>
+              <a:rPr kumimoji="1" lang="ja-JP" altLang="en-US" dirty="0" smtClean="0"/>
+              <a:t>に前処理済みのデータや特徴量を格納しておく工夫が必要です</a:t>
+            </a:r>
+            <a:endParaRPr kumimoji="1" lang="en-US" altLang="ja-JP" dirty="0" smtClean="0"/>
+          </a:p>
+          <a:p>
+            <a:endParaRPr kumimoji="1" lang="en-US" altLang="ja-JP" dirty="0" smtClean="0"/>
+          </a:p>
+          <a:p>
+            <a:pPr marL="0" marR="0" lvl="1" indent="0" algn="l" defTabSz="914400" rtl="0" eaLnBrk="1" fontAlgn="auto" latinLnBrk="0" hangingPunct="1">
+              <a:lnSpc>
+                <a:spcPct val="100000"/>
+              </a:lnSpc>
+              <a:spcBef>
+                <a:spcPts val="0"/>
+              </a:spcBef>
+              <a:spcAft>
+                <a:spcPts val="0"/>
+              </a:spcAft>
+              <a:buClrTx/>
+              <a:buSzTx/>
+              <a:buFontTx/>
+              <a:buNone/>
+              <a:tabLst/>
+              <a:defRPr/>
+            </a:pPr>
+            <a:r>
+              <a:rPr kumimoji="1" lang="ja-JP" altLang="en-US" dirty="0" smtClean="0"/>
+              <a:t>で、特徴のところでも言いましたが、このパターンは</a:t>
+            </a:r>
+            <a:r>
+              <a:rPr lang="en-US" altLang="ja-JP" dirty="0" smtClean="0"/>
+              <a:t>Web</a:t>
+            </a:r>
+            <a:r>
+              <a:rPr lang="ja-JP" altLang="en-US" dirty="0" smtClean="0"/>
+              <a:t>アプリケーションとバッチシステムが同一でなければならないというように～～特徴があります</a:t>
+            </a:r>
+            <a:endParaRPr lang="en-US" altLang="ja-JP" dirty="0" smtClean="0"/>
+          </a:p>
+          <a:p>
+            <a:pPr marL="0" marR="0" lvl="1" indent="0" algn="l" defTabSz="914400" rtl="0" eaLnBrk="1" fontAlgn="auto" latinLnBrk="0" hangingPunct="1">
+              <a:lnSpc>
+                <a:spcPct val="100000"/>
+              </a:lnSpc>
+              <a:spcBef>
+                <a:spcPts val="0"/>
+              </a:spcBef>
+              <a:spcAft>
+                <a:spcPts val="0"/>
+              </a:spcAft>
+              <a:buClrTx/>
+              <a:buSzTx/>
+              <a:buFontTx/>
+              <a:buNone/>
+              <a:tabLst/>
+              <a:defRPr/>
+            </a:pPr>
+            <a:endParaRPr lang="en-US" altLang="ja-JP" dirty="0" smtClean="0"/>
+          </a:p>
+          <a:p>
+            <a:pPr marL="0" marR="0" lvl="1" indent="0" algn="l" defTabSz="914400" rtl="0" eaLnBrk="1" fontAlgn="auto" latinLnBrk="0" hangingPunct="1">
+              <a:lnSpc>
+                <a:spcPct val="100000"/>
+              </a:lnSpc>
+              <a:spcBef>
+                <a:spcPts val="0"/>
+              </a:spcBef>
+              <a:spcAft>
+                <a:spcPts val="0"/>
+              </a:spcAft>
+              <a:buClrTx/>
+              <a:buSzTx/>
+              <a:buFontTx/>
+              <a:buNone/>
+              <a:tabLst/>
+              <a:defRPr/>
+            </a:pPr>
+            <a:r>
+              <a:rPr lang="ja-JP" altLang="en-US" dirty="0" smtClean="0"/>
+              <a:t>ただどうしても</a:t>
+            </a:r>
+            <a:r>
+              <a:rPr lang="en-US" altLang="ja-JP" dirty="0" smtClean="0"/>
+              <a:t>Web</a:t>
+            </a:r>
+            <a:r>
+              <a:rPr lang="ja-JP" altLang="en-US" smtClean="0"/>
+              <a:t>アプリケーションで用いる言語で機械学習で使う予測モデルを実装するのは大変らしく～～場合もあるようです</a:t>
+            </a:r>
+            <a:endParaRPr lang="ja-JP" altLang="en-US" dirty="0" smtClean="0"/>
+          </a:p>
+          <a:p>
+            <a:endParaRPr kumimoji="1" lang="en-US" altLang="ja-JP" dirty="0" smtClean="0"/>
           </a:p>
         </p:txBody>
       </p:sp>
@@ -2752,7 +2974,7 @@
           <a:p>
             <a:fld id="{7D904524-672D-4E66-A637-CA0A2B28D555}" type="slidenum">
               <a:rPr kumimoji="1" lang="ja-JP" altLang="en-US" smtClean="0"/>
-              <a:t>12</a:t>
+              <a:t>10</a:t>
             </a:fld>
             <a:endParaRPr kumimoji="1" lang="ja-JP" altLang="en-US"/>
           </a:p>
@@ -2761,7 +2983,7 @@
     </p:spTree>
     <p:extLst>
       <p:ext uri="{BB962C8B-B14F-4D97-AF65-F5344CB8AC3E}">
-        <p14:creationId xmlns:p14="http://schemas.microsoft.com/office/powerpoint/2010/main" val="416543690"/>
+        <p14:creationId xmlns:p14="http://schemas.microsoft.com/office/powerpoint/2010/main" val="1176882784"/>
       </p:ext>
     </p:extLst>
   </p:cSld>
@@ -2908,7 +3130,7 @@
           <a:p>
             <a:fld id="{39E63393-D41D-4BA0-829A-38184E0BBA2A}" type="datetime1">
               <a:rPr kumimoji="1" lang="ja-JP" altLang="en-US" smtClean="0"/>
-              <a:t>2019/6/27</a:t>
+              <a:t>2019/6/29</a:t>
             </a:fld>
             <a:endParaRPr kumimoji="1" lang="ja-JP" altLang="en-US"/>
           </a:p>
@@ -3110,7 +3332,7 @@
           <a:p>
             <a:fld id="{0D2AED48-5372-4789-8112-4ADF634046F9}" type="datetime1">
               <a:rPr kumimoji="1" lang="ja-JP" altLang="en-US" smtClean="0"/>
-              <a:t>2019/6/27</a:t>
+              <a:t>2019/6/29</a:t>
             </a:fld>
             <a:endParaRPr kumimoji="1" lang="ja-JP" altLang="en-US"/>
           </a:p>
@@ -3322,7 +3544,7 @@
           <a:p>
             <a:fld id="{E9242D85-8B93-4C88-A075-CB0E1D058B69}" type="datetime1">
               <a:rPr kumimoji="1" lang="ja-JP" altLang="en-US" smtClean="0"/>
-              <a:t>2019/6/27</a:t>
+              <a:t>2019/6/29</a:t>
             </a:fld>
             <a:endParaRPr kumimoji="1" lang="ja-JP" altLang="en-US"/>
           </a:p>
@@ -3562,7 +3784,7 @@
           <a:p>
             <a:fld id="{4ACA7463-7A1B-41DE-B3F2-47E5FD3214F8}" type="datetime1">
               <a:rPr kumimoji="1" lang="ja-JP" altLang="en-US" smtClean="0"/>
-              <a:t>2019/6/27</a:t>
+              <a:t>2019/6/29</a:t>
             </a:fld>
             <a:endParaRPr kumimoji="1" lang="ja-JP" altLang="en-US"/>
           </a:p>
@@ -3808,7 +4030,7 @@
           <a:p>
             <a:fld id="{C594B69D-E232-4893-906D-1ED88DC3197B}" type="datetime1">
               <a:rPr kumimoji="1" lang="ja-JP" altLang="en-US" smtClean="0"/>
-              <a:t>2019/6/27</a:t>
+              <a:t>2019/6/29</a:t>
             </a:fld>
             <a:endParaRPr kumimoji="1" lang="ja-JP" altLang="en-US"/>
           </a:p>
@@ -4104,7 +4326,7 @@
           <a:p>
             <a:fld id="{FD74DDAB-C466-4BAF-8645-496E8E4CC141}" type="datetime1">
               <a:rPr kumimoji="1" lang="ja-JP" altLang="en-US" smtClean="0"/>
-              <a:t>2019/6/27</a:t>
+              <a:t>2019/6/29</a:t>
             </a:fld>
             <a:endParaRPr kumimoji="1" lang="ja-JP" altLang="en-US"/>
           </a:p>
@@ -4535,7 +4757,7 @@
           <a:p>
             <a:fld id="{7C71D26D-08EB-44C9-9C47-F4C1D6F8ECB8}" type="datetime1">
               <a:rPr kumimoji="1" lang="ja-JP" altLang="en-US" smtClean="0"/>
-              <a:t>2019/6/27</a:t>
+              <a:t>2019/6/29</a:t>
             </a:fld>
             <a:endParaRPr kumimoji="1" lang="ja-JP" altLang="en-US"/>
           </a:p>
@@ -4653,7 +4875,7 @@
           <a:p>
             <a:fld id="{9E1444F4-CFAF-481A-A47E-B0FC5A78CE90}" type="datetime1">
               <a:rPr kumimoji="1" lang="ja-JP" altLang="en-US" smtClean="0"/>
-              <a:t>2019/6/27</a:t>
+              <a:t>2019/6/29</a:t>
             </a:fld>
             <a:endParaRPr kumimoji="1" lang="ja-JP" altLang="en-US"/>
           </a:p>
@@ -4748,7 +4970,7 @@
           <a:p>
             <a:fld id="{2F5552E7-0721-4333-8866-464246ECD54A}" type="datetime1">
               <a:rPr kumimoji="1" lang="ja-JP" altLang="en-US" smtClean="0"/>
-              <a:t>2019/6/27</a:t>
+              <a:t>2019/6/29</a:t>
             </a:fld>
             <a:endParaRPr kumimoji="1" lang="ja-JP" altLang="en-US"/>
           </a:p>
@@ -5057,7 +5279,7 @@
           <a:p>
             <a:fld id="{B7A4F737-42CE-4AD3-A34F-F7F97F80B918}" type="datetime1">
               <a:rPr kumimoji="1" lang="ja-JP" altLang="en-US" smtClean="0"/>
-              <a:t>2019/6/27</a:t>
+              <a:t>2019/6/29</a:t>
             </a:fld>
             <a:endParaRPr kumimoji="1" lang="ja-JP" altLang="en-US"/>
           </a:p>
@@ -5310,7 +5532,7 @@
           <a:p>
             <a:fld id="{82C05B49-AD60-4995-AA12-CFE4C086929E}" type="datetime1">
               <a:rPr kumimoji="1" lang="ja-JP" altLang="en-US" smtClean="0"/>
-              <a:t>2019/6/27</a:t>
+              <a:t>2019/6/29</a:t>
             </a:fld>
             <a:endParaRPr kumimoji="1" lang="ja-JP" altLang="en-US"/>
           </a:p>
@@ -5555,7 +5777,7 @@
           <a:p>
             <a:fld id="{79A1A226-196F-40C5-8280-564719F84EE6}" type="datetime1">
               <a:rPr kumimoji="1" lang="ja-JP" altLang="en-US" smtClean="0"/>
-              <a:t>2019/6/27</a:t>
+              <a:t>2019/6/29</a:t>
             </a:fld>
             <a:endParaRPr kumimoji="1" lang="ja-JP" altLang="en-US"/>
           </a:p>
@@ -6169,12 +6391,14 @@
         </p:nvSpPr>
         <p:spPr>
           <a:xfrm>
-            <a:off x="838200" y="1825625"/>
-            <a:ext cx="10899098" cy="4351338"/>
-          </a:xfrm>
-        </p:spPr>
-        <p:txBody>
-          <a:bodyPr/>
+            <a:off x="838200" y="1825624"/>
+            <a:ext cx="10899098" cy="4895851"/>
+          </a:xfrm>
+        </p:spPr>
+        <p:txBody>
+          <a:bodyPr>
+            <a:normAutofit/>
+          </a:bodyPr>
           <a:lstStyle/>
           <a:p>
             <a:r>
@@ -6187,11 +6411,7 @@
             <a:pPr lvl="1"/>
             <a:r>
               <a:rPr kumimoji="1" lang="ja-JP" altLang="en-US" dirty="0" smtClean="0"/>
-              <a:t>入力</a:t>
-            </a:r>
-            <a:r>
-              <a:rPr kumimoji="1" lang="ja-JP" altLang="en-US" dirty="0" smtClean="0"/>
-              <a:t>データが事前に用意できず，</a:t>
+              <a:t>入力データが事前に用意できず，</a:t>
             </a:r>
             <a:r>
               <a:rPr kumimoji="1" lang="ja-JP" altLang="en-US" dirty="0" smtClean="0">
@@ -6203,11 +6423,7 @@
             </a:r>
             <a:r>
               <a:rPr kumimoji="1" lang="ja-JP" altLang="en-US" dirty="0" smtClean="0"/>
-              <a:t>で使いたい</a:t>
-            </a:r>
-            <a:r>
-              <a:rPr kumimoji="1" lang="ja-JP" altLang="en-US" dirty="0" smtClean="0"/>
-              <a:t>場合</a:t>
+              <a:t>で使いたい場合</a:t>
             </a:r>
             <a:endParaRPr lang="en-US" altLang="ja-JP" dirty="0"/>
           </a:p>
@@ -6232,35 +6448,47 @@
           <a:p>
             <a:r>
               <a:rPr kumimoji="1" lang="ja-JP" altLang="en-US" dirty="0" smtClean="0"/>
-              <a:t>遅延</a:t>
-            </a:r>
+              <a:t>遅延を抑えるために</a:t>
+            </a:r>
+            <a:endParaRPr kumimoji="1" lang="en-US" altLang="ja-JP" dirty="0" smtClean="0"/>
+          </a:p>
+          <a:p>
+            <a:pPr lvl="1"/>
+            <a:r>
+              <a:rPr lang="ja-JP" altLang="en-US" dirty="0" smtClean="0"/>
+              <a:t>データのフェッチ、前処理、特徴抽出、予測といった一連の処理が低遅延で完結することが望ましい</a:t>
+            </a:r>
+            <a:endParaRPr lang="en-US" altLang="ja-JP" dirty="0" smtClean="0"/>
+          </a:p>
+          <a:p>
+            <a:pPr lvl="2"/>
             <a:r>
               <a:rPr kumimoji="1" lang="ja-JP" altLang="en-US" dirty="0" smtClean="0"/>
-              <a:t>を抑えるために</a:t>
-            </a:r>
-            <a:endParaRPr kumimoji="1" lang="en-US" altLang="ja-JP" dirty="0" smtClean="0"/>
-          </a:p>
-          <a:p>
-            <a:pPr lvl="1"/>
+              <a:t>データや特徴量を前処理</a:t>
+            </a:r>
+            <a:r>
+              <a:rPr kumimoji="1" lang="ja-JP" altLang="en-US" dirty="0" smtClean="0"/>
+              <a:t>して</a:t>
+            </a:r>
+            <a:r>
+              <a:rPr lang="en-US" altLang="ja-JP" dirty="0" smtClean="0"/>
+              <a:t>DB</a:t>
+            </a:r>
             <a:r>
               <a:rPr lang="ja-JP" altLang="en-US" dirty="0" smtClean="0"/>
-              <a:t>データのフェッチ、前処理、特徴抽出、予測といった一連の処理が低遅延で完結</a:t>
+              <a:t>に</a:t>
+            </a:r>
+            <a:r>
+              <a:rPr lang="ja-JP" altLang="en-US" dirty="0"/>
+              <a:t>格納</a:t>
             </a:r>
             <a:r>
               <a:rPr lang="ja-JP" altLang="en-US" dirty="0" smtClean="0"/>
-              <a:t>することが望ましい</a:t>
-            </a:r>
-            <a:endParaRPr lang="en-US" altLang="ja-JP" dirty="0" smtClean="0"/>
-          </a:p>
-          <a:p>
-            <a:pPr lvl="2"/>
-            <a:r>
-              <a:rPr kumimoji="1" lang="ja-JP" altLang="en-US" dirty="0" smtClean="0"/>
-              <a:t>データや特徴量を前処理して</a:t>
-            </a:r>
-            <a:r>
-              <a:rPr kumimoji="1" lang="ja-JP" altLang="en-US" dirty="0" smtClean="0"/>
-              <a:t>おく</a:t>
+              <a:t>してお</a:t>
+            </a:r>
+            <a:r>
+              <a:rPr lang="ja-JP" altLang="en-US" dirty="0"/>
+              <a:t>く</a:t>
             </a:r>
             <a:endParaRPr kumimoji="1" lang="en-US" altLang="ja-JP" dirty="0" smtClean="0"/>
           </a:p>
@@ -6279,7 +6507,51 @@
             </a:r>
             <a:r>
               <a:rPr kumimoji="1" lang="ja-JP" altLang="en-US" dirty="0" smtClean="0"/>
-              <a:t>アプリケーションが密結合になりやすい</a:t>
+              <a:t>アプリケーションが密結合に</a:t>
+            </a:r>
+            <a:r>
+              <a:rPr kumimoji="1" lang="ja-JP" altLang="en-US" dirty="0" smtClean="0"/>
+              <a:t>なりやすい</a:t>
+            </a:r>
+            <a:endParaRPr kumimoji="1" lang="en-US" altLang="ja-JP" dirty="0" smtClean="0"/>
+          </a:p>
+          <a:p>
+            <a:pPr lvl="1"/>
+            <a:r>
+              <a:rPr lang="ja-JP" altLang="en-US" dirty="0" smtClean="0"/>
+              <a:t>機械学習のプロトタイプは</a:t>
+            </a:r>
+            <a:r>
+              <a:rPr lang="en-US" altLang="ja-JP" dirty="0" smtClean="0"/>
+              <a:t>Python</a:t>
+            </a:r>
+            <a:r>
+              <a:rPr lang="ja-JP" altLang="en-US" dirty="0" smtClean="0"/>
+              <a:t>で行い、そのロジックを</a:t>
+            </a:r>
+            <a:r>
+              <a:rPr lang="en-US" altLang="ja-JP" dirty="0" smtClean="0"/>
+              <a:t>Web</a:t>
+            </a:r>
+            <a:r>
+              <a:rPr lang="ja-JP" altLang="en-US" dirty="0" smtClean="0"/>
+              <a:t>アプリケーションで利用している</a:t>
+            </a:r>
+            <a:r>
+              <a:rPr lang="en-US" altLang="ja-JP" dirty="0" smtClean="0"/>
+              <a:t>JavaScript</a:t>
+            </a:r>
+            <a:r>
+              <a:rPr lang="ja-JP" altLang="en-US" dirty="0" smtClean="0"/>
+              <a:t>や</a:t>
+            </a:r>
+            <a:r>
+              <a:rPr lang="en-US" altLang="ja-JP" dirty="0" smtClean="0"/>
+              <a:t>Ruby</a:t>
+            </a:r>
+            <a:r>
+              <a:rPr lang="ja-JP" altLang="en-US" dirty="0" smtClean="0"/>
+              <a:t>で実現する</a:t>
             </a:r>
             <a:endParaRPr kumimoji="1" lang="en-US" altLang="ja-JP" dirty="0" smtClean="0"/>
           </a:p>
@@ -7386,14 +7658,7 @@
                 <a:latin typeface="ＭＳ Ｐゴシック" panose="020B0600070205080204" pitchFamily="50" charset="-128"/>
                 <a:ea typeface="ＭＳ Ｐゴシック" panose="020B0600070205080204" pitchFamily="50" charset="-128"/>
               </a:rPr>
-              <a:t>学習結果は学習済みモデルをシリアライズして保存したものをストレージに保存</a:t>
-            </a:r>
-            <a:r>
-              <a:rPr lang="ja-JP" altLang="en-US" sz="2800" dirty="0" smtClean="0">
-                <a:latin typeface="ＭＳ Ｐゴシック" panose="020B0600070205080204" pitchFamily="50" charset="-128"/>
-                <a:ea typeface="ＭＳ Ｐゴシック" panose="020B0600070205080204" pitchFamily="50" charset="-128"/>
-              </a:rPr>
-              <a:t>する</a:t>
+              <a:t>学習結果は学習済みモデルをシリアライズして保存したものをストレージに保存する</a:t>
             </a:r>
             <a:endParaRPr lang="en-US" altLang="ja-JP" sz="2800" dirty="0" smtClean="0">
               <a:latin typeface="ＭＳ Ｐゴシック" panose="020B0600070205080204" pitchFamily="50" charset="-128"/>
@@ -7463,7 +7728,7 @@
         </p:nvSpPr>
         <p:spPr>
           <a:xfrm>
-            <a:off x="1790700" y="1123950"/>
+            <a:off x="1790700" y="1229460"/>
             <a:ext cx="8410575" cy="3219450"/>
           </a:xfrm>
           <a:prstGeom prst="rect">
@@ -7535,7 +7800,7 @@
         </p:nvSpPr>
         <p:spPr>
           <a:xfrm>
-            <a:off x="6901715" y="1483259"/>
+            <a:off x="6901715" y="1588769"/>
             <a:ext cx="3099217" cy="2747637"/>
           </a:xfrm>
           <a:prstGeom prst="roundRect">
@@ -7573,7 +7838,7 @@
         </p:nvSpPr>
         <p:spPr>
           <a:xfrm>
-            <a:off x="1948721" y="1483260"/>
+            <a:off x="1948721" y="1588770"/>
             <a:ext cx="3979888" cy="2747636"/>
           </a:xfrm>
           <a:prstGeom prst="roundRect">
@@ -7611,7 +7876,7 @@
         </p:nvSpPr>
         <p:spPr>
           <a:xfrm>
-            <a:off x="2652632" y="1211005"/>
+            <a:off x="2652632" y="1316515"/>
             <a:ext cx="2570813" cy="369332"/>
           </a:xfrm>
           <a:prstGeom prst="rect">
@@ -7658,7 +7923,7 @@
         </p:nvSpPr>
         <p:spPr>
           <a:xfrm>
-            <a:off x="3433989" y="2787404"/>
+            <a:off x="3433989" y="2892914"/>
             <a:ext cx="1409076" cy="369332"/>
           </a:xfrm>
           <a:prstGeom prst="rect">
@@ -7702,7 +7967,7 @@
         </p:nvCxnSpPr>
         <p:spPr>
           <a:xfrm>
-            <a:off x="2961801" y="2972070"/>
+            <a:off x="2961801" y="3077580"/>
             <a:ext cx="389742" cy="0"/>
           </a:xfrm>
           <a:prstGeom prst="straightConnector1">
@@ -7735,7 +8000,7 @@
         </p:nvSpPr>
         <p:spPr>
           <a:xfrm>
-            <a:off x="5576338" y="2030400"/>
+            <a:off x="5576338" y="2135910"/>
             <a:ext cx="1431561" cy="359764"/>
           </a:xfrm>
           <a:prstGeom prst="roundRect">
@@ -7777,7 +8042,7 @@
         </p:nvSpPr>
         <p:spPr>
           <a:xfrm>
-            <a:off x="5576338" y="3376217"/>
+            <a:off x="5576338" y="3481727"/>
             <a:ext cx="1431561" cy="359764"/>
           </a:xfrm>
           <a:prstGeom prst="roundRect">
@@ -7823,7 +8088,7 @@
         </p:nvCxnSpPr>
         <p:spPr>
           <a:xfrm flipV="1">
-            <a:off x="4838072" y="2301963"/>
+            <a:off x="4838072" y="2407473"/>
             <a:ext cx="593985" cy="515423"/>
           </a:xfrm>
           <a:prstGeom prst="straightConnector1">
@@ -7861,7 +8126,7 @@
         </p:nvCxnSpPr>
         <p:spPr>
           <a:xfrm flipH="1" flipV="1">
-            <a:off x="4870553" y="3031443"/>
+            <a:off x="4870553" y="3136953"/>
             <a:ext cx="705785" cy="524656"/>
           </a:xfrm>
           <a:prstGeom prst="straightConnector1">
@@ -7897,7 +8162,7 @@
         </p:nvSpPr>
         <p:spPr>
           <a:xfrm>
-            <a:off x="5081660" y="2602738"/>
+            <a:off x="5081660" y="2708248"/>
             <a:ext cx="921895" cy="369332"/>
           </a:xfrm>
           <a:prstGeom prst="rect">
@@ -7930,7 +8195,7 @@
         </p:nvSpPr>
         <p:spPr>
           <a:xfrm>
-            <a:off x="4389618" y="1825602"/>
+            <a:off x="4389618" y="1931112"/>
             <a:ext cx="1282906" cy="369332"/>
           </a:xfrm>
           <a:prstGeom prst="rect">
@@ -7964,7 +8229,7 @@
         </p:nvCxnSpPr>
         <p:spPr>
           <a:xfrm flipH="1">
-            <a:off x="4287186" y="2202788"/>
+            <a:off x="4287186" y="2308298"/>
             <a:ext cx="1144871" cy="0"/>
           </a:xfrm>
           <a:prstGeom prst="straightConnector1">
@@ -8000,7 +8265,7 @@
         </p:nvSpPr>
         <p:spPr>
           <a:xfrm>
-            <a:off x="8656819" y="2030400"/>
+            <a:off x="8656819" y="2135910"/>
             <a:ext cx="899410" cy="369332"/>
           </a:xfrm>
           <a:prstGeom prst="rect">
@@ -8044,7 +8309,7 @@
         </p:nvSpPr>
         <p:spPr>
           <a:xfrm>
-            <a:off x="8362013" y="3376217"/>
+            <a:off x="8362013" y="3481727"/>
             <a:ext cx="1489022" cy="369332"/>
           </a:xfrm>
           <a:prstGeom prst="rect">
@@ -8092,7 +8357,7 @@
         </p:nvCxnSpPr>
         <p:spPr>
           <a:xfrm flipH="1">
-            <a:off x="7123136" y="2210282"/>
+            <a:off x="7123136" y="2315792"/>
             <a:ext cx="1367854" cy="0"/>
           </a:xfrm>
           <a:prstGeom prst="straightConnector1">
@@ -8125,7 +8390,7 @@
         </p:nvCxnSpPr>
         <p:spPr>
           <a:xfrm flipV="1">
-            <a:off x="9106524" y="2499354"/>
+            <a:off x="9106524" y="2604864"/>
             <a:ext cx="0" cy="839066"/>
           </a:xfrm>
           <a:prstGeom prst="straightConnector1">
@@ -8158,7 +8423,7 @@
         </p:nvSpPr>
         <p:spPr>
           <a:xfrm>
-            <a:off x="9170233" y="2734221"/>
+            <a:off x="9170233" y="2839731"/>
             <a:ext cx="921895" cy="369332"/>
           </a:xfrm>
           <a:prstGeom prst="rect">
@@ -8191,7 +8456,7 @@
         </p:nvSpPr>
         <p:spPr>
           <a:xfrm>
-            <a:off x="2150471" y="2766484"/>
+            <a:off x="2150471" y="2871994"/>
             <a:ext cx="1361600" cy="646331"/>
           </a:xfrm>
           <a:prstGeom prst="rect">
@@ -8228,7 +8493,7 @@
         </p:nvSpPr>
         <p:spPr>
           <a:xfrm>
-            <a:off x="3864963" y="3412815"/>
+            <a:off x="3864963" y="3518325"/>
             <a:ext cx="1821305" cy="646331"/>
           </a:xfrm>
           <a:prstGeom prst="rect">
@@ -8269,7 +8534,7 @@
         </p:nvSpPr>
         <p:spPr>
           <a:xfrm>
-            <a:off x="7321444" y="1822052"/>
+            <a:off x="7321444" y="1927562"/>
             <a:ext cx="1209520" cy="369332"/>
           </a:xfrm>
           <a:prstGeom prst="rect">
@@ -8299,7 +8564,7 @@
         </p:nvSpPr>
         <p:spPr>
           <a:xfrm>
-            <a:off x="7117827" y="3584565"/>
+            <a:off x="7117827" y="3690075"/>
             <a:ext cx="2122983" cy="646331"/>
           </a:xfrm>
           <a:prstGeom prst="rect">
@@ -8336,7 +8601,7 @@
         </p:nvCxnSpPr>
         <p:spPr>
           <a:xfrm>
-            <a:off x="7123136" y="3556099"/>
+            <a:off x="7123136" y="3661609"/>
             <a:ext cx="1128949" cy="0"/>
           </a:xfrm>
           <a:prstGeom prst="straightConnector1">
@@ -8369,7 +8634,7 @@
         </p:nvSpPr>
         <p:spPr>
           <a:xfrm>
-            <a:off x="7569095" y="1211005"/>
+            <a:off x="7569095" y="1316515"/>
             <a:ext cx="1843790" cy="369332"/>
           </a:xfrm>
           <a:prstGeom prst="rect">
@@ -8413,8 +8678,8 @@
         </p:nvSpPr>
         <p:spPr>
           <a:xfrm>
-            <a:off x="464690" y="4416906"/>
-            <a:ext cx="11452483" cy="2308324"/>
+            <a:off x="100176" y="4607216"/>
+            <a:ext cx="12020387" cy="1938992"/>
           </a:xfrm>
           <a:prstGeom prst="rect">
             <a:avLst/>
@@ -8472,14 +8737,7 @@
                 <a:latin typeface="ＭＳ Ｐゴシック" panose="020B0600070205080204" pitchFamily="50" charset="-128"/>
                 <a:ea typeface="ＭＳ Ｐゴシック" panose="020B0600070205080204" pitchFamily="50" charset="-128"/>
               </a:rPr>
-              <a:t>例えば，スパムかどうかを判定したいコメントが投稿</a:t>
-            </a:r>
-            <a:r>
-              <a:rPr lang="ja-JP" altLang="en-US" sz="2400" dirty="0" smtClean="0">
-                <a:latin typeface="ＭＳ Ｐゴシック" panose="020B0600070205080204" pitchFamily="50" charset="-128"/>
-                <a:ea typeface="ＭＳ Ｐゴシック" panose="020B0600070205080204" pitchFamily="50" charset="-128"/>
-              </a:rPr>
-              <a:t>されたとす</a:t>
+              <a:t>例えば，スパムかどうかを判定したいコメントが投稿されたとす</a:t>
             </a:r>
             <a:r>
               <a:rPr lang="ja-JP" altLang="en-US" sz="2400" dirty="0">
@@ -8597,7 +8855,7 @@
               <a:rPr kumimoji="1" lang="ja-JP" altLang="en-US" smtClean="0"/>
               <a:t>12</a:t>
             </a:fld>
-            <a:endParaRPr kumimoji="1" lang="ja-JP" altLang="en-US"/>
+            <a:endParaRPr kumimoji="1" lang="ja-JP" altLang="en-US" dirty="0"/>
           </a:p>
         </p:txBody>
       </p:sp>
@@ -9020,15 +9278,7 @@
                   <a:srgbClr val="FF0000"/>
                 </a:solidFill>
               </a:rPr>
-              <a:t>モデルの比較が</a:t>
-            </a:r>
-            <a:r>
-              <a:rPr lang="ja-JP" altLang="en-US" sz="2800" dirty="0" smtClean="0">
-                <a:solidFill>
-                  <a:srgbClr val="FF0000"/>
-                </a:solidFill>
-              </a:rPr>
-              <a:t>しやすい</a:t>
+              <a:t>モデルの比較がしやすい</a:t>
             </a:r>
             <a:endParaRPr lang="en-US" altLang="ja-JP" sz="2800" dirty="0" smtClean="0">
               <a:solidFill>
@@ -9251,7 +9501,7 @@
         </p:nvSpPr>
         <p:spPr>
           <a:xfrm>
-            <a:off x="7157802" y="1690688"/>
+            <a:off x="7439162" y="1690688"/>
             <a:ext cx="4572001" cy="3048285"/>
           </a:xfrm>
         </p:spPr>
@@ -9328,7 +9578,7 @@
         </p:blipFill>
         <p:spPr>
           <a:xfrm>
-            <a:off x="271318" y="1690688"/>
+            <a:off x="524536" y="1690688"/>
             <a:ext cx="6871493" cy="3031087"/>
           </a:xfrm>
           <a:prstGeom prst="rect">
@@ -9458,10 +9708,6 @@
               </a:rPr>
               <a:t>をトリガーとして即時に予測結果を返す必要がない</a:t>
             </a:r>
-            <a:endParaRPr lang="ja-JP" altLang="en-US" sz="2400" dirty="0">
-              <a:latin typeface="ＭＳ Ｐゴシック" panose="020B0600070205080204" pitchFamily="50" charset="-128"/>
-              <a:ea typeface="ＭＳ Ｐゴシック" panose="020B0600070205080204" pitchFamily="50" charset="-128"/>
-            </a:endParaRPr>
           </a:p>
         </p:txBody>
       </p:sp>
@@ -9639,14 +9885,7 @@
                 <a:latin typeface="ＭＳ Ｐゴシック" panose="020B0600070205080204" pitchFamily="50" charset="-128"/>
                 <a:ea typeface="ＭＳ Ｐゴシック" panose="020B0600070205080204" pitchFamily="50" charset="-128"/>
               </a:rPr>
-              <a:t>予測の頻度がおよそ一日に一回以上程度で問題のない対象や結果に向いている</a:t>
-            </a:r>
-            <a:r>
-              <a:rPr kumimoji="1" lang="ja-JP" altLang="en-US" sz="2400" dirty="0" smtClean="0">
-                <a:latin typeface="ＭＳ Ｐゴシック" panose="020B0600070205080204" pitchFamily="50" charset="-128"/>
-                <a:ea typeface="ＭＳ Ｐゴシック" panose="020B0600070205080204" pitchFamily="50" charset="-128"/>
-              </a:rPr>
-              <a:t>パターン</a:t>
+              <a:t>予測の頻度がおよそ一日に一回以上程度で問題のない対象や結果に向いているパターン</a:t>
             </a:r>
             <a:endParaRPr kumimoji="1" lang="en-US" altLang="ja-JP" sz="2400" dirty="0" smtClean="0">
               <a:latin typeface="ＭＳ Ｐゴシック" panose="020B0600070205080204" pitchFamily="50" charset="-128"/>
@@ -9790,14 +10029,7 @@
                 <a:latin typeface="ＭＳ Ｐゴシック" panose="020B0600070205080204" pitchFamily="50" charset="-128"/>
                 <a:ea typeface="ＭＳ Ｐゴシック" panose="020B0600070205080204" pitchFamily="50" charset="-128"/>
               </a:rPr>
-              <a:t>予測処理に多少時間がかかる場合でもアプリケーションのレスポンスに影響</a:t>
-            </a:r>
-            <a:r>
-              <a:rPr kumimoji="1" lang="ja-JP" altLang="en-US" sz="2400" dirty="0" smtClean="0">
-                <a:latin typeface="ＭＳ Ｐゴシック" panose="020B0600070205080204" pitchFamily="50" charset="-128"/>
-                <a:ea typeface="ＭＳ Ｐゴシック" panose="020B0600070205080204" pitchFamily="50" charset="-128"/>
-              </a:rPr>
-              <a:t>しない</a:t>
+              <a:t>予測処理に多少時間がかかる場合でもアプリケーションのレスポンスに影響しない</a:t>
             </a:r>
             <a:endParaRPr kumimoji="1" lang="en-US" altLang="ja-JP" sz="2400" dirty="0" smtClean="0">
               <a:latin typeface="ＭＳ Ｐゴシック" panose="020B0600070205080204" pitchFamily="50" charset="-128"/>
@@ -12405,19 +12637,11 @@
             </a:r>
             <a:r>
               <a:rPr lang="ja-JP" altLang="en-US" dirty="0" smtClean="0"/>
-              <a:t>どうクリックしたか</a:t>
-            </a:r>
-            <a:r>
-              <a:rPr lang="ja-JP" altLang="en-US" dirty="0" smtClean="0"/>
-              <a:t>などの</a:t>
+              <a:t>どうクリックしたかなどの</a:t>
             </a:r>
             <a:r>
               <a:rPr kumimoji="1" lang="ja-JP" altLang="en-US" dirty="0" smtClean="0"/>
-              <a:t>ユーザ</a:t>
-            </a:r>
-            <a:r>
-              <a:rPr kumimoji="1" lang="ja-JP" altLang="en-US" dirty="0" smtClean="0"/>
-              <a:t>の行動ログ</a:t>
+              <a:t>ユーザの行動ログ</a:t>
             </a:r>
             <a:endParaRPr kumimoji="1" lang="en-US" altLang="ja-JP" dirty="0" smtClean="0"/>
           </a:p>
@@ -12602,11 +12826,7 @@
           <a:p>
             <a:r>
               <a:rPr kumimoji="1" lang="ja-JP" altLang="en-US" dirty="0" smtClean="0"/>
-              <a:t>ユーザー行動ログはデータ量が多くなるので，保存場所には気をつける必要が</a:t>
-            </a:r>
-            <a:r>
-              <a:rPr kumimoji="1" lang="ja-JP" altLang="en-US" dirty="0" smtClean="0"/>
-              <a:t>ある</a:t>
+              <a:t>ユーザー行動ログはデータ量が多くなるので，保存場所には気をつける必要がある</a:t>
             </a:r>
             <a:endParaRPr kumimoji="1" lang="en-US" altLang="ja-JP" dirty="0" smtClean="0"/>
           </a:p>
@@ -12622,11 +12842,7 @@
             </a:r>
             <a:r>
               <a:rPr lang="ja-JP" altLang="en-US" dirty="0" smtClean="0"/>
-              <a:t>に格納</a:t>
-            </a:r>
-            <a:r>
-              <a:rPr lang="ja-JP" altLang="en-US" dirty="0" smtClean="0"/>
-              <a:t>する</a:t>
+              <a:t>に格納する</a:t>
             </a:r>
             <a:endParaRPr lang="en-US" altLang="ja-JP" dirty="0" smtClean="0"/>
           </a:p>
@@ -12730,11 +12946,7 @@
             <a:pPr lvl="1"/>
             <a:r>
               <a:rPr kumimoji="1" lang="ja-JP" altLang="en-US" dirty="0" smtClean="0"/>
-              <a:t>分散</a:t>
-            </a:r>
-            <a:r>
-              <a:rPr kumimoji="1" lang="ja-JP" altLang="en-US" dirty="0" smtClean="0"/>
-              <a:t>処理基盤</a:t>
+              <a:t>分散処理基盤</a:t>
             </a:r>
             <a:r>
               <a:rPr kumimoji="1" lang="en-US" altLang="ja-JP" dirty="0" err="1" smtClean="0"/>
@@ -12750,11 +12962,7 @@
             </a:r>
             <a:r>
               <a:rPr kumimoji="1" lang="ja-JP" altLang="en-US" dirty="0" smtClean="0"/>
-              <a:t>に格納</a:t>
-            </a:r>
-            <a:r>
-              <a:rPr kumimoji="1" lang="ja-JP" altLang="en-US" dirty="0" smtClean="0"/>
-              <a:t>する</a:t>
+              <a:t>に格納する</a:t>
             </a:r>
             <a:endParaRPr kumimoji="1" lang="en-US" altLang="ja-JP" dirty="0" smtClean="0"/>
           </a:p>
@@ -12842,11 +13050,7 @@
             <a:pPr lvl="1"/>
             <a:r>
               <a:rPr lang="ja-JP" altLang="en-US" dirty="0" smtClean="0"/>
-              <a:t>オブジェクトストレージに格納</a:t>
-            </a:r>
-            <a:r>
-              <a:rPr lang="ja-JP" altLang="en-US" dirty="0" smtClean="0"/>
-              <a:t>する</a:t>
+              <a:t>オブジェクトストレージに格納する</a:t>
             </a:r>
             <a:endParaRPr lang="en-US" altLang="ja-JP" dirty="0" smtClean="0"/>
           </a:p>

--- a/仕事ではじめる機械学習第4章.pptx
+++ b/仕事ではじめる機械学習第4章.pptx
@@ -663,10 +663,286 @@
           <a:bodyPr/>
           <a:lstStyle/>
           <a:p>
-            <a:r>
-              <a:rPr kumimoji="1" lang="ja-JP" altLang="en-US" dirty="0" smtClean="0"/>
-              <a:t>その結果をンもとに、ユーザーにフィードバックをするなどして、次の処理へとつなげていきます</a:t>
-            </a:r>
+            <a:pPr marL="0" marR="0" indent="0" algn="l" defTabSz="914400" rtl="0" eaLnBrk="1" fontAlgn="auto" latinLnBrk="0" hangingPunct="1">
+              <a:lnSpc>
+                <a:spcPct val="100000"/>
+              </a:lnSpc>
+              <a:spcBef>
+                <a:spcPts val="0"/>
+              </a:spcBef>
+              <a:spcAft>
+                <a:spcPts val="0"/>
+              </a:spcAft>
+              <a:buClrTx/>
+              <a:buSzTx/>
+              <a:buFontTx/>
+              <a:buNone/>
+              <a:tabLst/>
+              <a:defRPr/>
+            </a:pPr>
+            <a:r>
+              <a:rPr kumimoji="1" lang="ja-JP" altLang="en-US" dirty="0" smtClean="0"/>
+              <a:t>１．バッチシステムによって、</a:t>
+            </a:r>
+            <a:r>
+              <a:rPr lang="en-US" altLang="ja-JP" sz="1200" dirty="0" smtClean="0">
+                <a:latin typeface="ＭＳ Ｐゴシック" panose="020B0600070205080204" pitchFamily="50" charset="-128"/>
+                <a:ea typeface="ＭＳ Ｐゴシック" panose="020B0600070205080204" pitchFamily="50" charset="-128"/>
+              </a:rPr>
+              <a:t>DB</a:t>
+            </a:r>
+            <a:r>
+              <a:rPr lang="ja-JP" altLang="en-US" sz="1200" dirty="0" smtClean="0">
+                <a:latin typeface="ＭＳ Ｐゴシック" panose="020B0600070205080204" pitchFamily="50" charset="-128"/>
+                <a:ea typeface="ＭＳ Ｐゴシック" panose="020B0600070205080204" pitchFamily="50" charset="-128"/>
+              </a:rPr>
+              <a:t>から予め蓄積されたログやユーザー情報を取得し，特徴量を抽出する</a:t>
+            </a:r>
+            <a:endParaRPr lang="en-US" altLang="ja-JP" sz="1200" dirty="0" smtClean="0">
+              <a:latin typeface="ＭＳ Ｐゴシック" panose="020B0600070205080204" pitchFamily="50" charset="-128"/>
+              <a:ea typeface="ＭＳ Ｐゴシック" panose="020B0600070205080204" pitchFamily="50" charset="-128"/>
+            </a:endParaRPr>
+          </a:p>
+          <a:p>
+            <a:pPr marL="0" marR="0" indent="0" algn="l" defTabSz="914400" rtl="0" eaLnBrk="1" fontAlgn="auto" latinLnBrk="0" hangingPunct="1">
+              <a:lnSpc>
+                <a:spcPct val="100000"/>
+              </a:lnSpc>
+              <a:spcBef>
+                <a:spcPts val="0"/>
+              </a:spcBef>
+              <a:spcAft>
+                <a:spcPts val="0"/>
+              </a:spcAft>
+              <a:buClrTx/>
+              <a:buSzTx/>
+              <a:buFontTx/>
+              <a:buNone/>
+              <a:tabLst/>
+              <a:defRPr/>
+            </a:pPr>
+            <a:endParaRPr lang="en-US" altLang="ja-JP" sz="1200" dirty="0" smtClean="0">
+              <a:latin typeface="ＭＳ Ｐゴシック" panose="020B0600070205080204" pitchFamily="50" charset="-128"/>
+              <a:ea typeface="ＭＳ Ｐゴシック" panose="020B0600070205080204" pitchFamily="50" charset="-128"/>
+            </a:endParaRPr>
+          </a:p>
+          <a:p>
+            <a:pPr marL="0" marR="0" indent="0" algn="l" defTabSz="914400" rtl="0" eaLnBrk="1" fontAlgn="auto" latinLnBrk="0" hangingPunct="1">
+              <a:lnSpc>
+                <a:spcPct val="100000"/>
+              </a:lnSpc>
+              <a:spcBef>
+                <a:spcPts val="0"/>
+              </a:spcBef>
+              <a:spcAft>
+                <a:spcPts val="0"/>
+              </a:spcAft>
+              <a:buClrTx/>
+              <a:buSzTx/>
+              <a:buFontTx/>
+              <a:buNone/>
+              <a:tabLst/>
+              <a:defRPr/>
+            </a:pPr>
+            <a:r>
+              <a:rPr lang="ja-JP" altLang="en-US" sz="1200" dirty="0" smtClean="0">
+                <a:latin typeface="ＭＳ Ｐゴシック" panose="020B0600070205080204" pitchFamily="50" charset="-128"/>
+                <a:ea typeface="ＭＳ Ｐゴシック" panose="020B0600070205080204" pitchFamily="50" charset="-128"/>
+              </a:rPr>
+              <a:t>２．次にここで得た、特徴量を元に何らかのモデルを学習します</a:t>
+            </a:r>
+            <a:endParaRPr lang="en-US" altLang="ja-JP" sz="1200" dirty="0" smtClean="0">
+              <a:latin typeface="ＭＳ Ｐゴシック" panose="020B0600070205080204" pitchFamily="50" charset="-128"/>
+              <a:ea typeface="ＭＳ Ｐゴシック" panose="020B0600070205080204" pitchFamily="50" charset="-128"/>
+            </a:endParaRPr>
+          </a:p>
+          <a:p>
+            <a:pPr marL="0" marR="0" indent="0" algn="l" defTabSz="914400" rtl="0" eaLnBrk="1" fontAlgn="auto" latinLnBrk="0" hangingPunct="1">
+              <a:lnSpc>
+                <a:spcPct val="100000"/>
+              </a:lnSpc>
+              <a:spcBef>
+                <a:spcPts val="0"/>
+              </a:spcBef>
+              <a:spcAft>
+                <a:spcPts val="0"/>
+              </a:spcAft>
+              <a:buClrTx/>
+              <a:buSzTx/>
+              <a:buFontTx/>
+              <a:buNone/>
+              <a:tabLst/>
+              <a:defRPr/>
+            </a:pPr>
+            <a:endParaRPr lang="en-US" altLang="ja-JP" sz="1200" dirty="0" smtClean="0">
+              <a:latin typeface="ＭＳ Ｐゴシック" panose="020B0600070205080204" pitchFamily="50" charset="-128"/>
+              <a:ea typeface="ＭＳ Ｐゴシック" panose="020B0600070205080204" pitchFamily="50" charset="-128"/>
+            </a:endParaRPr>
+          </a:p>
+          <a:p>
+            <a:pPr marL="0" marR="0" indent="0" algn="l" defTabSz="914400" rtl="0" eaLnBrk="1" fontAlgn="auto" latinLnBrk="0" hangingPunct="1">
+              <a:lnSpc>
+                <a:spcPct val="100000"/>
+              </a:lnSpc>
+              <a:spcBef>
+                <a:spcPts val="0"/>
+              </a:spcBef>
+              <a:spcAft>
+                <a:spcPts val="0"/>
+              </a:spcAft>
+              <a:buClrTx/>
+              <a:buSzTx/>
+              <a:buFontTx/>
+              <a:buNone/>
+              <a:tabLst/>
+              <a:defRPr/>
+            </a:pPr>
+            <a:r>
+              <a:rPr lang="ja-JP" altLang="en-US" sz="1200" dirty="0" smtClean="0">
+                <a:latin typeface="ＭＳ Ｐゴシック" panose="020B0600070205080204" pitchFamily="50" charset="-128"/>
+                <a:ea typeface="ＭＳ Ｐゴシック" panose="020B0600070205080204" pitchFamily="50" charset="-128"/>
+              </a:rPr>
+              <a:t>３．～～</a:t>
+            </a:r>
+            <a:endParaRPr lang="en-US" altLang="ja-JP" sz="1200" dirty="0" smtClean="0">
+              <a:latin typeface="ＭＳ Ｐゴシック" panose="020B0600070205080204" pitchFamily="50" charset="-128"/>
+              <a:ea typeface="ＭＳ Ｐゴシック" panose="020B0600070205080204" pitchFamily="50" charset="-128"/>
+            </a:endParaRPr>
+          </a:p>
+          <a:p>
+            <a:pPr marL="0" marR="0" indent="0" algn="l" defTabSz="914400" rtl="0" eaLnBrk="1" fontAlgn="auto" latinLnBrk="0" hangingPunct="1">
+              <a:lnSpc>
+                <a:spcPct val="100000"/>
+              </a:lnSpc>
+              <a:spcBef>
+                <a:spcPts val="0"/>
+              </a:spcBef>
+              <a:spcAft>
+                <a:spcPts val="0"/>
+              </a:spcAft>
+              <a:buClrTx/>
+              <a:buSzTx/>
+              <a:buFontTx/>
+              <a:buNone/>
+              <a:tabLst/>
+              <a:defRPr/>
+            </a:pPr>
+            <a:endParaRPr lang="en-US" altLang="ja-JP" sz="1200" dirty="0" smtClean="0">
+              <a:latin typeface="ＭＳ Ｐゴシック" panose="020B0600070205080204" pitchFamily="50" charset="-128"/>
+              <a:ea typeface="ＭＳ Ｐゴシック" panose="020B0600070205080204" pitchFamily="50" charset="-128"/>
+            </a:endParaRPr>
+          </a:p>
+          <a:p>
+            <a:pPr marL="0" marR="0" indent="0" algn="l" defTabSz="914400" rtl="0" eaLnBrk="1" fontAlgn="auto" latinLnBrk="0" hangingPunct="1">
+              <a:lnSpc>
+                <a:spcPct val="100000"/>
+              </a:lnSpc>
+              <a:spcBef>
+                <a:spcPts val="0"/>
+              </a:spcBef>
+              <a:spcAft>
+                <a:spcPts val="0"/>
+              </a:spcAft>
+              <a:buClrTx/>
+              <a:buSzTx/>
+              <a:buFontTx/>
+              <a:buNone/>
+              <a:tabLst/>
+              <a:defRPr/>
+            </a:pPr>
+            <a:r>
+              <a:rPr lang="ja-JP" altLang="en-US" sz="1200" dirty="0" smtClean="0">
+                <a:latin typeface="ＭＳ Ｐゴシック" panose="020B0600070205080204" pitchFamily="50" charset="-128"/>
+                <a:ea typeface="ＭＳ Ｐゴシック" panose="020B0600070205080204" pitchFamily="50" charset="-128"/>
+              </a:rPr>
+              <a:t>シリアライズというのは、</a:t>
+            </a:r>
+            <a:r>
+              <a:rPr kumimoji="1" lang="ja-JP" altLang="en-US" sz="1200" b="0" i="0" kern="1200" dirty="0" smtClean="0">
+                <a:solidFill>
+                  <a:schemeClr val="tx1"/>
+                </a:solidFill>
+                <a:effectLst/>
+                <a:latin typeface="+mn-lt"/>
+                <a:ea typeface="+mn-ea"/>
+                <a:cs typeface="+mn-cs"/>
+              </a:rPr>
+              <a:t>ソフトウェア内部で扱っているデータをそのまま、保存したり送受信することができるように変換することですね。</a:t>
+            </a:r>
+            <a:endParaRPr kumimoji="1" lang="en-US" altLang="ja-JP" sz="1200" b="0" i="0" kern="1200" dirty="0" smtClean="0">
+              <a:solidFill>
+                <a:schemeClr val="tx1"/>
+              </a:solidFill>
+              <a:effectLst/>
+              <a:latin typeface="+mn-lt"/>
+              <a:ea typeface="+mn-ea"/>
+              <a:cs typeface="+mn-cs"/>
+            </a:endParaRPr>
+          </a:p>
+          <a:p>
+            <a:pPr marL="0" marR="0" indent="0" algn="l" defTabSz="914400" rtl="0" eaLnBrk="1" fontAlgn="auto" latinLnBrk="0" hangingPunct="1">
+              <a:lnSpc>
+                <a:spcPct val="100000"/>
+              </a:lnSpc>
+              <a:spcBef>
+                <a:spcPts val="0"/>
+              </a:spcBef>
+              <a:spcAft>
+                <a:spcPts val="0"/>
+              </a:spcAft>
+              <a:buClrTx/>
+              <a:buSzTx/>
+              <a:buFontTx/>
+              <a:buNone/>
+              <a:tabLst/>
+              <a:defRPr/>
+            </a:pPr>
+            <a:endParaRPr kumimoji="1" lang="en-US" altLang="ja-JP" sz="1200" b="0" i="0" kern="1200" dirty="0" smtClean="0">
+              <a:solidFill>
+                <a:schemeClr val="tx1"/>
+              </a:solidFill>
+              <a:effectLst/>
+              <a:latin typeface="+mn-lt"/>
+              <a:ea typeface="+mn-ea"/>
+              <a:cs typeface="+mn-cs"/>
+            </a:endParaRPr>
+          </a:p>
+          <a:p>
+            <a:pPr marL="0" marR="0" indent="0" algn="l" defTabSz="914400" rtl="0" eaLnBrk="1" fontAlgn="auto" latinLnBrk="0" hangingPunct="1">
+              <a:lnSpc>
+                <a:spcPct val="100000"/>
+              </a:lnSpc>
+              <a:spcBef>
+                <a:spcPts val="0"/>
+              </a:spcBef>
+              <a:spcAft>
+                <a:spcPts val="0"/>
+              </a:spcAft>
+              <a:buClrTx/>
+              <a:buSzTx/>
+              <a:buFontTx/>
+              <a:buNone/>
+              <a:tabLst/>
+              <a:defRPr/>
+            </a:pPr>
+            <a:r>
+              <a:rPr kumimoji="1" lang="ja-JP" altLang="en-US" sz="1200" b="0" i="0" kern="1200" dirty="0" smtClean="0">
+                <a:solidFill>
+                  <a:schemeClr val="tx1"/>
+                </a:solidFill>
+                <a:effectLst/>
+                <a:latin typeface="+mn-lt"/>
+                <a:ea typeface="+mn-ea"/>
+                <a:cs typeface="+mn-cs"/>
+              </a:rPr>
+              <a:t>で次は予測フェーズですね</a:t>
+            </a:r>
+            <a:endParaRPr lang="en-US" altLang="ja-JP" sz="1200" dirty="0" smtClean="0">
+              <a:latin typeface="ＭＳ Ｐゴシック" panose="020B0600070205080204" pitchFamily="50" charset="-128"/>
+              <a:ea typeface="ＭＳ Ｐゴシック" panose="020B0600070205080204" pitchFamily="50" charset="-128"/>
+            </a:endParaRPr>
+          </a:p>
+          <a:p>
             <a:endParaRPr kumimoji="1" lang="ja-JP" altLang="en-US" dirty="0"/>
           </a:p>
         </p:txBody>
@@ -688,7 +964,7 @@
           <a:p>
             <a:fld id="{7D904524-672D-4E66-A637-CA0A2B28D555}" type="slidenum">
               <a:rPr kumimoji="1" lang="ja-JP" altLang="en-US" smtClean="0"/>
-              <a:t>12</a:t>
+              <a:t>11</a:t>
             </a:fld>
             <a:endParaRPr kumimoji="1" lang="ja-JP" altLang="en-US"/>
           </a:p>
@@ -697,7 +973,7 @@
     </p:spTree>
     <p:extLst>
       <p:ext uri="{BB962C8B-B14F-4D97-AF65-F5344CB8AC3E}">
-        <p14:creationId xmlns:p14="http://schemas.microsoft.com/office/powerpoint/2010/main" val="416543690"/>
+        <p14:creationId xmlns:p14="http://schemas.microsoft.com/office/powerpoint/2010/main" val="738457630"/>
       </p:ext>
     </p:extLst>
   </p:cSld>
@@ -753,15 +1029,7 @@
           <a:p>
             <a:r>
               <a:rPr kumimoji="1" lang="ja-JP" altLang="en-US" dirty="0" smtClean="0"/>
-              <a:t>このパターンは、予測結果をレスポンスとして返す</a:t>
-            </a:r>
-            <a:r>
-              <a:rPr kumimoji="1" lang="en-US" altLang="ja-JP" dirty="0" smtClean="0"/>
-              <a:t>API</a:t>
-            </a:r>
-            <a:r>
-              <a:rPr kumimoji="1" lang="ja-JP" altLang="en-US" dirty="0" smtClean="0"/>
-              <a:t>サーバーを用意するパターンで</a:t>
+              <a:t>予測フェーズは青い部分の要素が用いられます。</a:t>
             </a:r>
             <a:endParaRPr kumimoji="1" lang="en-US" altLang="ja-JP" dirty="0" smtClean="0"/>
           </a:p>
@@ -771,27 +1039,7 @@
           <a:p>
             <a:r>
               <a:rPr kumimoji="1" lang="ja-JP" altLang="en-US" dirty="0" smtClean="0"/>
-              <a:t>このパターンの特徴は～～</a:t>
-            </a:r>
-            <a:endParaRPr kumimoji="1" lang="en-US" altLang="ja-JP" dirty="0" smtClean="0"/>
-          </a:p>
-          <a:p>
-            <a:endParaRPr kumimoji="1" lang="en-US" altLang="ja-JP" dirty="0" smtClean="0"/>
-          </a:p>
-          <a:p>
-            <a:r>
-              <a:rPr kumimoji="1" lang="ja-JP" altLang="en-US" dirty="0" smtClean="0"/>
-              <a:t>の２点があり</a:t>
-            </a:r>
-            <a:endParaRPr kumimoji="1" lang="en-US" altLang="ja-JP" dirty="0" smtClean="0"/>
-          </a:p>
-          <a:p>
-            <a:endParaRPr kumimoji="1" lang="en-US" altLang="ja-JP" dirty="0" smtClean="0"/>
-          </a:p>
-          <a:p>
-            <a:r>
-              <a:rPr kumimoji="1" lang="ja-JP" altLang="en-US" dirty="0" smtClean="0"/>
-              <a:t>バッチ処理で学習を行うことは他のパターンとは代わりませんが、</a:t>
+              <a:t>で、</a:t>
             </a:r>
             <a:r>
               <a:rPr kumimoji="1" lang="en-US" altLang="ja-JP" dirty="0" smtClean="0"/>
@@ -799,7 +1047,116 @@
             </a:r>
             <a:r>
               <a:rPr kumimoji="1" lang="ja-JP" altLang="en-US" dirty="0" smtClean="0"/>
-              <a:t>アプリケーションから～～です</a:t>
+              <a:t>アプリケーションが何かしらのイベントをトリガーに予測を要求します。例えば～～</a:t>
+            </a:r>
+            <a:endParaRPr kumimoji="1" lang="en-US" altLang="ja-JP" dirty="0" smtClean="0"/>
+          </a:p>
+          <a:p>
+            <a:endParaRPr kumimoji="1" lang="en-US" altLang="ja-JP" dirty="0" smtClean="0"/>
+          </a:p>
+          <a:p>
+            <a:r>
+              <a:rPr kumimoji="1" lang="ja-JP" altLang="en-US" dirty="0" smtClean="0"/>
+              <a:t>で、このイベント発生時に予測したい対象、今回の例だとコメントですね。この情報を</a:t>
+            </a:r>
+            <a:r>
+              <a:rPr kumimoji="1" lang="en-US" altLang="ja-JP" dirty="0" smtClean="0"/>
+              <a:t>DB</a:t>
+            </a:r>
+            <a:r>
+              <a:rPr kumimoji="1" lang="ja-JP" altLang="en-US" dirty="0" smtClean="0"/>
+              <a:t>からあるいはリクエスト情報から直接取得し、特徴量を抽出します</a:t>
+            </a:r>
+            <a:endParaRPr kumimoji="1" lang="en-US" altLang="ja-JP" dirty="0" smtClean="0"/>
+          </a:p>
+          <a:p>
+            <a:endParaRPr kumimoji="1" lang="en-US" altLang="ja-JP" dirty="0" smtClean="0"/>
+          </a:p>
+          <a:p>
+            <a:r>
+              <a:rPr kumimoji="1" lang="ja-JP" altLang="en-US" dirty="0" smtClean="0"/>
+              <a:t>で、次に学習フェーズ完成させておいた～～</a:t>
+            </a:r>
+            <a:endParaRPr kumimoji="1" lang="en-US" altLang="ja-JP" dirty="0" smtClean="0"/>
+          </a:p>
+          <a:p>
+            <a:endParaRPr kumimoji="1" lang="en-US" altLang="ja-JP" dirty="0" smtClean="0"/>
+          </a:p>
+          <a:p>
+            <a:r>
+              <a:rPr kumimoji="1" lang="ja-JP" altLang="en-US" dirty="0" smtClean="0"/>
+              <a:t>その</a:t>
+            </a:r>
+            <a:r>
+              <a:rPr kumimoji="1" lang="ja-JP" altLang="en-US" dirty="0" smtClean="0"/>
+              <a:t>結果</a:t>
+            </a:r>
+            <a:r>
+              <a:rPr kumimoji="1" lang="ja-JP" altLang="en-US" dirty="0" smtClean="0"/>
+              <a:t>をもと</a:t>
+            </a:r>
+            <a:r>
+              <a:rPr kumimoji="1" lang="ja-JP" altLang="en-US" dirty="0" smtClean="0"/>
+              <a:t>に、ユーザーにフィードバックをするなどして、次の処理へとつなげて</a:t>
+            </a:r>
+            <a:r>
+              <a:rPr kumimoji="1" lang="ja-JP" altLang="en-US" dirty="0" smtClean="0"/>
+              <a:t>いきます</a:t>
+            </a:r>
+            <a:endParaRPr kumimoji="1" lang="en-US" altLang="ja-JP" dirty="0" smtClean="0"/>
+          </a:p>
+          <a:p>
+            <a:endParaRPr kumimoji="1" lang="en-US" altLang="ja-JP" b="0" dirty="0" smtClean="0"/>
+          </a:p>
+          <a:p>
+            <a:r>
+              <a:rPr kumimoji="1" lang="ja-JP" altLang="en-US" b="0" dirty="0" smtClean="0"/>
+              <a:t>パターン</a:t>
+            </a:r>
+            <a:r>
+              <a:rPr kumimoji="1" lang="en-US" altLang="ja-JP" b="0" dirty="0" smtClean="0"/>
+              <a:t>1</a:t>
+            </a:r>
+            <a:r>
+              <a:rPr kumimoji="1" lang="ja-JP" altLang="en-US" b="0" dirty="0" smtClean="0"/>
+              <a:t>の学習と予測フェーズはこんな感じなりました</a:t>
+            </a:r>
+            <a:endParaRPr kumimoji="1" lang="en-US" altLang="ja-JP" b="0" dirty="0" smtClean="0"/>
+          </a:p>
+          <a:p>
+            <a:endParaRPr kumimoji="1" lang="en-US" altLang="ja-JP" sz="1200" b="0" i="0" kern="1200" dirty="0" smtClean="0">
+              <a:solidFill>
+                <a:schemeClr val="tx1"/>
+              </a:solidFill>
+              <a:effectLst/>
+              <a:latin typeface="+mn-lt"/>
+              <a:ea typeface="+mn-ea"/>
+              <a:cs typeface="+mn-cs"/>
+            </a:endParaRPr>
+          </a:p>
+          <a:p>
+            <a:endParaRPr kumimoji="1" lang="en-US" altLang="ja-JP" sz="1200" b="0" i="0" kern="1200" dirty="0" smtClean="0">
+              <a:solidFill>
+                <a:schemeClr val="tx1"/>
+              </a:solidFill>
+              <a:effectLst/>
+              <a:latin typeface="+mn-lt"/>
+              <a:ea typeface="+mn-ea"/>
+              <a:cs typeface="+mn-cs"/>
+            </a:endParaRPr>
+          </a:p>
+          <a:p>
+            <a:r>
+              <a:rPr kumimoji="1" lang="ja-JP" altLang="en-US" sz="1200" b="0" i="0" kern="1200" dirty="0" smtClean="0">
+                <a:solidFill>
+                  <a:schemeClr val="tx1"/>
+                </a:solidFill>
+                <a:effectLst/>
+                <a:latin typeface="+mn-lt"/>
+                <a:ea typeface="+mn-ea"/>
+                <a:cs typeface="+mn-cs"/>
+              </a:rPr>
+              <a:t>イベントトリガー：イベントを起こす要因、引き金</a:t>
             </a:r>
             <a:endParaRPr kumimoji="1" lang="ja-JP" altLang="en-US" dirty="0"/>
           </a:p>
@@ -822,7 +1179,7 @@
           <a:p>
             <a:fld id="{7D904524-672D-4E66-A637-CA0A2B28D555}" type="slidenum">
               <a:rPr kumimoji="1" lang="ja-JP" altLang="en-US" smtClean="0"/>
-              <a:t>13</a:t>
+              <a:t>12</a:t>
             </a:fld>
             <a:endParaRPr kumimoji="1" lang="ja-JP" altLang="en-US"/>
           </a:p>
@@ -831,7 +1188,7 @@
     </p:spTree>
     <p:extLst>
       <p:ext uri="{BB962C8B-B14F-4D97-AF65-F5344CB8AC3E}">
-        <p14:creationId xmlns:p14="http://schemas.microsoft.com/office/powerpoint/2010/main" val="1667135320"/>
+        <p14:creationId xmlns:p14="http://schemas.microsoft.com/office/powerpoint/2010/main" val="416543690"/>
       </p:ext>
     </p:extLst>
   </p:cSld>
@@ -886,65 +1243,55 @@
           <a:lstStyle/>
           <a:p>
             <a:r>
+              <a:rPr kumimoji="1" lang="ja-JP" altLang="en-US" dirty="0" smtClean="0"/>
+              <a:t>このパターンは、予測結果をレスポンスとして返す</a:t>
+            </a:r>
+            <a:r>
+              <a:rPr kumimoji="1" lang="en-US" altLang="ja-JP" dirty="0" smtClean="0"/>
+              <a:t>API</a:t>
+            </a:r>
+            <a:r>
+              <a:rPr kumimoji="1" lang="ja-JP" altLang="en-US" dirty="0" smtClean="0"/>
+              <a:t>サーバーを用意するパターンで</a:t>
+            </a:r>
+            <a:endParaRPr kumimoji="1" lang="en-US" altLang="ja-JP" dirty="0" smtClean="0"/>
+          </a:p>
+          <a:p>
+            <a:endParaRPr kumimoji="1" lang="en-US" altLang="ja-JP" dirty="0" smtClean="0"/>
+          </a:p>
+          <a:p>
+            <a:r>
+              <a:rPr kumimoji="1" lang="ja-JP" altLang="en-US" dirty="0" smtClean="0"/>
+              <a:t>このパターンの特徴は～～</a:t>
+            </a:r>
+            <a:endParaRPr kumimoji="1" lang="en-US" altLang="ja-JP" dirty="0" smtClean="0"/>
+          </a:p>
+          <a:p>
+            <a:endParaRPr kumimoji="1" lang="en-US" altLang="ja-JP" dirty="0" smtClean="0"/>
+          </a:p>
+          <a:p>
+            <a:r>
+              <a:rPr kumimoji="1" lang="ja-JP" altLang="en-US" dirty="0" smtClean="0"/>
+              <a:t>の２点があり</a:t>
+            </a:r>
+            <a:endParaRPr kumimoji="1" lang="en-US" altLang="ja-JP" dirty="0" smtClean="0"/>
+          </a:p>
+          <a:p>
+            <a:endParaRPr kumimoji="1" lang="en-US" altLang="ja-JP" dirty="0" smtClean="0"/>
+          </a:p>
+          <a:p>
+            <a:r>
+              <a:rPr kumimoji="1" lang="ja-JP" altLang="en-US" dirty="0" smtClean="0"/>
+              <a:t>バッチ処理で学習を行うことは他のパターンとは代わりませんが、</a:t>
+            </a:r>
+            <a:r>
               <a:rPr kumimoji="1" lang="en-US" altLang="ja-JP" dirty="0" smtClean="0"/>
               <a:t>Web</a:t>
             </a:r>
             <a:r>
               <a:rPr kumimoji="1" lang="ja-JP" altLang="en-US" dirty="0" smtClean="0"/>
-              <a:t>アプリケーションで使い勝手の良いのはこのパタンで、一番初めに試すパターンとしてはこの方法が無難らしいです。</a:t>
-            </a:r>
-            <a:endParaRPr kumimoji="1" lang="en-US" altLang="ja-JP" dirty="0" smtClean="0"/>
-          </a:p>
-          <a:p>
-            <a:endParaRPr kumimoji="1" lang="en-US" altLang="ja-JP" dirty="0" smtClean="0"/>
-          </a:p>
-          <a:p>
-            <a:r>
-              <a:rPr kumimoji="1" lang="ja-JP" altLang="en-US" dirty="0" smtClean="0"/>
-              <a:t>分類問題などについて～～</a:t>
-            </a:r>
-            <a:endParaRPr kumimoji="1" lang="en-US" altLang="ja-JP" dirty="0" smtClean="0"/>
-          </a:p>
-          <a:p>
-            <a:endParaRPr kumimoji="1" lang="en-US" altLang="ja-JP" dirty="0" smtClean="0"/>
-          </a:p>
-          <a:p>
-            <a:r>
-              <a:rPr kumimoji="1" lang="ja-JP" altLang="en-US" dirty="0" smtClean="0"/>
-              <a:t>このパターンは、予測バッチとアプリケーションの間で</a:t>
-            </a:r>
-            <a:r>
-              <a:rPr kumimoji="1" lang="en-US" altLang="ja-JP" dirty="0" smtClean="0"/>
-              <a:t>DB</a:t>
-            </a:r>
-            <a:r>
-              <a:rPr kumimoji="1" lang="ja-JP" altLang="en-US" dirty="0" smtClean="0"/>
-              <a:t>を介してやり取りをするので、</a:t>
-            </a:r>
-            <a:r>
-              <a:rPr kumimoji="1" lang="en-US" altLang="ja-JP" dirty="0" smtClean="0"/>
-              <a:t>Web</a:t>
-            </a:r>
-            <a:r>
-              <a:rPr kumimoji="1" lang="ja-JP" altLang="en-US" dirty="0" smtClean="0"/>
-              <a:t>アプリケーションと機械学習の学習・予測を行う部分がそれぞれ独立しており</a:t>
-            </a:r>
-            <a:endParaRPr kumimoji="1" lang="en-US" altLang="ja-JP" dirty="0" smtClean="0"/>
-          </a:p>
-          <a:p>
-            <a:endParaRPr kumimoji="1" lang="en-US" altLang="ja-JP" dirty="0" smtClean="0"/>
-          </a:p>
-          <a:p>
-            <a:r>
-              <a:rPr kumimoji="1" lang="en-US" altLang="ja-JP" dirty="0" smtClean="0"/>
-              <a:t>Web</a:t>
-            </a:r>
-            <a:r>
-              <a:rPr kumimoji="1" lang="ja-JP" altLang="en-US" dirty="0" smtClean="0"/>
-              <a:t>アプリケーションと機械学習する部分で言語がそれぞれ異なっても良いことが大きなメリットです。</a:t>
-            </a:r>
-          </a:p>
-          <a:p>
+              <a:t>アプリケーションから～～です</a:t>
+            </a:r>
             <a:endParaRPr kumimoji="1" lang="ja-JP" altLang="en-US" dirty="0"/>
           </a:p>
         </p:txBody>
@@ -966,7 +1313,7 @@
           <a:p>
             <a:fld id="{7D904524-672D-4E66-A637-CA0A2B28D555}" type="slidenum">
               <a:rPr kumimoji="1" lang="ja-JP" altLang="en-US" smtClean="0"/>
-              <a:t>15</a:t>
+              <a:t>13</a:t>
             </a:fld>
             <a:endParaRPr kumimoji="1" lang="ja-JP" altLang="en-US"/>
           </a:p>
@@ -975,7 +1322,7 @@
     </p:spTree>
     <p:extLst>
       <p:ext uri="{BB962C8B-B14F-4D97-AF65-F5344CB8AC3E}">
-        <p14:creationId xmlns:p14="http://schemas.microsoft.com/office/powerpoint/2010/main" val="686770271"/>
+        <p14:creationId xmlns:p14="http://schemas.microsoft.com/office/powerpoint/2010/main" val="1667135320"/>
       </p:ext>
     </p:extLst>
   </p:cSld>
@@ -1030,68 +1377,66 @@
           <a:lstStyle/>
           <a:p>
             <a:r>
-              <a:rPr kumimoji="1" lang="ja-JP" altLang="en-US" dirty="0" smtClean="0"/>
-              <a:t>・このパターンが用いられる場面</a:t>
-            </a:r>
-            <a:endParaRPr kumimoji="1" lang="en-US" altLang="ja-JP" dirty="0" smtClean="0"/>
-          </a:p>
-          <a:p>
-            <a:endParaRPr kumimoji="1" lang="en-US" altLang="ja-JP" dirty="0" smtClean="0"/>
-          </a:p>
-          <a:p>
-            <a:r>
-              <a:rPr kumimoji="1" lang="ja-JP" altLang="en-US" dirty="0" smtClean="0"/>
-              <a:t>例えば、ユーザのアクセスログからメールマガジンで送付する内容をパーソナライズする、などがこれに当たります</a:t>
-            </a:r>
-            <a:endParaRPr kumimoji="1" lang="en-US" altLang="ja-JP" dirty="0" smtClean="0"/>
-          </a:p>
-          <a:p>
-            <a:endParaRPr kumimoji="1" lang="en-US" altLang="ja-JP" dirty="0" smtClean="0"/>
-          </a:p>
-          <a:p>
-            <a:r>
-              <a:rPr kumimoji="1" lang="ja-JP" altLang="en-US" dirty="0" smtClean="0"/>
-              <a:t>・メリット</a:t>
-            </a:r>
-            <a:endParaRPr kumimoji="1" lang="en-US" altLang="ja-JP" dirty="0" smtClean="0"/>
-          </a:p>
-          <a:p>
-            <a:endParaRPr kumimoji="1" lang="en-US" altLang="ja-JP" dirty="0" smtClean="0"/>
-          </a:p>
-          <a:p>
-            <a:r>
               <a:rPr kumimoji="1" lang="en-US" altLang="ja-JP" dirty="0" smtClean="0"/>
               <a:t>Web</a:t>
             </a:r>
             <a:r>
               <a:rPr kumimoji="1" lang="ja-JP" altLang="en-US" dirty="0" smtClean="0"/>
-              <a:t>アプロケーションで</a:t>
+              <a:t>アプリケーションで使い勝手の良いのはこのパタンで、一番初めに試すパターンとしてはこの方法が無難らしいです。</a:t>
+            </a:r>
+            <a:endParaRPr kumimoji="1" lang="en-US" altLang="ja-JP" dirty="0" smtClean="0"/>
+          </a:p>
+          <a:p>
+            <a:endParaRPr kumimoji="1" lang="en-US" altLang="ja-JP" dirty="0" smtClean="0"/>
+          </a:p>
+          <a:p>
+            <a:r>
+              <a:rPr kumimoji="1" lang="ja-JP" altLang="en-US" dirty="0" smtClean="0"/>
+              <a:t>分類問題などについて～～</a:t>
+            </a:r>
+            <a:endParaRPr kumimoji="1" lang="en-US" altLang="ja-JP" dirty="0" smtClean="0"/>
+          </a:p>
+          <a:p>
+            <a:endParaRPr kumimoji="1" lang="en-US" altLang="ja-JP" dirty="0" smtClean="0"/>
+          </a:p>
+          <a:p>
+            <a:r>
+              <a:rPr kumimoji="1" lang="ja-JP" altLang="en-US" dirty="0" smtClean="0"/>
+              <a:t>このパターンは、予測バッチとアプリケーションの間で</a:t>
             </a:r>
             <a:r>
               <a:rPr kumimoji="1" lang="en-US" altLang="ja-JP" dirty="0" smtClean="0"/>
-              <a:t>Ruby on Rails</a:t>
-            </a:r>
-            <a:r>
-              <a:rPr kumimoji="1" lang="ja-JP" altLang="en-US" dirty="0" smtClean="0"/>
-              <a:t>を使ってた「としても、特に気にすることなく</a:t>
+              <a:t>DB</a:t>
+            </a:r>
+            <a:r>
+              <a:rPr kumimoji="1" lang="ja-JP" altLang="en-US" dirty="0" smtClean="0"/>
+              <a:t>を介してやり取りをするので、</a:t>
             </a:r>
             <a:r>
               <a:rPr kumimoji="1" lang="en-US" altLang="ja-JP" dirty="0" smtClean="0"/>
-              <a:t>Python</a:t>
-            </a:r>
-            <a:r>
-              <a:rPr kumimoji="1" lang="ja-JP" altLang="en-US" dirty="0" smtClean="0"/>
-              <a:t>や</a:t>
-            </a:r>
+              <a:t>Web</a:t>
+            </a:r>
+            <a:r>
+              <a:rPr kumimoji="1" lang="ja-JP" altLang="en-US" dirty="0" smtClean="0"/>
+              <a:t>アプリケーションと機械学習の学習・予測を行う部分がそれぞれ独立しており</a:t>
+            </a:r>
+            <a:endParaRPr kumimoji="1" lang="en-US" altLang="ja-JP" dirty="0" smtClean="0"/>
+          </a:p>
+          <a:p>
+            <a:endParaRPr kumimoji="1" lang="en-US" altLang="ja-JP" dirty="0" smtClean="0"/>
+          </a:p>
+          <a:p>
             <a:r>
               <a:rPr kumimoji="1" lang="en-US" altLang="ja-JP" dirty="0" smtClean="0"/>
-              <a:t>R</a:t>
-            </a:r>
-            <a:r>
-              <a:rPr kumimoji="1" lang="ja-JP" altLang="en-US" dirty="0" smtClean="0"/>
-              <a:t>でバッチを書けるというメリットがあります</a:t>
-            </a:r>
-            <a:endParaRPr kumimoji="1" lang="en-US" altLang="ja-JP" dirty="0" smtClean="0"/>
+              <a:t>Web</a:t>
+            </a:r>
+            <a:r>
+              <a:rPr kumimoji="1" lang="ja-JP" altLang="en-US" dirty="0" smtClean="0"/>
+              <a:t>アプリケーションと機械学習する部分で言語がそれぞれ異なっても良いことが大きなメリットです。</a:t>
+            </a:r>
+          </a:p>
+          <a:p>
+            <a:endParaRPr kumimoji="1" lang="ja-JP" altLang="en-US" dirty="0"/>
           </a:p>
         </p:txBody>
       </p:sp>
@@ -1112,7 +1457,7 @@
           <a:p>
             <a:fld id="{7D904524-672D-4E66-A637-CA0A2B28D555}" type="slidenum">
               <a:rPr kumimoji="1" lang="ja-JP" altLang="en-US" smtClean="0"/>
-              <a:t>16</a:t>
+              <a:t>15</a:t>
             </a:fld>
             <a:endParaRPr kumimoji="1" lang="ja-JP" altLang="en-US"/>
           </a:p>
@@ -1121,7 +1466,7 @@
     </p:spTree>
     <p:extLst>
       <p:ext uri="{BB962C8B-B14F-4D97-AF65-F5344CB8AC3E}">
-        <p14:creationId xmlns:p14="http://schemas.microsoft.com/office/powerpoint/2010/main" val="2801964498"/>
+        <p14:creationId xmlns:p14="http://schemas.microsoft.com/office/powerpoint/2010/main" val="686770271"/>
       </p:ext>
     </p:extLst>
   </p:cSld>
@@ -1175,7 +1520,69 @@
           <a:bodyPr/>
           <a:lstStyle/>
           <a:p>
-            <a:endParaRPr kumimoji="1" lang="ja-JP" altLang="en-US" dirty="0"/>
+            <a:r>
+              <a:rPr kumimoji="1" lang="ja-JP" altLang="en-US" dirty="0" smtClean="0"/>
+              <a:t>・このパターンが用いられる場面</a:t>
+            </a:r>
+            <a:endParaRPr kumimoji="1" lang="en-US" altLang="ja-JP" dirty="0" smtClean="0"/>
+          </a:p>
+          <a:p>
+            <a:endParaRPr kumimoji="1" lang="en-US" altLang="ja-JP" dirty="0" smtClean="0"/>
+          </a:p>
+          <a:p>
+            <a:r>
+              <a:rPr kumimoji="1" lang="ja-JP" altLang="en-US" dirty="0" smtClean="0"/>
+              <a:t>例えば、ユーザのアクセスログからメールマガジンで送付する内容をパーソナライズする、などがこれに当たります</a:t>
+            </a:r>
+            <a:endParaRPr kumimoji="1" lang="en-US" altLang="ja-JP" dirty="0" smtClean="0"/>
+          </a:p>
+          <a:p>
+            <a:endParaRPr kumimoji="1" lang="en-US" altLang="ja-JP" dirty="0" smtClean="0"/>
+          </a:p>
+          <a:p>
+            <a:r>
+              <a:rPr kumimoji="1" lang="ja-JP" altLang="en-US" dirty="0" smtClean="0"/>
+              <a:t>・メリット</a:t>
+            </a:r>
+            <a:endParaRPr kumimoji="1" lang="en-US" altLang="ja-JP" dirty="0" smtClean="0"/>
+          </a:p>
+          <a:p>
+            <a:endParaRPr kumimoji="1" lang="en-US" altLang="ja-JP" dirty="0" smtClean="0"/>
+          </a:p>
+          <a:p>
+            <a:r>
+              <a:rPr kumimoji="1" lang="en-US" altLang="ja-JP" dirty="0" smtClean="0"/>
+              <a:t>Web</a:t>
+            </a:r>
+            <a:r>
+              <a:rPr kumimoji="1" lang="ja-JP" altLang="en-US" dirty="0" smtClean="0"/>
+              <a:t>アプロケーションで</a:t>
+            </a:r>
+            <a:r>
+              <a:rPr kumimoji="1" lang="en-US" altLang="ja-JP" dirty="0" smtClean="0"/>
+              <a:t>Ruby on Rails</a:t>
+            </a:r>
+            <a:r>
+              <a:rPr kumimoji="1" lang="ja-JP" altLang="en-US" dirty="0" smtClean="0"/>
+              <a:t>を使ってた「としても、特に気にすることなく</a:t>
+            </a:r>
+            <a:r>
+              <a:rPr kumimoji="1" lang="en-US" altLang="ja-JP" dirty="0" smtClean="0"/>
+              <a:t>Python</a:t>
+            </a:r>
+            <a:r>
+              <a:rPr kumimoji="1" lang="ja-JP" altLang="en-US" dirty="0" smtClean="0"/>
+              <a:t>や</a:t>
+            </a:r>
+            <a:r>
+              <a:rPr kumimoji="1" lang="en-US" altLang="ja-JP" dirty="0" smtClean="0"/>
+              <a:t>R</a:t>
+            </a:r>
+            <a:r>
+              <a:rPr kumimoji="1" lang="ja-JP" altLang="en-US" dirty="0" smtClean="0"/>
+              <a:t>でバッチを書けるというメリットがあります</a:t>
+            </a:r>
+            <a:endParaRPr kumimoji="1" lang="en-US" altLang="ja-JP" dirty="0" smtClean="0"/>
           </a:p>
         </p:txBody>
       </p:sp>
@@ -1196,7 +1603,7 @@
           <a:p>
             <a:fld id="{7D904524-672D-4E66-A637-CA0A2B28D555}" type="slidenum">
               <a:rPr kumimoji="1" lang="ja-JP" altLang="en-US" smtClean="0"/>
-              <a:t>17</a:t>
+              <a:t>16</a:t>
             </a:fld>
             <a:endParaRPr kumimoji="1" lang="ja-JP" altLang="en-US"/>
           </a:p>
@@ -1205,7 +1612,7 @@
     </p:spTree>
     <p:extLst>
       <p:ext uri="{BB962C8B-B14F-4D97-AF65-F5344CB8AC3E}">
-        <p14:creationId xmlns:p14="http://schemas.microsoft.com/office/powerpoint/2010/main" val="3996026051"/>
+        <p14:creationId xmlns:p14="http://schemas.microsoft.com/office/powerpoint/2010/main" val="2801964498"/>
       </p:ext>
     </p:extLst>
   </p:cSld>
@@ -1259,10 +1666,6 @@
           <a:bodyPr/>
           <a:lstStyle/>
           <a:p>
-            <a:r>
-              <a:rPr kumimoji="1" lang="ja-JP" altLang="en-US" dirty="0" smtClean="0"/>
-              <a:t>このパターンは他のパターンと比べ、予測にかけられる時間に余裕があるのが特徴ですが、予測対象となるコンテンツが増えていくと</a:t>
-            </a:r>
             <a:endParaRPr kumimoji="1" lang="ja-JP" altLang="en-US" dirty="0"/>
           </a:p>
         </p:txBody>
@@ -1284,7 +1687,7 @@
           <a:p>
             <a:fld id="{7D904524-672D-4E66-A637-CA0A2B28D555}" type="slidenum">
               <a:rPr kumimoji="1" lang="ja-JP" altLang="en-US" smtClean="0"/>
-              <a:t>18</a:t>
+              <a:t>17</a:t>
             </a:fld>
             <a:endParaRPr kumimoji="1" lang="ja-JP" altLang="en-US"/>
           </a:p>
@@ -1293,7 +1696,7 @@
     </p:spTree>
     <p:extLst>
       <p:ext uri="{BB962C8B-B14F-4D97-AF65-F5344CB8AC3E}">
-        <p14:creationId xmlns:p14="http://schemas.microsoft.com/office/powerpoint/2010/main" val="198928953"/>
+        <p14:creationId xmlns:p14="http://schemas.microsoft.com/office/powerpoint/2010/main" val="3996026051"/>
       </p:ext>
     </p:extLst>
   </p:cSld>
@@ -1349,84 +1752,7 @@
           <a:p>
             <a:r>
               <a:rPr kumimoji="1" lang="ja-JP" altLang="en-US" dirty="0" smtClean="0"/>
-              <a:t>最後の節は、ログの設計ですね</a:t>
-            </a:r>
-            <a:endParaRPr kumimoji="1" lang="en-US" altLang="ja-JP" dirty="0" smtClean="0"/>
-          </a:p>
-          <a:p>
-            <a:endParaRPr kumimoji="1" lang="en-US" altLang="ja-JP" dirty="0" smtClean="0"/>
-          </a:p>
-          <a:p>
-            <a:r>
-              <a:rPr kumimoji="1" lang="ja-JP" altLang="en-US" dirty="0" smtClean="0"/>
-              <a:t>ログの設計とは、機械学習システムで必要な教師データをどのように取得するかを設計することです。</a:t>
-            </a:r>
-            <a:endParaRPr kumimoji="1" lang="en-US" altLang="ja-JP" dirty="0" smtClean="0"/>
-          </a:p>
-          <a:p>
-            <a:endParaRPr kumimoji="1" lang="en-US" altLang="ja-JP" dirty="0" smtClean="0"/>
-          </a:p>
-          <a:p>
-            <a:r>
-              <a:rPr kumimoji="1" lang="ja-JP" altLang="en-US" dirty="0" smtClean="0"/>
-              <a:t>ここでいうログとは、具体的には、</a:t>
-            </a:r>
-            <a:endParaRPr kumimoji="1" lang="en-US" altLang="ja-JP" dirty="0" smtClean="0"/>
-          </a:p>
-          <a:p>
-            <a:r>
-              <a:rPr kumimoji="1" lang="ja-JP" altLang="en-US" dirty="0" smtClean="0"/>
-              <a:t>・</a:t>
-            </a:r>
-            <a:r>
-              <a:rPr kumimoji="1" lang="en-US" altLang="ja-JP" dirty="0" smtClean="0"/>
-              <a:t>Web</a:t>
-            </a:r>
-            <a:r>
-              <a:rPr kumimoji="1" lang="ja-JP" altLang="en-US" dirty="0" smtClean="0"/>
-              <a:t>サーバのアプリケーションログ　や</a:t>
-            </a:r>
-            <a:endParaRPr kumimoji="1" lang="en-US" altLang="ja-JP" dirty="0" smtClean="0"/>
-          </a:p>
-          <a:p>
-            <a:r>
-              <a:rPr kumimoji="1" lang="ja-JP" altLang="en-US" dirty="0" smtClean="0"/>
-              <a:t>・どこをどうクリックしたかなどのユーザの行動ログ　</a:t>
-            </a:r>
-            <a:endParaRPr kumimoji="1" lang="en-US" altLang="ja-JP" dirty="0" smtClean="0"/>
-          </a:p>
-          <a:p>
-            <a:r>
-              <a:rPr kumimoji="1" lang="ja-JP" altLang="en-US" dirty="0" smtClean="0"/>
-              <a:t>を指します</a:t>
-            </a:r>
-            <a:endParaRPr kumimoji="1" lang="en-US" altLang="ja-JP" dirty="0" smtClean="0"/>
-          </a:p>
-          <a:p>
-            <a:endParaRPr kumimoji="1" lang="en-US" altLang="ja-JP" dirty="0" smtClean="0"/>
-          </a:p>
-          <a:p>
-            <a:r>
-              <a:rPr kumimoji="1" lang="ja-JP" altLang="en-US" dirty="0" smtClean="0"/>
-              <a:t>ログには、～～や～～といった特徴があり、システムに組み込みにあたっては様々なコツがあるらしいです。</a:t>
-            </a:r>
-            <a:endParaRPr kumimoji="1" lang="en-US" altLang="ja-JP" dirty="0" smtClean="0"/>
-          </a:p>
-          <a:p>
-            <a:endParaRPr kumimoji="1" lang="en-US" altLang="ja-JP" dirty="0" smtClean="0"/>
-          </a:p>
-          <a:p>
-            <a:r>
-              <a:rPr kumimoji="1" lang="ja-JP" altLang="en-US" dirty="0" smtClean="0"/>
-              <a:t>またログ設計は特徴量を決めるための重要なポイントということで、どこにある</a:t>
-            </a:r>
-            <a:r>
-              <a:rPr kumimoji="1" lang="ja-JP" altLang="en-US" dirty="0" err="1" smtClean="0"/>
-              <a:t>どった</a:t>
-            </a:r>
-            <a:r>
-              <a:rPr kumimoji="1" lang="ja-JP" altLang="en-US" dirty="0" smtClean="0"/>
-              <a:t>情報を利用し、教師データに活用するかについての概要を説明します</a:t>
+              <a:t>このパターンは他のパターンと比べ、予測にかけられる時間に余裕があるのが特徴ですが、予測対象となるコンテンツが増えていくと</a:t>
             </a:r>
             <a:endParaRPr kumimoji="1" lang="ja-JP" altLang="en-US" dirty="0"/>
           </a:p>
@@ -1449,7 +1775,7 @@
           <a:p>
             <a:fld id="{7D904524-672D-4E66-A637-CA0A2B28D555}" type="slidenum">
               <a:rPr kumimoji="1" lang="ja-JP" altLang="en-US" smtClean="0"/>
-              <a:t>20</a:t>
+              <a:t>18</a:t>
             </a:fld>
             <a:endParaRPr kumimoji="1" lang="ja-JP" altLang="en-US"/>
           </a:p>
@@ -1458,7 +1784,7 @@
     </p:spTree>
     <p:extLst>
       <p:ext uri="{BB962C8B-B14F-4D97-AF65-F5344CB8AC3E}">
-        <p14:creationId xmlns:p14="http://schemas.microsoft.com/office/powerpoint/2010/main" val="3081659053"/>
+        <p14:creationId xmlns:p14="http://schemas.microsoft.com/office/powerpoint/2010/main" val="198928953"/>
       </p:ext>
     </p:extLst>
   </p:cSld>
@@ -1513,28 +1839,85 @@
           <a:lstStyle/>
           <a:p>
             <a:r>
-              <a:rPr kumimoji="1" lang="ja-JP" altLang="en-US" sz="1200" b="1" i="0" kern="1200" dirty="0" smtClean="0">
-                <a:solidFill>
-                  <a:schemeClr val="tx1"/>
-                </a:solidFill>
-                <a:effectLst/>
-                <a:latin typeface="+mn-lt"/>
-                <a:ea typeface="+mn-ea"/>
-                <a:cs typeface="+mn-cs"/>
-              </a:rPr>
-              <a:t>分散データベース</a:t>
-            </a:r>
-            <a:r>
-              <a:rPr kumimoji="1" lang="ja-JP" altLang="en-US" sz="1200" b="0" i="0" kern="1200" dirty="0" smtClean="0">
-                <a:solidFill>
-                  <a:schemeClr val="tx1"/>
-                </a:solidFill>
-                <a:effectLst/>
-                <a:latin typeface="+mn-lt"/>
-                <a:ea typeface="+mn-ea"/>
-                <a:cs typeface="+mn-cs"/>
-              </a:rPr>
-              <a:t>は、ネットワーク上に複数存在するデータベースを、あたかも一つのデータベースであるように利用する仕組みです</a:t>
+              <a:rPr kumimoji="1" lang="ja-JP" altLang="en-US" dirty="0" smtClean="0"/>
+              <a:t>最後の節は、ログの設計ですね</a:t>
+            </a:r>
+            <a:endParaRPr kumimoji="1" lang="en-US" altLang="ja-JP" dirty="0" smtClean="0"/>
+          </a:p>
+          <a:p>
+            <a:endParaRPr kumimoji="1" lang="en-US" altLang="ja-JP" dirty="0" smtClean="0"/>
+          </a:p>
+          <a:p>
+            <a:r>
+              <a:rPr kumimoji="1" lang="ja-JP" altLang="en-US" dirty="0" smtClean="0"/>
+              <a:t>ログの設計とは、機械学習システムで必要な教師データをどのように取得するかを設計することです。</a:t>
+            </a:r>
+            <a:endParaRPr kumimoji="1" lang="en-US" altLang="ja-JP" dirty="0" smtClean="0"/>
+          </a:p>
+          <a:p>
+            <a:endParaRPr kumimoji="1" lang="en-US" altLang="ja-JP" dirty="0" smtClean="0"/>
+          </a:p>
+          <a:p>
+            <a:r>
+              <a:rPr kumimoji="1" lang="ja-JP" altLang="en-US" dirty="0" smtClean="0"/>
+              <a:t>ここでいうログとは、具体的には、</a:t>
+            </a:r>
+            <a:endParaRPr kumimoji="1" lang="en-US" altLang="ja-JP" dirty="0" smtClean="0"/>
+          </a:p>
+          <a:p>
+            <a:r>
+              <a:rPr kumimoji="1" lang="ja-JP" altLang="en-US" dirty="0" smtClean="0"/>
+              <a:t>・</a:t>
+            </a:r>
+            <a:r>
+              <a:rPr kumimoji="1" lang="en-US" altLang="ja-JP" dirty="0" smtClean="0"/>
+              <a:t>Web</a:t>
+            </a:r>
+            <a:r>
+              <a:rPr kumimoji="1" lang="ja-JP" altLang="en-US" dirty="0" smtClean="0"/>
+              <a:t>サーバのアプリケーションログ　や</a:t>
+            </a:r>
+            <a:endParaRPr kumimoji="1" lang="en-US" altLang="ja-JP" dirty="0" smtClean="0"/>
+          </a:p>
+          <a:p>
+            <a:r>
+              <a:rPr kumimoji="1" lang="ja-JP" altLang="en-US" dirty="0" smtClean="0"/>
+              <a:t>・どこをどうクリックしたかなどのユーザの行動ログ　</a:t>
+            </a:r>
+            <a:endParaRPr kumimoji="1" lang="en-US" altLang="ja-JP" dirty="0" smtClean="0"/>
+          </a:p>
+          <a:p>
+            <a:r>
+              <a:rPr kumimoji="1" lang="ja-JP" altLang="en-US" dirty="0" smtClean="0"/>
+              <a:t>を指します</a:t>
+            </a:r>
+            <a:endParaRPr kumimoji="1" lang="en-US" altLang="ja-JP" dirty="0" smtClean="0"/>
+          </a:p>
+          <a:p>
+            <a:endParaRPr kumimoji="1" lang="en-US" altLang="ja-JP" dirty="0" smtClean="0"/>
+          </a:p>
+          <a:p>
+            <a:r>
+              <a:rPr kumimoji="1" lang="ja-JP" altLang="en-US" dirty="0" smtClean="0"/>
+              <a:t>ログには、～～や～～といった特徴があり、システムに組み込みにあたっては様々なコツがあるらしいです。</a:t>
+            </a:r>
+            <a:endParaRPr kumimoji="1" lang="en-US" altLang="ja-JP" dirty="0" smtClean="0"/>
+          </a:p>
+          <a:p>
+            <a:endParaRPr kumimoji="1" lang="en-US" altLang="ja-JP" dirty="0" smtClean="0"/>
+          </a:p>
+          <a:p>
+            <a:r>
+              <a:rPr kumimoji="1" lang="ja-JP" altLang="en-US" dirty="0" smtClean="0"/>
+              <a:t>またログ設計は特徴量を決めるための重要なポイントということで、どこにある</a:t>
+            </a:r>
+            <a:r>
+              <a:rPr kumimoji="1" lang="ja-JP" altLang="en-US" dirty="0" err="1" smtClean="0"/>
+              <a:t>どった</a:t>
+            </a:r>
+            <a:r>
+              <a:rPr kumimoji="1" lang="ja-JP" altLang="en-US" dirty="0" smtClean="0"/>
+              <a:t>情報を利用し、教師データに活用するかについての概要を説明します</a:t>
             </a:r>
             <a:endParaRPr kumimoji="1" lang="ja-JP" altLang="en-US" dirty="0"/>
           </a:p>
@@ -1557,7 +1940,7 @@
           <a:p>
             <a:fld id="{7D904524-672D-4E66-A637-CA0A2B28D555}" type="slidenum">
               <a:rPr kumimoji="1" lang="ja-JP" altLang="en-US" smtClean="0"/>
-              <a:t>21</a:t>
+              <a:t>20</a:t>
             </a:fld>
             <a:endParaRPr kumimoji="1" lang="ja-JP" altLang="en-US"/>
           </a:p>
@@ -1566,7 +1949,7 @@
     </p:spTree>
     <p:extLst>
       <p:ext uri="{BB962C8B-B14F-4D97-AF65-F5344CB8AC3E}">
-        <p14:creationId xmlns:p14="http://schemas.microsoft.com/office/powerpoint/2010/main" val="2930396017"/>
+        <p14:creationId xmlns:p14="http://schemas.microsoft.com/office/powerpoint/2010/main" val="3081659053"/>
       </p:ext>
     </p:extLst>
   </p:cSld>
@@ -1621,8 +2004,28 @@
           <a:lstStyle/>
           <a:p>
             <a:r>
-              <a:rPr kumimoji="1" lang="ja-JP" altLang="en-US" dirty="0" smtClean="0"/>
-              <a:t>このパターンは他のパターンと比べ、予測にかけられる時間に余裕があるのが特徴ですが、予測対象となるコンテンツが増えていくと</a:t>
+              <a:rPr kumimoji="1" lang="ja-JP" altLang="en-US" sz="1200" b="1" i="0" kern="1200" dirty="0" smtClean="0">
+                <a:solidFill>
+                  <a:schemeClr val="tx1"/>
+                </a:solidFill>
+                <a:effectLst/>
+                <a:latin typeface="+mn-lt"/>
+                <a:ea typeface="+mn-ea"/>
+                <a:cs typeface="+mn-cs"/>
+              </a:rPr>
+              <a:t>分散データベース</a:t>
+            </a:r>
+            <a:r>
+              <a:rPr kumimoji="1" lang="ja-JP" altLang="en-US" sz="1200" b="0" i="0" kern="1200" dirty="0" smtClean="0">
+                <a:solidFill>
+                  <a:schemeClr val="tx1"/>
+                </a:solidFill>
+                <a:effectLst/>
+                <a:latin typeface="+mn-lt"/>
+                <a:ea typeface="+mn-ea"/>
+                <a:cs typeface="+mn-cs"/>
+              </a:rPr>
+              <a:t>は、ネットワーク上に複数存在するデータベースを、あたかも一つのデータベースであるように利用する仕組みです</a:t>
             </a:r>
             <a:endParaRPr kumimoji="1" lang="ja-JP" altLang="en-US" dirty="0"/>
           </a:p>
@@ -1645,7 +2048,7 @@
           <a:p>
             <a:fld id="{7D904524-672D-4E66-A637-CA0A2B28D555}" type="slidenum">
               <a:rPr kumimoji="1" lang="ja-JP" altLang="en-US" smtClean="0"/>
-              <a:t>26</a:t>
+              <a:t>21</a:t>
             </a:fld>
             <a:endParaRPr kumimoji="1" lang="ja-JP" altLang="en-US"/>
           </a:p>
@@ -1654,7 +2057,7 @@
     </p:spTree>
     <p:extLst>
       <p:ext uri="{BB962C8B-B14F-4D97-AF65-F5344CB8AC3E}">
-        <p14:creationId xmlns:p14="http://schemas.microsoft.com/office/powerpoint/2010/main" val="2196884486"/>
+        <p14:creationId xmlns:p14="http://schemas.microsoft.com/office/powerpoint/2010/main" val="2930396017"/>
       </p:ext>
     </p:extLst>
   </p:cSld>
@@ -1709,62 +2112,8 @@
           <a:lstStyle/>
           <a:p>
             <a:r>
-              <a:rPr kumimoji="1" lang="en-US" altLang="ja-JP" dirty="0" smtClean="0"/>
-              <a:t>Web</a:t>
-            </a:r>
-            <a:r>
-              <a:rPr kumimoji="1" lang="ja-JP" altLang="en-US" dirty="0" smtClean="0"/>
-              <a:t>アプリケーションで使い勝手の良いのはこのパタンで、一番初めに試すパターンとしてはこの方法が無難らしいです。</a:t>
-            </a:r>
-            <a:endParaRPr kumimoji="1" lang="en-US" altLang="ja-JP" dirty="0" smtClean="0"/>
-          </a:p>
-          <a:p>
-            <a:endParaRPr kumimoji="1" lang="en-US" altLang="ja-JP" dirty="0" smtClean="0"/>
-          </a:p>
-          <a:p>
-            <a:r>
-              <a:rPr kumimoji="1" lang="ja-JP" altLang="en-US" dirty="0" smtClean="0"/>
-              <a:t>分類問題などについて～～</a:t>
-            </a:r>
-            <a:endParaRPr kumimoji="1" lang="en-US" altLang="ja-JP" dirty="0" smtClean="0"/>
-          </a:p>
-          <a:p>
-            <a:endParaRPr kumimoji="1" lang="en-US" altLang="ja-JP" dirty="0" smtClean="0"/>
-          </a:p>
-          <a:p>
-            <a:r>
-              <a:rPr kumimoji="1" lang="ja-JP" altLang="en-US" dirty="0" smtClean="0"/>
-              <a:t>このパターンは、予測バッチとアプリケーションの間で</a:t>
-            </a:r>
-            <a:r>
-              <a:rPr kumimoji="1" lang="en-US" altLang="ja-JP" dirty="0" smtClean="0"/>
-              <a:t>DB</a:t>
-            </a:r>
-            <a:r>
-              <a:rPr kumimoji="1" lang="ja-JP" altLang="en-US" dirty="0" smtClean="0"/>
-              <a:t>を介してやり取りをするので、</a:t>
-            </a:r>
-            <a:r>
-              <a:rPr kumimoji="1" lang="en-US" altLang="ja-JP" dirty="0" smtClean="0"/>
-              <a:t>Web</a:t>
-            </a:r>
-            <a:r>
-              <a:rPr kumimoji="1" lang="ja-JP" altLang="en-US" dirty="0" smtClean="0"/>
-              <a:t>アプリケーションと機械学習の学習・予測を行う部分がそれぞれ独立しており</a:t>
-            </a:r>
-            <a:endParaRPr kumimoji="1" lang="en-US" altLang="ja-JP" dirty="0" smtClean="0"/>
-          </a:p>
-          <a:p>
-            <a:endParaRPr kumimoji="1" lang="en-US" altLang="ja-JP" dirty="0" smtClean="0"/>
-          </a:p>
-          <a:p>
-            <a:r>
-              <a:rPr kumimoji="1" lang="en-US" altLang="ja-JP" dirty="0" smtClean="0"/>
-              <a:t>Web</a:t>
-            </a:r>
-            <a:r>
-              <a:rPr kumimoji="1" lang="ja-JP" altLang="en-US" dirty="0" smtClean="0"/>
-              <a:t>アプリケーションと機械学習する部分で言語がそれぞれ異なっても良いことが大きなメリットです。</a:t>
+              <a:rPr kumimoji="1" lang="ja-JP" altLang="en-US" dirty="0" smtClean="0"/>
+              <a:t>このパターンは他のパターンと比べ、予測にかけられる時間に余裕があるのが特徴ですが、予測対象となるコンテンツが増えていくと</a:t>
             </a:r>
             <a:endParaRPr kumimoji="1" lang="ja-JP" altLang="en-US" dirty="0"/>
           </a:p>
@@ -1787,7 +2136,7 @@
           <a:p>
             <a:fld id="{7D904524-672D-4E66-A637-CA0A2B28D555}" type="slidenum">
               <a:rPr kumimoji="1" lang="ja-JP" altLang="en-US" smtClean="0"/>
-              <a:t>31</a:t>
+              <a:t>26</a:t>
             </a:fld>
             <a:endParaRPr kumimoji="1" lang="ja-JP" altLang="en-US"/>
           </a:p>
@@ -1796,7 +2145,7 @@
     </p:spTree>
     <p:extLst>
       <p:ext uri="{BB962C8B-B14F-4D97-AF65-F5344CB8AC3E}">
-        <p14:creationId xmlns:p14="http://schemas.microsoft.com/office/powerpoint/2010/main" val="2808679553"/>
+        <p14:creationId xmlns:p14="http://schemas.microsoft.com/office/powerpoint/2010/main" val="2196884486"/>
       </p:ext>
     </p:extLst>
   </p:cSld>
@@ -1913,6 +2262,148 @@
     <p:extLst>
       <p:ext uri="{BB962C8B-B14F-4D97-AF65-F5344CB8AC3E}">
         <p14:creationId xmlns:p14="http://schemas.microsoft.com/office/powerpoint/2010/main" val="3217156783"/>
+      </p:ext>
+    </p:extLst>
+  </p:cSld>
+  <p:clrMapOvr>
+    <a:masterClrMapping/>
+  </p:clrMapOvr>
+</p:notes>
+</file>
+
+<file path=ppt/notesSlides/notesSlide20.xml><?xml version="1.0" encoding="utf-8"?>
+<p:notes xmlns:a="http://schemas.openxmlformats.org/drawingml/2006/main" xmlns:r="http://schemas.openxmlformats.org/officeDocument/2006/relationships" xmlns:p="http://schemas.openxmlformats.org/presentationml/2006/main">
+  <p:cSld>
+    <p:spTree>
+      <p:nvGrpSpPr>
+        <p:cNvPr id="1" name=""/>
+        <p:cNvGrpSpPr/>
+        <p:nvPr/>
+      </p:nvGrpSpPr>
+      <p:grpSpPr>
+        <a:xfrm>
+          <a:off x="0" y="0"/>
+          <a:ext cx="0" cy="0"/>
+          <a:chOff x="0" y="0"/>
+          <a:chExt cx="0" cy="0"/>
+        </a:xfrm>
+      </p:grpSpPr>
+      <p:sp>
+        <p:nvSpPr>
+          <p:cNvPr id="2" name="スライド イメージ プレースホルダー 1"/>
+          <p:cNvSpPr>
+            <a:spLocks noGrp="1" noRot="1" noChangeAspect="1"/>
+          </p:cNvSpPr>
+          <p:nvPr>
+            <p:ph type="sldImg"/>
+          </p:nvPr>
+        </p:nvSpPr>
+        <p:spPr/>
+      </p:sp>
+      <p:sp>
+        <p:nvSpPr>
+          <p:cNvPr id="3" name="ノート プレースホルダー 2"/>
+          <p:cNvSpPr>
+            <a:spLocks noGrp="1"/>
+          </p:cNvSpPr>
+          <p:nvPr>
+            <p:ph type="body" idx="1"/>
+          </p:nvPr>
+        </p:nvSpPr>
+        <p:spPr/>
+        <p:txBody>
+          <a:bodyPr/>
+          <a:lstStyle/>
+          <a:p>
+            <a:r>
+              <a:rPr kumimoji="1" lang="en-US" altLang="ja-JP" dirty="0" smtClean="0"/>
+              <a:t>Web</a:t>
+            </a:r>
+            <a:r>
+              <a:rPr kumimoji="1" lang="ja-JP" altLang="en-US" dirty="0" smtClean="0"/>
+              <a:t>アプリケーションで使い勝手の良いのはこのパタンで、一番初めに試すパターンとしてはこの方法が無難らしいです。</a:t>
+            </a:r>
+            <a:endParaRPr kumimoji="1" lang="en-US" altLang="ja-JP" dirty="0" smtClean="0"/>
+          </a:p>
+          <a:p>
+            <a:endParaRPr kumimoji="1" lang="en-US" altLang="ja-JP" dirty="0" smtClean="0"/>
+          </a:p>
+          <a:p>
+            <a:r>
+              <a:rPr kumimoji="1" lang="ja-JP" altLang="en-US" dirty="0" smtClean="0"/>
+              <a:t>分類問題などについて～～</a:t>
+            </a:r>
+            <a:endParaRPr kumimoji="1" lang="en-US" altLang="ja-JP" dirty="0" smtClean="0"/>
+          </a:p>
+          <a:p>
+            <a:endParaRPr kumimoji="1" lang="en-US" altLang="ja-JP" dirty="0" smtClean="0"/>
+          </a:p>
+          <a:p>
+            <a:r>
+              <a:rPr kumimoji="1" lang="ja-JP" altLang="en-US" dirty="0" smtClean="0"/>
+              <a:t>このパターンは、予測バッチとアプリケーションの間で</a:t>
+            </a:r>
+            <a:r>
+              <a:rPr kumimoji="1" lang="en-US" altLang="ja-JP" dirty="0" smtClean="0"/>
+              <a:t>DB</a:t>
+            </a:r>
+            <a:r>
+              <a:rPr kumimoji="1" lang="ja-JP" altLang="en-US" dirty="0" smtClean="0"/>
+              <a:t>を介してやり取りをするので、</a:t>
+            </a:r>
+            <a:r>
+              <a:rPr kumimoji="1" lang="en-US" altLang="ja-JP" dirty="0" smtClean="0"/>
+              <a:t>Web</a:t>
+            </a:r>
+            <a:r>
+              <a:rPr kumimoji="1" lang="ja-JP" altLang="en-US" dirty="0" smtClean="0"/>
+              <a:t>アプリケーションと機械学習の学習・予測を行う部分がそれぞれ独立しており</a:t>
+            </a:r>
+            <a:endParaRPr kumimoji="1" lang="en-US" altLang="ja-JP" dirty="0" smtClean="0"/>
+          </a:p>
+          <a:p>
+            <a:endParaRPr kumimoji="1" lang="en-US" altLang="ja-JP" dirty="0" smtClean="0"/>
+          </a:p>
+          <a:p>
+            <a:r>
+              <a:rPr kumimoji="1" lang="en-US" altLang="ja-JP" dirty="0" smtClean="0"/>
+              <a:t>Web</a:t>
+            </a:r>
+            <a:r>
+              <a:rPr kumimoji="1" lang="ja-JP" altLang="en-US" dirty="0" smtClean="0"/>
+              <a:t>アプリケーションと機械学習する部分で言語がそれぞれ異なっても良いことが大きなメリットです。</a:t>
+            </a:r>
+            <a:endParaRPr kumimoji="1" lang="ja-JP" altLang="en-US" dirty="0"/>
+          </a:p>
+        </p:txBody>
+      </p:sp>
+      <p:sp>
+        <p:nvSpPr>
+          <p:cNvPr id="4" name="スライド番号プレースホルダー 3"/>
+          <p:cNvSpPr>
+            <a:spLocks noGrp="1"/>
+          </p:cNvSpPr>
+          <p:nvPr>
+            <p:ph type="sldNum" sz="quarter" idx="10"/>
+          </p:nvPr>
+        </p:nvSpPr>
+        <p:spPr/>
+        <p:txBody>
+          <a:bodyPr/>
+          <a:lstStyle/>
+          <a:p>
+            <a:fld id="{7D904524-672D-4E66-A637-CA0A2B28D555}" type="slidenum">
+              <a:rPr kumimoji="1" lang="ja-JP" altLang="en-US" smtClean="0"/>
+              <a:t>31</a:t>
+            </a:fld>
+            <a:endParaRPr kumimoji="1" lang="ja-JP" altLang="en-US"/>
+          </a:p>
+        </p:txBody>
+      </p:sp>
+    </p:spTree>
+    <p:extLst>
+      <p:ext uri="{BB962C8B-B14F-4D97-AF65-F5344CB8AC3E}">
+        <p14:creationId xmlns:p14="http://schemas.microsoft.com/office/powerpoint/2010/main" val="2808679553"/>
       </p:ext>
     </p:extLst>
   </p:cSld>
@@ -2947,10 +3438,9 @@
               <a:t>Web</a:t>
             </a:r>
             <a:r>
-              <a:rPr lang="ja-JP" altLang="en-US" smtClean="0"/>
+              <a:rPr lang="ja-JP" altLang="en-US" dirty="0" smtClean="0"/>
               <a:t>アプリケーションで用いる言語で機械学習で使う予測モデルを実装するのは大変らしく～～場合もあるようです</a:t>
             </a:r>
-            <a:endParaRPr lang="ja-JP" altLang="en-US" dirty="0" smtClean="0"/>
           </a:p>
           <a:p>
             <a:endParaRPr kumimoji="1" lang="en-US" altLang="ja-JP" dirty="0" smtClean="0"/>
@@ -7564,7 +8054,7 @@
         </p:nvSpPr>
         <p:spPr>
           <a:xfrm>
-            <a:off x="433470" y="4637504"/>
+            <a:off x="433470" y="4743014"/>
             <a:ext cx="11422509" cy="1815882"/>
           </a:xfrm>
           <a:prstGeom prst="rect">
@@ -8678,8 +9168,8 @@
         </p:nvSpPr>
         <p:spPr>
           <a:xfrm>
-            <a:off x="100176" y="4607216"/>
-            <a:ext cx="12020387" cy="1938992"/>
+            <a:off x="708376" y="4767457"/>
+            <a:ext cx="10803988" cy="1631216"/>
           </a:xfrm>
           <a:prstGeom prst="rect">
             <a:avLst/>
@@ -8709,20 +9199,20 @@
           <a:lstStyle/>
           <a:p>
             <a:r>
-              <a:rPr lang="en-US" altLang="ja-JP" sz="2400" dirty="0" smtClean="0">
+              <a:rPr lang="en-US" altLang="ja-JP" sz="2800" dirty="0" smtClean="0">
                 <a:latin typeface="ＭＳ Ｐゴシック" panose="020B0600070205080204" pitchFamily="50" charset="-128"/>
                 <a:ea typeface="ＭＳ Ｐゴシック" panose="020B0600070205080204" pitchFamily="50" charset="-128"/>
               </a:rPr>
               <a:t>Web</a:t>
             </a:r>
             <a:r>
-              <a:rPr lang="ja-JP" altLang="en-US" sz="2400" dirty="0" smtClean="0">
+              <a:rPr lang="ja-JP" altLang="en-US" sz="2800" dirty="0" smtClean="0">
                 <a:latin typeface="ＭＳ Ｐゴシック" panose="020B0600070205080204" pitchFamily="50" charset="-128"/>
                 <a:ea typeface="ＭＳ Ｐゴシック" panose="020B0600070205080204" pitchFamily="50" charset="-128"/>
               </a:rPr>
               <a:t>アプリケーションが何かしらのイベントをトリガーに予測を要求する</a:t>
             </a:r>
-            <a:endParaRPr lang="en-US" altLang="ja-JP" sz="2400" dirty="0" smtClean="0">
+            <a:endParaRPr lang="en-US" altLang="ja-JP" sz="2800" dirty="0" smtClean="0">
               <a:latin typeface="ＭＳ Ｐゴシック" panose="020B0600070205080204" pitchFamily="50" charset="-128"/>
               <a:ea typeface="ＭＳ Ｐゴシック" panose="020B0600070205080204" pitchFamily="50" charset="-128"/>
             </a:endParaRPr>
@@ -8761,35 +9251,21 @@
                 <a:latin typeface="ＭＳ Ｐゴシック" panose="020B0600070205080204" pitchFamily="50" charset="-128"/>
                 <a:ea typeface="ＭＳ Ｐゴシック" panose="020B0600070205080204" pitchFamily="50" charset="-128"/>
               </a:rPr>
-              <a:t>イベント発生時に予測をしたい対象</a:t>
-            </a:r>
-            <a:r>
-              <a:rPr lang="en-US" altLang="ja-JP" sz="2400" dirty="0" smtClean="0">
-                <a:latin typeface="ＭＳ Ｐゴシック" panose="020B0600070205080204" pitchFamily="50" charset="-128"/>
-                <a:ea typeface="ＭＳ Ｐゴシック" panose="020B0600070205080204" pitchFamily="50" charset="-128"/>
-              </a:rPr>
-              <a:t>(</a:t>
+              <a:t>イベント発生時に予測をしたい</a:t>
             </a:r>
             <a:r>
               <a:rPr lang="ja-JP" altLang="en-US" sz="2400" dirty="0" smtClean="0">
                 <a:latin typeface="ＭＳ Ｐゴシック" panose="020B0600070205080204" pitchFamily="50" charset="-128"/>
                 <a:ea typeface="ＭＳ Ｐゴシック" panose="020B0600070205080204" pitchFamily="50" charset="-128"/>
               </a:rPr>
-              <a:t>例：コメント</a:t>
-            </a:r>
-            <a:r>
-              <a:rPr lang="en-US" altLang="ja-JP" sz="2400" dirty="0" smtClean="0">
-                <a:latin typeface="ＭＳ Ｐゴシック" panose="020B0600070205080204" pitchFamily="50" charset="-128"/>
-                <a:ea typeface="ＭＳ Ｐゴシック" panose="020B0600070205080204" pitchFamily="50" charset="-128"/>
-              </a:rPr>
-              <a:t>)</a:t>
+              <a:t>対象の</a:t>
             </a:r>
             <a:r>
               <a:rPr lang="ja-JP" altLang="en-US" sz="2400" dirty="0" smtClean="0">
                 <a:latin typeface="ＭＳ Ｐゴシック" panose="020B0600070205080204" pitchFamily="50" charset="-128"/>
                 <a:ea typeface="ＭＳ Ｐゴシック" panose="020B0600070205080204" pitchFamily="50" charset="-128"/>
               </a:rPr>
-              <a:t>の情報を</a:t>
+              <a:t>情報を</a:t>
             </a:r>
             <a:r>
               <a:rPr lang="en-US" altLang="ja-JP" sz="2400" dirty="0" smtClean="0">
@@ -8816,18 +9292,18 @@
               <a:buAutoNum type="arabicPeriod"/>
             </a:pPr>
             <a:r>
-              <a:rPr lang="ja-JP" altLang="en-US" sz="2400" dirty="0">
-                <a:latin typeface="ＭＳ Ｐゴシック" panose="020B0600070205080204" pitchFamily="50" charset="-128"/>
-                <a:ea typeface="ＭＳ Ｐゴシック" panose="020B0600070205080204" pitchFamily="50" charset="-128"/>
-              </a:rPr>
-              <a:t>シリアライズ</a:t>
-            </a:r>
-            <a:r>
               <a:rPr lang="ja-JP" altLang="en-US" sz="2400" dirty="0" smtClean="0">
                 <a:latin typeface="ＭＳ Ｐゴシック" panose="020B0600070205080204" pitchFamily="50" charset="-128"/>
                 <a:ea typeface="ＭＳ Ｐゴシック" panose="020B0600070205080204" pitchFamily="50" charset="-128"/>
               </a:rPr>
-              <a:t>して保存していた学習済みモデルを読み込み，抽出した特徴量を入力して予測結果を出力</a:t>
+              <a:t>学習済み</a:t>
+            </a:r>
+            <a:r>
+              <a:rPr lang="ja-JP" altLang="en-US" sz="2400" dirty="0" smtClean="0">
+                <a:latin typeface="ＭＳ Ｐゴシック" panose="020B0600070205080204" pitchFamily="50" charset="-128"/>
+                <a:ea typeface="ＭＳ Ｐゴシック" panose="020B0600070205080204" pitchFamily="50" charset="-128"/>
+              </a:rPr>
+              <a:t>モデルを読み込み，抽出した特徴量を入力して予測結果を出力</a:t>
             </a:r>
             <a:endParaRPr lang="en-US" altLang="ja-JP" sz="2400" dirty="0" smtClean="0">
               <a:latin typeface="ＭＳ Ｐゴシック" panose="020B0600070205080204" pitchFamily="50" charset="-128"/>

--- a/仕事ではじめる機械学習第4章.pptx
+++ b/仕事ではじめる機械学習第4章.pptx
@@ -1244,7 +1244,37 @@
           <a:p>
             <a:r>
               <a:rPr kumimoji="1" lang="ja-JP" altLang="en-US" dirty="0" smtClean="0"/>
-              <a:t>このパターンは、予測結果をレスポンスとして返す</a:t>
+              <a:t>次のパターンは、～～というパターンですね。</a:t>
+            </a:r>
+            <a:endParaRPr kumimoji="1" lang="en-US" altLang="ja-JP" dirty="0" smtClean="0"/>
+          </a:p>
+          <a:p>
+            <a:endParaRPr kumimoji="1" lang="en-US" altLang="ja-JP" dirty="0" smtClean="0"/>
+          </a:p>
+          <a:p>
+            <a:r>
+              <a:rPr kumimoji="1" lang="ja-JP" altLang="en-US" dirty="0" smtClean="0"/>
+              <a:t>この</a:t>
+            </a:r>
+            <a:r>
+              <a:rPr kumimoji="1" lang="ja-JP" altLang="en-US" dirty="0" smtClean="0"/>
+              <a:t>パターンは</a:t>
+            </a:r>
+            <a:r>
+              <a:rPr kumimoji="1" lang="ja-JP" altLang="en-US" dirty="0" smtClean="0"/>
+              <a:t>、バッチ処理で学習とリアルタイム処理で予測という点では、パターン</a:t>
+            </a:r>
+            <a:r>
+              <a:rPr kumimoji="1" lang="en-US" altLang="ja-JP" dirty="0" smtClean="0"/>
+              <a:t>1</a:t>
+            </a:r>
+            <a:r>
+              <a:rPr kumimoji="1" lang="ja-JP" altLang="en-US" dirty="0" smtClean="0"/>
+              <a:t>と同じですが、予測</a:t>
+            </a:r>
+            <a:r>
+              <a:rPr kumimoji="1" lang="ja-JP" altLang="en-US" dirty="0" smtClean="0"/>
+              <a:t>結果をレスポンスとして返す</a:t>
             </a:r>
             <a:r>
               <a:rPr kumimoji="1" lang="en-US" altLang="ja-JP" dirty="0" smtClean="0"/>
@@ -1252,7 +1282,11 @@
             </a:r>
             <a:r>
               <a:rPr kumimoji="1" lang="ja-JP" altLang="en-US" dirty="0" smtClean="0"/>
-              <a:t>サーバーを用意するパターンで</a:t>
+              <a:t>サーバーを用意</a:t>
+            </a:r>
+            <a:r>
+              <a:rPr kumimoji="1" lang="ja-JP" altLang="en-US" dirty="0" smtClean="0"/>
+              <a:t>するという点でちょっと違います。</a:t>
             </a:r>
             <a:endParaRPr kumimoji="1" lang="en-US" altLang="ja-JP" dirty="0" smtClean="0"/>
           </a:p>
@@ -1377,63 +1411,181 @@
           <a:lstStyle/>
           <a:p>
             <a:r>
+              <a:rPr kumimoji="1" lang="ja-JP" altLang="en-US" dirty="0" smtClean="0"/>
+              <a:t>このスライドでは、パターン</a:t>
+            </a:r>
+            <a:r>
               <a:rPr kumimoji="1" lang="en-US" altLang="ja-JP" dirty="0" smtClean="0"/>
+              <a:t>2</a:t>
+            </a:r>
+            <a:r>
+              <a:rPr kumimoji="1" lang="ja-JP" altLang="en-US" dirty="0" smtClean="0"/>
+              <a:t>のメリットとデメリットを簡単に紹介したいと思います。</a:t>
+            </a:r>
+            <a:endParaRPr kumimoji="1" lang="en-US" altLang="ja-JP" dirty="0" smtClean="0"/>
+          </a:p>
+          <a:p>
+            <a:endParaRPr kumimoji="1" lang="en-US" altLang="ja-JP" dirty="0" smtClean="0"/>
+          </a:p>
+          <a:p>
+            <a:pPr marL="0" marR="0" lvl="1" indent="0" algn="l" defTabSz="914400" rtl="0" eaLnBrk="1" fontAlgn="auto" latinLnBrk="0" hangingPunct="1">
+              <a:lnSpc>
+                <a:spcPct val="100000"/>
+              </a:lnSpc>
+              <a:spcBef>
+                <a:spcPts val="0"/>
+              </a:spcBef>
+              <a:spcAft>
+                <a:spcPts val="0"/>
+              </a:spcAft>
+              <a:buClrTx/>
+              <a:buSzTx/>
+              <a:buFontTx/>
+              <a:buNone/>
+              <a:tabLst/>
+              <a:defRPr/>
+            </a:pPr>
+            <a:r>
+              <a:rPr kumimoji="1" lang="ja-JP" altLang="en-US" dirty="0" smtClean="0"/>
+              <a:t>メリットは前のスライドの特徴のところでも言いましたが、</a:t>
+            </a:r>
+            <a:r>
+              <a:rPr lang="en-US" altLang="ja-JP" dirty="0" smtClean="0"/>
               <a:t>Web</a:t>
             </a:r>
             <a:r>
-              <a:rPr kumimoji="1" lang="ja-JP" altLang="en-US" dirty="0" smtClean="0"/>
-              <a:t>アプリケーションで使い勝手の良いのはこのパタンで、一番初めに試すパターンとしてはこの方法が無難らしいです。</a:t>
-            </a:r>
-            <a:endParaRPr kumimoji="1" lang="en-US" altLang="ja-JP" dirty="0" smtClean="0"/>
-          </a:p>
-          <a:p>
-            <a:endParaRPr kumimoji="1" lang="en-US" altLang="ja-JP" dirty="0" smtClean="0"/>
-          </a:p>
-          <a:p>
-            <a:r>
-              <a:rPr kumimoji="1" lang="ja-JP" altLang="en-US" dirty="0" smtClean="0"/>
-              <a:t>分類問題などについて～～</a:t>
-            </a:r>
-            <a:endParaRPr kumimoji="1" lang="en-US" altLang="ja-JP" dirty="0" smtClean="0"/>
-          </a:p>
-          <a:p>
-            <a:endParaRPr kumimoji="1" lang="en-US" altLang="ja-JP" dirty="0" smtClean="0"/>
-          </a:p>
-          <a:p>
-            <a:r>
-              <a:rPr kumimoji="1" lang="ja-JP" altLang="en-US" dirty="0" smtClean="0"/>
-              <a:t>このパターンは、予測バッチとアプリケーションの間で</a:t>
-            </a:r>
-            <a:r>
-              <a:rPr kumimoji="1" lang="en-US" altLang="ja-JP" dirty="0" smtClean="0"/>
-              <a:t>DB</a:t>
-            </a:r>
-            <a:r>
-              <a:rPr kumimoji="1" lang="ja-JP" altLang="en-US" dirty="0" smtClean="0"/>
-              <a:t>を介してやり取りをするので、</a:t>
-            </a:r>
-            <a:r>
-              <a:rPr kumimoji="1" lang="en-US" altLang="ja-JP" dirty="0" smtClean="0"/>
-              <a:t>Web</a:t>
-            </a:r>
-            <a:r>
-              <a:rPr kumimoji="1" lang="ja-JP" altLang="en-US" dirty="0" smtClean="0"/>
-              <a:t>アプリケーションと機械学習の学習・予測を行う部分がそれぞれ独立しており</a:t>
-            </a:r>
-            <a:endParaRPr kumimoji="1" lang="en-US" altLang="ja-JP" dirty="0" smtClean="0"/>
-          </a:p>
-          <a:p>
-            <a:endParaRPr kumimoji="1" lang="en-US" altLang="ja-JP" dirty="0" smtClean="0"/>
-          </a:p>
-          <a:p>
-            <a:r>
-              <a:rPr kumimoji="1" lang="en-US" altLang="ja-JP" dirty="0" smtClean="0"/>
-              <a:t>Web</a:t>
-            </a:r>
-            <a:r>
-              <a:rPr kumimoji="1" lang="ja-JP" altLang="en-US" dirty="0" smtClean="0"/>
-              <a:t>アプリケーションと機械学習する部分で言語がそれぞれ異なっても良いことが大きなメリットです。</a:t>
-            </a:r>
+              <a:rPr lang="ja-JP" altLang="en-US" dirty="0" smtClean="0"/>
+              <a:t>アプリケーションとの結合が疎になることがメリットです。</a:t>
+            </a:r>
+            <a:endParaRPr lang="en-US" altLang="ja-JP" dirty="0" smtClean="0"/>
+          </a:p>
+          <a:p>
+            <a:pPr marL="0" marR="0" lvl="1" indent="0" algn="l" defTabSz="914400" rtl="0" eaLnBrk="1" fontAlgn="auto" latinLnBrk="0" hangingPunct="1">
+              <a:lnSpc>
+                <a:spcPct val="100000"/>
+              </a:lnSpc>
+              <a:spcBef>
+                <a:spcPts val="0"/>
+              </a:spcBef>
+              <a:spcAft>
+                <a:spcPts val="0"/>
+              </a:spcAft>
+              <a:buClrTx/>
+              <a:buSzTx/>
+              <a:buFontTx/>
+              <a:buNone/>
+              <a:tabLst/>
+              <a:defRPr/>
+            </a:pPr>
+            <a:endParaRPr lang="en-US" altLang="ja-JP" dirty="0" smtClean="0"/>
+          </a:p>
+          <a:p>
+            <a:pPr marL="0" marR="0" lvl="1" indent="0" algn="l" defTabSz="914400" rtl="0" eaLnBrk="1" fontAlgn="auto" latinLnBrk="0" hangingPunct="1">
+              <a:lnSpc>
+                <a:spcPct val="100000"/>
+              </a:lnSpc>
+              <a:spcBef>
+                <a:spcPts val="0"/>
+              </a:spcBef>
+              <a:spcAft>
+                <a:spcPts val="0"/>
+              </a:spcAft>
+              <a:buClrTx/>
+              <a:buSzTx/>
+              <a:buFontTx/>
+              <a:buNone/>
+              <a:tabLst/>
+              <a:defRPr/>
+            </a:pPr>
+            <a:r>
+              <a:rPr lang="ja-JP" altLang="en-US" dirty="0" smtClean="0"/>
+              <a:t>で、結合が疎になるから～～</a:t>
+            </a:r>
+            <a:endParaRPr lang="en-US" altLang="ja-JP" dirty="0" smtClean="0"/>
+          </a:p>
+          <a:p>
+            <a:pPr marL="0" marR="0" lvl="1" indent="0" algn="l" defTabSz="914400" rtl="0" eaLnBrk="1" fontAlgn="auto" latinLnBrk="0" hangingPunct="1">
+              <a:lnSpc>
+                <a:spcPct val="100000"/>
+              </a:lnSpc>
+              <a:spcBef>
+                <a:spcPts val="0"/>
+              </a:spcBef>
+              <a:spcAft>
+                <a:spcPts val="0"/>
+              </a:spcAft>
+              <a:buClrTx/>
+              <a:buSzTx/>
+              <a:buFontTx/>
+              <a:buNone/>
+              <a:tabLst/>
+              <a:defRPr/>
+            </a:pPr>
+            <a:endParaRPr lang="en-US" altLang="ja-JP" dirty="0" smtClean="0"/>
+          </a:p>
+          <a:p>
+            <a:pPr marL="0" marR="0" lvl="1" indent="0" algn="l" defTabSz="914400" rtl="0" eaLnBrk="1" fontAlgn="auto" latinLnBrk="0" hangingPunct="1">
+              <a:lnSpc>
+                <a:spcPct val="100000"/>
+              </a:lnSpc>
+              <a:spcBef>
+                <a:spcPts val="0"/>
+              </a:spcBef>
+              <a:spcAft>
+                <a:spcPts val="0"/>
+              </a:spcAft>
+              <a:buClrTx/>
+              <a:buSzTx/>
+              <a:buFontTx/>
+              <a:buNone/>
+              <a:tabLst/>
+              <a:defRPr/>
+            </a:pPr>
+            <a:r>
+              <a:rPr lang="ja-JP" altLang="en-US" dirty="0" smtClean="0"/>
+              <a:t>デメリットとしては、～～</a:t>
+            </a:r>
+            <a:endParaRPr lang="en-US" altLang="ja-JP" dirty="0" smtClean="0"/>
+          </a:p>
+          <a:p>
+            <a:pPr marL="0" marR="0" lvl="1" indent="0" algn="l" defTabSz="914400" rtl="0" eaLnBrk="1" fontAlgn="auto" latinLnBrk="0" hangingPunct="1">
+              <a:lnSpc>
+                <a:spcPct val="100000"/>
+              </a:lnSpc>
+              <a:spcBef>
+                <a:spcPts val="0"/>
+              </a:spcBef>
+              <a:spcAft>
+                <a:spcPts val="0"/>
+              </a:spcAft>
+              <a:buClrTx/>
+              <a:buSzTx/>
+              <a:buFontTx/>
+              <a:buNone/>
+              <a:tabLst/>
+              <a:defRPr/>
+            </a:pPr>
+            <a:endParaRPr lang="en-US" altLang="ja-JP" dirty="0" smtClean="0"/>
+          </a:p>
+          <a:p>
+            <a:pPr marL="0" marR="0" lvl="1" indent="0" algn="l" defTabSz="914400" rtl="0" eaLnBrk="1" fontAlgn="auto" latinLnBrk="0" hangingPunct="1">
+              <a:lnSpc>
+                <a:spcPct val="100000"/>
+              </a:lnSpc>
+              <a:spcBef>
+                <a:spcPts val="0"/>
+              </a:spcBef>
+              <a:spcAft>
+                <a:spcPts val="0"/>
+              </a:spcAft>
+              <a:buClrTx/>
+              <a:buSzTx/>
+              <a:buFontTx/>
+              <a:buNone/>
+              <a:tabLst/>
+              <a:defRPr/>
+            </a:pPr>
+            <a:endParaRPr lang="en-US" altLang="ja-JP" dirty="0" smtClean="0"/>
           </a:p>
           <a:p>
             <a:endParaRPr kumimoji="1" lang="ja-JP" altLang="en-US" dirty="0"/>
@@ -1457,7 +1609,7 @@
           <a:p>
             <a:fld id="{7D904524-672D-4E66-A637-CA0A2B28D555}" type="slidenum">
               <a:rPr kumimoji="1" lang="ja-JP" altLang="en-US" smtClean="0"/>
-              <a:t>15</a:t>
+              <a:t>14</a:t>
             </a:fld>
             <a:endParaRPr kumimoji="1" lang="ja-JP" altLang="en-US"/>
           </a:p>
@@ -1466,7 +1618,7 @@
     </p:spTree>
     <p:extLst>
       <p:ext uri="{BB962C8B-B14F-4D97-AF65-F5344CB8AC3E}">
-        <p14:creationId xmlns:p14="http://schemas.microsoft.com/office/powerpoint/2010/main" val="686770271"/>
+        <p14:creationId xmlns:p14="http://schemas.microsoft.com/office/powerpoint/2010/main" val="2715152401"/>
       </p:ext>
     </p:extLst>
   </p:cSld>
@@ -1522,27 +1674,7 @@
           <a:p>
             <a:r>
               <a:rPr kumimoji="1" lang="ja-JP" altLang="en-US" dirty="0" smtClean="0"/>
-              <a:t>・このパターンが用いられる場面</a:t>
-            </a:r>
-            <a:endParaRPr kumimoji="1" lang="en-US" altLang="ja-JP" dirty="0" smtClean="0"/>
-          </a:p>
-          <a:p>
-            <a:endParaRPr kumimoji="1" lang="en-US" altLang="ja-JP" dirty="0" smtClean="0"/>
-          </a:p>
-          <a:p>
-            <a:r>
-              <a:rPr kumimoji="1" lang="ja-JP" altLang="en-US" dirty="0" smtClean="0"/>
-              <a:t>例えば、ユーザのアクセスログからメールマガジンで送付する内容をパーソナライズする、などがこれに当たります</a:t>
-            </a:r>
-            <a:endParaRPr kumimoji="1" lang="en-US" altLang="ja-JP" dirty="0" smtClean="0"/>
-          </a:p>
-          <a:p>
-            <a:endParaRPr kumimoji="1" lang="en-US" altLang="ja-JP" dirty="0" smtClean="0"/>
-          </a:p>
-          <a:p>
-            <a:r>
-              <a:rPr kumimoji="1" lang="ja-JP" altLang="en-US" dirty="0" smtClean="0"/>
-              <a:t>・メリット</a:t>
+              <a:t>最後のパターン３ですね。このパターンは～～という方法です</a:t>
             </a:r>
             <a:endParaRPr kumimoji="1" lang="en-US" altLang="ja-JP" dirty="0" smtClean="0"/>
           </a:p>
@@ -1556,33 +1688,69 @@
             </a:r>
             <a:r>
               <a:rPr kumimoji="1" lang="ja-JP" altLang="en-US" dirty="0" smtClean="0"/>
-              <a:t>アプロケーションで</a:t>
+              <a:t>アプリケーションで使い勝手の良いのはこの</a:t>
+            </a:r>
+            <a:r>
+              <a:rPr kumimoji="1" lang="ja-JP" altLang="en-US" dirty="0" smtClean="0"/>
+              <a:t>パターン</a:t>
+            </a:r>
+            <a:r>
+              <a:rPr kumimoji="1" lang="ja-JP" altLang="en-US" dirty="0" smtClean="0"/>
+              <a:t>で、一番初めに試すパターンとしてはこの方法が無難らしいです。</a:t>
+            </a:r>
+            <a:endParaRPr kumimoji="1" lang="en-US" altLang="ja-JP" dirty="0" smtClean="0"/>
+          </a:p>
+          <a:p>
+            <a:endParaRPr kumimoji="1" lang="en-US" altLang="ja-JP" dirty="0" smtClean="0"/>
+          </a:p>
+          <a:p>
+            <a:r>
+              <a:rPr kumimoji="1" lang="ja-JP" altLang="en-US" dirty="0" smtClean="0"/>
+              <a:t>分類問題などについて～～</a:t>
+            </a:r>
+            <a:endParaRPr kumimoji="1" lang="en-US" altLang="ja-JP" dirty="0" smtClean="0"/>
+          </a:p>
+          <a:p>
+            <a:endParaRPr kumimoji="1" lang="en-US" altLang="ja-JP" dirty="0" smtClean="0"/>
+          </a:p>
+          <a:p>
+            <a:r>
+              <a:rPr kumimoji="1" lang="ja-JP" altLang="en-US" dirty="0" smtClean="0"/>
+              <a:t>このパターンは、予測バッチとアプリケーションの間で</a:t>
             </a:r>
             <a:r>
               <a:rPr kumimoji="1" lang="en-US" altLang="ja-JP" dirty="0" smtClean="0"/>
-              <a:t>Ruby on Rails</a:t>
-            </a:r>
-            <a:r>
-              <a:rPr kumimoji="1" lang="ja-JP" altLang="en-US" dirty="0" smtClean="0"/>
-              <a:t>を使ってた「としても、特に気にすることなく</a:t>
+              <a:t>DB</a:t>
+            </a:r>
+            <a:r>
+              <a:rPr kumimoji="1" lang="ja-JP" altLang="en-US" dirty="0" smtClean="0"/>
+              <a:t>を介してやり取りをするので、</a:t>
             </a:r>
             <a:r>
               <a:rPr kumimoji="1" lang="en-US" altLang="ja-JP" dirty="0" smtClean="0"/>
-              <a:t>Python</a:t>
-            </a:r>
-            <a:r>
-              <a:rPr kumimoji="1" lang="ja-JP" altLang="en-US" dirty="0" smtClean="0"/>
-              <a:t>や</a:t>
-            </a:r>
+              <a:t>Web</a:t>
+            </a:r>
+            <a:r>
+              <a:rPr kumimoji="1" lang="ja-JP" altLang="en-US" dirty="0" smtClean="0"/>
+              <a:t>アプリケーションと機械学習の学習・予測を行う部分がそれぞれ独立しており</a:t>
+            </a:r>
+            <a:endParaRPr kumimoji="1" lang="en-US" altLang="ja-JP" dirty="0" smtClean="0"/>
+          </a:p>
+          <a:p>
+            <a:endParaRPr kumimoji="1" lang="en-US" altLang="ja-JP" dirty="0" smtClean="0"/>
+          </a:p>
+          <a:p>
             <a:r>
               <a:rPr kumimoji="1" lang="en-US" altLang="ja-JP" dirty="0" smtClean="0"/>
-              <a:t>R</a:t>
-            </a:r>
-            <a:r>
-              <a:rPr kumimoji="1" lang="ja-JP" altLang="en-US" dirty="0" smtClean="0"/>
-              <a:t>でバッチを書けるというメリットがあります</a:t>
-            </a:r>
-            <a:endParaRPr kumimoji="1" lang="en-US" altLang="ja-JP" dirty="0" smtClean="0"/>
+              <a:t>Web</a:t>
+            </a:r>
+            <a:r>
+              <a:rPr kumimoji="1" lang="ja-JP" altLang="en-US" dirty="0" smtClean="0"/>
+              <a:t>アプリケーションと機械学習する部分で言語がそれぞれ異なっても良いことが大きなメリットです。</a:t>
+            </a:r>
+          </a:p>
+          <a:p>
+            <a:endParaRPr kumimoji="1" lang="ja-JP" altLang="en-US" dirty="0"/>
           </a:p>
         </p:txBody>
       </p:sp>
@@ -1603,7 +1771,7 @@
           <a:p>
             <a:fld id="{7D904524-672D-4E66-A637-CA0A2B28D555}" type="slidenum">
               <a:rPr kumimoji="1" lang="ja-JP" altLang="en-US" smtClean="0"/>
-              <a:t>16</a:t>
+              <a:t>15</a:t>
             </a:fld>
             <a:endParaRPr kumimoji="1" lang="ja-JP" altLang="en-US"/>
           </a:p>
@@ -1612,7 +1780,7 @@
     </p:spTree>
     <p:extLst>
       <p:ext uri="{BB962C8B-B14F-4D97-AF65-F5344CB8AC3E}">
-        <p14:creationId xmlns:p14="http://schemas.microsoft.com/office/powerpoint/2010/main" val="2801964498"/>
+        <p14:creationId xmlns:p14="http://schemas.microsoft.com/office/powerpoint/2010/main" val="686770271"/>
       </p:ext>
     </p:extLst>
   </p:cSld>
@@ -1666,7 +1834,69 @@
           <a:bodyPr/>
           <a:lstStyle/>
           <a:p>
-            <a:endParaRPr kumimoji="1" lang="ja-JP" altLang="en-US" dirty="0"/>
+            <a:r>
+              <a:rPr kumimoji="1" lang="ja-JP" altLang="en-US" dirty="0" smtClean="0"/>
+              <a:t>・このパターンが用いられる場面</a:t>
+            </a:r>
+            <a:endParaRPr kumimoji="1" lang="en-US" altLang="ja-JP" dirty="0" smtClean="0"/>
+          </a:p>
+          <a:p>
+            <a:endParaRPr kumimoji="1" lang="en-US" altLang="ja-JP" dirty="0" smtClean="0"/>
+          </a:p>
+          <a:p>
+            <a:r>
+              <a:rPr kumimoji="1" lang="ja-JP" altLang="en-US" dirty="0" smtClean="0"/>
+              <a:t>例えば、ユーザのアクセスログからメールマガジンで送付する内容をパーソナライズする、などがこれに当たります</a:t>
+            </a:r>
+            <a:endParaRPr kumimoji="1" lang="en-US" altLang="ja-JP" dirty="0" smtClean="0"/>
+          </a:p>
+          <a:p>
+            <a:endParaRPr kumimoji="1" lang="en-US" altLang="ja-JP" dirty="0" smtClean="0"/>
+          </a:p>
+          <a:p>
+            <a:r>
+              <a:rPr kumimoji="1" lang="ja-JP" altLang="en-US" dirty="0" smtClean="0"/>
+              <a:t>・メリット</a:t>
+            </a:r>
+            <a:endParaRPr kumimoji="1" lang="en-US" altLang="ja-JP" dirty="0" smtClean="0"/>
+          </a:p>
+          <a:p>
+            <a:endParaRPr kumimoji="1" lang="en-US" altLang="ja-JP" dirty="0" smtClean="0"/>
+          </a:p>
+          <a:p>
+            <a:r>
+              <a:rPr kumimoji="1" lang="en-US" altLang="ja-JP" dirty="0" smtClean="0"/>
+              <a:t>Web</a:t>
+            </a:r>
+            <a:r>
+              <a:rPr kumimoji="1" lang="ja-JP" altLang="en-US" dirty="0" smtClean="0"/>
+              <a:t>アプロケーションで</a:t>
+            </a:r>
+            <a:r>
+              <a:rPr kumimoji="1" lang="en-US" altLang="ja-JP" dirty="0" smtClean="0"/>
+              <a:t>Ruby on Rails</a:t>
+            </a:r>
+            <a:r>
+              <a:rPr kumimoji="1" lang="ja-JP" altLang="en-US" dirty="0" smtClean="0"/>
+              <a:t>を使ってた「としても、特に気にすることなく</a:t>
+            </a:r>
+            <a:r>
+              <a:rPr kumimoji="1" lang="en-US" altLang="ja-JP" dirty="0" smtClean="0"/>
+              <a:t>Python</a:t>
+            </a:r>
+            <a:r>
+              <a:rPr kumimoji="1" lang="ja-JP" altLang="en-US" dirty="0" smtClean="0"/>
+              <a:t>や</a:t>
+            </a:r>
+            <a:r>
+              <a:rPr kumimoji="1" lang="en-US" altLang="ja-JP" dirty="0" smtClean="0"/>
+              <a:t>R</a:t>
+            </a:r>
+            <a:r>
+              <a:rPr kumimoji="1" lang="ja-JP" altLang="en-US" dirty="0" smtClean="0"/>
+              <a:t>でバッチを書けるというメリットがあります</a:t>
+            </a:r>
+            <a:endParaRPr kumimoji="1" lang="en-US" altLang="ja-JP" dirty="0" smtClean="0"/>
           </a:p>
         </p:txBody>
       </p:sp>
@@ -1687,7 +1917,7 @@
           <a:p>
             <a:fld id="{7D904524-672D-4E66-A637-CA0A2B28D555}" type="slidenum">
               <a:rPr kumimoji="1" lang="ja-JP" altLang="en-US" smtClean="0"/>
-              <a:t>17</a:t>
+              <a:t>16</a:t>
             </a:fld>
             <a:endParaRPr kumimoji="1" lang="ja-JP" altLang="en-US"/>
           </a:p>
@@ -1696,7 +1926,7 @@
     </p:spTree>
     <p:extLst>
       <p:ext uri="{BB962C8B-B14F-4D97-AF65-F5344CB8AC3E}">
-        <p14:creationId xmlns:p14="http://schemas.microsoft.com/office/powerpoint/2010/main" val="3996026051"/>
+        <p14:creationId xmlns:p14="http://schemas.microsoft.com/office/powerpoint/2010/main" val="2801964498"/>
       </p:ext>
     </p:extLst>
   </p:cSld>
@@ -1750,10 +1980,6 @@
           <a:bodyPr/>
           <a:lstStyle/>
           <a:p>
-            <a:r>
-              <a:rPr kumimoji="1" lang="ja-JP" altLang="en-US" dirty="0" smtClean="0"/>
-              <a:t>このパターンは他のパターンと比べ、予測にかけられる時間に余裕があるのが特徴ですが、予測対象となるコンテンツが増えていくと</a:t>
-            </a:r>
             <a:endParaRPr kumimoji="1" lang="ja-JP" altLang="en-US" dirty="0"/>
           </a:p>
         </p:txBody>
@@ -1775,7 +2001,7 @@
           <a:p>
             <a:fld id="{7D904524-672D-4E66-A637-CA0A2B28D555}" type="slidenum">
               <a:rPr kumimoji="1" lang="ja-JP" altLang="en-US" smtClean="0"/>
-              <a:t>18</a:t>
+              <a:t>17</a:t>
             </a:fld>
             <a:endParaRPr kumimoji="1" lang="ja-JP" altLang="en-US"/>
           </a:p>
@@ -1784,7 +2010,7 @@
     </p:spTree>
     <p:extLst>
       <p:ext uri="{BB962C8B-B14F-4D97-AF65-F5344CB8AC3E}">
-        <p14:creationId xmlns:p14="http://schemas.microsoft.com/office/powerpoint/2010/main" val="198928953"/>
+        <p14:creationId xmlns:p14="http://schemas.microsoft.com/office/powerpoint/2010/main" val="3996026051"/>
       </p:ext>
     </p:extLst>
   </p:cSld>
@@ -1840,84 +2066,7 @@
           <a:p>
             <a:r>
               <a:rPr kumimoji="1" lang="ja-JP" altLang="en-US" dirty="0" smtClean="0"/>
-              <a:t>最後の節は、ログの設計ですね</a:t>
-            </a:r>
-            <a:endParaRPr kumimoji="1" lang="en-US" altLang="ja-JP" dirty="0" smtClean="0"/>
-          </a:p>
-          <a:p>
-            <a:endParaRPr kumimoji="1" lang="en-US" altLang="ja-JP" dirty="0" smtClean="0"/>
-          </a:p>
-          <a:p>
-            <a:r>
-              <a:rPr kumimoji="1" lang="ja-JP" altLang="en-US" dirty="0" smtClean="0"/>
-              <a:t>ログの設計とは、機械学習システムで必要な教師データをどのように取得するかを設計することです。</a:t>
-            </a:r>
-            <a:endParaRPr kumimoji="1" lang="en-US" altLang="ja-JP" dirty="0" smtClean="0"/>
-          </a:p>
-          <a:p>
-            <a:endParaRPr kumimoji="1" lang="en-US" altLang="ja-JP" dirty="0" smtClean="0"/>
-          </a:p>
-          <a:p>
-            <a:r>
-              <a:rPr kumimoji="1" lang="ja-JP" altLang="en-US" dirty="0" smtClean="0"/>
-              <a:t>ここでいうログとは、具体的には、</a:t>
-            </a:r>
-            <a:endParaRPr kumimoji="1" lang="en-US" altLang="ja-JP" dirty="0" smtClean="0"/>
-          </a:p>
-          <a:p>
-            <a:r>
-              <a:rPr kumimoji="1" lang="ja-JP" altLang="en-US" dirty="0" smtClean="0"/>
-              <a:t>・</a:t>
-            </a:r>
-            <a:r>
-              <a:rPr kumimoji="1" lang="en-US" altLang="ja-JP" dirty="0" smtClean="0"/>
-              <a:t>Web</a:t>
-            </a:r>
-            <a:r>
-              <a:rPr kumimoji="1" lang="ja-JP" altLang="en-US" dirty="0" smtClean="0"/>
-              <a:t>サーバのアプリケーションログ　や</a:t>
-            </a:r>
-            <a:endParaRPr kumimoji="1" lang="en-US" altLang="ja-JP" dirty="0" smtClean="0"/>
-          </a:p>
-          <a:p>
-            <a:r>
-              <a:rPr kumimoji="1" lang="ja-JP" altLang="en-US" dirty="0" smtClean="0"/>
-              <a:t>・どこをどうクリックしたかなどのユーザの行動ログ　</a:t>
-            </a:r>
-            <a:endParaRPr kumimoji="1" lang="en-US" altLang="ja-JP" dirty="0" smtClean="0"/>
-          </a:p>
-          <a:p>
-            <a:r>
-              <a:rPr kumimoji="1" lang="ja-JP" altLang="en-US" dirty="0" smtClean="0"/>
-              <a:t>を指します</a:t>
-            </a:r>
-            <a:endParaRPr kumimoji="1" lang="en-US" altLang="ja-JP" dirty="0" smtClean="0"/>
-          </a:p>
-          <a:p>
-            <a:endParaRPr kumimoji="1" lang="en-US" altLang="ja-JP" dirty="0" smtClean="0"/>
-          </a:p>
-          <a:p>
-            <a:r>
-              <a:rPr kumimoji="1" lang="ja-JP" altLang="en-US" dirty="0" smtClean="0"/>
-              <a:t>ログには、～～や～～といった特徴があり、システムに組み込みにあたっては様々なコツがあるらしいです。</a:t>
-            </a:r>
-            <a:endParaRPr kumimoji="1" lang="en-US" altLang="ja-JP" dirty="0" smtClean="0"/>
-          </a:p>
-          <a:p>
-            <a:endParaRPr kumimoji="1" lang="en-US" altLang="ja-JP" dirty="0" smtClean="0"/>
-          </a:p>
-          <a:p>
-            <a:r>
-              <a:rPr kumimoji="1" lang="ja-JP" altLang="en-US" dirty="0" smtClean="0"/>
-              <a:t>またログ設計は特徴量を決めるための重要なポイントということで、どこにある</a:t>
-            </a:r>
-            <a:r>
-              <a:rPr kumimoji="1" lang="ja-JP" altLang="en-US" dirty="0" err="1" smtClean="0"/>
-              <a:t>どった</a:t>
-            </a:r>
-            <a:r>
-              <a:rPr kumimoji="1" lang="ja-JP" altLang="en-US" dirty="0" smtClean="0"/>
-              <a:t>情報を利用し、教師データに活用するかについての概要を説明します</a:t>
+              <a:t>このパターンは他のパターンと比べ、予測にかけられる時間に余裕があるのが特徴ですが、予測対象となるコンテンツが増えていくと</a:t>
             </a:r>
             <a:endParaRPr kumimoji="1" lang="ja-JP" altLang="en-US" dirty="0"/>
           </a:p>
@@ -1940,7 +2089,7 @@
           <a:p>
             <a:fld id="{7D904524-672D-4E66-A637-CA0A2B28D555}" type="slidenum">
               <a:rPr kumimoji="1" lang="ja-JP" altLang="en-US" smtClean="0"/>
-              <a:t>20</a:t>
+              <a:t>18</a:t>
             </a:fld>
             <a:endParaRPr kumimoji="1" lang="ja-JP" altLang="en-US"/>
           </a:p>
@@ -1949,7 +2098,7 @@
     </p:spTree>
     <p:extLst>
       <p:ext uri="{BB962C8B-B14F-4D97-AF65-F5344CB8AC3E}">
-        <p14:creationId xmlns:p14="http://schemas.microsoft.com/office/powerpoint/2010/main" val="3081659053"/>
+        <p14:creationId xmlns:p14="http://schemas.microsoft.com/office/powerpoint/2010/main" val="198928953"/>
       </p:ext>
     </p:extLst>
   </p:cSld>
@@ -2004,28 +2153,85 @@
           <a:lstStyle/>
           <a:p>
             <a:r>
-              <a:rPr kumimoji="1" lang="ja-JP" altLang="en-US" sz="1200" b="1" i="0" kern="1200" dirty="0" smtClean="0">
-                <a:solidFill>
-                  <a:schemeClr val="tx1"/>
-                </a:solidFill>
-                <a:effectLst/>
-                <a:latin typeface="+mn-lt"/>
-                <a:ea typeface="+mn-ea"/>
-                <a:cs typeface="+mn-cs"/>
-              </a:rPr>
-              <a:t>分散データベース</a:t>
-            </a:r>
-            <a:r>
-              <a:rPr kumimoji="1" lang="ja-JP" altLang="en-US" sz="1200" b="0" i="0" kern="1200" dirty="0" smtClean="0">
-                <a:solidFill>
-                  <a:schemeClr val="tx1"/>
-                </a:solidFill>
-                <a:effectLst/>
-                <a:latin typeface="+mn-lt"/>
-                <a:ea typeface="+mn-ea"/>
-                <a:cs typeface="+mn-cs"/>
-              </a:rPr>
-              <a:t>は、ネットワーク上に複数存在するデータベースを、あたかも一つのデータベースであるように利用する仕組みです</a:t>
+              <a:rPr kumimoji="1" lang="ja-JP" altLang="en-US" dirty="0" smtClean="0"/>
+              <a:t>最後の節は、ログの設計ですね</a:t>
+            </a:r>
+            <a:endParaRPr kumimoji="1" lang="en-US" altLang="ja-JP" dirty="0" smtClean="0"/>
+          </a:p>
+          <a:p>
+            <a:endParaRPr kumimoji="1" lang="en-US" altLang="ja-JP" dirty="0" smtClean="0"/>
+          </a:p>
+          <a:p>
+            <a:r>
+              <a:rPr kumimoji="1" lang="ja-JP" altLang="en-US" dirty="0" smtClean="0"/>
+              <a:t>ログの設計とは、機械学習システムで必要な教師データをどのように取得するかを設計することです。</a:t>
+            </a:r>
+            <a:endParaRPr kumimoji="1" lang="en-US" altLang="ja-JP" dirty="0" smtClean="0"/>
+          </a:p>
+          <a:p>
+            <a:endParaRPr kumimoji="1" lang="en-US" altLang="ja-JP" dirty="0" smtClean="0"/>
+          </a:p>
+          <a:p>
+            <a:r>
+              <a:rPr kumimoji="1" lang="ja-JP" altLang="en-US" dirty="0" smtClean="0"/>
+              <a:t>ここでいうログとは、具体的には、</a:t>
+            </a:r>
+            <a:endParaRPr kumimoji="1" lang="en-US" altLang="ja-JP" dirty="0" smtClean="0"/>
+          </a:p>
+          <a:p>
+            <a:r>
+              <a:rPr kumimoji="1" lang="ja-JP" altLang="en-US" dirty="0" smtClean="0"/>
+              <a:t>・</a:t>
+            </a:r>
+            <a:r>
+              <a:rPr kumimoji="1" lang="en-US" altLang="ja-JP" dirty="0" smtClean="0"/>
+              <a:t>Web</a:t>
+            </a:r>
+            <a:r>
+              <a:rPr kumimoji="1" lang="ja-JP" altLang="en-US" dirty="0" smtClean="0"/>
+              <a:t>サーバのアプリケーションログ　や</a:t>
+            </a:r>
+            <a:endParaRPr kumimoji="1" lang="en-US" altLang="ja-JP" dirty="0" smtClean="0"/>
+          </a:p>
+          <a:p>
+            <a:r>
+              <a:rPr kumimoji="1" lang="ja-JP" altLang="en-US" dirty="0" smtClean="0"/>
+              <a:t>・どこをどうクリックしたかなどのユーザの行動ログ　</a:t>
+            </a:r>
+            <a:endParaRPr kumimoji="1" lang="en-US" altLang="ja-JP" dirty="0" smtClean="0"/>
+          </a:p>
+          <a:p>
+            <a:r>
+              <a:rPr kumimoji="1" lang="ja-JP" altLang="en-US" dirty="0" smtClean="0"/>
+              <a:t>を指します</a:t>
+            </a:r>
+            <a:endParaRPr kumimoji="1" lang="en-US" altLang="ja-JP" dirty="0" smtClean="0"/>
+          </a:p>
+          <a:p>
+            <a:endParaRPr kumimoji="1" lang="en-US" altLang="ja-JP" dirty="0" smtClean="0"/>
+          </a:p>
+          <a:p>
+            <a:r>
+              <a:rPr kumimoji="1" lang="ja-JP" altLang="en-US" dirty="0" smtClean="0"/>
+              <a:t>ログには、～～や～～といった特徴があり、システムに組み込みにあたっては様々なコツがあるらしいです。</a:t>
+            </a:r>
+            <a:endParaRPr kumimoji="1" lang="en-US" altLang="ja-JP" dirty="0" smtClean="0"/>
+          </a:p>
+          <a:p>
+            <a:endParaRPr kumimoji="1" lang="en-US" altLang="ja-JP" dirty="0" smtClean="0"/>
+          </a:p>
+          <a:p>
+            <a:r>
+              <a:rPr kumimoji="1" lang="ja-JP" altLang="en-US" dirty="0" smtClean="0"/>
+              <a:t>またログ設計は特徴量を決めるための重要なポイントということで、どこにある</a:t>
+            </a:r>
+            <a:r>
+              <a:rPr kumimoji="1" lang="ja-JP" altLang="en-US" dirty="0" err="1" smtClean="0"/>
+              <a:t>どった</a:t>
+            </a:r>
+            <a:r>
+              <a:rPr kumimoji="1" lang="ja-JP" altLang="en-US" dirty="0" smtClean="0"/>
+              <a:t>情報を利用し、教師データに活用するかについての概要を説明します</a:t>
             </a:r>
             <a:endParaRPr kumimoji="1" lang="ja-JP" altLang="en-US" dirty="0"/>
           </a:p>
@@ -2048,7 +2254,7 @@
           <a:p>
             <a:fld id="{7D904524-672D-4E66-A637-CA0A2B28D555}" type="slidenum">
               <a:rPr kumimoji="1" lang="ja-JP" altLang="en-US" smtClean="0"/>
-              <a:t>21</a:t>
+              <a:t>20</a:t>
             </a:fld>
             <a:endParaRPr kumimoji="1" lang="ja-JP" altLang="en-US"/>
           </a:p>
@@ -2057,7 +2263,7 @@
     </p:spTree>
     <p:extLst>
       <p:ext uri="{BB962C8B-B14F-4D97-AF65-F5344CB8AC3E}">
-        <p14:creationId xmlns:p14="http://schemas.microsoft.com/office/powerpoint/2010/main" val="2930396017"/>
+        <p14:creationId xmlns:p14="http://schemas.microsoft.com/office/powerpoint/2010/main" val="3081659053"/>
       </p:ext>
     </p:extLst>
   </p:cSld>
@@ -2112,8 +2318,28 @@
           <a:lstStyle/>
           <a:p>
             <a:r>
-              <a:rPr kumimoji="1" lang="ja-JP" altLang="en-US" dirty="0" smtClean="0"/>
-              <a:t>このパターンは他のパターンと比べ、予測にかけられる時間に余裕があるのが特徴ですが、予測対象となるコンテンツが増えていくと</a:t>
+              <a:rPr kumimoji="1" lang="ja-JP" altLang="en-US" sz="1200" b="1" i="0" kern="1200" dirty="0" smtClean="0">
+                <a:solidFill>
+                  <a:schemeClr val="tx1"/>
+                </a:solidFill>
+                <a:effectLst/>
+                <a:latin typeface="+mn-lt"/>
+                <a:ea typeface="+mn-ea"/>
+                <a:cs typeface="+mn-cs"/>
+              </a:rPr>
+              <a:t>分散データベース</a:t>
+            </a:r>
+            <a:r>
+              <a:rPr kumimoji="1" lang="ja-JP" altLang="en-US" sz="1200" b="0" i="0" kern="1200" dirty="0" smtClean="0">
+                <a:solidFill>
+                  <a:schemeClr val="tx1"/>
+                </a:solidFill>
+                <a:effectLst/>
+                <a:latin typeface="+mn-lt"/>
+                <a:ea typeface="+mn-ea"/>
+                <a:cs typeface="+mn-cs"/>
+              </a:rPr>
+              <a:t>は、ネットワーク上に複数存在するデータベースを、あたかも一つのデータベースであるように利用する仕組みです</a:t>
             </a:r>
             <a:endParaRPr kumimoji="1" lang="ja-JP" altLang="en-US" dirty="0"/>
           </a:p>
@@ -2136,7 +2362,7 @@
           <a:p>
             <a:fld id="{7D904524-672D-4E66-A637-CA0A2B28D555}" type="slidenum">
               <a:rPr kumimoji="1" lang="ja-JP" altLang="en-US" smtClean="0"/>
-              <a:t>26</a:t>
+              <a:t>21</a:t>
             </a:fld>
             <a:endParaRPr kumimoji="1" lang="ja-JP" altLang="en-US"/>
           </a:p>
@@ -2145,7 +2371,7 @@
     </p:spTree>
     <p:extLst>
       <p:ext uri="{BB962C8B-B14F-4D97-AF65-F5344CB8AC3E}">
-        <p14:creationId xmlns:p14="http://schemas.microsoft.com/office/powerpoint/2010/main" val="2196884486"/>
+        <p14:creationId xmlns:p14="http://schemas.microsoft.com/office/powerpoint/2010/main" val="2930396017"/>
       </p:ext>
     </p:extLst>
   </p:cSld>
@@ -2272,6 +2498,94 @@
 </file>
 
 <file path=ppt/notesSlides/notesSlide20.xml><?xml version="1.0" encoding="utf-8"?>
+<p:notes xmlns:a="http://schemas.openxmlformats.org/drawingml/2006/main" xmlns:r="http://schemas.openxmlformats.org/officeDocument/2006/relationships" xmlns:p="http://schemas.openxmlformats.org/presentationml/2006/main">
+  <p:cSld>
+    <p:spTree>
+      <p:nvGrpSpPr>
+        <p:cNvPr id="1" name=""/>
+        <p:cNvGrpSpPr/>
+        <p:nvPr/>
+      </p:nvGrpSpPr>
+      <p:grpSpPr>
+        <a:xfrm>
+          <a:off x="0" y="0"/>
+          <a:ext cx="0" cy="0"/>
+          <a:chOff x="0" y="0"/>
+          <a:chExt cx="0" cy="0"/>
+        </a:xfrm>
+      </p:grpSpPr>
+      <p:sp>
+        <p:nvSpPr>
+          <p:cNvPr id="2" name="スライド イメージ プレースホルダー 1"/>
+          <p:cNvSpPr>
+            <a:spLocks noGrp="1" noRot="1" noChangeAspect="1"/>
+          </p:cNvSpPr>
+          <p:nvPr>
+            <p:ph type="sldImg"/>
+          </p:nvPr>
+        </p:nvSpPr>
+        <p:spPr/>
+      </p:sp>
+      <p:sp>
+        <p:nvSpPr>
+          <p:cNvPr id="3" name="ノート プレースホルダー 2"/>
+          <p:cNvSpPr>
+            <a:spLocks noGrp="1"/>
+          </p:cNvSpPr>
+          <p:nvPr>
+            <p:ph type="body" idx="1"/>
+          </p:nvPr>
+        </p:nvSpPr>
+        <p:spPr/>
+        <p:txBody>
+          <a:bodyPr/>
+          <a:lstStyle/>
+          <a:p>
+            <a:r>
+              <a:rPr kumimoji="1" lang="ja-JP" altLang="en-US" dirty="0" smtClean="0"/>
+              <a:t>このパターンは他のパターンと比べ、予測にかけられる時間に余裕があるのが特徴ですが、予測対象となるコンテンツが増えていくと</a:t>
+            </a:r>
+            <a:endParaRPr kumimoji="1" lang="ja-JP" altLang="en-US" dirty="0"/>
+          </a:p>
+        </p:txBody>
+      </p:sp>
+      <p:sp>
+        <p:nvSpPr>
+          <p:cNvPr id="4" name="スライド番号プレースホルダー 3"/>
+          <p:cNvSpPr>
+            <a:spLocks noGrp="1"/>
+          </p:cNvSpPr>
+          <p:nvPr>
+            <p:ph type="sldNum" sz="quarter" idx="10"/>
+          </p:nvPr>
+        </p:nvSpPr>
+        <p:spPr/>
+        <p:txBody>
+          <a:bodyPr/>
+          <a:lstStyle/>
+          <a:p>
+            <a:fld id="{7D904524-672D-4E66-A637-CA0A2B28D555}" type="slidenum">
+              <a:rPr kumimoji="1" lang="ja-JP" altLang="en-US" smtClean="0"/>
+              <a:t>26</a:t>
+            </a:fld>
+            <a:endParaRPr kumimoji="1" lang="ja-JP" altLang="en-US"/>
+          </a:p>
+        </p:txBody>
+      </p:sp>
+    </p:spTree>
+    <p:extLst>
+      <p:ext uri="{BB962C8B-B14F-4D97-AF65-F5344CB8AC3E}">
+        <p14:creationId xmlns:p14="http://schemas.microsoft.com/office/powerpoint/2010/main" val="2196884486"/>
+      </p:ext>
+    </p:extLst>
+  </p:cSld>
+  <p:clrMapOvr>
+    <a:masterClrMapping/>
+  </p:clrMapOvr>
+</p:notes>
+</file>
+
+<file path=ppt/notesSlides/notesSlide21.xml><?xml version="1.0" encoding="utf-8"?>
 <p:notes xmlns:a="http://schemas.openxmlformats.org/drawingml/2006/main" xmlns:r="http://schemas.openxmlformats.org/officeDocument/2006/relationships" xmlns:p="http://schemas.openxmlformats.org/presentationml/2006/main">
   <p:cSld>
     <p:spTree>
@@ -9381,7 +9695,7 @@
         </p:blipFill>
         <p:spPr>
           <a:xfrm>
-            <a:off x="165100" y="1764181"/>
+            <a:off x="165100" y="1827487"/>
             <a:ext cx="6745367" cy="2959753"/>
           </a:xfrm>
           <a:prstGeom prst="rect">
@@ -9450,7 +9764,7 @@
         </p:nvSpPr>
         <p:spPr>
           <a:xfrm>
-            <a:off x="6910467" y="1764180"/>
+            <a:off x="6910467" y="1834520"/>
             <a:ext cx="5343993" cy="2777839"/>
           </a:xfrm>
         </p:spPr>
@@ -9735,28 +10049,28 @@
             </a:endParaRPr>
           </a:p>
           <a:p>
-            <a:pPr lvl="1"/>
-            <a:r>
-              <a:rPr lang="ja-JP" altLang="en-US" sz="2800" dirty="0" smtClean="0"/>
+            <a:pPr lvl="2"/>
+            <a:r>
+              <a:rPr lang="ja-JP" altLang="en-US" sz="2400" dirty="0" smtClean="0"/>
               <a:t>複数モデルによる</a:t>
             </a:r>
             <a:r>
-              <a:rPr lang="en-US" altLang="ja-JP" sz="2800" dirty="0" smtClean="0"/>
+              <a:rPr lang="en-US" altLang="ja-JP" sz="2400" dirty="0" smtClean="0"/>
               <a:t>A/B</a:t>
             </a:r>
             <a:r>
-              <a:rPr lang="ja-JP" altLang="en-US" sz="2800" dirty="0" smtClean="0"/>
+              <a:rPr lang="ja-JP" altLang="en-US" sz="2400" dirty="0" smtClean="0"/>
               <a:t>テストを行う場合に，</a:t>
             </a:r>
             <a:r>
-              <a:rPr lang="ja-JP" altLang="en-US" sz="2800" dirty="0" smtClean="0">
+              <a:rPr lang="ja-JP" altLang="en-US" sz="2400" dirty="0" smtClean="0">
                 <a:solidFill>
                   <a:srgbClr val="FF0000"/>
                 </a:solidFill>
               </a:rPr>
               <a:t>モデルの比較がしやすい</a:t>
             </a:r>
-            <a:endParaRPr lang="en-US" altLang="ja-JP" sz="2800" dirty="0" smtClean="0">
+            <a:endParaRPr lang="en-US" altLang="ja-JP" sz="2400" dirty="0" smtClean="0">
               <a:solidFill>
                 <a:srgbClr val="FF0000"/>
               </a:solidFill>
@@ -10070,8 +10384,8 @@
         </p:nvSpPr>
         <p:spPr>
           <a:xfrm>
-            <a:off x="958121" y="4890621"/>
-            <a:ext cx="10275757" cy="1569660"/>
+            <a:off x="1115244" y="4833415"/>
+            <a:ext cx="9961512" cy="1815882"/>
           </a:xfrm>
           <a:prstGeom prst="rect">
             <a:avLst/>
@@ -10102,13 +10416,13 @@
               <a:buChar char="•"/>
             </a:pPr>
             <a:r>
-              <a:rPr lang="ja-JP" altLang="en-US" sz="2400" dirty="0">
+              <a:rPr lang="ja-JP" altLang="en-US" sz="2800" dirty="0">
                 <a:latin typeface="ＭＳ Ｐゴシック" panose="020B0600070205080204" pitchFamily="50" charset="-128"/>
                 <a:ea typeface="ＭＳ Ｐゴシック" panose="020B0600070205080204" pitchFamily="50" charset="-128"/>
               </a:rPr>
               <a:t>特徴</a:t>
             </a:r>
-            <a:endParaRPr lang="en-US" altLang="ja-JP" sz="2400" dirty="0">
+            <a:endParaRPr lang="en-US" altLang="ja-JP" sz="2800" dirty="0">
               <a:latin typeface="ＭＳ Ｐゴシック" panose="020B0600070205080204" pitchFamily="50" charset="-128"/>
               <a:ea typeface="ＭＳ Ｐゴシック" panose="020B0600070205080204" pitchFamily="50" charset="-128"/>
             </a:endParaRPr>
@@ -10119,13 +10433,13 @@
               <a:buChar char="•"/>
             </a:pPr>
             <a:r>
-              <a:rPr lang="ja-JP" altLang="en-US" sz="2400" dirty="0">
+              <a:rPr lang="ja-JP" altLang="en-US" sz="2800" dirty="0">
                 <a:latin typeface="ＭＳ Ｐゴシック" panose="020B0600070205080204" pitchFamily="50" charset="-128"/>
                 <a:ea typeface="ＭＳ Ｐゴシック" panose="020B0600070205080204" pitchFamily="50" charset="-128"/>
               </a:rPr>
               <a:t>予測に必要な情報は予測バッチ実行時に存在する</a:t>
             </a:r>
-            <a:endParaRPr lang="en-US" altLang="ja-JP" sz="2400" dirty="0">
+            <a:endParaRPr lang="en-US" altLang="ja-JP" sz="2800" dirty="0">
               <a:latin typeface="ＭＳ Ｐゴシック" panose="020B0600070205080204" pitchFamily="50" charset="-128"/>
               <a:ea typeface="ＭＳ Ｐゴシック" panose="020B0600070205080204" pitchFamily="50" charset="-128"/>
             </a:endParaRPr>
@@ -10136,49 +10450,49 @@
               <a:buChar char="•"/>
             </a:pPr>
             <a:r>
-              <a:rPr lang="ja-JP" altLang="en-US" sz="2400" dirty="0">
+              <a:rPr lang="ja-JP" altLang="en-US" sz="2800" dirty="0">
                 <a:latin typeface="ＭＳ Ｐゴシック" panose="020B0600070205080204" pitchFamily="50" charset="-128"/>
                 <a:ea typeface="ＭＳ Ｐゴシック" panose="020B0600070205080204" pitchFamily="50" charset="-128"/>
               </a:rPr>
               <a:t>イベント</a:t>
             </a:r>
             <a:r>
-              <a:rPr lang="en-US" altLang="ja-JP" sz="2400" dirty="0">
+              <a:rPr lang="en-US" altLang="ja-JP" sz="2800" dirty="0">
                 <a:latin typeface="ＭＳ Ｐゴシック" panose="020B0600070205080204" pitchFamily="50" charset="-128"/>
                 <a:ea typeface="ＭＳ Ｐゴシック" panose="020B0600070205080204" pitchFamily="50" charset="-128"/>
               </a:rPr>
               <a:t>(</a:t>
             </a:r>
             <a:r>
-              <a:rPr lang="ja-JP" altLang="en-US" sz="2400" dirty="0">
+              <a:rPr lang="ja-JP" altLang="en-US" sz="2800" dirty="0">
                 <a:latin typeface="ＭＳ Ｐゴシック" panose="020B0600070205080204" pitchFamily="50" charset="-128"/>
                 <a:ea typeface="ＭＳ Ｐゴシック" panose="020B0600070205080204" pitchFamily="50" charset="-128"/>
               </a:rPr>
               <a:t>例：ユーザの</a:t>
             </a:r>
             <a:r>
-              <a:rPr lang="en-US" altLang="ja-JP" sz="2400" dirty="0">
+              <a:rPr lang="en-US" altLang="ja-JP" sz="2800" dirty="0">
                 <a:latin typeface="ＭＳ Ｐゴシック" panose="020B0600070205080204" pitchFamily="50" charset="-128"/>
                 <a:ea typeface="ＭＳ Ｐゴシック" panose="020B0600070205080204" pitchFamily="50" charset="-128"/>
               </a:rPr>
               <a:t>Web</a:t>
             </a:r>
             <a:r>
-              <a:rPr lang="ja-JP" altLang="en-US" sz="2400" dirty="0">
+              <a:rPr lang="ja-JP" altLang="en-US" sz="2800" dirty="0">
                 <a:latin typeface="ＭＳ Ｐゴシック" panose="020B0600070205080204" pitchFamily="50" charset="-128"/>
                 <a:ea typeface="ＭＳ Ｐゴシック" panose="020B0600070205080204" pitchFamily="50" charset="-128"/>
               </a:rPr>
               <a:t>ページ訪問</a:t>
             </a:r>
             <a:r>
-              <a:rPr lang="en-US" altLang="ja-JP" sz="2400" dirty="0">
+              <a:rPr lang="en-US" altLang="ja-JP" sz="2800" dirty="0">
                 <a:latin typeface="ＭＳ Ｐゴシック" panose="020B0600070205080204" pitchFamily="50" charset="-128"/>
                 <a:ea typeface="ＭＳ Ｐゴシック" panose="020B0600070205080204" pitchFamily="50" charset="-128"/>
               </a:rPr>
               <a:t>)</a:t>
             </a:r>
             <a:r>
-              <a:rPr lang="ja-JP" altLang="en-US" sz="2400" dirty="0">
+              <a:rPr lang="ja-JP" altLang="en-US" sz="2800" dirty="0">
                 <a:latin typeface="ＭＳ Ｐゴシック" panose="020B0600070205080204" pitchFamily="50" charset="-128"/>
                 <a:ea typeface="ＭＳ Ｐゴシック" panose="020B0600070205080204" pitchFamily="50" charset="-128"/>
               </a:rPr>

--- a/仕事ではじめる機械学習第4章.pptx
+++ b/仕事ではじめる機械学習第4章.pptx
@@ -1683,6 +1683,36 @@
           </a:p>
           <a:p>
             <a:r>
+              <a:rPr kumimoji="1" lang="ja-JP" altLang="en-US" dirty="0" smtClean="0"/>
+              <a:t>前の</a:t>
+            </a:r>
+            <a:r>
+              <a:rPr kumimoji="1" lang="en-US" altLang="ja-JP" dirty="0" smtClean="0"/>
+              <a:t>2</a:t>
+            </a:r>
+            <a:r>
+              <a:rPr kumimoji="1" lang="ja-JP" altLang="en-US" dirty="0" err="1" smtClean="0"/>
+              <a:t>つの</a:t>
+            </a:r>
+            <a:r>
+              <a:rPr kumimoji="1" lang="ja-JP" altLang="en-US" dirty="0" smtClean="0"/>
+              <a:t>パターンとの違いとしては予測結果を</a:t>
+            </a:r>
+            <a:r>
+              <a:rPr kumimoji="1" lang="en-US" altLang="ja-JP" dirty="0" smtClean="0"/>
+              <a:t>DB</a:t>
+            </a:r>
+            <a:r>
+              <a:rPr kumimoji="1" lang="ja-JP" altLang="en-US" dirty="0" smtClean="0"/>
+              <a:t>経由で提供することですね</a:t>
+            </a:r>
+            <a:endParaRPr kumimoji="1" lang="en-US" altLang="ja-JP" dirty="0" smtClean="0"/>
+          </a:p>
+          <a:p>
+            <a:endParaRPr kumimoji="1" lang="en-US" altLang="ja-JP" dirty="0" smtClean="0"/>
+          </a:p>
+          <a:p>
+            <a:r>
               <a:rPr kumimoji="1" lang="en-US" altLang="ja-JP" dirty="0" smtClean="0"/>
               <a:t>Web</a:t>
             </a:r>
@@ -1716,7 +1746,15 @@
           <a:p>
             <a:r>
               <a:rPr kumimoji="1" lang="ja-JP" altLang="en-US" dirty="0" smtClean="0"/>
-              <a:t>このパターンは、予測バッチとアプリケーションの間で</a:t>
+              <a:t>このパターンは</a:t>
+            </a:r>
+            <a:r>
+              <a:rPr kumimoji="1" lang="ja-JP" altLang="en-US" dirty="0" smtClean="0"/>
+              <a:t>、パターン２と同様に予測</a:t>
+            </a:r>
+            <a:r>
+              <a:rPr kumimoji="1" lang="ja-JP" altLang="en-US" dirty="0" smtClean="0"/>
+              <a:t>バッチとアプリケーションの間で</a:t>
             </a:r>
             <a:r>
               <a:rPr kumimoji="1" lang="en-US" altLang="ja-JP" dirty="0" smtClean="0"/>
@@ -1746,10 +1784,46 @@
             </a:r>
             <a:r>
               <a:rPr kumimoji="1" lang="ja-JP" altLang="en-US" dirty="0" smtClean="0"/>
-              <a:t>アプリケーションと機械学習する部分で言語がそれぞれ異なっても良いことが大きなメリットです。</a:t>
-            </a:r>
-          </a:p>
-          <a:p>
+              <a:t>アプリケーションと機械学習する部分で言語がそれぞれ異なっても良いことが大きなメリットです</a:t>
+            </a:r>
+            <a:r>
+              <a:rPr kumimoji="1" lang="ja-JP" altLang="en-US" dirty="0" smtClean="0"/>
+              <a:t>。</a:t>
+            </a:r>
+            <a:endParaRPr kumimoji="1" lang="en-US" altLang="ja-JP" dirty="0" smtClean="0"/>
+          </a:p>
+          <a:p>
+            <a:endParaRPr kumimoji="1" lang="en-US" altLang="ja-JP" dirty="0" smtClean="0"/>
+          </a:p>
+          <a:p>
+            <a:r>
+              <a:rPr kumimoji="1" lang="ja-JP" altLang="en-US" dirty="0" smtClean="0"/>
+              <a:t>このパターンの特徴は２つ書かれていました。</a:t>
+            </a:r>
+            <a:endParaRPr kumimoji="1" lang="en-US" altLang="ja-JP" dirty="0" smtClean="0"/>
+          </a:p>
+          <a:p>
+            <a:endParaRPr kumimoji="1" lang="en-US" altLang="ja-JP" dirty="0" smtClean="0"/>
+          </a:p>
+          <a:p>
+            <a:r>
+              <a:rPr kumimoji="1" lang="ja-JP" altLang="en-US" dirty="0" smtClean="0"/>
+              <a:t>１つは、予測に必要な情報は予測バッチ実行時に存在する、これは予測を一括で行うので予測で必要な情報が事前に存在しているってことですね</a:t>
+            </a:r>
+            <a:endParaRPr kumimoji="1" lang="en-US" altLang="ja-JP" dirty="0" smtClean="0"/>
+          </a:p>
+          <a:p>
+            <a:endParaRPr kumimoji="1" lang="en-US" altLang="ja-JP" dirty="0" smtClean="0"/>
+          </a:p>
+          <a:p>
+            <a:r>
+              <a:rPr kumimoji="1" lang="en-US" altLang="ja-JP" dirty="0" smtClean="0"/>
+              <a:t>2</a:t>
+            </a:r>
+            <a:r>
+              <a:rPr kumimoji="1" lang="ja-JP" altLang="en-US" dirty="0" smtClean="0"/>
+              <a:t>つ目は～～ということです、即時に予測結果を提供したい場合は、前の２つのパターンでやってるようにリアルタイム処理で予測をする必要があります</a:t>
+            </a:r>
             <a:endParaRPr kumimoji="1" lang="ja-JP" altLang="en-US" dirty="0"/>
           </a:p>
         </p:txBody>
@@ -1836,7 +1910,11 @@
           <a:p>
             <a:r>
               <a:rPr kumimoji="1" lang="ja-JP" altLang="en-US" dirty="0" smtClean="0"/>
-              <a:t>・このパターンが用いられる場面</a:t>
+              <a:t>・このパターンが用いられる</a:t>
+            </a:r>
+            <a:r>
+              <a:rPr kumimoji="1" lang="ja-JP" altLang="en-US" dirty="0" smtClean="0"/>
+              <a:t>場面ですね</a:t>
             </a:r>
             <a:endParaRPr kumimoji="1" lang="en-US" altLang="ja-JP" dirty="0" smtClean="0"/>
           </a:p>
@@ -1846,7 +1924,7 @@
           <a:p>
             <a:r>
               <a:rPr kumimoji="1" lang="ja-JP" altLang="en-US" dirty="0" smtClean="0"/>
-              <a:t>例えば、ユーザのアクセスログからメールマガジンで送付する内容をパーソナライズする、などがこれに当たります</a:t>
+              <a:t>前のスライドの特徴で予測結果を即時に返す必要にないといったように、予測の頻度が頻繁でない対象や結果に向いているパターンになります。</a:t>
             </a:r>
             <a:endParaRPr kumimoji="1" lang="en-US" altLang="ja-JP" dirty="0" smtClean="0"/>
           </a:p>
@@ -1856,7 +1934,34 @@
           <a:p>
             <a:r>
               <a:rPr kumimoji="1" lang="ja-JP" altLang="en-US" dirty="0" smtClean="0"/>
-              <a:t>・メリット</a:t>
+              <a:t>具体的には、予測の頻度がおよそ一日一回以上、短くても数時間に一回程度で問題のない対象や結果に向いています。</a:t>
+            </a:r>
+            <a:endParaRPr kumimoji="1" lang="en-US" altLang="ja-JP" dirty="0" smtClean="0"/>
+          </a:p>
+          <a:p>
+            <a:endParaRPr kumimoji="1" lang="en-US" altLang="ja-JP" dirty="0" smtClean="0"/>
+          </a:p>
+          <a:p>
+            <a:r>
+              <a:rPr kumimoji="1" lang="ja-JP" altLang="en-US" dirty="0" smtClean="0"/>
+              <a:t>例としては、～～</a:t>
+            </a:r>
+            <a:endParaRPr kumimoji="1" lang="en-US" altLang="ja-JP" dirty="0" smtClean="0"/>
+          </a:p>
+          <a:p>
+            <a:endParaRPr kumimoji="1" lang="en-US" altLang="ja-JP" dirty="0" smtClean="0"/>
+          </a:p>
+          <a:p>
+            <a:endParaRPr kumimoji="1" lang="en-US" altLang="ja-JP" dirty="0" smtClean="0"/>
+          </a:p>
+          <a:p>
+            <a:r>
+              <a:rPr kumimoji="1" lang="ja-JP" altLang="en-US" dirty="0" smtClean="0"/>
+              <a:t>・</a:t>
+            </a:r>
+            <a:r>
+              <a:rPr kumimoji="1" lang="ja-JP" altLang="en-US" dirty="0" smtClean="0"/>
+              <a:t>メリットとしては、これはパターン２と同じなんですが～～ということで</a:t>
             </a:r>
             <a:endParaRPr kumimoji="1" lang="en-US" altLang="ja-JP" dirty="0" smtClean="0"/>
           </a:p>
@@ -1878,7 +1983,15 @@
             </a:r>
             <a:r>
               <a:rPr kumimoji="1" lang="ja-JP" altLang="en-US" dirty="0" smtClean="0"/>
-              <a:t>を使ってた「としても、特に気にすることなく</a:t>
+              <a:t>を</a:t>
+            </a:r>
+            <a:r>
+              <a:rPr kumimoji="1" lang="ja-JP" altLang="en-US" dirty="0" smtClean="0"/>
+              <a:t>使ってたと</a:t>
+            </a:r>
+            <a:r>
+              <a:rPr kumimoji="1" lang="ja-JP" altLang="en-US" dirty="0" smtClean="0"/>
+              <a:t>しても、特に気にすることなく</a:t>
             </a:r>
             <a:r>
               <a:rPr kumimoji="1" lang="en-US" altLang="ja-JP" dirty="0" smtClean="0"/>
@@ -1894,7 +2007,49 @@
             </a:r>
             <a:r>
               <a:rPr kumimoji="1" lang="ja-JP" altLang="en-US" dirty="0" smtClean="0"/>
-              <a:t>でバッチを書けるというメリットがあります</a:t>
+              <a:t>でバッチを書けるというメリットが</a:t>
+            </a:r>
+            <a:r>
+              <a:rPr kumimoji="1" lang="ja-JP" altLang="en-US" dirty="0" smtClean="0"/>
+              <a:t>あります</a:t>
+            </a:r>
+            <a:endParaRPr kumimoji="1" lang="en-US" altLang="ja-JP" dirty="0" smtClean="0"/>
+          </a:p>
+          <a:p>
+            <a:endParaRPr kumimoji="1" lang="en-US" altLang="ja-JP" dirty="0" smtClean="0"/>
+          </a:p>
+          <a:p>
+            <a:r>
+              <a:rPr kumimoji="1" lang="en-US" altLang="ja-JP" dirty="0" smtClean="0"/>
+              <a:t>2</a:t>
+            </a:r>
+            <a:r>
+              <a:rPr kumimoji="1" lang="ja-JP" altLang="en-US" dirty="0" smtClean="0"/>
+              <a:t>つ目は予測を一括で行うので、～～</a:t>
+            </a:r>
+            <a:endParaRPr kumimoji="1" lang="en-US" altLang="ja-JP" dirty="0" smtClean="0"/>
+          </a:p>
+          <a:p>
+            <a:endParaRPr kumimoji="1" lang="en-US" altLang="ja-JP" dirty="0" smtClean="0"/>
+          </a:p>
+          <a:p>
+            <a:r>
+              <a:rPr kumimoji="1" lang="ja-JP" altLang="en-US" dirty="0" smtClean="0"/>
+              <a:t>デメリットは、やっぱりバッチ処理で予測をするので～～ということです</a:t>
+            </a:r>
+            <a:endParaRPr kumimoji="1" lang="en-US" altLang="ja-JP" dirty="0" smtClean="0"/>
+          </a:p>
+          <a:p>
+            <a:endParaRPr kumimoji="1" lang="en-US" altLang="ja-JP" dirty="0" smtClean="0"/>
+          </a:p>
+          <a:p>
+            <a:r>
+              <a:rPr kumimoji="1" lang="ja-JP" altLang="en-US" err="1" smtClean="0"/>
+              <a:t>なの</a:t>
+            </a:r>
+            <a:r>
+              <a:rPr kumimoji="1" lang="ja-JP" altLang="en-US" smtClean="0"/>
+              <a:t>で、全コンテンツに対して予測しなおすようなバッチの組み方をすると、データ量に増加に対して処理時間が予想以上に膨らんでしまい、日次のジョブでは終わらないようなことが起きるので注意が必要です</a:t>
             </a:r>
             <a:endParaRPr kumimoji="1" lang="en-US" altLang="ja-JP" dirty="0" smtClean="0"/>
           </a:p>
@@ -10316,9 +10471,21 @@
             </a:r>
             <a:r>
               <a:rPr lang="ja-JP" altLang="en-US" dirty="0" smtClean="0"/>
-              <a:t>あり学習のモデルを一括学習</a:t>
-            </a:r>
-            <a:endParaRPr lang="en-US" altLang="ja-JP" dirty="0" smtClean="0"/>
+              <a:t>あり学習のモデルを</a:t>
+            </a:r>
+            <a:r>
+              <a:rPr lang="ja-JP" altLang="en-US" dirty="0" smtClean="0">
+                <a:solidFill>
+                  <a:srgbClr val="FF0000"/>
+                </a:solidFill>
+              </a:rPr>
+              <a:t>一括学習</a:t>
+            </a:r>
+            <a:endParaRPr lang="en-US" altLang="ja-JP" dirty="0" smtClean="0">
+              <a:solidFill>
+                <a:srgbClr val="FF0000"/>
+              </a:solidFill>
+            </a:endParaRPr>
           </a:p>
           <a:p>
             <a:pPr marL="914400" lvl="1" indent="-457200">
@@ -10327,7 +10494,19 @@
             </a:pPr>
             <a:r>
               <a:rPr kumimoji="1" lang="ja-JP" altLang="en-US" dirty="0" smtClean="0"/>
-              <a:t>そのモデルを使った予測をバッチ処理で行う</a:t>
+              <a:t>そのモデルを使った</a:t>
+            </a:r>
+            <a:r>
+              <a:rPr kumimoji="1" lang="ja-JP" altLang="en-US" dirty="0" smtClean="0">
+                <a:solidFill>
+                  <a:srgbClr val="FF0000"/>
+                </a:solidFill>
+              </a:rPr>
+              <a:t>予測をバッチ処理</a:t>
+            </a:r>
+            <a:r>
+              <a:rPr kumimoji="1" lang="ja-JP" altLang="en-US" dirty="0" smtClean="0"/>
+              <a:t>で行う</a:t>
             </a:r>
             <a:endParaRPr kumimoji="1" lang="en-US" altLang="ja-JP" dirty="0" smtClean="0"/>
           </a:p>
@@ -10672,10 +10851,57 @@
             </a:pPr>
             <a:r>
               <a:rPr kumimoji="1" lang="ja-JP" altLang="en-US" sz="2400" dirty="0" smtClean="0">
+                <a:solidFill>
+                  <a:srgbClr val="FF0000"/>
+                </a:solidFill>
                 <a:latin typeface="ＭＳ Ｐゴシック" panose="020B0600070205080204" pitchFamily="50" charset="-128"/>
                 <a:ea typeface="ＭＳ Ｐゴシック" panose="020B0600070205080204" pitchFamily="50" charset="-128"/>
               </a:rPr>
-              <a:t>予測の頻度がおよそ一日に一回以上程度で問題のない対象や結果に向いているパターン</a:t>
+              <a:t>予測の頻度</a:t>
+            </a:r>
+            <a:r>
+              <a:rPr kumimoji="1" lang="ja-JP" altLang="en-US" sz="2400" dirty="0" smtClean="0">
+                <a:solidFill>
+                  <a:srgbClr val="FF0000"/>
+                </a:solidFill>
+                <a:latin typeface="ＭＳ Ｐゴシック" panose="020B0600070205080204" pitchFamily="50" charset="-128"/>
+                <a:ea typeface="ＭＳ Ｐゴシック" panose="020B0600070205080204" pitchFamily="50" charset="-128"/>
+              </a:rPr>
+              <a:t>が</a:t>
+            </a:r>
+            <a:r>
+              <a:rPr lang="ja-JP" altLang="en-US" sz="2400" dirty="0">
+                <a:solidFill>
+                  <a:srgbClr val="FF0000"/>
+                </a:solidFill>
+                <a:latin typeface="ＭＳ Ｐゴシック" panose="020B0600070205080204" pitchFamily="50" charset="-128"/>
+                <a:ea typeface="ＭＳ Ｐゴシック" panose="020B0600070205080204" pitchFamily="50" charset="-128"/>
+              </a:rPr>
+              <a:t>頻繁</a:t>
+            </a:r>
+            <a:r>
+              <a:rPr lang="ja-JP" altLang="en-US" sz="2400" dirty="0" smtClean="0">
+                <a:solidFill>
+                  <a:srgbClr val="FF0000"/>
+                </a:solidFill>
+                <a:latin typeface="ＭＳ Ｐゴシック" panose="020B0600070205080204" pitchFamily="50" charset="-128"/>
+                <a:ea typeface="ＭＳ Ｐゴシック" panose="020B0600070205080204" pitchFamily="50" charset="-128"/>
+              </a:rPr>
+              <a:t>でない</a:t>
+            </a:r>
+            <a:r>
+              <a:rPr kumimoji="1" lang="ja-JP" altLang="en-US" sz="2400" dirty="0" smtClean="0">
+                <a:latin typeface="ＭＳ Ｐゴシック" panose="020B0600070205080204" pitchFamily="50" charset="-128"/>
+                <a:ea typeface="ＭＳ Ｐゴシック" panose="020B0600070205080204" pitchFamily="50" charset="-128"/>
+              </a:rPr>
+              <a:t>対象</a:t>
+            </a:r>
+            <a:r>
+              <a:rPr kumimoji="1" lang="ja-JP" altLang="en-US" sz="2400" dirty="0" smtClean="0">
+                <a:latin typeface="ＭＳ Ｐゴシック" panose="020B0600070205080204" pitchFamily="50" charset="-128"/>
+                <a:ea typeface="ＭＳ Ｐゴシック" panose="020B0600070205080204" pitchFamily="50" charset="-128"/>
+              </a:rPr>
+              <a:t>や結果に向いているパターン</a:t>
             </a:r>
             <a:endParaRPr kumimoji="1" lang="en-US" altLang="ja-JP" sz="2400" dirty="0" smtClean="0">
               <a:latin typeface="ＭＳ Ｐゴシック" panose="020B0600070205080204" pitchFamily="50" charset="-128"/>
@@ -10716,37 +10942,6 @@
               <a:t>時間ごとのバッチで分類</a:t>
             </a:r>
             <a:endParaRPr lang="en-US" altLang="ja-JP" sz="2400" dirty="0" smtClean="0">
-              <a:latin typeface="ＭＳ Ｐゴシック" panose="020B0600070205080204" pitchFamily="50" charset="-128"/>
-              <a:ea typeface="ＭＳ Ｐゴシック" panose="020B0600070205080204" pitchFamily="50" charset="-128"/>
-            </a:endParaRPr>
-          </a:p>
-          <a:p>
-            <a:pPr marL="1200150" lvl="2" indent="-285750">
-              <a:buFont typeface="Arial" panose="020B0604020202020204" pitchFamily="34" charset="0"/>
-              <a:buChar char="•"/>
-            </a:pPr>
-            <a:r>
-              <a:rPr kumimoji="1" lang="en-US" altLang="ja-JP" sz="2400" dirty="0" smtClean="0">
-                <a:latin typeface="ＭＳ Ｐゴシック" panose="020B0600070205080204" pitchFamily="50" charset="-128"/>
-                <a:ea typeface="ＭＳ Ｐゴシック" panose="020B0600070205080204" pitchFamily="50" charset="-128"/>
-              </a:rPr>
-              <a:t>e.g. </a:t>
-            </a:r>
-            <a:r>
-              <a:rPr kumimoji="1" lang="ja-JP" altLang="en-US" sz="2400" dirty="0" smtClean="0">
-                <a:latin typeface="ＭＳ Ｐゴシック" panose="020B0600070205080204" pitchFamily="50" charset="-128"/>
-                <a:ea typeface="ＭＳ Ｐゴシック" panose="020B0600070205080204" pitchFamily="50" charset="-128"/>
-              </a:rPr>
-              <a:t>ある日のユーザー閲覧履歴</a:t>
-            </a:r>
-            <a:r>
-              <a:rPr lang="ja-JP" altLang="en-US" sz="2400" dirty="0" smtClean="0">
-                <a:latin typeface="ＭＳ Ｐゴシック" panose="020B0600070205080204" pitchFamily="50" charset="-128"/>
-                <a:ea typeface="ＭＳ Ｐゴシック" panose="020B0600070205080204" pitchFamily="50" charset="-128"/>
-              </a:rPr>
-              <a:t>からどのユーザークラスターに所属するか日次バッチで処理する</a:t>
-            </a:r>
-            <a:endParaRPr kumimoji="1" lang="en-US" altLang="ja-JP" sz="2400" dirty="0" smtClean="0">
               <a:latin typeface="ＭＳ Ｐゴシック" panose="020B0600070205080204" pitchFamily="50" charset="-128"/>
               <a:ea typeface="ＭＳ Ｐゴシック" panose="020B0600070205080204" pitchFamily="50" charset="-128"/>
             </a:endParaRPr>
@@ -10819,7 +11014,65 @@
                 <a:latin typeface="ＭＳ Ｐゴシック" panose="020B0600070205080204" pitchFamily="50" charset="-128"/>
                 <a:ea typeface="ＭＳ Ｐゴシック" panose="020B0600070205080204" pitchFamily="50" charset="-128"/>
               </a:rPr>
-              <a:t>予測処理に多少時間がかかる場合でもアプリケーションのレスポンスに影響しない</a:t>
+              <a:t>予測処理に多少時間がかかる場合でもアプリケーションのレスポンスに影響</a:t>
+            </a:r>
+            <a:r>
+              <a:rPr kumimoji="1" lang="ja-JP" altLang="en-US" sz="2400" dirty="0" smtClean="0">
+                <a:latin typeface="ＭＳ Ｐゴシック" panose="020B0600070205080204" pitchFamily="50" charset="-128"/>
+                <a:ea typeface="ＭＳ Ｐゴシック" panose="020B0600070205080204" pitchFamily="50" charset="-128"/>
+              </a:rPr>
+              <a:t>しない</a:t>
+            </a:r>
+            <a:endParaRPr kumimoji="1" lang="en-US" altLang="ja-JP" sz="2400" dirty="0" smtClean="0">
+              <a:latin typeface="ＭＳ Ｐゴシック" panose="020B0600070205080204" pitchFamily="50" charset="-128"/>
+              <a:ea typeface="ＭＳ Ｐゴシック" panose="020B0600070205080204" pitchFamily="50" charset="-128"/>
+            </a:endParaRPr>
+          </a:p>
+          <a:p>
+            <a:pPr marL="742950" lvl="1" indent="-285750">
+              <a:buFont typeface="Arial" panose="020B0604020202020204" pitchFamily="34" charset="0"/>
+              <a:buChar char="•"/>
+            </a:pPr>
+            <a:endParaRPr kumimoji="1" lang="en-US" altLang="ja-JP" sz="2400" dirty="0" smtClean="0">
+              <a:latin typeface="ＭＳ Ｐゴシック" panose="020B0600070205080204" pitchFamily="50" charset="-128"/>
+              <a:ea typeface="ＭＳ Ｐゴシック" panose="020B0600070205080204" pitchFamily="50" charset="-128"/>
+            </a:endParaRPr>
+          </a:p>
+          <a:p>
+            <a:pPr marL="285750" indent="-285750">
+              <a:buFont typeface="Arial" panose="020B0604020202020204" pitchFamily="34" charset="0"/>
+              <a:buChar char="•"/>
+            </a:pPr>
+            <a:r>
+              <a:rPr lang="ja-JP" altLang="en-US" sz="2400" dirty="0" smtClean="0">
+                <a:latin typeface="ＭＳ Ｐゴシック" panose="020B0600070205080204" pitchFamily="50" charset="-128"/>
+                <a:ea typeface="ＭＳ Ｐゴシック" panose="020B0600070205080204" pitchFamily="50" charset="-128"/>
+              </a:rPr>
+              <a:t>デメリット</a:t>
+            </a:r>
+            <a:endParaRPr lang="en-US" altLang="ja-JP" sz="2400" dirty="0" smtClean="0">
+              <a:latin typeface="ＭＳ Ｐゴシック" panose="020B0600070205080204" pitchFamily="50" charset="-128"/>
+              <a:ea typeface="ＭＳ Ｐゴシック" panose="020B0600070205080204" pitchFamily="50" charset="-128"/>
+            </a:endParaRPr>
+          </a:p>
+          <a:p>
+            <a:pPr marL="742950" lvl="1" indent="-285750">
+              <a:buFont typeface="Arial" panose="020B0604020202020204" pitchFamily="34" charset="0"/>
+              <a:buChar char="•"/>
+            </a:pPr>
+            <a:r>
+              <a:rPr kumimoji="1" lang="ja-JP" altLang="en-US" sz="2400" dirty="0" smtClean="0">
+                <a:latin typeface="ＭＳ Ｐゴシック" panose="020B0600070205080204" pitchFamily="50" charset="-128"/>
+                <a:ea typeface="ＭＳ Ｐゴシック" panose="020B0600070205080204" pitchFamily="50" charset="-128"/>
+              </a:rPr>
+              <a:t>予測対象</a:t>
+            </a:r>
+            <a:r>
+              <a:rPr lang="ja-JP" altLang="en-US" sz="2400" dirty="0" smtClean="0">
+                <a:latin typeface="ＭＳ Ｐゴシック" panose="020B0600070205080204" pitchFamily="50" charset="-128"/>
+                <a:ea typeface="ＭＳ Ｐゴシック" panose="020B0600070205080204" pitchFamily="50" charset="-128"/>
+              </a:rPr>
+              <a:t>となるコンテンツが増えていくと、それに比例して処理時間も増える</a:t>
             </a:r>
             <a:endParaRPr kumimoji="1" lang="en-US" altLang="ja-JP" sz="2400" dirty="0" smtClean="0">
               <a:latin typeface="ＭＳ Ｐゴシック" panose="020B0600070205080204" pitchFamily="50" charset="-128"/>

--- a/仕事ではじめる機械学習第4章.pptx
+++ b/仕事ではじめる機械学習第4章.pptx
@@ -2044,12 +2044,8 @@
           </a:p>
           <a:p>
             <a:r>
-              <a:rPr kumimoji="1" lang="ja-JP" altLang="en-US" err="1" smtClean="0"/>
-              <a:t>なの</a:t>
-            </a:r>
-            <a:r>
-              <a:rPr kumimoji="1" lang="ja-JP" altLang="en-US" smtClean="0"/>
-              <a:t>で、全コンテンツに対して予測しなおすようなバッチの組み方をすると、データ量に増加に対して処理時間が予想以上に膨らんでしまい、日次のジョブでは終わらないようなことが起きるので注意が必要です</a:t>
+              <a:rPr kumimoji="1" lang="ja-JP" altLang="en-US" dirty="0" smtClean="0"/>
+              <a:t>なので、全コンテンツに対して予測しなおすようなバッチの組み方をすると、データ量に増加に対して処理時間が予想以上に膨らんでしまい、日次のジョブでは終わらないようなことが起きるので注意が必要です</a:t>
             </a:r>
             <a:endParaRPr kumimoji="1" lang="en-US" altLang="ja-JP" dirty="0" smtClean="0"/>
           </a:p>
@@ -2135,6 +2131,111 @@
           <a:bodyPr/>
           <a:lstStyle/>
           <a:p>
+            <a:r>
+              <a:rPr kumimoji="1" lang="ja-JP" altLang="en-US" dirty="0" smtClean="0"/>
+              <a:t>パターン３の学習フェーズの概要ですね</a:t>
+            </a:r>
+            <a:endParaRPr kumimoji="1" lang="en-US" altLang="ja-JP" dirty="0" smtClean="0"/>
+          </a:p>
+          <a:p>
+            <a:endParaRPr kumimoji="1" lang="en-US" altLang="ja-JP" dirty="0" smtClean="0"/>
+          </a:p>
+          <a:p>
+            <a:pPr marL="0" marR="0" indent="0" algn="l" defTabSz="914400" rtl="0" eaLnBrk="1" fontAlgn="auto" latinLnBrk="0" hangingPunct="1">
+              <a:lnSpc>
+                <a:spcPct val="100000"/>
+              </a:lnSpc>
+              <a:spcBef>
+                <a:spcPts val="0"/>
+              </a:spcBef>
+              <a:spcAft>
+                <a:spcPts val="0"/>
+              </a:spcAft>
+              <a:buClrTx/>
+              <a:buSzTx/>
+              <a:buFontTx/>
+              <a:buNone/>
+              <a:tabLst/>
+              <a:defRPr/>
+            </a:pPr>
+            <a:r>
+              <a:rPr kumimoji="1" lang="ja-JP" altLang="en-US" dirty="0" smtClean="0"/>
+              <a:t>学習フェーズでは、</a:t>
+            </a:r>
+            <a:r>
+              <a:rPr kumimoji="1" lang="en-US" altLang="ja-JP" dirty="0" smtClean="0"/>
+              <a:t>DB</a:t>
+            </a:r>
+            <a:r>
+              <a:rPr kumimoji="1" lang="ja-JP" altLang="en-US" dirty="0" smtClean="0"/>
+              <a:t>の中にある</a:t>
+            </a:r>
+            <a:r>
+              <a:rPr kumimoji="1" lang="ja-JP" altLang="en-US" sz="1200" dirty="0" smtClean="0">
+                <a:latin typeface="ＭＳ Ｐゴシック" panose="020B0600070205080204" pitchFamily="50" charset="-128"/>
+                <a:ea typeface="ＭＳ Ｐゴシック" panose="020B0600070205080204" pitchFamily="50" charset="-128"/>
+              </a:rPr>
+              <a:t>ログやユーザー情報から特徴を抽出してモデルを一括学習します。</a:t>
+            </a:r>
+            <a:endParaRPr kumimoji="1" lang="en-US" altLang="ja-JP" sz="1200" dirty="0" smtClean="0">
+              <a:latin typeface="ＭＳ Ｐゴシック" panose="020B0600070205080204" pitchFamily="50" charset="-128"/>
+              <a:ea typeface="ＭＳ Ｐゴシック" panose="020B0600070205080204" pitchFamily="50" charset="-128"/>
+            </a:endParaRPr>
+          </a:p>
+          <a:p>
+            <a:pPr marL="0" marR="0" indent="0" algn="l" defTabSz="914400" rtl="0" eaLnBrk="1" fontAlgn="auto" latinLnBrk="0" hangingPunct="1">
+              <a:lnSpc>
+                <a:spcPct val="100000"/>
+              </a:lnSpc>
+              <a:spcBef>
+                <a:spcPts val="0"/>
+              </a:spcBef>
+              <a:spcAft>
+                <a:spcPts val="0"/>
+              </a:spcAft>
+              <a:buClrTx/>
+              <a:buSzTx/>
+              <a:buFontTx/>
+              <a:buNone/>
+              <a:tabLst/>
+              <a:defRPr/>
+            </a:pPr>
+            <a:endParaRPr kumimoji="1" lang="en-US" altLang="ja-JP" sz="1200" dirty="0" smtClean="0">
+              <a:latin typeface="ＭＳ Ｐゴシック" panose="020B0600070205080204" pitchFamily="50" charset="-128"/>
+              <a:ea typeface="ＭＳ Ｐゴシック" panose="020B0600070205080204" pitchFamily="50" charset="-128"/>
+            </a:endParaRPr>
+          </a:p>
+          <a:p>
+            <a:pPr marL="0" marR="0" indent="0" algn="l" defTabSz="914400" rtl="0" eaLnBrk="1" fontAlgn="auto" latinLnBrk="0" hangingPunct="1">
+              <a:lnSpc>
+                <a:spcPct val="100000"/>
+              </a:lnSpc>
+              <a:spcBef>
+                <a:spcPts val="0"/>
+              </a:spcBef>
+              <a:spcAft>
+                <a:spcPts val="0"/>
+              </a:spcAft>
+              <a:buClrTx/>
+              <a:buSzTx/>
+              <a:buFontTx/>
+              <a:buNone/>
+              <a:tabLst/>
+              <a:defRPr/>
+            </a:pPr>
+            <a:r>
+              <a:rPr kumimoji="1" lang="ja-JP" altLang="en-US" sz="1200" dirty="0" smtClean="0">
+                <a:latin typeface="ＭＳ Ｐゴシック" panose="020B0600070205080204" pitchFamily="50" charset="-128"/>
+                <a:ea typeface="ＭＳ Ｐゴシック" panose="020B0600070205080204" pitchFamily="50" charset="-128"/>
+              </a:rPr>
+              <a:t>で、ここで構築した学習済みモデルを保存して予測フェーズで使用する</a:t>
+            </a:r>
+            <a:endParaRPr kumimoji="1" lang="en-US" altLang="ja-JP" sz="1200" dirty="0" smtClean="0">
+              <a:latin typeface="ＭＳ Ｐゴシック" panose="020B0600070205080204" pitchFamily="50" charset="-128"/>
+              <a:ea typeface="ＭＳ Ｐゴシック" panose="020B0600070205080204" pitchFamily="50" charset="-128"/>
+            </a:endParaRPr>
+          </a:p>
+          <a:p>
             <a:endParaRPr kumimoji="1" lang="ja-JP" altLang="en-US" dirty="0"/>
           </a:p>
         </p:txBody>
@@ -2221,8 +2322,90 @@
           <a:p>
             <a:r>
               <a:rPr kumimoji="1" lang="ja-JP" altLang="en-US" dirty="0" smtClean="0"/>
-              <a:t>このパターンは他のパターンと比べ、予測にかけられる時間に余裕があるのが特徴ですが、予測対象となるコンテンツが増えていくと</a:t>
-            </a:r>
+              <a:t>パターン３の予測フェーズです</a:t>
+            </a:r>
+            <a:endParaRPr kumimoji="1" lang="en-US" altLang="ja-JP" dirty="0" smtClean="0"/>
+          </a:p>
+          <a:p>
+            <a:endParaRPr kumimoji="1" lang="en-US" altLang="ja-JP" dirty="0" smtClean="0"/>
+          </a:p>
+          <a:p>
+            <a:r>
+              <a:rPr kumimoji="1" lang="ja-JP" altLang="en-US" dirty="0" smtClean="0"/>
+              <a:t>先ほどの学習フェーズで完成したモデルを用いて予測を行います</a:t>
+            </a:r>
+            <a:endParaRPr kumimoji="1" lang="en-US" altLang="ja-JP" dirty="0" smtClean="0"/>
+          </a:p>
+          <a:p>
+            <a:endParaRPr kumimoji="1" lang="en-US" altLang="ja-JP" dirty="0" smtClean="0"/>
+          </a:p>
+          <a:p>
+            <a:r>
+              <a:rPr kumimoji="1" lang="en-US" altLang="ja-JP" dirty="0" smtClean="0"/>
+              <a:t>DB</a:t>
+            </a:r>
+            <a:r>
+              <a:rPr kumimoji="1" lang="ja-JP" altLang="en-US" dirty="0" smtClean="0"/>
+              <a:t>の中のデータから特徴量を抽出し、予測します</a:t>
+            </a:r>
+            <a:endParaRPr kumimoji="1" lang="en-US" altLang="ja-JP" dirty="0" smtClean="0"/>
+          </a:p>
+          <a:p>
+            <a:endParaRPr kumimoji="1" lang="en-US" altLang="ja-JP" dirty="0" smtClean="0"/>
+          </a:p>
+          <a:p>
+            <a:r>
+              <a:rPr kumimoji="1" lang="ja-JP" altLang="en-US" dirty="0" smtClean="0"/>
+              <a:t>で、予測結果を</a:t>
+            </a:r>
+            <a:r>
+              <a:rPr kumimoji="1" lang="en-US" altLang="ja-JP" dirty="0" smtClean="0"/>
+              <a:t>Web</a:t>
+            </a:r>
+            <a:r>
+              <a:rPr kumimoji="1" lang="ja-JP" altLang="en-US" dirty="0" smtClean="0"/>
+              <a:t>アプリケーションで利用できる形にして</a:t>
+            </a:r>
+            <a:r>
+              <a:rPr kumimoji="1" lang="en-US" altLang="ja-JP" dirty="0" smtClean="0"/>
+              <a:t>DB</a:t>
+            </a:r>
+            <a:r>
+              <a:rPr kumimoji="1" lang="ja-JP" altLang="en-US" dirty="0" smtClean="0"/>
+              <a:t>に格納し、</a:t>
+            </a:r>
+            <a:r>
+              <a:rPr kumimoji="1" lang="en-US" altLang="ja-JP" dirty="0" smtClean="0"/>
+              <a:t>DB</a:t>
+            </a:r>
+            <a:r>
+              <a:rPr kumimoji="1" lang="ja-JP" altLang="en-US" dirty="0" smtClean="0"/>
+              <a:t>経由で予測結果を提供します</a:t>
+            </a:r>
+            <a:endParaRPr kumimoji="1" lang="en-US" altLang="ja-JP" dirty="0" smtClean="0"/>
+          </a:p>
+          <a:p>
+            <a:endParaRPr kumimoji="1" lang="en-US" altLang="ja-JP" dirty="0" smtClean="0"/>
+          </a:p>
+          <a:p>
+            <a:r>
+              <a:rPr kumimoji="1" lang="ja-JP" altLang="en-US" dirty="0" smtClean="0"/>
+              <a:t>この</a:t>
+            </a:r>
+            <a:r>
+              <a:rPr kumimoji="1" lang="ja-JP" altLang="en-US" dirty="0" smtClean="0"/>
+              <a:t>パターンは他のパターンと比べ、予測にかけられる時間に余裕があるのが特徴ですが、予測対象となるコンテンツが増えていく</a:t>
+            </a:r>
+            <a:r>
+              <a:rPr kumimoji="1" lang="ja-JP" altLang="en-US" dirty="0" smtClean="0"/>
+              <a:t>と</a:t>
+            </a:r>
+            <a:endParaRPr kumimoji="1" lang="en-US" altLang="ja-JP" dirty="0" smtClean="0"/>
+          </a:p>
+          <a:p>
+            <a:endParaRPr kumimoji="1" lang="en-US" altLang="ja-JP" dirty="0" smtClean="0"/>
+          </a:p>
+          <a:p>
             <a:endParaRPr kumimoji="1" lang="ja-JP" altLang="en-US" dirty="0"/>
           </a:p>
         </p:txBody>
@@ -2309,84 +2492,7 @@
           <a:p>
             <a:r>
               <a:rPr kumimoji="1" lang="ja-JP" altLang="en-US" dirty="0" smtClean="0"/>
-              <a:t>最後の節は、ログの設計ですね</a:t>
-            </a:r>
-            <a:endParaRPr kumimoji="1" lang="en-US" altLang="ja-JP" dirty="0" smtClean="0"/>
-          </a:p>
-          <a:p>
-            <a:endParaRPr kumimoji="1" lang="en-US" altLang="ja-JP" dirty="0" smtClean="0"/>
-          </a:p>
-          <a:p>
-            <a:r>
-              <a:rPr kumimoji="1" lang="ja-JP" altLang="en-US" dirty="0" smtClean="0"/>
-              <a:t>ログの設計とは、機械学習システムで必要な教師データをどのように取得するかを設計することです。</a:t>
-            </a:r>
-            <a:endParaRPr kumimoji="1" lang="en-US" altLang="ja-JP" dirty="0" smtClean="0"/>
-          </a:p>
-          <a:p>
-            <a:endParaRPr kumimoji="1" lang="en-US" altLang="ja-JP" dirty="0" smtClean="0"/>
-          </a:p>
-          <a:p>
-            <a:r>
-              <a:rPr kumimoji="1" lang="ja-JP" altLang="en-US" dirty="0" smtClean="0"/>
-              <a:t>ここでいうログとは、具体的には、</a:t>
-            </a:r>
-            <a:endParaRPr kumimoji="1" lang="en-US" altLang="ja-JP" dirty="0" smtClean="0"/>
-          </a:p>
-          <a:p>
-            <a:r>
-              <a:rPr kumimoji="1" lang="ja-JP" altLang="en-US" dirty="0" smtClean="0"/>
-              <a:t>・</a:t>
-            </a:r>
-            <a:r>
-              <a:rPr kumimoji="1" lang="en-US" altLang="ja-JP" dirty="0" smtClean="0"/>
-              <a:t>Web</a:t>
-            </a:r>
-            <a:r>
-              <a:rPr kumimoji="1" lang="ja-JP" altLang="en-US" dirty="0" smtClean="0"/>
-              <a:t>サーバのアプリケーションログ　や</a:t>
-            </a:r>
-            <a:endParaRPr kumimoji="1" lang="en-US" altLang="ja-JP" dirty="0" smtClean="0"/>
-          </a:p>
-          <a:p>
-            <a:r>
-              <a:rPr kumimoji="1" lang="ja-JP" altLang="en-US" dirty="0" smtClean="0"/>
-              <a:t>・どこをどうクリックしたかなどのユーザの行動ログ　</a:t>
-            </a:r>
-            <a:endParaRPr kumimoji="1" lang="en-US" altLang="ja-JP" dirty="0" smtClean="0"/>
-          </a:p>
-          <a:p>
-            <a:r>
-              <a:rPr kumimoji="1" lang="ja-JP" altLang="en-US" dirty="0" smtClean="0"/>
-              <a:t>を指します</a:t>
-            </a:r>
-            <a:endParaRPr kumimoji="1" lang="en-US" altLang="ja-JP" dirty="0" smtClean="0"/>
-          </a:p>
-          <a:p>
-            <a:endParaRPr kumimoji="1" lang="en-US" altLang="ja-JP" dirty="0" smtClean="0"/>
-          </a:p>
-          <a:p>
-            <a:r>
-              <a:rPr kumimoji="1" lang="ja-JP" altLang="en-US" dirty="0" smtClean="0"/>
-              <a:t>ログには、～～や～～といった特徴があり、システムに組み込みにあたっては様々なコツがあるらしいです。</a:t>
-            </a:r>
-            <a:endParaRPr kumimoji="1" lang="en-US" altLang="ja-JP" dirty="0" smtClean="0"/>
-          </a:p>
-          <a:p>
-            <a:endParaRPr kumimoji="1" lang="en-US" altLang="ja-JP" dirty="0" smtClean="0"/>
-          </a:p>
-          <a:p>
-            <a:r>
-              <a:rPr kumimoji="1" lang="ja-JP" altLang="en-US" dirty="0" smtClean="0"/>
-              <a:t>またログ設計は特徴量を決めるための重要なポイントということで、どこにある</a:t>
-            </a:r>
-            <a:r>
-              <a:rPr kumimoji="1" lang="ja-JP" altLang="en-US" dirty="0" err="1" smtClean="0"/>
-              <a:t>どった</a:t>
-            </a:r>
-            <a:r>
-              <a:rPr kumimoji="1" lang="ja-JP" altLang="en-US" dirty="0" smtClean="0"/>
-              <a:t>情報を利用し、教師データに活用するかについての概要を説明します</a:t>
+              <a:t>これまで紹介した３つのパターンのまとめですね</a:t>
             </a:r>
             <a:endParaRPr kumimoji="1" lang="ja-JP" altLang="en-US" dirty="0"/>
           </a:p>
@@ -2409,7 +2515,7 @@
           <a:p>
             <a:fld id="{7D904524-672D-4E66-A637-CA0A2B28D555}" type="slidenum">
               <a:rPr kumimoji="1" lang="ja-JP" altLang="en-US" smtClean="0"/>
-              <a:t>20</a:t>
+              <a:t>19</a:t>
             </a:fld>
             <a:endParaRPr kumimoji="1" lang="ja-JP" altLang="en-US"/>
           </a:p>
@@ -2418,7 +2524,7 @@
     </p:spTree>
     <p:extLst>
       <p:ext uri="{BB962C8B-B14F-4D97-AF65-F5344CB8AC3E}">
-        <p14:creationId xmlns:p14="http://schemas.microsoft.com/office/powerpoint/2010/main" val="3081659053"/>
+        <p14:creationId xmlns:p14="http://schemas.microsoft.com/office/powerpoint/2010/main" val="2390412628"/>
       </p:ext>
     </p:extLst>
   </p:cSld>
@@ -2473,30 +2579,102 @@
           <a:lstStyle/>
           <a:p>
             <a:r>
-              <a:rPr kumimoji="1" lang="ja-JP" altLang="en-US" sz="1200" b="1" i="0" kern="1200" dirty="0" smtClean="0">
-                <a:solidFill>
-                  <a:schemeClr val="tx1"/>
-                </a:solidFill>
-                <a:effectLst/>
-                <a:latin typeface="+mn-lt"/>
-                <a:ea typeface="+mn-ea"/>
-                <a:cs typeface="+mn-cs"/>
-              </a:rPr>
-              <a:t>分散データベース</a:t>
-            </a:r>
-            <a:r>
-              <a:rPr kumimoji="1" lang="ja-JP" altLang="en-US" sz="1200" b="0" i="0" kern="1200" dirty="0" smtClean="0">
-                <a:solidFill>
-                  <a:schemeClr val="tx1"/>
-                </a:solidFill>
-                <a:effectLst/>
-                <a:latin typeface="+mn-lt"/>
-                <a:ea typeface="+mn-ea"/>
-                <a:cs typeface="+mn-cs"/>
-              </a:rPr>
-              <a:t>は、ネットワーク上に複数存在するデータベースを、あたかも一つのデータベースであるように利用する仕組みです</a:t>
-            </a:r>
-            <a:endParaRPr kumimoji="1" lang="ja-JP" altLang="en-US" dirty="0"/>
+              <a:rPr kumimoji="1" lang="ja-JP" altLang="en-US" dirty="0" smtClean="0"/>
+              <a:t>最後の節は、ログの設計ですね</a:t>
+            </a:r>
+            <a:endParaRPr kumimoji="1" lang="en-US" altLang="ja-JP" dirty="0" smtClean="0"/>
+          </a:p>
+          <a:p>
+            <a:endParaRPr kumimoji="1" lang="en-US" altLang="ja-JP" dirty="0" smtClean="0"/>
+          </a:p>
+          <a:p>
+            <a:r>
+              <a:rPr kumimoji="1" lang="ja-JP" altLang="en-US" dirty="0" smtClean="0"/>
+              <a:t>ログの設計とは、機械学習システムで必要な教師データをどのように取得するかを設計することです。</a:t>
+            </a:r>
+            <a:endParaRPr kumimoji="1" lang="en-US" altLang="ja-JP" dirty="0" smtClean="0"/>
+          </a:p>
+          <a:p>
+            <a:endParaRPr kumimoji="1" lang="en-US" altLang="ja-JP" dirty="0" smtClean="0"/>
+          </a:p>
+          <a:p>
+            <a:r>
+              <a:rPr kumimoji="1" lang="ja-JP" altLang="en-US" dirty="0" smtClean="0"/>
+              <a:t>ここでいうログとは、具体的には、</a:t>
+            </a:r>
+            <a:endParaRPr kumimoji="1" lang="en-US" altLang="ja-JP" dirty="0" smtClean="0"/>
+          </a:p>
+          <a:p>
+            <a:r>
+              <a:rPr kumimoji="1" lang="ja-JP" altLang="en-US" dirty="0" smtClean="0"/>
+              <a:t>・</a:t>
+            </a:r>
+            <a:r>
+              <a:rPr kumimoji="1" lang="en-US" altLang="ja-JP" dirty="0" smtClean="0"/>
+              <a:t>Web</a:t>
+            </a:r>
+            <a:r>
+              <a:rPr kumimoji="1" lang="ja-JP" altLang="en-US" dirty="0" smtClean="0"/>
+              <a:t>サーバのアプリケーションログ　や</a:t>
+            </a:r>
+            <a:endParaRPr kumimoji="1" lang="en-US" altLang="ja-JP" dirty="0" smtClean="0"/>
+          </a:p>
+          <a:p>
+            <a:r>
+              <a:rPr kumimoji="1" lang="ja-JP" altLang="en-US" dirty="0" smtClean="0"/>
+              <a:t>・どこをどうクリックしたかなどのユーザの行動ログ　</a:t>
+            </a:r>
+            <a:endParaRPr kumimoji="1" lang="en-US" altLang="ja-JP" dirty="0" smtClean="0"/>
+          </a:p>
+          <a:p>
+            <a:r>
+              <a:rPr kumimoji="1" lang="ja-JP" altLang="en-US" dirty="0" smtClean="0"/>
+              <a:t>を指します</a:t>
+            </a:r>
+            <a:endParaRPr kumimoji="1" lang="en-US" altLang="ja-JP" dirty="0" smtClean="0"/>
+          </a:p>
+          <a:p>
+            <a:endParaRPr kumimoji="1" lang="en-US" altLang="ja-JP" dirty="0" smtClean="0"/>
+          </a:p>
+          <a:p>
+            <a:r>
+              <a:rPr kumimoji="1" lang="ja-JP" altLang="en-US" dirty="0" smtClean="0"/>
+              <a:t>ログには、～～や～～といった特徴があり、システムに組み込みにあたっては様々なコツがあるらしいです</a:t>
+            </a:r>
+            <a:r>
+              <a:rPr kumimoji="1" lang="ja-JP" altLang="en-US" dirty="0" smtClean="0"/>
+              <a:t>。</a:t>
+            </a:r>
+            <a:endParaRPr kumimoji="1" lang="en-US" altLang="ja-JP" dirty="0" smtClean="0"/>
+          </a:p>
+          <a:p>
+            <a:endParaRPr kumimoji="1" lang="en-US" altLang="ja-JP" dirty="0" smtClean="0"/>
+          </a:p>
+          <a:p>
+            <a:r>
+              <a:rPr kumimoji="1" lang="ja-JP" altLang="en-US" dirty="0" smtClean="0"/>
+              <a:t>で、特徴量や教師データに使えそうな情報として、この本ではこの３つを紹介しています。</a:t>
+            </a:r>
+            <a:endParaRPr kumimoji="1" lang="en-US" altLang="ja-JP" dirty="0" smtClean="0"/>
+          </a:p>
+          <a:p>
+            <a:endParaRPr kumimoji="1" lang="en-US" altLang="ja-JP" dirty="0" smtClean="0"/>
+          </a:p>
+          <a:p>
+            <a:r>
+              <a:rPr kumimoji="1" lang="ja-JP" altLang="en-US" dirty="0" smtClean="0"/>
+              <a:t>ユーザー情報は性別や年齢などで、コンテンツ情報はブログの記事とかですね、ユーザーの鼓動ログは、ユーザーがどのページにアクセスしたかやどの商品をクリックしたかとかの情報です</a:t>
+            </a:r>
+            <a:endParaRPr kumimoji="1" lang="en-US" altLang="ja-JP" dirty="0" smtClean="0"/>
+          </a:p>
+          <a:p>
+            <a:endParaRPr kumimoji="1" lang="en-US" altLang="ja-JP" dirty="0" smtClean="0"/>
+          </a:p>
+          <a:p>
+            <a:endParaRPr kumimoji="1" lang="en-US" altLang="ja-JP" dirty="0" smtClean="0"/>
+          </a:p>
+          <a:p>
+            <a:endParaRPr kumimoji="1" lang="en-US" altLang="ja-JP" dirty="0" smtClean="0"/>
           </a:p>
         </p:txBody>
       </p:sp>
@@ -2517,7 +2695,7 @@
           <a:p>
             <a:fld id="{7D904524-672D-4E66-A637-CA0A2B28D555}" type="slidenum">
               <a:rPr kumimoji="1" lang="ja-JP" altLang="en-US" smtClean="0"/>
-              <a:t>21</a:t>
+              <a:t>20</a:t>
             </a:fld>
             <a:endParaRPr kumimoji="1" lang="ja-JP" altLang="en-US"/>
           </a:p>
@@ -2526,7 +2704,7 @@
     </p:spTree>
     <p:extLst>
       <p:ext uri="{BB962C8B-B14F-4D97-AF65-F5344CB8AC3E}">
-        <p14:creationId xmlns:p14="http://schemas.microsoft.com/office/powerpoint/2010/main" val="2930396017"/>
+        <p14:creationId xmlns:p14="http://schemas.microsoft.com/office/powerpoint/2010/main" val="3081659053"/>
       </p:ext>
     </p:extLst>
   </p:cSld>
@@ -2696,6 +2874,217 @@
           <a:bodyPr/>
           <a:lstStyle/>
           <a:p>
+            <a:endParaRPr kumimoji="1" lang="en-US" altLang="ja-JP" sz="1200" b="0" i="0" kern="1200" dirty="0" smtClean="0">
+              <a:solidFill>
+                <a:schemeClr val="tx1"/>
+              </a:solidFill>
+              <a:effectLst/>
+              <a:latin typeface="+mn-lt"/>
+              <a:ea typeface="+mn-ea"/>
+              <a:cs typeface="+mn-cs"/>
+            </a:endParaRPr>
+          </a:p>
+          <a:p>
+            <a:endParaRPr kumimoji="1" lang="en-US" altLang="ja-JP" sz="1200" b="1" i="0" kern="1200" dirty="0" smtClean="0">
+              <a:solidFill>
+                <a:schemeClr val="tx1"/>
+              </a:solidFill>
+              <a:effectLst/>
+              <a:latin typeface="+mn-lt"/>
+              <a:ea typeface="+mn-ea"/>
+              <a:cs typeface="+mn-cs"/>
+            </a:endParaRPr>
+          </a:p>
+          <a:p>
+            <a:r>
+              <a:rPr kumimoji="1" lang="ja-JP" altLang="en-US" sz="1200" b="1" i="0" kern="1200" dirty="0" smtClean="0">
+                <a:solidFill>
+                  <a:schemeClr val="tx1"/>
+                </a:solidFill>
+                <a:effectLst/>
+                <a:latin typeface="+mn-lt"/>
+                <a:ea typeface="+mn-ea"/>
+                <a:cs typeface="+mn-cs"/>
+              </a:rPr>
+              <a:t>分散</a:t>
+            </a:r>
+            <a:r>
+              <a:rPr kumimoji="1" lang="ja-JP" altLang="en-US" sz="1200" b="1" i="0" kern="1200" dirty="0" smtClean="0">
+                <a:solidFill>
+                  <a:schemeClr val="tx1"/>
+                </a:solidFill>
+                <a:effectLst/>
+                <a:latin typeface="+mn-lt"/>
+                <a:ea typeface="+mn-ea"/>
+                <a:cs typeface="+mn-cs"/>
+              </a:rPr>
+              <a:t>データベース</a:t>
+            </a:r>
+            <a:r>
+              <a:rPr kumimoji="1" lang="ja-JP" altLang="en-US" sz="1200" b="0" i="0" kern="1200" dirty="0" smtClean="0">
+                <a:solidFill>
+                  <a:schemeClr val="tx1"/>
+                </a:solidFill>
+                <a:effectLst/>
+                <a:latin typeface="+mn-lt"/>
+                <a:ea typeface="+mn-ea"/>
+                <a:cs typeface="+mn-cs"/>
+              </a:rPr>
+              <a:t>は、ネットワーク上に複数存在するデータベースを、あたかも一つのデータベースであるように利用する仕組み</a:t>
+            </a:r>
+            <a:r>
+              <a:rPr kumimoji="1" lang="ja-JP" altLang="en-US" sz="1200" b="0" i="0" kern="1200" dirty="0" smtClean="0">
+                <a:solidFill>
+                  <a:schemeClr val="tx1"/>
+                </a:solidFill>
+                <a:effectLst/>
+                <a:latin typeface="+mn-lt"/>
+                <a:ea typeface="+mn-ea"/>
+                <a:cs typeface="+mn-cs"/>
+              </a:rPr>
+              <a:t>です</a:t>
+            </a:r>
+            <a:endParaRPr kumimoji="1" lang="en-US" altLang="ja-JP" sz="1200" b="0" i="0" kern="1200" dirty="0" smtClean="0">
+              <a:solidFill>
+                <a:schemeClr val="tx1"/>
+              </a:solidFill>
+              <a:effectLst/>
+              <a:latin typeface="+mn-lt"/>
+              <a:ea typeface="+mn-ea"/>
+              <a:cs typeface="+mn-cs"/>
+            </a:endParaRPr>
+          </a:p>
+          <a:p>
+            <a:endParaRPr kumimoji="1" lang="en-US" altLang="ja-JP" sz="1200" b="0" i="0" kern="1200" dirty="0" smtClean="0">
+              <a:solidFill>
+                <a:schemeClr val="tx1"/>
+              </a:solidFill>
+              <a:effectLst/>
+              <a:latin typeface="+mn-lt"/>
+              <a:ea typeface="+mn-ea"/>
+              <a:cs typeface="+mn-cs"/>
+            </a:endParaRPr>
+          </a:p>
+          <a:p>
+            <a:pPr marL="0" marR="0" lvl="2" indent="0" algn="l" defTabSz="914400" rtl="0" eaLnBrk="1" fontAlgn="auto" latinLnBrk="0" hangingPunct="1">
+              <a:lnSpc>
+                <a:spcPct val="100000"/>
+              </a:lnSpc>
+              <a:spcBef>
+                <a:spcPts val="0"/>
+              </a:spcBef>
+              <a:spcAft>
+                <a:spcPts val="0"/>
+              </a:spcAft>
+              <a:buClrTx/>
+              <a:buSzTx/>
+              <a:buFontTx/>
+              <a:buNone/>
+              <a:tabLst/>
+              <a:defRPr/>
+            </a:pPr>
+            <a:r>
+              <a:rPr kumimoji="1" lang="en-US" altLang="ja-JP" b="1" dirty="0" smtClean="0"/>
+              <a:t>HDFS</a:t>
+            </a:r>
+            <a:r>
+              <a:rPr kumimoji="1" lang="ja-JP" altLang="en-US" dirty="0" smtClean="0"/>
+              <a:t>：</a:t>
+            </a:r>
+            <a:r>
+              <a:rPr lang="ja-JP" altLang="en-US" dirty="0" smtClean="0"/>
+              <a:t>管理するファイルの読み書きを高速化するために，大きなファイルを一定のブロックに分割し，複数の記憶装置に分散して保存</a:t>
+            </a:r>
+            <a:endParaRPr lang="en-US" altLang="ja-JP" dirty="0" smtClean="0"/>
+          </a:p>
+          <a:p>
+            <a:endParaRPr kumimoji="1" lang="en-US" altLang="ja-JP" dirty="0" smtClean="0"/>
+          </a:p>
+          <a:p>
+            <a:endParaRPr kumimoji="1" lang="ja-JP" altLang="en-US" dirty="0"/>
+          </a:p>
+        </p:txBody>
+      </p:sp>
+      <p:sp>
+        <p:nvSpPr>
+          <p:cNvPr id="4" name="スライド番号プレースホルダー 3"/>
+          <p:cNvSpPr>
+            <a:spLocks noGrp="1"/>
+          </p:cNvSpPr>
+          <p:nvPr>
+            <p:ph type="sldNum" sz="quarter" idx="10"/>
+          </p:nvPr>
+        </p:nvSpPr>
+        <p:spPr/>
+        <p:txBody>
+          <a:bodyPr/>
+          <a:lstStyle/>
+          <a:p>
+            <a:fld id="{7D904524-672D-4E66-A637-CA0A2B28D555}" type="slidenum">
+              <a:rPr kumimoji="1" lang="ja-JP" altLang="en-US" smtClean="0"/>
+              <a:t>21</a:t>
+            </a:fld>
+            <a:endParaRPr kumimoji="1" lang="ja-JP" altLang="en-US"/>
+          </a:p>
+        </p:txBody>
+      </p:sp>
+    </p:spTree>
+    <p:extLst>
+      <p:ext uri="{BB962C8B-B14F-4D97-AF65-F5344CB8AC3E}">
+        <p14:creationId xmlns:p14="http://schemas.microsoft.com/office/powerpoint/2010/main" val="2930396017"/>
+      </p:ext>
+    </p:extLst>
+  </p:cSld>
+  <p:clrMapOvr>
+    <a:masterClrMapping/>
+  </p:clrMapOvr>
+</p:notes>
+</file>
+
+<file path=ppt/notesSlides/notesSlide21.xml><?xml version="1.0" encoding="utf-8"?>
+<p:notes xmlns:a="http://schemas.openxmlformats.org/drawingml/2006/main" xmlns:r="http://schemas.openxmlformats.org/officeDocument/2006/relationships" xmlns:p="http://schemas.openxmlformats.org/presentationml/2006/main">
+  <p:cSld>
+    <p:spTree>
+      <p:nvGrpSpPr>
+        <p:cNvPr id="1" name=""/>
+        <p:cNvGrpSpPr/>
+        <p:nvPr/>
+      </p:nvGrpSpPr>
+      <p:grpSpPr>
+        <a:xfrm>
+          <a:off x="0" y="0"/>
+          <a:ext cx="0" cy="0"/>
+          <a:chOff x="0" y="0"/>
+          <a:chExt cx="0" cy="0"/>
+        </a:xfrm>
+      </p:grpSpPr>
+      <p:sp>
+        <p:nvSpPr>
+          <p:cNvPr id="2" name="スライド イメージ プレースホルダー 1"/>
+          <p:cNvSpPr>
+            <a:spLocks noGrp="1" noRot="1" noChangeAspect="1"/>
+          </p:cNvSpPr>
+          <p:nvPr>
+            <p:ph type="sldImg"/>
+          </p:nvPr>
+        </p:nvSpPr>
+        <p:spPr/>
+      </p:sp>
+      <p:sp>
+        <p:nvSpPr>
+          <p:cNvPr id="3" name="ノート プレースホルダー 2"/>
+          <p:cNvSpPr>
+            <a:spLocks noGrp="1"/>
+          </p:cNvSpPr>
+          <p:nvPr>
+            <p:ph type="body" idx="1"/>
+          </p:nvPr>
+        </p:nvSpPr>
+        <p:spPr/>
+        <p:txBody>
+          <a:bodyPr/>
+          <a:lstStyle/>
+          <a:p>
             <a:r>
               <a:rPr kumimoji="1" lang="ja-JP" altLang="en-US" dirty="0" smtClean="0"/>
               <a:t>このパターンは他のパターンと比べ、予測にかけられる時間に余裕があるのが特徴ですが、予測対象となるコンテンツが増えていくと</a:t>
@@ -2740,7 +3129,7 @@
 </p:notes>
 </file>
 
-<file path=ppt/notesSlides/notesSlide21.xml><?xml version="1.0" encoding="utf-8"?>
+<file path=ppt/notesSlides/notesSlide22.xml><?xml version="1.0" encoding="utf-8"?>
 <p:notes xmlns:a="http://schemas.openxmlformats.org/drawingml/2006/main" xmlns:r="http://schemas.openxmlformats.org/officeDocument/2006/relationships" xmlns:p="http://schemas.openxmlformats.org/presentationml/2006/main">
   <p:cSld>
     <p:spTree>
@@ -13637,7 +14026,12 @@
             <p:ph idx="1"/>
           </p:nvPr>
         </p:nvSpPr>
-        <p:spPr/>
+        <p:spPr>
+          <a:xfrm>
+            <a:off x="838200" y="1753055"/>
+            <a:ext cx="10515600" cy="4351338"/>
+          </a:xfrm>
+        </p:spPr>
         <p:txBody>
           <a:bodyPr/>
           <a:lstStyle/>
@@ -13858,77 +14252,65 @@
         <p:spPr>
           <a:xfrm>
             <a:off x="725774" y="1615764"/>
-            <a:ext cx="11138942" cy="5017383"/>
+            <a:ext cx="11137980" cy="5019498"/>
           </a:xfrm>
         </p:spPr>
         <p:txBody>
           <a:bodyPr>
-            <a:normAutofit/>
+            <a:normAutofit fontScale="92500" lnSpcReduction="10000"/>
           </a:bodyPr>
           <a:lstStyle/>
           <a:p>
             <a:r>
-              <a:rPr kumimoji="1" lang="ja-JP" altLang="en-US" dirty="0" smtClean="0"/>
+              <a:rPr kumimoji="1" lang="ja-JP" altLang="en-US" sz="3000" dirty="0" smtClean="0"/>
               <a:t>ユーザー行動ログはデータ量が多くなるので，保存場所には気をつける必要がある</a:t>
             </a:r>
-            <a:endParaRPr kumimoji="1" lang="en-US" altLang="ja-JP" dirty="0" smtClean="0"/>
+            <a:endParaRPr kumimoji="1" lang="en-US" altLang="ja-JP" sz="3000" dirty="0" smtClean="0"/>
           </a:p>
           <a:p>
             <a:pPr lvl="1"/>
             <a:r>
-              <a:rPr lang="ja-JP" altLang="en-US" dirty="0" smtClean="0"/>
+              <a:rPr lang="ja-JP" altLang="en-US" sz="2800" dirty="0" smtClean="0"/>
               <a:t>分散</a:t>
             </a:r>
             <a:r>
-              <a:rPr lang="en-US" altLang="ja-JP" dirty="0" smtClean="0"/>
+              <a:rPr lang="en-US" altLang="ja-JP" sz="2800" dirty="0" smtClean="0"/>
               <a:t>RDBMS</a:t>
             </a:r>
             <a:r>
-              <a:rPr lang="ja-JP" altLang="en-US" dirty="0" smtClean="0"/>
+              <a:rPr lang="ja-JP" altLang="en-US" sz="2800" dirty="0" smtClean="0"/>
               <a:t>に格納する</a:t>
             </a:r>
-            <a:endParaRPr lang="en-US" altLang="ja-JP" dirty="0" smtClean="0"/>
+            <a:endParaRPr lang="en-US" altLang="ja-JP" sz="2800" dirty="0" smtClean="0"/>
           </a:p>
           <a:p>
             <a:pPr lvl="2"/>
             <a:r>
-              <a:rPr lang="ja-JP" altLang="en-US" b="1" dirty="0" smtClean="0"/>
+              <a:rPr lang="ja-JP" altLang="en-US" sz="2400" b="1" dirty="0" smtClean="0"/>
               <a:t>分散</a:t>
             </a:r>
             <a:r>
-              <a:rPr lang="en-US" altLang="ja-JP" b="1" dirty="0" smtClean="0"/>
+              <a:rPr lang="en-US" altLang="ja-JP" sz="2400" b="1" dirty="0" smtClean="0"/>
               <a:t>DB</a:t>
             </a:r>
             <a:r>
-              <a:rPr lang="ja-JP" altLang="en-US" b="1" dirty="0" smtClean="0"/>
+              <a:rPr lang="ja-JP" altLang="en-US" sz="2400" b="1" dirty="0" smtClean="0"/>
               <a:t>：</a:t>
             </a:r>
             <a:r>
-              <a:rPr lang="ja-JP" altLang="en-US" dirty="0" smtClean="0"/>
-              <a:t>ネットワーク上</a:t>
-            </a:r>
-            <a:r>
-              <a:rPr lang="ja-JP" altLang="en-US" dirty="0"/>
-              <a:t>に</a:t>
-            </a:r>
-            <a:r>
-              <a:rPr lang="ja-JP" altLang="en-US" dirty="0">
+              <a:rPr lang="ja-JP" altLang="en-US" sz="2400" dirty="0" smtClean="0"/>
+              <a:t>ネットワーク上に</a:t>
+            </a:r>
+            <a:r>
+              <a:rPr lang="ja-JP" altLang="en-US" sz="2400" dirty="0" smtClean="0">
                 <a:solidFill>
                   <a:srgbClr val="FF0000"/>
                 </a:solidFill>
               </a:rPr>
-              <a:t>複数存在</a:t>
-            </a:r>
-            <a:r>
-              <a:rPr lang="ja-JP" altLang="en-US" dirty="0" smtClean="0">
-                <a:solidFill>
-                  <a:srgbClr val="FF0000"/>
-                </a:solidFill>
-              </a:rPr>
-              <a:t>する</a:t>
-            </a:r>
-            <a:r>
-              <a:rPr lang="en-US" altLang="ja-JP" dirty="0" smtClean="0">
+              <a:t>複数存在する</a:t>
+            </a:r>
+            <a:r>
+              <a:rPr lang="en-US" altLang="ja-JP" sz="2400" dirty="0" smtClean="0">
                 <a:solidFill>
                   <a:srgbClr val="FF0000"/>
                 </a:solidFill>
@@ -13936,7 +14318,7 @@
               <a:t>DB</a:t>
             </a:r>
             <a:r>
-              <a:rPr lang="ja-JP" altLang="en-US" dirty="0" smtClean="0">
+              <a:rPr lang="ja-JP" altLang="en-US" sz="2400" dirty="0" smtClean="0">
                 <a:solidFill>
                   <a:srgbClr val="FF0000"/>
                 </a:solidFill>
@@ -13944,42 +14326,26 @@
               <a:t>をあたかも一つの</a:t>
             </a:r>
             <a:r>
-              <a:rPr lang="en-US" altLang="ja-JP" dirty="0" smtClean="0">
+              <a:rPr lang="en-US" altLang="ja-JP" sz="2400" dirty="0" smtClean="0">
                 <a:solidFill>
                   <a:srgbClr val="FF0000"/>
                 </a:solidFill>
               </a:rPr>
-              <a:t>D</a:t>
-            </a:r>
-            <a:r>
-              <a:rPr lang="en-US" altLang="ja-JP" dirty="0">
+              <a:t>DB</a:t>
+            </a:r>
+            <a:r>
+              <a:rPr lang="ja-JP" altLang="en-US" sz="2400" dirty="0" smtClean="0">
                 <a:solidFill>
                   <a:srgbClr val="FF0000"/>
                 </a:solidFill>
               </a:rPr>
-              <a:t>B</a:t>
-            </a:r>
-            <a:r>
-              <a:rPr lang="ja-JP" altLang="en-US" dirty="0" smtClean="0">
-                <a:solidFill>
-                  <a:srgbClr val="FF0000"/>
-                </a:solidFill>
-              </a:rPr>
-              <a:t>であるかよう</a:t>
-            </a:r>
-            <a:r>
-              <a:rPr lang="ja-JP" altLang="en-US" dirty="0">
-                <a:solidFill>
-                  <a:srgbClr val="FF0000"/>
-                </a:solidFill>
-              </a:rPr>
-              <a:t>に利用</a:t>
-            </a:r>
-            <a:r>
-              <a:rPr lang="ja-JP" altLang="en-US" dirty="0" smtClean="0"/>
+              <a:t>であるかように利用</a:t>
+            </a:r>
+            <a:r>
+              <a:rPr lang="ja-JP" altLang="en-US" sz="2400" dirty="0" smtClean="0"/>
               <a:t>する仕組み</a:t>
             </a:r>
-            <a:endParaRPr lang="en-US" altLang="ja-JP" dirty="0" smtClean="0"/>
+            <a:endParaRPr lang="en-US" altLang="ja-JP" sz="2400" dirty="0" smtClean="0"/>
           </a:p>
           <a:p>
             <a:pPr lvl="2"/>
@@ -13988,102 +14354,94 @@
           <a:p>
             <a:pPr lvl="1"/>
             <a:r>
-              <a:rPr kumimoji="1" lang="ja-JP" altLang="en-US" dirty="0" smtClean="0"/>
+              <a:rPr kumimoji="1" lang="ja-JP" altLang="en-US" sz="2800" dirty="0" smtClean="0"/>
               <a:t>分散処理基盤</a:t>
             </a:r>
             <a:r>
-              <a:rPr kumimoji="1" lang="en-US" altLang="ja-JP" dirty="0" err="1" smtClean="0"/>
+              <a:rPr kumimoji="1" lang="en-US" altLang="ja-JP" sz="2800" dirty="0" err="1" smtClean="0"/>
               <a:t>Handoop</a:t>
             </a:r>
             <a:r>
-              <a:rPr kumimoji="1" lang="ja-JP" altLang="en-US" dirty="0" smtClean="0"/>
+              <a:rPr kumimoji="1" lang="ja-JP" altLang="en-US" sz="2800" dirty="0" smtClean="0"/>
               <a:t>クラスター</a:t>
             </a:r>
             <a:r>
-              <a:rPr kumimoji="1" lang="en-US" altLang="ja-JP" dirty="0" smtClean="0"/>
+              <a:rPr kumimoji="1" lang="en-US" altLang="ja-JP" sz="2800" dirty="0" smtClean="0"/>
               <a:t>HDFS</a:t>
             </a:r>
             <a:r>
-              <a:rPr kumimoji="1" lang="ja-JP" altLang="en-US" dirty="0" smtClean="0"/>
+              <a:rPr kumimoji="1" lang="ja-JP" altLang="en-US" sz="2800" dirty="0" smtClean="0"/>
               <a:t>に格納する</a:t>
             </a:r>
-            <a:endParaRPr kumimoji="1" lang="en-US" altLang="ja-JP" dirty="0" smtClean="0"/>
+            <a:endParaRPr kumimoji="1" lang="en-US" altLang="ja-JP" sz="2800" dirty="0" smtClean="0"/>
           </a:p>
           <a:p>
             <a:pPr lvl="2"/>
             <a:r>
-              <a:rPr kumimoji="1" lang="en-US" altLang="ja-JP" b="1" dirty="0" smtClean="0"/>
+              <a:rPr kumimoji="1" lang="en-US" altLang="ja-JP" sz="2400" b="1" dirty="0" smtClean="0"/>
               <a:t>HDFS</a:t>
             </a:r>
             <a:r>
-              <a:rPr kumimoji="1" lang="ja-JP" altLang="en-US" dirty="0" smtClean="0"/>
+              <a:rPr kumimoji="1" lang="ja-JP" altLang="en-US" sz="2400" dirty="0" smtClean="0"/>
               <a:t>：</a:t>
             </a:r>
             <a:r>
-              <a:rPr lang="ja-JP" altLang="en-US" dirty="0" smtClean="0"/>
-              <a:t>管理</a:t>
-            </a:r>
-            <a:r>
-              <a:rPr lang="ja-JP" altLang="en-US" dirty="0"/>
-              <a:t>するファイルの読み書きを高速化するため</a:t>
-            </a:r>
-            <a:r>
-              <a:rPr lang="ja-JP" altLang="en-US" dirty="0" smtClean="0"/>
-              <a:t>に，大きな</a:t>
-            </a:r>
-            <a:r>
-              <a:rPr lang="ja-JP" altLang="en-US" dirty="0"/>
+              <a:rPr lang="ja-JP" altLang="en-US" sz="2400" dirty="0" smtClean="0"/>
+              <a:t>大きな</a:t>
+            </a:r>
+            <a:r>
+              <a:rPr lang="ja-JP" altLang="en-US" sz="2400" dirty="0"/>
               <a:t>ファイルを一定</a:t>
             </a:r>
             <a:r>
-              <a:rPr lang="ja-JP" altLang="en-US" dirty="0" smtClean="0"/>
+              <a:rPr lang="ja-JP" altLang="en-US" sz="2400" dirty="0" smtClean="0"/>
               <a:t>のブロック</a:t>
             </a:r>
             <a:r>
-              <a:rPr lang="ja-JP" altLang="en-US" dirty="0"/>
+              <a:rPr lang="ja-JP" altLang="en-US" sz="2400" dirty="0"/>
               <a:t>に分割</a:t>
             </a:r>
             <a:r>
-              <a:rPr lang="ja-JP" altLang="en-US" dirty="0" smtClean="0"/>
+              <a:rPr lang="ja-JP" altLang="en-US" sz="2400" dirty="0" smtClean="0"/>
               <a:t>し，複数の</a:t>
             </a:r>
             <a:r>
-              <a:rPr lang="ja-JP" altLang="en-US" dirty="0"/>
+              <a:rPr lang="ja-JP" altLang="en-US" sz="2400" dirty="0"/>
               <a:t>記憶装置</a:t>
             </a:r>
             <a:r>
-              <a:rPr lang="ja-JP" altLang="en-US" dirty="0" smtClean="0"/>
+              <a:rPr lang="ja-JP" altLang="en-US" sz="2400" dirty="0" smtClean="0"/>
               <a:t>に</a:t>
             </a:r>
             <a:r>
-              <a:rPr lang="ja-JP" altLang="en-US" dirty="0"/>
+              <a:rPr lang="ja-JP" altLang="en-US" sz="2400" dirty="0"/>
               <a:t>分散して</a:t>
             </a:r>
             <a:r>
-              <a:rPr lang="ja-JP" altLang="en-US" dirty="0" smtClean="0"/>
+              <a:rPr lang="ja-JP" altLang="en-US" sz="2400" dirty="0" smtClean="0"/>
               <a:t>保存</a:t>
             </a:r>
-            <a:endParaRPr lang="en-US" altLang="ja-JP" dirty="0" smtClean="0"/>
+            <a:endParaRPr lang="en-US" altLang="ja-JP" sz="2400" dirty="0" smtClean="0"/>
           </a:p>
           <a:p>
             <a:pPr lvl="2"/>
             <a:r>
-              <a:rPr lang="ja-JP" altLang="en-US" dirty="0" smtClean="0"/>
+              <a:rPr lang="ja-JP" altLang="en-US" sz="2400" dirty="0" smtClean="0"/>
               <a:t>読み込み</a:t>
             </a:r>
             <a:r>
-              <a:rPr lang="ja-JP" altLang="en-US" dirty="0"/>
+              <a:rPr lang="ja-JP" altLang="en-US" sz="2400" dirty="0"/>
               <a:t>や書き込みを</a:t>
             </a:r>
             <a:r>
-              <a:rPr lang="en-US" altLang="ja-JP" dirty="0"/>
+              <a:rPr lang="en-US" altLang="ja-JP" sz="2400" dirty="0"/>
               <a:t>DB</a:t>
             </a:r>
             <a:r>
-              <a:rPr lang="ja-JP" altLang="en-US" dirty="0"/>
+              <a:rPr lang="ja-JP" altLang="en-US" sz="2400" dirty="0"/>
               <a:t>の数だけ並列に実行できるようにしている </a:t>
             </a:r>
-            <a:endParaRPr kumimoji="1" lang="en-US" altLang="ja-JP" dirty="0" smtClean="0"/>
+            <a:endParaRPr kumimoji="1" lang="en-US" altLang="ja-JP" sz="2400" dirty="0" smtClean="0"/>
           </a:p>
           <a:p>
             <a:pPr lvl="2"/>
@@ -14092,26 +14450,26 @@
           <a:p>
             <a:pPr lvl="1"/>
             <a:r>
-              <a:rPr lang="ja-JP" altLang="en-US" dirty="0" smtClean="0"/>
+              <a:rPr lang="ja-JP" altLang="en-US" sz="2800" dirty="0" smtClean="0"/>
               <a:t>オブジェクトストレージに格納する</a:t>
             </a:r>
-            <a:endParaRPr lang="en-US" altLang="ja-JP" dirty="0" smtClean="0"/>
+            <a:endParaRPr lang="en-US" altLang="ja-JP" sz="2800" dirty="0" smtClean="0"/>
           </a:p>
           <a:p>
             <a:pPr lvl="2"/>
             <a:r>
-              <a:rPr lang="ja-JP" altLang="en-US" dirty="0" smtClean="0"/>
+              <a:rPr lang="ja-JP" altLang="en-US" sz="2400" dirty="0" smtClean="0"/>
               <a:t>ファイル単位，ブロック単位ではなく「オブジェクト」という単位でデータを管理するストレージ</a:t>
             </a:r>
-            <a:endParaRPr lang="en-US" altLang="ja-JP" dirty="0" smtClean="0"/>
+            <a:endParaRPr lang="en-US" altLang="ja-JP" sz="2400" dirty="0" smtClean="0"/>
           </a:p>
           <a:p>
             <a:pPr lvl="2"/>
             <a:r>
-              <a:rPr lang="ja-JP" altLang="en-US" dirty="0" smtClean="0"/>
+              <a:rPr lang="ja-JP" altLang="en-US" sz="2400" dirty="0" smtClean="0"/>
               <a:t>拡張性</a:t>
             </a:r>
-            <a:endParaRPr lang="en-US" altLang="ja-JP" dirty="0" smtClean="0"/>
+            <a:endParaRPr lang="en-US" altLang="ja-JP" sz="2400" dirty="0" smtClean="0"/>
           </a:p>
           <a:p>
             <a:pPr lvl="2"/>

--- a/仕事ではじめる機械学習第4章.pptx
+++ b/仕事ではじめる機械学習第4章.pptx
@@ -573,11 +573,27 @@
           <a:p>
             <a:r>
               <a:rPr kumimoji="1" lang="ja-JP" altLang="en-US" dirty="0" smtClean="0"/>
-              <a:t>仕事ではじめる機械学習の第１章</a:t>
+              <a:t>仕事ではじめる機械学習の</a:t>
+            </a:r>
+            <a:r>
+              <a:rPr kumimoji="1" lang="ja-JP" altLang="en-US" dirty="0" smtClean="0"/>
+              <a:t>第</a:t>
+            </a:r>
+            <a:r>
+              <a:rPr kumimoji="1" lang="en-US" altLang="ja-JP" dirty="0" smtClean="0"/>
+              <a:t>4</a:t>
+            </a:r>
+            <a:r>
+              <a:rPr kumimoji="1" lang="ja-JP" altLang="en-US" dirty="0" smtClean="0"/>
+              <a:t>章</a:t>
             </a:r>
             <a:r>
               <a:rPr kumimoji="1" lang="ja-JP" altLang="en-US" baseline="0" dirty="0" smtClean="0"/>
-              <a:t> 機械学習プロジェクトの始め方をやっていきたいと思います。</a:t>
+              <a:t> </a:t>
+            </a:r>
+            <a:r>
+              <a:rPr kumimoji="1" lang="ja-JP" altLang="en-US" baseline="0" dirty="0" smtClean="0"/>
+              <a:t>機械学習プロジェクトの始め方をやっていきたいと思います。</a:t>
             </a:r>
             <a:endParaRPr kumimoji="1" lang="ja-JP" altLang="en-US" dirty="0"/>
           </a:p>
@@ -663,6 +679,227 @@
           <a:bodyPr/>
           <a:lstStyle/>
           <a:p>
+            <a:r>
+              <a:rPr kumimoji="1" lang="ja-JP" altLang="en-US" dirty="0" smtClean="0"/>
+              <a:t>で、このパターンがどのような場面で用いられるかというと</a:t>
+            </a:r>
+          </a:p>
+          <a:p>
+            <a:r>
+              <a:rPr kumimoji="1" lang="ja-JP" altLang="en-US" dirty="0" smtClean="0"/>
+              <a:t>学習は一括でできるけど、予測したい未知の入力データが事前に用意できず、予測結果を低遅延で使いたい場合です</a:t>
+            </a:r>
+            <a:endParaRPr kumimoji="1" lang="en-US" altLang="ja-JP" dirty="0" smtClean="0"/>
+          </a:p>
+          <a:p>
+            <a:endParaRPr kumimoji="1" lang="en-US" altLang="ja-JP" dirty="0" smtClean="0"/>
+          </a:p>
+          <a:p>
+            <a:r>
+              <a:rPr kumimoji="1" lang="ja-JP" altLang="en-US" dirty="0" smtClean="0"/>
+              <a:t>例えば、広告配信の最適化などが考えられます。</a:t>
+            </a:r>
+            <a:endParaRPr kumimoji="1" lang="en-US" altLang="ja-JP" dirty="0" smtClean="0"/>
+          </a:p>
+          <a:p>
+            <a:endParaRPr kumimoji="1" lang="en-US" altLang="ja-JP" dirty="0" smtClean="0"/>
+          </a:p>
+          <a:p>
+            <a:r>
+              <a:rPr kumimoji="1" lang="ja-JP" altLang="en-US" dirty="0" smtClean="0"/>
+              <a:t>で、この予測結果を低遅延で提供するためにはいろいろ工夫が必要で～～です</a:t>
+            </a:r>
+            <a:endParaRPr kumimoji="1" lang="en-US" altLang="ja-JP" dirty="0" smtClean="0"/>
+          </a:p>
+          <a:p>
+            <a:endParaRPr kumimoji="1" lang="en-US" altLang="ja-JP" dirty="0" smtClean="0"/>
+          </a:p>
+          <a:p>
+            <a:r>
+              <a:rPr kumimoji="1" lang="ja-JP" altLang="en-US" dirty="0" smtClean="0"/>
+              <a:t>そのため</a:t>
+            </a:r>
+            <a:r>
+              <a:rPr kumimoji="1" lang="en-US" altLang="ja-JP" dirty="0" smtClean="0"/>
+              <a:t>RDB</a:t>
+            </a:r>
+            <a:r>
+              <a:rPr kumimoji="1" lang="ja-JP" altLang="en-US" dirty="0" smtClean="0"/>
+              <a:t>に前処理済みのデータや特徴量を格納しておく工夫が必要です</a:t>
+            </a:r>
+            <a:endParaRPr kumimoji="1" lang="en-US" altLang="ja-JP" dirty="0" smtClean="0"/>
+          </a:p>
+          <a:p>
+            <a:endParaRPr kumimoji="1" lang="en-US" altLang="ja-JP" dirty="0" smtClean="0"/>
+          </a:p>
+          <a:p>
+            <a:pPr marL="0" marR="0" lvl="1" indent="0" algn="l" defTabSz="914400" rtl="0" eaLnBrk="1" fontAlgn="auto" latinLnBrk="0" hangingPunct="1">
+              <a:lnSpc>
+                <a:spcPct val="100000"/>
+              </a:lnSpc>
+              <a:spcBef>
+                <a:spcPts val="0"/>
+              </a:spcBef>
+              <a:spcAft>
+                <a:spcPts val="0"/>
+              </a:spcAft>
+              <a:buClrTx/>
+              <a:buSzTx/>
+              <a:buFontTx/>
+              <a:buNone/>
+              <a:tabLst/>
+              <a:defRPr/>
+            </a:pPr>
+            <a:r>
+              <a:rPr kumimoji="1" lang="ja-JP" altLang="en-US" dirty="0" smtClean="0"/>
+              <a:t>で、特徴のところでも言いましたが、このパターンは</a:t>
+            </a:r>
+            <a:r>
+              <a:rPr lang="en-US" altLang="ja-JP" dirty="0" smtClean="0"/>
+              <a:t>Web</a:t>
+            </a:r>
+            <a:r>
+              <a:rPr lang="ja-JP" altLang="en-US" dirty="0" smtClean="0"/>
+              <a:t>アプリケーションとバッチシステムが同一でなければならないというように～～特徴があります</a:t>
+            </a:r>
+            <a:endParaRPr lang="en-US" altLang="ja-JP" dirty="0" smtClean="0"/>
+          </a:p>
+          <a:p>
+            <a:pPr marL="0" marR="0" lvl="1" indent="0" algn="l" defTabSz="914400" rtl="0" eaLnBrk="1" fontAlgn="auto" latinLnBrk="0" hangingPunct="1">
+              <a:lnSpc>
+                <a:spcPct val="100000"/>
+              </a:lnSpc>
+              <a:spcBef>
+                <a:spcPts val="0"/>
+              </a:spcBef>
+              <a:spcAft>
+                <a:spcPts val="0"/>
+              </a:spcAft>
+              <a:buClrTx/>
+              <a:buSzTx/>
+              <a:buFontTx/>
+              <a:buNone/>
+              <a:tabLst/>
+              <a:defRPr/>
+            </a:pPr>
+            <a:endParaRPr lang="en-US" altLang="ja-JP" dirty="0" smtClean="0"/>
+          </a:p>
+          <a:p>
+            <a:pPr marL="0" marR="0" lvl="1" indent="0" algn="l" defTabSz="914400" rtl="0" eaLnBrk="1" fontAlgn="auto" latinLnBrk="0" hangingPunct="1">
+              <a:lnSpc>
+                <a:spcPct val="100000"/>
+              </a:lnSpc>
+              <a:spcBef>
+                <a:spcPts val="0"/>
+              </a:spcBef>
+              <a:spcAft>
+                <a:spcPts val="0"/>
+              </a:spcAft>
+              <a:buClrTx/>
+              <a:buSzTx/>
+              <a:buFontTx/>
+              <a:buNone/>
+              <a:tabLst/>
+              <a:defRPr/>
+            </a:pPr>
+            <a:r>
+              <a:rPr lang="ja-JP" altLang="en-US" dirty="0" smtClean="0"/>
+              <a:t>ただどうしても</a:t>
+            </a:r>
+            <a:r>
+              <a:rPr lang="en-US" altLang="ja-JP" dirty="0" smtClean="0"/>
+              <a:t>Web</a:t>
+            </a:r>
+            <a:r>
+              <a:rPr lang="ja-JP" altLang="en-US" dirty="0" smtClean="0"/>
+              <a:t>アプリケーションで用いる言語で機械学習で使う予測モデルを実装するのは大変らしく～～場合もあるようです</a:t>
+            </a:r>
+          </a:p>
+          <a:p>
+            <a:endParaRPr kumimoji="1" lang="en-US" altLang="ja-JP" dirty="0" smtClean="0"/>
+          </a:p>
+        </p:txBody>
+      </p:sp>
+      <p:sp>
+        <p:nvSpPr>
+          <p:cNvPr id="4" name="スライド番号プレースホルダー 3"/>
+          <p:cNvSpPr>
+            <a:spLocks noGrp="1"/>
+          </p:cNvSpPr>
+          <p:nvPr>
+            <p:ph type="sldNum" sz="quarter" idx="10"/>
+          </p:nvPr>
+        </p:nvSpPr>
+        <p:spPr/>
+        <p:txBody>
+          <a:bodyPr/>
+          <a:lstStyle/>
+          <a:p>
+            <a:fld id="{7D904524-672D-4E66-A637-CA0A2B28D555}" type="slidenum">
+              <a:rPr kumimoji="1" lang="ja-JP" altLang="en-US" smtClean="0"/>
+              <a:t>10</a:t>
+            </a:fld>
+            <a:endParaRPr kumimoji="1" lang="ja-JP" altLang="en-US"/>
+          </a:p>
+        </p:txBody>
+      </p:sp>
+    </p:spTree>
+    <p:extLst>
+      <p:ext uri="{BB962C8B-B14F-4D97-AF65-F5344CB8AC3E}">
+        <p14:creationId xmlns:p14="http://schemas.microsoft.com/office/powerpoint/2010/main" val="1176882784"/>
+      </p:ext>
+    </p:extLst>
+  </p:cSld>
+  <p:clrMapOvr>
+    <a:masterClrMapping/>
+  </p:clrMapOvr>
+</p:notes>
+</file>
+
+<file path=ppt/notesSlides/notesSlide11.xml><?xml version="1.0" encoding="utf-8"?>
+<p:notes xmlns:a="http://schemas.openxmlformats.org/drawingml/2006/main" xmlns:r="http://schemas.openxmlformats.org/officeDocument/2006/relationships" xmlns:p="http://schemas.openxmlformats.org/presentationml/2006/main">
+  <p:cSld>
+    <p:spTree>
+      <p:nvGrpSpPr>
+        <p:cNvPr id="1" name=""/>
+        <p:cNvGrpSpPr/>
+        <p:nvPr/>
+      </p:nvGrpSpPr>
+      <p:grpSpPr>
+        <a:xfrm>
+          <a:off x="0" y="0"/>
+          <a:ext cx="0" cy="0"/>
+          <a:chOff x="0" y="0"/>
+          <a:chExt cx="0" cy="0"/>
+        </a:xfrm>
+      </p:grpSpPr>
+      <p:sp>
+        <p:nvSpPr>
+          <p:cNvPr id="2" name="スライド イメージ プレースホルダー 1"/>
+          <p:cNvSpPr>
+            <a:spLocks noGrp="1" noRot="1" noChangeAspect="1"/>
+          </p:cNvSpPr>
+          <p:nvPr>
+            <p:ph type="sldImg"/>
+          </p:nvPr>
+        </p:nvSpPr>
+        <p:spPr/>
+      </p:sp>
+      <p:sp>
+        <p:nvSpPr>
+          <p:cNvPr id="3" name="ノート プレースホルダー 2"/>
+          <p:cNvSpPr>
+            <a:spLocks noGrp="1"/>
+          </p:cNvSpPr>
+          <p:nvPr>
+            <p:ph type="body" idx="1"/>
+          </p:nvPr>
+        </p:nvSpPr>
+        <p:spPr/>
+        <p:txBody>
+          <a:bodyPr/>
+          <a:lstStyle/>
+          <a:p>
             <a:pPr marL="0" marR="0" indent="0" algn="l" defTabSz="914400" rtl="0" eaLnBrk="1" fontAlgn="auto" latinLnBrk="0" hangingPunct="1">
               <a:lnSpc>
                 <a:spcPct val="100000"/>
@@ -983,221 +1220,6 @@
 </p:notes>
 </file>
 
-<file path=ppt/notesSlides/notesSlide11.xml><?xml version="1.0" encoding="utf-8"?>
-<p:notes xmlns:a="http://schemas.openxmlformats.org/drawingml/2006/main" xmlns:r="http://schemas.openxmlformats.org/officeDocument/2006/relationships" xmlns:p="http://schemas.openxmlformats.org/presentationml/2006/main">
-  <p:cSld>
-    <p:spTree>
-      <p:nvGrpSpPr>
-        <p:cNvPr id="1" name=""/>
-        <p:cNvGrpSpPr/>
-        <p:nvPr/>
-      </p:nvGrpSpPr>
-      <p:grpSpPr>
-        <a:xfrm>
-          <a:off x="0" y="0"/>
-          <a:ext cx="0" cy="0"/>
-          <a:chOff x="0" y="0"/>
-          <a:chExt cx="0" cy="0"/>
-        </a:xfrm>
-      </p:grpSpPr>
-      <p:sp>
-        <p:nvSpPr>
-          <p:cNvPr id="2" name="スライド イメージ プレースホルダー 1"/>
-          <p:cNvSpPr>
-            <a:spLocks noGrp="1" noRot="1" noChangeAspect="1"/>
-          </p:cNvSpPr>
-          <p:nvPr>
-            <p:ph type="sldImg"/>
-          </p:nvPr>
-        </p:nvSpPr>
-        <p:spPr/>
-      </p:sp>
-      <p:sp>
-        <p:nvSpPr>
-          <p:cNvPr id="3" name="ノート プレースホルダー 2"/>
-          <p:cNvSpPr>
-            <a:spLocks noGrp="1"/>
-          </p:cNvSpPr>
-          <p:nvPr>
-            <p:ph type="body" idx="1"/>
-          </p:nvPr>
-        </p:nvSpPr>
-        <p:spPr/>
-        <p:txBody>
-          <a:bodyPr/>
-          <a:lstStyle/>
-          <a:p>
-            <a:r>
-              <a:rPr kumimoji="1" lang="ja-JP" altLang="en-US" dirty="0" smtClean="0"/>
-              <a:t>予測フェーズは青い部分の要素が用いられます。</a:t>
-            </a:r>
-            <a:endParaRPr kumimoji="1" lang="en-US" altLang="ja-JP" dirty="0" smtClean="0"/>
-          </a:p>
-          <a:p>
-            <a:endParaRPr kumimoji="1" lang="en-US" altLang="ja-JP" dirty="0" smtClean="0"/>
-          </a:p>
-          <a:p>
-            <a:r>
-              <a:rPr kumimoji="1" lang="ja-JP" altLang="en-US" dirty="0" smtClean="0"/>
-              <a:t>で、</a:t>
-            </a:r>
-            <a:r>
-              <a:rPr kumimoji="1" lang="en-US" altLang="ja-JP" dirty="0" smtClean="0"/>
-              <a:t>Web</a:t>
-            </a:r>
-            <a:r>
-              <a:rPr kumimoji="1" lang="ja-JP" altLang="en-US" dirty="0" smtClean="0"/>
-              <a:t>アプリケーションが何かしらのイベントをトリガーに予測を要求します。例えば～～</a:t>
-            </a:r>
-            <a:endParaRPr kumimoji="1" lang="en-US" altLang="ja-JP" dirty="0" smtClean="0"/>
-          </a:p>
-          <a:p>
-            <a:endParaRPr kumimoji="1" lang="en-US" altLang="ja-JP" dirty="0" smtClean="0"/>
-          </a:p>
-          <a:p>
-            <a:r>
-              <a:rPr kumimoji="1" lang="ja-JP" altLang="en-US" dirty="0" smtClean="0"/>
-              <a:t>で、このイベント発生時に予測したい対象、今回の例だとコメントですね。この情報を</a:t>
-            </a:r>
-            <a:r>
-              <a:rPr kumimoji="1" lang="en-US" altLang="ja-JP" dirty="0" smtClean="0"/>
-              <a:t>DB</a:t>
-            </a:r>
-            <a:r>
-              <a:rPr kumimoji="1" lang="ja-JP" altLang="en-US" dirty="0" smtClean="0"/>
-              <a:t>からあるいはリクエスト情報から直接取得し、特徴量を抽出します</a:t>
-            </a:r>
-            <a:endParaRPr kumimoji="1" lang="en-US" altLang="ja-JP" dirty="0" smtClean="0"/>
-          </a:p>
-          <a:p>
-            <a:endParaRPr kumimoji="1" lang="en-US" altLang="ja-JP" dirty="0" smtClean="0"/>
-          </a:p>
-          <a:p>
-            <a:r>
-              <a:rPr kumimoji="1" lang="ja-JP" altLang="en-US" dirty="0" smtClean="0"/>
-              <a:t>で、次に学習フェーズ完成させておいた～～</a:t>
-            </a:r>
-            <a:endParaRPr kumimoji="1" lang="en-US" altLang="ja-JP" dirty="0" smtClean="0"/>
-          </a:p>
-          <a:p>
-            <a:endParaRPr kumimoji="1" lang="en-US" altLang="ja-JP" dirty="0" smtClean="0"/>
-          </a:p>
-          <a:p>
-            <a:r>
-              <a:rPr kumimoji="1" lang="ja-JP" altLang="en-US" dirty="0" smtClean="0"/>
-              <a:t>その</a:t>
-            </a:r>
-            <a:r>
-              <a:rPr kumimoji="1" lang="ja-JP" altLang="en-US" dirty="0" smtClean="0"/>
-              <a:t>結果</a:t>
-            </a:r>
-            <a:r>
-              <a:rPr kumimoji="1" lang="ja-JP" altLang="en-US" dirty="0" smtClean="0"/>
-              <a:t>をもと</a:t>
-            </a:r>
-            <a:r>
-              <a:rPr kumimoji="1" lang="ja-JP" altLang="en-US" dirty="0" smtClean="0"/>
-              <a:t>に、ユーザーにフィードバックをするなどして、次の処理へとつなげて</a:t>
-            </a:r>
-            <a:r>
-              <a:rPr kumimoji="1" lang="ja-JP" altLang="en-US" dirty="0" smtClean="0"/>
-              <a:t>いきます</a:t>
-            </a:r>
-            <a:endParaRPr kumimoji="1" lang="en-US" altLang="ja-JP" dirty="0" smtClean="0"/>
-          </a:p>
-          <a:p>
-            <a:endParaRPr kumimoji="1" lang="en-US" altLang="ja-JP" b="0" dirty="0" smtClean="0"/>
-          </a:p>
-          <a:p>
-            <a:r>
-              <a:rPr kumimoji="1" lang="ja-JP" altLang="en-US" b="0" dirty="0" smtClean="0"/>
-              <a:t>パターン</a:t>
-            </a:r>
-            <a:r>
-              <a:rPr kumimoji="1" lang="en-US" altLang="ja-JP" b="0" dirty="0" smtClean="0"/>
-              <a:t>1</a:t>
-            </a:r>
-            <a:r>
-              <a:rPr kumimoji="1" lang="ja-JP" altLang="en-US" b="0" dirty="0" smtClean="0"/>
-              <a:t>の学習と予測フェーズはこんな感じなりました</a:t>
-            </a:r>
-            <a:endParaRPr kumimoji="1" lang="en-US" altLang="ja-JP" b="0" dirty="0" smtClean="0"/>
-          </a:p>
-          <a:p>
-            <a:endParaRPr kumimoji="1" lang="en-US" altLang="ja-JP" sz="1200" b="0" i="0" kern="1200" dirty="0" smtClean="0">
-              <a:solidFill>
-                <a:schemeClr val="tx1"/>
-              </a:solidFill>
-              <a:effectLst/>
-              <a:latin typeface="+mn-lt"/>
-              <a:ea typeface="+mn-ea"/>
-              <a:cs typeface="+mn-cs"/>
-            </a:endParaRPr>
-          </a:p>
-          <a:p>
-            <a:endParaRPr kumimoji="1" lang="en-US" altLang="ja-JP" sz="1200" b="0" i="0" kern="1200" dirty="0" smtClean="0">
-              <a:solidFill>
-                <a:schemeClr val="tx1"/>
-              </a:solidFill>
-              <a:effectLst/>
-              <a:latin typeface="+mn-lt"/>
-              <a:ea typeface="+mn-ea"/>
-              <a:cs typeface="+mn-cs"/>
-            </a:endParaRPr>
-          </a:p>
-          <a:p>
-            <a:r>
-              <a:rPr kumimoji="1" lang="ja-JP" altLang="en-US" sz="1200" b="0" i="0" kern="1200" dirty="0" smtClean="0">
-                <a:solidFill>
-                  <a:schemeClr val="tx1"/>
-                </a:solidFill>
-                <a:effectLst/>
-                <a:latin typeface="+mn-lt"/>
-                <a:ea typeface="+mn-ea"/>
-                <a:cs typeface="+mn-cs"/>
-              </a:rPr>
-              <a:t>イベントトリガー：イベントを起こす要因、引き金</a:t>
-            </a:r>
-            <a:endParaRPr kumimoji="1" lang="ja-JP" altLang="en-US" dirty="0"/>
-          </a:p>
-        </p:txBody>
-      </p:sp>
-      <p:sp>
-        <p:nvSpPr>
-          <p:cNvPr id="4" name="スライド番号プレースホルダー 3"/>
-          <p:cNvSpPr>
-            <a:spLocks noGrp="1"/>
-          </p:cNvSpPr>
-          <p:nvPr>
-            <p:ph type="sldNum" sz="quarter" idx="10"/>
-          </p:nvPr>
-        </p:nvSpPr>
-        <p:spPr/>
-        <p:txBody>
-          <a:bodyPr/>
-          <a:lstStyle/>
-          <a:p>
-            <a:fld id="{7D904524-672D-4E66-A637-CA0A2B28D555}" type="slidenum">
-              <a:rPr kumimoji="1" lang="ja-JP" altLang="en-US" smtClean="0"/>
-              <a:t>12</a:t>
-            </a:fld>
-            <a:endParaRPr kumimoji="1" lang="ja-JP" altLang="en-US"/>
-          </a:p>
-        </p:txBody>
-      </p:sp>
-    </p:spTree>
-    <p:extLst>
-      <p:ext uri="{BB962C8B-B14F-4D97-AF65-F5344CB8AC3E}">
-        <p14:creationId xmlns:p14="http://schemas.microsoft.com/office/powerpoint/2010/main" val="416543690"/>
-      </p:ext>
-    </p:extLst>
-  </p:cSld>
-  <p:clrMapOvr>
-    <a:masterClrMapping/>
-  </p:clrMapOvr>
-</p:notes>
-</file>
-
 <file path=ppt/notesSlides/notesSlide12.xml><?xml version="1.0" encoding="utf-8"?>
 <p:notes xmlns:a="http://schemas.openxmlformats.org/drawingml/2006/main" xmlns:r="http://schemas.openxmlformats.org/officeDocument/2006/relationships" xmlns:p="http://schemas.openxmlformats.org/presentationml/2006/main">
   <p:cSld>
@@ -1244,7 +1266,7 @@
           <a:p>
             <a:r>
               <a:rPr kumimoji="1" lang="ja-JP" altLang="en-US" dirty="0" smtClean="0"/>
-              <a:t>次のパターンは、～～というパターンですね。</a:t>
+              <a:t>予測フェーズは青い部分の要素が用いられます。</a:t>
             </a:r>
             <a:endParaRPr kumimoji="1" lang="en-US" altLang="ja-JP" dirty="0" smtClean="0"/>
           </a:p>
@@ -1254,69 +1276,7 @@
           <a:p>
             <a:r>
               <a:rPr kumimoji="1" lang="ja-JP" altLang="en-US" dirty="0" smtClean="0"/>
-              <a:t>この</a:t>
-            </a:r>
-            <a:r>
-              <a:rPr kumimoji="1" lang="ja-JP" altLang="en-US" dirty="0" smtClean="0"/>
-              <a:t>パターンは</a:t>
-            </a:r>
-            <a:r>
-              <a:rPr kumimoji="1" lang="ja-JP" altLang="en-US" dirty="0" smtClean="0"/>
-              <a:t>、バッチ処理で学習とリアルタイム処理で予測という点では、パターン</a:t>
-            </a:r>
-            <a:r>
-              <a:rPr kumimoji="1" lang="en-US" altLang="ja-JP" dirty="0" smtClean="0"/>
-              <a:t>1</a:t>
-            </a:r>
-            <a:r>
-              <a:rPr kumimoji="1" lang="ja-JP" altLang="en-US" dirty="0" smtClean="0"/>
-              <a:t>と同じですが、予測</a:t>
-            </a:r>
-            <a:r>
-              <a:rPr kumimoji="1" lang="ja-JP" altLang="en-US" dirty="0" smtClean="0"/>
-              <a:t>結果をレスポンスとして返す</a:t>
-            </a:r>
-            <a:r>
-              <a:rPr kumimoji="1" lang="en-US" altLang="ja-JP" dirty="0" smtClean="0"/>
-              <a:t>API</a:t>
-            </a:r>
-            <a:r>
-              <a:rPr kumimoji="1" lang="ja-JP" altLang="en-US" dirty="0" smtClean="0"/>
-              <a:t>サーバーを用意</a:t>
-            </a:r>
-            <a:r>
-              <a:rPr kumimoji="1" lang="ja-JP" altLang="en-US" dirty="0" smtClean="0"/>
-              <a:t>するという点でちょっと違います。</a:t>
-            </a:r>
-            <a:endParaRPr kumimoji="1" lang="en-US" altLang="ja-JP" dirty="0" smtClean="0"/>
-          </a:p>
-          <a:p>
-            <a:endParaRPr kumimoji="1" lang="en-US" altLang="ja-JP" dirty="0" smtClean="0"/>
-          </a:p>
-          <a:p>
-            <a:r>
-              <a:rPr kumimoji="1" lang="ja-JP" altLang="en-US" dirty="0" smtClean="0"/>
-              <a:t>このパターンの特徴は～～</a:t>
-            </a:r>
-            <a:endParaRPr kumimoji="1" lang="en-US" altLang="ja-JP" dirty="0" smtClean="0"/>
-          </a:p>
-          <a:p>
-            <a:endParaRPr kumimoji="1" lang="en-US" altLang="ja-JP" dirty="0" smtClean="0"/>
-          </a:p>
-          <a:p>
-            <a:r>
-              <a:rPr kumimoji="1" lang="ja-JP" altLang="en-US" dirty="0" smtClean="0"/>
-              <a:t>の２点があり</a:t>
-            </a:r>
-            <a:endParaRPr kumimoji="1" lang="en-US" altLang="ja-JP" dirty="0" smtClean="0"/>
-          </a:p>
-          <a:p>
-            <a:endParaRPr kumimoji="1" lang="en-US" altLang="ja-JP" dirty="0" smtClean="0"/>
-          </a:p>
-          <a:p>
-            <a:r>
-              <a:rPr kumimoji="1" lang="ja-JP" altLang="en-US" dirty="0" smtClean="0"/>
-              <a:t>バッチ処理で学習を行うことは他のパターンとは代わりませんが、</a:t>
+              <a:t>で、</a:t>
             </a:r>
             <a:r>
               <a:rPr kumimoji="1" lang="en-US" altLang="ja-JP" dirty="0" smtClean="0"/>
@@ -1324,7 +1284,116 @@
             </a:r>
             <a:r>
               <a:rPr kumimoji="1" lang="ja-JP" altLang="en-US" dirty="0" smtClean="0"/>
-              <a:t>アプリケーションから～～です</a:t>
+              <a:t>アプリケーションが何かしらのイベントをトリガーに予測を要求します。例えば～～</a:t>
+            </a:r>
+            <a:endParaRPr kumimoji="1" lang="en-US" altLang="ja-JP" dirty="0" smtClean="0"/>
+          </a:p>
+          <a:p>
+            <a:endParaRPr kumimoji="1" lang="en-US" altLang="ja-JP" dirty="0" smtClean="0"/>
+          </a:p>
+          <a:p>
+            <a:r>
+              <a:rPr kumimoji="1" lang="ja-JP" altLang="en-US" dirty="0" smtClean="0"/>
+              <a:t>で、このイベント発生時に予測したい対象、今回の例だとコメントですね。この情報を</a:t>
+            </a:r>
+            <a:r>
+              <a:rPr kumimoji="1" lang="en-US" altLang="ja-JP" dirty="0" smtClean="0"/>
+              <a:t>DB</a:t>
+            </a:r>
+            <a:r>
+              <a:rPr kumimoji="1" lang="ja-JP" altLang="en-US" dirty="0" smtClean="0"/>
+              <a:t>からあるいはリクエスト情報から直接取得し、特徴量を抽出します</a:t>
+            </a:r>
+            <a:endParaRPr kumimoji="1" lang="en-US" altLang="ja-JP" dirty="0" smtClean="0"/>
+          </a:p>
+          <a:p>
+            <a:endParaRPr kumimoji="1" lang="en-US" altLang="ja-JP" dirty="0" smtClean="0"/>
+          </a:p>
+          <a:p>
+            <a:r>
+              <a:rPr kumimoji="1" lang="ja-JP" altLang="en-US" dirty="0" smtClean="0"/>
+              <a:t>で、次に学習フェーズ完成させておいた～～</a:t>
+            </a:r>
+            <a:endParaRPr kumimoji="1" lang="en-US" altLang="ja-JP" dirty="0" smtClean="0"/>
+          </a:p>
+          <a:p>
+            <a:endParaRPr kumimoji="1" lang="en-US" altLang="ja-JP" dirty="0" smtClean="0"/>
+          </a:p>
+          <a:p>
+            <a:r>
+              <a:rPr kumimoji="1" lang="ja-JP" altLang="en-US" dirty="0" smtClean="0"/>
+              <a:t>その</a:t>
+            </a:r>
+            <a:r>
+              <a:rPr kumimoji="1" lang="ja-JP" altLang="en-US" dirty="0" smtClean="0"/>
+              <a:t>結果</a:t>
+            </a:r>
+            <a:r>
+              <a:rPr kumimoji="1" lang="ja-JP" altLang="en-US" dirty="0" smtClean="0"/>
+              <a:t>をもと</a:t>
+            </a:r>
+            <a:r>
+              <a:rPr kumimoji="1" lang="ja-JP" altLang="en-US" dirty="0" smtClean="0"/>
+              <a:t>に、ユーザーにフィードバックをするなどして、次の処理へとつなげて</a:t>
+            </a:r>
+            <a:r>
+              <a:rPr kumimoji="1" lang="ja-JP" altLang="en-US" dirty="0" smtClean="0"/>
+              <a:t>いきます</a:t>
+            </a:r>
+            <a:endParaRPr kumimoji="1" lang="en-US" altLang="ja-JP" dirty="0" smtClean="0"/>
+          </a:p>
+          <a:p>
+            <a:endParaRPr kumimoji="1" lang="en-US" altLang="ja-JP" b="0" dirty="0" smtClean="0"/>
+          </a:p>
+          <a:p>
+            <a:r>
+              <a:rPr kumimoji="1" lang="ja-JP" altLang="en-US" b="0" dirty="0" smtClean="0"/>
+              <a:t>パターン</a:t>
+            </a:r>
+            <a:r>
+              <a:rPr kumimoji="1" lang="en-US" altLang="ja-JP" b="0" dirty="0" smtClean="0"/>
+              <a:t>1</a:t>
+            </a:r>
+            <a:r>
+              <a:rPr kumimoji="1" lang="ja-JP" altLang="en-US" b="0" dirty="0" smtClean="0"/>
+              <a:t>の学習と予測フェーズはこんな感じなりました</a:t>
+            </a:r>
+            <a:endParaRPr kumimoji="1" lang="en-US" altLang="ja-JP" b="0" dirty="0" smtClean="0"/>
+          </a:p>
+          <a:p>
+            <a:endParaRPr kumimoji="1" lang="en-US" altLang="ja-JP" sz="1200" b="0" i="0" kern="1200" dirty="0" smtClean="0">
+              <a:solidFill>
+                <a:schemeClr val="tx1"/>
+              </a:solidFill>
+              <a:effectLst/>
+              <a:latin typeface="+mn-lt"/>
+              <a:ea typeface="+mn-ea"/>
+              <a:cs typeface="+mn-cs"/>
+            </a:endParaRPr>
+          </a:p>
+          <a:p>
+            <a:endParaRPr kumimoji="1" lang="en-US" altLang="ja-JP" sz="1200" b="0" i="0" kern="1200" dirty="0" smtClean="0">
+              <a:solidFill>
+                <a:schemeClr val="tx1"/>
+              </a:solidFill>
+              <a:effectLst/>
+              <a:latin typeface="+mn-lt"/>
+              <a:ea typeface="+mn-ea"/>
+              <a:cs typeface="+mn-cs"/>
+            </a:endParaRPr>
+          </a:p>
+          <a:p>
+            <a:r>
+              <a:rPr kumimoji="1" lang="ja-JP" altLang="en-US" sz="1200" b="0" i="0" kern="1200" dirty="0" smtClean="0">
+                <a:solidFill>
+                  <a:schemeClr val="tx1"/>
+                </a:solidFill>
+                <a:effectLst/>
+                <a:latin typeface="+mn-lt"/>
+                <a:ea typeface="+mn-ea"/>
+                <a:cs typeface="+mn-cs"/>
+              </a:rPr>
+              <a:t>イベントトリガー：イベントを起こす要因、引き金</a:t>
             </a:r>
             <a:endParaRPr kumimoji="1" lang="ja-JP" altLang="en-US" dirty="0"/>
           </a:p>
@@ -1347,7 +1416,7 @@
           <a:p>
             <a:fld id="{7D904524-672D-4E66-A637-CA0A2B28D555}" type="slidenum">
               <a:rPr kumimoji="1" lang="ja-JP" altLang="en-US" smtClean="0"/>
-              <a:t>13</a:t>
+              <a:t>12</a:t>
             </a:fld>
             <a:endParaRPr kumimoji="1" lang="ja-JP" altLang="en-US"/>
           </a:p>
@@ -1356,7 +1425,7 @@
     </p:spTree>
     <p:extLst>
       <p:ext uri="{BB962C8B-B14F-4D97-AF65-F5344CB8AC3E}">
-        <p14:creationId xmlns:p14="http://schemas.microsoft.com/office/powerpoint/2010/main" val="1667135320"/>
+        <p14:creationId xmlns:p14="http://schemas.microsoft.com/office/powerpoint/2010/main" val="416543690"/>
       </p:ext>
     </p:extLst>
   </p:cSld>
@@ -1412,15 +1481,49 @@
           <a:p>
             <a:r>
               <a:rPr kumimoji="1" lang="ja-JP" altLang="en-US" dirty="0" smtClean="0"/>
-              <a:t>このスライドでは、パターン</a:t>
+              <a:t>次のパターンは、～～というパターンですね。</a:t>
+            </a:r>
+            <a:endParaRPr kumimoji="1" lang="en-US" altLang="ja-JP" dirty="0" smtClean="0"/>
+          </a:p>
+          <a:p>
+            <a:endParaRPr kumimoji="1" lang="en-US" altLang="ja-JP" dirty="0" smtClean="0"/>
+          </a:p>
+          <a:p>
+            <a:r>
+              <a:rPr kumimoji="1" lang="ja-JP" altLang="en-US" dirty="0" smtClean="0"/>
+              <a:t>この</a:t>
+            </a:r>
+            <a:r>
+              <a:rPr kumimoji="1" lang="ja-JP" altLang="en-US" dirty="0" smtClean="0"/>
+              <a:t>パターンは</a:t>
+            </a:r>
+            <a:r>
+              <a:rPr kumimoji="1" lang="ja-JP" altLang="en-US" dirty="0" smtClean="0"/>
+              <a:t>、バッチ処理で学習とリアルタイム処理で予測という点では、パターン</a:t>
             </a:r>
             <a:r>
               <a:rPr kumimoji="1" lang="en-US" altLang="ja-JP" dirty="0" smtClean="0"/>
-              <a:t>2</a:t>
-            </a:r>
-            <a:r>
-              <a:rPr kumimoji="1" lang="ja-JP" altLang="en-US" dirty="0" smtClean="0"/>
-              <a:t>のメリットとデメリットを簡単に紹介したいと思います。</a:t>
+              <a:t>1</a:t>
+            </a:r>
+            <a:r>
+              <a:rPr kumimoji="1" lang="ja-JP" altLang="en-US" dirty="0" smtClean="0"/>
+              <a:t>と同じですが、予測</a:t>
+            </a:r>
+            <a:r>
+              <a:rPr kumimoji="1" lang="ja-JP" altLang="en-US" dirty="0" smtClean="0"/>
+              <a:t>結果をレスポンスとして返す</a:t>
+            </a:r>
+            <a:r>
+              <a:rPr kumimoji="1" lang="en-US" altLang="ja-JP" dirty="0" smtClean="0"/>
+              <a:t>API</a:t>
+            </a:r>
+            <a:r>
+              <a:rPr kumimoji="1" lang="ja-JP" altLang="en-US" dirty="0" smtClean="0"/>
+              <a:t>サーバーを用意</a:t>
+            </a:r>
+            <a:r>
+              <a:rPr kumimoji="1" lang="ja-JP" altLang="en-US" dirty="0" smtClean="0"/>
+              <a:t>するという点でちょっと違います。</a:t>
             </a:r>
             <a:endParaRPr kumimoji="1" lang="en-US" altLang="ja-JP" dirty="0" smtClean="0"/>
           </a:p>
@@ -1428,166 +1531,38 @@
             <a:endParaRPr kumimoji="1" lang="en-US" altLang="ja-JP" dirty="0" smtClean="0"/>
           </a:p>
           <a:p>
-            <a:pPr marL="0" marR="0" lvl="1" indent="0" algn="l" defTabSz="914400" rtl="0" eaLnBrk="1" fontAlgn="auto" latinLnBrk="0" hangingPunct="1">
-              <a:lnSpc>
-                <a:spcPct val="100000"/>
-              </a:lnSpc>
-              <a:spcBef>
-                <a:spcPts val="0"/>
-              </a:spcBef>
-              <a:spcAft>
-                <a:spcPts val="0"/>
-              </a:spcAft>
-              <a:buClrTx/>
-              <a:buSzTx/>
-              <a:buFontTx/>
-              <a:buNone/>
-              <a:tabLst/>
-              <a:defRPr/>
-            </a:pPr>
-            <a:r>
-              <a:rPr kumimoji="1" lang="ja-JP" altLang="en-US" dirty="0" smtClean="0"/>
-              <a:t>メリットは前のスライドの特徴のところでも言いましたが、</a:t>
-            </a:r>
-            <a:r>
-              <a:rPr lang="en-US" altLang="ja-JP" dirty="0" smtClean="0"/>
+            <a:r>
+              <a:rPr kumimoji="1" lang="ja-JP" altLang="en-US" dirty="0" smtClean="0"/>
+              <a:t>このパターンの特徴は～～</a:t>
+            </a:r>
+            <a:endParaRPr kumimoji="1" lang="en-US" altLang="ja-JP" dirty="0" smtClean="0"/>
+          </a:p>
+          <a:p>
+            <a:endParaRPr kumimoji="1" lang="en-US" altLang="ja-JP" dirty="0" smtClean="0"/>
+          </a:p>
+          <a:p>
+            <a:r>
+              <a:rPr kumimoji="1" lang="ja-JP" altLang="en-US" dirty="0" smtClean="0"/>
+              <a:t>の２点があり</a:t>
+            </a:r>
+            <a:endParaRPr kumimoji="1" lang="en-US" altLang="ja-JP" dirty="0" smtClean="0"/>
+          </a:p>
+          <a:p>
+            <a:endParaRPr kumimoji="1" lang="en-US" altLang="ja-JP" dirty="0" smtClean="0"/>
+          </a:p>
+          <a:p>
+            <a:r>
+              <a:rPr kumimoji="1" lang="ja-JP" altLang="en-US" dirty="0" smtClean="0"/>
+              <a:t>バッチ処理で学習を行うことは他のパターンとは代わりませんが、</a:t>
+            </a:r>
+            <a:r>
+              <a:rPr kumimoji="1" lang="en-US" altLang="ja-JP" dirty="0" smtClean="0"/>
               <a:t>Web</a:t>
             </a:r>
             <a:r>
-              <a:rPr lang="ja-JP" altLang="en-US" dirty="0" smtClean="0"/>
-              <a:t>アプリケーションとの結合が疎になることがメリットです。</a:t>
-            </a:r>
-            <a:endParaRPr lang="en-US" altLang="ja-JP" dirty="0" smtClean="0"/>
-          </a:p>
-          <a:p>
-            <a:pPr marL="0" marR="0" lvl="1" indent="0" algn="l" defTabSz="914400" rtl="0" eaLnBrk="1" fontAlgn="auto" latinLnBrk="0" hangingPunct="1">
-              <a:lnSpc>
-                <a:spcPct val="100000"/>
-              </a:lnSpc>
-              <a:spcBef>
-                <a:spcPts val="0"/>
-              </a:spcBef>
-              <a:spcAft>
-                <a:spcPts val="0"/>
-              </a:spcAft>
-              <a:buClrTx/>
-              <a:buSzTx/>
-              <a:buFontTx/>
-              <a:buNone/>
-              <a:tabLst/>
-              <a:defRPr/>
-            </a:pPr>
-            <a:endParaRPr lang="en-US" altLang="ja-JP" dirty="0" smtClean="0"/>
-          </a:p>
-          <a:p>
-            <a:pPr marL="0" marR="0" lvl="1" indent="0" algn="l" defTabSz="914400" rtl="0" eaLnBrk="1" fontAlgn="auto" latinLnBrk="0" hangingPunct="1">
-              <a:lnSpc>
-                <a:spcPct val="100000"/>
-              </a:lnSpc>
-              <a:spcBef>
-                <a:spcPts val="0"/>
-              </a:spcBef>
-              <a:spcAft>
-                <a:spcPts val="0"/>
-              </a:spcAft>
-              <a:buClrTx/>
-              <a:buSzTx/>
-              <a:buFontTx/>
-              <a:buNone/>
-              <a:tabLst/>
-              <a:defRPr/>
-            </a:pPr>
-            <a:r>
-              <a:rPr lang="ja-JP" altLang="en-US" dirty="0" smtClean="0"/>
-              <a:t>で、結合が疎になるから～～</a:t>
-            </a:r>
-            <a:endParaRPr lang="en-US" altLang="ja-JP" dirty="0" smtClean="0"/>
-          </a:p>
-          <a:p>
-            <a:pPr marL="0" marR="0" lvl="1" indent="0" algn="l" defTabSz="914400" rtl="0" eaLnBrk="1" fontAlgn="auto" latinLnBrk="0" hangingPunct="1">
-              <a:lnSpc>
-                <a:spcPct val="100000"/>
-              </a:lnSpc>
-              <a:spcBef>
-                <a:spcPts val="0"/>
-              </a:spcBef>
-              <a:spcAft>
-                <a:spcPts val="0"/>
-              </a:spcAft>
-              <a:buClrTx/>
-              <a:buSzTx/>
-              <a:buFontTx/>
-              <a:buNone/>
-              <a:tabLst/>
-              <a:defRPr/>
-            </a:pPr>
-            <a:endParaRPr lang="en-US" altLang="ja-JP" dirty="0" smtClean="0"/>
-          </a:p>
-          <a:p>
-            <a:pPr marL="0" marR="0" lvl="1" indent="0" algn="l" defTabSz="914400" rtl="0" eaLnBrk="1" fontAlgn="auto" latinLnBrk="0" hangingPunct="1">
-              <a:lnSpc>
-                <a:spcPct val="100000"/>
-              </a:lnSpc>
-              <a:spcBef>
-                <a:spcPts val="0"/>
-              </a:spcBef>
-              <a:spcAft>
-                <a:spcPts val="0"/>
-              </a:spcAft>
-              <a:buClrTx/>
-              <a:buSzTx/>
-              <a:buFontTx/>
-              <a:buNone/>
-              <a:tabLst/>
-              <a:defRPr/>
-            </a:pPr>
-            <a:r>
-              <a:rPr lang="ja-JP" altLang="en-US" dirty="0" smtClean="0"/>
-              <a:t>デメリットとしては、～～</a:t>
-            </a:r>
-            <a:endParaRPr lang="en-US" altLang="ja-JP" dirty="0" smtClean="0"/>
-          </a:p>
-          <a:p>
-            <a:pPr marL="0" marR="0" lvl="1" indent="0" algn="l" defTabSz="914400" rtl="0" eaLnBrk="1" fontAlgn="auto" latinLnBrk="0" hangingPunct="1">
-              <a:lnSpc>
-                <a:spcPct val="100000"/>
-              </a:lnSpc>
-              <a:spcBef>
-                <a:spcPts val="0"/>
-              </a:spcBef>
-              <a:spcAft>
-                <a:spcPts val="0"/>
-              </a:spcAft>
-              <a:buClrTx/>
-              <a:buSzTx/>
-              <a:buFontTx/>
-              <a:buNone/>
-              <a:tabLst/>
-              <a:defRPr/>
-            </a:pPr>
-            <a:endParaRPr lang="en-US" altLang="ja-JP" dirty="0" smtClean="0"/>
-          </a:p>
-          <a:p>
-            <a:pPr marL="0" marR="0" lvl="1" indent="0" algn="l" defTabSz="914400" rtl="0" eaLnBrk="1" fontAlgn="auto" latinLnBrk="0" hangingPunct="1">
-              <a:lnSpc>
-                <a:spcPct val="100000"/>
-              </a:lnSpc>
-              <a:spcBef>
-                <a:spcPts val="0"/>
-              </a:spcBef>
-              <a:spcAft>
-                <a:spcPts val="0"/>
-              </a:spcAft>
-              <a:buClrTx/>
-              <a:buSzTx/>
-              <a:buFontTx/>
-              <a:buNone/>
-              <a:tabLst/>
-              <a:defRPr/>
-            </a:pPr>
-            <a:endParaRPr lang="en-US" altLang="ja-JP" dirty="0" smtClean="0"/>
-          </a:p>
-          <a:p>
+              <a:rPr kumimoji="1" lang="ja-JP" altLang="en-US" dirty="0" smtClean="0"/>
+              <a:t>アプリケーションから～～です</a:t>
+            </a:r>
             <a:endParaRPr kumimoji="1" lang="ja-JP" altLang="en-US" dirty="0"/>
           </a:p>
         </p:txBody>
@@ -1609,7 +1584,7 @@
           <a:p>
             <a:fld id="{7D904524-672D-4E66-A637-CA0A2B28D555}" type="slidenum">
               <a:rPr kumimoji="1" lang="ja-JP" altLang="en-US" smtClean="0"/>
-              <a:t>14</a:t>
+              <a:t>13</a:t>
             </a:fld>
             <a:endParaRPr kumimoji="1" lang="ja-JP" altLang="en-US"/>
           </a:p>
@@ -1618,7 +1593,7 @@
     </p:spTree>
     <p:extLst>
       <p:ext uri="{BB962C8B-B14F-4D97-AF65-F5344CB8AC3E}">
-        <p14:creationId xmlns:p14="http://schemas.microsoft.com/office/powerpoint/2010/main" val="2715152401"/>
+        <p14:creationId xmlns:p14="http://schemas.microsoft.com/office/powerpoint/2010/main" val="1667135320"/>
       </p:ext>
     </p:extLst>
   </p:cSld>
@@ -1674,37 +1649,15 @@
           <a:p>
             <a:r>
               <a:rPr kumimoji="1" lang="ja-JP" altLang="en-US" dirty="0" smtClean="0"/>
-              <a:t>最後のパターン３ですね。このパターンは～～という方法です</a:t>
-            </a:r>
-            <a:endParaRPr kumimoji="1" lang="en-US" altLang="ja-JP" dirty="0" smtClean="0"/>
-          </a:p>
-          <a:p>
-            <a:endParaRPr kumimoji="1" lang="en-US" altLang="ja-JP" dirty="0" smtClean="0"/>
-          </a:p>
-          <a:p>
-            <a:r>
-              <a:rPr kumimoji="1" lang="ja-JP" altLang="en-US" dirty="0" smtClean="0"/>
-              <a:t>前の</a:t>
+              <a:t>このスライドでは、パターン</a:t>
             </a:r>
             <a:r>
               <a:rPr kumimoji="1" lang="en-US" altLang="ja-JP" dirty="0" smtClean="0"/>
               <a:t>2</a:t>
             </a:r>
             <a:r>
-              <a:rPr kumimoji="1" lang="ja-JP" altLang="en-US" dirty="0" err="1" smtClean="0"/>
-              <a:t>つの</a:t>
-            </a:r>
-            <a:r>
-              <a:rPr kumimoji="1" lang="ja-JP" altLang="en-US" dirty="0" smtClean="0"/>
-              <a:t>パターンとの違いとしては予測結果を</a:t>
-            </a:r>
-            <a:r>
-              <a:rPr kumimoji="1" lang="en-US" altLang="ja-JP" dirty="0" smtClean="0"/>
-              <a:t>DB</a:t>
-            </a:r>
-            <a:r>
-              <a:rPr kumimoji="1" lang="ja-JP" altLang="en-US" dirty="0" smtClean="0"/>
-              <a:t>経由で提供することですね</a:t>
+              <a:rPr kumimoji="1" lang="ja-JP" altLang="en-US" dirty="0" smtClean="0"/>
+              <a:t>のメリットとデメリットを簡単に紹介したいと思います。</a:t>
             </a:r>
             <a:endParaRPr kumimoji="1" lang="en-US" altLang="ja-JP" dirty="0" smtClean="0"/>
           </a:p>
@@ -1712,118 +1665,166 @@
             <a:endParaRPr kumimoji="1" lang="en-US" altLang="ja-JP" dirty="0" smtClean="0"/>
           </a:p>
           <a:p>
-            <a:r>
-              <a:rPr kumimoji="1" lang="en-US" altLang="ja-JP" dirty="0" smtClean="0"/>
+            <a:pPr marL="0" marR="0" lvl="1" indent="0" algn="l" defTabSz="914400" rtl="0" eaLnBrk="1" fontAlgn="auto" latinLnBrk="0" hangingPunct="1">
+              <a:lnSpc>
+                <a:spcPct val="100000"/>
+              </a:lnSpc>
+              <a:spcBef>
+                <a:spcPts val="0"/>
+              </a:spcBef>
+              <a:spcAft>
+                <a:spcPts val="0"/>
+              </a:spcAft>
+              <a:buClrTx/>
+              <a:buSzTx/>
+              <a:buFontTx/>
+              <a:buNone/>
+              <a:tabLst/>
+              <a:defRPr/>
+            </a:pPr>
+            <a:r>
+              <a:rPr kumimoji="1" lang="ja-JP" altLang="en-US" dirty="0" smtClean="0"/>
+              <a:t>メリットは前のスライドの特徴のところでも言いましたが、</a:t>
+            </a:r>
+            <a:r>
+              <a:rPr lang="en-US" altLang="ja-JP" dirty="0" smtClean="0"/>
               <a:t>Web</a:t>
             </a:r>
             <a:r>
-              <a:rPr kumimoji="1" lang="ja-JP" altLang="en-US" dirty="0" smtClean="0"/>
-              <a:t>アプリケーションで使い勝手の良いのはこの</a:t>
-            </a:r>
-            <a:r>
-              <a:rPr kumimoji="1" lang="ja-JP" altLang="en-US" dirty="0" smtClean="0"/>
-              <a:t>パターン</a:t>
-            </a:r>
-            <a:r>
-              <a:rPr kumimoji="1" lang="ja-JP" altLang="en-US" dirty="0" smtClean="0"/>
-              <a:t>で、一番初めに試すパターンとしてはこの方法が無難らしいです。</a:t>
-            </a:r>
-            <a:endParaRPr kumimoji="1" lang="en-US" altLang="ja-JP" dirty="0" smtClean="0"/>
-          </a:p>
-          <a:p>
-            <a:endParaRPr kumimoji="1" lang="en-US" altLang="ja-JP" dirty="0" smtClean="0"/>
-          </a:p>
-          <a:p>
-            <a:r>
-              <a:rPr kumimoji="1" lang="ja-JP" altLang="en-US" dirty="0" smtClean="0"/>
-              <a:t>分類問題などについて～～</a:t>
-            </a:r>
-            <a:endParaRPr kumimoji="1" lang="en-US" altLang="ja-JP" dirty="0" smtClean="0"/>
-          </a:p>
-          <a:p>
-            <a:endParaRPr kumimoji="1" lang="en-US" altLang="ja-JP" dirty="0" smtClean="0"/>
-          </a:p>
-          <a:p>
-            <a:r>
-              <a:rPr kumimoji="1" lang="ja-JP" altLang="en-US" dirty="0" smtClean="0"/>
-              <a:t>このパターンは</a:t>
-            </a:r>
-            <a:r>
-              <a:rPr kumimoji="1" lang="ja-JP" altLang="en-US" dirty="0" smtClean="0"/>
-              <a:t>、パターン２と同様に予測</a:t>
-            </a:r>
-            <a:r>
-              <a:rPr kumimoji="1" lang="ja-JP" altLang="en-US" dirty="0" smtClean="0"/>
-              <a:t>バッチとアプリケーションの間で</a:t>
-            </a:r>
-            <a:r>
-              <a:rPr kumimoji="1" lang="en-US" altLang="ja-JP" dirty="0" smtClean="0"/>
-              <a:t>DB</a:t>
-            </a:r>
-            <a:r>
-              <a:rPr kumimoji="1" lang="ja-JP" altLang="en-US" dirty="0" smtClean="0"/>
-              <a:t>を介してやり取りをするので、</a:t>
-            </a:r>
-            <a:r>
-              <a:rPr kumimoji="1" lang="en-US" altLang="ja-JP" dirty="0" smtClean="0"/>
-              <a:t>Web</a:t>
-            </a:r>
-            <a:r>
-              <a:rPr kumimoji="1" lang="ja-JP" altLang="en-US" dirty="0" smtClean="0"/>
-              <a:t>アプリケーションと機械学習の学習・予測を行う部分がそれぞれ独立しており</a:t>
-            </a:r>
-            <a:endParaRPr kumimoji="1" lang="en-US" altLang="ja-JP" dirty="0" smtClean="0"/>
-          </a:p>
-          <a:p>
-            <a:endParaRPr kumimoji="1" lang="en-US" altLang="ja-JP" dirty="0" smtClean="0"/>
-          </a:p>
-          <a:p>
-            <a:r>
-              <a:rPr kumimoji="1" lang="en-US" altLang="ja-JP" dirty="0" smtClean="0"/>
-              <a:t>Web</a:t>
-            </a:r>
-            <a:r>
-              <a:rPr kumimoji="1" lang="ja-JP" altLang="en-US" dirty="0" smtClean="0"/>
-              <a:t>アプリケーションと機械学習する部分で言語がそれぞれ異なっても良いことが大きなメリットです</a:t>
-            </a:r>
-            <a:r>
-              <a:rPr kumimoji="1" lang="ja-JP" altLang="en-US" dirty="0" smtClean="0"/>
-              <a:t>。</a:t>
-            </a:r>
-            <a:endParaRPr kumimoji="1" lang="en-US" altLang="ja-JP" dirty="0" smtClean="0"/>
-          </a:p>
-          <a:p>
-            <a:endParaRPr kumimoji="1" lang="en-US" altLang="ja-JP" dirty="0" smtClean="0"/>
-          </a:p>
-          <a:p>
-            <a:r>
-              <a:rPr kumimoji="1" lang="ja-JP" altLang="en-US" dirty="0" smtClean="0"/>
-              <a:t>このパターンの特徴は２つ書かれていました。</a:t>
-            </a:r>
-            <a:endParaRPr kumimoji="1" lang="en-US" altLang="ja-JP" dirty="0" smtClean="0"/>
-          </a:p>
-          <a:p>
-            <a:endParaRPr kumimoji="1" lang="en-US" altLang="ja-JP" dirty="0" smtClean="0"/>
-          </a:p>
-          <a:p>
-            <a:r>
-              <a:rPr kumimoji="1" lang="ja-JP" altLang="en-US" dirty="0" smtClean="0"/>
-              <a:t>１つは、予測に必要な情報は予測バッチ実行時に存在する、これは予測を一括で行うので予測で必要な情報が事前に存在しているってことですね</a:t>
-            </a:r>
-            <a:endParaRPr kumimoji="1" lang="en-US" altLang="ja-JP" dirty="0" smtClean="0"/>
-          </a:p>
-          <a:p>
-            <a:endParaRPr kumimoji="1" lang="en-US" altLang="ja-JP" dirty="0" smtClean="0"/>
-          </a:p>
-          <a:p>
-            <a:r>
-              <a:rPr kumimoji="1" lang="en-US" altLang="ja-JP" dirty="0" smtClean="0"/>
-              <a:t>2</a:t>
-            </a:r>
-            <a:r>
-              <a:rPr kumimoji="1" lang="ja-JP" altLang="en-US" dirty="0" smtClean="0"/>
-              <a:t>つ目は～～ということです、即時に予測結果を提供したい場合は、前の２つのパターンでやってるようにリアルタイム処理で予測をする必要があります</a:t>
-            </a:r>
+              <a:rPr lang="ja-JP" altLang="en-US" dirty="0" smtClean="0"/>
+              <a:t>アプリケーションとの結合が疎になることがメリットです。</a:t>
+            </a:r>
+            <a:endParaRPr lang="en-US" altLang="ja-JP" dirty="0" smtClean="0"/>
+          </a:p>
+          <a:p>
+            <a:pPr marL="0" marR="0" lvl="1" indent="0" algn="l" defTabSz="914400" rtl="0" eaLnBrk="1" fontAlgn="auto" latinLnBrk="0" hangingPunct="1">
+              <a:lnSpc>
+                <a:spcPct val="100000"/>
+              </a:lnSpc>
+              <a:spcBef>
+                <a:spcPts val="0"/>
+              </a:spcBef>
+              <a:spcAft>
+                <a:spcPts val="0"/>
+              </a:spcAft>
+              <a:buClrTx/>
+              <a:buSzTx/>
+              <a:buFontTx/>
+              <a:buNone/>
+              <a:tabLst/>
+              <a:defRPr/>
+            </a:pPr>
+            <a:endParaRPr lang="en-US" altLang="ja-JP" dirty="0" smtClean="0"/>
+          </a:p>
+          <a:p>
+            <a:pPr marL="0" marR="0" lvl="1" indent="0" algn="l" defTabSz="914400" rtl="0" eaLnBrk="1" fontAlgn="auto" latinLnBrk="0" hangingPunct="1">
+              <a:lnSpc>
+                <a:spcPct val="100000"/>
+              </a:lnSpc>
+              <a:spcBef>
+                <a:spcPts val="0"/>
+              </a:spcBef>
+              <a:spcAft>
+                <a:spcPts val="0"/>
+              </a:spcAft>
+              <a:buClrTx/>
+              <a:buSzTx/>
+              <a:buFontTx/>
+              <a:buNone/>
+              <a:tabLst/>
+              <a:defRPr/>
+            </a:pPr>
+            <a:r>
+              <a:rPr lang="ja-JP" altLang="en-US" dirty="0" smtClean="0"/>
+              <a:t>で、結合が疎になるから～～</a:t>
+            </a:r>
+            <a:endParaRPr lang="en-US" altLang="ja-JP" dirty="0" smtClean="0"/>
+          </a:p>
+          <a:p>
+            <a:pPr marL="0" marR="0" lvl="1" indent="0" algn="l" defTabSz="914400" rtl="0" eaLnBrk="1" fontAlgn="auto" latinLnBrk="0" hangingPunct="1">
+              <a:lnSpc>
+                <a:spcPct val="100000"/>
+              </a:lnSpc>
+              <a:spcBef>
+                <a:spcPts val="0"/>
+              </a:spcBef>
+              <a:spcAft>
+                <a:spcPts val="0"/>
+              </a:spcAft>
+              <a:buClrTx/>
+              <a:buSzTx/>
+              <a:buFontTx/>
+              <a:buNone/>
+              <a:tabLst/>
+              <a:defRPr/>
+            </a:pPr>
+            <a:endParaRPr lang="en-US" altLang="ja-JP" dirty="0" smtClean="0"/>
+          </a:p>
+          <a:p>
+            <a:pPr marL="0" marR="0" lvl="1" indent="0" algn="l" defTabSz="914400" rtl="0" eaLnBrk="1" fontAlgn="auto" latinLnBrk="0" hangingPunct="1">
+              <a:lnSpc>
+                <a:spcPct val="100000"/>
+              </a:lnSpc>
+              <a:spcBef>
+                <a:spcPts val="0"/>
+              </a:spcBef>
+              <a:spcAft>
+                <a:spcPts val="0"/>
+              </a:spcAft>
+              <a:buClrTx/>
+              <a:buSzTx/>
+              <a:buFontTx/>
+              <a:buNone/>
+              <a:tabLst/>
+              <a:defRPr/>
+            </a:pPr>
+            <a:r>
+              <a:rPr lang="ja-JP" altLang="en-US" dirty="0" smtClean="0"/>
+              <a:t>デメリットとしては、～～</a:t>
+            </a:r>
+            <a:endParaRPr lang="en-US" altLang="ja-JP" dirty="0" smtClean="0"/>
+          </a:p>
+          <a:p>
+            <a:pPr marL="0" marR="0" lvl="1" indent="0" algn="l" defTabSz="914400" rtl="0" eaLnBrk="1" fontAlgn="auto" latinLnBrk="0" hangingPunct="1">
+              <a:lnSpc>
+                <a:spcPct val="100000"/>
+              </a:lnSpc>
+              <a:spcBef>
+                <a:spcPts val="0"/>
+              </a:spcBef>
+              <a:spcAft>
+                <a:spcPts val="0"/>
+              </a:spcAft>
+              <a:buClrTx/>
+              <a:buSzTx/>
+              <a:buFontTx/>
+              <a:buNone/>
+              <a:tabLst/>
+              <a:defRPr/>
+            </a:pPr>
+            <a:endParaRPr lang="en-US" altLang="ja-JP" dirty="0" smtClean="0"/>
+          </a:p>
+          <a:p>
+            <a:pPr marL="0" marR="0" lvl="1" indent="0" algn="l" defTabSz="914400" rtl="0" eaLnBrk="1" fontAlgn="auto" latinLnBrk="0" hangingPunct="1">
+              <a:lnSpc>
+                <a:spcPct val="100000"/>
+              </a:lnSpc>
+              <a:spcBef>
+                <a:spcPts val="0"/>
+              </a:spcBef>
+              <a:spcAft>
+                <a:spcPts val="0"/>
+              </a:spcAft>
+              <a:buClrTx/>
+              <a:buSzTx/>
+              <a:buFontTx/>
+              <a:buNone/>
+              <a:tabLst/>
+              <a:defRPr/>
+            </a:pPr>
+            <a:endParaRPr lang="en-US" altLang="ja-JP" dirty="0" smtClean="0"/>
+          </a:p>
+          <a:p>
             <a:endParaRPr kumimoji="1" lang="ja-JP" altLang="en-US" dirty="0"/>
           </a:p>
         </p:txBody>
@@ -1845,7 +1846,7 @@
           <a:p>
             <a:fld id="{7D904524-672D-4E66-A637-CA0A2B28D555}" type="slidenum">
               <a:rPr kumimoji="1" lang="ja-JP" altLang="en-US" smtClean="0"/>
-              <a:t>15</a:t>
+              <a:t>14</a:t>
             </a:fld>
             <a:endParaRPr kumimoji="1" lang="ja-JP" altLang="en-US"/>
           </a:p>
@@ -1854,7 +1855,7 @@
     </p:spTree>
     <p:extLst>
       <p:ext uri="{BB962C8B-B14F-4D97-AF65-F5344CB8AC3E}">
-        <p14:creationId xmlns:p14="http://schemas.microsoft.com/office/powerpoint/2010/main" val="686770271"/>
+        <p14:creationId xmlns:p14="http://schemas.microsoft.com/office/powerpoint/2010/main" val="2715152401"/>
       </p:ext>
     </p:extLst>
   </p:cSld>
@@ -1910,11 +1911,7 @@
           <a:p>
             <a:r>
               <a:rPr kumimoji="1" lang="ja-JP" altLang="en-US" dirty="0" smtClean="0"/>
-              <a:t>・このパターンが用いられる</a:t>
-            </a:r>
-            <a:r>
-              <a:rPr kumimoji="1" lang="ja-JP" altLang="en-US" dirty="0" smtClean="0"/>
-              <a:t>場面ですね</a:t>
+              <a:t>最後のパターン３ですね。このパターンは～～という方法です</a:t>
             </a:r>
             <a:endParaRPr kumimoji="1" lang="en-US" altLang="ja-JP" dirty="0" smtClean="0"/>
           </a:p>
@@ -1924,44 +1921,27 @@
           <a:p>
             <a:r>
               <a:rPr kumimoji="1" lang="ja-JP" altLang="en-US" dirty="0" smtClean="0"/>
-              <a:t>前のスライドの特徴で予測結果を即時に返す必要にないといったように、予測の頻度が頻繁でない対象や結果に向いているパターンになります。</a:t>
-            </a:r>
-            <a:endParaRPr kumimoji="1" lang="en-US" altLang="ja-JP" dirty="0" smtClean="0"/>
-          </a:p>
-          <a:p>
-            <a:endParaRPr kumimoji="1" lang="en-US" altLang="ja-JP" dirty="0" smtClean="0"/>
-          </a:p>
-          <a:p>
-            <a:r>
-              <a:rPr kumimoji="1" lang="ja-JP" altLang="en-US" dirty="0" smtClean="0"/>
-              <a:t>具体的には、予測の頻度がおよそ一日一回以上、短くても数時間に一回程度で問題のない対象や結果に向いています。</a:t>
-            </a:r>
-            <a:endParaRPr kumimoji="1" lang="en-US" altLang="ja-JP" dirty="0" smtClean="0"/>
-          </a:p>
-          <a:p>
-            <a:endParaRPr kumimoji="1" lang="en-US" altLang="ja-JP" dirty="0" smtClean="0"/>
-          </a:p>
-          <a:p>
-            <a:r>
-              <a:rPr kumimoji="1" lang="ja-JP" altLang="en-US" dirty="0" smtClean="0"/>
-              <a:t>例としては、～～</a:t>
-            </a:r>
-            <a:endParaRPr kumimoji="1" lang="en-US" altLang="ja-JP" dirty="0" smtClean="0"/>
-          </a:p>
-          <a:p>
-            <a:endParaRPr kumimoji="1" lang="en-US" altLang="ja-JP" dirty="0" smtClean="0"/>
-          </a:p>
-          <a:p>
-            <a:endParaRPr kumimoji="1" lang="en-US" altLang="ja-JP" dirty="0" smtClean="0"/>
-          </a:p>
-          <a:p>
-            <a:r>
-              <a:rPr kumimoji="1" lang="ja-JP" altLang="en-US" dirty="0" smtClean="0"/>
-              <a:t>・</a:t>
-            </a:r>
-            <a:r>
-              <a:rPr kumimoji="1" lang="ja-JP" altLang="en-US" dirty="0" smtClean="0"/>
-              <a:t>メリットとしては、これはパターン２と同じなんですが～～ということで</a:t>
+              <a:t>前の</a:t>
+            </a:r>
+            <a:r>
+              <a:rPr kumimoji="1" lang="en-US" altLang="ja-JP" dirty="0" smtClean="0"/>
+              <a:t>2</a:t>
+            </a:r>
+            <a:r>
+              <a:rPr kumimoji="1" lang="ja-JP" altLang="en-US" dirty="0" err="1" smtClean="0"/>
+              <a:t>つの</a:t>
+            </a:r>
+            <a:r>
+              <a:rPr kumimoji="1" lang="ja-JP" altLang="en-US" dirty="0" smtClean="0"/>
+              <a:t>パターンとの違いとしては予測結果を</a:t>
+            </a:r>
+            <a:r>
+              <a:rPr kumimoji="1" lang="en-US" altLang="ja-JP" dirty="0" smtClean="0"/>
+              <a:t>DB</a:t>
+            </a:r>
+            <a:r>
+              <a:rPr kumimoji="1" lang="ja-JP" altLang="en-US" dirty="0" smtClean="0"/>
+              <a:t>経由で提供することですね</a:t>
             </a:r>
             <a:endParaRPr kumimoji="1" lang="en-US" altLang="ja-JP" dirty="0" smtClean="0"/>
           </a:p>
@@ -1975,43 +1955,97 @@
             </a:r>
             <a:r>
               <a:rPr kumimoji="1" lang="ja-JP" altLang="en-US" dirty="0" smtClean="0"/>
-              <a:t>アプロケーションで</a:t>
+              <a:t>アプリケーションで使い勝手の良いのはこの</a:t>
+            </a:r>
+            <a:r>
+              <a:rPr kumimoji="1" lang="ja-JP" altLang="en-US" dirty="0" smtClean="0"/>
+              <a:t>パターン</a:t>
+            </a:r>
+            <a:r>
+              <a:rPr kumimoji="1" lang="ja-JP" altLang="en-US" dirty="0" smtClean="0"/>
+              <a:t>で、一番初めに試すパターンとしてはこの方法が無難らしいです。</a:t>
+            </a:r>
+            <a:endParaRPr kumimoji="1" lang="en-US" altLang="ja-JP" dirty="0" smtClean="0"/>
+          </a:p>
+          <a:p>
+            <a:endParaRPr kumimoji="1" lang="en-US" altLang="ja-JP" dirty="0" smtClean="0"/>
+          </a:p>
+          <a:p>
+            <a:r>
+              <a:rPr kumimoji="1" lang="ja-JP" altLang="en-US" dirty="0" smtClean="0"/>
+              <a:t>分類問題などについて～～</a:t>
+            </a:r>
+            <a:endParaRPr kumimoji="1" lang="en-US" altLang="ja-JP" dirty="0" smtClean="0"/>
+          </a:p>
+          <a:p>
+            <a:endParaRPr kumimoji="1" lang="en-US" altLang="ja-JP" dirty="0" smtClean="0"/>
+          </a:p>
+          <a:p>
+            <a:r>
+              <a:rPr kumimoji="1" lang="ja-JP" altLang="en-US" dirty="0" smtClean="0"/>
+              <a:t>このパターンは</a:t>
+            </a:r>
+            <a:r>
+              <a:rPr kumimoji="1" lang="ja-JP" altLang="en-US" dirty="0" smtClean="0"/>
+              <a:t>、パターン２と同様に予測</a:t>
+            </a:r>
+            <a:r>
+              <a:rPr kumimoji="1" lang="ja-JP" altLang="en-US" dirty="0" smtClean="0"/>
+              <a:t>バッチとアプリケーションの間で</a:t>
             </a:r>
             <a:r>
               <a:rPr kumimoji="1" lang="en-US" altLang="ja-JP" dirty="0" smtClean="0"/>
-              <a:t>Ruby on Rails</a:t>
-            </a:r>
-            <a:r>
-              <a:rPr kumimoji="1" lang="ja-JP" altLang="en-US" dirty="0" smtClean="0"/>
-              <a:t>を</a:t>
-            </a:r>
-            <a:r>
-              <a:rPr kumimoji="1" lang="ja-JP" altLang="en-US" dirty="0" smtClean="0"/>
-              <a:t>使ってたと</a:t>
-            </a:r>
-            <a:r>
-              <a:rPr kumimoji="1" lang="ja-JP" altLang="en-US" dirty="0" smtClean="0"/>
-              <a:t>しても、特に気にすることなく</a:t>
+              <a:t>DB</a:t>
+            </a:r>
+            <a:r>
+              <a:rPr kumimoji="1" lang="ja-JP" altLang="en-US" dirty="0" smtClean="0"/>
+              <a:t>を介してやり取りをするので、</a:t>
             </a:r>
             <a:r>
               <a:rPr kumimoji="1" lang="en-US" altLang="ja-JP" dirty="0" smtClean="0"/>
-              <a:t>Python</a:t>
-            </a:r>
-            <a:r>
-              <a:rPr kumimoji="1" lang="ja-JP" altLang="en-US" dirty="0" smtClean="0"/>
-              <a:t>や</a:t>
-            </a:r>
+              <a:t>Web</a:t>
+            </a:r>
+            <a:r>
+              <a:rPr kumimoji="1" lang="ja-JP" altLang="en-US" dirty="0" smtClean="0"/>
+              <a:t>アプリケーションと機械学習の学習・予測を行う部分がそれぞれ独立しており</a:t>
+            </a:r>
+            <a:endParaRPr kumimoji="1" lang="en-US" altLang="ja-JP" dirty="0" smtClean="0"/>
+          </a:p>
+          <a:p>
+            <a:endParaRPr kumimoji="1" lang="en-US" altLang="ja-JP" dirty="0" smtClean="0"/>
+          </a:p>
+          <a:p>
             <a:r>
               <a:rPr kumimoji="1" lang="en-US" altLang="ja-JP" dirty="0" smtClean="0"/>
-              <a:t>R</a:t>
-            </a:r>
-            <a:r>
-              <a:rPr kumimoji="1" lang="ja-JP" altLang="en-US" dirty="0" smtClean="0"/>
-              <a:t>でバッチを書けるというメリットが</a:t>
-            </a:r>
-            <a:r>
-              <a:rPr kumimoji="1" lang="ja-JP" altLang="en-US" dirty="0" smtClean="0"/>
-              <a:t>あります</a:t>
+              <a:t>Web</a:t>
+            </a:r>
+            <a:r>
+              <a:rPr kumimoji="1" lang="ja-JP" altLang="en-US" dirty="0" smtClean="0"/>
+              <a:t>アプリケーションと機械学習する部分で言語がそれぞれ異なっても良いことが大きなメリットです</a:t>
+            </a:r>
+            <a:r>
+              <a:rPr kumimoji="1" lang="ja-JP" altLang="en-US" dirty="0" smtClean="0"/>
+              <a:t>。</a:t>
+            </a:r>
+            <a:endParaRPr kumimoji="1" lang="en-US" altLang="ja-JP" dirty="0" smtClean="0"/>
+          </a:p>
+          <a:p>
+            <a:endParaRPr kumimoji="1" lang="en-US" altLang="ja-JP" dirty="0" smtClean="0"/>
+          </a:p>
+          <a:p>
+            <a:r>
+              <a:rPr kumimoji="1" lang="ja-JP" altLang="en-US" dirty="0" smtClean="0"/>
+              <a:t>このパターンの特徴は２つ書かれていました。</a:t>
+            </a:r>
+            <a:endParaRPr kumimoji="1" lang="en-US" altLang="ja-JP" dirty="0" smtClean="0"/>
+          </a:p>
+          <a:p>
+            <a:endParaRPr kumimoji="1" lang="en-US" altLang="ja-JP" dirty="0" smtClean="0"/>
+          </a:p>
+          <a:p>
+            <a:r>
+              <a:rPr kumimoji="1" lang="ja-JP" altLang="en-US" dirty="0" smtClean="0"/>
+              <a:t>１つは、予測に必要な情報は予測バッチ実行時に存在する、これは予測を一括で行うので予測で必要な情報が事前に存在しているってことですね</a:t>
             </a:r>
             <a:endParaRPr kumimoji="1" lang="en-US" altLang="ja-JP" dirty="0" smtClean="0"/>
           </a:p>
@@ -2025,29 +2059,9 @@
             </a:r>
             <a:r>
               <a:rPr kumimoji="1" lang="ja-JP" altLang="en-US" dirty="0" smtClean="0"/>
-              <a:t>つ目は予測を一括で行うので、～～</a:t>
-            </a:r>
-            <a:endParaRPr kumimoji="1" lang="en-US" altLang="ja-JP" dirty="0" smtClean="0"/>
-          </a:p>
-          <a:p>
-            <a:endParaRPr kumimoji="1" lang="en-US" altLang="ja-JP" dirty="0" smtClean="0"/>
-          </a:p>
-          <a:p>
-            <a:r>
-              <a:rPr kumimoji="1" lang="ja-JP" altLang="en-US" dirty="0" smtClean="0"/>
-              <a:t>デメリットは、やっぱりバッチ処理で予測をするので～～ということです</a:t>
-            </a:r>
-            <a:endParaRPr kumimoji="1" lang="en-US" altLang="ja-JP" dirty="0" smtClean="0"/>
-          </a:p>
-          <a:p>
-            <a:endParaRPr kumimoji="1" lang="en-US" altLang="ja-JP" dirty="0" smtClean="0"/>
-          </a:p>
-          <a:p>
-            <a:r>
-              <a:rPr kumimoji="1" lang="ja-JP" altLang="en-US" dirty="0" smtClean="0"/>
-              <a:t>なので、全コンテンツに対して予測しなおすようなバッチの組み方をすると、データ量に増加に対して処理時間が予想以上に膨らんでしまい、日次のジョブでは終わらないようなことが起きるので注意が必要です</a:t>
-            </a:r>
-            <a:endParaRPr kumimoji="1" lang="en-US" altLang="ja-JP" dirty="0" smtClean="0"/>
+              <a:t>つ目は～～ということです、即時に予測結果を提供したい場合は、前の２つのパターンでやってるようにリアルタイム処理で予測をする必要があります</a:t>
+            </a:r>
+            <a:endParaRPr kumimoji="1" lang="ja-JP" altLang="en-US" dirty="0"/>
           </a:p>
         </p:txBody>
       </p:sp>
@@ -2068,7 +2082,7 @@
           <a:p>
             <a:fld id="{7D904524-672D-4E66-A637-CA0A2B28D555}" type="slidenum">
               <a:rPr kumimoji="1" lang="ja-JP" altLang="en-US" smtClean="0"/>
-              <a:t>16</a:t>
+              <a:t>15</a:t>
             </a:fld>
             <a:endParaRPr kumimoji="1" lang="ja-JP" altLang="en-US"/>
           </a:p>
@@ -2077,7 +2091,7 @@
     </p:spTree>
     <p:extLst>
       <p:ext uri="{BB962C8B-B14F-4D97-AF65-F5344CB8AC3E}">
-        <p14:creationId xmlns:p14="http://schemas.microsoft.com/office/powerpoint/2010/main" val="2801964498"/>
+        <p14:creationId xmlns:p14="http://schemas.microsoft.com/office/powerpoint/2010/main" val="686770271"/>
       </p:ext>
     </p:extLst>
   </p:cSld>
@@ -2133,7 +2147,11 @@
           <a:p>
             <a:r>
               <a:rPr kumimoji="1" lang="ja-JP" altLang="en-US" dirty="0" smtClean="0"/>
-              <a:t>パターン３の学習フェーズの概要ですね</a:t>
+              <a:t>・このパターンが用いられる</a:t>
+            </a:r>
+            <a:r>
+              <a:rPr kumimoji="1" lang="ja-JP" altLang="en-US" dirty="0" smtClean="0"/>
+              <a:t>場面ですね</a:t>
             </a:r>
             <a:endParaRPr kumimoji="1" lang="en-US" altLang="ja-JP" dirty="0" smtClean="0"/>
           </a:p>
@@ -2141,102 +2159,132 @@
             <a:endParaRPr kumimoji="1" lang="en-US" altLang="ja-JP" dirty="0" smtClean="0"/>
           </a:p>
           <a:p>
-            <a:pPr marL="0" marR="0" indent="0" algn="l" defTabSz="914400" rtl="0" eaLnBrk="1" fontAlgn="auto" latinLnBrk="0" hangingPunct="1">
-              <a:lnSpc>
-                <a:spcPct val="100000"/>
-              </a:lnSpc>
-              <a:spcBef>
-                <a:spcPts val="0"/>
-              </a:spcBef>
-              <a:spcAft>
-                <a:spcPts val="0"/>
-              </a:spcAft>
-              <a:buClrTx/>
-              <a:buSzTx/>
-              <a:buFontTx/>
-              <a:buNone/>
-              <a:tabLst/>
-              <a:defRPr/>
-            </a:pPr>
-            <a:r>
-              <a:rPr kumimoji="1" lang="ja-JP" altLang="en-US" dirty="0" smtClean="0"/>
-              <a:t>学習フェーズでは、</a:t>
-            </a:r>
+            <a:r>
+              <a:rPr kumimoji="1" lang="ja-JP" altLang="en-US" dirty="0" smtClean="0"/>
+              <a:t>前のスライドの特徴で予測結果を即時に返す必要にないといったように、予測の頻度が頻繁でない対象や結果に向いているパターンになります。</a:t>
+            </a:r>
+            <a:endParaRPr kumimoji="1" lang="en-US" altLang="ja-JP" dirty="0" smtClean="0"/>
+          </a:p>
+          <a:p>
+            <a:endParaRPr kumimoji="1" lang="en-US" altLang="ja-JP" dirty="0" smtClean="0"/>
+          </a:p>
+          <a:p>
+            <a:r>
+              <a:rPr kumimoji="1" lang="ja-JP" altLang="en-US" dirty="0" smtClean="0"/>
+              <a:t>具体的には、予測の頻度がおよそ一日一回以上、短くても数時間に一回程度で問題のない対象や結果に向いています。</a:t>
+            </a:r>
+            <a:endParaRPr kumimoji="1" lang="en-US" altLang="ja-JP" dirty="0" smtClean="0"/>
+          </a:p>
+          <a:p>
+            <a:endParaRPr kumimoji="1" lang="en-US" altLang="ja-JP" dirty="0" smtClean="0"/>
+          </a:p>
+          <a:p>
+            <a:r>
+              <a:rPr kumimoji="1" lang="ja-JP" altLang="en-US" dirty="0" smtClean="0"/>
+              <a:t>例としては、～～</a:t>
+            </a:r>
+            <a:endParaRPr kumimoji="1" lang="en-US" altLang="ja-JP" dirty="0" smtClean="0"/>
+          </a:p>
+          <a:p>
+            <a:endParaRPr kumimoji="1" lang="en-US" altLang="ja-JP" dirty="0" smtClean="0"/>
+          </a:p>
+          <a:p>
+            <a:endParaRPr kumimoji="1" lang="en-US" altLang="ja-JP" dirty="0" smtClean="0"/>
+          </a:p>
+          <a:p>
+            <a:r>
+              <a:rPr kumimoji="1" lang="ja-JP" altLang="en-US" dirty="0" smtClean="0"/>
+              <a:t>・</a:t>
+            </a:r>
+            <a:r>
+              <a:rPr kumimoji="1" lang="ja-JP" altLang="en-US" dirty="0" smtClean="0"/>
+              <a:t>メリットとしては、これはパターン２と同じなんですが～～ということで</a:t>
+            </a:r>
+            <a:endParaRPr kumimoji="1" lang="en-US" altLang="ja-JP" dirty="0" smtClean="0"/>
+          </a:p>
+          <a:p>
+            <a:endParaRPr kumimoji="1" lang="en-US" altLang="ja-JP" dirty="0" smtClean="0"/>
+          </a:p>
+          <a:p>
             <a:r>
               <a:rPr kumimoji="1" lang="en-US" altLang="ja-JP" dirty="0" smtClean="0"/>
-              <a:t>DB</a:t>
-            </a:r>
-            <a:r>
-              <a:rPr kumimoji="1" lang="ja-JP" altLang="en-US" dirty="0" smtClean="0"/>
-              <a:t>の中にある</a:t>
-            </a:r>
-            <a:r>
-              <a:rPr kumimoji="1" lang="ja-JP" altLang="en-US" sz="1200" dirty="0" smtClean="0">
-                <a:latin typeface="ＭＳ Ｐゴシック" panose="020B0600070205080204" pitchFamily="50" charset="-128"/>
-                <a:ea typeface="ＭＳ Ｐゴシック" panose="020B0600070205080204" pitchFamily="50" charset="-128"/>
-              </a:rPr>
-              <a:t>ログやユーザー情報から特徴を抽出してモデルを一括学習します。</a:t>
-            </a:r>
-            <a:endParaRPr kumimoji="1" lang="en-US" altLang="ja-JP" sz="1200" dirty="0" smtClean="0">
-              <a:latin typeface="ＭＳ Ｐゴシック" panose="020B0600070205080204" pitchFamily="50" charset="-128"/>
-              <a:ea typeface="ＭＳ Ｐゴシック" panose="020B0600070205080204" pitchFamily="50" charset="-128"/>
-            </a:endParaRPr>
-          </a:p>
-          <a:p>
-            <a:pPr marL="0" marR="0" indent="0" algn="l" defTabSz="914400" rtl="0" eaLnBrk="1" fontAlgn="auto" latinLnBrk="0" hangingPunct="1">
-              <a:lnSpc>
-                <a:spcPct val="100000"/>
-              </a:lnSpc>
-              <a:spcBef>
-                <a:spcPts val="0"/>
-              </a:spcBef>
-              <a:spcAft>
-                <a:spcPts val="0"/>
-              </a:spcAft>
-              <a:buClrTx/>
-              <a:buSzTx/>
-              <a:buFontTx/>
-              <a:buNone/>
-              <a:tabLst/>
-              <a:defRPr/>
-            </a:pPr>
-            <a:endParaRPr kumimoji="1" lang="en-US" altLang="ja-JP" sz="1200" dirty="0" smtClean="0">
-              <a:latin typeface="ＭＳ Ｐゴシック" panose="020B0600070205080204" pitchFamily="50" charset="-128"/>
-              <a:ea typeface="ＭＳ Ｐゴシック" panose="020B0600070205080204" pitchFamily="50" charset="-128"/>
-            </a:endParaRPr>
-          </a:p>
-          <a:p>
-            <a:pPr marL="0" marR="0" indent="0" algn="l" defTabSz="914400" rtl="0" eaLnBrk="1" fontAlgn="auto" latinLnBrk="0" hangingPunct="1">
-              <a:lnSpc>
-                <a:spcPct val="100000"/>
-              </a:lnSpc>
-              <a:spcBef>
-                <a:spcPts val="0"/>
-              </a:spcBef>
-              <a:spcAft>
-                <a:spcPts val="0"/>
-              </a:spcAft>
-              <a:buClrTx/>
-              <a:buSzTx/>
-              <a:buFontTx/>
-              <a:buNone/>
-              <a:tabLst/>
-              <a:defRPr/>
-            </a:pPr>
-            <a:r>
-              <a:rPr kumimoji="1" lang="ja-JP" altLang="en-US" sz="1200" dirty="0" smtClean="0">
-                <a:latin typeface="ＭＳ Ｐゴシック" panose="020B0600070205080204" pitchFamily="50" charset="-128"/>
-                <a:ea typeface="ＭＳ Ｐゴシック" panose="020B0600070205080204" pitchFamily="50" charset="-128"/>
-              </a:rPr>
-              <a:t>で、ここで構築した学習済みモデルを保存して予測フェーズで使用する</a:t>
-            </a:r>
-            <a:endParaRPr kumimoji="1" lang="en-US" altLang="ja-JP" sz="1200" dirty="0" smtClean="0">
-              <a:latin typeface="ＭＳ Ｐゴシック" panose="020B0600070205080204" pitchFamily="50" charset="-128"/>
-              <a:ea typeface="ＭＳ Ｐゴシック" panose="020B0600070205080204" pitchFamily="50" charset="-128"/>
-            </a:endParaRPr>
-          </a:p>
-          <a:p>
-            <a:endParaRPr kumimoji="1" lang="ja-JP" altLang="en-US" dirty="0"/>
+              <a:t>Web</a:t>
+            </a:r>
+            <a:r>
+              <a:rPr kumimoji="1" lang="ja-JP" altLang="en-US" dirty="0" smtClean="0"/>
+              <a:t>アプロケーションで</a:t>
+            </a:r>
+            <a:r>
+              <a:rPr kumimoji="1" lang="en-US" altLang="ja-JP" dirty="0" smtClean="0"/>
+              <a:t>Ruby on Rails</a:t>
+            </a:r>
+            <a:r>
+              <a:rPr kumimoji="1" lang="ja-JP" altLang="en-US" dirty="0" smtClean="0"/>
+              <a:t>を</a:t>
+            </a:r>
+            <a:r>
+              <a:rPr kumimoji="1" lang="ja-JP" altLang="en-US" dirty="0" smtClean="0"/>
+              <a:t>使ってたと</a:t>
+            </a:r>
+            <a:r>
+              <a:rPr kumimoji="1" lang="ja-JP" altLang="en-US" dirty="0" smtClean="0"/>
+              <a:t>しても、特に気にすることなく</a:t>
+            </a:r>
+            <a:r>
+              <a:rPr kumimoji="1" lang="en-US" altLang="ja-JP" dirty="0" smtClean="0"/>
+              <a:t>Python</a:t>
+            </a:r>
+            <a:r>
+              <a:rPr kumimoji="1" lang="ja-JP" altLang="en-US" dirty="0" smtClean="0"/>
+              <a:t>や</a:t>
+            </a:r>
+            <a:r>
+              <a:rPr kumimoji="1" lang="en-US" altLang="ja-JP" dirty="0" smtClean="0"/>
+              <a:t>R</a:t>
+            </a:r>
+            <a:r>
+              <a:rPr kumimoji="1" lang="ja-JP" altLang="en-US" dirty="0" smtClean="0"/>
+              <a:t>でバッチを書けるというメリットが</a:t>
+            </a:r>
+            <a:r>
+              <a:rPr kumimoji="1" lang="ja-JP" altLang="en-US" dirty="0" smtClean="0"/>
+              <a:t>あります</a:t>
+            </a:r>
+            <a:endParaRPr kumimoji="1" lang="en-US" altLang="ja-JP" dirty="0" smtClean="0"/>
+          </a:p>
+          <a:p>
+            <a:endParaRPr kumimoji="1" lang="en-US" altLang="ja-JP" dirty="0" smtClean="0"/>
+          </a:p>
+          <a:p>
+            <a:r>
+              <a:rPr kumimoji="1" lang="en-US" altLang="ja-JP" dirty="0" smtClean="0"/>
+              <a:t>2</a:t>
+            </a:r>
+            <a:r>
+              <a:rPr kumimoji="1" lang="ja-JP" altLang="en-US" dirty="0" smtClean="0"/>
+              <a:t>つ目は予測を一括で行うので、～～</a:t>
+            </a:r>
+            <a:endParaRPr kumimoji="1" lang="en-US" altLang="ja-JP" dirty="0" smtClean="0"/>
+          </a:p>
+          <a:p>
+            <a:endParaRPr kumimoji="1" lang="en-US" altLang="ja-JP" dirty="0" smtClean="0"/>
+          </a:p>
+          <a:p>
+            <a:r>
+              <a:rPr kumimoji="1" lang="ja-JP" altLang="en-US" dirty="0" smtClean="0"/>
+              <a:t>デメリットは、やっぱりバッチ処理で予測をするので～～ということです</a:t>
+            </a:r>
+            <a:endParaRPr kumimoji="1" lang="en-US" altLang="ja-JP" dirty="0" smtClean="0"/>
+          </a:p>
+          <a:p>
+            <a:endParaRPr kumimoji="1" lang="en-US" altLang="ja-JP" dirty="0" smtClean="0"/>
+          </a:p>
+          <a:p>
+            <a:r>
+              <a:rPr kumimoji="1" lang="ja-JP" altLang="en-US" dirty="0" smtClean="0"/>
+              <a:t>なので、全コンテンツに対して予測しなおすようなバッチの組み方をすると、データ量に増加に対して処理時間が予想以上に膨らんでしまい、日次のジョブでは終わらないようなことが起きるので注意が必要です</a:t>
+            </a:r>
+            <a:endParaRPr kumimoji="1" lang="en-US" altLang="ja-JP" dirty="0" smtClean="0"/>
           </a:p>
         </p:txBody>
       </p:sp>
@@ -2257,7 +2305,7 @@
           <a:p>
             <a:fld id="{7D904524-672D-4E66-A637-CA0A2B28D555}" type="slidenum">
               <a:rPr kumimoji="1" lang="ja-JP" altLang="en-US" smtClean="0"/>
-              <a:t>17</a:t>
+              <a:t>16</a:t>
             </a:fld>
             <a:endParaRPr kumimoji="1" lang="ja-JP" altLang="en-US"/>
           </a:p>
@@ -2266,7 +2314,7 @@
     </p:spTree>
     <p:extLst>
       <p:ext uri="{BB962C8B-B14F-4D97-AF65-F5344CB8AC3E}">
-        <p14:creationId xmlns:p14="http://schemas.microsoft.com/office/powerpoint/2010/main" val="3996026051"/>
+        <p14:creationId xmlns:p14="http://schemas.microsoft.com/office/powerpoint/2010/main" val="2801964498"/>
       </p:ext>
     </p:extLst>
   </p:cSld>
@@ -2322,7 +2370,7 @@
           <a:p>
             <a:r>
               <a:rPr kumimoji="1" lang="ja-JP" altLang="en-US" dirty="0" smtClean="0"/>
-              <a:t>パターン３の予測フェーズです</a:t>
+              <a:t>パターン３の学習フェーズの概要ですね</a:t>
             </a:r>
             <a:endParaRPr kumimoji="1" lang="en-US" altLang="ja-JP" dirty="0" smtClean="0"/>
           </a:p>
@@ -2330,80 +2378,99 @@
             <a:endParaRPr kumimoji="1" lang="en-US" altLang="ja-JP" dirty="0" smtClean="0"/>
           </a:p>
           <a:p>
-            <a:r>
-              <a:rPr kumimoji="1" lang="ja-JP" altLang="en-US" dirty="0" smtClean="0"/>
-              <a:t>先ほどの学習フェーズで完成したモデルを用いて予測を行います</a:t>
-            </a:r>
-            <a:endParaRPr kumimoji="1" lang="en-US" altLang="ja-JP" dirty="0" smtClean="0"/>
-          </a:p>
-          <a:p>
-            <a:endParaRPr kumimoji="1" lang="en-US" altLang="ja-JP" dirty="0" smtClean="0"/>
-          </a:p>
-          <a:p>
+            <a:pPr marL="0" marR="0" indent="0" algn="l" defTabSz="914400" rtl="0" eaLnBrk="1" fontAlgn="auto" latinLnBrk="0" hangingPunct="1">
+              <a:lnSpc>
+                <a:spcPct val="100000"/>
+              </a:lnSpc>
+              <a:spcBef>
+                <a:spcPts val="0"/>
+              </a:spcBef>
+              <a:spcAft>
+                <a:spcPts val="0"/>
+              </a:spcAft>
+              <a:buClrTx/>
+              <a:buSzTx/>
+              <a:buFontTx/>
+              <a:buNone/>
+              <a:tabLst/>
+              <a:defRPr/>
+            </a:pPr>
+            <a:r>
+              <a:rPr kumimoji="1" lang="ja-JP" altLang="en-US" dirty="0" smtClean="0"/>
+              <a:t>学習フェーズでは、</a:t>
+            </a:r>
             <a:r>
               <a:rPr kumimoji="1" lang="en-US" altLang="ja-JP" dirty="0" smtClean="0"/>
               <a:t>DB</a:t>
             </a:r>
             <a:r>
               <a:rPr kumimoji="1" lang="ja-JP" altLang="en-US" dirty="0" smtClean="0"/>
-              <a:t>の中のデータから特徴量を抽出し、予測します</a:t>
-            </a:r>
-            <a:endParaRPr kumimoji="1" lang="en-US" altLang="ja-JP" dirty="0" smtClean="0"/>
-          </a:p>
-          <a:p>
-            <a:endParaRPr kumimoji="1" lang="en-US" altLang="ja-JP" dirty="0" smtClean="0"/>
-          </a:p>
-          <a:p>
-            <a:r>
-              <a:rPr kumimoji="1" lang="ja-JP" altLang="en-US" dirty="0" smtClean="0"/>
-              <a:t>で、予測結果を</a:t>
-            </a:r>
-            <a:r>
-              <a:rPr kumimoji="1" lang="en-US" altLang="ja-JP" dirty="0" smtClean="0"/>
-              <a:t>Web</a:t>
-            </a:r>
-            <a:r>
-              <a:rPr kumimoji="1" lang="ja-JP" altLang="en-US" dirty="0" smtClean="0"/>
-              <a:t>アプリケーションで利用できる形にして</a:t>
-            </a:r>
-            <a:r>
-              <a:rPr kumimoji="1" lang="en-US" altLang="ja-JP" dirty="0" smtClean="0"/>
-              <a:t>DB</a:t>
-            </a:r>
-            <a:r>
-              <a:rPr kumimoji="1" lang="ja-JP" altLang="en-US" dirty="0" smtClean="0"/>
-              <a:t>に格納し、</a:t>
-            </a:r>
-            <a:r>
-              <a:rPr kumimoji="1" lang="en-US" altLang="ja-JP" dirty="0" smtClean="0"/>
-              <a:t>DB</a:t>
-            </a:r>
-            <a:r>
-              <a:rPr kumimoji="1" lang="ja-JP" altLang="en-US" dirty="0" smtClean="0"/>
-              <a:t>経由で予測結果を提供します</a:t>
-            </a:r>
-            <a:endParaRPr kumimoji="1" lang="en-US" altLang="ja-JP" dirty="0" smtClean="0"/>
-          </a:p>
-          <a:p>
-            <a:endParaRPr kumimoji="1" lang="en-US" altLang="ja-JP" dirty="0" smtClean="0"/>
-          </a:p>
-          <a:p>
-            <a:r>
-              <a:rPr kumimoji="1" lang="ja-JP" altLang="en-US" dirty="0" smtClean="0"/>
-              <a:t>この</a:t>
-            </a:r>
-            <a:r>
-              <a:rPr kumimoji="1" lang="ja-JP" altLang="en-US" dirty="0" smtClean="0"/>
-              <a:t>パターンは他のパターンと比べ、予測にかけられる時間に余裕があるのが特徴ですが、予測対象となるコンテンツが増えていく</a:t>
-            </a:r>
-            <a:r>
-              <a:rPr kumimoji="1" lang="ja-JP" altLang="en-US" dirty="0" smtClean="0"/>
-              <a:t>と</a:t>
-            </a:r>
-            <a:endParaRPr kumimoji="1" lang="en-US" altLang="ja-JP" dirty="0" smtClean="0"/>
-          </a:p>
-          <a:p>
-            <a:endParaRPr kumimoji="1" lang="en-US" altLang="ja-JP" dirty="0" smtClean="0"/>
+              <a:t>の中にある</a:t>
+            </a:r>
+            <a:r>
+              <a:rPr kumimoji="1" lang="ja-JP" altLang="en-US" sz="1200" dirty="0" smtClean="0">
+                <a:latin typeface="ＭＳ Ｐゴシック" panose="020B0600070205080204" pitchFamily="50" charset="-128"/>
+                <a:ea typeface="ＭＳ Ｐゴシック" panose="020B0600070205080204" pitchFamily="50" charset="-128"/>
+              </a:rPr>
+              <a:t>ログやユーザー情報から特徴を抽出してモデルを一括学習します。</a:t>
+            </a:r>
+            <a:endParaRPr kumimoji="1" lang="en-US" altLang="ja-JP" sz="1200" dirty="0" smtClean="0">
+              <a:latin typeface="ＭＳ Ｐゴシック" panose="020B0600070205080204" pitchFamily="50" charset="-128"/>
+              <a:ea typeface="ＭＳ Ｐゴシック" panose="020B0600070205080204" pitchFamily="50" charset="-128"/>
+            </a:endParaRPr>
+          </a:p>
+          <a:p>
+            <a:pPr marL="0" marR="0" indent="0" algn="l" defTabSz="914400" rtl="0" eaLnBrk="1" fontAlgn="auto" latinLnBrk="0" hangingPunct="1">
+              <a:lnSpc>
+                <a:spcPct val="100000"/>
+              </a:lnSpc>
+              <a:spcBef>
+                <a:spcPts val="0"/>
+              </a:spcBef>
+              <a:spcAft>
+                <a:spcPts val="0"/>
+              </a:spcAft>
+              <a:buClrTx/>
+              <a:buSzTx/>
+              <a:buFontTx/>
+              <a:buNone/>
+              <a:tabLst/>
+              <a:defRPr/>
+            </a:pPr>
+            <a:endParaRPr kumimoji="1" lang="en-US" altLang="ja-JP" sz="1200" dirty="0" smtClean="0">
+              <a:latin typeface="ＭＳ Ｐゴシック" panose="020B0600070205080204" pitchFamily="50" charset="-128"/>
+              <a:ea typeface="ＭＳ Ｐゴシック" panose="020B0600070205080204" pitchFamily="50" charset="-128"/>
+            </a:endParaRPr>
+          </a:p>
+          <a:p>
+            <a:pPr marL="0" marR="0" indent="0" algn="l" defTabSz="914400" rtl="0" eaLnBrk="1" fontAlgn="auto" latinLnBrk="0" hangingPunct="1">
+              <a:lnSpc>
+                <a:spcPct val="100000"/>
+              </a:lnSpc>
+              <a:spcBef>
+                <a:spcPts val="0"/>
+              </a:spcBef>
+              <a:spcAft>
+                <a:spcPts val="0"/>
+              </a:spcAft>
+              <a:buClrTx/>
+              <a:buSzTx/>
+              <a:buFontTx/>
+              <a:buNone/>
+              <a:tabLst/>
+              <a:defRPr/>
+            </a:pPr>
+            <a:r>
+              <a:rPr kumimoji="1" lang="ja-JP" altLang="en-US" sz="1200" dirty="0" smtClean="0">
+                <a:latin typeface="ＭＳ Ｐゴシック" panose="020B0600070205080204" pitchFamily="50" charset="-128"/>
+                <a:ea typeface="ＭＳ Ｐゴシック" panose="020B0600070205080204" pitchFamily="50" charset="-128"/>
+              </a:rPr>
+              <a:t>で、ここで構築した学習済みモデルを保存して予測フェーズで使用する</a:t>
+            </a:r>
+            <a:endParaRPr kumimoji="1" lang="en-US" altLang="ja-JP" sz="1200" dirty="0" smtClean="0">
+              <a:latin typeface="ＭＳ Ｐゴシック" panose="020B0600070205080204" pitchFamily="50" charset="-128"/>
+              <a:ea typeface="ＭＳ Ｐゴシック" panose="020B0600070205080204" pitchFamily="50" charset="-128"/>
+            </a:endParaRPr>
           </a:p>
           <a:p>
             <a:endParaRPr kumimoji="1" lang="ja-JP" altLang="en-US" dirty="0"/>
@@ -2427,7 +2494,7 @@
           <a:p>
             <a:fld id="{7D904524-672D-4E66-A637-CA0A2B28D555}" type="slidenum">
               <a:rPr kumimoji="1" lang="ja-JP" altLang="en-US" smtClean="0"/>
-              <a:t>18</a:t>
+              <a:t>17</a:t>
             </a:fld>
             <a:endParaRPr kumimoji="1" lang="ja-JP" altLang="en-US"/>
           </a:p>
@@ -2436,7 +2503,7 @@
     </p:spTree>
     <p:extLst>
       <p:ext uri="{BB962C8B-B14F-4D97-AF65-F5344CB8AC3E}">
-        <p14:creationId xmlns:p14="http://schemas.microsoft.com/office/powerpoint/2010/main" val="198928953"/>
+        <p14:creationId xmlns:p14="http://schemas.microsoft.com/office/powerpoint/2010/main" val="3996026051"/>
       </p:ext>
     </p:extLst>
   </p:cSld>
@@ -2492,8 +2559,90 @@
           <a:p>
             <a:r>
               <a:rPr kumimoji="1" lang="ja-JP" altLang="en-US" dirty="0" smtClean="0"/>
-              <a:t>これまで紹介した３つのパターンのまとめですね</a:t>
-            </a:r>
+              <a:t>パターン３の予測フェーズです</a:t>
+            </a:r>
+            <a:endParaRPr kumimoji="1" lang="en-US" altLang="ja-JP" dirty="0" smtClean="0"/>
+          </a:p>
+          <a:p>
+            <a:endParaRPr kumimoji="1" lang="en-US" altLang="ja-JP" dirty="0" smtClean="0"/>
+          </a:p>
+          <a:p>
+            <a:r>
+              <a:rPr kumimoji="1" lang="ja-JP" altLang="en-US" dirty="0" smtClean="0"/>
+              <a:t>先ほどの学習フェーズで完成したモデルを用いて予測を行います</a:t>
+            </a:r>
+            <a:endParaRPr kumimoji="1" lang="en-US" altLang="ja-JP" dirty="0" smtClean="0"/>
+          </a:p>
+          <a:p>
+            <a:endParaRPr kumimoji="1" lang="en-US" altLang="ja-JP" dirty="0" smtClean="0"/>
+          </a:p>
+          <a:p>
+            <a:r>
+              <a:rPr kumimoji="1" lang="en-US" altLang="ja-JP" dirty="0" smtClean="0"/>
+              <a:t>DB</a:t>
+            </a:r>
+            <a:r>
+              <a:rPr kumimoji="1" lang="ja-JP" altLang="en-US" dirty="0" smtClean="0"/>
+              <a:t>の中のデータから特徴量を抽出し、予測します</a:t>
+            </a:r>
+            <a:endParaRPr kumimoji="1" lang="en-US" altLang="ja-JP" dirty="0" smtClean="0"/>
+          </a:p>
+          <a:p>
+            <a:endParaRPr kumimoji="1" lang="en-US" altLang="ja-JP" dirty="0" smtClean="0"/>
+          </a:p>
+          <a:p>
+            <a:r>
+              <a:rPr kumimoji="1" lang="ja-JP" altLang="en-US" dirty="0" smtClean="0"/>
+              <a:t>で、予測結果を</a:t>
+            </a:r>
+            <a:r>
+              <a:rPr kumimoji="1" lang="en-US" altLang="ja-JP" dirty="0" smtClean="0"/>
+              <a:t>Web</a:t>
+            </a:r>
+            <a:r>
+              <a:rPr kumimoji="1" lang="ja-JP" altLang="en-US" dirty="0" smtClean="0"/>
+              <a:t>アプリケーションで利用できる形にして</a:t>
+            </a:r>
+            <a:r>
+              <a:rPr kumimoji="1" lang="en-US" altLang="ja-JP" dirty="0" smtClean="0"/>
+              <a:t>DB</a:t>
+            </a:r>
+            <a:r>
+              <a:rPr kumimoji="1" lang="ja-JP" altLang="en-US" dirty="0" smtClean="0"/>
+              <a:t>に格納し、</a:t>
+            </a:r>
+            <a:r>
+              <a:rPr kumimoji="1" lang="en-US" altLang="ja-JP" dirty="0" smtClean="0"/>
+              <a:t>DB</a:t>
+            </a:r>
+            <a:r>
+              <a:rPr kumimoji="1" lang="ja-JP" altLang="en-US" dirty="0" smtClean="0"/>
+              <a:t>経由で予測結果を提供します</a:t>
+            </a:r>
+            <a:endParaRPr kumimoji="1" lang="en-US" altLang="ja-JP" dirty="0" smtClean="0"/>
+          </a:p>
+          <a:p>
+            <a:endParaRPr kumimoji="1" lang="en-US" altLang="ja-JP" dirty="0" smtClean="0"/>
+          </a:p>
+          <a:p>
+            <a:r>
+              <a:rPr kumimoji="1" lang="ja-JP" altLang="en-US" dirty="0" smtClean="0"/>
+              <a:t>この</a:t>
+            </a:r>
+            <a:r>
+              <a:rPr kumimoji="1" lang="ja-JP" altLang="en-US" dirty="0" smtClean="0"/>
+              <a:t>パターンは他のパターンと比べ、予測にかけられる時間に余裕があるのが特徴ですが、予測対象となるコンテンツが増えていく</a:t>
+            </a:r>
+            <a:r>
+              <a:rPr kumimoji="1" lang="ja-JP" altLang="en-US" dirty="0" smtClean="0"/>
+              <a:t>と</a:t>
+            </a:r>
+            <a:endParaRPr kumimoji="1" lang="en-US" altLang="ja-JP" dirty="0" smtClean="0"/>
+          </a:p>
+          <a:p>
+            <a:endParaRPr kumimoji="1" lang="en-US" altLang="ja-JP" dirty="0" smtClean="0"/>
+          </a:p>
+          <a:p>
             <a:endParaRPr kumimoji="1" lang="ja-JP" altLang="en-US" dirty="0"/>
           </a:p>
         </p:txBody>
@@ -2515,7 +2664,7 @@
           <a:p>
             <a:fld id="{7D904524-672D-4E66-A637-CA0A2B28D555}" type="slidenum">
               <a:rPr kumimoji="1" lang="ja-JP" altLang="en-US" smtClean="0"/>
-              <a:t>19</a:t>
+              <a:t>18</a:t>
             </a:fld>
             <a:endParaRPr kumimoji="1" lang="ja-JP" altLang="en-US"/>
           </a:p>
@@ -2524,7 +2673,7 @@
     </p:spTree>
     <p:extLst>
       <p:ext uri="{BB962C8B-B14F-4D97-AF65-F5344CB8AC3E}">
-        <p14:creationId xmlns:p14="http://schemas.microsoft.com/office/powerpoint/2010/main" val="2390412628"/>
+        <p14:creationId xmlns:p14="http://schemas.microsoft.com/office/powerpoint/2010/main" val="198928953"/>
       </p:ext>
     </p:extLst>
   </p:cSld>
@@ -2580,101 +2729,9 @@
           <a:p>
             <a:r>
               <a:rPr kumimoji="1" lang="ja-JP" altLang="en-US" dirty="0" smtClean="0"/>
-              <a:t>最後の節は、ログの設計ですね</a:t>
-            </a:r>
-            <a:endParaRPr kumimoji="1" lang="en-US" altLang="ja-JP" dirty="0" smtClean="0"/>
-          </a:p>
-          <a:p>
-            <a:endParaRPr kumimoji="1" lang="en-US" altLang="ja-JP" dirty="0" smtClean="0"/>
-          </a:p>
-          <a:p>
-            <a:r>
-              <a:rPr kumimoji="1" lang="ja-JP" altLang="en-US" dirty="0" smtClean="0"/>
-              <a:t>ログの設計とは、機械学習システムで必要な教師データをどのように取得するかを設計することです。</a:t>
-            </a:r>
-            <a:endParaRPr kumimoji="1" lang="en-US" altLang="ja-JP" dirty="0" smtClean="0"/>
-          </a:p>
-          <a:p>
-            <a:endParaRPr kumimoji="1" lang="en-US" altLang="ja-JP" dirty="0" smtClean="0"/>
-          </a:p>
-          <a:p>
-            <a:r>
-              <a:rPr kumimoji="1" lang="ja-JP" altLang="en-US" dirty="0" smtClean="0"/>
-              <a:t>ここでいうログとは、具体的には、</a:t>
-            </a:r>
-            <a:endParaRPr kumimoji="1" lang="en-US" altLang="ja-JP" dirty="0" smtClean="0"/>
-          </a:p>
-          <a:p>
-            <a:r>
-              <a:rPr kumimoji="1" lang="ja-JP" altLang="en-US" dirty="0" smtClean="0"/>
-              <a:t>・</a:t>
-            </a:r>
-            <a:r>
-              <a:rPr kumimoji="1" lang="en-US" altLang="ja-JP" dirty="0" smtClean="0"/>
-              <a:t>Web</a:t>
-            </a:r>
-            <a:r>
-              <a:rPr kumimoji="1" lang="ja-JP" altLang="en-US" dirty="0" smtClean="0"/>
-              <a:t>サーバのアプリケーションログ　や</a:t>
-            </a:r>
-            <a:endParaRPr kumimoji="1" lang="en-US" altLang="ja-JP" dirty="0" smtClean="0"/>
-          </a:p>
-          <a:p>
-            <a:r>
-              <a:rPr kumimoji="1" lang="ja-JP" altLang="en-US" dirty="0" smtClean="0"/>
-              <a:t>・どこをどうクリックしたかなどのユーザの行動ログ　</a:t>
-            </a:r>
-            <a:endParaRPr kumimoji="1" lang="en-US" altLang="ja-JP" dirty="0" smtClean="0"/>
-          </a:p>
-          <a:p>
-            <a:r>
-              <a:rPr kumimoji="1" lang="ja-JP" altLang="en-US" dirty="0" smtClean="0"/>
-              <a:t>を指します</a:t>
-            </a:r>
-            <a:endParaRPr kumimoji="1" lang="en-US" altLang="ja-JP" dirty="0" smtClean="0"/>
-          </a:p>
-          <a:p>
-            <a:endParaRPr kumimoji="1" lang="en-US" altLang="ja-JP" dirty="0" smtClean="0"/>
-          </a:p>
-          <a:p>
-            <a:r>
-              <a:rPr kumimoji="1" lang="ja-JP" altLang="en-US" dirty="0" smtClean="0"/>
-              <a:t>ログには、～～や～～といった特徴があり、システムに組み込みにあたっては様々なコツがあるらしいです</a:t>
-            </a:r>
-            <a:r>
-              <a:rPr kumimoji="1" lang="ja-JP" altLang="en-US" dirty="0" smtClean="0"/>
-              <a:t>。</a:t>
-            </a:r>
-            <a:endParaRPr kumimoji="1" lang="en-US" altLang="ja-JP" dirty="0" smtClean="0"/>
-          </a:p>
-          <a:p>
-            <a:endParaRPr kumimoji="1" lang="en-US" altLang="ja-JP" dirty="0" smtClean="0"/>
-          </a:p>
-          <a:p>
-            <a:r>
-              <a:rPr kumimoji="1" lang="ja-JP" altLang="en-US" dirty="0" smtClean="0"/>
-              <a:t>で、特徴量や教師データに使えそうな情報として、この本ではこの３つを紹介しています。</a:t>
-            </a:r>
-            <a:endParaRPr kumimoji="1" lang="en-US" altLang="ja-JP" dirty="0" smtClean="0"/>
-          </a:p>
-          <a:p>
-            <a:endParaRPr kumimoji="1" lang="en-US" altLang="ja-JP" dirty="0" smtClean="0"/>
-          </a:p>
-          <a:p>
-            <a:r>
-              <a:rPr kumimoji="1" lang="ja-JP" altLang="en-US" dirty="0" smtClean="0"/>
-              <a:t>ユーザー情報は性別や年齢などで、コンテンツ情報はブログの記事とかですね、ユーザーの鼓動ログは、ユーザーがどのページにアクセスしたかやどの商品をクリックしたかとかの情報です</a:t>
-            </a:r>
-            <a:endParaRPr kumimoji="1" lang="en-US" altLang="ja-JP" dirty="0" smtClean="0"/>
-          </a:p>
-          <a:p>
-            <a:endParaRPr kumimoji="1" lang="en-US" altLang="ja-JP" dirty="0" smtClean="0"/>
-          </a:p>
-          <a:p>
-            <a:endParaRPr kumimoji="1" lang="en-US" altLang="ja-JP" dirty="0" smtClean="0"/>
-          </a:p>
-          <a:p>
-            <a:endParaRPr kumimoji="1" lang="en-US" altLang="ja-JP" dirty="0" smtClean="0"/>
+              <a:t>これまで紹介した３つのパターンのまとめですね</a:t>
+            </a:r>
+            <a:endParaRPr kumimoji="1" lang="ja-JP" altLang="en-US" dirty="0"/>
           </a:p>
         </p:txBody>
       </p:sp>
@@ -2695,7 +2752,7 @@
           <a:p>
             <a:fld id="{7D904524-672D-4E66-A637-CA0A2B28D555}" type="slidenum">
               <a:rPr kumimoji="1" lang="ja-JP" altLang="en-US" smtClean="0"/>
-              <a:t>20</a:t>
+              <a:t>19</a:t>
             </a:fld>
             <a:endParaRPr kumimoji="1" lang="ja-JP" altLang="en-US"/>
           </a:p>
@@ -2704,7 +2761,7 @@
     </p:spTree>
     <p:extLst>
       <p:ext uri="{BB962C8B-B14F-4D97-AF65-F5344CB8AC3E}">
-        <p14:creationId xmlns:p14="http://schemas.microsoft.com/office/powerpoint/2010/main" val="3081659053"/>
+        <p14:creationId xmlns:p14="http://schemas.microsoft.com/office/powerpoint/2010/main" val="2390412628"/>
       </p:ext>
     </p:extLst>
   </p:cSld>
@@ -2760,35 +2817,7 @@
           <a:p>
             <a:r>
               <a:rPr kumimoji="1" lang="ja-JP" altLang="en-US" dirty="0" smtClean="0"/>
-              <a:t>次は、機械学習プロジェクトの流れです。</a:t>
-            </a:r>
-            <a:endParaRPr kumimoji="1" lang="en-US" altLang="ja-JP" dirty="0" smtClean="0"/>
-          </a:p>
-          <a:p>
-            <a:endParaRPr kumimoji="1" lang="en-US" altLang="ja-JP" dirty="0" smtClean="0"/>
-          </a:p>
-          <a:p>
-            <a:r>
-              <a:rPr kumimoji="1" lang="ja-JP" altLang="en-US" dirty="0" smtClean="0"/>
-              <a:t>実際の機械学習を含めたプロジェクトを開始する際には、以下のような流れで進めて行きます。</a:t>
-            </a:r>
-            <a:endParaRPr kumimoji="1" lang="en-US" altLang="ja-JP" dirty="0" smtClean="0"/>
-          </a:p>
-          <a:p>
-            <a:endParaRPr kumimoji="1" lang="en-US" altLang="ja-JP" dirty="0" smtClean="0"/>
-          </a:p>
-          <a:p>
-            <a:r>
-              <a:rPr kumimoji="1" lang="ja-JP" altLang="en-US" dirty="0" smtClean="0"/>
-              <a:t>ビジネスで使う機械学習プロジェクトはこんな感じの流れなのですが、機械学習をつかった理論的な研究では、</a:t>
-            </a:r>
-            <a:r>
-              <a:rPr kumimoji="1" lang="en-US" altLang="ja-JP" dirty="0" smtClean="0"/>
-              <a:t>4,5,6,7</a:t>
-            </a:r>
-            <a:r>
-              <a:rPr kumimoji="1" lang="ja-JP" altLang="en-US" dirty="0" smtClean="0"/>
-              <a:t>が中心になることが多いそうです。</a:t>
+              <a:t>目次はこんな感じになります</a:t>
             </a:r>
             <a:endParaRPr kumimoji="1" lang="ja-JP" altLang="en-US" dirty="0"/>
           </a:p>
@@ -2809,18 +2838,18 @@
           <a:bodyPr/>
           <a:lstStyle/>
           <a:p>
-            <a:fld id="{24A390C7-6BBC-453F-82CB-FDF7B3D50C2A}" type="slidenum">
+            <a:fld id="{7D904524-672D-4E66-A637-CA0A2B28D555}" type="slidenum">
               <a:rPr kumimoji="1" lang="ja-JP" altLang="en-US" smtClean="0"/>
-              <a:t>3</a:t>
+              <a:t>2</a:t>
             </a:fld>
-            <a:endParaRPr kumimoji="1" lang="ja-JP" altLang="en-US" dirty="0"/>
+            <a:endParaRPr kumimoji="1" lang="ja-JP" altLang="en-US"/>
           </a:p>
         </p:txBody>
       </p:sp>
     </p:spTree>
     <p:extLst>
       <p:ext uri="{BB962C8B-B14F-4D97-AF65-F5344CB8AC3E}">
-        <p14:creationId xmlns:p14="http://schemas.microsoft.com/office/powerpoint/2010/main" val="3217156783"/>
+        <p14:creationId xmlns:p14="http://schemas.microsoft.com/office/powerpoint/2010/main" val="1206939080"/>
       </p:ext>
     </p:extLst>
   </p:cSld>
@@ -2874,134 +2903,103 @@
           <a:bodyPr/>
           <a:lstStyle/>
           <a:p>
-            <a:endParaRPr kumimoji="1" lang="en-US" altLang="ja-JP" sz="1200" b="0" i="0" kern="1200" dirty="0" smtClean="0">
-              <a:solidFill>
-                <a:schemeClr val="tx1"/>
-              </a:solidFill>
-              <a:effectLst/>
-              <a:latin typeface="+mn-lt"/>
-              <a:ea typeface="+mn-ea"/>
-              <a:cs typeface="+mn-cs"/>
-            </a:endParaRPr>
-          </a:p>
-          <a:p>
-            <a:endParaRPr kumimoji="1" lang="en-US" altLang="ja-JP" sz="1200" b="1" i="0" kern="1200" dirty="0" smtClean="0">
-              <a:solidFill>
-                <a:schemeClr val="tx1"/>
-              </a:solidFill>
-              <a:effectLst/>
-              <a:latin typeface="+mn-lt"/>
-              <a:ea typeface="+mn-ea"/>
-              <a:cs typeface="+mn-cs"/>
-            </a:endParaRPr>
-          </a:p>
-          <a:p>
-            <a:r>
-              <a:rPr kumimoji="1" lang="ja-JP" altLang="en-US" sz="1200" b="1" i="0" kern="1200" dirty="0" smtClean="0">
-                <a:solidFill>
-                  <a:schemeClr val="tx1"/>
-                </a:solidFill>
-                <a:effectLst/>
-                <a:latin typeface="+mn-lt"/>
-                <a:ea typeface="+mn-ea"/>
-                <a:cs typeface="+mn-cs"/>
-              </a:rPr>
-              <a:t>分散</a:t>
-            </a:r>
-            <a:r>
-              <a:rPr kumimoji="1" lang="ja-JP" altLang="en-US" sz="1200" b="1" i="0" kern="1200" dirty="0" smtClean="0">
-                <a:solidFill>
-                  <a:schemeClr val="tx1"/>
-                </a:solidFill>
-                <a:effectLst/>
-                <a:latin typeface="+mn-lt"/>
-                <a:ea typeface="+mn-ea"/>
-                <a:cs typeface="+mn-cs"/>
-              </a:rPr>
-              <a:t>データベース</a:t>
-            </a:r>
-            <a:r>
-              <a:rPr kumimoji="1" lang="ja-JP" altLang="en-US" sz="1200" b="0" i="0" kern="1200" dirty="0" smtClean="0">
-                <a:solidFill>
-                  <a:schemeClr val="tx1"/>
-                </a:solidFill>
-                <a:effectLst/>
-                <a:latin typeface="+mn-lt"/>
-                <a:ea typeface="+mn-ea"/>
-                <a:cs typeface="+mn-cs"/>
-              </a:rPr>
-              <a:t>は、ネットワーク上に複数存在するデータベースを、あたかも一つのデータベースであるように利用する仕組み</a:t>
-            </a:r>
-            <a:r>
-              <a:rPr kumimoji="1" lang="ja-JP" altLang="en-US" sz="1200" b="0" i="0" kern="1200" dirty="0" smtClean="0">
-                <a:solidFill>
-                  <a:schemeClr val="tx1"/>
-                </a:solidFill>
-                <a:effectLst/>
-                <a:latin typeface="+mn-lt"/>
-                <a:ea typeface="+mn-ea"/>
-                <a:cs typeface="+mn-cs"/>
-              </a:rPr>
-              <a:t>です</a:t>
-            </a:r>
-            <a:endParaRPr kumimoji="1" lang="en-US" altLang="ja-JP" sz="1200" b="0" i="0" kern="1200" dirty="0" smtClean="0">
-              <a:solidFill>
-                <a:schemeClr val="tx1"/>
-              </a:solidFill>
-              <a:effectLst/>
-              <a:latin typeface="+mn-lt"/>
-              <a:ea typeface="+mn-ea"/>
-              <a:cs typeface="+mn-cs"/>
-            </a:endParaRPr>
-          </a:p>
-          <a:p>
-            <a:endParaRPr kumimoji="1" lang="en-US" altLang="ja-JP" sz="1200" b="0" i="0" kern="1200" dirty="0" smtClean="0">
-              <a:solidFill>
-                <a:schemeClr val="tx1"/>
-              </a:solidFill>
-              <a:effectLst/>
-              <a:latin typeface="+mn-lt"/>
-              <a:ea typeface="+mn-ea"/>
-              <a:cs typeface="+mn-cs"/>
-            </a:endParaRPr>
-          </a:p>
-          <a:p>
-            <a:pPr marL="0" marR="0" lvl="2" indent="0" algn="l" defTabSz="914400" rtl="0" eaLnBrk="1" fontAlgn="auto" latinLnBrk="0" hangingPunct="1">
-              <a:lnSpc>
-                <a:spcPct val="100000"/>
-              </a:lnSpc>
-              <a:spcBef>
-                <a:spcPts val="0"/>
-              </a:spcBef>
-              <a:spcAft>
-                <a:spcPts val="0"/>
-              </a:spcAft>
-              <a:buClrTx/>
-              <a:buSzTx/>
-              <a:buFontTx/>
-              <a:buNone/>
-              <a:tabLst/>
-              <a:defRPr/>
-            </a:pPr>
-            <a:r>
-              <a:rPr kumimoji="1" lang="en-US" altLang="ja-JP" b="1" dirty="0" smtClean="0"/>
-              <a:t>HDFS</a:t>
-            </a:r>
-            <a:r>
-              <a:rPr kumimoji="1" lang="ja-JP" altLang="en-US" dirty="0" smtClean="0"/>
-              <a:t>：</a:t>
-            </a:r>
-            <a:r>
-              <a:rPr lang="ja-JP" altLang="en-US" dirty="0" smtClean="0"/>
-              <a:t>管理するファイルの読み書きを高速化するために，大きなファイルを一定のブロックに分割し，複数の記憶装置に分散して保存</a:t>
-            </a:r>
-            <a:endParaRPr lang="en-US" altLang="ja-JP" dirty="0" smtClean="0"/>
-          </a:p>
-          <a:p>
+            <a:r>
+              <a:rPr kumimoji="1" lang="ja-JP" altLang="en-US" dirty="0" smtClean="0"/>
+              <a:t>最後の節は、ログの設計ですね</a:t>
+            </a:r>
             <a:endParaRPr kumimoji="1" lang="en-US" altLang="ja-JP" dirty="0" smtClean="0"/>
           </a:p>
           <a:p>
-            <a:endParaRPr kumimoji="1" lang="ja-JP" altLang="en-US" dirty="0"/>
+            <a:endParaRPr kumimoji="1" lang="en-US" altLang="ja-JP" dirty="0" smtClean="0"/>
+          </a:p>
+          <a:p>
+            <a:r>
+              <a:rPr kumimoji="1" lang="ja-JP" altLang="en-US" dirty="0" smtClean="0"/>
+              <a:t>ログの設計とは、機械学習システムで必要な教師データをどのように取得するかを設計することです。</a:t>
+            </a:r>
+            <a:endParaRPr kumimoji="1" lang="en-US" altLang="ja-JP" dirty="0" smtClean="0"/>
+          </a:p>
+          <a:p>
+            <a:endParaRPr kumimoji="1" lang="en-US" altLang="ja-JP" dirty="0" smtClean="0"/>
+          </a:p>
+          <a:p>
+            <a:r>
+              <a:rPr kumimoji="1" lang="ja-JP" altLang="en-US" dirty="0" smtClean="0"/>
+              <a:t>ここでいうログとは、具体的には、</a:t>
+            </a:r>
+            <a:endParaRPr kumimoji="1" lang="en-US" altLang="ja-JP" dirty="0" smtClean="0"/>
+          </a:p>
+          <a:p>
+            <a:r>
+              <a:rPr kumimoji="1" lang="ja-JP" altLang="en-US" dirty="0" smtClean="0"/>
+              <a:t>・</a:t>
+            </a:r>
+            <a:r>
+              <a:rPr kumimoji="1" lang="en-US" altLang="ja-JP" dirty="0" smtClean="0"/>
+              <a:t>Web</a:t>
+            </a:r>
+            <a:r>
+              <a:rPr kumimoji="1" lang="ja-JP" altLang="en-US" dirty="0" smtClean="0"/>
+              <a:t>サーバのアプリケーションログ　や</a:t>
+            </a:r>
+            <a:endParaRPr kumimoji="1" lang="en-US" altLang="ja-JP" dirty="0" smtClean="0"/>
+          </a:p>
+          <a:p>
+            <a:r>
+              <a:rPr kumimoji="1" lang="ja-JP" altLang="en-US" dirty="0" smtClean="0"/>
+              <a:t>・どこをどうクリックしたかなどのユーザの行動ログ　</a:t>
+            </a:r>
+            <a:endParaRPr kumimoji="1" lang="en-US" altLang="ja-JP" dirty="0" smtClean="0"/>
+          </a:p>
+          <a:p>
+            <a:r>
+              <a:rPr kumimoji="1" lang="ja-JP" altLang="en-US" dirty="0" smtClean="0"/>
+              <a:t>を指します</a:t>
+            </a:r>
+            <a:endParaRPr kumimoji="1" lang="en-US" altLang="ja-JP" dirty="0" smtClean="0"/>
+          </a:p>
+          <a:p>
+            <a:endParaRPr kumimoji="1" lang="en-US" altLang="ja-JP" dirty="0" smtClean="0"/>
+          </a:p>
+          <a:p>
+            <a:r>
+              <a:rPr kumimoji="1" lang="ja-JP" altLang="en-US" dirty="0" smtClean="0"/>
+              <a:t>ログには、～～や～～といった特徴があり、システムに組み込みにあたっては様々なコツがあるらしいです</a:t>
+            </a:r>
+            <a:r>
+              <a:rPr kumimoji="1" lang="ja-JP" altLang="en-US" dirty="0" smtClean="0"/>
+              <a:t>。</a:t>
+            </a:r>
+            <a:endParaRPr kumimoji="1" lang="en-US" altLang="ja-JP" dirty="0" smtClean="0"/>
+          </a:p>
+          <a:p>
+            <a:endParaRPr kumimoji="1" lang="en-US" altLang="ja-JP" dirty="0" smtClean="0"/>
+          </a:p>
+          <a:p>
+            <a:r>
+              <a:rPr kumimoji="1" lang="ja-JP" altLang="en-US" dirty="0" smtClean="0"/>
+              <a:t>で、特徴量や教師データに使えそうな情報として、この本ではこの３つを紹介しています。</a:t>
+            </a:r>
+            <a:endParaRPr kumimoji="1" lang="en-US" altLang="ja-JP" dirty="0" smtClean="0"/>
+          </a:p>
+          <a:p>
+            <a:endParaRPr kumimoji="1" lang="en-US" altLang="ja-JP" dirty="0" smtClean="0"/>
+          </a:p>
+          <a:p>
+            <a:r>
+              <a:rPr kumimoji="1" lang="ja-JP" altLang="en-US" dirty="0" smtClean="0"/>
+              <a:t>ユーザー情報は性別や年齢などで、コンテンツ情報はブログの記事とかですね、ユーザーの鼓動ログは、ユーザーがどのページにアクセスしたかやどの商品をクリックしたかとかの情報です</a:t>
+            </a:r>
+            <a:endParaRPr kumimoji="1" lang="en-US" altLang="ja-JP" dirty="0" smtClean="0"/>
+          </a:p>
+          <a:p>
+            <a:endParaRPr kumimoji="1" lang="en-US" altLang="ja-JP" dirty="0" smtClean="0"/>
+          </a:p>
+          <a:p>
+            <a:endParaRPr kumimoji="1" lang="en-US" altLang="ja-JP" dirty="0" smtClean="0"/>
+          </a:p>
+          <a:p>
+            <a:endParaRPr kumimoji="1" lang="en-US" altLang="ja-JP" dirty="0" smtClean="0"/>
           </a:p>
         </p:txBody>
       </p:sp>
@@ -3022,7 +3020,7 @@
           <a:p>
             <a:fld id="{7D904524-672D-4E66-A637-CA0A2B28D555}" type="slidenum">
               <a:rPr kumimoji="1" lang="ja-JP" altLang="en-US" smtClean="0"/>
-              <a:t>21</a:t>
+              <a:t>20</a:t>
             </a:fld>
             <a:endParaRPr kumimoji="1" lang="ja-JP" altLang="en-US"/>
           </a:p>
@@ -3031,7 +3029,7 @@
     </p:spTree>
     <p:extLst>
       <p:ext uri="{BB962C8B-B14F-4D97-AF65-F5344CB8AC3E}">
-        <p14:creationId xmlns:p14="http://schemas.microsoft.com/office/powerpoint/2010/main" val="2930396017"/>
+        <p14:creationId xmlns:p14="http://schemas.microsoft.com/office/powerpoint/2010/main" val="3081659053"/>
       </p:ext>
     </p:extLst>
   </p:cSld>
@@ -3086,6 +3084,494 @@
           <a:lstStyle/>
           <a:p>
             <a:r>
+              <a:rPr kumimoji="1" lang="ja-JP" altLang="en-US" sz="1200" b="0" i="0" kern="1200" dirty="0" smtClean="0">
+                <a:solidFill>
+                  <a:schemeClr val="tx1"/>
+                </a:solidFill>
+                <a:effectLst/>
+                <a:latin typeface="+mn-lt"/>
+                <a:ea typeface="+mn-ea"/>
+                <a:cs typeface="+mn-cs"/>
+              </a:rPr>
+              <a:t>ログを保持する場所ですね</a:t>
+            </a:r>
+            <a:endParaRPr kumimoji="1" lang="en-US" altLang="ja-JP" sz="1200" b="0" i="0" kern="1200" dirty="0" smtClean="0">
+              <a:solidFill>
+                <a:schemeClr val="tx1"/>
+              </a:solidFill>
+              <a:effectLst/>
+              <a:latin typeface="+mn-lt"/>
+              <a:ea typeface="+mn-ea"/>
+              <a:cs typeface="+mn-cs"/>
+            </a:endParaRPr>
+          </a:p>
+          <a:p>
+            <a:endParaRPr kumimoji="1" lang="en-US" altLang="ja-JP" sz="1200" b="0" i="0" kern="1200" dirty="0" smtClean="0">
+              <a:solidFill>
+                <a:schemeClr val="tx1"/>
+              </a:solidFill>
+              <a:effectLst/>
+              <a:latin typeface="+mn-lt"/>
+              <a:ea typeface="+mn-ea"/>
+              <a:cs typeface="+mn-cs"/>
+            </a:endParaRPr>
+          </a:p>
+          <a:p>
+            <a:r>
+              <a:rPr kumimoji="1" lang="ja-JP" altLang="en-US" sz="1200" b="0" i="0" kern="1200" dirty="0" smtClean="0">
+                <a:solidFill>
+                  <a:schemeClr val="tx1"/>
+                </a:solidFill>
+                <a:effectLst/>
+                <a:latin typeface="+mn-lt"/>
+                <a:ea typeface="+mn-ea"/>
+                <a:cs typeface="+mn-cs"/>
+              </a:rPr>
+              <a:t>先ほどの教師データとして使えそうな情報を取得した後にどこに保存しておくかという話です</a:t>
+            </a:r>
+            <a:endParaRPr kumimoji="1" lang="en-US" altLang="ja-JP" sz="1200" b="0" i="0" kern="1200" dirty="0" smtClean="0">
+              <a:solidFill>
+                <a:schemeClr val="tx1"/>
+              </a:solidFill>
+              <a:effectLst/>
+              <a:latin typeface="+mn-lt"/>
+              <a:ea typeface="+mn-ea"/>
+              <a:cs typeface="+mn-cs"/>
+            </a:endParaRPr>
+          </a:p>
+          <a:p>
+            <a:endParaRPr kumimoji="1" lang="en-US" altLang="ja-JP" sz="1200" b="0" i="0" kern="1200" dirty="0" smtClean="0">
+              <a:solidFill>
+                <a:schemeClr val="tx1"/>
+              </a:solidFill>
+              <a:effectLst/>
+              <a:latin typeface="+mn-lt"/>
+              <a:ea typeface="+mn-ea"/>
+              <a:cs typeface="+mn-cs"/>
+            </a:endParaRPr>
+          </a:p>
+          <a:p>
+            <a:r>
+              <a:rPr kumimoji="1" lang="ja-JP" altLang="en-US" sz="1200" b="0" i="0" kern="1200" dirty="0" smtClean="0">
+                <a:solidFill>
+                  <a:schemeClr val="tx1"/>
+                </a:solidFill>
+                <a:effectLst/>
+                <a:latin typeface="+mn-lt"/>
+                <a:ea typeface="+mn-ea"/>
+                <a:cs typeface="+mn-cs"/>
+              </a:rPr>
+              <a:t>で、取得した情報の中でも～～あります</a:t>
+            </a:r>
+            <a:endParaRPr kumimoji="1" lang="en-US" altLang="ja-JP" sz="1200" b="0" i="0" kern="1200" dirty="0" smtClean="0">
+              <a:solidFill>
+                <a:schemeClr val="tx1"/>
+              </a:solidFill>
+              <a:effectLst/>
+              <a:latin typeface="+mn-lt"/>
+              <a:ea typeface="+mn-ea"/>
+              <a:cs typeface="+mn-cs"/>
+            </a:endParaRPr>
+          </a:p>
+          <a:p>
+            <a:endParaRPr kumimoji="1" lang="en-US" altLang="ja-JP" sz="1200" b="0" i="0" kern="1200" dirty="0" smtClean="0">
+              <a:solidFill>
+                <a:schemeClr val="tx1"/>
+              </a:solidFill>
+              <a:effectLst/>
+              <a:latin typeface="+mn-lt"/>
+              <a:ea typeface="+mn-ea"/>
+              <a:cs typeface="+mn-cs"/>
+            </a:endParaRPr>
+          </a:p>
+          <a:p>
+            <a:r>
+              <a:rPr kumimoji="1" lang="ja-JP" altLang="en-US" sz="1200" b="0" i="0" kern="1200" dirty="0" smtClean="0">
+                <a:solidFill>
+                  <a:schemeClr val="tx1"/>
+                </a:solidFill>
+                <a:effectLst/>
+                <a:latin typeface="+mn-lt"/>
+                <a:ea typeface="+mn-ea"/>
+                <a:cs typeface="+mn-cs"/>
+              </a:rPr>
+              <a:t>この本ではデータの保持方法として３つの保持方法が紹介されていました。</a:t>
+            </a:r>
+            <a:endParaRPr kumimoji="1" lang="en-US" altLang="ja-JP" sz="1200" b="0" i="0" kern="1200" dirty="0" smtClean="0">
+              <a:solidFill>
+                <a:schemeClr val="tx1"/>
+              </a:solidFill>
+              <a:effectLst/>
+              <a:latin typeface="+mn-lt"/>
+              <a:ea typeface="+mn-ea"/>
+              <a:cs typeface="+mn-cs"/>
+            </a:endParaRPr>
+          </a:p>
+          <a:p>
+            <a:endParaRPr kumimoji="1" lang="en-US" altLang="ja-JP" sz="1200" b="0" i="0" kern="1200" dirty="0" smtClean="0">
+              <a:solidFill>
+                <a:schemeClr val="tx1"/>
+              </a:solidFill>
+              <a:effectLst/>
+              <a:latin typeface="+mn-lt"/>
+              <a:ea typeface="+mn-ea"/>
+              <a:cs typeface="+mn-cs"/>
+            </a:endParaRPr>
+          </a:p>
+          <a:p>
+            <a:r>
+              <a:rPr kumimoji="1" lang="ja-JP" altLang="en-US" sz="1200" b="0" i="0" kern="1200" dirty="0" smtClean="0">
+                <a:solidFill>
+                  <a:schemeClr val="tx1"/>
+                </a:solidFill>
+                <a:effectLst/>
+                <a:latin typeface="+mn-lt"/>
+                <a:ea typeface="+mn-ea"/>
+                <a:cs typeface="+mn-cs"/>
+              </a:rPr>
+              <a:t>一つ目の分散</a:t>
+            </a:r>
+            <a:r>
+              <a:rPr kumimoji="1" lang="en-US" altLang="ja-JP" sz="1200" b="0" i="0" kern="1200" dirty="0" smtClean="0">
+                <a:solidFill>
+                  <a:schemeClr val="tx1"/>
+                </a:solidFill>
+                <a:effectLst/>
+                <a:latin typeface="+mn-lt"/>
+                <a:ea typeface="+mn-ea"/>
+                <a:cs typeface="+mn-cs"/>
+              </a:rPr>
+              <a:t>RDB</a:t>
+            </a:r>
+            <a:r>
+              <a:rPr kumimoji="1" lang="ja-JP" altLang="en-US" sz="1200" b="0" i="0" kern="1200" dirty="0" smtClean="0">
+                <a:solidFill>
+                  <a:schemeClr val="tx1"/>
+                </a:solidFill>
+                <a:effectLst/>
+                <a:latin typeface="+mn-lt"/>
+                <a:ea typeface="+mn-ea"/>
+                <a:cs typeface="+mn-cs"/>
+              </a:rPr>
+              <a:t>に格納する</a:t>
+            </a:r>
+            <a:r>
+              <a:rPr kumimoji="1" lang="ja-JP" altLang="en-US" sz="1200" b="0" i="0" kern="1200" dirty="0" err="1" smtClean="0">
+                <a:solidFill>
+                  <a:schemeClr val="tx1"/>
+                </a:solidFill>
+                <a:effectLst/>
+                <a:latin typeface="+mn-lt"/>
+                <a:ea typeface="+mn-ea"/>
+                <a:cs typeface="+mn-cs"/>
+              </a:rPr>
+              <a:t>です</a:t>
+            </a:r>
+            <a:endParaRPr kumimoji="1" lang="en-US" altLang="ja-JP" sz="1200" b="0" i="0" kern="1200" dirty="0" smtClean="0">
+              <a:solidFill>
+                <a:schemeClr val="tx1"/>
+              </a:solidFill>
+              <a:effectLst/>
+              <a:latin typeface="+mn-lt"/>
+              <a:ea typeface="+mn-ea"/>
+              <a:cs typeface="+mn-cs"/>
+            </a:endParaRPr>
+          </a:p>
+          <a:p>
+            <a:endParaRPr kumimoji="1" lang="en-US" altLang="ja-JP" sz="1200" b="0" i="0" kern="1200" dirty="0" smtClean="0">
+              <a:solidFill>
+                <a:schemeClr val="tx1"/>
+              </a:solidFill>
+              <a:effectLst/>
+              <a:latin typeface="+mn-lt"/>
+              <a:ea typeface="+mn-ea"/>
+              <a:cs typeface="+mn-cs"/>
+            </a:endParaRPr>
+          </a:p>
+          <a:p>
+            <a:r>
+              <a:rPr kumimoji="1" lang="ja-JP" altLang="en-US" sz="1200" b="0" i="0" kern="1200" dirty="0" smtClean="0">
+                <a:solidFill>
+                  <a:schemeClr val="tx1"/>
+                </a:solidFill>
+                <a:effectLst/>
+                <a:latin typeface="+mn-lt"/>
+                <a:ea typeface="+mn-ea"/>
+                <a:cs typeface="+mn-cs"/>
+              </a:rPr>
+              <a:t>分散</a:t>
+            </a:r>
+            <a:r>
+              <a:rPr kumimoji="1" lang="en-US" altLang="ja-JP" sz="1200" b="0" i="0" kern="1200" dirty="0" smtClean="0">
+                <a:solidFill>
+                  <a:schemeClr val="tx1"/>
+                </a:solidFill>
+                <a:effectLst/>
+                <a:latin typeface="+mn-lt"/>
+                <a:ea typeface="+mn-ea"/>
+                <a:cs typeface="+mn-cs"/>
+              </a:rPr>
+              <a:t>DB</a:t>
+            </a:r>
+            <a:r>
+              <a:rPr kumimoji="1" lang="ja-JP" altLang="en-US" sz="1200" b="0" i="0" kern="1200" dirty="0" smtClean="0">
+                <a:solidFill>
+                  <a:schemeClr val="tx1"/>
+                </a:solidFill>
+                <a:effectLst/>
+                <a:latin typeface="+mn-lt"/>
+                <a:ea typeface="+mn-ea"/>
+                <a:cs typeface="+mn-cs"/>
+              </a:rPr>
+              <a:t>というのは</a:t>
+            </a:r>
+            <a:endParaRPr kumimoji="1" lang="en-US" altLang="ja-JP" sz="1200" b="0" i="0" kern="1200" dirty="0" smtClean="0">
+              <a:solidFill>
+                <a:schemeClr val="tx1"/>
+              </a:solidFill>
+              <a:effectLst/>
+              <a:latin typeface="+mn-lt"/>
+              <a:ea typeface="+mn-ea"/>
+              <a:cs typeface="+mn-cs"/>
+            </a:endParaRPr>
+          </a:p>
+          <a:p>
+            <a:endParaRPr kumimoji="1" lang="en-US" altLang="ja-JP" sz="1200" b="0" i="0" kern="1200" dirty="0" smtClean="0">
+              <a:solidFill>
+                <a:schemeClr val="tx1"/>
+              </a:solidFill>
+              <a:effectLst/>
+              <a:latin typeface="+mn-lt"/>
+              <a:ea typeface="+mn-ea"/>
+              <a:cs typeface="+mn-cs"/>
+            </a:endParaRPr>
+          </a:p>
+          <a:p>
+            <a:endParaRPr kumimoji="1" lang="en-US" altLang="ja-JP" sz="1200" b="1" i="0" kern="1200" dirty="0" smtClean="0">
+              <a:solidFill>
+                <a:schemeClr val="tx1"/>
+              </a:solidFill>
+              <a:effectLst/>
+              <a:latin typeface="+mn-lt"/>
+              <a:ea typeface="+mn-ea"/>
+              <a:cs typeface="+mn-cs"/>
+            </a:endParaRPr>
+          </a:p>
+          <a:p>
+            <a:r>
+              <a:rPr kumimoji="1" lang="ja-JP" altLang="en-US" sz="1200" b="1" i="0" kern="1200" dirty="0" smtClean="0">
+                <a:solidFill>
+                  <a:schemeClr val="tx1"/>
+                </a:solidFill>
+                <a:effectLst/>
+                <a:latin typeface="+mn-lt"/>
+                <a:ea typeface="+mn-ea"/>
+                <a:cs typeface="+mn-cs"/>
+              </a:rPr>
+              <a:t>分散</a:t>
+            </a:r>
+            <a:r>
+              <a:rPr kumimoji="1" lang="ja-JP" altLang="en-US" sz="1200" b="1" i="0" kern="1200" dirty="0" smtClean="0">
+                <a:solidFill>
+                  <a:schemeClr val="tx1"/>
+                </a:solidFill>
+                <a:effectLst/>
+                <a:latin typeface="+mn-lt"/>
+                <a:ea typeface="+mn-ea"/>
+                <a:cs typeface="+mn-cs"/>
+              </a:rPr>
+              <a:t>データベース</a:t>
+            </a:r>
+            <a:r>
+              <a:rPr kumimoji="1" lang="ja-JP" altLang="en-US" sz="1200" b="0" i="0" kern="1200" dirty="0" smtClean="0">
+                <a:solidFill>
+                  <a:schemeClr val="tx1"/>
+                </a:solidFill>
+                <a:effectLst/>
+                <a:latin typeface="+mn-lt"/>
+                <a:ea typeface="+mn-ea"/>
+                <a:cs typeface="+mn-cs"/>
+              </a:rPr>
+              <a:t>は、ネットワーク上に複数存在するデータベースを、あたかも一つのデータベースであるように利用する仕組み</a:t>
+            </a:r>
+            <a:r>
+              <a:rPr kumimoji="1" lang="ja-JP" altLang="en-US" sz="1200" b="0" i="0" kern="1200" dirty="0" smtClean="0">
+                <a:solidFill>
+                  <a:schemeClr val="tx1"/>
+                </a:solidFill>
+                <a:effectLst/>
+                <a:latin typeface="+mn-lt"/>
+                <a:ea typeface="+mn-ea"/>
+                <a:cs typeface="+mn-cs"/>
+              </a:rPr>
+              <a:t>です</a:t>
+            </a:r>
+            <a:endParaRPr kumimoji="1" lang="en-US" altLang="ja-JP" sz="1200" b="0" i="0" kern="1200" dirty="0" smtClean="0">
+              <a:solidFill>
+                <a:schemeClr val="tx1"/>
+              </a:solidFill>
+              <a:effectLst/>
+              <a:latin typeface="+mn-lt"/>
+              <a:ea typeface="+mn-ea"/>
+              <a:cs typeface="+mn-cs"/>
+            </a:endParaRPr>
+          </a:p>
+          <a:p>
+            <a:endParaRPr kumimoji="1" lang="en-US" altLang="ja-JP" sz="1200" b="0" i="0" kern="1200" dirty="0" smtClean="0">
+              <a:solidFill>
+                <a:schemeClr val="tx1"/>
+              </a:solidFill>
+              <a:effectLst/>
+              <a:latin typeface="+mn-lt"/>
+              <a:ea typeface="+mn-ea"/>
+              <a:cs typeface="+mn-cs"/>
+            </a:endParaRPr>
+          </a:p>
+          <a:p>
+            <a:pPr marL="0" marR="0" lvl="2" indent="0" algn="l" defTabSz="914400" rtl="0" eaLnBrk="1" fontAlgn="auto" latinLnBrk="0" hangingPunct="1">
+              <a:lnSpc>
+                <a:spcPct val="100000"/>
+              </a:lnSpc>
+              <a:spcBef>
+                <a:spcPts val="0"/>
+              </a:spcBef>
+              <a:spcAft>
+                <a:spcPts val="0"/>
+              </a:spcAft>
+              <a:buClrTx/>
+              <a:buSzTx/>
+              <a:buFontTx/>
+              <a:buNone/>
+              <a:tabLst/>
+              <a:defRPr/>
+            </a:pPr>
+            <a:r>
+              <a:rPr kumimoji="1" lang="en-US" altLang="ja-JP" b="1" dirty="0" smtClean="0"/>
+              <a:t>HDFS</a:t>
+            </a:r>
+            <a:r>
+              <a:rPr kumimoji="1" lang="ja-JP" altLang="en-US" dirty="0" smtClean="0"/>
+              <a:t>：</a:t>
+            </a:r>
+            <a:r>
+              <a:rPr lang="ja-JP" altLang="en-US" dirty="0" smtClean="0"/>
+              <a:t>管理するファイルの読み書きを高速化するために，大きなファイルを一定のブロックに分割し，複数の記憶装置に分散して保存</a:t>
+            </a:r>
+            <a:endParaRPr lang="en-US" altLang="ja-JP" dirty="0" smtClean="0"/>
+          </a:p>
+          <a:p>
+            <a:endParaRPr kumimoji="1" lang="en-US" altLang="ja-JP" dirty="0" smtClean="0"/>
+          </a:p>
+          <a:p>
+            <a:pPr marL="0" marR="0" lvl="2" indent="0" algn="l" defTabSz="914400" rtl="0" eaLnBrk="1" fontAlgn="auto" latinLnBrk="0" hangingPunct="1">
+              <a:lnSpc>
+                <a:spcPct val="100000"/>
+              </a:lnSpc>
+              <a:spcBef>
+                <a:spcPts val="0"/>
+              </a:spcBef>
+              <a:spcAft>
+                <a:spcPts val="0"/>
+              </a:spcAft>
+              <a:buClrTx/>
+              <a:buSzTx/>
+              <a:buFontTx/>
+              <a:buNone/>
+              <a:tabLst/>
+              <a:defRPr/>
+            </a:pPr>
+            <a:r>
+              <a:rPr lang="ja-JP" altLang="en-US" sz="2400" dirty="0" smtClean="0"/>
+              <a:t>ファイル単位，ブロック単位ではなく「オブジェクト」という単位でデータを管理するストレージ</a:t>
+            </a:r>
+            <a:endParaRPr lang="en-US" altLang="ja-JP" sz="2400" dirty="0" smtClean="0"/>
+          </a:p>
+          <a:p>
+            <a:endParaRPr lang="ja-JP" altLang="en-US" dirty="0"/>
+          </a:p>
+        </p:txBody>
+      </p:sp>
+      <p:sp>
+        <p:nvSpPr>
+          <p:cNvPr id="4" name="スライド番号プレースホルダー 3"/>
+          <p:cNvSpPr>
+            <a:spLocks noGrp="1"/>
+          </p:cNvSpPr>
+          <p:nvPr>
+            <p:ph type="sldNum" sz="quarter" idx="10"/>
+          </p:nvPr>
+        </p:nvSpPr>
+        <p:spPr/>
+        <p:txBody>
+          <a:bodyPr/>
+          <a:lstStyle/>
+          <a:p>
+            <a:fld id="{7D904524-672D-4E66-A637-CA0A2B28D555}" type="slidenum">
+              <a:rPr kumimoji="1" lang="ja-JP" altLang="en-US" smtClean="0"/>
+              <a:t>21</a:t>
+            </a:fld>
+            <a:endParaRPr kumimoji="1" lang="ja-JP" altLang="en-US"/>
+          </a:p>
+        </p:txBody>
+      </p:sp>
+    </p:spTree>
+    <p:extLst>
+      <p:ext uri="{BB962C8B-B14F-4D97-AF65-F5344CB8AC3E}">
+        <p14:creationId xmlns:p14="http://schemas.microsoft.com/office/powerpoint/2010/main" val="2930396017"/>
+      </p:ext>
+    </p:extLst>
+  </p:cSld>
+  <p:clrMapOvr>
+    <a:masterClrMapping/>
+  </p:clrMapOvr>
+</p:notes>
+</file>
+
+<file path=ppt/notesSlides/notesSlide22.xml><?xml version="1.0" encoding="utf-8"?>
+<p:notes xmlns:a="http://schemas.openxmlformats.org/drawingml/2006/main" xmlns:r="http://schemas.openxmlformats.org/officeDocument/2006/relationships" xmlns:p="http://schemas.openxmlformats.org/presentationml/2006/main">
+  <p:cSld>
+    <p:spTree>
+      <p:nvGrpSpPr>
+        <p:cNvPr id="1" name=""/>
+        <p:cNvGrpSpPr/>
+        <p:nvPr/>
+      </p:nvGrpSpPr>
+      <p:grpSpPr>
+        <a:xfrm>
+          <a:off x="0" y="0"/>
+          <a:ext cx="0" cy="0"/>
+          <a:chOff x="0" y="0"/>
+          <a:chExt cx="0" cy="0"/>
+        </a:xfrm>
+      </p:grpSpPr>
+      <p:sp>
+        <p:nvSpPr>
+          <p:cNvPr id="2" name="スライド イメージ プレースホルダー 1"/>
+          <p:cNvSpPr>
+            <a:spLocks noGrp="1" noRot="1" noChangeAspect="1"/>
+          </p:cNvSpPr>
+          <p:nvPr>
+            <p:ph type="sldImg"/>
+          </p:nvPr>
+        </p:nvSpPr>
+        <p:spPr/>
+      </p:sp>
+      <p:sp>
+        <p:nvSpPr>
+          <p:cNvPr id="3" name="ノート プレースホルダー 2"/>
+          <p:cNvSpPr>
+            <a:spLocks noGrp="1"/>
+          </p:cNvSpPr>
+          <p:nvPr>
+            <p:ph type="body" idx="1"/>
+          </p:nvPr>
+        </p:nvSpPr>
+        <p:spPr/>
+        <p:txBody>
+          <a:bodyPr/>
+          <a:lstStyle/>
+          <a:p>
+            <a:r>
               <a:rPr kumimoji="1" lang="ja-JP" altLang="en-US" dirty="0" smtClean="0"/>
               <a:t>このパターンは他のパターンと比べ、予測にかけられる時間に余裕があるのが特徴ですが、予測対象となるコンテンツが増えていくと</a:t>
             </a:r>
@@ -3129,7 +3615,7 @@
 </p:notes>
 </file>
 
-<file path=ppt/notesSlides/notesSlide22.xml><?xml version="1.0" encoding="utf-8"?>
+<file path=ppt/notesSlides/notesSlide23.xml><?xml version="1.0" encoding="utf-8"?>
 <p:notes xmlns:a="http://schemas.openxmlformats.org/drawingml/2006/main" xmlns:r="http://schemas.openxmlformats.org/officeDocument/2006/relationships" xmlns:p="http://schemas.openxmlformats.org/presentationml/2006/main">
   <p:cSld>
     <p:spTree>
@@ -3317,7 +3803,15 @@
           <a:p>
             <a:r>
               <a:rPr kumimoji="1" lang="ja-JP" altLang="en-US" dirty="0" smtClean="0"/>
-              <a:t>機械学習にはいくつかの種類がありますが、ここでは最も活用ケースが多い教師あり学習について、システムに組み込む場合の構成を説明します</a:t>
+              <a:t>はじめに前の第１章の</a:t>
+            </a:r>
+            <a:r>
+              <a:rPr kumimoji="1" lang="ja-JP" altLang="en-US" dirty="0" err="1" smtClean="0"/>
+              <a:t>で</a:t>
+            </a:r>
+            <a:r>
+              <a:rPr kumimoji="1" lang="ja-JP" altLang="en-US" dirty="0" smtClean="0"/>
+              <a:t>やった、システムに機械学習を含めるの流れを一応確認しておきます</a:t>
             </a:r>
             <a:endParaRPr kumimoji="1" lang="en-US" altLang="ja-JP" dirty="0" smtClean="0"/>
           </a:p>
@@ -3327,19 +3821,15 @@
           <a:p>
             <a:r>
               <a:rPr kumimoji="1" lang="ja-JP" altLang="en-US" dirty="0" smtClean="0"/>
-              <a:t>分類や回帰などの教師あり学習の場合、学習と予測の</a:t>
-            </a:r>
-            <a:r>
-              <a:rPr kumimoji="1" lang="en-US" altLang="ja-JP" dirty="0" smtClean="0"/>
-              <a:t>2</a:t>
-            </a:r>
-            <a:r>
-              <a:rPr kumimoji="1" lang="ja-JP" altLang="en-US" dirty="0" err="1" smtClean="0"/>
-              <a:t>つの</a:t>
-            </a:r>
-            <a:r>
-              <a:rPr kumimoji="1" lang="ja-JP" altLang="en-US" dirty="0" smtClean="0"/>
-              <a:t>フェーズがあります。</a:t>
+              <a:t>実際</a:t>
+            </a:r>
+            <a:r>
+              <a:rPr kumimoji="1" lang="ja-JP" altLang="en-US" dirty="0" smtClean="0"/>
+              <a:t>の機械学習を含めたプロジェクトを開始する際には、以下のような流れで進めて行きます</a:t>
+            </a:r>
+            <a:r>
+              <a:rPr kumimoji="1" lang="ja-JP" altLang="en-US" dirty="0" smtClean="0"/>
+              <a:t>。</a:t>
             </a:r>
             <a:endParaRPr kumimoji="1" lang="en-US" altLang="ja-JP" dirty="0" smtClean="0"/>
           </a:p>
@@ -3349,18 +3839,12 @@
           <a:p>
             <a:r>
               <a:rPr kumimoji="1" lang="ja-JP" altLang="en-US" dirty="0" smtClean="0"/>
-              <a:t>更にそのタイミングによって、バッチ処理での学習とリアルタイム処理での学習という２種類のタイミングがあります</a:t>
+              <a:t>今回はこの流れの項目の中でも８番目のシステムに組み込みという部分に着目して「システム設計」と「ログ設計」について説明していきます</a:t>
             </a:r>
             <a:endParaRPr kumimoji="1" lang="en-US" altLang="ja-JP" dirty="0" smtClean="0"/>
           </a:p>
           <a:p>
             <a:endParaRPr kumimoji="1" lang="en-US" altLang="ja-JP" dirty="0" smtClean="0"/>
-          </a:p>
-          <a:p>
-            <a:endParaRPr kumimoji="1" lang="en-US" altLang="ja-JP" dirty="0" smtClean="0"/>
-          </a:p>
-          <a:p>
-            <a:endParaRPr kumimoji="1" lang="ja-JP" altLang="en-US" dirty="0"/>
           </a:p>
         </p:txBody>
       </p:sp>
@@ -3379,18 +3863,18 @@
           <a:bodyPr/>
           <a:lstStyle/>
           <a:p>
-            <a:fld id="{7D904524-672D-4E66-A637-CA0A2B28D555}" type="slidenum">
+            <a:fld id="{24A390C7-6BBC-453F-82CB-FDF7B3D50C2A}" type="slidenum">
               <a:rPr kumimoji="1" lang="ja-JP" altLang="en-US" smtClean="0"/>
-              <a:t>4</a:t>
+              <a:t>3</a:t>
             </a:fld>
-            <a:endParaRPr kumimoji="1" lang="ja-JP" altLang="en-US"/>
+            <a:endParaRPr kumimoji="1" lang="ja-JP" altLang="en-US" dirty="0"/>
           </a:p>
         </p:txBody>
       </p:sp>
     </p:spTree>
     <p:extLst>
       <p:ext uri="{BB962C8B-B14F-4D97-AF65-F5344CB8AC3E}">
-        <p14:creationId xmlns:p14="http://schemas.microsoft.com/office/powerpoint/2010/main" val="4062039077"/>
+        <p14:creationId xmlns:p14="http://schemas.microsoft.com/office/powerpoint/2010/main" val="3217156783"/>
       </p:ext>
     </p:extLst>
   </p:cSld>
@@ -3446,15 +3930,43 @@
           <a:p>
             <a:r>
               <a:rPr kumimoji="1" lang="ja-JP" altLang="en-US" dirty="0" smtClean="0"/>
-              <a:t>本節では</a:t>
+              <a:t>はじめにシステム設計ですね</a:t>
+            </a:r>
+            <a:endParaRPr kumimoji="1" lang="en-US" altLang="ja-JP" dirty="0" smtClean="0"/>
+          </a:p>
+          <a:p>
+            <a:endParaRPr kumimoji="1" lang="en-US" altLang="ja-JP" dirty="0" smtClean="0"/>
+          </a:p>
+          <a:p>
+            <a:r>
+              <a:rPr kumimoji="1" lang="ja-JP" altLang="en-US" dirty="0" smtClean="0"/>
+              <a:t>機械</a:t>
+            </a:r>
+            <a:r>
+              <a:rPr kumimoji="1" lang="ja-JP" altLang="en-US" dirty="0" smtClean="0"/>
+              <a:t>学習にはいくつかの種類がありますが、ここでは最も活用ケースが多い教師あり学習について、システムに組み込む場合の構成を説明します</a:t>
+            </a:r>
+            <a:endParaRPr kumimoji="1" lang="en-US" altLang="ja-JP" dirty="0" smtClean="0"/>
+          </a:p>
+          <a:p>
+            <a:endParaRPr kumimoji="1" lang="en-US" altLang="ja-JP" dirty="0" smtClean="0"/>
+          </a:p>
+          <a:p>
+            <a:r>
+              <a:rPr kumimoji="1" lang="ja-JP" altLang="en-US" dirty="0" smtClean="0"/>
+              <a:t>分類や回帰などの教師あり学習の場合、学習と予測の</a:t>
             </a:r>
             <a:r>
               <a:rPr kumimoji="1" lang="en-US" altLang="ja-JP" dirty="0" smtClean="0"/>
               <a:t>2</a:t>
             </a:r>
             <a:r>
-              <a:rPr kumimoji="1" lang="ja-JP" altLang="en-US" dirty="0" smtClean="0"/>
-              <a:t>種類の学習をする場合のシステム構成とそのポイントについて学びますが、まずその前に重要でありながら混乱しがちな用語について整理しておきます</a:t>
+              <a:rPr kumimoji="1" lang="ja-JP" altLang="en-US" dirty="0" err="1" smtClean="0"/>
+              <a:t>つの</a:t>
+            </a:r>
+            <a:r>
+              <a:rPr kumimoji="1" lang="ja-JP" altLang="en-US" dirty="0" smtClean="0"/>
+              <a:t>フェーズがあります。</a:t>
             </a:r>
             <a:endParaRPr kumimoji="1" lang="en-US" altLang="ja-JP" dirty="0" smtClean="0"/>
           </a:p>
@@ -3464,7 +3976,7 @@
           <a:p>
             <a:r>
               <a:rPr kumimoji="1" lang="ja-JP" altLang="en-US" dirty="0" smtClean="0"/>
-              <a:t>で、よく混乱しやすいのが～～です。</a:t>
+              <a:t>更にそのタイミングによって、バッチ処理での学習とリアルタイム処理での学習という２種類のタイミングがあります</a:t>
             </a:r>
             <a:endParaRPr kumimoji="1" lang="en-US" altLang="ja-JP" dirty="0" smtClean="0"/>
           </a:p>
@@ -3472,34 +3984,9 @@
             <a:endParaRPr kumimoji="1" lang="en-US" altLang="ja-JP" dirty="0" smtClean="0"/>
           </a:p>
           <a:p>
-            <a:r>
-              <a:rPr kumimoji="1" lang="ja-JP" altLang="en-US" dirty="0" smtClean="0"/>
-              <a:t>機械学習において、「バッチ」という言葉は特別な意味を持つということで、多くの場合、機械学習の文脈で「バッチ」というと「バッチ学習」のことを</a:t>
-            </a:r>
-            <a:r>
-              <a:rPr kumimoji="1" lang="ja-JP" altLang="en-US" smtClean="0"/>
-              <a:t>指すと</a:t>
-            </a:r>
             <a:endParaRPr kumimoji="1" lang="en-US" altLang="ja-JP" dirty="0" smtClean="0"/>
           </a:p>
           <a:p>
-            <a:endParaRPr kumimoji="1" lang="en-US" altLang="ja-JP" dirty="0" smtClean="0"/>
-          </a:p>
-          <a:p>
-            <a:r>
-              <a:rPr kumimoji="1" lang="ja-JP" altLang="en-US" dirty="0" smtClean="0"/>
-              <a:t>で、この本ではバッチ処理を～～と定義し、リアルタイム処理を～～と定義しています</a:t>
-            </a:r>
-            <a:endParaRPr kumimoji="1" lang="en-US" altLang="ja-JP" dirty="0" smtClean="0"/>
-          </a:p>
-          <a:p>
-            <a:endParaRPr kumimoji="1" lang="en-US" altLang="ja-JP" dirty="0" smtClean="0"/>
-          </a:p>
-          <a:p>
-            <a:r>
-              <a:rPr kumimoji="1" lang="ja-JP" altLang="en-US" dirty="0" smtClean="0"/>
-              <a:t>あと、バッチ処理とバッチ学習の混同を避けるため～～</a:t>
-            </a:r>
             <a:endParaRPr kumimoji="1" lang="ja-JP" altLang="en-US" dirty="0"/>
           </a:p>
         </p:txBody>
@@ -3521,7 +4008,7 @@
           <a:p>
             <a:fld id="{7D904524-672D-4E66-A637-CA0A2B28D555}" type="slidenum">
               <a:rPr kumimoji="1" lang="ja-JP" altLang="en-US" smtClean="0"/>
-              <a:t>5</a:t>
+              <a:t>4</a:t>
             </a:fld>
             <a:endParaRPr kumimoji="1" lang="ja-JP" altLang="en-US"/>
           </a:p>
@@ -3530,7 +4017,7 @@
     </p:spTree>
     <p:extLst>
       <p:ext uri="{BB962C8B-B14F-4D97-AF65-F5344CB8AC3E}">
-        <p14:creationId xmlns:p14="http://schemas.microsoft.com/office/powerpoint/2010/main" val="2243879789"/>
+        <p14:creationId xmlns:p14="http://schemas.microsoft.com/office/powerpoint/2010/main" val="4062039077"/>
       </p:ext>
     </p:extLst>
   </p:cSld>
@@ -3586,7 +4073,23 @@
           <a:p>
             <a:r>
               <a:rPr kumimoji="1" lang="ja-JP" altLang="en-US" dirty="0" smtClean="0"/>
-              <a:t>一括学習と逐次学習では、モデル学習時のデータの保持の仕方が異なるということで</a:t>
+              <a:t>ちょっとシステム</a:t>
+            </a:r>
+            <a:r>
+              <a:rPr kumimoji="1" lang="ja-JP" altLang="en-US" dirty="0" smtClean="0"/>
+              <a:t>構成とそのポイントについて</a:t>
+            </a:r>
+            <a:r>
+              <a:rPr kumimoji="1" lang="ja-JP" altLang="en-US" dirty="0" smtClean="0"/>
+              <a:t>学ぶ前</a:t>
+            </a:r>
+            <a:r>
+              <a:rPr kumimoji="1" lang="ja-JP" altLang="en-US" smtClean="0"/>
+              <a:t>に、重要</a:t>
+            </a:r>
+            <a:r>
+              <a:rPr kumimoji="1" lang="ja-JP" altLang="en-US" dirty="0" smtClean="0"/>
+              <a:t>でありながら混乱しがちな用語について整理しておきます</a:t>
             </a:r>
             <a:endParaRPr kumimoji="1" lang="en-US" altLang="ja-JP" dirty="0" smtClean="0"/>
           </a:p>
@@ -3596,7 +4099,7 @@
           <a:p>
             <a:r>
               <a:rPr kumimoji="1" lang="ja-JP" altLang="en-US" dirty="0" smtClean="0"/>
-              <a:t>一括学習は、その名の通り一括で学習するとことで～～なので～～ということです。</a:t>
+              <a:t>で、よく混乱しやすいのが～～です。</a:t>
             </a:r>
             <a:endParaRPr kumimoji="1" lang="en-US" altLang="ja-JP" dirty="0" smtClean="0"/>
           </a:p>
@@ -3606,7 +4109,11 @@
           <a:p>
             <a:r>
               <a:rPr kumimoji="1" lang="ja-JP" altLang="en-US" dirty="0" smtClean="0"/>
-              <a:t>逐次学習も、名前の通り逐次的に学習していくということで、～～計算していく学習方法です。で～～といったメリットがあります。</a:t>
+              <a:t>機械学習において、「バッチ」という言葉は特別な意味を持つということで、多くの場合、機械学習の文脈で「バッチ」というと「バッチ学習」のことを</a:t>
+            </a:r>
+            <a:r>
+              <a:rPr kumimoji="1" lang="ja-JP" altLang="en-US" dirty="0" smtClean="0"/>
+              <a:t>指すと</a:t>
             </a:r>
             <a:endParaRPr kumimoji="1" lang="en-US" altLang="ja-JP" dirty="0" smtClean="0"/>
           </a:p>
@@ -3616,7 +4123,7 @@
           <a:p>
             <a:r>
               <a:rPr kumimoji="1" lang="ja-JP" altLang="en-US" dirty="0" smtClean="0"/>
-              <a:t>で、一括学習と逐次学習では～～ということです</a:t>
+              <a:t>で、この本ではバッチ処理を～～と定義し、リアルタイム処理を～～と定義しています</a:t>
             </a:r>
             <a:endParaRPr kumimoji="1" lang="en-US" altLang="ja-JP" dirty="0" smtClean="0"/>
           </a:p>
@@ -3624,6 +4131,10 @@
             <a:endParaRPr kumimoji="1" lang="en-US" altLang="ja-JP" dirty="0" smtClean="0"/>
           </a:p>
           <a:p>
+            <a:r>
+              <a:rPr kumimoji="1" lang="ja-JP" altLang="en-US" dirty="0" smtClean="0"/>
+              <a:t>あと、バッチ処理とバッチ学習の混同を避けるため～～</a:t>
+            </a:r>
             <a:endParaRPr kumimoji="1" lang="ja-JP" altLang="en-US" dirty="0"/>
           </a:p>
         </p:txBody>
@@ -3645,7 +4156,7 @@
           <a:p>
             <a:fld id="{7D904524-672D-4E66-A637-CA0A2B28D555}" type="slidenum">
               <a:rPr kumimoji="1" lang="ja-JP" altLang="en-US" smtClean="0"/>
-              <a:t>6</a:t>
+              <a:t>5</a:t>
             </a:fld>
             <a:endParaRPr kumimoji="1" lang="ja-JP" altLang="en-US"/>
           </a:p>
@@ -3654,7 +4165,7 @@
     </p:spTree>
     <p:extLst>
       <p:ext uri="{BB962C8B-B14F-4D97-AF65-F5344CB8AC3E}">
-        <p14:creationId xmlns:p14="http://schemas.microsoft.com/office/powerpoint/2010/main" val="3670433720"/>
+        <p14:creationId xmlns:p14="http://schemas.microsoft.com/office/powerpoint/2010/main" val="2243879789"/>
       </p:ext>
     </p:extLst>
   </p:cSld>
@@ -3710,7 +4221,7 @@
           <a:p>
             <a:r>
               <a:rPr kumimoji="1" lang="ja-JP" altLang="en-US" dirty="0" smtClean="0"/>
-              <a:t>では、取りうる処理と学習の組み合わせはどのようなものがあるかというと、</a:t>
+              <a:t>一括学習と逐次学習では、モデル学習時のデータの保持の仕方が異なるということで</a:t>
             </a:r>
             <a:endParaRPr kumimoji="1" lang="en-US" altLang="ja-JP" dirty="0" smtClean="0"/>
           </a:p>
@@ -3720,27 +4231,7 @@
           <a:p>
             <a:r>
               <a:rPr kumimoji="1" lang="ja-JP" altLang="en-US" dirty="0" smtClean="0"/>
-              <a:t>処理はバッチ処理とリアルタイムの</a:t>
-            </a:r>
-            <a:r>
-              <a:rPr kumimoji="1" lang="en-US" altLang="ja-JP" dirty="0" smtClean="0"/>
-              <a:t>2</a:t>
-            </a:r>
-            <a:r>
-              <a:rPr kumimoji="1" lang="ja-JP" altLang="en-US" dirty="0" smtClean="0"/>
-              <a:t>つで、学習方法も一括学習と逐次学習の</a:t>
-            </a:r>
-            <a:r>
-              <a:rPr kumimoji="1" lang="en-US" altLang="ja-JP" dirty="0" smtClean="0"/>
-              <a:t>2</a:t>
-            </a:r>
-            <a:r>
-              <a:rPr kumimoji="1" lang="ja-JP" altLang="en-US" dirty="0" err="1" smtClean="0"/>
-              <a:t>つなので</a:t>
-            </a:r>
-            <a:r>
-              <a:rPr kumimoji="1" lang="ja-JP" altLang="en-US" dirty="0" smtClean="0"/>
-              <a:t>一応全部で４種類の組み合わせが考えられます</a:t>
+              <a:t>一括学習は、その名の通り一括で学習するとことで～～なので～～ということです。</a:t>
             </a:r>
             <a:endParaRPr kumimoji="1" lang="en-US" altLang="ja-JP" dirty="0" smtClean="0"/>
           </a:p>
@@ -3750,7 +4241,7 @@
           <a:p>
             <a:r>
               <a:rPr kumimoji="1" lang="ja-JP" altLang="en-US" dirty="0" smtClean="0"/>
-              <a:t>で、この中で実際に存在するのはどれなのかということなんですが</a:t>
+              <a:t>逐次学習も、名前の通り逐次的に学習していくということで、～～計算していく学習方法です。で～～といったメリットがあります。</a:t>
             </a:r>
             <a:endParaRPr kumimoji="1" lang="en-US" altLang="ja-JP" dirty="0" smtClean="0"/>
           </a:p>
@@ -3760,57 +4251,8 @@
           <a:p>
             <a:r>
               <a:rPr kumimoji="1" lang="ja-JP" altLang="en-US" dirty="0" smtClean="0"/>
-              <a:t>よくある誤解は「一括学習はバッチ処理でしかできず」、「逐次学習はリアルタイム処理でしかできない」というものです。実は</a:t>
-            </a:r>
-            <a:r>
-              <a:rPr kumimoji="1" lang="en-US" altLang="ja-JP" dirty="0" smtClean="0"/>
-              <a:t>3</a:t>
-            </a:r>
-            <a:r>
-              <a:rPr kumimoji="1" lang="ja-JP" altLang="en-US" dirty="0" smtClean="0"/>
-              <a:t>以外はすべてありえます。</a:t>
-            </a:r>
-            <a:endParaRPr kumimoji="1" lang="en-US" altLang="ja-JP" dirty="0" smtClean="0"/>
-          </a:p>
-          <a:p>
-            <a:endParaRPr kumimoji="1" lang="en-US" altLang="ja-JP" dirty="0" smtClean="0"/>
-          </a:p>
-          <a:p>
-            <a:r>
-              <a:rPr kumimoji="1" lang="en-US" altLang="ja-JP" dirty="0" smtClean="0"/>
-              <a:t>1</a:t>
-            </a:r>
-            <a:r>
-              <a:rPr kumimoji="1" lang="ja-JP" altLang="en-US" dirty="0" err="1" smtClean="0"/>
-              <a:t>、</a:t>
-            </a:r>
-            <a:r>
-              <a:rPr kumimoji="1" lang="en-US" altLang="ja-JP" dirty="0" smtClean="0"/>
-              <a:t>4</a:t>
-            </a:r>
-            <a:r>
-              <a:rPr kumimoji="1" lang="ja-JP" altLang="en-US" dirty="0" smtClean="0"/>
-              <a:t>については特に違和感はないかもしれません。では２の～～　</a:t>
-            </a:r>
-            <a:endParaRPr kumimoji="1" lang="en-US" altLang="ja-JP" dirty="0" smtClean="0"/>
-          </a:p>
-          <a:p>
-            <a:endParaRPr kumimoji="1" lang="en-US" altLang="ja-JP" dirty="0" smtClean="0"/>
-          </a:p>
-          <a:p>
-            <a:r>
-              <a:rPr kumimoji="1" lang="ja-JP" altLang="en-US" dirty="0" smtClean="0"/>
-              <a:t>前のスライドで逐次学習は、最適化時に教師データを１ずつ与えてその都度処理する最適化方針だと説明しました。つまり</a:t>
-            </a:r>
-            <a:endParaRPr kumimoji="1" lang="en-US" altLang="ja-JP" dirty="0" smtClean="0"/>
-          </a:p>
-          <a:p>
-            <a:endParaRPr kumimoji="1" lang="en-US" altLang="ja-JP" dirty="0" smtClean="0"/>
-          </a:p>
-          <a:p>
-            <a:endParaRPr kumimoji="1" lang="en-US" altLang="ja-JP" dirty="0" smtClean="0"/>
-          </a:p>
-          <a:p>
+              <a:t>で、一括学習と逐次学習では～～ということです</a:t>
+            </a:r>
             <a:endParaRPr kumimoji="1" lang="en-US" altLang="ja-JP" dirty="0" smtClean="0"/>
           </a:p>
           <a:p>
@@ -3838,7 +4280,7 @@
           <a:p>
             <a:fld id="{7D904524-672D-4E66-A637-CA0A2B28D555}" type="slidenum">
               <a:rPr kumimoji="1" lang="ja-JP" altLang="en-US" smtClean="0"/>
-              <a:t>7</a:t>
+              <a:t>6</a:t>
             </a:fld>
             <a:endParaRPr kumimoji="1" lang="ja-JP" altLang="en-US"/>
           </a:p>
@@ -3847,7 +4289,7 @@
     </p:spTree>
     <p:extLst>
       <p:ext uri="{BB962C8B-B14F-4D97-AF65-F5344CB8AC3E}">
-        <p14:creationId xmlns:p14="http://schemas.microsoft.com/office/powerpoint/2010/main" val="92301879"/>
+        <p14:creationId xmlns:p14="http://schemas.microsoft.com/office/powerpoint/2010/main" val="3670433720"/>
       </p:ext>
     </p:extLst>
   </p:cSld>
@@ -3903,19 +4345,87 @@
           <a:p>
             <a:r>
               <a:rPr kumimoji="1" lang="ja-JP" altLang="en-US" dirty="0" smtClean="0"/>
-              <a:t>ここからは、バッチ処理で学習を行う</a:t>
+              <a:t>では、取りうる処理と学習の組み合わせはどのようなものがあるかというと、</a:t>
+            </a:r>
+            <a:endParaRPr kumimoji="1" lang="en-US" altLang="ja-JP" dirty="0" smtClean="0"/>
+          </a:p>
+          <a:p>
+            <a:endParaRPr kumimoji="1" lang="en-US" altLang="ja-JP" dirty="0" smtClean="0"/>
+          </a:p>
+          <a:p>
+            <a:r>
+              <a:rPr kumimoji="1" lang="ja-JP" altLang="en-US" dirty="0" smtClean="0"/>
+              <a:t>処理はバッチ処理とリアルタイムの</a:t>
+            </a:r>
+            <a:r>
+              <a:rPr kumimoji="1" lang="en-US" altLang="ja-JP" dirty="0" smtClean="0"/>
+              <a:t>2</a:t>
+            </a:r>
+            <a:r>
+              <a:rPr kumimoji="1" lang="ja-JP" altLang="en-US" dirty="0" smtClean="0"/>
+              <a:t>つで、学習方法も一括学習と逐次学習の</a:t>
+            </a:r>
+            <a:r>
+              <a:rPr kumimoji="1" lang="en-US" altLang="ja-JP" dirty="0" smtClean="0"/>
+              <a:t>2</a:t>
+            </a:r>
+            <a:r>
+              <a:rPr kumimoji="1" lang="ja-JP" altLang="en-US" dirty="0" err="1" smtClean="0"/>
+              <a:t>つなので</a:t>
+            </a:r>
+            <a:r>
+              <a:rPr kumimoji="1" lang="ja-JP" altLang="en-US" dirty="0" smtClean="0"/>
+              <a:t>一応全部で４種類の組み合わせが考えられます</a:t>
+            </a:r>
+            <a:endParaRPr kumimoji="1" lang="en-US" altLang="ja-JP" dirty="0" smtClean="0"/>
+          </a:p>
+          <a:p>
+            <a:endParaRPr kumimoji="1" lang="en-US" altLang="ja-JP" dirty="0" smtClean="0"/>
+          </a:p>
+          <a:p>
+            <a:r>
+              <a:rPr kumimoji="1" lang="ja-JP" altLang="en-US" dirty="0" smtClean="0"/>
+              <a:t>で、この中で実際に存在するのはどれなのかということなんですが</a:t>
+            </a:r>
+            <a:endParaRPr kumimoji="1" lang="en-US" altLang="ja-JP" dirty="0" smtClean="0"/>
+          </a:p>
+          <a:p>
+            <a:endParaRPr kumimoji="1" lang="en-US" altLang="ja-JP" dirty="0" smtClean="0"/>
+          </a:p>
+          <a:p>
+            <a:r>
+              <a:rPr kumimoji="1" lang="ja-JP" altLang="en-US" dirty="0" smtClean="0"/>
+              <a:t>よくある誤解は「一括学習はバッチ処理でしかできず」、「逐次学習はリアルタイム処理でしかできない」というものです。実は</a:t>
             </a:r>
             <a:r>
               <a:rPr kumimoji="1" lang="en-US" altLang="ja-JP" dirty="0" smtClean="0"/>
               <a:t>3</a:t>
             </a:r>
             <a:r>
+              <a:rPr kumimoji="1" lang="ja-JP" altLang="en-US" dirty="0" smtClean="0"/>
+              <a:t>以外はすべてありえます。</a:t>
+            </a:r>
+            <a:endParaRPr kumimoji="1" lang="en-US" altLang="ja-JP" dirty="0" smtClean="0"/>
+          </a:p>
+          <a:p>
+            <a:endParaRPr kumimoji="1" lang="en-US" altLang="ja-JP" dirty="0" smtClean="0"/>
+          </a:p>
+          <a:p>
+            <a:r>
+              <a:rPr kumimoji="1" lang="en-US" altLang="ja-JP" dirty="0" smtClean="0"/>
+              <a:t>1</a:t>
+            </a:r>
+            <a:r>
               <a:rPr kumimoji="1" lang="ja-JP" altLang="en-US" dirty="0" err="1" smtClean="0"/>
-              <a:t>つの</a:t>
-            </a:r>
-            <a:r>
-              <a:rPr kumimoji="1" lang="ja-JP" altLang="en-US" dirty="0" smtClean="0"/>
-              <a:t>予測パターンについての構成を見て行きます</a:t>
+              <a:t>、</a:t>
+            </a:r>
+            <a:r>
+              <a:rPr kumimoji="1" lang="en-US" altLang="ja-JP" dirty="0" smtClean="0"/>
+              <a:t>4</a:t>
+            </a:r>
+            <a:r>
+              <a:rPr kumimoji="1" lang="ja-JP" altLang="en-US" dirty="0" smtClean="0"/>
+              <a:t>については特に違和感はないかもしれません。では２の～～　</a:t>
             </a:r>
             <a:endParaRPr kumimoji="1" lang="en-US" altLang="ja-JP" dirty="0" smtClean="0"/>
           </a:p>
@@ -3925,7 +4435,7 @@
           <a:p>
             <a:r>
               <a:rPr kumimoji="1" lang="ja-JP" altLang="en-US" dirty="0" smtClean="0"/>
-              <a:t>こちらが３つのパターンになります</a:t>
+              <a:t>前のスライドで逐次学習は、最適化時に教師データを１ずつ与えてその都度処理する最適化方針だと説明しました。つまり</a:t>
             </a:r>
             <a:endParaRPr kumimoji="1" lang="en-US" altLang="ja-JP" dirty="0" smtClean="0"/>
           </a:p>
@@ -3933,14 +4443,16 @@
             <a:endParaRPr kumimoji="1" lang="en-US" altLang="ja-JP" dirty="0" smtClean="0"/>
           </a:p>
           <a:p>
-            <a:r>
-              <a:rPr kumimoji="1" lang="ja-JP" altLang="en-US" dirty="0" smtClean="0"/>
-              <a:t>１つずつ見て行きます</a:t>
-            </a:r>
             <a:endParaRPr kumimoji="1" lang="en-US" altLang="ja-JP" dirty="0" smtClean="0"/>
           </a:p>
           <a:p>
             <a:endParaRPr kumimoji="1" lang="en-US" altLang="ja-JP" dirty="0" smtClean="0"/>
+          </a:p>
+          <a:p>
+            <a:endParaRPr kumimoji="1" lang="en-US" altLang="ja-JP" dirty="0" smtClean="0"/>
+          </a:p>
+          <a:p>
+            <a:endParaRPr kumimoji="1" lang="ja-JP" altLang="en-US" dirty="0"/>
           </a:p>
         </p:txBody>
       </p:sp>
@@ -3961,7 +4473,7 @@
           <a:p>
             <a:fld id="{7D904524-672D-4E66-A637-CA0A2B28D555}" type="slidenum">
               <a:rPr kumimoji="1" lang="ja-JP" altLang="en-US" smtClean="0"/>
-              <a:t>8</a:t>
+              <a:t>7</a:t>
             </a:fld>
             <a:endParaRPr kumimoji="1" lang="ja-JP" altLang="en-US"/>
           </a:p>
@@ -3970,7 +4482,7 @@
     </p:spTree>
     <p:extLst>
       <p:ext uri="{BB962C8B-B14F-4D97-AF65-F5344CB8AC3E}">
-        <p14:creationId xmlns:p14="http://schemas.microsoft.com/office/powerpoint/2010/main" val="2378823263"/>
+        <p14:creationId xmlns:p14="http://schemas.microsoft.com/office/powerpoint/2010/main" val="92301879"/>
       </p:ext>
     </p:extLst>
   </p:cSld>
@@ -4026,7 +4538,19 @@
           <a:p>
             <a:r>
               <a:rPr kumimoji="1" lang="ja-JP" altLang="en-US" dirty="0" smtClean="0"/>
-              <a:t>一つ目は～～という方法で、このパターンは３つの予測パターンの中で、最も素朴な方法がこのパターンです。</a:t>
+              <a:t>ここからは、バッチ処理で学習を行う</a:t>
+            </a:r>
+            <a:r>
+              <a:rPr kumimoji="1" lang="en-US" altLang="ja-JP" dirty="0" smtClean="0"/>
+              <a:t>3</a:t>
+            </a:r>
+            <a:r>
+              <a:rPr kumimoji="1" lang="ja-JP" altLang="en-US" dirty="0" err="1" smtClean="0"/>
+              <a:t>つの</a:t>
+            </a:r>
+            <a:r>
+              <a:rPr kumimoji="1" lang="ja-JP" altLang="en-US" dirty="0" smtClean="0"/>
+              <a:t>予測パターンについての構成を見て行きます</a:t>
             </a:r>
             <a:endParaRPr kumimoji="1" lang="en-US" altLang="ja-JP" dirty="0" smtClean="0"/>
           </a:p>
@@ -4036,15 +4560,7 @@
           <a:p>
             <a:r>
               <a:rPr kumimoji="1" lang="ja-JP" altLang="en-US" dirty="0" smtClean="0"/>
-              <a:t>このパターンは、バッチ処理で一括学習をし、そこで得られた予測モデルを</a:t>
-            </a:r>
-            <a:r>
-              <a:rPr kumimoji="1" lang="en-US" altLang="ja-JP" dirty="0" smtClean="0"/>
-              <a:t>Web</a:t>
-            </a:r>
-            <a:r>
-              <a:rPr kumimoji="1" lang="ja-JP" altLang="en-US" dirty="0" smtClean="0"/>
-              <a:t>アプリケーションでリアルタイム処理で利用するというものです。</a:t>
+              <a:t>こちらが３つのパターンになります</a:t>
             </a:r>
             <a:endParaRPr kumimoji="1" lang="en-US" altLang="ja-JP" dirty="0" smtClean="0"/>
           </a:p>
@@ -4054,33 +4570,12 @@
           <a:p>
             <a:r>
               <a:rPr kumimoji="1" lang="ja-JP" altLang="en-US" dirty="0" smtClean="0"/>
-              <a:t>このパターンの特徴としては、</a:t>
+              <a:t>１つずつ見て行きます</a:t>
             </a:r>
             <a:endParaRPr kumimoji="1" lang="en-US" altLang="ja-JP" dirty="0" smtClean="0"/>
           </a:p>
           <a:p>
-            <a:r>
-              <a:rPr kumimoji="1" lang="ja-JP" altLang="en-US" dirty="0" smtClean="0"/>
-              <a:t>・</a:t>
-            </a:r>
             <a:endParaRPr kumimoji="1" lang="en-US" altLang="ja-JP" dirty="0" smtClean="0"/>
-          </a:p>
-          <a:p>
-            <a:r>
-              <a:rPr kumimoji="1" lang="ja-JP" altLang="en-US" dirty="0" smtClean="0"/>
-              <a:t>・</a:t>
-            </a:r>
-            <a:endParaRPr kumimoji="1" lang="en-US" altLang="ja-JP" dirty="0" smtClean="0"/>
-          </a:p>
-          <a:p>
-            <a:endParaRPr kumimoji="1" lang="en-US" altLang="ja-JP" dirty="0" smtClean="0"/>
-          </a:p>
-          <a:p>
-            <a:r>
-              <a:rPr kumimoji="1" lang="ja-JP" altLang="en-US" dirty="0" smtClean="0"/>
-              <a:t>という２点があり，～～</a:t>
-            </a:r>
-            <a:endParaRPr kumimoji="1" lang="ja-JP" altLang="en-US" dirty="0"/>
           </a:p>
         </p:txBody>
       </p:sp>
@@ -4101,7 +4596,7 @@
           <a:p>
             <a:fld id="{7D904524-672D-4E66-A637-CA0A2B28D555}" type="slidenum">
               <a:rPr kumimoji="1" lang="ja-JP" altLang="en-US" smtClean="0"/>
-              <a:t>9</a:t>
+              <a:t>8</a:t>
             </a:fld>
             <a:endParaRPr kumimoji="1" lang="ja-JP" altLang="en-US"/>
           </a:p>
@@ -4110,7 +4605,7 @@
     </p:spTree>
     <p:extLst>
       <p:ext uri="{BB962C8B-B14F-4D97-AF65-F5344CB8AC3E}">
-        <p14:creationId xmlns:p14="http://schemas.microsoft.com/office/powerpoint/2010/main" val="1700129276"/>
+        <p14:creationId xmlns:p14="http://schemas.microsoft.com/office/powerpoint/2010/main" val="2378823263"/>
       </p:ext>
     </p:extLst>
   </p:cSld>
@@ -4166,13 +4661,7 @@
           <a:p>
             <a:r>
               <a:rPr kumimoji="1" lang="ja-JP" altLang="en-US" dirty="0" smtClean="0"/>
-              <a:t>で、このパターンがどのような場面で用いられるかというと</a:t>
-            </a:r>
-          </a:p>
-          <a:p>
-            <a:r>
-              <a:rPr kumimoji="1" lang="ja-JP" altLang="en-US" dirty="0" smtClean="0"/>
-              <a:t>学習は一括でできるけど、予測したい未知の入力データが事前に用意できず、予測結果を低遅延で使いたい場合です</a:t>
+              <a:t>一つ目は～～という方法で、このパターンは３つの予測パターンの中で、最も素朴な方法がこのパターンです。</a:t>
             </a:r>
             <a:endParaRPr kumimoji="1" lang="en-US" altLang="ja-JP" dirty="0" smtClean="0"/>
           </a:p>
@@ -4182,7 +4671,15 @@
           <a:p>
             <a:r>
               <a:rPr kumimoji="1" lang="ja-JP" altLang="en-US" dirty="0" smtClean="0"/>
-              <a:t>例えば、広告配信の最適化などが考えられます。</a:t>
+              <a:t>このパターンは、バッチ処理で一括学習をし、そこで得られた予測モデルを</a:t>
+            </a:r>
+            <a:r>
+              <a:rPr kumimoji="1" lang="en-US" altLang="ja-JP" dirty="0" smtClean="0"/>
+              <a:t>Web</a:t>
+            </a:r>
+            <a:r>
+              <a:rPr kumimoji="1" lang="ja-JP" altLang="en-US" dirty="0" smtClean="0"/>
+              <a:t>アプリケーションでリアルタイム処理で利用するというものです。</a:t>
             </a:r>
             <a:endParaRPr kumimoji="1" lang="en-US" altLang="ja-JP" dirty="0" smtClean="0"/>
           </a:p>
@@ -4192,25 +4689,21 @@
           <a:p>
             <a:r>
               <a:rPr kumimoji="1" lang="ja-JP" altLang="en-US" dirty="0" smtClean="0"/>
-              <a:t>で、この予測結果を低遅延で提供するためにはいろいろ工夫が必要で～～です</a:t>
+              <a:t>このパターンの特徴としては、</a:t>
             </a:r>
             <a:endParaRPr kumimoji="1" lang="en-US" altLang="ja-JP" dirty="0" smtClean="0"/>
           </a:p>
           <a:p>
+            <a:r>
+              <a:rPr kumimoji="1" lang="ja-JP" altLang="en-US" dirty="0" smtClean="0"/>
+              <a:t>・</a:t>
+            </a:r>
             <a:endParaRPr kumimoji="1" lang="en-US" altLang="ja-JP" dirty="0" smtClean="0"/>
           </a:p>
           <a:p>
             <a:r>
               <a:rPr kumimoji="1" lang="ja-JP" altLang="en-US" dirty="0" smtClean="0"/>
-              <a:t>そのため</a:t>
-            </a:r>
-            <a:r>
-              <a:rPr kumimoji="1" lang="en-US" altLang="ja-JP" dirty="0" smtClean="0"/>
-              <a:t>RDB</a:t>
-            </a:r>
-            <a:r>
-              <a:rPr kumimoji="1" lang="ja-JP" altLang="en-US" dirty="0" smtClean="0"/>
-              <a:t>に前処理済みのデータや特徴量を格納しておく工夫が必要です</a:t>
+              <a:t>・</a:t>
             </a:r>
             <a:endParaRPr kumimoji="1" lang="en-US" altLang="ja-JP" dirty="0" smtClean="0"/>
           </a:p>
@@ -4218,90 +4711,11 @@
             <a:endParaRPr kumimoji="1" lang="en-US" altLang="ja-JP" dirty="0" smtClean="0"/>
           </a:p>
           <a:p>
-            <a:pPr marL="0" marR="0" lvl="1" indent="0" algn="l" defTabSz="914400" rtl="0" eaLnBrk="1" fontAlgn="auto" latinLnBrk="0" hangingPunct="1">
-              <a:lnSpc>
-                <a:spcPct val="100000"/>
-              </a:lnSpc>
-              <a:spcBef>
-                <a:spcPts val="0"/>
-              </a:spcBef>
-              <a:spcAft>
-                <a:spcPts val="0"/>
-              </a:spcAft>
-              <a:buClrTx/>
-              <a:buSzTx/>
-              <a:buFontTx/>
-              <a:buNone/>
-              <a:tabLst/>
-              <a:defRPr/>
-            </a:pPr>
-            <a:r>
-              <a:rPr kumimoji="1" lang="ja-JP" altLang="en-US" dirty="0" smtClean="0"/>
-              <a:t>で、特徴のところでも言いましたが、このパターンは</a:t>
-            </a:r>
-            <a:r>
-              <a:rPr lang="en-US" altLang="ja-JP" dirty="0" smtClean="0"/>
-              <a:t>Web</a:t>
-            </a:r>
-            <a:r>
-              <a:rPr lang="ja-JP" altLang="en-US" dirty="0" smtClean="0"/>
-              <a:t>アプリケーションとバッチシステムが同一でなければならないというように～～特徴があります</a:t>
-            </a:r>
-            <a:endParaRPr lang="en-US" altLang="ja-JP" dirty="0" smtClean="0"/>
-          </a:p>
-          <a:p>
-            <a:pPr marL="0" marR="0" lvl="1" indent="0" algn="l" defTabSz="914400" rtl="0" eaLnBrk="1" fontAlgn="auto" latinLnBrk="0" hangingPunct="1">
-              <a:lnSpc>
-                <a:spcPct val="100000"/>
-              </a:lnSpc>
-              <a:spcBef>
-                <a:spcPts val="0"/>
-              </a:spcBef>
-              <a:spcAft>
-                <a:spcPts val="0"/>
-              </a:spcAft>
-              <a:buClrTx/>
-              <a:buSzTx/>
-              <a:buFontTx/>
-              <a:buNone/>
-              <a:tabLst/>
-              <a:defRPr/>
-            </a:pPr>
-            <a:endParaRPr lang="en-US" altLang="ja-JP" dirty="0" smtClean="0"/>
-          </a:p>
-          <a:p>
-            <a:pPr marL="0" marR="0" lvl="1" indent="0" algn="l" defTabSz="914400" rtl="0" eaLnBrk="1" fontAlgn="auto" latinLnBrk="0" hangingPunct="1">
-              <a:lnSpc>
-                <a:spcPct val="100000"/>
-              </a:lnSpc>
-              <a:spcBef>
-                <a:spcPts val="0"/>
-              </a:spcBef>
-              <a:spcAft>
-                <a:spcPts val="0"/>
-              </a:spcAft>
-              <a:buClrTx/>
-              <a:buSzTx/>
-              <a:buFontTx/>
-              <a:buNone/>
-              <a:tabLst/>
-              <a:defRPr/>
-            </a:pPr>
-            <a:r>
-              <a:rPr lang="ja-JP" altLang="en-US" dirty="0" smtClean="0"/>
-              <a:t>ただどうしても</a:t>
-            </a:r>
-            <a:r>
-              <a:rPr lang="en-US" altLang="ja-JP" dirty="0" smtClean="0"/>
-              <a:t>Web</a:t>
-            </a:r>
-            <a:r>
-              <a:rPr lang="ja-JP" altLang="en-US" dirty="0" smtClean="0"/>
-              <a:t>アプリケーションで用いる言語で機械学習で使う予測モデルを実装するのは大変らしく～～場合もあるようです</a:t>
-            </a:r>
-          </a:p>
-          <a:p>
-            <a:endParaRPr kumimoji="1" lang="en-US" altLang="ja-JP" dirty="0" smtClean="0"/>
+            <a:r>
+              <a:rPr kumimoji="1" lang="ja-JP" altLang="en-US" dirty="0" smtClean="0"/>
+              <a:t>という２点があり，～～</a:t>
+            </a:r>
+            <a:endParaRPr kumimoji="1" lang="ja-JP" altLang="en-US" dirty="0"/>
           </a:p>
         </p:txBody>
       </p:sp>
@@ -4322,7 +4736,7 @@
           <a:p>
             <a:fld id="{7D904524-672D-4E66-A637-CA0A2B28D555}" type="slidenum">
               <a:rPr kumimoji="1" lang="ja-JP" altLang="en-US" smtClean="0"/>
-              <a:t>10</a:t>
+              <a:t>9</a:t>
             </a:fld>
             <a:endParaRPr kumimoji="1" lang="ja-JP" altLang="en-US"/>
           </a:p>
@@ -4331,7 +4745,7 @@
     </p:spTree>
     <p:extLst>
       <p:ext uri="{BB962C8B-B14F-4D97-AF65-F5344CB8AC3E}">
-        <p14:creationId xmlns:p14="http://schemas.microsoft.com/office/powerpoint/2010/main" val="1176882784"/>
+        <p14:creationId xmlns:p14="http://schemas.microsoft.com/office/powerpoint/2010/main" val="1700129276"/>
       </p:ext>
     </p:extLst>
   </p:cSld>
@@ -7691,17 +8105,17 @@
         </p:spPr>
         <p:txBody>
           <a:bodyPr>
-            <a:normAutofit fontScale="90000"/>
+            <a:normAutofit/>
           </a:bodyPr>
           <a:lstStyle/>
           <a:p>
             <a:r>
-              <a:rPr lang="en-US" altLang="ja-JP" dirty="0" smtClean="0"/>
-              <a:t>4.2.2 </a:t>
-            </a:r>
-            <a:r>
               <a:rPr lang="ja-JP" altLang="en-US" dirty="0" smtClean="0"/>
-              <a:t>バッチ処理で学習＋予測結果を</a:t>
+              <a:t>バッチ</a:t>
+            </a:r>
+            <a:r>
+              <a:rPr lang="ja-JP" altLang="en-US" dirty="0" smtClean="0"/>
+              <a:t>処理で学習＋予測結果を</a:t>
             </a:r>
             <a:r>
               <a:rPr lang="en-US" altLang="ja-JP" dirty="0" smtClean="0"/>
@@ -7804,7 +8218,23 @@
             <a:pPr lvl="1"/>
             <a:r>
               <a:rPr lang="ja-JP" altLang="en-US" dirty="0" smtClean="0"/>
-              <a:t>データのフェッチ、前処理、特徴抽出、予測といった一連の処理が低遅延で完結することが望ましい</a:t>
+              <a:t>データの</a:t>
+            </a:r>
+            <a:r>
+              <a:rPr lang="ja-JP" altLang="en-US" dirty="0" smtClean="0"/>
+              <a:t>フェッチ，前処理</a:t>
+            </a:r>
+            <a:r>
+              <a:rPr lang="ja-JP" altLang="en-US" dirty="0"/>
+              <a:t>，</a:t>
+            </a:r>
+            <a:r>
+              <a:rPr lang="ja-JP" altLang="en-US" dirty="0" smtClean="0"/>
+              <a:t>特徴抽出，予測</a:t>
+            </a:r>
+            <a:r>
+              <a:rPr lang="ja-JP" altLang="en-US" dirty="0" smtClean="0"/>
+              <a:t>といった一連の処理が低遅延で完結することが望ましい</a:t>
             </a:r>
             <a:endParaRPr lang="en-US" altLang="ja-JP" dirty="0" smtClean="0"/>
           </a:p>
@@ -7875,7 +8305,7 @@
             </a:r>
             <a:r>
               <a:rPr lang="ja-JP" altLang="en-US" dirty="0" smtClean="0"/>
-              <a:t>で行い、そのロジックを</a:t>
+              <a:t>で行い，そのロジックを</a:t>
             </a:r>
             <a:r>
               <a:rPr lang="en-US" altLang="ja-JP" dirty="0" smtClean="0"/>
@@ -10265,12 +10695,12 @@
           <a:lstStyle/>
           <a:p>
             <a:r>
-              <a:rPr lang="en-US" altLang="ja-JP" sz="4000" dirty="0"/>
-              <a:t>4.2.2 </a:t>
+              <a:rPr lang="ja-JP" altLang="en-US" sz="4000" dirty="0" smtClean="0"/>
+              <a:t>バッチ</a:t>
             </a:r>
             <a:r>
               <a:rPr lang="ja-JP" altLang="en-US" sz="4000" dirty="0"/>
-              <a:t>バッチ処理で学習＋予測結果を</a:t>
+              <a:t>処理で学習＋予測結果を</a:t>
             </a:r>
             <a:r>
               <a:rPr lang="en-US" altLang="ja-JP" sz="4000" dirty="0"/>
@@ -10509,12 +10939,12 @@
           <a:lstStyle/>
           <a:p>
             <a:r>
-              <a:rPr lang="en-US" altLang="ja-JP" sz="4000" dirty="0"/>
-              <a:t>4.2.2 </a:t>
+              <a:rPr lang="ja-JP" altLang="en-US" sz="4000" dirty="0" smtClean="0"/>
+              <a:t>バッチ</a:t>
             </a:r>
             <a:r>
               <a:rPr lang="ja-JP" altLang="en-US" sz="4000" dirty="0"/>
-              <a:t>バッチ処理で学習＋予測結果を</a:t>
+              <a:t>処理で学習＋予測結果を</a:t>
             </a:r>
             <a:r>
               <a:rPr lang="en-US" altLang="ja-JP" sz="4000" dirty="0"/>
@@ -10792,12 +11222,12 @@
           <a:lstStyle/>
           <a:p>
             <a:r>
-              <a:rPr lang="en-US" altLang="ja-JP" sz="4000" dirty="0"/>
-              <a:t>4.2.4 </a:t>
+              <a:rPr lang="ja-JP" altLang="en-US" sz="4000" dirty="0" smtClean="0"/>
+              <a:t>バッチ</a:t>
             </a:r>
             <a:r>
               <a:rPr lang="ja-JP" altLang="en-US" sz="4000" dirty="0"/>
-              <a:t>バッチ処理で学習＋予測結果を</a:t>
+              <a:t>処理で学習＋予測結果を</a:t>
             </a:r>
             <a:r>
               <a:rPr lang="en-US" altLang="ja-JP" sz="4000" dirty="0"/>
@@ -11145,12 +11575,12 @@
           <a:lstStyle/>
           <a:p>
             <a:r>
-              <a:rPr lang="en-US" altLang="ja-JP" sz="3600" dirty="0" smtClean="0"/>
-              <a:t>4.2.4 </a:t>
+              <a:rPr lang="ja-JP" altLang="en-US" sz="3600" dirty="0" smtClean="0"/>
+              <a:t>バッチ</a:t>
             </a:r>
             <a:r>
               <a:rPr lang="ja-JP" altLang="en-US" sz="3600" dirty="0"/>
-              <a:t>バッチ処理で学習＋予測結果</a:t>
+              <a:t>処理で学習＋予測結果</a:t>
             </a:r>
             <a:r>
               <a:rPr lang="ja-JP" altLang="en-US" sz="3600" dirty="0" smtClean="0"/>
@@ -11461,7 +11891,7 @@
                 <a:latin typeface="ＭＳ Ｐゴシック" panose="020B0600070205080204" pitchFamily="50" charset="-128"/>
                 <a:ea typeface="ＭＳ Ｐゴシック" panose="020B0600070205080204" pitchFamily="50" charset="-128"/>
               </a:rPr>
-              <a:t>となるコンテンツが増えていくと、それに比例して処理時間も増える</a:t>
+              <a:t>となるコンテンツが増えていくと，それに比例して処理時間も増える</a:t>
             </a:r>
             <a:endParaRPr kumimoji="1" lang="en-US" altLang="ja-JP" sz="2400" dirty="0" smtClean="0">
               <a:latin typeface="ＭＳ Ｐゴシック" panose="020B0600070205080204" pitchFamily="50" charset="-128"/>
@@ -13068,12 +13498,12 @@
           <a:lstStyle/>
           <a:p>
             <a:r>
-              <a:rPr kumimoji="1" lang="en-US" altLang="ja-JP" dirty="0" smtClean="0"/>
-              <a:t>4.2.6 </a:t>
-            </a:r>
-            <a:r>
-              <a:rPr kumimoji="1" lang="ja-JP" altLang="en-US" dirty="0" smtClean="0"/>
-              <a:t>各パターンのまとめ</a:t>
+              <a:rPr kumimoji="1" lang="ja-JP" altLang="en-US" dirty="0" smtClean="0"/>
+              <a:t>各パターン</a:t>
+            </a:r>
+            <a:r>
+              <a:rPr kumimoji="1" lang="ja-JP" altLang="en-US" dirty="0" smtClean="0"/>
+              <a:t>のまとめ</a:t>
             </a:r>
             <a:endParaRPr kumimoji="1" lang="ja-JP" altLang="en-US" dirty="0"/>
           </a:p>
@@ -13767,163 +14197,160 @@
         </p:nvSpPr>
         <p:spPr>
           <a:xfrm>
-            <a:off x="1264544" y="1229285"/>
-            <a:ext cx="10515600" cy="5397296"/>
+            <a:off x="838200" y="1221633"/>
+            <a:ext cx="11176000" cy="5397296"/>
           </a:xfrm>
         </p:spPr>
         <p:txBody>
           <a:bodyPr>
-            <a:normAutofit/>
+            <a:normAutofit lnSpcReduction="10000"/>
           </a:bodyPr>
           <a:lstStyle/>
           <a:p>
             <a:r>
-              <a:rPr kumimoji="1" lang="en-US" altLang="ja-JP" dirty="0" smtClean="0"/>
-              <a:t>1.1 </a:t>
-            </a:r>
-            <a:r>
-              <a:rPr kumimoji="1" lang="ja-JP" altLang="en-US" dirty="0" smtClean="0"/>
-              <a:t>機械学習はどのように使われるか</a:t>
+              <a:rPr lang="ja-JP" altLang="en-US" dirty="0" smtClean="0"/>
+              <a:t>システムに機械学習を含める流れ</a:t>
             </a:r>
             <a:endParaRPr kumimoji="1" lang="en-US" altLang="ja-JP" dirty="0" smtClean="0"/>
           </a:p>
           <a:p>
             <a:r>
-              <a:rPr lang="en-US" altLang="ja-JP" dirty="0" smtClean="0"/>
-              <a:t>1.2 </a:t>
-            </a:r>
-            <a:r>
               <a:rPr lang="ja-JP" altLang="en-US" dirty="0" smtClean="0"/>
-              <a:t>機械学習プロジェクトの流れ</a:t>
+              <a:t>システム設計</a:t>
             </a:r>
             <a:endParaRPr lang="en-US" altLang="ja-JP" dirty="0" smtClean="0"/>
           </a:p>
           <a:p>
             <a:pPr lvl="1"/>
             <a:r>
-              <a:rPr kumimoji="1" lang="en-US" altLang="ja-JP" dirty="0" smtClean="0"/>
-              <a:t>1.2.1 </a:t>
-            </a:r>
-            <a:r>
-              <a:rPr kumimoji="1" lang="ja-JP" altLang="en-US" dirty="0" smtClean="0"/>
-              <a:t>問題を定式化する</a:t>
+              <a:rPr lang="ja-JP" altLang="en-US" sz="2800" dirty="0" smtClean="0"/>
+              <a:t>混乱しやすい「バッチ処理」と「バッチ学習」</a:t>
+            </a:r>
+            <a:endParaRPr kumimoji="1" lang="en-US" altLang="ja-JP" sz="2800" dirty="0" smtClean="0"/>
+          </a:p>
+          <a:p>
+            <a:pPr lvl="2"/>
+            <a:r>
+              <a:rPr lang="ja-JP" altLang="en-US" sz="2400" dirty="0" smtClean="0"/>
+              <a:t>一括</a:t>
+            </a:r>
+            <a:r>
+              <a:rPr lang="ja-JP" altLang="en-US" sz="2400" dirty="0"/>
+              <a:t>学習</a:t>
+            </a:r>
+            <a:r>
+              <a:rPr lang="ja-JP" altLang="en-US" sz="2400" dirty="0" smtClean="0"/>
+              <a:t>と逐次学習</a:t>
+            </a:r>
+            <a:endParaRPr lang="en-US" altLang="ja-JP" sz="2400" dirty="0" smtClean="0"/>
+          </a:p>
+          <a:p>
+            <a:pPr lvl="2"/>
+            <a:r>
+              <a:rPr lang="ja-JP" altLang="en-US" sz="2400" dirty="0" smtClean="0"/>
+              <a:t>取りうる処理と学習の組み合わせ</a:t>
+            </a:r>
+            <a:endParaRPr lang="en-US" altLang="ja-JP" sz="2400" dirty="0" smtClean="0"/>
+          </a:p>
+          <a:p>
+            <a:pPr lvl="1"/>
+            <a:r>
+              <a:rPr kumimoji="1" lang="ja-JP" altLang="en-US" sz="2800" dirty="0" smtClean="0"/>
+              <a:t>バッチ処理で学習＋予測結果を</a:t>
+            </a:r>
+            <a:r>
+              <a:rPr kumimoji="1" lang="en-US" altLang="ja-JP" sz="2800" dirty="0" smtClean="0"/>
+              <a:t>Web</a:t>
+            </a:r>
+            <a:r>
+              <a:rPr kumimoji="1" lang="ja-JP" altLang="en-US" sz="2800" dirty="0" smtClean="0"/>
+              <a:t>アプリケーションで直接算出する</a:t>
+            </a:r>
+            <a:endParaRPr kumimoji="1" lang="en-US" altLang="ja-JP" sz="2800" dirty="0" smtClean="0"/>
+          </a:p>
+          <a:p>
+            <a:pPr lvl="1"/>
+            <a:r>
+              <a:rPr kumimoji="1" lang="ja-JP" altLang="en-US" sz="2800" dirty="0" smtClean="0"/>
+              <a:t>バッチ処理で学習＋予測結果を</a:t>
+            </a:r>
+            <a:r>
+              <a:rPr kumimoji="1" lang="en-US" altLang="ja-JP" sz="2800" dirty="0" smtClean="0"/>
+              <a:t>API</a:t>
+            </a:r>
+            <a:r>
+              <a:rPr kumimoji="1" lang="ja-JP" altLang="en-US" sz="2800" dirty="0" smtClean="0"/>
+              <a:t>経由で利用する</a:t>
+            </a:r>
+            <a:endParaRPr kumimoji="1" lang="en-US" altLang="ja-JP" sz="2800" dirty="0" smtClean="0"/>
+          </a:p>
+          <a:p>
+            <a:pPr lvl="1"/>
+            <a:r>
+              <a:rPr lang="ja-JP" altLang="en-US" sz="2800" dirty="0" smtClean="0"/>
+              <a:t>バッチ</a:t>
+            </a:r>
+            <a:r>
+              <a:rPr lang="ja-JP" altLang="en-US" sz="2800" dirty="0"/>
+              <a:t>処理</a:t>
+            </a:r>
+            <a:r>
+              <a:rPr lang="ja-JP" altLang="en-US" sz="2800" dirty="0" smtClean="0"/>
+              <a:t>で学習＋予測結果を</a:t>
+            </a:r>
+            <a:r>
+              <a:rPr lang="en-US" altLang="ja-JP" sz="2800" dirty="0" smtClean="0"/>
+              <a:t>DB</a:t>
+            </a:r>
+            <a:r>
+              <a:rPr lang="ja-JP" altLang="en-US" sz="2800" dirty="0" smtClean="0"/>
+              <a:t>経由で利用する</a:t>
+            </a:r>
+            <a:endParaRPr kumimoji="1" lang="en-US" altLang="ja-JP" sz="2800" dirty="0" smtClean="0"/>
+          </a:p>
+          <a:p>
+            <a:pPr lvl="1"/>
+            <a:r>
+              <a:rPr kumimoji="1" lang="ja-JP" altLang="en-US" sz="2800" dirty="0" smtClean="0"/>
+              <a:t>各パターンのまとめ</a:t>
+            </a:r>
+            <a:endParaRPr kumimoji="1" lang="en-US" altLang="ja-JP" sz="2800" dirty="0" smtClean="0"/>
+          </a:p>
+          <a:p>
+            <a:r>
+              <a:rPr kumimoji="1" lang="ja-JP" altLang="en-US" dirty="0" smtClean="0"/>
+              <a:t>ログ設計</a:t>
             </a:r>
             <a:endParaRPr kumimoji="1" lang="en-US" altLang="ja-JP" dirty="0" smtClean="0"/>
           </a:p>
           <a:p>
             <a:pPr lvl="1"/>
             <a:r>
-              <a:rPr lang="en-US" altLang="ja-JP" dirty="0" smtClean="0"/>
-              <a:t>1.2.2 </a:t>
-            </a:r>
-            <a:r>
-              <a:rPr lang="ja-JP" altLang="en-US" dirty="0" smtClean="0"/>
-              <a:t>機械学習をしなくてもよい方法を考える</a:t>
-            </a:r>
-            <a:endParaRPr lang="en-US" altLang="ja-JP" dirty="0" smtClean="0"/>
+              <a:rPr lang="ja-JP" altLang="en-US" sz="2800" dirty="0"/>
+              <a:t>ログ</a:t>
+            </a:r>
+            <a:r>
+              <a:rPr lang="ja-JP" altLang="en-US" sz="2800" dirty="0" smtClean="0"/>
+              <a:t>を保持する場所</a:t>
+            </a:r>
+            <a:endParaRPr lang="en-US" altLang="ja-JP" sz="2800" dirty="0" smtClean="0"/>
           </a:p>
           <a:p>
             <a:pPr lvl="1"/>
             <a:r>
-              <a:rPr kumimoji="1" lang="en-US" altLang="ja-JP" dirty="0" smtClean="0"/>
-              <a:t>1.2.3 </a:t>
-            </a:r>
-            <a:r>
-              <a:rPr kumimoji="1" lang="ja-JP" altLang="en-US" dirty="0" smtClean="0"/>
-              <a:t>システム設計を考える </a:t>
-            </a:r>
-            <a:r>
-              <a:rPr lang="en-US" altLang="ja-JP" dirty="0"/>
-              <a:t>1.2.4 </a:t>
-            </a:r>
-            <a:r>
-              <a:rPr lang="ja-JP" altLang="en-US" dirty="0"/>
-              <a:t>アルゴリズムを選定</a:t>
-            </a:r>
-            <a:r>
-              <a:rPr lang="ja-JP" altLang="en-US" dirty="0" smtClean="0"/>
-              <a:t>する</a:t>
-            </a:r>
-            <a:endParaRPr kumimoji="1" lang="en-US" altLang="ja-JP" dirty="0" smtClean="0"/>
-          </a:p>
-          <a:p>
-            <a:pPr lvl="1"/>
-            <a:r>
-              <a:rPr kumimoji="1" lang="en-US" altLang="ja-JP" dirty="0" smtClean="0"/>
-              <a:t>1.2.5 </a:t>
-            </a:r>
-            <a:r>
-              <a:rPr kumimoji="1" lang="ja-JP" altLang="en-US" dirty="0" smtClean="0"/>
-              <a:t>特徴量、教師データとログの設計をする</a:t>
-            </a:r>
-            <a:endParaRPr kumimoji="1" lang="en-US" altLang="ja-JP" dirty="0" smtClean="0"/>
-          </a:p>
-          <a:p>
-            <a:pPr lvl="1"/>
-            <a:r>
-              <a:rPr lang="en-US" altLang="ja-JP" dirty="0" smtClean="0"/>
-              <a:t>1.2.6 </a:t>
-            </a:r>
-            <a:r>
-              <a:rPr lang="ja-JP" altLang="en-US" dirty="0" smtClean="0"/>
-              <a:t>前処理をする</a:t>
-            </a:r>
-            <a:endParaRPr lang="en-US" altLang="ja-JP" dirty="0" smtClean="0"/>
-          </a:p>
-          <a:p>
-            <a:pPr lvl="1"/>
-            <a:r>
-              <a:rPr kumimoji="1" lang="en-US" altLang="ja-JP" dirty="0" smtClean="0"/>
-              <a:t>1.2.7 </a:t>
-            </a:r>
-            <a:r>
-              <a:rPr lang="ja-JP" altLang="en-US" dirty="0" smtClean="0"/>
-              <a:t>学習・パラメータチューニング</a:t>
-            </a:r>
-            <a:endParaRPr lang="en-US" altLang="ja-JP" dirty="0" smtClean="0"/>
-          </a:p>
-          <a:p>
-            <a:pPr lvl="1"/>
-            <a:r>
-              <a:rPr kumimoji="1" lang="en-US" altLang="ja-JP" dirty="0" smtClean="0"/>
-              <a:t>1.2.8 </a:t>
-            </a:r>
-            <a:r>
-              <a:rPr kumimoji="1" lang="ja-JP" altLang="en-US" dirty="0" smtClean="0"/>
-              <a:t>システムに組み込む</a:t>
-            </a:r>
-            <a:endParaRPr kumimoji="1" lang="en-US" altLang="ja-JP" dirty="0" smtClean="0"/>
-          </a:p>
-          <a:p>
-            <a:r>
-              <a:rPr kumimoji="1" lang="en-US" altLang="ja-JP" dirty="0" smtClean="0"/>
-              <a:t>1.3 </a:t>
-            </a:r>
-            <a:r>
-              <a:rPr kumimoji="1" lang="ja-JP" altLang="en-US" dirty="0" smtClean="0"/>
-              <a:t>実システムにおける機械学習の問題点への対処方法</a:t>
-            </a:r>
-            <a:endParaRPr kumimoji="1" lang="en-US" altLang="ja-JP" dirty="0" smtClean="0"/>
-          </a:p>
-          <a:p>
-            <a:r>
-              <a:rPr lang="en-US" altLang="ja-JP" dirty="0" smtClean="0"/>
-              <a:t>1.4 </a:t>
-            </a:r>
-            <a:r>
-              <a:rPr lang="ja-JP" altLang="en-US" dirty="0" smtClean="0"/>
-              <a:t>機械学習を含めたシステムを成功させるには</a:t>
-            </a:r>
-            <a:endParaRPr lang="en-US" altLang="ja-JP" dirty="0" smtClean="0"/>
-          </a:p>
-          <a:p>
-            <a:r>
-              <a:rPr kumimoji="1" lang="en-US" altLang="ja-JP" dirty="0" smtClean="0"/>
-              <a:t>1.5 </a:t>
-            </a:r>
-            <a:r>
-              <a:rPr kumimoji="1" lang="ja-JP" altLang="en-US" dirty="0" smtClean="0"/>
-              <a:t>この章のまとめ</a:t>
+              <a:rPr lang="ja-JP" altLang="en-US" sz="2800" dirty="0"/>
+              <a:t>ログを設計する上での注意点</a:t>
+            </a:r>
+            <a:endParaRPr kumimoji="1" lang="en-US" altLang="ja-JP" sz="2800" dirty="0" smtClean="0"/>
+          </a:p>
+          <a:p>
+            <a:r>
+              <a:rPr kumimoji="1" lang="ja-JP" altLang="en-US" dirty="0" smtClean="0"/>
+              <a:t>この</a:t>
+            </a:r>
+            <a:r>
+              <a:rPr kumimoji="1" lang="ja-JP" altLang="en-US" dirty="0" smtClean="0"/>
+              <a:t>章のまとめ</a:t>
             </a:r>
             <a:endParaRPr kumimoji="1" lang="ja-JP" altLang="en-US" dirty="0"/>
           </a:p>
@@ -14005,12 +14432,12 @@
           <a:lstStyle/>
           <a:p>
             <a:r>
-              <a:rPr kumimoji="1" lang="en-US" altLang="ja-JP" dirty="0" smtClean="0"/>
-              <a:t>4.3 </a:t>
-            </a:r>
-            <a:r>
-              <a:rPr kumimoji="1" lang="ja-JP" altLang="en-US" dirty="0" smtClean="0"/>
-              <a:t>ログ設計</a:t>
+              <a:rPr kumimoji="1" lang="ja-JP" altLang="en-US" dirty="0" smtClean="0"/>
+              <a:t>ログ</a:t>
+            </a:r>
+            <a:r>
+              <a:rPr kumimoji="1" lang="ja-JP" altLang="en-US" dirty="0" smtClean="0"/>
+              <a:t>設計</a:t>
             </a:r>
             <a:endParaRPr kumimoji="1" lang="ja-JP" altLang="en-US" dirty="0"/>
           </a:p>
@@ -14228,12 +14655,12 @@
           <a:lstStyle/>
           <a:p>
             <a:r>
-              <a:rPr kumimoji="1" lang="en-US" altLang="ja-JP" dirty="0" smtClean="0"/>
-              <a:t>4.3.2 </a:t>
-            </a:r>
-            <a:r>
-              <a:rPr kumimoji="1" lang="ja-JP" altLang="en-US" dirty="0" smtClean="0"/>
-              <a:t>ログを保持する場所</a:t>
+              <a:rPr kumimoji="1" lang="ja-JP" altLang="en-US" dirty="0" smtClean="0"/>
+              <a:t>ログ</a:t>
+            </a:r>
+            <a:r>
+              <a:rPr kumimoji="1" lang="ja-JP" altLang="en-US" dirty="0" smtClean="0"/>
+              <a:t>を保持する場所</a:t>
             </a:r>
             <a:endParaRPr kumimoji="1" lang="ja-JP" altLang="en-US" dirty="0"/>
           </a:p>
@@ -14257,7 +14684,7 @@
         </p:spPr>
         <p:txBody>
           <a:bodyPr>
-            <a:normAutofit fontScale="92500" lnSpcReduction="10000"/>
+            <a:normAutofit lnSpcReduction="10000"/>
           </a:bodyPr>
           <a:lstStyle/>
           <a:p>
@@ -14371,7 +14798,31 @@
             </a:r>
             <a:r>
               <a:rPr kumimoji="1" lang="ja-JP" altLang="en-US" sz="2800" dirty="0" smtClean="0"/>
-              <a:t>に格納する</a:t>
+              <a:t>に格納</a:t>
+            </a:r>
+            <a:r>
+              <a:rPr kumimoji="1" lang="ja-JP" altLang="en-US" sz="2800" dirty="0" smtClean="0"/>
+              <a:t>する</a:t>
+            </a:r>
+            <a:endParaRPr kumimoji="1" lang="en-US" altLang="ja-JP" sz="2800" dirty="0" smtClean="0"/>
+          </a:p>
+          <a:p>
+            <a:pPr lvl="2"/>
+            <a:r>
+              <a:rPr lang="en-US" altLang="ja-JP" sz="2400" b="1" dirty="0" err="1" smtClean="0"/>
+              <a:t>Handoop</a:t>
+            </a:r>
+            <a:r>
+              <a:rPr lang="ja-JP" altLang="en-US" sz="2400" dirty="0" smtClean="0"/>
+              <a:t>：構造化</a:t>
+            </a:r>
+            <a:r>
+              <a:rPr lang="ja-JP" altLang="en-US" sz="2400" dirty="0"/>
+              <a:t>されていないデータを、高速に処理</a:t>
+            </a:r>
+            <a:r>
+              <a:rPr lang="ja-JP" altLang="en-US" sz="2400" dirty="0" smtClean="0"/>
+              <a:t>出来るプラットフォーム</a:t>
             </a:r>
             <a:endParaRPr kumimoji="1" lang="en-US" altLang="ja-JP" sz="2800" dirty="0" smtClean="0"/>
           </a:p>
@@ -14387,11 +14838,11 @@
             </a:r>
             <a:r>
               <a:rPr lang="ja-JP" altLang="en-US" sz="2400" dirty="0" smtClean="0"/>
-              <a:t>大きな</a:t>
+              <a:t>ファイル</a:t>
             </a:r>
             <a:r>
               <a:rPr lang="ja-JP" altLang="en-US" sz="2400" dirty="0"/>
-              <a:t>ファイルを一定</a:t>
+              <a:t>を一定</a:t>
             </a:r>
             <a:r>
               <a:rPr lang="ja-JP" altLang="en-US" sz="2400" dirty="0" smtClean="0"/>
@@ -14425,26 +14876,6 @@
           </a:p>
           <a:p>
             <a:pPr lvl="2"/>
-            <a:r>
-              <a:rPr lang="ja-JP" altLang="en-US" sz="2400" dirty="0" smtClean="0"/>
-              <a:t>読み込み</a:t>
-            </a:r>
-            <a:r>
-              <a:rPr lang="ja-JP" altLang="en-US" sz="2400" dirty="0"/>
-              <a:t>や書き込みを</a:t>
-            </a:r>
-            <a:r>
-              <a:rPr lang="en-US" altLang="ja-JP" sz="2400" dirty="0"/>
-              <a:t>DB</a:t>
-            </a:r>
-            <a:r>
-              <a:rPr lang="ja-JP" altLang="en-US" sz="2400" dirty="0"/>
-              <a:t>の数だけ並列に実行できるようにしている </a:t>
-            </a:r>
-            <a:endParaRPr kumimoji="1" lang="en-US" altLang="ja-JP" sz="2400" dirty="0" smtClean="0"/>
-          </a:p>
-          <a:p>
-            <a:pPr lvl="2"/>
             <a:endParaRPr kumimoji="1" lang="en-US" altLang="ja-JP" dirty="0" smtClean="0"/>
           </a:p>
           <a:p>
@@ -14459,7 +14890,11 @@
             <a:pPr lvl="2"/>
             <a:r>
               <a:rPr lang="ja-JP" altLang="en-US" sz="2400" dirty="0" smtClean="0"/>
-              <a:t>ファイル単位，ブロック単位ではなく「オブジェクト」という単位でデータを管理するストレージ</a:t>
+              <a:t>「</a:t>
+            </a:r>
+            <a:r>
+              <a:rPr lang="ja-JP" altLang="en-US" sz="2400" dirty="0" smtClean="0"/>
+              <a:t>オブジェクト」という単位でデータを管理するストレージ</a:t>
             </a:r>
             <a:endParaRPr lang="en-US" altLang="ja-JP" sz="2400" dirty="0" smtClean="0"/>
           </a:p>
@@ -14522,7 +14957,7 @@
 </file>
 
 <file path=ppt/slides/slide22.xml><?xml version="1.0" encoding="utf-8"?>
-<p:sld xmlns:a="http://schemas.openxmlformats.org/drawingml/2006/main" xmlns:r="http://schemas.openxmlformats.org/officeDocument/2006/relationships" xmlns:p="http://schemas.openxmlformats.org/presentationml/2006/main">
+<p:sld xmlns:a="http://schemas.openxmlformats.org/drawingml/2006/main" xmlns:r="http://schemas.openxmlformats.org/officeDocument/2006/relationships" xmlns:p="http://schemas.openxmlformats.org/presentationml/2006/main" show="0">
   <p:cSld>
     <p:spTree>
       <p:nvGrpSpPr>
@@ -14554,12 +14989,12 @@
           <a:lstStyle/>
           <a:p>
             <a:r>
-              <a:rPr kumimoji="1" lang="en-US" altLang="ja-JP" dirty="0" smtClean="0"/>
-              <a:t>4.3.3 </a:t>
-            </a:r>
-            <a:r>
-              <a:rPr kumimoji="1" lang="ja-JP" altLang="en-US" dirty="0" smtClean="0"/>
-              <a:t>ログを設計する上での注意点</a:t>
+              <a:rPr kumimoji="1" lang="ja-JP" altLang="en-US" dirty="0" smtClean="0"/>
+              <a:t>ログ</a:t>
+            </a:r>
+            <a:r>
+              <a:rPr kumimoji="1" lang="ja-JP" altLang="en-US" dirty="0" smtClean="0"/>
+              <a:t>を設計する上での注意点</a:t>
             </a:r>
             <a:endParaRPr kumimoji="1" lang="ja-JP" altLang="en-US" dirty="0"/>
           </a:p>
@@ -14625,6 +15060,14 @@
   <p:clrMapOvr>
     <a:masterClrMapping/>
   </p:clrMapOvr>
+  <mc:AlternateContent xmlns:mc="http://schemas.openxmlformats.org/markup-compatibility/2006">
+    <mc:Choice xmlns:p14="http://schemas.microsoft.com/office/powerpoint/2010/main" Requires="p14">
+      <p:transition spd="slow" p14:dur="2000"/>
+    </mc:Choice>
+    <mc:Fallback>
+      <p:transition spd="slow"/>
+    </mc:Fallback>
+  </mc:AlternateContent>
 </p:sld>
 </file>
 
@@ -14911,7 +15354,7 @@
 </file>
 
 <file path=ppt/slides/slide25.xml><?xml version="1.0" encoding="utf-8"?>
-<p:sld xmlns:a="http://schemas.openxmlformats.org/drawingml/2006/main" xmlns:r="http://schemas.openxmlformats.org/officeDocument/2006/relationships" xmlns:p="http://schemas.openxmlformats.org/presentationml/2006/main">
+<p:sld xmlns:a="http://schemas.openxmlformats.org/drawingml/2006/main" xmlns:r="http://schemas.openxmlformats.org/officeDocument/2006/relationships" xmlns:p="http://schemas.openxmlformats.org/presentationml/2006/main" show="0">
   <p:cSld>
     <p:spTree>
       <p:nvGrpSpPr>
@@ -15006,11 +15449,19 @@
   <p:clrMapOvr>
     <a:masterClrMapping/>
   </p:clrMapOvr>
+  <mc:AlternateContent xmlns:mc="http://schemas.openxmlformats.org/markup-compatibility/2006">
+    <mc:Choice xmlns:p14="http://schemas.microsoft.com/office/powerpoint/2010/main" Requires="p14">
+      <p:transition spd="slow" p14:dur="2000"/>
+    </mc:Choice>
+    <mc:Fallback>
+      <p:transition spd="slow"/>
+    </mc:Fallback>
+  </mc:AlternateContent>
 </p:sld>
 </file>
 
 <file path=ppt/slides/slide26.xml><?xml version="1.0" encoding="utf-8"?>
-<p:sld xmlns:a="http://schemas.openxmlformats.org/drawingml/2006/main" xmlns:r="http://schemas.openxmlformats.org/officeDocument/2006/relationships" xmlns:p="http://schemas.openxmlformats.org/presentationml/2006/main">
+<p:sld xmlns:a="http://schemas.openxmlformats.org/drawingml/2006/main" xmlns:r="http://schemas.openxmlformats.org/officeDocument/2006/relationships" xmlns:p="http://schemas.openxmlformats.org/presentationml/2006/main" show="0">
   <p:cSld>
     <p:spTree>
       <p:nvGrpSpPr>
@@ -16232,11 +16683,19 @@
   <p:clrMapOvr>
     <a:masterClrMapping/>
   </p:clrMapOvr>
+  <mc:AlternateContent xmlns:mc="http://schemas.openxmlformats.org/markup-compatibility/2006">
+    <mc:Choice xmlns:p14="http://schemas.microsoft.com/office/powerpoint/2010/main" Requires="p14">
+      <p:transition spd="slow" p14:dur="2000"/>
+    </mc:Choice>
+    <mc:Fallback>
+      <p:transition spd="slow"/>
+    </mc:Fallback>
+  </mc:AlternateContent>
 </p:sld>
 </file>
 
 <file path=ppt/slides/slide27.xml><?xml version="1.0" encoding="utf-8"?>
-<p:sld xmlns:a="http://schemas.openxmlformats.org/drawingml/2006/main" xmlns:r="http://schemas.openxmlformats.org/officeDocument/2006/relationships" xmlns:p="http://schemas.openxmlformats.org/presentationml/2006/main">
+<p:sld xmlns:a="http://schemas.openxmlformats.org/drawingml/2006/main" xmlns:r="http://schemas.openxmlformats.org/officeDocument/2006/relationships" xmlns:p="http://schemas.openxmlformats.org/presentationml/2006/main" show="0">
   <p:cSld>
     <p:spTree>
       <p:nvGrpSpPr>
@@ -16367,11 +16826,19 @@
   <p:clrMapOvr>
     <a:masterClrMapping/>
   </p:clrMapOvr>
+  <mc:AlternateContent xmlns:mc="http://schemas.openxmlformats.org/markup-compatibility/2006">
+    <mc:Choice xmlns:p14="http://schemas.microsoft.com/office/powerpoint/2010/main" Requires="p14">
+      <p:transition spd="slow" p14:dur="2000"/>
+    </mc:Choice>
+    <mc:Fallback>
+      <p:transition spd="slow"/>
+    </mc:Fallback>
+  </mc:AlternateContent>
 </p:sld>
 </file>
 
 <file path=ppt/slides/slide28.xml><?xml version="1.0" encoding="utf-8"?>
-<p:sld xmlns:a="http://schemas.openxmlformats.org/drawingml/2006/main" xmlns:r="http://schemas.openxmlformats.org/officeDocument/2006/relationships" xmlns:p="http://schemas.openxmlformats.org/presentationml/2006/main">
+<p:sld xmlns:a="http://schemas.openxmlformats.org/drawingml/2006/main" xmlns:r="http://schemas.openxmlformats.org/officeDocument/2006/relationships" xmlns:p="http://schemas.openxmlformats.org/presentationml/2006/main" show="0">
   <p:cSld>
     <p:spTree>
       <p:nvGrpSpPr>
@@ -17612,11 +18079,19 @@
   <p:clrMapOvr>
     <a:masterClrMapping/>
   </p:clrMapOvr>
+  <mc:AlternateContent xmlns:mc="http://schemas.openxmlformats.org/markup-compatibility/2006">
+    <mc:Choice xmlns:p14="http://schemas.microsoft.com/office/powerpoint/2010/main" Requires="p14">
+      <p:transition spd="slow" p14:dur="2000"/>
+    </mc:Choice>
+    <mc:Fallback>
+      <p:transition spd="slow"/>
+    </mc:Fallback>
+  </mc:AlternateContent>
 </p:sld>
 </file>
 
 <file path=ppt/slides/slide29.xml><?xml version="1.0" encoding="utf-8"?>
-<p:sld xmlns:a="http://schemas.openxmlformats.org/drawingml/2006/main" xmlns:r="http://schemas.openxmlformats.org/officeDocument/2006/relationships" xmlns:p="http://schemas.openxmlformats.org/presentationml/2006/main">
+<p:sld xmlns:a="http://schemas.openxmlformats.org/drawingml/2006/main" xmlns:r="http://schemas.openxmlformats.org/officeDocument/2006/relationships" xmlns:p="http://schemas.openxmlformats.org/presentationml/2006/main" show="0">
   <p:cSld>
     <p:spTree>
       <p:nvGrpSpPr>
@@ -18857,6 +19332,14 @@
   <p:clrMapOvr>
     <a:masterClrMapping/>
   </p:clrMapOvr>
+  <mc:AlternateContent xmlns:mc="http://schemas.openxmlformats.org/markup-compatibility/2006">
+    <mc:Choice xmlns:p14="http://schemas.microsoft.com/office/powerpoint/2010/main" Requires="p14">
+      <p:transition spd="slow" p14:dur="2000"/>
+    </mc:Choice>
+    <mc:Fallback>
+      <p:transition spd="slow"/>
+    </mc:Fallback>
+  </mc:AlternateContent>
 </p:sld>
 </file>
 
@@ -18893,16 +19376,12 @@
           <a:lstStyle/>
           <a:p>
             <a:r>
-              <a:rPr lang="en-US" altLang="ja-JP" dirty="0"/>
-              <a:t>4</a:t>
-            </a:r>
-            <a:r>
-              <a:rPr kumimoji="1" lang="en-US" altLang="ja-JP" dirty="0" smtClean="0"/>
-              <a:t>.1 </a:t>
-            </a:r>
-            <a:r>
               <a:rPr lang="ja-JP" altLang="en-US" dirty="0" smtClean="0"/>
-              <a:t>システムに機械学習を含める流れ</a:t>
+              <a:t>システム</a:t>
+            </a:r>
+            <a:r>
+              <a:rPr lang="ja-JP" altLang="en-US" dirty="0" smtClean="0"/>
+              <a:t>に機械学習を含める流れ</a:t>
             </a:r>
             <a:endParaRPr kumimoji="1" lang="ja-JP" altLang="en-US" dirty="0"/>
           </a:p>
@@ -19065,7 +19544,7 @@
 </file>
 
 <file path=ppt/slides/slide30.xml><?xml version="1.0" encoding="utf-8"?>
-<p:sld xmlns:a="http://schemas.openxmlformats.org/drawingml/2006/main" xmlns:r="http://schemas.openxmlformats.org/officeDocument/2006/relationships" xmlns:p="http://schemas.openxmlformats.org/presentationml/2006/main">
+<p:sld xmlns:a="http://schemas.openxmlformats.org/drawingml/2006/main" xmlns:r="http://schemas.openxmlformats.org/officeDocument/2006/relationships" xmlns:p="http://schemas.openxmlformats.org/presentationml/2006/main" show="0">
   <p:cSld>
     <p:spTree>
       <p:nvGrpSpPr>
@@ -20086,11 +20565,19 @@
   <p:clrMapOvr>
     <a:masterClrMapping/>
   </p:clrMapOvr>
+  <mc:AlternateContent xmlns:mc="http://schemas.openxmlformats.org/markup-compatibility/2006">
+    <mc:Choice xmlns:p14="http://schemas.microsoft.com/office/powerpoint/2010/main" Requires="p14">
+      <p:transition spd="slow" p14:dur="2000"/>
+    </mc:Choice>
+    <mc:Fallback>
+      <p:transition spd="slow"/>
+    </mc:Fallback>
+  </mc:AlternateContent>
 </p:sld>
 </file>
 
 <file path=ppt/slides/slide31.xml><?xml version="1.0" encoding="utf-8"?>
-<p:sld xmlns:a="http://schemas.openxmlformats.org/drawingml/2006/main" xmlns:r="http://schemas.openxmlformats.org/officeDocument/2006/relationships" xmlns:p="http://schemas.openxmlformats.org/presentationml/2006/main">
+<p:sld xmlns:a="http://schemas.openxmlformats.org/drawingml/2006/main" xmlns:r="http://schemas.openxmlformats.org/officeDocument/2006/relationships" xmlns:p="http://schemas.openxmlformats.org/presentationml/2006/main" show="0">
   <p:cSld>
     <p:spTree>
       <p:nvGrpSpPr>
@@ -21287,6 +21774,14 @@
   <p:clrMapOvr>
     <a:masterClrMapping/>
   </p:clrMapOvr>
+  <mc:AlternateContent xmlns:mc="http://schemas.openxmlformats.org/markup-compatibility/2006">
+    <mc:Choice xmlns:p14="http://schemas.microsoft.com/office/powerpoint/2010/main" Requires="p14">
+      <p:transition spd="slow" p14:dur="2000"/>
+    </mc:Choice>
+    <mc:Fallback>
+      <p:transition spd="slow"/>
+    </mc:Fallback>
+  </mc:AlternateContent>
 </p:sld>
 </file>
 
@@ -21323,12 +21818,12 @@
           <a:lstStyle/>
           <a:p>
             <a:r>
-              <a:rPr kumimoji="1" lang="en-US" altLang="ja-JP" dirty="0" smtClean="0"/>
-              <a:t>4.2 </a:t>
-            </a:r>
-            <a:r>
-              <a:rPr kumimoji="1" lang="ja-JP" altLang="en-US" dirty="0" smtClean="0"/>
-              <a:t>システム設計</a:t>
+              <a:rPr kumimoji="1" lang="ja-JP" altLang="en-US" dirty="0" smtClean="0"/>
+              <a:t>システム</a:t>
+            </a:r>
+            <a:r>
+              <a:rPr kumimoji="1" lang="ja-JP" altLang="en-US" dirty="0" smtClean="0"/>
+              <a:t>設計</a:t>
             </a:r>
             <a:endParaRPr kumimoji="1" lang="ja-JP" altLang="en-US" dirty="0"/>
           </a:p>
@@ -21469,12 +21964,12 @@
           <a:lstStyle/>
           <a:p>
             <a:r>
-              <a:rPr kumimoji="1" lang="en-US" altLang="ja-JP" dirty="0" smtClean="0"/>
-              <a:t>4.2.1 </a:t>
-            </a:r>
-            <a:r>
-              <a:rPr kumimoji="1" lang="ja-JP" altLang="en-US" dirty="0" smtClean="0"/>
-              <a:t>混乱しやすい「バッチ処理」と「バッチ学習」</a:t>
+              <a:rPr kumimoji="1" lang="ja-JP" altLang="en-US" dirty="0" smtClean="0"/>
+              <a:t>混乱</a:t>
+            </a:r>
+            <a:r>
+              <a:rPr kumimoji="1" lang="ja-JP" altLang="en-US" dirty="0" smtClean="0"/>
+              <a:t>しやすい「バッチ処理」と「バッチ学習」</a:t>
             </a:r>
             <a:endParaRPr kumimoji="1" lang="ja-JP" altLang="en-US" dirty="0"/>
           </a:p>
@@ -21514,7 +22009,15 @@
             </a:r>
             <a:r>
               <a:rPr lang="ja-JP" altLang="en-US" sz="2800" dirty="0" smtClean="0"/>
-              <a:t>で何かを処理すること、またその処理そのものを指す</a:t>
+              <a:t>で何かを処理する</a:t>
+            </a:r>
+            <a:r>
+              <a:rPr lang="ja-JP" altLang="en-US" sz="2800" dirty="0" smtClean="0"/>
+              <a:t>こと，また</a:t>
+            </a:r>
+            <a:r>
+              <a:rPr lang="ja-JP" altLang="en-US" sz="2800" dirty="0" smtClean="0"/>
+              <a:t>その処理そのものを指す</a:t>
             </a:r>
             <a:endParaRPr lang="en-US" altLang="ja-JP" sz="2800" dirty="0"/>
           </a:p>
@@ -22325,12 +22828,12 @@
           <a:lstStyle/>
           <a:p>
             <a:r>
-              <a:rPr lang="en-US" altLang="ja-JP" sz="3600" dirty="0"/>
-              <a:t>4.2.2 </a:t>
+              <a:rPr lang="ja-JP" altLang="en-US" sz="3600" dirty="0" smtClean="0"/>
+              <a:t>バッチ</a:t>
             </a:r>
             <a:r>
               <a:rPr lang="ja-JP" altLang="en-US" sz="3600" dirty="0"/>
-              <a:t>バッチ処理で学習＋予測結果を</a:t>
+              <a:t>処理で学習＋予測結果を</a:t>
             </a:r>
             <a:r>
               <a:rPr lang="en-US" altLang="ja-JP" sz="3600" dirty="0"/>

--- a/仕事ではじめる機械学習第4章.pptx
+++ b/仕事ではじめる機械学習第4章.pptx
@@ -919,6 +919,94 @@
             </a:pPr>
             <a:r>
               <a:rPr kumimoji="1" lang="ja-JP" altLang="en-US" dirty="0" smtClean="0"/>
+              <a:t>次にこのパターンの学習フェーズと予測フェーズを見て行きます</a:t>
+            </a:r>
+            <a:endParaRPr kumimoji="1" lang="en-US" altLang="ja-JP" dirty="0" smtClean="0"/>
+          </a:p>
+          <a:p>
+            <a:pPr marL="0" marR="0" indent="0" algn="l" defTabSz="914400" rtl="0" eaLnBrk="1" fontAlgn="auto" latinLnBrk="0" hangingPunct="1">
+              <a:lnSpc>
+                <a:spcPct val="100000"/>
+              </a:lnSpc>
+              <a:spcBef>
+                <a:spcPts val="0"/>
+              </a:spcBef>
+              <a:spcAft>
+                <a:spcPts val="0"/>
+              </a:spcAft>
+              <a:buClrTx/>
+              <a:buSzTx/>
+              <a:buFontTx/>
+              <a:buNone/>
+              <a:tabLst/>
+              <a:defRPr/>
+            </a:pPr>
+            <a:endParaRPr kumimoji="1" lang="en-US" altLang="ja-JP" dirty="0" smtClean="0"/>
+          </a:p>
+          <a:p>
+            <a:pPr marL="0" marR="0" indent="0" algn="l" defTabSz="914400" rtl="0" eaLnBrk="1" fontAlgn="auto" latinLnBrk="0" hangingPunct="1">
+              <a:lnSpc>
+                <a:spcPct val="100000"/>
+              </a:lnSpc>
+              <a:spcBef>
+                <a:spcPts val="0"/>
+              </a:spcBef>
+              <a:spcAft>
+                <a:spcPts val="0"/>
+              </a:spcAft>
+              <a:buClrTx/>
+              <a:buSzTx/>
+              <a:buFontTx/>
+              <a:buNone/>
+              <a:tabLst/>
+              <a:defRPr/>
+            </a:pPr>
+            <a:r>
+              <a:rPr kumimoji="1" lang="ja-JP" altLang="en-US" dirty="0" smtClean="0"/>
+              <a:t>学習フェーズではオレンジ色のコンポーネントが使われます</a:t>
+            </a:r>
+            <a:endParaRPr kumimoji="1" lang="en-US" altLang="ja-JP" dirty="0" smtClean="0"/>
+          </a:p>
+          <a:p>
+            <a:pPr marL="0" marR="0" indent="0" algn="l" defTabSz="914400" rtl="0" eaLnBrk="1" fontAlgn="auto" latinLnBrk="0" hangingPunct="1">
+              <a:lnSpc>
+                <a:spcPct val="100000"/>
+              </a:lnSpc>
+              <a:spcBef>
+                <a:spcPts val="0"/>
+              </a:spcBef>
+              <a:spcAft>
+                <a:spcPts val="0"/>
+              </a:spcAft>
+              <a:buClrTx/>
+              <a:buSzTx/>
+              <a:buFontTx/>
+              <a:buNone/>
+              <a:tabLst/>
+              <a:defRPr/>
+            </a:pPr>
+            <a:endParaRPr kumimoji="1" lang="en-US" altLang="ja-JP" dirty="0" smtClean="0"/>
+          </a:p>
+          <a:p>
+            <a:pPr marL="0" marR="0" indent="0" algn="l" defTabSz="914400" rtl="0" eaLnBrk="1" fontAlgn="auto" latinLnBrk="0" hangingPunct="1">
+              <a:lnSpc>
+                <a:spcPct val="100000"/>
+              </a:lnSpc>
+              <a:spcBef>
+                <a:spcPts val="0"/>
+              </a:spcBef>
+              <a:spcAft>
+                <a:spcPts val="0"/>
+              </a:spcAft>
+              <a:buClrTx/>
+              <a:buSzTx/>
+              <a:buFontTx/>
+              <a:buNone/>
+              <a:tabLst/>
+              <a:defRPr/>
+            </a:pPr>
+            <a:r>
+              <a:rPr kumimoji="1" lang="ja-JP" altLang="en-US" dirty="0" smtClean="0"/>
               <a:t>１．バッチシステムによって、</a:t>
             </a:r>
             <a:r>
@@ -1092,7 +1180,7 @@
                 <a:latin typeface="ＭＳ Ｐゴシック" panose="020B0600070205080204" pitchFamily="50" charset="-128"/>
                 <a:ea typeface="ＭＳ Ｐゴシック" panose="020B0600070205080204" pitchFamily="50" charset="-128"/>
               </a:rPr>
-              <a:t>シリアライズというのは、</a:t>
+              <a:t>シリアライズというのは、簡単に言うと</a:t>
             </a:r>
             <a:r>
               <a:rPr kumimoji="1" lang="ja-JP" altLang="en-US" sz="1200" b="0" i="0" kern="1200" dirty="0" smtClean="0">
@@ -1507,23 +1595,31 @@
             </a:r>
             <a:r>
               <a:rPr kumimoji="1" lang="ja-JP" altLang="en-US" dirty="0" smtClean="0"/>
-              <a:t>と同じですが、予測</a:t>
-            </a:r>
-            <a:r>
-              <a:rPr kumimoji="1" lang="ja-JP" altLang="en-US" dirty="0" smtClean="0"/>
+              <a:t>と同じですが、</a:t>
+            </a:r>
+            <a:r>
+              <a:rPr kumimoji="1" lang="ja-JP" altLang="en-US" b="1" dirty="0" smtClean="0"/>
+              <a:t>予測</a:t>
+            </a:r>
+            <a:r>
+              <a:rPr kumimoji="1" lang="ja-JP" altLang="en-US" b="1" dirty="0" smtClean="0"/>
               <a:t>結果をレスポンスとして返す</a:t>
             </a:r>
             <a:r>
-              <a:rPr kumimoji="1" lang="en-US" altLang="ja-JP" dirty="0" smtClean="0"/>
+              <a:rPr kumimoji="1" lang="en-US" altLang="ja-JP" b="1" dirty="0" smtClean="0"/>
               <a:t>API</a:t>
             </a:r>
             <a:r>
-              <a:rPr kumimoji="1" lang="ja-JP" altLang="en-US" dirty="0" smtClean="0"/>
+              <a:rPr kumimoji="1" lang="ja-JP" altLang="en-US" b="1" dirty="0" smtClean="0"/>
               <a:t>サーバーを用意</a:t>
             </a:r>
             <a:r>
-              <a:rPr kumimoji="1" lang="ja-JP" altLang="en-US" dirty="0" smtClean="0"/>
-              <a:t>するという点でちょっと違います。</a:t>
+              <a:rPr kumimoji="1" lang="ja-JP" altLang="en-US" b="1" dirty="0" smtClean="0"/>
+              <a:t>するという点</a:t>
+            </a:r>
+            <a:r>
+              <a:rPr kumimoji="1" lang="ja-JP" altLang="en-US" dirty="0" smtClean="0"/>
+              <a:t>でちょっと違います。</a:t>
             </a:r>
             <a:endParaRPr kumimoji="1" lang="en-US" altLang="ja-JP" dirty="0" smtClean="0"/>
           </a:p>
@@ -1543,7 +1639,11 @@
           <a:p>
             <a:r>
               <a:rPr kumimoji="1" lang="ja-JP" altLang="en-US" dirty="0" smtClean="0"/>
-              <a:t>の２点があり</a:t>
+              <a:t>の２点が</a:t>
+            </a:r>
+            <a:r>
+              <a:rPr kumimoji="1" lang="ja-JP" altLang="en-US" dirty="0" smtClean="0"/>
+              <a:t>あり一つは、～～ということです、これは実装する際に非常にメリットがあります</a:t>
             </a:r>
             <a:endParaRPr kumimoji="1" lang="en-US" altLang="ja-JP" dirty="0" smtClean="0"/>
           </a:p>
@@ -1553,7 +1653,21 @@
           <a:p>
             <a:r>
               <a:rPr kumimoji="1" lang="ja-JP" altLang="en-US" dirty="0" smtClean="0"/>
-              <a:t>バッチ処理で学習を行うことは他のパターンとは代わりませんが、</a:t>
+              <a:t>２つ目は、～～ということでこれはパターン１と基本的には同じですね</a:t>
+            </a:r>
+            <a:endParaRPr kumimoji="1" lang="en-US" altLang="ja-JP" dirty="0" smtClean="0"/>
+          </a:p>
+          <a:p>
+            <a:endParaRPr kumimoji="1" lang="en-US" altLang="ja-JP" dirty="0" smtClean="0"/>
+          </a:p>
+          <a:p>
+            <a:r>
+              <a:rPr kumimoji="1" lang="ja-JP" altLang="en-US" smtClean="0"/>
+              <a:t>で、このパターンはバッチ</a:t>
+            </a:r>
+            <a:r>
+              <a:rPr kumimoji="1" lang="ja-JP" altLang="en-US" dirty="0" smtClean="0"/>
+              <a:t>処理で学習を行うことは他のパターンとは代わりませんが、</a:t>
             </a:r>
             <a:r>
               <a:rPr kumimoji="1" lang="en-US" altLang="ja-JP" dirty="0" smtClean="0"/>
@@ -1561,7 +1675,11 @@
             </a:r>
             <a:r>
               <a:rPr kumimoji="1" lang="ja-JP" altLang="en-US" dirty="0" smtClean="0"/>
-              <a:t>アプリケーションから～～です</a:t>
+              <a:t>アプリケーションから</a:t>
+            </a:r>
+            <a:r>
+              <a:rPr kumimoji="1" lang="ja-JP" altLang="en-US" dirty="0" smtClean="0"/>
+              <a:t>～～ということです</a:t>
             </a:r>
             <a:endParaRPr kumimoji="1" lang="ja-JP" altLang="en-US" dirty="0"/>
           </a:p>
@@ -4081,11 +4199,7 @@
             </a:r>
             <a:r>
               <a:rPr kumimoji="1" lang="ja-JP" altLang="en-US" dirty="0" smtClean="0"/>
-              <a:t>学ぶ前</a:t>
-            </a:r>
-            <a:r>
-              <a:rPr kumimoji="1" lang="ja-JP" altLang="en-US" smtClean="0"/>
-              <a:t>に、重要</a:t>
+              <a:t>学ぶ前に、重要</a:t>
             </a:r>
             <a:r>
               <a:rPr kumimoji="1" lang="ja-JP" altLang="en-US" dirty="0" smtClean="0"/>
@@ -4113,7 +4227,7 @@
             </a:r>
             <a:r>
               <a:rPr kumimoji="1" lang="ja-JP" altLang="en-US" dirty="0" smtClean="0"/>
-              <a:t>指すと</a:t>
+              <a:t>指すとのことです</a:t>
             </a:r>
             <a:endParaRPr kumimoji="1" lang="en-US" altLang="ja-JP" dirty="0" smtClean="0"/>
           </a:p>
@@ -4133,7 +4247,11 @@
           <a:p>
             <a:r>
               <a:rPr kumimoji="1" lang="ja-JP" altLang="en-US" dirty="0" smtClean="0"/>
-              <a:t>あと、バッチ処理とバッチ学習の混同を避けるため～～</a:t>
+              <a:t>あと、バッチ処理とバッチ学習の混同を避けるため～</a:t>
+            </a:r>
+            <a:r>
+              <a:rPr kumimoji="1" lang="ja-JP" altLang="en-US" dirty="0" smtClean="0"/>
+              <a:t>～表現しています</a:t>
             </a:r>
             <a:endParaRPr kumimoji="1" lang="ja-JP" altLang="en-US" dirty="0"/>
           </a:p>
@@ -4221,7 +4339,7 @@
           <a:p>
             <a:r>
               <a:rPr kumimoji="1" lang="ja-JP" altLang="en-US" dirty="0" smtClean="0"/>
-              <a:t>一括学習と逐次学習では、モデル学習時のデータの保持の仕方が異なるということで</a:t>
+              <a:t>一括学習と逐次学習についてさらに見て行きます</a:t>
             </a:r>
             <a:endParaRPr kumimoji="1" lang="en-US" altLang="ja-JP" dirty="0" smtClean="0"/>
           </a:p>
@@ -4231,7 +4349,11 @@
           <a:p>
             <a:r>
               <a:rPr kumimoji="1" lang="ja-JP" altLang="en-US" dirty="0" smtClean="0"/>
-              <a:t>一括学習は、その名の通り一括で学習するとことで～～なので～～ということです。</a:t>
+              <a:t>一括</a:t>
+            </a:r>
+            <a:r>
+              <a:rPr kumimoji="1" lang="ja-JP" altLang="en-US" dirty="0" smtClean="0"/>
+              <a:t>学習と逐次学習では、モデル学習時のデータの保持の仕方が異なるということで</a:t>
             </a:r>
             <a:endParaRPr kumimoji="1" lang="en-US" altLang="ja-JP" dirty="0" smtClean="0"/>
           </a:p>
@@ -4241,7 +4363,35 @@
           <a:p>
             <a:r>
               <a:rPr kumimoji="1" lang="ja-JP" altLang="en-US" dirty="0" smtClean="0"/>
-              <a:t>逐次学習も、名前の通り逐次的に学習していくということで、～～計算していく学習方法です。で～～といったメリットがあります。</a:t>
+              <a:t>一括学習は、その名の通り一括で学習するとこと</a:t>
+            </a:r>
+            <a:r>
+              <a:rPr kumimoji="1" lang="ja-JP" altLang="en-US" dirty="0" smtClean="0"/>
+              <a:t>で特徴量の計算のため～～します</a:t>
+            </a:r>
+            <a:endParaRPr kumimoji="1" lang="en-US" altLang="ja-JP" dirty="0" smtClean="0"/>
+          </a:p>
+          <a:p>
+            <a:endParaRPr kumimoji="1" lang="en-US" altLang="ja-JP" dirty="0" smtClean="0"/>
+          </a:p>
+          <a:p>
+            <a:r>
+              <a:rPr kumimoji="1" lang="ja-JP" altLang="en-US" dirty="0" smtClean="0"/>
+              <a:t>一般的に一括学習の場合、教師データが増えると必要とするメモリはその分増加していきます。</a:t>
+            </a:r>
+            <a:endParaRPr kumimoji="1" lang="en-US" altLang="ja-JP" dirty="0" smtClean="0"/>
+          </a:p>
+          <a:p>
+            <a:endParaRPr kumimoji="1" lang="en-US" altLang="ja-JP" dirty="0" smtClean="0"/>
+          </a:p>
+          <a:p>
+            <a:r>
+              <a:rPr kumimoji="1" lang="ja-JP" altLang="en-US" dirty="0" smtClean="0"/>
+              <a:t>一方、逐次学習は、～</a:t>
+            </a:r>
+            <a:r>
+              <a:rPr kumimoji="1" lang="ja-JP" altLang="en-US" dirty="0" smtClean="0"/>
+              <a:t>～計算していく学習方法です。で～～といったメリットがあります。</a:t>
             </a:r>
             <a:endParaRPr kumimoji="1" lang="en-US" altLang="ja-JP" dirty="0" smtClean="0"/>
           </a:p>
@@ -4345,25 +4495,55 @@
           <a:p>
             <a:r>
               <a:rPr kumimoji="1" lang="ja-JP" altLang="en-US" dirty="0" smtClean="0"/>
-              <a:t>では、取りうる処理と学習の組み合わせはどのようなものがあるかというと、</a:t>
-            </a:r>
-            <a:endParaRPr kumimoji="1" lang="en-US" altLang="ja-JP" dirty="0" smtClean="0"/>
-          </a:p>
-          <a:p>
-            <a:endParaRPr kumimoji="1" lang="en-US" altLang="ja-JP" dirty="0" smtClean="0"/>
-          </a:p>
-          <a:p>
-            <a:r>
-              <a:rPr kumimoji="1" lang="ja-JP" altLang="en-US" dirty="0" smtClean="0"/>
-              <a:t>処理はバッチ処理とリアルタイムの</a:t>
+              <a:t>前のスライド</a:t>
             </a:r>
             <a:r>
               <a:rPr kumimoji="1" lang="en-US" altLang="ja-JP" dirty="0" smtClean="0"/>
               <a:t>2</a:t>
             </a:r>
             <a:r>
-              <a:rPr kumimoji="1" lang="ja-JP" altLang="en-US" dirty="0" smtClean="0"/>
-              <a:t>つで、学習方法も一括学習と逐次学習の</a:t>
+              <a:rPr kumimoji="1" lang="ja-JP" altLang="en-US" dirty="0" err="1" smtClean="0"/>
+              <a:t>つで</a:t>
+            </a:r>
+            <a:r>
+              <a:rPr kumimoji="1" lang="ja-JP" altLang="en-US" dirty="0" smtClean="0"/>
+              <a:t>処理と学習について説明したんですが、</a:t>
+            </a:r>
+            <a:endParaRPr kumimoji="1" lang="en-US" altLang="ja-JP" dirty="0" smtClean="0"/>
+          </a:p>
+          <a:p>
+            <a:endParaRPr kumimoji="1" lang="en-US" altLang="ja-JP" dirty="0" smtClean="0"/>
+          </a:p>
+          <a:p>
+            <a:r>
+              <a:rPr kumimoji="1" lang="ja-JP" altLang="en-US" dirty="0" smtClean="0"/>
+              <a:t>では</a:t>
+            </a:r>
+            <a:r>
+              <a:rPr kumimoji="1" lang="ja-JP" altLang="en-US" dirty="0" smtClean="0"/>
+              <a:t>、取りうる処理と学習の組み合わせはどのようなものがあるかというと、</a:t>
+            </a:r>
+            <a:endParaRPr kumimoji="1" lang="en-US" altLang="ja-JP" dirty="0" smtClean="0"/>
+          </a:p>
+          <a:p>
+            <a:endParaRPr kumimoji="1" lang="en-US" altLang="ja-JP" dirty="0" smtClean="0"/>
+          </a:p>
+          <a:p>
+            <a:r>
+              <a:rPr kumimoji="1" lang="ja-JP" altLang="en-US" dirty="0" smtClean="0"/>
+              <a:t>処理</a:t>
+            </a:r>
+            <a:r>
+              <a:rPr kumimoji="1" lang="en-US" altLang="ja-JP" dirty="0" smtClean="0"/>
+              <a:t>2</a:t>
+            </a:r>
+            <a:r>
+              <a:rPr kumimoji="1" lang="ja-JP" altLang="en-US" dirty="0" smtClean="0"/>
+              <a:t>つで、学習方法</a:t>
+            </a:r>
+            <a:r>
+              <a:rPr kumimoji="1" lang="ja-JP" altLang="en-US" dirty="0" smtClean="0"/>
+              <a:t>も</a:t>
             </a:r>
             <a:r>
               <a:rPr kumimoji="1" lang="en-US" altLang="ja-JP" dirty="0" smtClean="0"/>
@@ -4538,19 +4718,15 @@
           <a:p>
             <a:r>
               <a:rPr kumimoji="1" lang="ja-JP" altLang="en-US" dirty="0" smtClean="0"/>
-              <a:t>ここからは、バッチ処理で学習を行う</a:t>
-            </a:r>
-            <a:r>
-              <a:rPr kumimoji="1" lang="en-US" altLang="ja-JP" dirty="0" smtClean="0"/>
-              <a:t>3</a:t>
-            </a:r>
-            <a:r>
-              <a:rPr kumimoji="1" lang="ja-JP" altLang="en-US" dirty="0" err="1" smtClean="0"/>
-              <a:t>つの</a:t>
-            </a:r>
-            <a:r>
-              <a:rPr kumimoji="1" lang="ja-JP" altLang="en-US" dirty="0" smtClean="0"/>
-              <a:t>予測パターンについての構成を見て行きます</a:t>
+              <a:t>ここからは、バッチ処理で学習を</a:t>
+            </a:r>
+            <a:r>
+              <a:rPr kumimoji="1" lang="ja-JP" altLang="en-US" dirty="0" smtClean="0"/>
+              <a:t>行う予測</a:t>
+            </a:r>
+            <a:r>
+              <a:rPr kumimoji="1" lang="ja-JP" altLang="en-US" dirty="0" smtClean="0"/>
+              <a:t>パターンについての構成を見て行きます</a:t>
             </a:r>
             <a:endParaRPr kumimoji="1" lang="en-US" altLang="ja-JP" dirty="0" smtClean="0"/>
           </a:p>
@@ -4560,7 +4736,7 @@
           <a:p>
             <a:r>
               <a:rPr kumimoji="1" lang="ja-JP" altLang="en-US" dirty="0" smtClean="0"/>
-              <a:t>こちらが３つのパターンになります</a:t>
+              <a:t>今回のこの３つのパターンを紹介します</a:t>
             </a:r>
             <a:endParaRPr kumimoji="1" lang="en-US" altLang="ja-JP" dirty="0" smtClean="0"/>
           </a:p>
@@ -8099,8 +8275,8 @@
         </p:nvSpPr>
         <p:spPr>
           <a:xfrm>
-            <a:off x="569624" y="365125"/>
-            <a:ext cx="11271354" cy="1325563"/>
+            <a:off x="569623" y="365125"/>
+            <a:ext cx="11458253" cy="1325563"/>
           </a:xfrm>
         </p:spPr>
         <p:txBody>
@@ -8110,34 +8286,34 @@
           <a:lstStyle/>
           <a:p>
             <a:r>
-              <a:rPr lang="ja-JP" altLang="en-US" dirty="0" smtClean="0"/>
+              <a:rPr lang="ja-JP" altLang="en-US" sz="4000" dirty="0" smtClean="0"/>
               <a:t>バッチ</a:t>
             </a:r>
             <a:r>
-              <a:rPr lang="ja-JP" altLang="en-US" dirty="0" smtClean="0"/>
+              <a:rPr lang="ja-JP" altLang="en-US" sz="4000" dirty="0" smtClean="0"/>
               <a:t>処理で学習＋予測結果を</a:t>
             </a:r>
             <a:r>
-              <a:rPr lang="en-US" altLang="ja-JP" dirty="0" smtClean="0"/>
+              <a:rPr lang="en-US" altLang="ja-JP" sz="4000" dirty="0" smtClean="0"/>
               <a:t>Web</a:t>
             </a:r>
             <a:r>
-              <a:rPr lang="ja-JP" altLang="en-US" dirty="0" smtClean="0"/>
+              <a:rPr lang="ja-JP" altLang="en-US" sz="4000" dirty="0" smtClean="0"/>
               <a:t>アプリケーションで直接算出する</a:t>
             </a:r>
             <a:r>
-              <a:rPr lang="en-US" altLang="ja-JP" dirty="0" smtClean="0"/>
+              <a:rPr lang="en-US" altLang="ja-JP" sz="4000" dirty="0" smtClean="0"/>
               <a:t>(</a:t>
             </a:r>
             <a:r>
-              <a:rPr lang="ja-JP" altLang="en-US" dirty="0" smtClean="0"/>
+              <a:rPr lang="ja-JP" altLang="en-US" sz="4000" dirty="0" smtClean="0"/>
               <a:t>リアルタイム処理で予測</a:t>
             </a:r>
             <a:r>
-              <a:rPr lang="en-US" altLang="ja-JP" dirty="0" smtClean="0"/>
+              <a:rPr lang="en-US" altLang="ja-JP" sz="4000" dirty="0" smtClean="0"/>
               <a:t>)</a:t>
             </a:r>
-            <a:endParaRPr kumimoji="1" lang="ja-JP" altLang="en-US" dirty="0"/>
+            <a:endParaRPr kumimoji="1" lang="ja-JP" altLang="en-US" sz="4000" dirty="0"/>
           </a:p>
         </p:txBody>
       </p:sp>
@@ -8154,7 +8330,7 @@
         <p:spPr>
           <a:xfrm>
             <a:off x="838200" y="1825624"/>
-            <a:ext cx="10899098" cy="4895851"/>
+            <a:ext cx="10666046" cy="4895851"/>
           </a:xfrm>
         </p:spPr>
         <p:txBody>
@@ -10773,9 +10949,21 @@
             </a:r>
             <a:r>
               <a:rPr lang="ja-JP" altLang="en-US" dirty="0" smtClean="0"/>
-              <a:t>アプリケーションと機械学習に使う言語を分けられる</a:t>
-            </a:r>
-            <a:endParaRPr lang="en-US" altLang="ja-JP" dirty="0" smtClean="0"/>
+              <a:t>アプリケーションと機械学習に</a:t>
+            </a:r>
+            <a:r>
+              <a:rPr lang="ja-JP" altLang="en-US" dirty="0" smtClean="0">
+                <a:solidFill>
+                  <a:srgbClr val="FF0000"/>
+                </a:solidFill>
+              </a:rPr>
+              <a:t>使う言語を分けられる</a:t>
+            </a:r>
+            <a:endParaRPr lang="en-US" altLang="ja-JP" dirty="0" smtClean="0">
+              <a:solidFill>
+                <a:srgbClr val="FF0000"/>
+              </a:solidFill>
+            </a:endParaRPr>
           </a:p>
           <a:p>
             <a:pPr lvl="1"/>
@@ -22828,34 +23016,34 @@
           <a:lstStyle/>
           <a:p>
             <a:r>
-              <a:rPr lang="ja-JP" altLang="en-US" sz="3600" dirty="0" smtClean="0"/>
+              <a:rPr lang="ja-JP" altLang="en-US" sz="4000" dirty="0" smtClean="0"/>
               <a:t>バッチ</a:t>
             </a:r>
             <a:r>
-              <a:rPr lang="ja-JP" altLang="en-US" sz="3600" dirty="0"/>
+              <a:rPr lang="ja-JP" altLang="en-US" sz="4000" dirty="0"/>
               <a:t>処理で学習＋予測結果を</a:t>
             </a:r>
             <a:r>
-              <a:rPr lang="en-US" altLang="ja-JP" sz="3600" dirty="0"/>
+              <a:rPr lang="en-US" altLang="ja-JP" sz="4000" dirty="0"/>
               <a:t>Web</a:t>
             </a:r>
             <a:r>
-              <a:rPr lang="ja-JP" altLang="en-US" sz="3600" dirty="0"/>
+              <a:rPr lang="ja-JP" altLang="en-US" sz="4000" dirty="0"/>
               <a:t>アプリケーションで直接算出する</a:t>
             </a:r>
             <a:r>
-              <a:rPr lang="en-US" altLang="ja-JP" sz="3600" dirty="0"/>
+              <a:rPr lang="en-US" altLang="ja-JP" sz="4000" dirty="0"/>
               <a:t>(</a:t>
             </a:r>
             <a:r>
-              <a:rPr lang="ja-JP" altLang="en-US" sz="3600" dirty="0"/>
+              <a:rPr lang="ja-JP" altLang="en-US" sz="4000" dirty="0"/>
               <a:t>リアルタイム処理で予測</a:t>
             </a:r>
             <a:r>
-              <a:rPr lang="en-US" altLang="ja-JP" sz="3600" dirty="0"/>
+              <a:rPr lang="en-US" altLang="ja-JP" sz="4000" dirty="0"/>
               <a:t>)</a:t>
             </a:r>
-            <a:endParaRPr kumimoji="1" lang="ja-JP" altLang="en-US" sz="3600" dirty="0"/>
+            <a:endParaRPr kumimoji="1" lang="ja-JP" altLang="en-US" sz="4000" dirty="0"/>
           </a:p>
         </p:txBody>
       </p:sp>

--- a/仕事ではじめる機械学習第4章.pptx
+++ b/仕事ではじめる機械学習第4章.pptx
@@ -1662,7 +1662,7 @@
           </a:p>
           <a:p>
             <a:r>
-              <a:rPr kumimoji="1" lang="ja-JP" altLang="en-US" smtClean="0"/>
+              <a:rPr kumimoji="1" lang="ja-JP" altLang="en-US" dirty="0" smtClean="0"/>
               <a:t>で、このパターンはバッチ</a:t>
             </a:r>
             <a:r>
@@ -1897,8 +1897,220 @@
               <a:defRPr/>
             </a:pPr>
             <a:r>
+              <a:rPr lang="en-US" altLang="ja-JP" dirty="0" smtClean="0"/>
+              <a:t>A/B</a:t>
+            </a:r>
+            <a:r>
               <a:rPr lang="ja-JP" altLang="en-US" dirty="0" smtClean="0"/>
-              <a:t>デメリットとしては、～～</a:t>
+              <a:t>テストというのはモデルの検証方法で、</a:t>
+            </a:r>
+            <a:r>
+              <a:rPr lang="ja-JP" altLang="en-US" sz="1200" dirty="0" smtClean="0"/>
+              <a:t>複数の予測モデルを並列に検証し、どのモデルがより高い成果を出せるのか調べることですね。</a:t>
+            </a:r>
+            <a:endParaRPr lang="en-US" altLang="ja-JP" sz="1200" dirty="0" smtClean="0"/>
+          </a:p>
+          <a:p>
+            <a:pPr marL="0" marR="0" lvl="1" indent="0" algn="l" defTabSz="914400" rtl="0" eaLnBrk="1" fontAlgn="auto" latinLnBrk="0" hangingPunct="1">
+              <a:lnSpc>
+                <a:spcPct val="100000"/>
+              </a:lnSpc>
+              <a:spcBef>
+                <a:spcPts val="0"/>
+              </a:spcBef>
+              <a:spcAft>
+                <a:spcPts val="0"/>
+              </a:spcAft>
+              <a:buClrTx/>
+              <a:buSzTx/>
+              <a:buFontTx/>
+              <a:buNone/>
+              <a:tabLst/>
+              <a:defRPr/>
+            </a:pPr>
+            <a:endParaRPr kumimoji="1" lang="en-US" altLang="ja-JP" sz="1200" dirty="0" smtClean="0"/>
+          </a:p>
+          <a:p>
+            <a:pPr marL="0" marR="0" lvl="1" indent="0" algn="l" defTabSz="914400" rtl="0" eaLnBrk="1" fontAlgn="auto" latinLnBrk="0" hangingPunct="1">
+              <a:lnSpc>
+                <a:spcPct val="100000"/>
+              </a:lnSpc>
+              <a:spcBef>
+                <a:spcPts val="0"/>
+              </a:spcBef>
+              <a:spcAft>
+                <a:spcPts val="0"/>
+              </a:spcAft>
+              <a:buClrTx/>
+              <a:buSzTx/>
+              <a:buFontTx/>
+              <a:buNone/>
+              <a:tabLst/>
+              <a:defRPr/>
+            </a:pPr>
+            <a:r>
+              <a:rPr kumimoji="1" lang="ja-JP" altLang="en-US" sz="1200" dirty="0" smtClean="0"/>
+              <a:t>このパターンだとモデルが独立して</a:t>
+            </a:r>
+            <a:r>
+              <a:rPr kumimoji="1" lang="ja-JP" altLang="en-US" sz="1200" dirty="0" err="1" smtClean="0"/>
+              <a:t>いるの</a:t>
+            </a:r>
+            <a:r>
+              <a:rPr kumimoji="1" lang="ja-JP" altLang="en-US" sz="1200" dirty="0" smtClean="0"/>
+              <a:t>比較検証がしやすいということです</a:t>
+            </a:r>
+            <a:endParaRPr kumimoji="1" lang="en-US" altLang="ja-JP" sz="1200" dirty="0" smtClean="0"/>
+          </a:p>
+          <a:p>
+            <a:pPr marL="0" marR="0" lvl="1" indent="0" algn="l" defTabSz="914400" rtl="0" eaLnBrk="1" fontAlgn="auto" latinLnBrk="0" hangingPunct="1">
+              <a:lnSpc>
+                <a:spcPct val="100000"/>
+              </a:lnSpc>
+              <a:spcBef>
+                <a:spcPts val="0"/>
+              </a:spcBef>
+              <a:spcAft>
+                <a:spcPts val="0"/>
+              </a:spcAft>
+              <a:buClrTx/>
+              <a:buSzTx/>
+              <a:buFontTx/>
+              <a:buNone/>
+              <a:tabLst/>
+              <a:defRPr/>
+            </a:pPr>
+            <a:endParaRPr lang="en-US" altLang="ja-JP" dirty="0" smtClean="0"/>
+          </a:p>
+          <a:p>
+            <a:pPr marL="0" marR="0" lvl="1" indent="0" algn="l" defTabSz="914400" rtl="0" eaLnBrk="1" fontAlgn="auto" latinLnBrk="0" hangingPunct="1">
+              <a:lnSpc>
+                <a:spcPct val="100000"/>
+              </a:lnSpc>
+              <a:spcBef>
+                <a:spcPts val="0"/>
+              </a:spcBef>
+              <a:spcAft>
+                <a:spcPts val="0"/>
+              </a:spcAft>
+              <a:buClrTx/>
+              <a:buSzTx/>
+              <a:buFontTx/>
+              <a:buNone/>
+              <a:tabLst/>
+              <a:defRPr/>
+            </a:pPr>
+            <a:endParaRPr lang="en-US" altLang="ja-JP" dirty="0" smtClean="0"/>
+          </a:p>
+          <a:p>
+            <a:pPr marL="0" marR="0" lvl="1" indent="0" algn="l" defTabSz="914400" rtl="0" eaLnBrk="1" fontAlgn="auto" latinLnBrk="0" hangingPunct="1">
+              <a:lnSpc>
+                <a:spcPct val="100000"/>
+              </a:lnSpc>
+              <a:spcBef>
+                <a:spcPts val="0"/>
+              </a:spcBef>
+              <a:spcAft>
+                <a:spcPts val="0"/>
+              </a:spcAft>
+              <a:buClrTx/>
+              <a:buSzTx/>
+              <a:buFontTx/>
+              <a:buNone/>
+              <a:tabLst/>
+              <a:defRPr/>
+            </a:pPr>
+            <a:r>
+              <a:rPr lang="ja-JP" altLang="en-US" dirty="0" smtClean="0"/>
+              <a:t>デメリットとしては、パターン１と比べると遅延が大きくなることですね</a:t>
+            </a:r>
+            <a:endParaRPr lang="en-US" altLang="ja-JP" dirty="0" smtClean="0"/>
+          </a:p>
+          <a:p>
+            <a:pPr marL="0" marR="0" lvl="1" indent="0" algn="l" defTabSz="914400" rtl="0" eaLnBrk="1" fontAlgn="auto" latinLnBrk="0" hangingPunct="1">
+              <a:lnSpc>
+                <a:spcPct val="100000"/>
+              </a:lnSpc>
+              <a:spcBef>
+                <a:spcPts val="0"/>
+              </a:spcBef>
+              <a:spcAft>
+                <a:spcPts val="0"/>
+              </a:spcAft>
+              <a:buClrTx/>
+              <a:buSzTx/>
+              <a:buFontTx/>
+              <a:buNone/>
+              <a:tabLst/>
+              <a:defRPr/>
+            </a:pPr>
+            <a:endParaRPr lang="en-US" altLang="ja-JP" dirty="0" smtClean="0"/>
+          </a:p>
+          <a:p>
+            <a:pPr marL="0" marR="0" lvl="1" indent="0" algn="l" defTabSz="914400" rtl="0" eaLnBrk="1" fontAlgn="auto" latinLnBrk="0" hangingPunct="1">
+              <a:lnSpc>
+                <a:spcPct val="100000"/>
+              </a:lnSpc>
+              <a:spcBef>
+                <a:spcPts val="0"/>
+              </a:spcBef>
+              <a:spcAft>
+                <a:spcPts val="0"/>
+              </a:spcAft>
+              <a:buClrTx/>
+              <a:buSzTx/>
+              <a:buFontTx/>
+              <a:buNone/>
+              <a:tabLst/>
+              <a:defRPr/>
+            </a:pPr>
+            <a:r>
+              <a:rPr lang="ja-JP" altLang="en-US" dirty="0" smtClean="0"/>
+              <a:t>パターン１と比べると～～</a:t>
+            </a:r>
+            <a:endParaRPr lang="en-US" altLang="ja-JP" dirty="0" smtClean="0"/>
+          </a:p>
+          <a:p>
+            <a:pPr marL="0" marR="0" lvl="1" indent="0" algn="l" defTabSz="914400" rtl="0" eaLnBrk="1" fontAlgn="auto" latinLnBrk="0" hangingPunct="1">
+              <a:lnSpc>
+                <a:spcPct val="100000"/>
+              </a:lnSpc>
+              <a:spcBef>
+                <a:spcPts val="0"/>
+              </a:spcBef>
+              <a:spcAft>
+                <a:spcPts val="0"/>
+              </a:spcAft>
+              <a:buClrTx/>
+              <a:buSzTx/>
+              <a:buFontTx/>
+              <a:buNone/>
+              <a:tabLst/>
+              <a:defRPr/>
+            </a:pPr>
+            <a:endParaRPr lang="en-US" altLang="ja-JP" dirty="0" smtClean="0"/>
+          </a:p>
+          <a:p>
+            <a:pPr marL="0" marR="0" lvl="1" indent="0" algn="l" defTabSz="914400" rtl="0" eaLnBrk="1" fontAlgn="auto" latinLnBrk="0" hangingPunct="1">
+              <a:lnSpc>
+                <a:spcPct val="100000"/>
+              </a:lnSpc>
+              <a:spcBef>
+                <a:spcPts val="0"/>
+              </a:spcBef>
+              <a:spcAft>
+                <a:spcPts val="0"/>
+              </a:spcAft>
+              <a:buClrTx/>
+              <a:buSzTx/>
+              <a:buFontTx/>
+              <a:buNone/>
+              <a:tabLst/>
+              <a:defRPr/>
+            </a:pPr>
+            <a:r>
+              <a:rPr lang="ja-JP" altLang="en-US" dirty="0" smtClean="0"/>
+              <a:t>で、この遅延を小さくするために～～など工夫をした方がいいらしいです。</a:t>
             </a:r>
             <a:endParaRPr lang="en-US" altLang="ja-JP" dirty="0" smtClean="0"/>
           </a:p>
@@ -2029,17 +2241,7 @@
           <a:p>
             <a:r>
               <a:rPr kumimoji="1" lang="ja-JP" altLang="en-US" dirty="0" smtClean="0"/>
-              <a:t>最後のパターン３ですね。このパターンは～～という方法です</a:t>
-            </a:r>
-            <a:endParaRPr kumimoji="1" lang="en-US" altLang="ja-JP" dirty="0" smtClean="0"/>
-          </a:p>
-          <a:p>
-            <a:endParaRPr kumimoji="1" lang="en-US" altLang="ja-JP" dirty="0" smtClean="0"/>
-          </a:p>
-          <a:p>
-            <a:r>
-              <a:rPr kumimoji="1" lang="ja-JP" altLang="en-US" dirty="0" smtClean="0"/>
-              <a:t>前の</a:t>
+              <a:t>最後のパターン３ですね。このパターンは～～という方法です。　前の</a:t>
             </a:r>
             <a:r>
               <a:rPr kumimoji="1" lang="en-US" altLang="ja-JP" dirty="0" smtClean="0"/>
@@ -2068,20 +2270,68 @@
           </a:p>
           <a:p>
             <a:r>
+              <a:rPr kumimoji="1" lang="en-US" altLang="ja-JP" b="1" dirty="0" smtClean="0"/>
+              <a:t>Web</a:t>
+            </a:r>
+            <a:r>
+              <a:rPr kumimoji="1" lang="ja-JP" altLang="en-US" b="1" dirty="0" smtClean="0"/>
+              <a:t>アプリケーションで使い勝手の良いのはこの</a:t>
+            </a:r>
+            <a:r>
+              <a:rPr kumimoji="1" lang="ja-JP" altLang="en-US" b="1" dirty="0" smtClean="0"/>
+              <a:t>パターン</a:t>
+            </a:r>
+            <a:r>
+              <a:rPr kumimoji="1" lang="ja-JP" altLang="en-US" b="1" dirty="0" smtClean="0"/>
+              <a:t>で、一番初めに試すパターンとしてはこの方法が無難らしいです。</a:t>
+            </a:r>
+            <a:endParaRPr kumimoji="1" lang="en-US" altLang="ja-JP" b="1" dirty="0" smtClean="0"/>
+          </a:p>
+          <a:p>
+            <a:endParaRPr kumimoji="1" lang="en-US" altLang="ja-JP" dirty="0" smtClean="0"/>
+          </a:p>
+          <a:p>
+            <a:r>
+              <a:rPr kumimoji="1" lang="ja-JP" altLang="en-US" dirty="0" smtClean="0"/>
+              <a:t>分類問題などについて～～</a:t>
+            </a:r>
+            <a:endParaRPr kumimoji="1" lang="en-US" altLang="ja-JP" dirty="0" smtClean="0"/>
+          </a:p>
+          <a:p>
+            <a:endParaRPr kumimoji="1" lang="en-US" altLang="ja-JP" dirty="0" smtClean="0"/>
+          </a:p>
+          <a:p>
+            <a:r>
+              <a:rPr kumimoji="1" lang="ja-JP" altLang="en-US" dirty="0" smtClean="0"/>
+              <a:t>このパターンは</a:t>
+            </a:r>
+            <a:r>
+              <a:rPr kumimoji="1" lang="ja-JP" altLang="en-US" dirty="0" smtClean="0"/>
+              <a:t>、予測</a:t>
+            </a:r>
+            <a:r>
+              <a:rPr kumimoji="1" lang="ja-JP" altLang="en-US" dirty="0" smtClean="0"/>
+              <a:t>バッチとアプリケーションの間で</a:t>
+            </a:r>
+            <a:r>
+              <a:rPr kumimoji="1" lang="en-US" altLang="ja-JP" dirty="0" smtClean="0"/>
+              <a:t>DB</a:t>
+            </a:r>
+            <a:r>
+              <a:rPr kumimoji="1" lang="ja-JP" altLang="en-US" dirty="0" smtClean="0"/>
+              <a:t>を介してやり取りをするので</a:t>
+            </a:r>
+            <a:r>
+              <a:rPr kumimoji="1" lang="ja-JP" altLang="en-US" dirty="0" smtClean="0"/>
+              <a:t>、パターン２と同様に</a:t>
+            </a:r>
+            <a:r>
               <a:rPr kumimoji="1" lang="en-US" altLang="ja-JP" dirty="0" smtClean="0"/>
               <a:t>Web</a:t>
             </a:r>
             <a:r>
               <a:rPr kumimoji="1" lang="ja-JP" altLang="en-US" dirty="0" smtClean="0"/>
-              <a:t>アプリケーションで使い勝手の良いのはこの</a:t>
-            </a:r>
-            <a:r>
-              <a:rPr kumimoji="1" lang="ja-JP" altLang="en-US" dirty="0" smtClean="0"/>
-              <a:t>パターン</a:t>
-            </a:r>
-            <a:r>
-              <a:rPr kumimoji="1" lang="ja-JP" altLang="en-US" dirty="0" smtClean="0"/>
-              <a:t>で、一番初めに試すパターンとしてはこの方法が無難らしいです。</a:t>
+              <a:t>アプリケーションと機械学習の学習・予測を行う部分がそれぞれ独立しており</a:t>
             </a:r>
             <a:endParaRPr kumimoji="1" lang="en-US" altLang="ja-JP" dirty="0" smtClean="0"/>
           </a:p>
@@ -2090,62 +2340,18 @@
           </a:p>
           <a:p>
             <a:r>
-              <a:rPr kumimoji="1" lang="ja-JP" altLang="en-US" dirty="0" smtClean="0"/>
-              <a:t>分類問題などについて～～</a:t>
-            </a:r>
-            <a:endParaRPr kumimoji="1" lang="en-US" altLang="ja-JP" dirty="0" smtClean="0"/>
-          </a:p>
-          <a:p>
-            <a:endParaRPr kumimoji="1" lang="en-US" altLang="ja-JP" dirty="0" smtClean="0"/>
-          </a:p>
-          <a:p>
-            <a:r>
-              <a:rPr kumimoji="1" lang="ja-JP" altLang="en-US" dirty="0" smtClean="0"/>
-              <a:t>このパターンは</a:t>
-            </a:r>
-            <a:r>
-              <a:rPr kumimoji="1" lang="ja-JP" altLang="en-US" dirty="0" smtClean="0"/>
-              <a:t>、パターン２と同様に予測</a:t>
-            </a:r>
-            <a:r>
-              <a:rPr kumimoji="1" lang="ja-JP" altLang="en-US" dirty="0" smtClean="0"/>
-              <a:t>バッチとアプリケーションの間で</a:t>
-            </a:r>
-            <a:r>
-              <a:rPr kumimoji="1" lang="en-US" altLang="ja-JP" dirty="0" smtClean="0"/>
-              <a:t>DB</a:t>
-            </a:r>
-            <a:r>
-              <a:rPr kumimoji="1" lang="ja-JP" altLang="en-US" dirty="0" smtClean="0"/>
-              <a:t>を介してやり取りをするので、</a:t>
-            </a:r>
-            <a:r>
-              <a:rPr kumimoji="1" lang="en-US" altLang="ja-JP" dirty="0" smtClean="0"/>
+              <a:rPr kumimoji="1" lang="en-US" altLang="ja-JP" b="1" dirty="0" smtClean="0"/>
               <a:t>Web</a:t>
             </a:r>
             <a:r>
-              <a:rPr kumimoji="1" lang="ja-JP" altLang="en-US" dirty="0" smtClean="0"/>
-              <a:t>アプリケーションと機械学習の学習・予測を行う部分がそれぞれ独立しており</a:t>
-            </a:r>
-            <a:endParaRPr kumimoji="1" lang="en-US" altLang="ja-JP" dirty="0" smtClean="0"/>
-          </a:p>
-          <a:p>
-            <a:endParaRPr kumimoji="1" lang="en-US" altLang="ja-JP" dirty="0" smtClean="0"/>
-          </a:p>
-          <a:p>
-            <a:r>
-              <a:rPr kumimoji="1" lang="en-US" altLang="ja-JP" dirty="0" smtClean="0"/>
-              <a:t>Web</a:t>
-            </a:r>
-            <a:r>
-              <a:rPr kumimoji="1" lang="ja-JP" altLang="en-US" dirty="0" smtClean="0"/>
+              <a:rPr kumimoji="1" lang="ja-JP" altLang="en-US" b="1" dirty="0" smtClean="0"/>
               <a:t>アプリケーションと機械学習する部分で言語がそれぞれ異なっても良いことが大きなメリットです</a:t>
             </a:r>
             <a:r>
-              <a:rPr kumimoji="1" lang="ja-JP" altLang="en-US" dirty="0" smtClean="0"/>
+              <a:rPr kumimoji="1" lang="ja-JP" altLang="en-US" b="1" dirty="0" smtClean="0"/>
               <a:t>。</a:t>
             </a:r>
-            <a:endParaRPr kumimoji="1" lang="en-US" altLang="ja-JP" dirty="0" smtClean="0"/>
+            <a:endParaRPr kumimoji="1" lang="en-US" altLang="ja-JP" b="1" dirty="0" smtClean="0"/>
           </a:p>
           <a:p>
             <a:endParaRPr kumimoji="1" lang="en-US" altLang="ja-JP" dirty="0" smtClean="0"/>
@@ -2177,9 +2383,13 @@
             </a:r>
             <a:r>
               <a:rPr kumimoji="1" lang="ja-JP" altLang="en-US" dirty="0" smtClean="0"/>
-              <a:t>つ目は～～ということです、即時に予測結果を提供したい場合は、前の２つのパターンでやってるようにリアルタイム処理で予測をする必要があります</a:t>
-            </a:r>
-            <a:endParaRPr kumimoji="1" lang="ja-JP" altLang="en-US" dirty="0"/>
+              <a:t>つ目は～～ということです、</a:t>
+            </a:r>
+            <a:r>
+              <a:rPr kumimoji="1" lang="ja-JP" altLang="en-US" b="1" dirty="0" smtClean="0"/>
+              <a:t>即時に予測結果を提供したい場合は、前の２つのパターンでやってるようにリアルタイム処理で予測をする必要があります</a:t>
+            </a:r>
+            <a:endParaRPr kumimoji="1" lang="ja-JP" altLang="en-US" b="1" dirty="0"/>
           </a:p>
         </p:txBody>
       </p:sp>
@@ -2279,7 +2489,7 @@
           <a:p>
             <a:r>
               <a:rPr kumimoji="1" lang="ja-JP" altLang="en-US" dirty="0" smtClean="0"/>
-              <a:t>前のスライドの特徴で予測結果を即時に返す必要にないといったように、予測の頻度が頻繁でない対象や結果に向いているパターンになります。</a:t>
+              <a:t>前のスライドの特徴で予測結果をリアルタイムに返す必要にないといったように、予測の頻度が頻繁でない対象や結果に向いているパターンになります。</a:t>
             </a:r>
             <a:endParaRPr kumimoji="1" lang="en-US" altLang="ja-JP" dirty="0" smtClean="0"/>
           </a:p>
@@ -2380,7 +2590,23 @@
             </a:r>
             <a:r>
               <a:rPr kumimoji="1" lang="ja-JP" altLang="en-US" dirty="0" smtClean="0"/>
-              <a:t>つ目は予測を一括で行うので、～～</a:t>
+              <a:t>つ目は、前の</a:t>
+            </a:r>
+            <a:r>
+              <a:rPr kumimoji="1" lang="en-US" altLang="ja-JP" dirty="0" smtClean="0"/>
+              <a:t>API</a:t>
+            </a:r>
+            <a:r>
+              <a:rPr kumimoji="1" lang="ja-JP" altLang="en-US" dirty="0" smtClean="0"/>
+              <a:t>パターンと異なり～～ということです。これは、</a:t>
+            </a:r>
+            <a:r>
+              <a:rPr kumimoji="1" lang="en-US" altLang="ja-JP" dirty="0" smtClean="0"/>
+              <a:t>API</a:t>
+            </a:r>
+            <a:r>
+              <a:rPr kumimoji="1" lang="ja-JP" altLang="en-US" dirty="0" smtClean="0"/>
+              <a:t>パターンのような余分な通信が発生しないからですね</a:t>
             </a:r>
             <a:endParaRPr kumimoji="1" lang="en-US" altLang="ja-JP" dirty="0" smtClean="0"/>
           </a:p>
@@ -2390,18 +2616,11 @@
           <a:p>
             <a:r>
               <a:rPr kumimoji="1" lang="ja-JP" altLang="en-US" dirty="0" smtClean="0"/>
-              <a:t>デメリットは、やっぱりバッチ処理で予測をするので～～ということです</a:t>
+              <a:t>デメリットは、やっぱりバッチ処理で予測をするので～～ということです、これの対策を後でやる予測フェーズの部分で説明します</a:t>
             </a:r>
             <a:endParaRPr kumimoji="1" lang="en-US" altLang="ja-JP" dirty="0" smtClean="0"/>
           </a:p>
           <a:p>
-            <a:endParaRPr kumimoji="1" lang="en-US" altLang="ja-JP" dirty="0" smtClean="0"/>
-          </a:p>
-          <a:p>
-            <a:r>
-              <a:rPr kumimoji="1" lang="ja-JP" altLang="en-US" dirty="0" smtClean="0"/>
-              <a:t>なので、全コンテンツに対して予測しなおすようなバッチの組み方をすると、データ量に増加に対して処理時間が予想以上に膨らんでしまい、日次のジョブでは終わらないようなことが起きるので注意が必要です</a:t>
-            </a:r>
             <a:endParaRPr kumimoji="1" lang="en-US" altLang="ja-JP" dirty="0" smtClean="0"/>
           </a:p>
         </p:txBody>
@@ -2488,7 +2707,17 @@
           <a:p>
             <a:r>
               <a:rPr kumimoji="1" lang="ja-JP" altLang="en-US" dirty="0" smtClean="0"/>
-              <a:t>パターン３の学習フェーズの概要ですね</a:t>
+              <a:t>で、パターン３の学習フェーズの概要ですね</a:t>
+            </a:r>
+            <a:endParaRPr kumimoji="1" lang="en-US" altLang="ja-JP" dirty="0" smtClean="0"/>
+          </a:p>
+          <a:p>
+            <a:endParaRPr kumimoji="1" lang="en-US" altLang="ja-JP" dirty="0" smtClean="0"/>
+          </a:p>
+          <a:p>
+            <a:r>
+              <a:rPr kumimoji="1" lang="ja-JP" altLang="en-US" dirty="0" smtClean="0"/>
+              <a:t>オレンジのコンポーネントが学習フェーズ使う要素です</a:t>
             </a:r>
             <a:endParaRPr kumimoji="1" lang="en-US" altLang="ja-JP" dirty="0" smtClean="0"/>
           </a:p>
@@ -2677,7 +2906,7 @@
           <a:p>
             <a:r>
               <a:rPr kumimoji="1" lang="ja-JP" altLang="en-US" dirty="0" smtClean="0"/>
-              <a:t>パターン３の予測フェーズです</a:t>
+              <a:t>パターン３の予測フェーズです。　青のコンポーネントが予測フェーズで使う要素になります</a:t>
             </a:r>
             <a:endParaRPr kumimoji="1" lang="en-US" altLang="ja-JP" dirty="0" smtClean="0"/>
           </a:p>
@@ -2711,50 +2940,97 @@
           <a:p>
             <a:r>
               <a:rPr kumimoji="1" lang="ja-JP" altLang="en-US" dirty="0" smtClean="0"/>
-              <a:t>で、予測結果を</a:t>
+              <a:t>で、</a:t>
+            </a:r>
+            <a:r>
+              <a:rPr kumimoji="1" lang="ja-JP" altLang="en-US" b="1" dirty="0" smtClean="0"/>
+              <a:t>予測結果を</a:t>
+            </a:r>
+            <a:r>
+              <a:rPr kumimoji="1" lang="en-US" altLang="ja-JP" b="1" dirty="0" smtClean="0"/>
+              <a:t>Web</a:t>
+            </a:r>
+            <a:r>
+              <a:rPr kumimoji="1" lang="ja-JP" altLang="en-US" b="1" dirty="0" smtClean="0"/>
+              <a:t>アプリケーションで利用できる形にして</a:t>
+            </a:r>
+            <a:r>
+              <a:rPr kumimoji="1" lang="en-US" altLang="ja-JP" b="1" dirty="0" smtClean="0"/>
+              <a:t>DB</a:t>
+            </a:r>
+            <a:r>
+              <a:rPr kumimoji="1" lang="ja-JP" altLang="en-US" b="1" dirty="0" smtClean="0"/>
+              <a:t>に格納</a:t>
+            </a:r>
+            <a:r>
+              <a:rPr kumimoji="1" lang="ja-JP" altLang="en-US" dirty="0" smtClean="0"/>
+              <a:t>し、</a:t>
+            </a:r>
+            <a:r>
+              <a:rPr kumimoji="1" lang="en-US" altLang="ja-JP" b="1" dirty="0" smtClean="0"/>
+              <a:t>DB</a:t>
+            </a:r>
+            <a:r>
+              <a:rPr kumimoji="1" lang="ja-JP" altLang="en-US" b="1" dirty="0" smtClean="0"/>
+              <a:t>経由で予測結果を提供します</a:t>
+            </a:r>
+            <a:endParaRPr kumimoji="1" lang="en-US" altLang="ja-JP" b="1" dirty="0" smtClean="0"/>
+          </a:p>
+          <a:p>
+            <a:endParaRPr kumimoji="1" lang="en-US" altLang="ja-JP" dirty="0" smtClean="0"/>
+          </a:p>
+          <a:p>
+            <a:r>
+              <a:rPr kumimoji="1" lang="ja-JP" altLang="en-US" dirty="0" smtClean="0"/>
+              <a:t>この</a:t>
+            </a:r>
+            <a:r>
+              <a:rPr kumimoji="1" lang="ja-JP" altLang="en-US" dirty="0" smtClean="0"/>
+              <a:t>パターンは他のパターンと比べ</a:t>
+            </a:r>
+            <a:r>
+              <a:rPr kumimoji="1" lang="ja-JP" altLang="en-US" dirty="0" smtClean="0"/>
+              <a:t>、予測にかけられる時間に余裕があるのが特徴ですが、～～</a:t>
+            </a:r>
+            <a:endParaRPr kumimoji="1" lang="en-US" altLang="ja-JP" dirty="0" smtClean="0"/>
+          </a:p>
+          <a:p>
+            <a:endParaRPr kumimoji="1" lang="en-US" altLang="ja-JP" dirty="0" smtClean="0"/>
+          </a:p>
+          <a:p>
+            <a:r>
+              <a:rPr kumimoji="1" lang="ja-JP" altLang="en-US" dirty="0" smtClean="0"/>
+              <a:t>その対策方法を３つ紹介されていました。一つは～～方法ですね。ただこの方法はデータの特性がそこまで大きく変化しないことが保障されていることが前提になります</a:t>
+            </a:r>
+            <a:endParaRPr kumimoji="1" lang="en-US" altLang="ja-JP" dirty="0" smtClean="0"/>
+          </a:p>
+          <a:p>
+            <a:endParaRPr kumimoji="1" lang="en-US" altLang="ja-JP" dirty="0" smtClean="0"/>
+          </a:p>
+          <a:p>
+            <a:r>
+              <a:rPr kumimoji="1" lang="ja-JP" altLang="en-US" dirty="0" smtClean="0"/>
+              <a:t>残りの２つは、</a:t>
+            </a:r>
+            <a:r>
+              <a:rPr kumimoji="1" lang="ja-JP" altLang="en-US" b="1" dirty="0" smtClean="0"/>
+              <a:t>すべてのデータに対して予測しなおす必要がある場合</a:t>
+            </a:r>
+            <a:r>
+              <a:rPr kumimoji="1" lang="ja-JP" altLang="en-US" dirty="0" smtClean="0"/>
+              <a:t>です。この場合は～～か～～といった戦略があります。分散可能な環境として</a:t>
             </a:r>
             <a:r>
               <a:rPr kumimoji="1" lang="en-US" altLang="ja-JP" dirty="0" smtClean="0"/>
-              <a:t>Web</a:t>
-            </a:r>
-            <a:r>
-              <a:rPr kumimoji="1" lang="ja-JP" altLang="en-US" dirty="0" smtClean="0"/>
-              <a:t>アプリケーションで利用できる形にして</a:t>
-            </a:r>
-            <a:r>
-              <a:rPr kumimoji="1" lang="en-US" altLang="ja-JP" dirty="0" smtClean="0"/>
-              <a:t>DB</a:t>
-            </a:r>
-            <a:r>
-              <a:rPr kumimoji="1" lang="ja-JP" altLang="en-US" dirty="0" smtClean="0"/>
-              <a:t>に格納し、</a:t>
-            </a:r>
-            <a:r>
-              <a:rPr kumimoji="1" lang="en-US" altLang="ja-JP" dirty="0" smtClean="0"/>
-              <a:t>DB</a:t>
-            </a:r>
-            <a:r>
-              <a:rPr kumimoji="1" lang="ja-JP" altLang="en-US" dirty="0" smtClean="0"/>
-              <a:t>経由で予測結果を提供します</a:t>
+              <a:t>Spark</a:t>
+            </a:r>
+            <a:r>
+              <a:rPr kumimoji="1" lang="ja-JP" altLang="en-US" dirty="0" smtClean="0"/>
+              <a:t>などがあるらしいです</a:t>
             </a:r>
             <a:endParaRPr kumimoji="1" lang="en-US" altLang="ja-JP" dirty="0" smtClean="0"/>
           </a:p>
           <a:p>
-            <a:endParaRPr kumimoji="1" lang="en-US" altLang="ja-JP" dirty="0" smtClean="0"/>
-          </a:p>
-          <a:p>
-            <a:r>
-              <a:rPr kumimoji="1" lang="ja-JP" altLang="en-US" dirty="0" smtClean="0"/>
-              <a:t>この</a:t>
-            </a:r>
-            <a:r>
-              <a:rPr kumimoji="1" lang="ja-JP" altLang="en-US" dirty="0" smtClean="0"/>
-              <a:t>パターンは他のパターンと比べ、予測にかけられる時間に余裕があるのが特徴ですが、予測対象となるコンテンツが増えていく</a:t>
-            </a:r>
-            <a:r>
-              <a:rPr kumimoji="1" lang="ja-JP" altLang="en-US" dirty="0" smtClean="0"/>
-              <a:t>と</a:t>
-            </a:r>
             <a:endParaRPr kumimoji="1" lang="en-US" altLang="ja-JP" dirty="0" smtClean="0"/>
           </a:p>
           <a:p>
@@ -2849,6 +3125,12 @@
               <a:rPr kumimoji="1" lang="ja-JP" altLang="en-US" dirty="0" smtClean="0"/>
               <a:t>これまで紹介した３つのパターンのまとめですね</a:t>
             </a:r>
+            <a:endParaRPr kumimoji="1" lang="en-US" altLang="ja-JP" dirty="0" smtClean="0"/>
+          </a:p>
+          <a:p>
+            <a:endParaRPr kumimoji="1" lang="en-US" altLang="ja-JP" dirty="0" smtClean="0"/>
+          </a:p>
+          <a:p>
             <a:endParaRPr kumimoji="1" lang="ja-JP" altLang="en-US" dirty="0"/>
           </a:p>
         </p:txBody>
@@ -3106,7 +3388,7 @@
           <a:p>
             <a:r>
               <a:rPr kumimoji="1" lang="ja-JP" altLang="en-US" dirty="0" smtClean="0"/>
-              <a:t>ユーザー情報は性別や年齢などで、コンテンツ情報はブログの記事とかですね、ユーザーの鼓動ログは、ユーザーがどのページにアクセスしたかやどの商品をクリックしたかとかの情報です</a:t>
+              <a:t>ユーザー情報は性別や年齢などで、コンテンツ情報はブログの記事とかですね、ユーザーの行動ログは、ユーザーがどのページにアクセスしたかやどの商品をクリックしたかとかの情報です</a:t>
             </a:r>
             <a:endParaRPr kumimoji="1" lang="en-US" altLang="ja-JP" dirty="0" smtClean="0"/>
           </a:p>
@@ -3279,7 +3561,31 @@
                 <a:ea typeface="+mn-ea"/>
                 <a:cs typeface="+mn-cs"/>
               </a:rPr>
-              <a:t>で、取得した情報の中でも～～あります</a:t>
+              <a:t>で、取得した情報の中でも～～の</a:t>
+            </a:r>
+            <a:r>
+              <a:rPr kumimoji="1" lang="ja-JP" altLang="en-US" sz="1200" b="0" i="0" kern="1200" dirty="0" err="1" smtClean="0">
+                <a:solidFill>
+                  <a:schemeClr val="tx1"/>
+                </a:solidFill>
+                <a:effectLst/>
+                <a:latin typeface="+mn-lt"/>
+                <a:ea typeface="+mn-ea"/>
+                <a:cs typeface="+mn-cs"/>
+              </a:rPr>
+              <a:t>で</a:t>
+            </a:r>
+            <a:r>
+              <a:rPr kumimoji="1" lang="ja-JP" altLang="en-US" sz="1200" b="0" i="0" kern="1200" dirty="0" smtClean="0">
+                <a:solidFill>
+                  <a:schemeClr val="tx1"/>
+                </a:solidFill>
+                <a:effectLst/>
+                <a:latin typeface="+mn-lt"/>
+                <a:ea typeface="+mn-ea"/>
+                <a:cs typeface="+mn-cs"/>
+              </a:rPr>
+              <a:t>保存場所には注意が必要です</a:t>
             </a:r>
             <a:endParaRPr kumimoji="1" lang="en-US" altLang="ja-JP" sz="1200" b="0" i="0" kern="1200" dirty="0" smtClean="0">
               <a:solidFill>
@@ -3441,7 +3747,7 @@
                 <a:ea typeface="+mn-ea"/>
                 <a:cs typeface="+mn-cs"/>
               </a:rPr>
-              <a:t>というのは</a:t>
+              <a:t>というのは～～です。通信負荷の軽減、パフォーマンスの向上が図れるほか、一つのサイトが障害に遭っても全体の機能が失われないというメリットもあります。</a:t>
             </a:r>
             <a:endParaRPr kumimoji="1" lang="en-US" altLang="ja-JP" sz="1200" b="0" i="0" kern="1200" dirty="0" smtClean="0">
               <a:solidFill>
@@ -3465,19 +3771,8 @@
             </a:endParaRPr>
           </a:p>
           <a:p>
-            <a:endParaRPr kumimoji="1" lang="en-US" altLang="ja-JP" sz="1200" b="1" i="0" kern="1200" dirty="0" smtClean="0">
-              <a:solidFill>
-                <a:schemeClr val="tx1"/>
-              </a:solidFill>
-              <a:effectLst/>
-              <a:latin typeface="+mn-lt"/>
-              <a:ea typeface="+mn-ea"/>
-              <a:cs typeface="+mn-cs"/>
-            </a:endParaRPr>
-          </a:p>
-          <a:p>
-            <a:r>
-              <a:rPr kumimoji="1" lang="ja-JP" altLang="en-US" sz="1200" b="1" i="0" kern="1200" dirty="0" smtClean="0">
+            <a:r>
+              <a:rPr kumimoji="1" lang="en-US" altLang="ja-JP" sz="1200" b="0" i="0" kern="1200" dirty="0" smtClean="0">
                 <a:solidFill>
                   <a:schemeClr val="tx1"/>
                 </a:solidFill>
@@ -3486,19 +3781,7 @@
                 <a:ea typeface="+mn-ea"/>
                 <a:cs typeface="+mn-cs"/>
               </a:rPr>
-              <a:t>分散</a:t>
-            </a:r>
-            <a:r>
-              <a:rPr kumimoji="1" lang="ja-JP" altLang="en-US" sz="1200" b="1" i="0" kern="1200" dirty="0" smtClean="0">
-                <a:solidFill>
-                  <a:schemeClr val="tx1"/>
-                </a:solidFill>
-                <a:effectLst/>
-                <a:latin typeface="+mn-lt"/>
-                <a:ea typeface="+mn-ea"/>
-                <a:cs typeface="+mn-cs"/>
-              </a:rPr>
-              <a:t>データベース</a:t>
+              <a:t>2</a:t>
             </a:r>
             <a:r>
               <a:rPr kumimoji="1" lang="ja-JP" altLang="en-US" sz="1200" b="0" i="0" kern="1200" dirty="0" smtClean="0">
@@ -3510,7 +3793,19 @@
                 <a:ea typeface="+mn-ea"/>
                 <a:cs typeface="+mn-cs"/>
               </a:rPr>
-              <a:t>は、ネットワーク上に複数存在するデータベースを、あたかも一つのデータベースであるように利用する仕組み</a:t>
+              <a:t>つ目が分散処理基盤</a:t>
+            </a:r>
+            <a:r>
+              <a:rPr kumimoji="1" lang="en-US" altLang="ja-JP" sz="1200" b="0" i="0" kern="1200" dirty="0" err="1" smtClean="0">
+                <a:solidFill>
+                  <a:schemeClr val="tx1"/>
+                </a:solidFill>
+                <a:effectLst/>
+                <a:latin typeface="+mn-lt"/>
+                <a:ea typeface="+mn-ea"/>
+                <a:cs typeface="+mn-cs"/>
+              </a:rPr>
+              <a:t>Handoop</a:t>
             </a:r>
             <a:r>
               <a:rPr kumimoji="1" lang="ja-JP" altLang="en-US" sz="1200" b="0" i="0" kern="1200" dirty="0" smtClean="0">
@@ -3522,7 +3817,159 @@
                 <a:ea typeface="+mn-ea"/>
                 <a:cs typeface="+mn-cs"/>
               </a:rPr>
-              <a:t>です</a:t>
+              <a:t>クラスター</a:t>
+            </a:r>
+            <a:r>
+              <a:rPr kumimoji="1" lang="en-US" altLang="ja-JP" sz="1200" b="0" i="0" kern="1200" dirty="0" smtClean="0">
+                <a:solidFill>
+                  <a:schemeClr val="tx1"/>
+                </a:solidFill>
+                <a:effectLst/>
+                <a:latin typeface="+mn-lt"/>
+                <a:ea typeface="+mn-ea"/>
+                <a:cs typeface="+mn-cs"/>
+              </a:rPr>
+              <a:t>HDFS</a:t>
+            </a:r>
+            <a:r>
+              <a:rPr kumimoji="1" lang="ja-JP" altLang="en-US" sz="1200" b="0" i="0" kern="1200" dirty="0" smtClean="0">
+                <a:solidFill>
+                  <a:schemeClr val="tx1"/>
+                </a:solidFill>
+                <a:effectLst/>
+                <a:latin typeface="+mn-lt"/>
+                <a:ea typeface="+mn-ea"/>
+                <a:cs typeface="+mn-cs"/>
+              </a:rPr>
+              <a:t>に格納するという方法でこれは簡単に説明するのは難しいんですが、</a:t>
+            </a:r>
+            <a:r>
+              <a:rPr kumimoji="1" lang="en-US" altLang="ja-JP" sz="1200" b="0" i="0" kern="1200" dirty="0" err="1" smtClean="0">
+                <a:solidFill>
+                  <a:schemeClr val="tx1"/>
+                </a:solidFill>
+                <a:effectLst/>
+                <a:latin typeface="+mn-lt"/>
+                <a:ea typeface="+mn-ea"/>
+                <a:cs typeface="+mn-cs"/>
+              </a:rPr>
+              <a:t>Handoop</a:t>
+            </a:r>
+            <a:r>
+              <a:rPr kumimoji="1" lang="ja-JP" altLang="en-US" sz="1200" b="0" i="0" kern="1200" dirty="0" smtClean="0">
+                <a:solidFill>
+                  <a:schemeClr val="tx1"/>
+                </a:solidFill>
+                <a:effectLst/>
+                <a:latin typeface="+mn-lt"/>
+                <a:ea typeface="+mn-ea"/>
+                <a:cs typeface="+mn-cs"/>
+              </a:rPr>
+              <a:t>というのは～～ことです、</a:t>
+            </a:r>
+            <a:endParaRPr kumimoji="1" lang="en-US" altLang="ja-JP" sz="1200" b="0" i="0" kern="1200" dirty="0" smtClean="0">
+              <a:solidFill>
+                <a:schemeClr val="tx1"/>
+              </a:solidFill>
+              <a:effectLst/>
+              <a:latin typeface="+mn-lt"/>
+              <a:ea typeface="+mn-ea"/>
+              <a:cs typeface="+mn-cs"/>
+            </a:endParaRPr>
+          </a:p>
+          <a:p>
+            <a:endParaRPr kumimoji="1" lang="en-US" altLang="ja-JP" sz="1200" b="0" i="0" kern="1200" dirty="0" smtClean="0">
+              <a:solidFill>
+                <a:schemeClr val="tx1"/>
+              </a:solidFill>
+              <a:effectLst/>
+              <a:latin typeface="+mn-lt"/>
+              <a:ea typeface="+mn-ea"/>
+              <a:cs typeface="+mn-cs"/>
+            </a:endParaRPr>
+          </a:p>
+          <a:p>
+            <a:r>
+              <a:rPr kumimoji="1" lang="en-US" altLang="ja-JP" sz="1200" b="0" i="0" kern="1200" dirty="0" smtClean="0">
+                <a:solidFill>
+                  <a:schemeClr val="tx1"/>
+                </a:solidFill>
+                <a:effectLst/>
+                <a:latin typeface="+mn-lt"/>
+                <a:ea typeface="+mn-ea"/>
+                <a:cs typeface="+mn-cs"/>
+              </a:rPr>
+              <a:t>HDFS</a:t>
+            </a:r>
+            <a:r>
+              <a:rPr kumimoji="1" lang="ja-JP" altLang="en-US" sz="1200" b="0" i="0" kern="1200" dirty="0" smtClean="0">
+                <a:solidFill>
+                  <a:schemeClr val="tx1"/>
+                </a:solidFill>
+                <a:effectLst/>
+                <a:latin typeface="+mn-lt"/>
+                <a:ea typeface="+mn-ea"/>
+                <a:cs typeface="+mn-cs"/>
+              </a:rPr>
+              <a:t>というのは、分散ファイルシステムのことで、管理するファイルの読み書きを高速化するため、大きなファイルを～～できるようにしたシステムです</a:t>
+            </a:r>
+            <a:endParaRPr kumimoji="1" lang="en-US" altLang="ja-JP" sz="1200" b="0" i="0" kern="1200" dirty="0" smtClean="0">
+              <a:solidFill>
+                <a:schemeClr val="tx1"/>
+              </a:solidFill>
+              <a:effectLst/>
+              <a:latin typeface="+mn-lt"/>
+              <a:ea typeface="+mn-ea"/>
+              <a:cs typeface="+mn-cs"/>
+            </a:endParaRPr>
+          </a:p>
+          <a:p>
+            <a:endParaRPr kumimoji="1" lang="en-US" altLang="ja-JP" sz="1200" b="0" i="0" kern="1200" dirty="0" smtClean="0">
+              <a:solidFill>
+                <a:schemeClr val="tx1"/>
+              </a:solidFill>
+              <a:effectLst/>
+              <a:latin typeface="+mn-lt"/>
+              <a:ea typeface="+mn-ea"/>
+              <a:cs typeface="+mn-cs"/>
+            </a:endParaRPr>
+          </a:p>
+          <a:p>
+            <a:r>
+              <a:rPr kumimoji="1" lang="ja-JP" altLang="en-US" sz="1200" b="0" i="0" kern="1200" dirty="0" smtClean="0">
+                <a:solidFill>
+                  <a:schemeClr val="tx1"/>
+                </a:solidFill>
+                <a:effectLst/>
+                <a:latin typeface="+mn-lt"/>
+                <a:ea typeface="+mn-ea"/>
+                <a:cs typeface="+mn-cs"/>
+              </a:rPr>
+              <a:t>最後がオブジェクトストレージに格納する</a:t>
+            </a:r>
+            <a:r>
+              <a:rPr kumimoji="1" lang="ja-JP" altLang="en-US" sz="1200" b="0" i="0" kern="1200" dirty="0" err="1" smtClean="0">
+                <a:solidFill>
+                  <a:schemeClr val="tx1"/>
+                </a:solidFill>
+                <a:effectLst/>
+                <a:latin typeface="+mn-lt"/>
+                <a:ea typeface="+mn-ea"/>
+                <a:cs typeface="+mn-cs"/>
+              </a:rPr>
+              <a:t>で</a:t>
+            </a:r>
+            <a:r>
+              <a:rPr kumimoji="1" lang="ja-JP" altLang="en-US" sz="1200" b="0" i="0" kern="1200" dirty="0" smtClean="0">
+                <a:solidFill>
+                  <a:schemeClr val="tx1"/>
+                </a:solidFill>
+                <a:effectLst/>
+                <a:latin typeface="+mn-lt"/>
+                <a:ea typeface="+mn-ea"/>
+                <a:cs typeface="+mn-cs"/>
+              </a:rPr>
+              <a:t>すね</a:t>
             </a:r>
             <a:endParaRPr kumimoji="1" lang="en-US" altLang="ja-JP" sz="1200" b="0" i="0" kern="1200" dirty="0" smtClean="0">
               <a:solidFill>
@@ -3564,21 +4011,118 @@
               <a:defRPr/>
             </a:pPr>
             <a:r>
-              <a:rPr kumimoji="1" lang="en-US" altLang="ja-JP" b="1" dirty="0" smtClean="0"/>
-              <a:t>HDFS</a:t>
-            </a:r>
-            <a:r>
-              <a:rPr kumimoji="1" lang="ja-JP" altLang="en-US" dirty="0" smtClean="0"/>
-              <a:t>：</a:t>
-            </a:r>
-            <a:r>
-              <a:rPr lang="ja-JP" altLang="en-US" dirty="0" smtClean="0"/>
-              <a:t>管理するファイルの読み書きを高速化するために，大きなファイルを一定のブロックに分割し，複数の記憶装置に分散して保存</a:t>
-            </a:r>
-            <a:endParaRPr lang="en-US" altLang="ja-JP" dirty="0" smtClean="0"/>
-          </a:p>
-          <a:p>
-            <a:endParaRPr kumimoji="1" lang="en-US" altLang="ja-JP" dirty="0" smtClean="0"/>
+              <a:rPr lang="ja-JP" altLang="en-US" sz="2400" dirty="0" smtClean="0"/>
+              <a:t>オブジェクトストレージというのはファイル単位，ブロック単位ではなく「オブジェクト」という単位でデータを管理するストレージことで、オブジェクトの保管場所となる空間に、何の依存関係もない状態で各オブジェクトを保管し、オブジェクトに</a:t>
+            </a:r>
+            <a:r>
+              <a:rPr lang="en-US" altLang="ja-JP" sz="2400" dirty="0" smtClean="0"/>
+              <a:t>ID</a:t>
+            </a:r>
+            <a:r>
+              <a:rPr lang="ja-JP" altLang="en-US" sz="2400" dirty="0" smtClean="0"/>
+              <a:t>を付与して、この</a:t>
+            </a:r>
+            <a:r>
+              <a:rPr lang="en-US" altLang="ja-JP" sz="2400" dirty="0" smtClean="0"/>
+              <a:t>ID</a:t>
+            </a:r>
+            <a:r>
+              <a:rPr lang="ja-JP" altLang="en-US" sz="2400" dirty="0" smtClean="0"/>
+              <a:t>でデータを出し入れします。</a:t>
+            </a:r>
+            <a:endParaRPr lang="en-US" altLang="ja-JP" sz="2400" dirty="0" smtClean="0"/>
+          </a:p>
+          <a:p>
+            <a:endParaRPr kumimoji="1" lang="en-US" altLang="ja-JP" sz="1200" b="0" i="0" kern="1200" dirty="0" smtClean="0">
+              <a:solidFill>
+                <a:schemeClr val="tx1"/>
+              </a:solidFill>
+              <a:effectLst/>
+              <a:latin typeface="+mn-lt"/>
+              <a:ea typeface="+mn-ea"/>
+              <a:cs typeface="+mn-cs"/>
+            </a:endParaRPr>
+          </a:p>
+          <a:p>
+            <a:endParaRPr kumimoji="1" lang="en-US" altLang="ja-JP" sz="1200" b="1" i="0" kern="1200" dirty="0" smtClean="0">
+              <a:solidFill>
+                <a:schemeClr val="tx1"/>
+              </a:solidFill>
+              <a:effectLst/>
+              <a:latin typeface="+mn-lt"/>
+              <a:ea typeface="+mn-ea"/>
+              <a:cs typeface="+mn-cs"/>
+            </a:endParaRPr>
+          </a:p>
+          <a:p>
+            <a:r>
+              <a:rPr kumimoji="1" lang="ja-JP" altLang="en-US" sz="1200" b="1" i="0" kern="1200" dirty="0" smtClean="0">
+                <a:solidFill>
+                  <a:schemeClr val="tx1"/>
+                </a:solidFill>
+                <a:effectLst/>
+                <a:latin typeface="+mn-lt"/>
+                <a:ea typeface="+mn-ea"/>
+                <a:cs typeface="+mn-cs"/>
+              </a:rPr>
+              <a:t>分散</a:t>
+            </a:r>
+            <a:r>
+              <a:rPr kumimoji="1" lang="ja-JP" altLang="en-US" sz="1200" b="1" i="0" kern="1200" dirty="0" smtClean="0">
+                <a:solidFill>
+                  <a:schemeClr val="tx1"/>
+                </a:solidFill>
+                <a:effectLst/>
+                <a:latin typeface="+mn-lt"/>
+                <a:ea typeface="+mn-ea"/>
+                <a:cs typeface="+mn-cs"/>
+              </a:rPr>
+              <a:t>データベース</a:t>
+            </a:r>
+            <a:r>
+              <a:rPr kumimoji="1" lang="ja-JP" altLang="en-US" sz="1200" b="0" i="0" kern="1200" dirty="0" smtClean="0">
+                <a:solidFill>
+                  <a:schemeClr val="tx1"/>
+                </a:solidFill>
+                <a:effectLst/>
+                <a:latin typeface="+mn-lt"/>
+                <a:ea typeface="+mn-ea"/>
+                <a:cs typeface="+mn-cs"/>
+              </a:rPr>
+              <a:t>は、ネットワーク上に複数存在するデータベースを、あたかも一つのデータベースであるように利用する仕組み</a:t>
+            </a:r>
+            <a:r>
+              <a:rPr kumimoji="1" lang="ja-JP" altLang="en-US" sz="1200" b="0" i="0" kern="1200" dirty="0" smtClean="0">
+                <a:solidFill>
+                  <a:schemeClr val="tx1"/>
+                </a:solidFill>
+                <a:effectLst/>
+                <a:latin typeface="+mn-lt"/>
+                <a:ea typeface="+mn-ea"/>
+                <a:cs typeface="+mn-cs"/>
+              </a:rPr>
+              <a:t>です</a:t>
+            </a:r>
+            <a:endParaRPr kumimoji="1" lang="en-US" altLang="ja-JP" sz="1200" b="0" i="0" kern="1200" dirty="0" smtClean="0">
+              <a:solidFill>
+                <a:schemeClr val="tx1"/>
+              </a:solidFill>
+              <a:effectLst/>
+              <a:latin typeface="+mn-lt"/>
+              <a:ea typeface="+mn-ea"/>
+              <a:cs typeface="+mn-cs"/>
+            </a:endParaRPr>
+          </a:p>
+          <a:p>
+            <a:endParaRPr kumimoji="1" lang="en-US" altLang="ja-JP" sz="1200" b="0" i="0" kern="1200" dirty="0" smtClean="0">
+              <a:solidFill>
+                <a:schemeClr val="tx1"/>
+              </a:solidFill>
+              <a:effectLst/>
+              <a:latin typeface="+mn-lt"/>
+              <a:ea typeface="+mn-ea"/>
+              <a:cs typeface="+mn-cs"/>
+            </a:endParaRPr>
           </a:p>
           <a:p>
             <a:pPr marL="0" marR="0" lvl="2" indent="0" algn="l" defTabSz="914400" rtl="0" eaLnBrk="1" fontAlgn="auto" latinLnBrk="0" hangingPunct="1">
@@ -3599,10 +4143,21 @@
               <a:defRPr/>
             </a:pPr>
             <a:r>
-              <a:rPr lang="ja-JP" altLang="en-US" sz="2400" dirty="0" smtClean="0"/>
-              <a:t>ファイル単位，ブロック単位ではなく「オブジェクト」という単位でデータを管理するストレージ</a:t>
-            </a:r>
-            <a:endParaRPr lang="en-US" altLang="ja-JP" sz="2400" dirty="0" smtClean="0"/>
+              <a:rPr kumimoji="1" lang="en-US" altLang="ja-JP" b="1" dirty="0" smtClean="0"/>
+              <a:t>HDFS</a:t>
+            </a:r>
+            <a:r>
+              <a:rPr kumimoji="1" lang="ja-JP" altLang="en-US" dirty="0" smtClean="0"/>
+              <a:t>：</a:t>
+            </a:r>
+            <a:r>
+              <a:rPr lang="ja-JP" altLang="en-US" dirty="0" smtClean="0"/>
+              <a:t>管理するファイルの読み書きを高速化するために，大きなファイルを一定のブロックに分割し，複数の記憶装置に分散して保存</a:t>
+            </a:r>
+            <a:endParaRPr lang="en-US" altLang="ja-JP" dirty="0" smtClean="0"/>
+          </a:p>
+          <a:p>
+            <a:endParaRPr kumimoji="1" lang="en-US" altLang="ja-JP" dirty="0" smtClean="0"/>
           </a:p>
           <a:p>
             <a:endParaRPr lang="ja-JP" altLang="en-US" dirty="0"/>
@@ -3691,6 +4246,114 @@
           <a:p>
             <a:r>
               <a:rPr kumimoji="1" lang="ja-JP" altLang="en-US" dirty="0" smtClean="0"/>
+              <a:t>まとめですね、第４章では機械学習をシステムに組み込むための設計と、ログ設計について説明しました</a:t>
+            </a:r>
+            <a:endParaRPr kumimoji="1" lang="en-US" altLang="ja-JP" dirty="0" smtClean="0"/>
+          </a:p>
+          <a:p>
+            <a:endParaRPr kumimoji="1" lang="en-US" altLang="ja-JP" dirty="0" smtClean="0"/>
+          </a:p>
+          <a:p>
+            <a:r>
+              <a:rPr kumimoji="1" lang="ja-JP" altLang="en-US" dirty="0" smtClean="0"/>
+              <a:t>システム設計では、～～ことを紹介し、各パターンが用いられる場所やメリットを紹介しました</a:t>
+            </a:r>
+            <a:endParaRPr kumimoji="1" lang="en-US" altLang="ja-JP" dirty="0" smtClean="0"/>
+          </a:p>
+          <a:p>
+            <a:endParaRPr kumimoji="1" lang="en-US" altLang="ja-JP" dirty="0" smtClean="0"/>
+          </a:p>
+          <a:p>
+            <a:r>
+              <a:rPr kumimoji="1" lang="ja-JP" altLang="en-US" smtClean="0"/>
+              <a:t>ログ設計では、～～や具体的な～～を紹介しました。　以上で発表を終わります</a:t>
+            </a:r>
+            <a:endParaRPr kumimoji="1" lang="ja-JP" altLang="en-US" dirty="0"/>
+          </a:p>
+        </p:txBody>
+      </p:sp>
+      <p:sp>
+        <p:nvSpPr>
+          <p:cNvPr id="4" name="スライド番号プレースホルダー 3"/>
+          <p:cNvSpPr>
+            <a:spLocks noGrp="1"/>
+          </p:cNvSpPr>
+          <p:nvPr>
+            <p:ph type="sldNum" sz="quarter" idx="10"/>
+          </p:nvPr>
+        </p:nvSpPr>
+        <p:spPr/>
+        <p:txBody>
+          <a:bodyPr/>
+          <a:lstStyle/>
+          <a:p>
+            <a:fld id="{7D904524-672D-4E66-A637-CA0A2B28D555}" type="slidenum">
+              <a:rPr kumimoji="1" lang="ja-JP" altLang="en-US" smtClean="0"/>
+              <a:t>23</a:t>
+            </a:fld>
+            <a:endParaRPr kumimoji="1" lang="ja-JP" altLang="en-US"/>
+          </a:p>
+        </p:txBody>
+      </p:sp>
+    </p:spTree>
+    <p:extLst>
+      <p:ext uri="{BB962C8B-B14F-4D97-AF65-F5344CB8AC3E}">
+        <p14:creationId xmlns:p14="http://schemas.microsoft.com/office/powerpoint/2010/main" val="1996609927"/>
+      </p:ext>
+    </p:extLst>
+  </p:cSld>
+  <p:clrMapOvr>
+    <a:masterClrMapping/>
+  </p:clrMapOvr>
+</p:notes>
+</file>
+
+<file path=ppt/notesSlides/notesSlide23.xml><?xml version="1.0" encoding="utf-8"?>
+<p:notes xmlns:a="http://schemas.openxmlformats.org/drawingml/2006/main" xmlns:r="http://schemas.openxmlformats.org/officeDocument/2006/relationships" xmlns:p="http://schemas.openxmlformats.org/presentationml/2006/main">
+  <p:cSld>
+    <p:spTree>
+      <p:nvGrpSpPr>
+        <p:cNvPr id="1" name=""/>
+        <p:cNvGrpSpPr/>
+        <p:nvPr/>
+      </p:nvGrpSpPr>
+      <p:grpSpPr>
+        <a:xfrm>
+          <a:off x="0" y="0"/>
+          <a:ext cx="0" cy="0"/>
+          <a:chOff x="0" y="0"/>
+          <a:chExt cx="0" cy="0"/>
+        </a:xfrm>
+      </p:grpSpPr>
+      <p:sp>
+        <p:nvSpPr>
+          <p:cNvPr id="2" name="スライド イメージ プレースホルダー 1"/>
+          <p:cNvSpPr>
+            <a:spLocks noGrp="1" noRot="1" noChangeAspect="1"/>
+          </p:cNvSpPr>
+          <p:nvPr>
+            <p:ph type="sldImg"/>
+          </p:nvPr>
+        </p:nvSpPr>
+        <p:spPr/>
+      </p:sp>
+      <p:sp>
+        <p:nvSpPr>
+          <p:cNvPr id="3" name="ノート プレースホルダー 2"/>
+          <p:cNvSpPr>
+            <a:spLocks noGrp="1"/>
+          </p:cNvSpPr>
+          <p:nvPr>
+            <p:ph type="body" idx="1"/>
+          </p:nvPr>
+        </p:nvSpPr>
+        <p:spPr/>
+        <p:txBody>
+          <a:bodyPr/>
+          <a:lstStyle/>
+          <a:p>
+            <a:r>
+              <a:rPr kumimoji="1" lang="ja-JP" altLang="en-US" dirty="0" smtClean="0"/>
               <a:t>このパターンは他のパターンと比べ、予測にかけられる時間に余裕があるのが特徴ですが、予測対象となるコンテンツが増えていくと</a:t>
             </a:r>
             <a:endParaRPr kumimoji="1" lang="ja-JP" altLang="en-US" dirty="0"/>
@@ -3733,7 +4396,7 @@
 </p:notes>
 </file>
 
-<file path=ppt/notesSlides/notesSlide23.xml><?xml version="1.0" encoding="utf-8"?>
+<file path=ppt/notesSlides/notesSlide24.xml><?xml version="1.0" encoding="utf-8"?>
 <p:notes xmlns:a="http://schemas.openxmlformats.org/drawingml/2006/main" xmlns:r="http://schemas.openxmlformats.org/officeDocument/2006/relationships" xmlns:p="http://schemas.openxmlformats.org/presentationml/2006/main">
   <p:cSld>
     <p:spTree>
@@ -4889,7 +5552,24 @@
           <a:p>
             <a:r>
               <a:rPr kumimoji="1" lang="ja-JP" altLang="en-US" dirty="0" smtClean="0"/>
-              <a:t>という２点があり，～～</a:t>
+              <a:t>という２点があり，～</a:t>
+            </a:r>
+            <a:r>
+              <a:rPr kumimoji="1" lang="ja-JP" altLang="en-US" dirty="0" smtClean="0"/>
+              <a:t>～</a:t>
+            </a:r>
+            <a:endParaRPr kumimoji="1" lang="en-US" altLang="ja-JP" dirty="0" smtClean="0"/>
+          </a:p>
+          <a:p>
+            <a:endParaRPr kumimoji="1" lang="en-US" altLang="ja-JP" dirty="0" smtClean="0"/>
+          </a:p>
+          <a:p>
+            <a:endParaRPr kumimoji="1" lang="en-US" altLang="ja-JP" dirty="0" smtClean="0"/>
+          </a:p>
+          <a:p>
+            <a:r>
+              <a:rPr kumimoji="1" lang="ja-JP" altLang="en-US" dirty="0" smtClean="0"/>
+              <a:t>特徴抽出器：取得したデータの中から入力データとして使えそうな特徴量を抽出する</a:t>
             </a:r>
             <a:endParaRPr kumimoji="1" lang="ja-JP" altLang="en-US" dirty="0"/>
           </a:p>
@@ -11815,7 +12495,7 @@
         <p:spPr>
           <a:xfrm>
             <a:off x="795032" y="1786677"/>
-            <a:ext cx="10837334" cy="4462760"/>
+            <a:ext cx="10837334" cy="4647426"/>
           </a:xfrm>
           <a:prstGeom prst="rect">
             <a:avLst/>
@@ -11833,20 +12513,20 @@
               <a:buChar char="•"/>
             </a:pPr>
             <a:r>
-              <a:rPr lang="ja-JP" altLang="en-US" sz="2400" dirty="0">
+              <a:rPr lang="ja-JP" altLang="en-US" sz="2800" dirty="0">
                 <a:latin typeface="ＭＳ Ｐゴシック" panose="020B0600070205080204" pitchFamily="50" charset="-128"/>
                 <a:ea typeface="ＭＳ Ｐゴシック" panose="020B0600070205080204" pitchFamily="50" charset="-128"/>
               </a:rPr>
               <a:t>このパターンが用いられる</a:t>
             </a:r>
             <a:r>
-              <a:rPr lang="ja-JP" altLang="en-US" sz="2400" dirty="0" smtClean="0">
+              <a:rPr lang="ja-JP" altLang="en-US" sz="2800" dirty="0" smtClean="0">
                 <a:latin typeface="ＭＳ Ｐゴシック" panose="020B0600070205080204" pitchFamily="50" charset="-128"/>
                 <a:ea typeface="ＭＳ Ｐゴシック" panose="020B0600070205080204" pitchFamily="50" charset="-128"/>
               </a:rPr>
               <a:t>場面</a:t>
             </a:r>
-            <a:endParaRPr kumimoji="1" lang="en-US" altLang="ja-JP" sz="2400" dirty="0" smtClean="0">
+            <a:endParaRPr kumimoji="1" lang="en-US" altLang="ja-JP" sz="2800" dirty="0" smtClean="0">
               <a:latin typeface="ＭＳ Ｐゴシック" panose="020B0600070205080204" pitchFamily="50" charset="-128"/>
               <a:ea typeface="ＭＳ Ｐゴシック" panose="020B0600070205080204" pitchFamily="50" charset="-128"/>
             </a:endParaRPr>
@@ -11969,13 +12649,13 @@
               <a:buChar char="•"/>
             </a:pPr>
             <a:r>
-              <a:rPr kumimoji="1" lang="ja-JP" altLang="en-US" sz="2400" dirty="0" smtClean="0">
+              <a:rPr kumimoji="1" lang="ja-JP" altLang="en-US" sz="2800" dirty="0" smtClean="0">
                 <a:latin typeface="ＭＳ Ｐゴシック" panose="020B0600070205080204" pitchFamily="50" charset="-128"/>
                 <a:ea typeface="ＭＳ Ｐゴシック" panose="020B0600070205080204" pitchFamily="50" charset="-128"/>
               </a:rPr>
               <a:t>メリット</a:t>
             </a:r>
-            <a:endParaRPr kumimoji="1" lang="en-US" altLang="ja-JP" sz="2400" dirty="0" smtClean="0">
+            <a:endParaRPr kumimoji="1" lang="en-US" altLang="ja-JP" sz="2800" dirty="0" smtClean="0">
               <a:latin typeface="ＭＳ Ｐゴシック" panose="020B0600070205080204" pitchFamily="50" charset="-128"/>
               <a:ea typeface="ＭＳ Ｐゴシック" panose="020B0600070205080204" pitchFamily="50" charset="-128"/>
             </a:endParaRPr>
@@ -12051,13 +12731,13 @@
               <a:buChar char="•"/>
             </a:pPr>
             <a:r>
-              <a:rPr lang="ja-JP" altLang="en-US" sz="2400" dirty="0" smtClean="0">
+              <a:rPr lang="ja-JP" altLang="en-US" sz="2800" dirty="0" smtClean="0">
                 <a:latin typeface="ＭＳ Ｐゴシック" panose="020B0600070205080204" pitchFamily="50" charset="-128"/>
                 <a:ea typeface="ＭＳ Ｐゴシック" panose="020B0600070205080204" pitchFamily="50" charset="-128"/>
               </a:rPr>
               <a:t>デメリット</a:t>
             </a:r>
-            <a:endParaRPr lang="en-US" altLang="ja-JP" sz="2400" dirty="0" smtClean="0">
+            <a:endParaRPr lang="en-US" altLang="ja-JP" sz="2800" dirty="0" smtClean="0">
               <a:latin typeface="ＭＳ Ｐゴシック" panose="020B0600070205080204" pitchFamily="50" charset="-128"/>
               <a:ea typeface="ＭＳ Ｐゴシック" panose="020B0600070205080204" pitchFamily="50" charset="-128"/>
             </a:endParaRPr>
@@ -13560,7 +14240,24 @@
                 <a:latin typeface="ＭＳ Ｐゴシック" panose="020B0600070205080204" pitchFamily="50" charset="-128"/>
                 <a:ea typeface="ＭＳ Ｐゴシック" panose="020B0600070205080204" pitchFamily="50" charset="-128"/>
               </a:rPr>
-              <a:t>で登録された差分のコンテンツだけ予測を行う</a:t>
+              <a:t>で登録された</a:t>
+            </a:r>
+            <a:r>
+              <a:rPr lang="ja-JP" altLang="en-US" sz="2800" dirty="0" smtClean="0">
+                <a:solidFill>
+                  <a:srgbClr val="FF0000"/>
+                </a:solidFill>
+                <a:latin typeface="ＭＳ Ｐゴシック" panose="020B0600070205080204" pitchFamily="50" charset="-128"/>
+                <a:ea typeface="ＭＳ Ｐゴシック" panose="020B0600070205080204" pitchFamily="50" charset="-128"/>
+              </a:rPr>
+              <a:t>差分のコンテンツだけ予測</a:t>
+            </a:r>
+            <a:r>
+              <a:rPr lang="ja-JP" altLang="en-US" sz="2800" dirty="0" smtClean="0">
+                <a:latin typeface="ＭＳ Ｐゴシック" panose="020B0600070205080204" pitchFamily="50" charset="-128"/>
+                <a:ea typeface="ＭＳ Ｐゴシック" panose="020B0600070205080204" pitchFamily="50" charset="-128"/>
+              </a:rPr>
+              <a:t>を行う</a:t>
             </a:r>
             <a:endParaRPr lang="en-US" altLang="ja-JP" sz="2800" dirty="0" smtClean="0">
               <a:latin typeface="ＭＳ Ｐゴシック" panose="020B0600070205080204" pitchFamily="50" charset="-128"/>
@@ -14876,27 +15573,39 @@
           </a:bodyPr>
           <a:lstStyle/>
           <a:p>
-            <a:r>
-              <a:rPr kumimoji="1" lang="ja-JP" altLang="en-US" sz="3000" dirty="0" smtClean="0"/>
-              <a:t>ユーザー行動ログはデータ量が多くなるので，保存場所には気をつける必要がある</a:t>
-            </a:r>
-            <a:endParaRPr kumimoji="1" lang="en-US" altLang="ja-JP" sz="3000" dirty="0" smtClean="0"/>
-          </a:p>
-          <a:p>
-            <a:pPr lvl="1"/>
-            <a:r>
-              <a:rPr lang="ja-JP" altLang="en-US" sz="2800" dirty="0" smtClean="0"/>
+            <a:pPr marL="0" indent="0">
+              <a:buNone/>
+            </a:pPr>
+            <a:r>
+              <a:rPr kumimoji="1" lang="ja-JP" altLang="en-US" sz="3200" dirty="0" smtClean="0"/>
+              <a:t>ユーザー行動ログはデータ量が多く</a:t>
+            </a:r>
+            <a:r>
+              <a:rPr kumimoji="1" lang="ja-JP" altLang="en-US" sz="3200" dirty="0" smtClean="0"/>
+              <a:t>なる</a:t>
+            </a:r>
+            <a:endParaRPr kumimoji="1" lang="en-US" altLang="ja-JP" sz="3200" dirty="0" smtClean="0"/>
+          </a:p>
+          <a:p>
+            <a:pPr marL="0" indent="0">
+              <a:buNone/>
+            </a:pPr>
+            <a:endParaRPr kumimoji="1" lang="en-US" altLang="ja-JP" sz="100" dirty="0" smtClean="0"/>
+          </a:p>
+          <a:p>
+            <a:r>
+              <a:rPr lang="ja-JP" altLang="en-US" dirty="0" smtClean="0"/>
               <a:t>分散</a:t>
             </a:r>
             <a:r>
-              <a:rPr lang="en-US" altLang="ja-JP" sz="2800" dirty="0" smtClean="0"/>
+              <a:rPr lang="en-US" altLang="ja-JP" dirty="0" smtClean="0"/>
               <a:t>RDBMS</a:t>
             </a:r>
             <a:r>
-              <a:rPr lang="ja-JP" altLang="en-US" sz="2800" dirty="0" smtClean="0"/>
+              <a:rPr lang="ja-JP" altLang="en-US" dirty="0" smtClean="0"/>
               <a:t>に格納する</a:t>
             </a:r>
-            <a:endParaRPr lang="en-US" altLang="ja-JP" sz="2800" dirty="0" smtClean="0"/>
+            <a:endParaRPr lang="en-US" altLang="ja-JP" dirty="0" smtClean="0"/>
           </a:p>
           <a:p>
             <a:pPr lvl="2"/>
@@ -14967,32 +15676,31 @@
             <a:endParaRPr lang="en-US" altLang="ja-JP" dirty="0" smtClean="0"/>
           </a:p>
           <a:p>
-            <a:pPr lvl="1"/>
-            <a:r>
-              <a:rPr kumimoji="1" lang="ja-JP" altLang="en-US" sz="2800" dirty="0" smtClean="0"/>
+            <a:r>
+              <a:rPr kumimoji="1" lang="ja-JP" altLang="en-US" sz="3200" dirty="0" smtClean="0"/>
               <a:t>分散処理基盤</a:t>
             </a:r>
             <a:r>
-              <a:rPr kumimoji="1" lang="en-US" altLang="ja-JP" sz="2800" dirty="0" err="1" smtClean="0"/>
+              <a:rPr kumimoji="1" lang="en-US" altLang="ja-JP" sz="3200" dirty="0" err="1" smtClean="0"/>
               <a:t>Handoop</a:t>
             </a:r>
             <a:r>
-              <a:rPr kumimoji="1" lang="ja-JP" altLang="en-US" sz="2800" dirty="0" smtClean="0"/>
+              <a:rPr kumimoji="1" lang="ja-JP" altLang="en-US" sz="3200" dirty="0" smtClean="0"/>
               <a:t>クラスター</a:t>
             </a:r>
             <a:r>
-              <a:rPr kumimoji="1" lang="en-US" altLang="ja-JP" sz="2800" dirty="0" smtClean="0"/>
+              <a:rPr kumimoji="1" lang="en-US" altLang="ja-JP" sz="3200" dirty="0" smtClean="0"/>
               <a:t>HDFS</a:t>
             </a:r>
             <a:r>
-              <a:rPr kumimoji="1" lang="ja-JP" altLang="en-US" sz="2800" dirty="0" smtClean="0"/>
+              <a:rPr kumimoji="1" lang="ja-JP" altLang="en-US" sz="3200" dirty="0" smtClean="0"/>
               <a:t>に格納</a:t>
             </a:r>
             <a:r>
-              <a:rPr kumimoji="1" lang="ja-JP" altLang="en-US" sz="2800" dirty="0" smtClean="0"/>
+              <a:rPr kumimoji="1" lang="ja-JP" altLang="en-US" sz="3200" dirty="0" smtClean="0"/>
               <a:t>する</a:t>
             </a:r>
-            <a:endParaRPr kumimoji="1" lang="en-US" altLang="ja-JP" sz="2800" dirty="0" smtClean="0"/>
+            <a:endParaRPr kumimoji="1" lang="en-US" altLang="ja-JP" sz="3200" dirty="0" smtClean="0"/>
           </a:p>
           <a:p>
             <a:pPr lvl="2"/>
@@ -15067,22 +15775,29 @@
             <a:endParaRPr kumimoji="1" lang="en-US" altLang="ja-JP" dirty="0" smtClean="0"/>
           </a:p>
           <a:p>
-            <a:pPr lvl="1"/>
-            <a:r>
-              <a:rPr lang="ja-JP" altLang="en-US" sz="2800" dirty="0" smtClean="0"/>
+            <a:r>
+              <a:rPr lang="ja-JP" altLang="en-US" sz="3200" dirty="0" smtClean="0"/>
               <a:t>オブジェクトストレージに格納する</a:t>
             </a:r>
-            <a:endParaRPr lang="en-US" altLang="ja-JP" sz="2800" dirty="0" smtClean="0"/>
+            <a:endParaRPr lang="en-US" altLang="ja-JP" sz="3200" dirty="0" smtClean="0"/>
           </a:p>
           <a:p>
             <a:pPr lvl="2"/>
             <a:r>
               <a:rPr lang="ja-JP" altLang="en-US" sz="2400" dirty="0" smtClean="0"/>
-              <a:t>「</a:t>
+              <a:t>各オブジェクトが互いに</a:t>
+            </a:r>
+            <a:r>
+              <a:rPr lang="ja-JP" altLang="en-US" sz="2400" dirty="0" smtClean="0">
+                <a:solidFill>
+                  <a:srgbClr val="FF0000"/>
+                </a:solidFill>
+              </a:rPr>
+              <a:t>依存関係のない状態で保存</a:t>
             </a:r>
             <a:r>
               <a:rPr lang="ja-JP" altLang="en-US" sz="2400" dirty="0" smtClean="0"/>
-              <a:t>オブジェクト」という単位でデータを管理するストレージ</a:t>
+              <a:t>されている</a:t>
             </a:r>
             <a:endParaRPr lang="en-US" altLang="ja-JP" sz="2400" dirty="0" smtClean="0"/>
           </a:p>
@@ -15090,7 +15805,7 @@
             <a:pPr lvl="2"/>
             <a:r>
               <a:rPr lang="ja-JP" altLang="en-US" sz="2400" dirty="0" smtClean="0"/>
-              <a:t>拡張性</a:t>
+              <a:t>データを移動，複製，分散化しやすい</a:t>
             </a:r>
             <a:endParaRPr lang="en-US" altLang="ja-JP" sz="2400" dirty="0" smtClean="0"/>
           </a:p>
@@ -15203,14 +15918,73 @@
           <a:bodyPr/>
           <a:lstStyle/>
           <a:p>
-            <a:r>
-              <a:rPr kumimoji="1" lang="ja-JP" altLang="en-US" dirty="0" smtClean="0"/>
-              <a:t>必要そうな</a:t>
-            </a:r>
-            <a:r>
-              <a:rPr kumimoji="1" lang="ja-JP" altLang="en-US" smtClean="0"/>
-              <a:t>ユーザー情報，コンテンツ情報についてはサービス設計時にあらかじめ想定しておく必要がある</a:t>
-            </a:r>
+            <a:pPr marL="0" indent="0">
+              <a:buNone/>
+            </a:pPr>
+            <a:r>
+              <a:rPr kumimoji="1" lang="ja-JP" altLang="en-US" dirty="0" smtClean="0"/>
+              <a:t>大規模データの転送コスト</a:t>
+            </a:r>
+            <a:endParaRPr kumimoji="1" lang="en-US" altLang="ja-JP" dirty="0" smtClean="0"/>
+          </a:p>
+          <a:p>
+            <a:r>
+              <a:rPr kumimoji="1" lang="ja-JP" altLang="en-US" dirty="0" smtClean="0"/>
+              <a:t>大規模データの機械学習における最も大きなボトルネック</a:t>
+            </a:r>
+            <a:endParaRPr kumimoji="1" lang="en-US" altLang="ja-JP" dirty="0" smtClean="0"/>
+          </a:p>
+          <a:p>
+            <a:r>
+              <a:rPr lang="ja-JP" altLang="en-US" dirty="0" smtClean="0"/>
+              <a:t>１</a:t>
+            </a:r>
+            <a:r>
+              <a:rPr lang="en-US" altLang="ja-JP" dirty="0" smtClean="0"/>
+              <a:t>GB</a:t>
+            </a:r>
+            <a:r>
+              <a:rPr lang="ja-JP" altLang="en-US" dirty="0" smtClean="0"/>
+              <a:t>を超えたログの生データを一括で</a:t>
+            </a:r>
+            <a:r>
+              <a:rPr lang="en-US" altLang="ja-JP" dirty="0" smtClean="0"/>
+              <a:t>DL</a:t>
+            </a:r>
+            <a:r>
+              <a:rPr lang="ja-JP" altLang="en-US" dirty="0" smtClean="0"/>
+              <a:t>してオンメモリで処理</a:t>
+            </a:r>
+            <a:r>
+              <a:rPr lang="ja-JP" altLang="en-US" dirty="0" err="1" smtClean="0"/>
+              <a:t>するの</a:t>
+            </a:r>
+            <a:r>
+              <a:rPr lang="ja-JP" altLang="en-US" dirty="0" smtClean="0"/>
+              <a:t>はやめた方がいい</a:t>
+            </a:r>
+            <a:endParaRPr lang="en-US" altLang="ja-JP" dirty="0" smtClean="0"/>
+          </a:p>
+          <a:p>
+            <a:r>
+              <a:rPr kumimoji="1" lang="ja-JP" altLang="en-US" dirty="0" smtClean="0"/>
+              <a:t>バッチ</a:t>
+            </a:r>
+            <a:r>
+              <a:rPr kumimoji="1" lang="ja-JP" altLang="en-US" dirty="0"/>
+              <a:t>処理</a:t>
+            </a:r>
+            <a:r>
+              <a:rPr kumimoji="1" lang="ja-JP" altLang="en-US" dirty="0" smtClean="0"/>
+              <a:t>を行うサーバーにデータを転送する際</a:t>
+            </a:r>
+            <a:endParaRPr lang="en-US" altLang="ja-JP" dirty="0"/>
+          </a:p>
+          <a:p>
+            <a:pPr lvl="1"/>
+            <a:endParaRPr kumimoji="1" lang="en-US" altLang="ja-JP" dirty="0" smtClean="0"/>
+          </a:p>
+          <a:p>
             <a:endParaRPr kumimoji="1" lang="ja-JP" altLang="en-US" dirty="0"/>
           </a:p>
         </p:txBody>
@@ -15325,66 +16099,124 @@
           <a:p>
             <a:r>
               <a:rPr kumimoji="1" lang="ja-JP" altLang="en-US" dirty="0" smtClean="0"/>
-              <a:t>一括学習をしてから得られたモデルから，予測結果をどのように呼び出すかによって</a:t>
-            </a:r>
-            <a:r>
-              <a:rPr kumimoji="1" lang="en-US" altLang="ja-JP" dirty="0" smtClean="0"/>
-              <a:t>4</a:t>
-            </a:r>
-            <a:r>
-              <a:rPr kumimoji="1" lang="ja-JP" altLang="en-US" dirty="0" err="1" smtClean="0"/>
+              <a:t>システム設計</a:t>
+            </a:r>
+            <a:endParaRPr kumimoji="1" lang="en-US" altLang="ja-JP" dirty="0" smtClean="0"/>
+          </a:p>
+          <a:p>
+            <a:pPr lvl="1"/>
+            <a:r>
+              <a:rPr kumimoji="1" lang="ja-JP" altLang="en-US" dirty="0" smtClean="0"/>
+              <a:t>一括</a:t>
+            </a:r>
+            <a:r>
+              <a:rPr kumimoji="1" lang="ja-JP" altLang="en-US" dirty="0" smtClean="0"/>
+              <a:t>学習をしてから得られたモデルから，予測結果をどのように呼び出す</a:t>
+            </a:r>
+            <a:r>
+              <a:rPr kumimoji="1" lang="ja-JP" altLang="en-US" dirty="0" smtClean="0"/>
+              <a:t>かによって</a:t>
+            </a:r>
+            <a:r>
+              <a:rPr lang="ja-JP" altLang="en-US" dirty="0"/>
+              <a:t>３</a:t>
+            </a:r>
+            <a:r>
+              <a:rPr kumimoji="1" lang="ja-JP" altLang="en-US" dirty="0" smtClean="0"/>
               <a:t>つの</a:t>
             </a:r>
             <a:r>
               <a:rPr kumimoji="1" lang="ja-JP" altLang="en-US" dirty="0" smtClean="0"/>
-              <a:t>パターンがある</a:t>
+              <a:t>パターンが</a:t>
+            </a:r>
+            <a:r>
+              <a:rPr kumimoji="1" lang="ja-JP" altLang="en-US" dirty="0" smtClean="0"/>
+              <a:t>ある</a:t>
             </a:r>
             <a:endParaRPr kumimoji="1" lang="en-US" altLang="ja-JP" dirty="0" smtClean="0"/>
           </a:p>
           <a:p>
+            <a:pPr lvl="2"/>
+            <a:r>
+              <a:rPr lang="ja-JP" altLang="en-US" sz="2400" dirty="0"/>
+              <a:t>バッチ処理で学習＋予測結果を</a:t>
+            </a:r>
+            <a:r>
+              <a:rPr lang="en-US" altLang="ja-JP" sz="2400" dirty="0"/>
+              <a:t>Web</a:t>
+            </a:r>
+            <a:r>
+              <a:rPr lang="ja-JP" altLang="en-US" sz="2400" dirty="0"/>
+              <a:t>アプリケーションで直接算出する</a:t>
+            </a:r>
+            <a:endParaRPr lang="en-US" altLang="ja-JP" sz="2400" dirty="0"/>
+          </a:p>
+          <a:p>
+            <a:pPr lvl="2"/>
+            <a:r>
+              <a:rPr lang="ja-JP" altLang="en-US" sz="2400" dirty="0"/>
+              <a:t>バッチ処理で学習＋予測結果を</a:t>
+            </a:r>
+            <a:r>
+              <a:rPr lang="en-US" altLang="ja-JP" sz="2400" dirty="0"/>
+              <a:t>API</a:t>
+            </a:r>
+            <a:r>
+              <a:rPr lang="ja-JP" altLang="en-US" sz="2400" dirty="0"/>
+              <a:t>経由で利用する</a:t>
+            </a:r>
+            <a:endParaRPr lang="en-US" altLang="ja-JP" sz="2400" dirty="0"/>
+          </a:p>
+          <a:p>
+            <a:pPr lvl="2"/>
+            <a:r>
+              <a:rPr lang="ja-JP" altLang="en-US" sz="2400" dirty="0"/>
+              <a:t>バッチ処理で学習＋予測結果を</a:t>
+            </a:r>
+            <a:r>
+              <a:rPr lang="en-US" altLang="ja-JP" sz="2400" dirty="0"/>
+              <a:t>DB</a:t>
+            </a:r>
+            <a:r>
+              <a:rPr lang="ja-JP" altLang="en-US" sz="2400" dirty="0"/>
+              <a:t>経由で利用</a:t>
+            </a:r>
+            <a:r>
+              <a:rPr lang="ja-JP" altLang="en-US" sz="2400" dirty="0" smtClean="0"/>
+              <a:t>する</a:t>
+            </a:r>
+            <a:endParaRPr lang="en-US" altLang="ja-JP" sz="2400" dirty="0" smtClean="0"/>
+          </a:p>
+          <a:p>
+            <a:pPr lvl="2"/>
+            <a:endParaRPr lang="en-US" altLang="ja-JP" sz="600" dirty="0" smtClean="0"/>
+          </a:p>
+          <a:p>
+            <a:r>
+              <a:rPr kumimoji="1" lang="ja-JP" altLang="en-US" dirty="0" smtClean="0"/>
+              <a:t>ログ</a:t>
+            </a:r>
+            <a:r>
+              <a:rPr kumimoji="1" lang="ja-JP" altLang="en-US" dirty="0" smtClean="0"/>
+              <a:t>設計</a:t>
+            </a:r>
+            <a:endParaRPr kumimoji="1" lang="en-US" altLang="ja-JP" dirty="0" smtClean="0"/>
+          </a:p>
+          <a:p>
             <a:pPr lvl="1"/>
             <a:r>
-              <a:rPr kumimoji="1" lang="ja-JP" altLang="en-US" dirty="0" smtClean="0"/>
-              <a:t>一括学習＋直接予測</a:t>
+              <a:rPr lang="ja-JP" altLang="en-US" dirty="0" smtClean="0"/>
+              <a:t>特徴量や教師データに使いうる情報</a:t>
+            </a:r>
+            <a:endParaRPr lang="en-US" altLang="ja-JP" dirty="0" smtClean="0"/>
+          </a:p>
+          <a:p>
+            <a:pPr lvl="1"/>
+            <a:r>
+              <a:rPr lang="ja-JP" altLang="en-US" dirty="0" smtClean="0"/>
+              <a:t>データの保持方法</a:t>
             </a:r>
             <a:endParaRPr kumimoji="1" lang="en-US" altLang="ja-JP" dirty="0" smtClean="0"/>
-          </a:p>
-          <a:p>
-            <a:pPr lvl="1"/>
-            <a:r>
-              <a:rPr lang="ja-JP" altLang="en-US" dirty="0" smtClean="0"/>
-              <a:t>一括学習＋</a:t>
-            </a:r>
-            <a:r>
-              <a:rPr lang="en-US" altLang="ja-JP" dirty="0" smtClean="0"/>
-              <a:t>API</a:t>
-            </a:r>
-          </a:p>
-          <a:p>
-            <a:pPr lvl="1"/>
-            <a:r>
-              <a:rPr kumimoji="1" lang="ja-JP" altLang="en-US" dirty="0" smtClean="0"/>
-              <a:t>一括学習＋</a:t>
-            </a:r>
-            <a:r>
-              <a:rPr kumimoji="1" lang="en-US" altLang="ja-JP" dirty="0" smtClean="0"/>
-              <a:t>DB</a:t>
-            </a:r>
-          </a:p>
-          <a:p>
-            <a:pPr lvl="1"/>
-            <a:r>
-              <a:rPr lang="ja-JP" altLang="en-US" dirty="0" smtClean="0"/>
-              <a:t>リアルタイム</a:t>
-            </a:r>
-            <a:endParaRPr lang="en-US" altLang="ja-JP" dirty="0" smtClean="0"/>
-          </a:p>
-          <a:p>
-            <a:r>
-              <a:rPr kumimoji="1" lang="ja-JP" altLang="en-US" dirty="0" smtClean="0"/>
-              <a:t>ログ設計に合わせて特徴量や教師データをすることが重要</a:t>
-            </a:r>
-            <a:endParaRPr kumimoji="1" lang="ja-JP" altLang="en-US" dirty="0"/>
           </a:p>
         </p:txBody>
       </p:sp>

--- a/仕事ではじめる機械学習第4章.pptx
+++ b/仕事ではじめる機械学習第4章.pptx
@@ -5,7 +5,7 @@
     <p:sldMasterId id="2147483648" r:id="rId1"/>
   </p:sldMasterIdLst>
   <p:notesMasterIdLst>
-    <p:notesMasterId r:id="rId33"/>
+    <p:notesMasterId r:id="rId34"/>
   </p:notesMasterIdLst>
   <p:sldIdLst>
     <p:sldId id="257" r:id="rId2"/>
@@ -29,16 +29,17 @@
     <p:sldId id="281" r:id="rId20"/>
     <p:sldId id="282" r:id="rId21"/>
     <p:sldId id="283" r:id="rId22"/>
-    <p:sldId id="290" r:id="rId23"/>
+    <p:sldId id="291" r:id="rId23"/>
     <p:sldId id="284" r:id="rId24"/>
     <p:sldId id="289" r:id="rId25"/>
-    <p:sldId id="280" r:id="rId26"/>
-    <p:sldId id="278" r:id="rId27"/>
-    <p:sldId id="266" r:id="rId28"/>
-    <p:sldId id="287" r:id="rId29"/>
-    <p:sldId id="272" r:id="rId30"/>
-    <p:sldId id="267" r:id="rId31"/>
-    <p:sldId id="275" r:id="rId32"/>
+    <p:sldId id="290" r:id="rId26"/>
+    <p:sldId id="280" r:id="rId27"/>
+    <p:sldId id="278" r:id="rId28"/>
+    <p:sldId id="266" r:id="rId29"/>
+    <p:sldId id="287" r:id="rId30"/>
+    <p:sldId id="272" r:id="rId31"/>
+    <p:sldId id="267" r:id="rId32"/>
+    <p:sldId id="275" r:id="rId33"/>
   </p:sldIdLst>
   <p:sldSz cx="12192000" cy="6858000"/>
   <p:notesSz cx="6858000" cy="9144000"/>
@@ -686,48 +687,48 @@
           </a:p>
           <a:p>
             <a:r>
-              <a:rPr kumimoji="1" lang="ja-JP" altLang="en-US" dirty="0" smtClean="0"/>
+              <a:rPr kumimoji="1" lang="ja-JP" altLang="en-US" u="sng" dirty="0" smtClean="0"/>
               <a:t>学習は一括でできるけど、予測したい未知の入力データが事前に用意できず、予測結果を低遅延で使いたい場合です</a:t>
             </a:r>
+            <a:endParaRPr kumimoji="1" lang="en-US" altLang="ja-JP" u="sng" dirty="0" smtClean="0"/>
+          </a:p>
+          <a:p>
             <a:endParaRPr kumimoji="1" lang="en-US" altLang="ja-JP" dirty="0" smtClean="0"/>
           </a:p>
           <a:p>
+            <a:r>
+              <a:rPr kumimoji="1" lang="ja-JP" altLang="en-US" dirty="0" smtClean="0"/>
+              <a:t>例えば、広告配信の最適化などが考えられます。</a:t>
+            </a:r>
             <a:endParaRPr kumimoji="1" lang="en-US" altLang="ja-JP" dirty="0" smtClean="0"/>
           </a:p>
           <a:p>
-            <a:r>
-              <a:rPr kumimoji="1" lang="ja-JP" altLang="en-US" dirty="0" smtClean="0"/>
-              <a:t>例えば、広告配信の最適化などが考えられます。</a:t>
-            </a:r>
             <a:endParaRPr kumimoji="1" lang="en-US" altLang="ja-JP" dirty="0" smtClean="0"/>
           </a:p>
           <a:p>
+            <a:r>
+              <a:rPr kumimoji="1" lang="ja-JP" altLang="en-US" dirty="0" smtClean="0"/>
+              <a:t>で、この予測結果を低遅延で提供するためにはいろいろ工夫が必要で～～です</a:t>
+            </a:r>
             <a:endParaRPr kumimoji="1" lang="en-US" altLang="ja-JP" dirty="0" smtClean="0"/>
           </a:p>
           <a:p>
-            <a:r>
-              <a:rPr kumimoji="1" lang="ja-JP" altLang="en-US" dirty="0" smtClean="0"/>
-              <a:t>で、この予測結果を低遅延で提供するためにはいろいろ工夫が必要で～～です</a:t>
-            </a:r>
             <a:endParaRPr kumimoji="1" lang="en-US" altLang="ja-JP" dirty="0" smtClean="0"/>
           </a:p>
           <a:p>
-            <a:endParaRPr kumimoji="1" lang="en-US" altLang="ja-JP" dirty="0" smtClean="0"/>
-          </a:p>
-          <a:p>
-            <a:r>
-              <a:rPr kumimoji="1" lang="ja-JP" altLang="en-US" dirty="0" smtClean="0"/>
+            <a:r>
+              <a:rPr kumimoji="1" lang="ja-JP" altLang="en-US" b="1" dirty="0" smtClean="0"/>
               <a:t>そのため</a:t>
             </a:r>
             <a:r>
-              <a:rPr kumimoji="1" lang="en-US" altLang="ja-JP" dirty="0" smtClean="0"/>
-              <a:t>RDB</a:t>
-            </a:r>
-            <a:r>
-              <a:rPr kumimoji="1" lang="ja-JP" altLang="en-US" dirty="0" smtClean="0"/>
+              <a:rPr kumimoji="1" lang="en-US" altLang="ja-JP" b="1" dirty="0" smtClean="0"/>
+              <a:t>DB</a:t>
+            </a:r>
+            <a:r>
+              <a:rPr kumimoji="1" lang="ja-JP" altLang="en-US" b="1" dirty="0" smtClean="0"/>
               <a:t>に前処理済みのデータや特徴量を格納しておく工夫が必要です</a:t>
             </a:r>
-            <a:endParaRPr kumimoji="1" lang="en-US" altLang="ja-JP" dirty="0" smtClean="0"/>
+            <a:endParaRPr kumimoji="1" lang="en-US" altLang="ja-JP" b="1" dirty="0" smtClean="0"/>
           </a:p>
           <a:p>
             <a:endParaRPr kumimoji="1" lang="en-US" altLang="ja-JP" dirty="0" smtClean="0"/>
@@ -760,7 +761,7 @@
             </a:r>
             <a:r>
               <a:rPr lang="ja-JP" altLang="en-US" dirty="0" smtClean="0"/>
-              <a:t>アプリケーションとバッチシステムが同一でなければならないというように～～特徴があります</a:t>
+              <a:t>アプリケーションとバッチシステムが同一言語でなければならないというように～～特徴があります</a:t>
             </a:r>
             <a:endParaRPr lang="en-US" altLang="ja-JP" dirty="0" smtClean="0"/>
           </a:p>
@@ -804,7 +805,7 @@
             </a:pPr>
             <a:r>
               <a:rPr lang="ja-JP" altLang="en-US" dirty="0" smtClean="0"/>
-              <a:t>ただどうしても</a:t>
+              <a:t>ただ、どうしても</a:t>
             </a:r>
             <a:r>
               <a:rPr lang="en-US" altLang="ja-JP" dirty="0" smtClean="0"/>
@@ -1010,20 +1011,20 @@
               <a:t>１．バッチシステムによって、</a:t>
             </a:r>
             <a:r>
-              <a:rPr lang="en-US" altLang="ja-JP" sz="1200" dirty="0" smtClean="0">
+              <a:rPr lang="en-US" altLang="ja-JP" sz="1200" u="sng" dirty="0" smtClean="0">
                 <a:latin typeface="ＭＳ Ｐゴシック" panose="020B0600070205080204" pitchFamily="50" charset="-128"/>
                 <a:ea typeface="ＭＳ Ｐゴシック" panose="020B0600070205080204" pitchFamily="50" charset="-128"/>
               </a:rPr>
               <a:t>DB</a:t>
             </a:r>
             <a:r>
-              <a:rPr lang="ja-JP" altLang="en-US" sz="1200" dirty="0" smtClean="0">
+              <a:rPr lang="ja-JP" altLang="en-US" sz="1200" u="sng" dirty="0" smtClean="0">
                 <a:latin typeface="ＭＳ Ｐゴシック" panose="020B0600070205080204" pitchFamily="50" charset="-128"/>
                 <a:ea typeface="ＭＳ Ｐゴシック" panose="020B0600070205080204" pitchFamily="50" charset="-128"/>
               </a:rPr>
               <a:t>から予め蓄積されたログやユーザー情報を取得し，特徴量を抽出する</a:t>
             </a:r>
-            <a:endParaRPr lang="en-US" altLang="ja-JP" sz="1200" dirty="0" smtClean="0">
+            <a:endParaRPr lang="en-US" altLang="ja-JP" sz="1200" u="sng" dirty="0" smtClean="0">
               <a:latin typeface="ＭＳ Ｐゴシック" panose="020B0600070205080204" pitchFamily="50" charset="-128"/>
               <a:ea typeface="ＭＳ Ｐゴシック" panose="020B0600070205080204" pitchFamily="50" charset="-128"/>
             </a:endParaRPr>
@@ -1180,7 +1181,26 @@
                 <a:latin typeface="ＭＳ Ｐゴシック" panose="020B0600070205080204" pitchFamily="50" charset="-128"/>
                 <a:ea typeface="ＭＳ Ｐゴシック" panose="020B0600070205080204" pitchFamily="50" charset="-128"/>
               </a:rPr>
-              <a:t>シリアライズというのは、簡単に言うと</a:t>
+              <a:t>シリアライズというのは、</a:t>
+            </a:r>
+            <a:r>
+              <a:rPr lang="ja-JP" altLang="en-US" sz="1200" u="sng" dirty="0" smtClean="0">
+                <a:latin typeface="ＭＳ Ｐゴシック" panose="020B0600070205080204" pitchFamily="50" charset="-128"/>
+                <a:ea typeface="ＭＳ Ｐゴシック" panose="020B0600070205080204" pitchFamily="50" charset="-128"/>
+              </a:rPr>
+              <a:t>簡単に言うと</a:t>
+            </a:r>
+            <a:r>
+              <a:rPr kumimoji="1" lang="ja-JP" altLang="en-US" sz="1200" b="1" i="0" u="sng" kern="1200" dirty="0" smtClean="0">
+                <a:solidFill>
+                  <a:schemeClr val="tx1"/>
+                </a:solidFill>
+                <a:effectLst/>
+                <a:latin typeface="+mn-lt"/>
+                <a:ea typeface="+mn-ea"/>
+                <a:cs typeface="+mn-cs"/>
+              </a:rPr>
+              <a:t>ソフトウェア内部で扱っているデータをそのまま、保存したり送受信することができるように変換すること</a:t>
             </a:r>
             <a:r>
               <a:rPr kumimoji="1" lang="ja-JP" altLang="en-US" sz="1200" b="0" i="0" kern="1200" dirty="0" smtClean="0">
@@ -1192,7 +1212,7 @@
                 <a:ea typeface="+mn-ea"/>
                 <a:cs typeface="+mn-cs"/>
               </a:rPr>
-              <a:t>ソフトウェア内部で扱っているデータをそのまま、保存したり送受信することができるように変換することですね。</a:t>
+              <a:t>ですね。</a:t>
             </a:r>
             <a:endParaRPr kumimoji="1" lang="en-US" altLang="ja-JP" sz="1200" b="0" i="0" kern="1200" dirty="0" smtClean="0">
               <a:solidFill>
@@ -1897,18 +1917,18 @@
               <a:defRPr/>
             </a:pPr>
             <a:r>
-              <a:rPr lang="en-US" altLang="ja-JP" dirty="0" smtClean="0"/>
+              <a:rPr lang="en-US" altLang="ja-JP" u="sng" dirty="0" smtClean="0"/>
               <a:t>A/B</a:t>
             </a:r>
             <a:r>
-              <a:rPr lang="ja-JP" altLang="en-US" dirty="0" smtClean="0"/>
+              <a:rPr lang="ja-JP" altLang="en-US" u="sng" dirty="0" smtClean="0"/>
               <a:t>テストというのはモデルの検証方法で、</a:t>
             </a:r>
             <a:r>
-              <a:rPr lang="ja-JP" altLang="en-US" sz="1200" dirty="0" smtClean="0"/>
+              <a:rPr lang="ja-JP" altLang="en-US" sz="1200" u="sng" dirty="0" smtClean="0"/>
               <a:t>複数の予測モデルを並列に検証し、どのモデルがより高い成果を出せるのか調べることですね。</a:t>
             </a:r>
-            <a:endParaRPr lang="en-US" altLang="ja-JP" sz="1200" dirty="0" smtClean="0"/>
+            <a:endParaRPr lang="en-US" altLang="ja-JP" sz="1200" u="sng" dirty="0" smtClean="0"/>
           </a:p>
           <a:p>
             <a:pPr marL="0" marR="0" lvl="1" indent="0" algn="l" defTabSz="914400" rtl="0" eaLnBrk="1" fontAlgn="auto" latinLnBrk="0" hangingPunct="1">
@@ -1949,18 +1969,10 @@
               <a:defRPr/>
             </a:pPr>
             <a:r>
-              <a:rPr kumimoji="1" lang="ja-JP" altLang="en-US" sz="1200" dirty="0" smtClean="0"/>
-              <a:t>このパターンだとモデルが独立して</a:t>
-            </a:r>
-            <a:r>
-              <a:rPr kumimoji="1" lang="ja-JP" altLang="en-US" sz="1200" dirty="0" err="1" smtClean="0"/>
-              <a:t>いるの</a:t>
-            </a:r>
-            <a:r>
-              <a:rPr kumimoji="1" lang="ja-JP" altLang="en-US" sz="1200" dirty="0" smtClean="0"/>
-              <a:t>比較検証がしやすいということです</a:t>
-            </a:r>
-            <a:endParaRPr kumimoji="1" lang="en-US" altLang="ja-JP" sz="1200" dirty="0" smtClean="0"/>
+              <a:rPr kumimoji="1" lang="ja-JP" altLang="en-US" sz="1200" u="sng" dirty="0" smtClean="0"/>
+              <a:t>このパターンだとモデルが独立しているので比較検証がしやすいということです</a:t>
+            </a:r>
+            <a:endParaRPr kumimoji="1" lang="en-US" altLang="ja-JP" sz="1200" u="sng" dirty="0" smtClean="0"/>
           </a:p>
           <a:p>
             <a:pPr marL="0" marR="0" lvl="1" indent="0" algn="l" defTabSz="914400" rtl="0" eaLnBrk="1" fontAlgn="auto" latinLnBrk="0" hangingPunct="1">
@@ -2066,7 +2078,7 @@
             </a:pPr>
             <a:r>
               <a:rPr lang="ja-JP" altLang="en-US" dirty="0" smtClean="0"/>
-              <a:t>パターン１と比べると～～</a:t>
+              <a:t>この理由としては、～～余分に発生してしまうかららしいです</a:t>
             </a:r>
             <a:endParaRPr lang="en-US" altLang="ja-JP" dirty="0" smtClean="0"/>
           </a:p>
@@ -2293,25 +2305,11 @@
           <a:p>
             <a:r>
               <a:rPr kumimoji="1" lang="ja-JP" altLang="en-US" dirty="0" smtClean="0"/>
-              <a:t>分類問題などについて～～</a:t>
-            </a:r>
-            <a:endParaRPr kumimoji="1" lang="en-US" altLang="ja-JP" dirty="0" smtClean="0"/>
-          </a:p>
-          <a:p>
-            <a:endParaRPr kumimoji="1" lang="en-US" altLang="ja-JP" dirty="0" smtClean="0"/>
-          </a:p>
-          <a:p>
-            <a:r>
-              <a:rPr kumimoji="1" lang="ja-JP" altLang="en-US" dirty="0" smtClean="0"/>
-              <a:t>このパターンは</a:t>
-            </a:r>
-            <a:r>
-              <a:rPr kumimoji="1" lang="ja-JP" altLang="en-US" dirty="0" smtClean="0"/>
-              <a:t>、予測</a:t>
-            </a:r>
-            <a:r>
-              <a:rPr kumimoji="1" lang="ja-JP" altLang="en-US" dirty="0" smtClean="0"/>
-              <a:t>バッチとアプリケーションの間で</a:t>
+              <a:t>分類問題などに</a:t>
+            </a:r>
+            <a:r>
+              <a:rPr kumimoji="1" lang="ja-JP" altLang="en-US" dirty="0" smtClean="0"/>
+              <a:t>ついて教師あり学習のモデルを一括学習し、～～そして</a:t>
             </a:r>
             <a:r>
               <a:rPr kumimoji="1" lang="en-US" altLang="ja-JP" dirty="0" smtClean="0"/>
@@ -2319,33 +2317,63 @@
             </a:r>
             <a:r>
               <a:rPr kumimoji="1" lang="ja-JP" altLang="en-US" dirty="0" smtClean="0"/>
+              <a:t>経由で予測結果を提供するといった方法になります</a:t>
+            </a:r>
+            <a:endParaRPr kumimoji="1" lang="en-US" altLang="ja-JP" dirty="0" smtClean="0"/>
+          </a:p>
+          <a:p>
+            <a:endParaRPr kumimoji="1" lang="en-US" altLang="ja-JP" dirty="0" smtClean="0"/>
+          </a:p>
+          <a:p>
+            <a:r>
+              <a:rPr kumimoji="1" lang="ja-JP" altLang="en-US" dirty="0" smtClean="0"/>
+              <a:t>このパターンは</a:t>
+            </a:r>
+            <a:r>
+              <a:rPr kumimoji="1" lang="ja-JP" altLang="en-US" dirty="0" smtClean="0"/>
+              <a:t>、</a:t>
+            </a:r>
+            <a:r>
+              <a:rPr kumimoji="1" lang="ja-JP" altLang="en-US" u="sng" dirty="0" smtClean="0"/>
+              <a:t>予測</a:t>
+            </a:r>
+            <a:r>
+              <a:rPr kumimoji="1" lang="ja-JP" altLang="en-US" u="sng" dirty="0" smtClean="0"/>
+              <a:t>バッチとアプリケーションの間で</a:t>
+            </a:r>
+            <a:r>
+              <a:rPr kumimoji="1" lang="en-US" altLang="ja-JP" u="sng" dirty="0" smtClean="0"/>
+              <a:t>DB</a:t>
+            </a:r>
+            <a:r>
+              <a:rPr kumimoji="1" lang="ja-JP" altLang="en-US" u="sng" dirty="0" smtClean="0"/>
               <a:t>を介してやり取りをするので</a:t>
             </a:r>
             <a:r>
-              <a:rPr kumimoji="1" lang="ja-JP" altLang="en-US" dirty="0" smtClean="0"/>
+              <a:rPr kumimoji="1" lang="ja-JP" altLang="en-US" u="sng" dirty="0" smtClean="0"/>
               <a:t>、パターン２と同様に</a:t>
             </a:r>
             <a:r>
-              <a:rPr kumimoji="1" lang="en-US" altLang="ja-JP" dirty="0" smtClean="0"/>
+              <a:rPr kumimoji="1" lang="en-US" altLang="ja-JP" u="sng" dirty="0" smtClean="0"/>
               <a:t>Web</a:t>
             </a:r>
             <a:r>
-              <a:rPr kumimoji="1" lang="ja-JP" altLang="en-US" dirty="0" smtClean="0"/>
+              <a:rPr kumimoji="1" lang="ja-JP" altLang="en-US" u="sng" dirty="0" smtClean="0"/>
               <a:t>アプリケーションと機械学習の学習・予測を行う部分がそれぞれ独立しており</a:t>
             </a:r>
+            <a:endParaRPr kumimoji="1" lang="en-US" altLang="ja-JP" u="sng" dirty="0" smtClean="0"/>
+          </a:p>
+          <a:p>
             <a:endParaRPr kumimoji="1" lang="en-US" altLang="ja-JP" dirty="0" smtClean="0"/>
           </a:p>
           <a:p>
-            <a:endParaRPr kumimoji="1" lang="en-US" altLang="ja-JP" dirty="0" smtClean="0"/>
-          </a:p>
-          <a:p>
-            <a:r>
-              <a:rPr kumimoji="1" lang="en-US" altLang="ja-JP" b="1" dirty="0" smtClean="0"/>
-              <a:t>Web</a:t>
-            </a:r>
             <a:r>
               <a:rPr kumimoji="1" lang="ja-JP" altLang="en-US" b="1" dirty="0" smtClean="0"/>
-              <a:t>アプリケーションと機械学習する部分で言語がそれぞれ異なっても良いことが大きなメリットです</a:t>
+              <a:t>言語</a:t>
+            </a:r>
+            <a:r>
+              <a:rPr kumimoji="1" lang="ja-JP" altLang="en-US" b="1" dirty="0" smtClean="0"/>
+              <a:t>がそれぞれ異なっても良いことが大きなメリットです</a:t>
             </a:r>
             <a:r>
               <a:rPr kumimoji="1" lang="ja-JP" altLang="en-US" b="1" dirty="0" smtClean="0"/>
@@ -2369,9 +2397,13 @@
           <a:p>
             <a:r>
               <a:rPr kumimoji="1" lang="ja-JP" altLang="en-US" dirty="0" smtClean="0"/>
-              <a:t>１つは、予測に必要な情報は予測バッチ実行時に存在する、これは予測を一括で行うので予測で必要な情報が事前に存在しているってことですね</a:t>
-            </a:r>
-            <a:endParaRPr kumimoji="1" lang="en-US" altLang="ja-JP" dirty="0" smtClean="0"/>
+              <a:t>１つは、予測に必要な情報は予測バッチ実行時に存在する、</a:t>
+            </a:r>
+            <a:r>
+              <a:rPr kumimoji="1" lang="ja-JP" altLang="en-US" u="sng" dirty="0" smtClean="0"/>
+              <a:t>これは予測を一括で行うので予測で必要な情報が事前に存在しているってことですね</a:t>
+            </a:r>
+            <a:endParaRPr kumimoji="1" lang="en-US" altLang="ja-JP" u="sng" dirty="0" smtClean="0"/>
           </a:p>
           <a:p>
             <a:endParaRPr kumimoji="1" lang="en-US" altLang="ja-JP" dirty="0" smtClean="0"/>
@@ -3493,8 +3525,31 @@
                 <a:ea typeface="+mn-ea"/>
                 <a:cs typeface="+mn-cs"/>
               </a:rPr>
-              <a:t>ログを保持する場所ですね</a:t>
-            </a:r>
+              <a:t>ログを保持する場所ですね　</a:t>
+            </a:r>
+            <a:r>
+              <a:rPr kumimoji="1" lang="ja-JP" altLang="en-US" sz="1200" b="0" i="0" u="sng" kern="1200" dirty="0" smtClean="0">
+                <a:solidFill>
+                  <a:schemeClr val="tx1"/>
+                </a:solidFill>
+                <a:effectLst/>
+                <a:latin typeface="+mn-lt"/>
+                <a:ea typeface="+mn-ea"/>
+                <a:cs typeface="+mn-cs"/>
+              </a:rPr>
+              <a:t>先ほどの教師データとして使えそうな情報を取得した後にどこに保存しておくかという話です</a:t>
+            </a:r>
+            <a:endParaRPr kumimoji="1" lang="en-US" altLang="ja-JP" sz="1200" b="0" i="0" u="sng" kern="1200" dirty="0" smtClean="0">
+              <a:solidFill>
+                <a:schemeClr val="tx1"/>
+              </a:solidFill>
+              <a:effectLst/>
+              <a:latin typeface="+mn-lt"/>
+              <a:ea typeface="+mn-ea"/>
+              <a:cs typeface="+mn-cs"/>
+            </a:endParaRPr>
+          </a:p>
+          <a:p>
             <a:endParaRPr kumimoji="1" lang="en-US" altLang="ja-JP" sz="1200" b="0" i="0" kern="1200" dirty="0" smtClean="0">
               <a:solidFill>
                 <a:schemeClr val="tx1"/>
@@ -3506,17 +3561,6 @@
             </a:endParaRPr>
           </a:p>
           <a:p>
-            <a:endParaRPr kumimoji="1" lang="en-US" altLang="ja-JP" sz="1200" b="0" i="0" kern="1200" dirty="0" smtClean="0">
-              <a:solidFill>
-                <a:schemeClr val="tx1"/>
-              </a:solidFill>
-              <a:effectLst/>
-              <a:latin typeface="+mn-lt"/>
-              <a:ea typeface="+mn-ea"/>
-              <a:cs typeface="+mn-cs"/>
-            </a:endParaRPr>
-          </a:p>
-          <a:p>
             <a:r>
               <a:rPr kumimoji="1" lang="ja-JP" altLang="en-US" sz="1200" b="0" i="0" kern="1200" dirty="0" smtClean="0">
                 <a:solidFill>
@@ -3527,30 +3571,20 @@
                 <a:ea typeface="+mn-ea"/>
                 <a:cs typeface="+mn-cs"/>
               </a:rPr>
-              <a:t>先ほどの教師データとして使えそうな情報を取得した後にどこに保存しておくかという話です</a:t>
-            </a:r>
-            <a:endParaRPr kumimoji="1" lang="en-US" altLang="ja-JP" sz="1200" b="0" i="0" kern="1200" dirty="0" smtClean="0">
-              <a:solidFill>
-                <a:schemeClr val="tx1"/>
-              </a:solidFill>
-              <a:effectLst/>
-              <a:latin typeface="+mn-lt"/>
-              <a:ea typeface="+mn-ea"/>
-              <a:cs typeface="+mn-cs"/>
-            </a:endParaRPr>
-          </a:p>
-          <a:p>
-            <a:endParaRPr kumimoji="1" lang="en-US" altLang="ja-JP" sz="1200" b="0" i="0" kern="1200" dirty="0" smtClean="0">
-              <a:solidFill>
-                <a:schemeClr val="tx1"/>
-              </a:solidFill>
-              <a:effectLst/>
-              <a:latin typeface="+mn-lt"/>
-              <a:ea typeface="+mn-ea"/>
-              <a:cs typeface="+mn-cs"/>
-            </a:endParaRPr>
-          </a:p>
-          <a:p>
+              <a:t>で、取得した情報の中でも～～ということで、</a:t>
+            </a:r>
+            <a:r>
+              <a:rPr kumimoji="1" lang="ja-JP" altLang="en-US" sz="1200" b="1" i="0" kern="1200" dirty="0" smtClean="0">
+                <a:solidFill>
+                  <a:schemeClr val="tx1"/>
+                </a:solidFill>
+                <a:effectLst/>
+                <a:latin typeface="+mn-lt"/>
+                <a:ea typeface="+mn-ea"/>
+                <a:cs typeface="+mn-cs"/>
+              </a:rPr>
+              <a:t>保存場所には注意が必要だということです</a:t>
+            </a:r>
             <a:r>
               <a:rPr kumimoji="1" lang="ja-JP" altLang="en-US" sz="1200" b="0" i="0" kern="1200" dirty="0" smtClean="0">
                 <a:solidFill>
@@ -3561,56 +3595,10 @@
                 <a:ea typeface="+mn-ea"/>
                 <a:cs typeface="+mn-cs"/>
               </a:rPr>
-              <a:t>で、取得した情報の中でも～～の</a:t>
-            </a:r>
-            <a:r>
-              <a:rPr kumimoji="1" lang="ja-JP" altLang="en-US" sz="1200" b="0" i="0" kern="1200" dirty="0" err="1" smtClean="0">
-                <a:solidFill>
-                  <a:schemeClr val="tx1"/>
-                </a:solidFill>
-                <a:effectLst/>
-                <a:latin typeface="+mn-lt"/>
-                <a:ea typeface="+mn-ea"/>
-                <a:cs typeface="+mn-cs"/>
-              </a:rPr>
-              <a:t>で</a:t>
-            </a:r>
-            <a:r>
-              <a:rPr kumimoji="1" lang="ja-JP" altLang="en-US" sz="1200" b="0" i="0" kern="1200" dirty="0" smtClean="0">
-                <a:solidFill>
-                  <a:schemeClr val="tx1"/>
-                </a:solidFill>
-                <a:effectLst/>
-                <a:latin typeface="+mn-lt"/>
-                <a:ea typeface="+mn-ea"/>
-                <a:cs typeface="+mn-cs"/>
-              </a:rPr>
-              <a:t>保存場所には注意が必要です</a:t>
-            </a:r>
-            <a:endParaRPr kumimoji="1" lang="en-US" altLang="ja-JP" sz="1200" b="0" i="0" kern="1200" dirty="0" smtClean="0">
-              <a:solidFill>
-                <a:schemeClr val="tx1"/>
-              </a:solidFill>
-              <a:effectLst/>
-              <a:latin typeface="+mn-lt"/>
-              <a:ea typeface="+mn-ea"/>
-              <a:cs typeface="+mn-cs"/>
-            </a:endParaRPr>
-          </a:p>
-          <a:p>
-            <a:endParaRPr kumimoji="1" lang="en-US" altLang="ja-JP" sz="1200" b="0" i="0" kern="1200" dirty="0" smtClean="0">
-              <a:solidFill>
-                <a:schemeClr val="tx1"/>
-              </a:solidFill>
-              <a:effectLst/>
-              <a:latin typeface="+mn-lt"/>
-              <a:ea typeface="+mn-ea"/>
-              <a:cs typeface="+mn-cs"/>
-            </a:endParaRPr>
-          </a:p>
-          <a:p>
-            <a:r>
-              <a:rPr kumimoji="1" lang="ja-JP" altLang="en-US" sz="1200" b="0" i="0" kern="1200" dirty="0" smtClean="0">
+              <a:t>、</a:t>
+            </a:r>
+            <a:r>
+              <a:rPr kumimoji="1" lang="ja-JP" altLang="en-US" sz="1200" b="0" i="0" u="sng" kern="1200" dirty="0" smtClean="0">
                 <a:solidFill>
                   <a:schemeClr val="tx1"/>
                 </a:solidFill>
@@ -3621,7 +3609,7 @@
               </a:rPr>
               <a:t>この本ではデータの保持方法として３つの保持方法が紹介されていました。</a:t>
             </a:r>
-            <a:endParaRPr kumimoji="1" lang="en-US" altLang="ja-JP" sz="1200" b="0" i="0" kern="1200" dirty="0" smtClean="0">
+            <a:endParaRPr kumimoji="1" lang="en-US" altLang="ja-JP" sz="1200" b="0" i="0" u="sng" kern="1200" dirty="0" smtClean="0">
               <a:solidFill>
                 <a:schemeClr val="tx1"/>
               </a:solidFill>
@@ -3747,9 +3735,81 @@
                 <a:ea typeface="+mn-ea"/>
                 <a:cs typeface="+mn-cs"/>
               </a:rPr>
-              <a:t>というのは～～です。通信負荷の軽減、パフォーマンスの向上が図れるほか、一つのサイトが障害に遭っても全体の機能が失われないというメリットもあります。</a:t>
-            </a:r>
-            <a:endParaRPr kumimoji="1" lang="en-US" altLang="ja-JP" sz="1200" b="0" i="0" kern="1200" dirty="0" smtClean="0">
+              <a:t>というのは～～です。</a:t>
+            </a:r>
+            <a:r>
+              <a:rPr kumimoji="1" lang="ja-JP" altLang="en-US" sz="1200" b="1" i="0" u="sng" kern="1200" dirty="0" smtClean="0">
+                <a:solidFill>
+                  <a:schemeClr val="tx1"/>
+                </a:solidFill>
+                <a:effectLst/>
+                <a:latin typeface="+mn-lt"/>
+                <a:ea typeface="+mn-ea"/>
+                <a:cs typeface="+mn-cs"/>
+              </a:rPr>
+              <a:t>通信負荷の軽減</a:t>
+            </a:r>
+            <a:r>
+              <a:rPr kumimoji="1" lang="ja-JP" altLang="en-US" sz="1200" b="0" i="0" u="sng" kern="1200" dirty="0" smtClean="0">
+                <a:solidFill>
+                  <a:schemeClr val="tx1"/>
+                </a:solidFill>
+                <a:effectLst/>
+                <a:latin typeface="+mn-lt"/>
+                <a:ea typeface="+mn-ea"/>
+                <a:cs typeface="+mn-cs"/>
+              </a:rPr>
+              <a:t>、</a:t>
+            </a:r>
+            <a:r>
+              <a:rPr kumimoji="1" lang="ja-JP" altLang="en-US" sz="1200" b="1" i="0" u="sng" kern="1200" dirty="0" smtClean="0">
+                <a:solidFill>
+                  <a:schemeClr val="tx1"/>
+                </a:solidFill>
+                <a:effectLst/>
+                <a:latin typeface="+mn-lt"/>
+                <a:ea typeface="+mn-ea"/>
+                <a:cs typeface="+mn-cs"/>
+              </a:rPr>
+              <a:t>パフォーマンスの向上が図れるほか</a:t>
+            </a:r>
+            <a:r>
+              <a:rPr kumimoji="1" lang="ja-JP" altLang="en-US" sz="1200" b="0" i="0" u="sng" kern="1200" dirty="0" smtClean="0">
+                <a:solidFill>
+                  <a:schemeClr val="tx1"/>
+                </a:solidFill>
+                <a:effectLst/>
+                <a:latin typeface="+mn-lt"/>
+                <a:ea typeface="+mn-ea"/>
+                <a:cs typeface="+mn-cs"/>
+              </a:rPr>
+              <a:t>、</a:t>
+            </a:r>
+            <a:r>
+              <a:rPr kumimoji="1" lang="ja-JP" altLang="en-US" sz="1200" b="1" i="0" u="sng" kern="1200" dirty="0" smtClean="0">
+                <a:solidFill>
+                  <a:schemeClr val="tx1"/>
+                </a:solidFill>
+                <a:effectLst/>
+                <a:latin typeface="+mn-lt"/>
+                <a:ea typeface="+mn-ea"/>
+                <a:cs typeface="+mn-cs"/>
+              </a:rPr>
+              <a:t>一つのサイトが障害に遭っても全体の機能が失われない</a:t>
+            </a:r>
+            <a:r>
+              <a:rPr kumimoji="1" lang="ja-JP" altLang="en-US" sz="1200" b="0" i="0" u="sng" kern="1200" dirty="0" smtClean="0">
+                <a:solidFill>
+                  <a:schemeClr val="tx1"/>
+                </a:solidFill>
+                <a:effectLst/>
+                <a:latin typeface="+mn-lt"/>
+                <a:ea typeface="+mn-ea"/>
+                <a:cs typeface="+mn-cs"/>
+              </a:rPr>
+              <a:t>というメリットもあります。</a:t>
+            </a:r>
+            <a:endParaRPr kumimoji="1" lang="en-US" altLang="ja-JP" sz="1200" b="0" i="0" u="sng" kern="1200" dirty="0" smtClean="0">
               <a:solidFill>
                 <a:schemeClr val="tx1"/>
               </a:solidFill>
@@ -3911,8 +3971,55 @@
                 <a:ea typeface="+mn-ea"/>
                 <a:cs typeface="+mn-cs"/>
               </a:rPr>
-              <a:t>というのは、分散ファイルシステムのことで、管理するファイルの読み書きを高速化するため、大きなファイルを～～できるようにしたシステムです</a:t>
-            </a:r>
+              <a:t>というのは、分散ファイルシステムのことで、</a:t>
+            </a:r>
+            <a:r>
+              <a:rPr kumimoji="1" lang="ja-JP" altLang="en-US" sz="1200" b="1" i="0" kern="1200" dirty="0" smtClean="0">
+                <a:solidFill>
+                  <a:schemeClr val="tx1"/>
+                </a:solidFill>
+                <a:effectLst/>
+                <a:latin typeface="+mn-lt"/>
+                <a:ea typeface="+mn-ea"/>
+                <a:cs typeface="+mn-cs"/>
+              </a:rPr>
+              <a:t>管理するファイルの読み書きを高速化するため</a:t>
+            </a:r>
+            <a:r>
+              <a:rPr kumimoji="1" lang="ja-JP" altLang="en-US" sz="1200" b="0" i="0" kern="1200" dirty="0" smtClean="0">
+                <a:solidFill>
+                  <a:schemeClr val="tx1"/>
+                </a:solidFill>
+                <a:effectLst/>
+                <a:latin typeface="+mn-lt"/>
+                <a:ea typeface="+mn-ea"/>
+                <a:cs typeface="+mn-cs"/>
+              </a:rPr>
+              <a:t>、</a:t>
+            </a:r>
+            <a:r>
+              <a:rPr kumimoji="1" lang="ja-JP" altLang="en-US" sz="1200" b="0" i="0" u="sng" kern="1200" dirty="0" smtClean="0">
+                <a:solidFill>
+                  <a:schemeClr val="tx1"/>
+                </a:solidFill>
+                <a:effectLst/>
+                <a:latin typeface="+mn-lt"/>
+                <a:ea typeface="+mn-ea"/>
+                <a:cs typeface="+mn-cs"/>
+              </a:rPr>
+              <a:t>大きなファイルを～～できるようにしたシステムです</a:t>
+            </a:r>
+            <a:endParaRPr kumimoji="1" lang="en-US" altLang="ja-JP" sz="1200" b="0" i="0" u="sng" kern="1200" dirty="0" smtClean="0">
+              <a:solidFill>
+                <a:schemeClr val="tx1"/>
+              </a:solidFill>
+              <a:effectLst/>
+              <a:latin typeface="+mn-lt"/>
+              <a:ea typeface="+mn-ea"/>
+              <a:cs typeface="+mn-cs"/>
+            </a:endParaRPr>
+          </a:p>
+          <a:p>
             <a:endParaRPr kumimoji="1" lang="en-US" altLang="ja-JP" sz="1200" b="0" i="0" kern="1200" dirty="0" smtClean="0">
               <a:solidFill>
                 <a:schemeClr val="tx1"/>
@@ -3924,17 +4031,6 @@
             </a:endParaRPr>
           </a:p>
           <a:p>
-            <a:endParaRPr kumimoji="1" lang="en-US" altLang="ja-JP" sz="1200" b="0" i="0" kern="1200" dirty="0" smtClean="0">
-              <a:solidFill>
-                <a:schemeClr val="tx1"/>
-              </a:solidFill>
-              <a:effectLst/>
-              <a:latin typeface="+mn-lt"/>
-              <a:ea typeface="+mn-ea"/>
-              <a:cs typeface="+mn-cs"/>
-            </a:endParaRPr>
-          </a:p>
-          <a:p>
             <a:r>
               <a:rPr kumimoji="1" lang="ja-JP" altLang="en-US" sz="1200" b="0" i="0" kern="1200" dirty="0" smtClean="0">
                 <a:solidFill>
@@ -3945,31 +4041,7 @@
                 <a:ea typeface="+mn-ea"/>
                 <a:cs typeface="+mn-cs"/>
               </a:rPr>
-              <a:t>最後がオブジェクトストレージに格納する</a:t>
-            </a:r>
-            <a:r>
-              <a:rPr kumimoji="1" lang="ja-JP" altLang="en-US" sz="1200" b="0" i="0" kern="1200" dirty="0" err="1" smtClean="0">
-                <a:solidFill>
-                  <a:schemeClr val="tx1"/>
-                </a:solidFill>
-                <a:effectLst/>
-                <a:latin typeface="+mn-lt"/>
-                <a:ea typeface="+mn-ea"/>
-                <a:cs typeface="+mn-cs"/>
-              </a:rPr>
-              <a:t>で</a:t>
-            </a:r>
-            <a:r>
-              <a:rPr kumimoji="1" lang="ja-JP" altLang="en-US" sz="1200" b="0" i="0" kern="1200" dirty="0" smtClean="0">
-                <a:solidFill>
-                  <a:schemeClr val="tx1"/>
-                </a:solidFill>
-                <a:effectLst/>
-                <a:latin typeface="+mn-lt"/>
-                <a:ea typeface="+mn-ea"/>
-                <a:cs typeface="+mn-cs"/>
-              </a:rPr>
-              <a:t>すね</a:t>
+              <a:t>最後がオブジェクトストレージに格納する、ですね</a:t>
             </a:r>
             <a:endParaRPr kumimoji="1" lang="en-US" altLang="ja-JP" sz="1200" b="0" i="0" kern="1200" dirty="0" smtClean="0">
               <a:solidFill>
@@ -4012,7 +4084,107 @@
             </a:pPr>
             <a:r>
               <a:rPr lang="ja-JP" altLang="en-US" sz="2400" dirty="0" smtClean="0"/>
-              <a:t>オブジェクトストレージというのはファイル単位，ブロック単位ではなく「オブジェクト」という単位でデータを管理するストレージことで、オブジェクトの保管場所となる空間に、何の依存関係もない状態で各オブジェクトを保管し、オブジェクトに</a:t>
+              <a:t>オブジェクトストレージというのはファイル単位，ブロック単位ではなく「オブジェクト」という単位でデータを管理するストレージことで、</a:t>
+            </a:r>
+            <a:endParaRPr lang="en-US" altLang="ja-JP" sz="2400" dirty="0" smtClean="0"/>
+          </a:p>
+          <a:p>
+            <a:pPr marL="0" marR="0" lvl="2" indent="0" algn="l" defTabSz="914400" rtl="0" eaLnBrk="1" fontAlgn="auto" latinLnBrk="0" hangingPunct="1">
+              <a:lnSpc>
+                <a:spcPct val="100000"/>
+              </a:lnSpc>
+              <a:spcBef>
+                <a:spcPts val="0"/>
+              </a:spcBef>
+              <a:spcAft>
+                <a:spcPts val="0"/>
+              </a:spcAft>
+              <a:buClrTx/>
+              <a:buSzTx/>
+              <a:buFontTx/>
+              <a:buNone/>
+              <a:tabLst/>
+              <a:defRPr/>
+            </a:pPr>
+            <a:endParaRPr lang="en-US" altLang="ja-JP" sz="2400" dirty="0" smtClean="0"/>
+          </a:p>
+          <a:p>
+            <a:pPr marL="0" marR="0" lvl="2" indent="0" algn="l" defTabSz="914400" rtl="0" eaLnBrk="1" fontAlgn="auto" latinLnBrk="0" hangingPunct="1">
+              <a:lnSpc>
+                <a:spcPct val="100000"/>
+              </a:lnSpc>
+              <a:spcBef>
+                <a:spcPts val="0"/>
+              </a:spcBef>
+              <a:spcAft>
+                <a:spcPts val="0"/>
+              </a:spcAft>
+              <a:buClrTx/>
+              <a:buSzTx/>
+              <a:buFontTx/>
+              <a:buNone/>
+              <a:tabLst/>
+              <a:defRPr/>
+            </a:pPr>
+            <a:r>
+              <a:rPr lang="ja-JP" altLang="en-US" sz="2400" dirty="0" smtClean="0"/>
+              <a:t>各オブジェクトが互いに</a:t>
+            </a:r>
+            <a:r>
+              <a:rPr lang="ja-JP" altLang="en-US" sz="2400" dirty="0" smtClean="0">
+                <a:solidFill>
+                  <a:srgbClr val="FF0000"/>
+                </a:solidFill>
+              </a:rPr>
+              <a:t>依存関係のない状態で保存</a:t>
+            </a:r>
+            <a:r>
+              <a:rPr lang="ja-JP" altLang="en-US" sz="2400" dirty="0" smtClean="0"/>
+              <a:t>されていることが特徴です</a:t>
+            </a:r>
+            <a:endParaRPr lang="en-US" altLang="ja-JP" sz="2400" dirty="0" smtClean="0"/>
+          </a:p>
+          <a:p>
+            <a:pPr marL="0" marR="0" lvl="2" indent="0" algn="l" defTabSz="914400" rtl="0" eaLnBrk="1" fontAlgn="auto" latinLnBrk="0" hangingPunct="1">
+              <a:lnSpc>
+                <a:spcPct val="100000"/>
+              </a:lnSpc>
+              <a:spcBef>
+                <a:spcPts val="0"/>
+              </a:spcBef>
+              <a:spcAft>
+                <a:spcPts val="0"/>
+              </a:spcAft>
+              <a:buClrTx/>
+              <a:buSzTx/>
+              <a:buFontTx/>
+              <a:buNone/>
+              <a:tabLst/>
+              <a:defRPr/>
+            </a:pPr>
+            <a:endParaRPr lang="en-US" altLang="ja-JP" sz="2400" dirty="0" smtClean="0"/>
+          </a:p>
+          <a:p>
+            <a:pPr marL="0" marR="0" lvl="2" indent="0" algn="l" defTabSz="914400" rtl="0" eaLnBrk="1" fontAlgn="auto" latinLnBrk="0" hangingPunct="1">
+              <a:lnSpc>
+                <a:spcPct val="100000"/>
+              </a:lnSpc>
+              <a:spcBef>
+                <a:spcPts val="0"/>
+              </a:spcBef>
+              <a:spcAft>
+                <a:spcPts val="0"/>
+              </a:spcAft>
+              <a:buClrTx/>
+              <a:buSzTx/>
+              <a:buFontTx/>
+              <a:buNone/>
+              <a:tabLst/>
+              <a:defRPr/>
+            </a:pPr>
+            <a:r>
+              <a:rPr lang="ja-JP" altLang="en-US" sz="2400" dirty="0" smtClean="0"/>
+              <a:t>オブジェクトに</a:t>
             </a:r>
             <a:r>
               <a:rPr lang="en-US" altLang="ja-JP" sz="2400" dirty="0" smtClean="0"/>
@@ -4028,7 +4200,7 @@
             </a:r>
             <a:r>
               <a:rPr lang="ja-JP" altLang="en-US" sz="2400" dirty="0" smtClean="0"/>
-              <a:t>でデータを出し入れします。</a:t>
+              <a:t>で紐づけてデータの操作をします。こうすることで～～といったメリットがあります。</a:t>
             </a:r>
             <a:endParaRPr lang="en-US" altLang="ja-JP" sz="2400" dirty="0" smtClean="0"/>
           </a:p>
@@ -4245,30 +4417,550 @@
           <a:lstStyle/>
           <a:p>
             <a:r>
-              <a:rPr kumimoji="1" lang="ja-JP" altLang="en-US" dirty="0" smtClean="0"/>
-              <a:t>まとめですね、第４章では機械学習をシステムに組み込むための設計と、ログ設計について説明しました</a:t>
-            </a:r>
-            <a:endParaRPr kumimoji="1" lang="en-US" altLang="ja-JP" dirty="0" smtClean="0"/>
-          </a:p>
-          <a:p>
-            <a:endParaRPr kumimoji="1" lang="en-US" altLang="ja-JP" dirty="0" smtClean="0"/>
-          </a:p>
-          <a:p>
-            <a:r>
-              <a:rPr kumimoji="1" lang="ja-JP" altLang="en-US" dirty="0" smtClean="0"/>
-              <a:t>システム設計では、～～ことを紹介し、各パターンが用いられる場所やメリットを紹介しました</a:t>
-            </a:r>
-            <a:endParaRPr kumimoji="1" lang="en-US" altLang="ja-JP" dirty="0" smtClean="0"/>
-          </a:p>
-          <a:p>
-            <a:endParaRPr kumimoji="1" lang="en-US" altLang="ja-JP" dirty="0" smtClean="0"/>
-          </a:p>
-          <a:p>
-            <a:r>
-              <a:rPr kumimoji="1" lang="ja-JP" altLang="en-US" smtClean="0"/>
-              <a:t>ログ設計では、～～や具体的な～～を紹介しました。　以上で発表を終わります</a:t>
-            </a:r>
-            <a:endParaRPr kumimoji="1" lang="ja-JP" altLang="en-US" dirty="0"/>
+              <a:rPr kumimoji="1" lang="en-US" altLang="ja-JP" sz="1200" b="0" i="0" kern="1200" dirty="0" smtClean="0">
+                <a:solidFill>
+                  <a:schemeClr val="tx1"/>
+                </a:solidFill>
+                <a:effectLst/>
+                <a:latin typeface="+mn-lt"/>
+                <a:ea typeface="+mn-ea"/>
+                <a:cs typeface="+mn-cs"/>
+              </a:rPr>
+              <a:t>OLTP</a:t>
+            </a:r>
+            <a:r>
+              <a:rPr kumimoji="1" lang="ja-JP" altLang="en-US" sz="1200" b="0" i="0" kern="1200" dirty="0" smtClean="0">
+                <a:solidFill>
+                  <a:schemeClr val="tx1"/>
+                </a:solidFill>
+                <a:effectLst/>
+                <a:latin typeface="+mn-lt"/>
+                <a:ea typeface="+mn-ea"/>
+                <a:cs typeface="+mn-cs"/>
+              </a:rPr>
+              <a:t>（</a:t>
+            </a:r>
+            <a:r>
+              <a:rPr kumimoji="1" lang="en-US" altLang="ja-JP" sz="1200" b="0" i="0" kern="1200" dirty="0" smtClean="0">
+                <a:solidFill>
+                  <a:schemeClr val="tx1"/>
+                </a:solidFill>
+                <a:effectLst/>
+                <a:latin typeface="+mn-lt"/>
+                <a:ea typeface="+mn-ea"/>
+                <a:cs typeface="+mn-cs"/>
+              </a:rPr>
+              <a:t>Online Transaction Processing</a:t>
+            </a:r>
+            <a:r>
+              <a:rPr kumimoji="1" lang="ja-JP" altLang="en-US" sz="1200" b="0" i="0" kern="1200" dirty="0" smtClean="0">
+                <a:solidFill>
+                  <a:schemeClr val="tx1"/>
+                </a:solidFill>
+                <a:effectLst/>
+                <a:latin typeface="+mn-lt"/>
+                <a:ea typeface="+mn-ea"/>
+                <a:cs typeface="+mn-cs"/>
+              </a:rPr>
+              <a:t>）データベースとは、トランザクション処理を行うことを目的としたデータベースです。トランザクション</a:t>
+            </a:r>
+            <a:r>
+              <a:rPr kumimoji="1" lang="en-US" altLang="ja-JP" sz="1200" b="0" i="0" kern="1200" dirty="0" smtClean="0">
+                <a:solidFill>
+                  <a:schemeClr val="tx1"/>
+                </a:solidFill>
+                <a:effectLst/>
+                <a:latin typeface="+mn-lt"/>
+                <a:ea typeface="+mn-ea"/>
+                <a:cs typeface="+mn-cs"/>
+              </a:rPr>
+              <a:t>(Transaction)</a:t>
+            </a:r>
+            <a:r>
+              <a:rPr kumimoji="1" lang="ja-JP" altLang="en-US" sz="1200" b="0" i="0" kern="1200" dirty="0" err="1" smtClean="0">
+                <a:solidFill>
+                  <a:schemeClr val="tx1"/>
+                </a:solidFill>
+                <a:effectLst/>
+                <a:latin typeface="+mn-lt"/>
+                <a:ea typeface="+mn-ea"/>
+                <a:cs typeface="+mn-cs"/>
+              </a:rPr>
+              <a:t>には</a:t>
+            </a:r>
+            <a:r>
+              <a:rPr kumimoji="1" lang="en-US" altLang="ja-JP" sz="1200" b="0" i="0" kern="1200" dirty="0" smtClean="0">
+                <a:solidFill>
+                  <a:schemeClr val="tx1"/>
+                </a:solidFill>
+                <a:effectLst/>
+                <a:latin typeface="+mn-lt"/>
+                <a:ea typeface="+mn-ea"/>
+                <a:cs typeface="+mn-cs"/>
+              </a:rPr>
+              <a:t>2</a:t>
+            </a:r>
+            <a:r>
+              <a:rPr kumimoji="1" lang="ja-JP" altLang="en-US" sz="1200" b="0" i="0" kern="1200" dirty="0" err="1" smtClean="0">
+                <a:solidFill>
+                  <a:schemeClr val="tx1"/>
+                </a:solidFill>
+                <a:effectLst/>
+                <a:latin typeface="+mn-lt"/>
+                <a:ea typeface="+mn-ea"/>
+                <a:cs typeface="+mn-cs"/>
+              </a:rPr>
+              <a:t>つの</a:t>
+            </a:r>
+            <a:r>
+              <a:rPr kumimoji="1" lang="ja-JP" altLang="en-US" sz="1200" b="0" i="0" kern="1200" dirty="0" smtClean="0">
+                <a:solidFill>
+                  <a:schemeClr val="tx1"/>
+                </a:solidFill>
+                <a:effectLst/>
+                <a:latin typeface="+mn-lt"/>
+                <a:ea typeface="+mn-ea"/>
+                <a:cs typeface="+mn-cs"/>
+              </a:rPr>
+              <a:t>意味はあり、英語直訳の「商取引」と、技術用語で「</a:t>
+            </a:r>
+            <a:r>
+              <a:rPr kumimoji="1" lang="ja-JP" altLang="en-US" sz="1200" b="0" i="0" u="none" strike="noStrike" kern="1200" dirty="0" smtClean="0">
+                <a:solidFill>
+                  <a:schemeClr val="tx1"/>
+                </a:solidFill>
+                <a:effectLst/>
+                <a:latin typeface="+mn-lt"/>
+                <a:ea typeface="+mn-ea"/>
+                <a:cs typeface="+mn-cs"/>
+                <a:hlinkClick r:id="rId3"/>
+              </a:rPr>
+              <a:t>データの一貫性を保つためのデータベースのトランザクション機能</a:t>
+            </a:r>
+            <a:r>
+              <a:rPr kumimoji="1" lang="ja-JP" altLang="en-US" sz="1200" b="0" i="0" kern="1200" dirty="0" smtClean="0">
+                <a:solidFill>
+                  <a:schemeClr val="tx1"/>
+                </a:solidFill>
+                <a:effectLst/>
+                <a:latin typeface="+mn-lt"/>
+                <a:ea typeface="+mn-ea"/>
+                <a:cs typeface="+mn-cs"/>
+              </a:rPr>
+              <a:t>」があります。</a:t>
+            </a:r>
+            <a:r>
+              <a:rPr lang="ja-JP" altLang="en-US" dirty="0" smtClean="0"/>
+              <a:t/>
+            </a:r>
+            <a:br>
+              <a:rPr lang="ja-JP" altLang="en-US" dirty="0" smtClean="0"/>
+            </a:br>
+            <a:r>
+              <a:rPr kumimoji="1" lang="ja-JP" altLang="en-US" sz="1200" b="0" i="0" kern="1200" dirty="0" smtClean="0">
+                <a:solidFill>
+                  <a:schemeClr val="tx1"/>
+                </a:solidFill>
+                <a:effectLst/>
+                <a:latin typeface="+mn-lt"/>
+                <a:ea typeface="+mn-ea"/>
+                <a:cs typeface="+mn-cs"/>
+              </a:rPr>
+              <a:t>この</a:t>
+            </a:r>
+            <a:r>
+              <a:rPr kumimoji="1" lang="en-US" altLang="ja-JP" sz="1200" b="0" i="0" kern="1200" dirty="0" smtClean="0">
+                <a:solidFill>
+                  <a:schemeClr val="tx1"/>
+                </a:solidFill>
+                <a:effectLst/>
+                <a:latin typeface="+mn-lt"/>
+                <a:ea typeface="+mn-ea"/>
+                <a:cs typeface="+mn-cs"/>
+              </a:rPr>
+              <a:t>OLTP</a:t>
+            </a:r>
+            <a:r>
+              <a:rPr kumimoji="1" lang="ja-JP" altLang="en-US" sz="1200" b="0" i="0" kern="1200" dirty="0" smtClean="0">
+                <a:solidFill>
+                  <a:schemeClr val="tx1"/>
+                </a:solidFill>
+                <a:effectLst/>
+                <a:latin typeface="+mn-lt"/>
+                <a:ea typeface="+mn-ea"/>
+                <a:cs typeface="+mn-cs"/>
+              </a:rPr>
+              <a:t>データベースは、日々増えてく</a:t>
+            </a:r>
+            <a:r>
+              <a:rPr kumimoji="1" lang="ja-JP" altLang="en-US" sz="1200" b="1" i="0" u="none" strike="noStrike" kern="1200" dirty="0" smtClean="0">
+                <a:solidFill>
+                  <a:schemeClr val="tx1"/>
+                </a:solidFill>
+                <a:effectLst/>
+                <a:latin typeface="+mn-lt"/>
+                <a:ea typeface="+mn-ea"/>
+                <a:cs typeface="+mn-cs"/>
+              </a:rPr>
+              <a:t>データを確実に登録</a:t>
+            </a:r>
+            <a:r>
+              <a:rPr kumimoji="1" lang="ja-JP" altLang="en-US" sz="1200" b="0" i="0" kern="1200" dirty="0" smtClean="0">
+                <a:solidFill>
+                  <a:schemeClr val="tx1"/>
+                </a:solidFill>
+                <a:effectLst/>
+                <a:latin typeface="+mn-lt"/>
+                <a:ea typeface="+mn-ea"/>
+                <a:cs typeface="+mn-cs"/>
+              </a:rPr>
+              <a:t>し、</a:t>
+            </a:r>
+            <a:r>
+              <a:rPr kumimoji="1" lang="ja-JP" altLang="en-US" sz="1200" b="1" i="0" u="none" strike="noStrike" kern="1200" dirty="0" smtClean="0">
+                <a:solidFill>
+                  <a:schemeClr val="tx1"/>
+                </a:solidFill>
+                <a:effectLst/>
+                <a:latin typeface="+mn-lt"/>
+                <a:ea typeface="+mn-ea"/>
+                <a:cs typeface="+mn-cs"/>
+              </a:rPr>
+              <a:t>小さいサイズのデータ取得依頼に対し迅速に応える事に特化</a:t>
+            </a:r>
+            <a:r>
+              <a:rPr kumimoji="1" lang="ja-JP" altLang="en-US" sz="1200" b="0" i="0" kern="1200" dirty="0" smtClean="0">
+                <a:solidFill>
+                  <a:schemeClr val="tx1"/>
+                </a:solidFill>
+                <a:effectLst/>
+                <a:latin typeface="+mn-lt"/>
+                <a:ea typeface="+mn-ea"/>
+                <a:cs typeface="+mn-cs"/>
+              </a:rPr>
+              <a:t>しています。また、</a:t>
+            </a:r>
+            <a:r>
+              <a:rPr kumimoji="1" lang="ja-JP" altLang="en-US" sz="1200" b="1" i="0" u="none" strike="noStrike" kern="1200" dirty="0" smtClean="0">
+                <a:solidFill>
+                  <a:schemeClr val="tx1"/>
+                </a:solidFill>
+                <a:effectLst/>
+                <a:latin typeface="+mn-lt"/>
+                <a:ea typeface="+mn-ea"/>
+                <a:cs typeface="+mn-cs"/>
+              </a:rPr>
+              <a:t>大量に発生する読書きアクセスに対して同時で実行</a:t>
+            </a:r>
+            <a:r>
+              <a:rPr kumimoji="1" lang="ja-JP" altLang="en-US" sz="1200" b="0" i="0" kern="1200" dirty="0" smtClean="0">
+                <a:solidFill>
+                  <a:schemeClr val="tx1"/>
+                </a:solidFill>
+                <a:effectLst/>
+                <a:latin typeface="+mn-lt"/>
+                <a:ea typeface="+mn-ea"/>
+                <a:cs typeface="+mn-cs"/>
+              </a:rPr>
+              <a:t>する機能を持っています。一般的な</a:t>
+            </a:r>
+            <a:r>
+              <a:rPr kumimoji="1" lang="en-US" altLang="ja-JP" sz="1200" b="0" i="0" kern="1200" dirty="0" smtClean="0">
+                <a:solidFill>
+                  <a:schemeClr val="tx1"/>
+                </a:solidFill>
+                <a:effectLst/>
+                <a:latin typeface="+mn-lt"/>
+                <a:ea typeface="+mn-ea"/>
+                <a:cs typeface="+mn-cs"/>
+              </a:rPr>
+              <a:t>EC</a:t>
+            </a:r>
+            <a:r>
+              <a:rPr kumimoji="1" lang="ja-JP" altLang="en-US" sz="1200" b="0" i="0" kern="1200" dirty="0" smtClean="0">
+                <a:solidFill>
+                  <a:schemeClr val="tx1"/>
+                </a:solidFill>
+                <a:effectLst/>
+                <a:latin typeface="+mn-lt"/>
+                <a:ea typeface="+mn-ea"/>
+                <a:cs typeface="+mn-cs"/>
+              </a:rPr>
+              <a:t>サイトやソーシャルゲーム、社内システムでは</a:t>
+            </a:r>
+            <a:r>
+              <a:rPr kumimoji="1" lang="en-US" altLang="ja-JP" sz="1200" b="0" i="0" kern="1200" dirty="0" smtClean="0">
+                <a:solidFill>
+                  <a:schemeClr val="tx1"/>
+                </a:solidFill>
+                <a:effectLst/>
+                <a:latin typeface="+mn-lt"/>
+                <a:ea typeface="+mn-ea"/>
+                <a:cs typeface="+mn-cs"/>
+              </a:rPr>
+              <a:t>OLTP</a:t>
+            </a:r>
+            <a:r>
+              <a:rPr kumimoji="1" lang="ja-JP" altLang="en-US" sz="1200" b="0" i="0" kern="1200" dirty="0" smtClean="0">
+                <a:solidFill>
+                  <a:schemeClr val="tx1"/>
+                </a:solidFill>
+                <a:effectLst/>
+                <a:latin typeface="+mn-lt"/>
+                <a:ea typeface="+mn-ea"/>
+                <a:cs typeface="+mn-cs"/>
+              </a:rPr>
+              <a:t>データベースであることが多く、データベースの商品名では</a:t>
+            </a:r>
+            <a:r>
+              <a:rPr kumimoji="1" lang="en-US" altLang="ja-JP" sz="1200" b="0" i="0" kern="1200" dirty="0" smtClean="0">
+                <a:solidFill>
+                  <a:schemeClr val="tx1"/>
+                </a:solidFill>
+                <a:effectLst/>
+                <a:latin typeface="+mn-lt"/>
+                <a:ea typeface="+mn-ea"/>
+                <a:cs typeface="+mn-cs"/>
+              </a:rPr>
+              <a:t>ORACLE</a:t>
+            </a:r>
+            <a:r>
+              <a:rPr kumimoji="1" lang="ja-JP" altLang="en-US" sz="1200" b="0" i="0" kern="1200" dirty="0" smtClean="0">
+                <a:solidFill>
+                  <a:schemeClr val="tx1"/>
+                </a:solidFill>
+                <a:effectLst/>
+                <a:latin typeface="+mn-lt"/>
+                <a:ea typeface="+mn-ea"/>
+                <a:cs typeface="+mn-cs"/>
+              </a:rPr>
+              <a:t>データベースなどが有名です。</a:t>
+            </a:r>
+            <a:endParaRPr kumimoji="1" lang="en-US" altLang="ja-JP" sz="1200" b="0" i="0" kern="1200" dirty="0" smtClean="0">
+              <a:solidFill>
+                <a:schemeClr val="tx1"/>
+              </a:solidFill>
+              <a:effectLst/>
+              <a:latin typeface="+mn-lt"/>
+              <a:ea typeface="+mn-ea"/>
+              <a:cs typeface="+mn-cs"/>
+            </a:endParaRPr>
+          </a:p>
+          <a:p>
+            <a:endParaRPr kumimoji="1" lang="en-US" altLang="ja-JP" sz="1200" b="0" i="0" kern="1200" dirty="0" smtClean="0">
+              <a:solidFill>
+                <a:schemeClr val="tx1"/>
+              </a:solidFill>
+              <a:effectLst/>
+              <a:latin typeface="+mn-lt"/>
+              <a:ea typeface="+mn-ea"/>
+              <a:cs typeface="+mn-cs"/>
+            </a:endParaRPr>
+          </a:p>
+          <a:p>
+            <a:r>
+              <a:rPr kumimoji="1" lang="en-US" altLang="ja-JP" sz="1200" b="0" i="0" kern="1200" dirty="0" smtClean="0">
+                <a:solidFill>
+                  <a:schemeClr val="tx1"/>
+                </a:solidFill>
+                <a:effectLst/>
+                <a:latin typeface="+mn-lt"/>
+                <a:ea typeface="+mn-ea"/>
+                <a:cs typeface="+mn-cs"/>
+              </a:rPr>
+              <a:t>SQL</a:t>
+            </a:r>
+            <a:r>
+              <a:rPr kumimoji="1" lang="ja-JP" altLang="en-US" sz="1200" b="0" i="0" kern="1200" dirty="0" smtClean="0">
+                <a:solidFill>
+                  <a:schemeClr val="tx1"/>
+                </a:solidFill>
+                <a:effectLst/>
+                <a:latin typeface="+mn-lt"/>
+                <a:ea typeface="+mn-ea"/>
+                <a:cs typeface="+mn-cs"/>
+              </a:rPr>
+              <a:t>：リレーショナルデータベースに蓄積したデータを</a:t>
+            </a:r>
+            <a:r>
+              <a:rPr kumimoji="1" lang="ja-JP" altLang="en-US" sz="1200" b="1" i="0" kern="1200" dirty="0" smtClean="0">
+                <a:solidFill>
+                  <a:schemeClr val="tx1"/>
+                </a:solidFill>
+                <a:effectLst/>
+                <a:latin typeface="+mn-lt"/>
+                <a:ea typeface="+mn-ea"/>
+                <a:cs typeface="+mn-cs"/>
+              </a:rPr>
+              <a:t>操作したり定義するためのプログラム言語</a:t>
+            </a:r>
+            <a:endParaRPr kumimoji="1" lang="en-US" altLang="ja-JP" sz="1200" b="1" i="0" kern="1200" dirty="0" smtClean="0">
+              <a:solidFill>
+                <a:schemeClr val="tx1"/>
+              </a:solidFill>
+              <a:effectLst/>
+              <a:latin typeface="+mn-lt"/>
+              <a:ea typeface="+mn-ea"/>
+              <a:cs typeface="+mn-cs"/>
+            </a:endParaRPr>
+          </a:p>
+          <a:p>
+            <a:endParaRPr kumimoji="1" lang="en-US" altLang="ja-JP" sz="1200" b="1" i="0" kern="1200" dirty="0" smtClean="0">
+              <a:solidFill>
+                <a:schemeClr val="tx1"/>
+              </a:solidFill>
+              <a:effectLst/>
+              <a:latin typeface="+mn-lt"/>
+              <a:ea typeface="+mn-ea"/>
+              <a:cs typeface="+mn-cs"/>
+            </a:endParaRPr>
+          </a:p>
+          <a:p>
+            <a:r>
+              <a:rPr kumimoji="1" lang="en-US" altLang="ja-JP" sz="1200" b="0" i="0" kern="1200" dirty="0" smtClean="0">
+                <a:solidFill>
+                  <a:schemeClr val="tx1"/>
+                </a:solidFill>
+                <a:effectLst/>
+                <a:latin typeface="+mn-lt"/>
+                <a:ea typeface="+mn-ea"/>
+                <a:cs typeface="+mn-cs"/>
+              </a:rPr>
+              <a:t>SQL</a:t>
+            </a:r>
+            <a:r>
+              <a:rPr kumimoji="1" lang="ja-JP" altLang="en-US" sz="1200" b="0" i="0" kern="1200" dirty="0" smtClean="0">
+                <a:solidFill>
+                  <a:schemeClr val="tx1"/>
+                </a:solidFill>
+                <a:effectLst/>
+                <a:latin typeface="+mn-lt"/>
+                <a:ea typeface="+mn-ea"/>
+                <a:cs typeface="+mn-cs"/>
+              </a:rPr>
+              <a:t>を覚えると、</a:t>
+            </a:r>
+            <a:r>
+              <a:rPr kumimoji="1" lang="en-US" altLang="ja-JP" sz="1200" b="0" i="0" kern="1200" dirty="0" smtClean="0">
+                <a:solidFill>
+                  <a:schemeClr val="tx1"/>
+                </a:solidFill>
+                <a:effectLst/>
+                <a:latin typeface="+mn-lt"/>
+                <a:ea typeface="+mn-ea"/>
+                <a:cs typeface="+mn-cs"/>
+              </a:rPr>
+              <a:t>1</a:t>
+            </a:r>
+            <a:r>
+              <a:rPr kumimoji="1" lang="ja-JP" altLang="en-US" sz="1200" b="0" i="0" kern="1200" dirty="0" smtClean="0">
+                <a:solidFill>
+                  <a:schemeClr val="tx1"/>
+                </a:solidFill>
+                <a:effectLst/>
+                <a:latin typeface="+mn-lt"/>
+                <a:ea typeface="+mn-ea"/>
+                <a:cs typeface="+mn-cs"/>
+              </a:rPr>
+              <a:t>万件、</a:t>
+            </a:r>
+            <a:r>
+              <a:rPr kumimoji="1" lang="en-US" altLang="ja-JP" sz="1200" b="0" i="0" kern="1200" dirty="0" smtClean="0">
+                <a:solidFill>
+                  <a:schemeClr val="tx1"/>
+                </a:solidFill>
+                <a:effectLst/>
+                <a:latin typeface="+mn-lt"/>
+                <a:ea typeface="+mn-ea"/>
+                <a:cs typeface="+mn-cs"/>
+              </a:rPr>
+              <a:t>10</a:t>
+            </a:r>
+            <a:r>
+              <a:rPr kumimoji="1" lang="ja-JP" altLang="en-US" sz="1200" b="0" i="0" kern="1200" dirty="0" smtClean="0">
+                <a:solidFill>
+                  <a:schemeClr val="tx1"/>
+                </a:solidFill>
+                <a:effectLst/>
+                <a:latin typeface="+mn-lt"/>
+                <a:ea typeface="+mn-ea"/>
+                <a:cs typeface="+mn-cs"/>
+              </a:rPr>
+              <a:t>万件、</a:t>
+            </a:r>
+            <a:r>
+              <a:rPr kumimoji="1" lang="en-US" altLang="ja-JP" sz="1200" b="0" i="0" kern="1200" dirty="0" smtClean="0">
+                <a:solidFill>
+                  <a:schemeClr val="tx1"/>
+                </a:solidFill>
+                <a:effectLst/>
+                <a:latin typeface="+mn-lt"/>
+                <a:ea typeface="+mn-ea"/>
+                <a:cs typeface="+mn-cs"/>
+              </a:rPr>
+              <a:t>100</a:t>
+            </a:r>
+            <a:r>
+              <a:rPr kumimoji="1" lang="ja-JP" altLang="en-US" sz="1200" b="0" i="0" kern="1200" smtClean="0">
+                <a:solidFill>
+                  <a:schemeClr val="tx1"/>
+                </a:solidFill>
+                <a:effectLst/>
+                <a:latin typeface="+mn-lt"/>
+                <a:ea typeface="+mn-ea"/>
+                <a:cs typeface="+mn-cs"/>
+              </a:rPr>
+              <a:t>万件の</a:t>
+            </a:r>
+            <a:r>
+              <a:rPr kumimoji="1" lang="ja-JP" altLang="en-US" sz="1200" b="1" i="0" kern="1200" smtClean="0">
+                <a:solidFill>
+                  <a:schemeClr val="tx1"/>
+                </a:solidFill>
+                <a:effectLst/>
+                <a:latin typeface="+mn-lt"/>
+                <a:ea typeface="+mn-ea"/>
+                <a:cs typeface="+mn-cs"/>
+              </a:rPr>
+              <a:t>大量データ</a:t>
+            </a:r>
+            <a:r>
+              <a:rPr kumimoji="1" lang="ja-JP" altLang="en-US" sz="1200" b="0" i="0" kern="1200" smtClean="0">
+                <a:solidFill>
+                  <a:schemeClr val="tx1"/>
+                </a:solidFill>
+                <a:effectLst/>
+                <a:latin typeface="+mn-lt"/>
+                <a:ea typeface="+mn-ea"/>
+                <a:cs typeface="+mn-cs"/>
+              </a:rPr>
+              <a:t>が登録されたデータを効率的に</a:t>
+            </a:r>
+            <a:r>
+              <a:rPr kumimoji="1" lang="ja-JP" altLang="en-US" sz="1200" b="1" i="0" kern="1200" smtClean="0">
+                <a:solidFill>
+                  <a:schemeClr val="tx1"/>
+                </a:solidFill>
+                <a:effectLst/>
+                <a:latin typeface="+mn-lt"/>
+                <a:ea typeface="+mn-ea"/>
+                <a:cs typeface="+mn-cs"/>
+              </a:rPr>
+              <a:t>取得・更新・削除・追加</a:t>
+            </a:r>
+            <a:r>
+              <a:rPr kumimoji="1" lang="ja-JP" altLang="en-US" sz="1200" b="0" i="0" kern="1200" smtClean="0">
+                <a:solidFill>
+                  <a:schemeClr val="tx1"/>
+                </a:solidFill>
+                <a:effectLst/>
+                <a:latin typeface="+mn-lt"/>
+                <a:ea typeface="+mn-ea"/>
+                <a:cs typeface="+mn-cs"/>
+              </a:rPr>
+              <a:t>することができます。</a:t>
+            </a:r>
+            <a:endParaRPr kumimoji="1" lang="ja-JP" altLang="en-US"/>
           </a:p>
         </p:txBody>
       </p:sp>
@@ -4289,7 +4981,7 @@
           <a:p>
             <a:fld id="{7D904524-672D-4E66-A637-CA0A2B28D555}" type="slidenum">
               <a:rPr kumimoji="1" lang="ja-JP" altLang="en-US" smtClean="0"/>
-              <a:t>23</a:t>
+              <a:t>22</a:t>
             </a:fld>
             <a:endParaRPr kumimoji="1" lang="ja-JP" altLang="en-US"/>
           </a:p>
@@ -4298,7 +4990,7 @@
     </p:spTree>
     <p:extLst>
       <p:ext uri="{BB962C8B-B14F-4D97-AF65-F5344CB8AC3E}">
-        <p14:creationId xmlns:p14="http://schemas.microsoft.com/office/powerpoint/2010/main" val="1996609927"/>
+        <p14:creationId xmlns:p14="http://schemas.microsoft.com/office/powerpoint/2010/main" val="3494637132"/>
       </p:ext>
     </p:extLst>
   </p:cSld>
@@ -4354,7 +5046,27 @@
           <a:p>
             <a:r>
               <a:rPr kumimoji="1" lang="ja-JP" altLang="en-US" dirty="0" smtClean="0"/>
-              <a:t>このパターンは他のパターンと比べ、予測にかけられる時間に余裕があるのが特徴ですが、予測対象となるコンテンツが増えていくと</a:t>
+              <a:t>まとめですね、第４章では機械学習をシステムに組み込むためのシステム設計と、ログ設計について説明しました</a:t>
+            </a:r>
+            <a:endParaRPr kumimoji="1" lang="en-US" altLang="ja-JP" dirty="0" smtClean="0"/>
+          </a:p>
+          <a:p>
+            <a:endParaRPr kumimoji="1" lang="en-US" altLang="ja-JP" dirty="0" smtClean="0"/>
+          </a:p>
+          <a:p>
+            <a:r>
+              <a:rPr kumimoji="1" lang="ja-JP" altLang="en-US" dirty="0" smtClean="0"/>
+              <a:t>システム設計では、～～ことを紹介し、各パターンが用いられる場所やメリットを紹介しました</a:t>
+            </a:r>
+            <a:endParaRPr kumimoji="1" lang="en-US" altLang="ja-JP" dirty="0" smtClean="0"/>
+          </a:p>
+          <a:p>
+            <a:endParaRPr kumimoji="1" lang="en-US" altLang="ja-JP" dirty="0" smtClean="0"/>
+          </a:p>
+          <a:p>
+            <a:r>
+              <a:rPr kumimoji="1" lang="ja-JP" altLang="en-US" dirty="0" smtClean="0"/>
+              <a:t>ログ設計では、～～や具体的な～～を紹介しました。　以上で発表を終わります</a:t>
             </a:r>
             <a:endParaRPr kumimoji="1" lang="ja-JP" altLang="en-US" dirty="0"/>
           </a:p>
@@ -4377,7 +5089,7 @@
           <a:p>
             <a:fld id="{7D904524-672D-4E66-A637-CA0A2B28D555}" type="slidenum">
               <a:rPr kumimoji="1" lang="ja-JP" altLang="en-US" smtClean="0"/>
-              <a:t>26</a:t>
+              <a:t>23</a:t>
             </a:fld>
             <a:endParaRPr kumimoji="1" lang="ja-JP" altLang="en-US"/>
           </a:p>
@@ -4386,7 +5098,7 @@
     </p:spTree>
     <p:extLst>
       <p:ext uri="{BB962C8B-B14F-4D97-AF65-F5344CB8AC3E}">
-        <p14:creationId xmlns:p14="http://schemas.microsoft.com/office/powerpoint/2010/main" val="2196884486"/>
+        <p14:creationId xmlns:p14="http://schemas.microsoft.com/office/powerpoint/2010/main" val="1996609927"/>
       </p:ext>
     </p:extLst>
   </p:cSld>
@@ -4441,62 +5153,8 @@
           <a:lstStyle/>
           <a:p>
             <a:r>
-              <a:rPr kumimoji="1" lang="en-US" altLang="ja-JP" dirty="0" smtClean="0"/>
-              <a:t>Web</a:t>
-            </a:r>
-            <a:r>
-              <a:rPr kumimoji="1" lang="ja-JP" altLang="en-US" dirty="0" smtClean="0"/>
-              <a:t>アプリケーションで使い勝手の良いのはこのパタンで、一番初めに試すパターンとしてはこの方法が無難らしいです。</a:t>
-            </a:r>
-            <a:endParaRPr kumimoji="1" lang="en-US" altLang="ja-JP" dirty="0" smtClean="0"/>
-          </a:p>
-          <a:p>
-            <a:endParaRPr kumimoji="1" lang="en-US" altLang="ja-JP" dirty="0" smtClean="0"/>
-          </a:p>
-          <a:p>
-            <a:r>
-              <a:rPr kumimoji="1" lang="ja-JP" altLang="en-US" dirty="0" smtClean="0"/>
-              <a:t>分類問題などについて～～</a:t>
-            </a:r>
-            <a:endParaRPr kumimoji="1" lang="en-US" altLang="ja-JP" dirty="0" smtClean="0"/>
-          </a:p>
-          <a:p>
-            <a:endParaRPr kumimoji="1" lang="en-US" altLang="ja-JP" dirty="0" smtClean="0"/>
-          </a:p>
-          <a:p>
-            <a:r>
-              <a:rPr kumimoji="1" lang="ja-JP" altLang="en-US" dirty="0" smtClean="0"/>
-              <a:t>このパターンは、予測バッチとアプリケーションの間で</a:t>
-            </a:r>
-            <a:r>
-              <a:rPr kumimoji="1" lang="en-US" altLang="ja-JP" dirty="0" smtClean="0"/>
-              <a:t>DB</a:t>
-            </a:r>
-            <a:r>
-              <a:rPr kumimoji="1" lang="ja-JP" altLang="en-US" dirty="0" smtClean="0"/>
-              <a:t>を介してやり取りをするので、</a:t>
-            </a:r>
-            <a:r>
-              <a:rPr kumimoji="1" lang="en-US" altLang="ja-JP" dirty="0" smtClean="0"/>
-              <a:t>Web</a:t>
-            </a:r>
-            <a:r>
-              <a:rPr kumimoji="1" lang="ja-JP" altLang="en-US" dirty="0" smtClean="0"/>
-              <a:t>アプリケーションと機械学習の学習・予測を行う部分がそれぞれ独立しており</a:t>
-            </a:r>
-            <a:endParaRPr kumimoji="1" lang="en-US" altLang="ja-JP" dirty="0" smtClean="0"/>
-          </a:p>
-          <a:p>
-            <a:endParaRPr kumimoji="1" lang="en-US" altLang="ja-JP" dirty="0" smtClean="0"/>
-          </a:p>
-          <a:p>
-            <a:r>
-              <a:rPr kumimoji="1" lang="en-US" altLang="ja-JP" dirty="0" smtClean="0"/>
-              <a:t>Web</a:t>
-            </a:r>
-            <a:r>
-              <a:rPr kumimoji="1" lang="ja-JP" altLang="en-US" dirty="0" smtClean="0"/>
-              <a:t>アプリケーションと機械学習する部分で言語がそれぞれ異なっても良いことが大きなメリットです。</a:t>
+              <a:rPr kumimoji="1" lang="ja-JP" altLang="en-US" dirty="0" smtClean="0"/>
+              <a:t>このパターンは他のパターンと比べ、予測にかけられる時間に余裕があるのが特徴ですが、予測対象となるコンテンツが増えていくと</a:t>
             </a:r>
             <a:endParaRPr kumimoji="1" lang="ja-JP" altLang="en-US" dirty="0"/>
           </a:p>
@@ -4519,7 +5177,149 @@
           <a:p>
             <a:fld id="{7D904524-672D-4E66-A637-CA0A2B28D555}" type="slidenum">
               <a:rPr kumimoji="1" lang="ja-JP" altLang="en-US" smtClean="0"/>
-              <a:t>31</a:t>
+              <a:t>27</a:t>
+            </a:fld>
+            <a:endParaRPr kumimoji="1" lang="ja-JP" altLang="en-US"/>
+          </a:p>
+        </p:txBody>
+      </p:sp>
+    </p:spTree>
+    <p:extLst>
+      <p:ext uri="{BB962C8B-B14F-4D97-AF65-F5344CB8AC3E}">
+        <p14:creationId xmlns:p14="http://schemas.microsoft.com/office/powerpoint/2010/main" val="2196884486"/>
+      </p:ext>
+    </p:extLst>
+  </p:cSld>
+  <p:clrMapOvr>
+    <a:masterClrMapping/>
+  </p:clrMapOvr>
+</p:notes>
+</file>
+
+<file path=ppt/notesSlides/notesSlide25.xml><?xml version="1.0" encoding="utf-8"?>
+<p:notes xmlns:a="http://schemas.openxmlformats.org/drawingml/2006/main" xmlns:r="http://schemas.openxmlformats.org/officeDocument/2006/relationships" xmlns:p="http://schemas.openxmlformats.org/presentationml/2006/main">
+  <p:cSld>
+    <p:spTree>
+      <p:nvGrpSpPr>
+        <p:cNvPr id="1" name=""/>
+        <p:cNvGrpSpPr/>
+        <p:nvPr/>
+      </p:nvGrpSpPr>
+      <p:grpSpPr>
+        <a:xfrm>
+          <a:off x="0" y="0"/>
+          <a:ext cx="0" cy="0"/>
+          <a:chOff x="0" y="0"/>
+          <a:chExt cx="0" cy="0"/>
+        </a:xfrm>
+      </p:grpSpPr>
+      <p:sp>
+        <p:nvSpPr>
+          <p:cNvPr id="2" name="スライド イメージ プレースホルダー 1"/>
+          <p:cNvSpPr>
+            <a:spLocks noGrp="1" noRot="1" noChangeAspect="1"/>
+          </p:cNvSpPr>
+          <p:nvPr>
+            <p:ph type="sldImg"/>
+          </p:nvPr>
+        </p:nvSpPr>
+        <p:spPr/>
+      </p:sp>
+      <p:sp>
+        <p:nvSpPr>
+          <p:cNvPr id="3" name="ノート プレースホルダー 2"/>
+          <p:cNvSpPr>
+            <a:spLocks noGrp="1"/>
+          </p:cNvSpPr>
+          <p:nvPr>
+            <p:ph type="body" idx="1"/>
+          </p:nvPr>
+        </p:nvSpPr>
+        <p:spPr/>
+        <p:txBody>
+          <a:bodyPr/>
+          <a:lstStyle/>
+          <a:p>
+            <a:r>
+              <a:rPr kumimoji="1" lang="en-US" altLang="ja-JP" dirty="0" smtClean="0"/>
+              <a:t>Web</a:t>
+            </a:r>
+            <a:r>
+              <a:rPr kumimoji="1" lang="ja-JP" altLang="en-US" dirty="0" smtClean="0"/>
+              <a:t>アプリケーションで使い勝手の良いのはこのパタンで、一番初めに試すパターンとしてはこの方法が無難らしいです。</a:t>
+            </a:r>
+            <a:endParaRPr kumimoji="1" lang="en-US" altLang="ja-JP" dirty="0" smtClean="0"/>
+          </a:p>
+          <a:p>
+            <a:endParaRPr kumimoji="1" lang="en-US" altLang="ja-JP" dirty="0" smtClean="0"/>
+          </a:p>
+          <a:p>
+            <a:r>
+              <a:rPr kumimoji="1" lang="ja-JP" altLang="en-US" dirty="0" smtClean="0"/>
+              <a:t>分類問題などについて～～</a:t>
+            </a:r>
+            <a:endParaRPr kumimoji="1" lang="en-US" altLang="ja-JP" dirty="0" smtClean="0"/>
+          </a:p>
+          <a:p>
+            <a:endParaRPr kumimoji="1" lang="en-US" altLang="ja-JP" dirty="0" smtClean="0"/>
+          </a:p>
+          <a:p>
+            <a:r>
+              <a:rPr kumimoji="1" lang="ja-JP" altLang="en-US" dirty="0" smtClean="0"/>
+              <a:t>このパターンは、予測バッチとアプリケーションの間で</a:t>
+            </a:r>
+            <a:r>
+              <a:rPr kumimoji="1" lang="en-US" altLang="ja-JP" dirty="0" smtClean="0"/>
+              <a:t>DB</a:t>
+            </a:r>
+            <a:r>
+              <a:rPr kumimoji="1" lang="ja-JP" altLang="en-US" dirty="0" smtClean="0"/>
+              <a:t>を介してやり取りをするので、</a:t>
+            </a:r>
+            <a:r>
+              <a:rPr kumimoji="1" lang="en-US" altLang="ja-JP" dirty="0" smtClean="0"/>
+              <a:t>Web</a:t>
+            </a:r>
+            <a:r>
+              <a:rPr kumimoji="1" lang="ja-JP" altLang="en-US" dirty="0" smtClean="0"/>
+              <a:t>アプリケーションと機械学習の学習・予測を行う部分がそれぞれ独立しており</a:t>
+            </a:r>
+            <a:endParaRPr kumimoji="1" lang="en-US" altLang="ja-JP" dirty="0" smtClean="0"/>
+          </a:p>
+          <a:p>
+            <a:endParaRPr kumimoji="1" lang="en-US" altLang="ja-JP" dirty="0" smtClean="0"/>
+          </a:p>
+          <a:p>
+            <a:r>
+              <a:rPr kumimoji="1" lang="en-US" altLang="ja-JP" dirty="0" smtClean="0"/>
+              <a:t>Web</a:t>
+            </a:r>
+            <a:r>
+              <a:rPr kumimoji="1" lang="ja-JP" altLang="en-US" dirty="0" smtClean="0"/>
+              <a:t>アプリケーションと機械学習する部分で言語がそれぞれ異なっても良いことが大きなメリットです。</a:t>
+            </a:r>
+            <a:endParaRPr kumimoji="1" lang="ja-JP" altLang="en-US" dirty="0"/>
+          </a:p>
+        </p:txBody>
+      </p:sp>
+      <p:sp>
+        <p:nvSpPr>
+          <p:cNvPr id="4" name="スライド番号プレースホルダー 3"/>
+          <p:cNvSpPr>
+            <a:spLocks noGrp="1"/>
+          </p:cNvSpPr>
+          <p:nvPr>
+            <p:ph type="sldNum" sz="quarter" idx="10"/>
+          </p:nvPr>
+        </p:nvSpPr>
+        <p:spPr/>
+        <p:txBody>
+          <a:bodyPr/>
+          <a:lstStyle/>
+          <a:p>
+            <a:fld id="{7D904524-672D-4E66-A637-CA0A2B28D555}" type="slidenum">
+              <a:rPr kumimoji="1" lang="ja-JP" altLang="en-US" smtClean="0"/>
+              <a:t>32</a:t>
             </a:fld>
             <a:endParaRPr kumimoji="1" lang="ja-JP" altLang="en-US"/>
           </a:p>
@@ -4584,15 +5384,7 @@
           <a:p>
             <a:r>
               <a:rPr kumimoji="1" lang="ja-JP" altLang="en-US" dirty="0" smtClean="0"/>
-              <a:t>はじめに前の第１章の</a:t>
-            </a:r>
-            <a:r>
-              <a:rPr kumimoji="1" lang="ja-JP" altLang="en-US" dirty="0" err="1" smtClean="0"/>
-              <a:t>で</a:t>
-            </a:r>
-            <a:r>
-              <a:rPr kumimoji="1" lang="ja-JP" altLang="en-US" dirty="0" smtClean="0"/>
-              <a:t>やった、システムに機械学習を含めるの流れを一応確認しておきます</a:t>
+              <a:t>はじめに第１章でやった、システムに機械学習を含めるの流れを一応確認しておきます</a:t>
             </a:r>
             <a:endParaRPr kumimoji="1" lang="en-US" altLang="ja-JP" dirty="0" smtClean="0"/>
           </a:p>
@@ -4620,7 +5412,15 @@
           <a:p>
             <a:r>
               <a:rPr kumimoji="1" lang="ja-JP" altLang="en-US" dirty="0" smtClean="0"/>
-              <a:t>今回はこの流れの項目の中でも８番目のシステムに組み込みという部分に着目して「システム設計」と「ログ設計」について説明していきます</a:t>
+              <a:t>今回はこの流れの項目の中でも</a:t>
+            </a:r>
+            <a:r>
+              <a:rPr kumimoji="1" lang="ja-JP" altLang="en-US" b="1" dirty="0" smtClean="0"/>
+              <a:t>８番目のシステムに組み込み</a:t>
+            </a:r>
+            <a:r>
+              <a:rPr kumimoji="1" lang="ja-JP" altLang="en-US" dirty="0" smtClean="0"/>
+              <a:t>に着目して「システム設計」と「ログ設計」について説明していきます</a:t>
             </a:r>
             <a:endParaRPr kumimoji="1" lang="en-US" altLang="ja-JP" dirty="0" smtClean="0"/>
           </a:p>
@@ -4720,22 +5520,26 @@
           </a:p>
           <a:p>
             <a:r>
-              <a:rPr kumimoji="1" lang="ja-JP" altLang="en-US" dirty="0" smtClean="0"/>
+              <a:rPr kumimoji="1" lang="ja-JP" altLang="en-US" u="sng" dirty="0" smtClean="0"/>
               <a:t>機械</a:t>
             </a:r>
             <a:r>
-              <a:rPr kumimoji="1" lang="ja-JP" altLang="en-US" dirty="0" smtClean="0"/>
+              <a:rPr kumimoji="1" lang="ja-JP" altLang="en-US" u="sng" dirty="0" smtClean="0"/>
               <a:t>学習にはいくつかの種類がありますが、ここでは最も活用ケースが多い教師あり学習について、システムに組み込む場合の構成を説明します</a:t>
             </a:r>
+            <a:endParaRPr kumimoji="1" lang="en-US" altLang="ja-JP" u="sng" dirty="0" smtClean="0"/>
+          </a:p>
+          <a:p>
             <a:endParaRPr kumimoji="1" lang="en-US" altLang="ja-JP" dirty="0" smtClean="0"/>
           </a:p>
           <a:p>
-            <a:endParaRPr kumimoji="1" lang="en-US" altLang="ja-JP" dirty="0" smtClean="0"/>
-          </a:p>
-          <a:p>
-            <a:r>
-              <a:rPr kumimoji="1" lang="ja-JP" altLang="en-US" dirty="0" smtClean="0"/>
-              <a:t>分類や回帰などの教師あり学習の場合、学習と予測の</a:t>
+            <a:r>
+              <a:rPr kumimoji="1" lang="ja-JP" altLang="en-US" dirty="0" smtClean="0"/>
+              <a:t>第１章で習ったように分類</a:t>
+            </a:r>
+            <a:r>
+              <a:rPr kumimoji="1" lang="ja-JP" altLang="en-US" dirty="0" smtClean="0"/>
+              <a:t>や回帰などの教師あり学習の場合、学習と予測の</a:t>
             </a:r>
             <a:r>
               <a:rPr kumimoji="1" lang="en-US" altLang="ja-JP" dirty="0" smtClean="0"/>
@@ -4757,8 +5561,42 @@
           <a:p>
             <a:r>
               <a:rPr kumimoji="1" lang="ja-JP" altLang="en-US" dirty="0" smtClean="0"/>
-              <a:t>更にそのタイミングによって、バッチ処理での学習とリアルタイム処理での学習という２種類のタイミングがあります</a:t>
-            </a:r>
+              <a:t>更にそのタイミングによって、バッチ処理での学習とリアルタイム処理での学習という２種類のタイミングが</a:t>
+            </a:r>
+            <a:r>
+              <a:rPr kumimoji="1" lang="ja-JP" altLang="en-US" dirty="0" smtClean="0"/>
+              <a:t>あります</a:t>
+            </a:r>
+            <a:endParaRPr kumimoji="1" lang="en-US" altLang="ja-JP" dirty="0" smtClean="0"/>
+          </a:p>
+          <a:p>
+            <a:endParaRPr kumimoji="1" lang="en-US" altLang="ja-JP" dirty="0" smtClean="0"/>
+          </a:p>
+          <a:p>
+            <a:pPr marL="0" marR="0" indent="0" algn="l" defTabSz="914400" rtl="0" eaLnBrk="1" fontAlgn="auto" latinLnBrk="0" hangingPunct="1">
+              <a:lnSpc>
+                <a:spcPct val="100000"/>
+              </a:lnSpc>
+              <a:spcBef>
+                <a:spcPts val="0"/>
+              </a:spcBef>
+              <a:spcAft>
+                <a:spcPts val="0"/>
+              </a:spcAft>
+              <a:buClrTx/>
+              <a:buSzTx/>
+              <a:buFontTx/>
+              <a:buNone/>
+              <a:tabLst/>
+              <a:defRPr/>
+            </a:pPr>
+            <a:r>
+              <a:rPr kumimoji="1" lang="ja-JP" altLang="en-US" dirty="0" smtClean="0"/>
+              <a:t>ちょっとシステム構成とそのポイントについて学ぶ前に、重要でありながら混乱しがちな用語について整理しておきます</a:t>
+            </a:r>
+            <a:endParaRPr kumimoji="1" lang="en-US" altLang="ja-JP" dirty="0" smtClean="0"/>
+          </a:p>
+          <a:p>
             <a:endParaRPr kumimoji="1" lang="en-US" altLang="ja-JP" dirty="0" smtClean="0"/>
           </a:p>
           <a:p>
@@ -4854,19 +5692,11 @@
           <a:p>
             <a:r>
               <a:rPr kumimoji="1" lang="ja-JP" altLang="en-US" dirty="0" smtClean="0"/>
-              <a:t>ちょっとシステム</a:t>
-            </a:r>
-            <a:r>
-              <a:rPr kumimoji="1" lang="ja-JP" altLang="en-US" dirty="0" smtClean="0"/>
-              <a:t>構成とそのポイントについて</a:t>
-            </a:r>
-            <a:r>
-              <a:rPr kumimoji="1" lang="ja-JP" altLang="en-US" dirty="0" smtClean="0"/>
-              <a:t>学ぶ前に、重要</a:t>
-            </a:r>
-            <a:r>
-              <a:rPr kumimoji="1" lang="ja-JP" altLang="en-US" dirty="0" smtClean="0"/>
-              <a:t>でありながら混乱しがちな用語について整理しておきます</a:t>
+              <a:t>で</a:t>
+            </a:r>
+            <a:r>
+              <a:rPr kumimoji="1" lang="ja-JP" altLang="en-US" dirty="0" smtClean="0"/>
+              <a:t>、よく混乱しやすいのが～～です。</a:t>
             </a:r>
             <a:endParaRPr kumimoji="1" lang="en-US" altLang="ja-JP" dirty="0" smtClean="0"/>
           </a:p>
@@ -4875,42 +5705,64 @@
           </a:p>
           <a:p>
             <a:r>
-              <a:rPr kumimoji="1" lang="ja-JP" altLang="en-US" dirty="0" smtClean="0"/>
-              <a:t>で、よく混乱しやすいのが～～です。</a:t>
-            </a:r>
+              <a:rPr kumimoji="1" lang="ja-JP" altLang="en-US" b="1" dirty="0" smtClean="0"/>
+              <a:t>機械学習において、「バッチ」という言葉は特別な意味を持つということで</a:t>
+            </a:r>
+            <a:r>
+              <a:rPr kumimoji="1" lang="ja-JP" altLang="en-US" dirty="0" smtClean="0"/>
+              <a:t>、</a:t>
+            </a:r>
+            <a:r>
+              <a:rPr kumimoji="1" lang="ja-JP" altLang="en-US" u="sng" dirty="0" smtClean="0"/>
+              <a:t>多くの場合、機械学習の文脈で「バッチ」というと「</a:t>
+            </a:r>
+            <a:r>
+              <a:rPr kumimoji="1" lang="ja-JP" altLang="en-US" b="1" u="sng" dirty="0" smtClean="0"/>
+              <a:t>バッチ学習</a:t>
+            </a:r>
+            <a:r>
+              <a:rPr kumimoji="1" lang="ja-JP" altLang="en-US" u="sng" dirty="0" smtClean="0"/>
+              <a:t>」のことを</a:t>
+            </a:r>
+            <a:r>
+              <a:rPr kumimoji="1" lang="ja-JP" altLang="en-US" u="sng" dirty="0" smtClean="0"/>
+              <a:t>指すらしいです</a:t>
+            </a:r>
+            <a:endParaRPr kumimoji="1" lang="en-US" altLang="ja-JP" u="sng" dirty="0" smtClean="0"/>
+          </a:p>
+          <a:p>
             <a:endParaRPr kumimoji="1" lang="en-US" altLang="ja-JP" dirty="0" smtClean="0"/>
           </a:p>
           <a:p>
+            <a:r>
+              <a:rPr kumimoji="1" lang="ja-JP" altLang="en-US" dirty="0" smtClean="0"/>
+              <a:t>で、この本ではバッチ処理を～～と定義</a:t>
+            </a:r>
+            <a:r>
+              <a:rPr kumimoji="1" lang="ja-JP" altLang="en-US" dirty="0" smtClean="0"/>
+              <a:t>し、反対の意味のリアルタイム</a:t>
+            </a:r>
+            <a:r>
+              <a:rPr kumimoji="1" lang="ja-JP" altLang="en-US" dirty="0" smtClean="0"/>
+              <a:t>処理を～～と定義しています</a:t>
+            </a:r>
             <a:endParaRPr kumimoji="1" lang="en-US" altLang="ja-JP" dirty="0" smtClean="0"/>
           </a:p>
           <a:p>
-            <a:r>
-              <a:rPr kumimoji="1" lang="ja-JP" altLang="en-US" dirty="0" smtClean="0"/>
-              <a:t>機械学習において、「バッチ」という言葉は特別な意味を持つということで、多くの場合、機械学習の文脈で「バッチ」というと「バッチ学習」のことを</a:t>
-            </a:r>
-            <a:r>
-              <a:rPr kumimoji="1" lang="ja-JP" altLang="en-US" dirty="0" smtClean="0"/>
-              <a:t>指すとのことです</a:t>
-            </a:r>
             <a:endParaRPr kumimoji="1" lang="en-US" altLang="ja-JP" dirty="0" smtClean="0"/>
           </a:p>
           <a:p>
-            <a:endParaRPr kumimoji="1" lang="en-US" altLang="ja-JP" dirty="0" smtClean="0"/>
-          </a:p>
-          <a:p>
-            <a:r>
-              <a:rPr kumimoji="1" lang="ja-JP" altLang="en-US" dirty="0" smtClean="0"/>
-              <a:t>で、この本ではバッチ処理を～～と定義し、リアルタイム処理を～～と定義しています</a:t>
-            </a:r>
-            <a:endParaRPr kumimoji="1" lang="en-US" altLang="ja-JP" dirty="0" smtClean="0"/>
-          </a:p>
-          <a:p>
-            <a:endParaRPr kumimoji="1" lang="en-US" altLang="ja-JP" dirty="0" smtClean="0"/>
-          </a:p>
-          <a:p>
-            <a:r>
-              <a:rPr kumimoji="1" lang="ja-JP" altLang="en-US" dirty="0" smtClean="0"/>
-              <a:t>あと、バッチ処理とバッチ学習の混同を避けるため～</a:t>
+            <a:r>
+              <a:rPr kumimoji="1" lang="ja-JP" altLang="en-US" dirty="0" smtClean="0"/>
+              <a:t>で、</a:t>
+            </a:r>
+            <a:r>
+              <a:rPr kumimoji="1" lang="ja-JP" altLang="en-US" u="sng" dirty="0" smtClean="0"/>
+              <a:t>バッチ処理とバッチ学習の混同を避けるため</a:t>
+            </a:r>
+            <a:r>
+              <a:rPr kumimoji="1" lang="ja-JP" altLang="en-US" dirty="0" smtClean="0"/>
+              <a:t>～</a:t>
             </a:r>
             <a:r>
               <a:rPr kumimoji="1" lang="ja-JP" altLang="en-US" dirty="0" smtClean="0"/>
@@ -5039,10 +5891,10 @@
           </a:p>
           <a:p>
             <a:r>
-              <a:rPr kumimoji="1" lang="ja-JP" altLang="en-US" dirty="0" smtClean="0"/>
+              <a:rPr kumimoji="1" lang="ja-JP" altLang="en-US" u="sng" dirty="0" smtClean="0"/>
               <a:t>一般的に一括学習の場合、教師データが増えると必要とするメモリはその分増加していきます。</a:t>
             </a:r>
-            <a:endParaRPr kumimoji="1" lang="en-US" altLang="ja-JP" dirty="0" smtClean="0"/>
+            <a:endParaRPr kumimoji="1" lang="en-US" altLang="ja-JP" u="sng" dirty="0" smtClean="0"/>
           </a:p>
           <a:p>
             <a:endParaRPr kumimoji="1" lang="en-US" altLang="ja-JP" dirty="0" smtClean="0"/>
@@ -5238,7 +6090,23 @@
           <a:p>
             <a:r>
               <a:rPr kumimoji="1" lang="ja-JP" altLang="en-US" dirty="0" smtClean="0"/>
-              <a:t>よくある誤解は「一括学習はバッチ処理でしかできず」、「逐次学習はリアルタイム処理でしかできない」というものです。実は</a:t>
+              <a:t>よくある誤解は「</a:t>
+            </a:r>
+            <a:r>
+              <a:rPr kumimoji="1" lang="ja-JP" altLang="en-US" b="1" dirty="0" smtClean="0"/>
+              <a:t>一括学習はバッチ処理でしかできず</a:t>
+            </a:r>
+            <a:r>
+              <a:rPr kumimoji="1" lang="ja-JP" altLang="en-US" dirty="0" smtClean="0"/>
+              <a:t>」、「</a:t>
+            </a:r>
+            <a:r>
+              <a:rPr kumimoji="1" lang="ja-JP" altLang="en-US" b="1" dirty="0" smtClean="0"/>
+              <a:t>逐次学習はリアルタイム処理でしかできない</a:t>
+            </a:r>
+            <a:r>
+              <a:rPr kumimoji="1" lang="ja-JP" altLang="en-US" dirty="0" smtClean="0"/>
+              <a:t>」というものです。実は</a:t>
             </a:r>
             <a:r>
               <a:rPr kumimoji="1" lang="en-US" altLang="ja-JP" dirty="0" smtClean="0"/>
@@ -5277,10 +6145,22 @@
           </a:p>
           <a:p>
             <a:r>
-              <a:rPr kumimoji="1" lang="ja-JP" altLang="en-US" dirty="0" smtClean="0"/>
-              <a:t>前のスライドで逐次学習は、最適化時に教師データを１ずつ与えてその都度処理する最適化方針だと説明しました。つまり</a:t>
-            </a:r>
-            <a:endParaRPr kumimoji="1" lang="en-US" altLang="ja-JP" dirty="0" smtClean="0"/>
+              <a:rPr kumimoji="1" lang="ja-JP" altLang="en-US" u="sng" dirty="0" smtClean="0"/>
+              <a:t>前のスライドで逐次学習は、</a:t>
+            </a:r>
+            <a:r>
+              <a:rPr kumimoji="1" lang="ja-JP" altLang="en-US" b="1" u="sng" dirty="0" smtClean="0"/>
+              <a:t>最適化時に教師データを１ずつ与えてその都度処理する最適化方針だと説明しました</a:t>
+            </a:r>
+            <a:r>
+              <a:rPr kumimoji="1" lang="ja-JP" altLang="en-US" u="sng" dirty="0" smtClean="0"/>
+              <a:t>。</a:t>
+            </a:r>
+            <a:r>
+              <a:rPr kumimoji="1" lang="ja-JP" altLang="en-US" u="sng" dirty="0" smtClean="0"/>
+              <a:t>つまり～～</a:t>
+            </a:r>
+            <a:endParaRPr kumimoji="1" lang="en-US" altLang="ja-JP" u="sng" dirty="0" smtClean="0"/>
           </a:p>
           <a:p>
             <a:endParaRPr kumimoji="1" lang="en-US" altLang="ja-JP" dirty="0" smtClean="0"/>
@@ -5500,7 +6380,15 @@
           <a:p>
             <a:r>
               <a:rPr kumimoji="1" lang="ja-JP" altLang="en-US" dirty="0" smtClean="0"/>
-              <a:t>一つ目は～～という方法で、このパターンは３つの予測パターンの中で、最も素朴な方法がこのパターンです。</a:t>
+              <a:t>一つ目は～～という方法で、</a:t>
+            </a:r>
+            <a:r>
+              <a:rPr kumimoji="1" lang="ja-JP" altLang="en-US" b="1" dirty="0" smtClean="0"/>
+              <a:t>このパターンは３つの予測パターンの中で、最も素朴な方法がこのパターンです</a:t>
+            </a:r>
+            <a:r>
+              <a:rPr kumimoji="1" lang="ja-JP" altLang="en-US" dirty="0" smtClean="0"/>
+              <a:t>。</a:t>
             </a:r>
             <a:endParaRPr kumimoji="1" lang="en-US" altLang="ja-JP" dirty="0" smtClean="0"/>
           </a:p>
@@ -5510,17 +6398,21 @@
           <a:p>
             <a:r>
               <a:rPr kumimoji="1" lang="ja-JP" altLang="en-US" dirty="0" smtClean="0"/>
-              <a:t>このパターンは、バッチ処理で一括学習をし、そこで得られた予測モデルを</a:t>
-            </a:r>
-            <a:r>
-              <a:rPr kumimoji="1" lang="en-US" altLang="ja-JP" dirty="0" smtClean="0"/>
+              <a:t>このパターンは、</a:t>
+            </a:r>
+            <a:r>
+              <a:rPr kumimoji="1" lang="ja-JP" altLang="en-US" u="sng" dirty="0" smtClean="0"/>
+              <a:t>バッチ処理で一括学習をし、そこで得られた予測モデルを</a:t>
+            </a:r>
+            <a:r>
+              <a:rPr kumimoji="1" lang="en-US" altLang="ja-JP" u="sng" dirty="0" smtClean="0"/>
               <a:t>Web</a:t>
             </a:r>
             <a:r>
-              <a:rPr kumimoji="1" lang="ja-JP" altLang="en-US" dirty="0" smtClean="0"/>
+              <a:rPr kumimoji="1" lang="ja-JP" altLang="en-US" u="sng" dirty="0" smtClean="0"/>
               <a:t>アプリケーションでリアルタイム処理で利用するというものです。</a:t>
             </a:r>
-            <a:endParaRPr kumimoji="1" lang="en-US" altLang="ja-JP" dirty="0" smtClean="0"/>
+            <a:endParaRPr kumimoji="1" lang="en-US" altLang="ja-JP" u="sng" dirty="0" smtClean="0"/>
           </a:p>
           <a:p>
             <a:endParaRPr kumimoji="1" lang="en-US" altLang="ja-JP" dirty="0" smtClean="0"/>
@@ -11940,20 +12832,8 @@
               <a:t>パターン１に</a:t>
             </a:r>
             <a:r>
-              <a:rPr lang="ja-JP" altLang="en-US" sz="2800" dirty="0"/>
-              <a:t>比</a:t>
-            </a:r>
-            <a:r>
               <a:rPr lang="ja-JP" altLang="en-US" sz="2800" dirty="0" smtClean="0"/>
-              <a:t>べると</a:t>
-            </a:r>
-            <a:r>
-              <a:rPr lang="en-US" altLang="ja-JP" sz="2800" dirty="0" smtClean="0"/>
-              <a:t>API</a:t>
-            </a:r>
-            <a:r>
-              <a:rPr lang="ja-JP" altLang="en-US" sz="2800" dirty="0" smtClean="0"/>
-              <a:t>サーバと予測結果を利用するクライアントの間で通信が発生する分，</a:t>
+              <a:t>比べると</a:t>
             </a:r>
             <a:r>
               <a:rPr lang="ja-JP" altLang="en-US" sz="2800" dirty="0" smtClean="0">
@@ -11961,9 +12841,49 @@
                   <a:schemeClr val="accent5"/>
                 </a:solidFill>
               </a:rPr>
-              <a:t>遅延が大きくなる</a:t>
+              <a:t>遅延</a:t>
+            </a:r>
+            <a:r>
+              <a:rPr lang="ja-JP" altLang="en-US" sz="2800" dirty="0" smtClean="0">
+                <a:solidFill>
+                  <a:schemeClr val="accent5"/>
+                </a:solidFill>
+              </a:rPr>
+              <a:t>が大きく</a:t>
+            </a:r>
+            <a:r>
+              <a:rPr lang="ja-JP" altLang="en-US" sz="2800" dirty="0" smtClean="0">
+                <a:solidFill>
+                  <a:schemeClr val="accent5"/>
+                </a:solidFill>
+              </a:rPr>
+              <a:t>なる</a:t>
             </a:r>
             <a:endParaRPr lang="en-US" altLang="ja-JP" sz="2800" dirty="0" smtClean="0">
+              <a:solidFill>
+                <a:schemeClr val="accent5"/>
+              </a:solidFill>
+            </a:endParaRPr>
+          </a:p>
+          <a:p>
+            <a:pPr lvl="2"/>
+            <a:r>
+              <a:rPr lang="en-US" altLang="ja-JP" sz="2400" dirty="0" smtClean="0"/>
+              <a:t>API</a:t>
+            </a:r>
+            <a:r>
+              <a:rPr lang="ja-JP" altLang="en-US" sz="2400" dirty="0"/>
+              <a:t>サーバと予測結果を利用するクライアントの間で通信が発生</a:t>
+            </a:r>
+            <a:r>
+              <a:rPr lang="ja-JP" altLang="en-US" sz="2400" dirty="0" smtClean="0"/>
+              <a:t>するか</a:t>
+            </a:r>
+            <a:r>
+              <a:rPr lang="ja-JP" altLang="en-US" sz="2400" dirty="0"/>
+              <a:t>ら</a:t>
+            </a:r>
+            <a:endParaRPr lang="en-US" altLang="ja-JP" sz="2400" dirty="0" smtClean="0">
               <a:solidFill>
                 <a:schemeClr val="accent5"/>
               </a:solidFill>
@@ -12250,8 +13170,8 @@
         </p:nvSpPr>
         <p:spPr>
           <a:xfrm>
-            <a:off x="1115244" y="4833415"/>
-            <a:ext cx="9961512" cy="1815882"/>
+            <a:off x="1115244" y="4971355"/>
+            <a:ext cx="9961512" cy="1384995"/>
           </a:xfrm>
           <a:prstGeom prst="rect">
             <a:avLst/>
@@ -12316,53 +13236,18 @@
               <a:buChar char="•"/>
             </a:pPr>
             <a:r>
+              <a:rPr lang="ja-JP" altLang="en-US" sz="2800" dirty="0" smtClean="0">
+                <a:latin typeface="ＭＳ Ｐゴシック" panose="020B0600070205080204" pitchFamily="50" charset="-128"/>
+                <a:ea typeface="ＭＳ Ｐゴシック" panose="020B0600070205080204" pitchFamily="50" charset="-128"/>
+              </a:rPr>
+              <a:t>イベントを</a:t>
+            </a:r>
+            <a:r>
               <a:rPr lang="ja-JP" altLang="en-US" sz="2800" dirty="0">
                 <a:latin typeface="ＭＳ Ｐゴシック" panose="020B0600070205080204" pitchFamily="50" charset="-128"/>
                 <a:ea typeface="ＭＳ Ｐゴシック" panose="020B0600070205080204" pitchFamily="50" charset="-128"/>
               </a:rPr>
-              <a:t>イベント</a:t>
-            </a:r>
-            <a:r>
-              <a:rPr lang="en-US" altLang="ja-JP" sz="2800" dirty="0">
-                <a:latin typeface="ＭＳ Ｐゴシック" panose="020B0600070205080204" pitchFamily="50" charset="-128"/>
-                <a:ea typeface="ＭＳ Ｐゴシック" panose="020B0600070205080204" pitchFamily="50" charset="-128"/>
-              </a:rPr>
-              <a:t>(</a:t>
-            </a:r>
-            <a:r>
-              <a:rPr lang="ja-JP" altLang="en-US" sz="2800" dirty="0">
-                <a:latin typeface="ＭＳ Ｐゴシック" panose="020B0600070205080204" pitchFamily="50" charset="-128"/>
-                <a:ea typeface="ＭＳ Ｐゴシック" panose="020B0600070205080204" pitchFamily="50" charset="-128"/>
-              </a:rPr>
-              <a:t>例：ユーザの</a:t>
-            </a:r>
-            <a:r>
-              <a:rPr lang="en-US" altLang="ja-JP" sz="2800" dirty="0">
-                <a:latin typeface="ＭＳ Ｐゴシック" panose="020B0600070205080204" pitchFamily="50" charset="-128"/>
-                <a:ea typeface="ＭＳ Ｐゴシック" panose="020B0600070205080204" pitchFamily="50" charset="-128"/>
-              </a:rPr>
-              <a:t>Web</a:t>
-            </a:r>
-            <a:r>
-              <a:rPr lang="ja-JP" altLang="en-US" sz="2800" dirty="0">
-                <a:latin typeface="ＭＳ Ｐゴシック" panose="020B0600070205080204" pitchFamily="50" charset="-128"/>
-                <a:ea typeface="ＭＳ Ｐゴシック" panose="020B0600070205080204" pitchFamily="50" charset="-128"/>
-              </a:rPr>
-              <a:t>ページ訪問</a:t>
-            </a:r>
-            <a:r>
-              <a:rPr lang="en-US" altLang="ja-JP" sz="2800" dirty="0">
-                <a:latin typeface="ＭＳ Ｐゴシック" panose="020B0600070205080204" pitchFamily="50" charset="-128"/>
-                <a:ea typeface="ＭＳ Ｐゴシック" panose="020B0600070205080204" pitchFamily="50" charset="-128"/>
-              </a:rPr>
-              <a:t>)</a:t>
-            </a:r>
-            <a:r>
-              <a:rPr lang="ja-JP" altLang="en-US" sz="2800" dirty="0">
-                <a:latin typeface="ＭＳ Ｐゴシック" panose="020B0600070205080204" pitchFamily="50" charset="-128"/>
-                <a:ea typeface="ＭＳ Ｐゴシック" panose="020B0600070205080204" pitchFamily="50" charset="-128"/>
-              </a:rPr>
-              <a:t>をトリガーとして即時に予測結果を返す必要がない</a:t>
+              <a:t>トリガーとして即時に予測結果を返す必要がない</a:t>
             </a:r>
           </a:p>
         </p:txBody>
@@ -12443,46 +13328,46 @@
           <a:lstStyle/>
           <a:p>
             <a:r>
-              <a:rPr lang="ja-JP" altLang="en-US" sz="3600" dirty="0" smtClean="0"/>
+              <a:rPr lang="ja-JP" altLang="en-US" sz="4000" dirty="0" smtClean="0"/>
               <a:t>バッチ</a:t>
             </a:r>
             <a:r>
-              <a:rPr lang="ja-JP" altLang="en-US" sz="3600" dirty="0"/>
+              <a:rPr lang="ja-JP" altLang="en-US" sz="4000" dirty="0"/>
               <a:t>処理で学習＋予測結果</a:t>
             </a:r>
             <a:r>
-              <a:rPr lang="ja-JP" altLang="en-US" sz="3600" dirty="0" smtClean="0"/>
+              <a:rPr lang="ja-JP" altLang="en-US" sz="4000" dirty="0" smtClean="0"/>
               <a:t>を</a:t>
             </a:r>
             <a:r>
-              <a:rPr lang="en-US" altLang="ja-JP" sz="3600" dirty="0" smtClean="0"/>
+              <a:rPr lang="en-US" altLang="ja-JP" sz="4000" dirty="0" smtClean="0"/>
               <a:t>DB</a:t>
             </a:r>
             <a:r>
-              <a:rPr lang="ja-JP" altLang="en-US" sz="3600" dirty="0" smtClean="0"/>
+              <a:rPr lang="ja-JP" altLang="en-US" sz="4000" dirty="0" smtClean="0"/>
               <a:t>経由で利用する</a:t>
             </a:r>
             <a:r>
-              <a:rPr lang="en-US" altLang="ja-JP" sz="3600" dirty="0" smtClean="0"/>
+              <a:rPr lang="en-US" altLang="ja-JP" sz="4000" dirty="0" smtClean="0"/>
               <a:t>(</a:t>
             </a:r>
             <a:r>
-              <a:rPr lang="ja-JP" altLang="en-US" sz="3600" dirty="0"/>
+              <a:rPr lang="ja-JP" altLang="en-US" sz="4000" dirty="0"/>
               <a:t>バッチ</a:t>
             </a:r>
             <a:r>
-              <a:rPr lang="ja-JP" altLang="en-US" sz="3600" dirty="0" smtClean="0"/>
+              <a:rPr lang="ja-JP" altLang="en-US" sz="4000" dirty="0" smtClean="0"/>
               <a:t>処理</a:t>
             </a:r>
             <a:r>
-              <a:rPr lang="ja-JP" altLang="en-US" sz="3600" dirty="0"/>
+              <a:rPr lang="ja-JP" altLang="en-US" sz="4000" dirty="0"/>
               <a:t>で予測</a:t>
             </a:r>
             <a:r>
-              <a:rPr lang="en-US" altLang="ja-JP" sz="3600" dirty="0"/>
+              <a:rPr lang="en-US" altLang="ja-JP" sz="4000" dirty="0"/>
               <a:t>)</a:t>
             </a:r>
-            <a:endParaRPr kumimoji="1" lang="ja-JP" altLang="en-US" sz="3600" dirty="0"/>
+            <a:endParaRPr kumimoji="1" lang="ja-JP" altLang="en-US" sz="4000" dirty="0"/>
           </a:p>
         </p:txBody>
       </p:sp>
@@ -15594,18 +16479,18 @@
           </a:p>
           <a:p>
             <a:r>
-              <a:rPr lang="ja-JP" altLang="en-US" dirty="0" smtClean="0"/>
+              <a:rPr lang="ja-JP" altLang="en-US" sz="3200" dirty="0" smtClean="0"/>
               <a:t>分散</a:t>
             </a:r>
             <a:r>
-              <a:rPr lang="en-US" altLang="ja-JP" dirty="0" smtClean="0"/>
+              <a:rPr lang="en-US" altLang="ja-JP" sz="3200" dirty="0" smtClean="0"/>
               <a:t>RDBMS</a:t>
             </a:r>
             <a:r>
-              <a:rPr lang="ja-JP" altLang="en-US" dirty="0" smtClean="0"/>
+              <a:rPr lang="ja-JP" altLang="en-US" sz="3200" dirty="0" smtClean="0"/>
               <a:t>に格納する</a:t>
             </a:r>
-            <a:endParaRPr lang="en-US" altLang="ja-JP" dirty="0" smtClean="0"/>
+            <a:endParaRPr lang="en-US" altLang="ja-JP" sz="3200" dirty="0" smtClean="0"/>
           </a:p>
           <a:p>
             <a:pPr lvl="2"/>
@@ -15860,7 +16745,7 @@
 </file>
 
 <file path=ppt/slides/slide22.xml><?xml version="1.0" encoding="utf-8"?>
-<p:sld xmlns:a="http://schemas.openxmlformats.org/drawingml/2006/main" xmlns:r="http://schemas.openxmlformats.org/officeDocument/2006/relationships" xmlns:p="http://schemas.openxmlformats.org/presentationml/2006/main" show="0">
+<p:sld xmlns:a="http://schemas.openxmlformats.org/drawingml/2006/main" xmlns:r="http://schemas.openxmlformats.org/officeDocument/2006/relationships" xmlns:p="http://schemas.openxmlformats.org/presentationml/2006/main">
   <p:cSld>
     <p:spTree>
       <p:nvGrpSpPr>
@@ -15913,72 +16798,143 @@
             <p:ph idx="1"/>
           </p:nvPr>
         </p:nvSpPr>
-        <p:spPr/>
-        <p:txBody>
-          <a:bodyPr/>
+        <p:spPr>
+          <a:xfrm>
+            <a:off x="505688" y="1610591"/>
+            <a:ext cx="11599718" cy="5122719"/>
+          </a:xfrm>
+        </p:spPr>
+        <p:txBody>
+          <a:bodyPr>
+            <a:normAutofit/>
+          </a:bodyPr>
           <a:lstStyle/>
           <a:p>
             <a:pPr marL="0" indent="0">
               <a:buNone/>
             </a:pPr>
             <a:r>
-              <a:rPr kumimoji="1" lang="ja-JP" altLang="en-US" dirty="0" smtClean="0"/>
+              <a:rPr kumimoji="1" lang="ja-JP" altLang="en-US" sz="3200" dirty="0" smtClean="0"/>
               <a:t>大規模データの転送コスト</a:t>
             </a:r>
+            <a:endParaRPr kumimoji="1" lang="en-US" altLang="ja-JP" sz="3200" dirty="0" smtClean="0"/>
+          </a:p>
+          <a:p>
+            <a:r>
+              <a:rPr kumimoji="1" lang="ja-JP" altLang="en-US" sz="3200" dirty="0" smtClean="0"/>
+              <a:t>バッチ</a:t>
+            </a:r>
+            <a:r>
+              <a:rPr kumimoji="1" lang="ja-JP" altLang="en-US" sz="3200" dirty="0"/>
+              <a:t>処理</a:t>
+            </a:r>
+            <a:r>
+              <a:rPr kumimoji="1" lang="ja-JP" altLang="en-US" sz="3200" dirty="0" smtClean="0"/>
+              <a:t>を行うサーバーに</a:t>
+            </a:r>
+            <a:r>
+              <a:rPr kumimoji="1" lang="ja-JP" altLang="en-US" sz="3200" u="sng" dirty="0" smtClean="0"/>
+              <a:t>データを転送する際，時間がかかる</a:t>
+            </a:r>
+            <a:endParaRPr kumimoji="1" lang="en-US" altLang="ja-JP" sz="3200" u="sng" dirty="0" smtClean="0"/>
+          </a:p>
+          <a:p>
+            <a:pPr lvl="1"/>
+            <a:endParaRPr lang="en-US" altLang="ja-JP" sz="200" dirty="0"/>
+          </a:p>
+          <a:p>
+            <a:r>
+              <a:rPr kumimoji="1" lang="ja-JP" altLang="en-US" sz="3200" dirty="0" smtClean="0"/>
+              <a:t>時間を抑えるために</a:t>
+            </a:r>
+            <a:endParaRPr kumimoji="1" lang="en-US" altLang="ja-JP" sz="3200" dirty="0" smtClean="0"/>
+          </a:p>
+          <a:p>
+            <a:pPr lvl="1"/>
+            <a:r>
+              <a:rPr lang="ja-JP" altLang="en-US" sz="2800" dirty="0" smtClean="0"/>
+              <a:t>分散</a:t>
+            </a:r>
+            <a:r>
+              <a:rPr lang="en-US" altLang="ja-JP" sz="2800" dirty="0" smtClean="0"/>
+              <a:t>RDBMS</a:t>
+            </a:r>
+            <a:r>
+              <a:rPr lang="ja-JP" altLang="en-US" sz="2800" dirty="0" smtClean="0"/>
+              <a:t>を利用したデータウェアハウスに</a:t>
+            </a:r>
+            <a:r>
+              <a:rPr lang="en-US" altLang="ja-JP" sz="2800" dirty="0" smtClean="0"/>
+              <a:t>MySQL</a:t>
+            </a:r>
+            <a:r>
+              <a:rPr lang="ja-JP" altLang="en-US" sz="2800" dirty="0" smtClean="0"/>
+              <a:t>などの</a:t>
+            </a:r>
+            <a:r>
+              <a:rPr lang="en-US" altLang="ja-JP" sz="2800" dirty="0" smtClean="0"/>
+              <a:t>OLTP</a:t>
+            </a:r>
+            <a:r>
+              <a:rPr lang="ja-JP" altLang="en-US" sz="2800" dirty="0" smtClean="0"/>
+              <a:t>サーバーのデータを同期</a:t>
+            </a:r>
+            <a:endParaRPr lang="en-US" altLang="ja-JP" sz="2800" dirty="0" smtClean="0"/>
+          </a:p>
+          <a:p>
+            <a:pPr lvl="1"/>
+            <a:r>
+              <a:rPr kumimoji="1" lang="ja-JP" altLang="en-US" sz="2800" dirty="0" smtClean="0"/>
+              <a:t>分散</a:t>
+            </a:r>
+            <a:r>
+              <a:rPr kumimoji="1" lang="en-US" altLang="ja-JP" sz="2800" dirty="0" smtClean="0"/>
+              <a:t>RDBMS</a:t>
+            </a:r>
+            <a:r>
+              <a:rPr kumimoji="1" lang="ja-JP" altLang="en-US" sz="2800" dirty="0" smtClean="0"/>
+              <a:t>上で</a:t>
+            </a:r>
+            <a:r>
+              <a:rPr kumimoji="1" lang="en-US" altLang="ja-JP" sz="2800" dirty="0" smtClean="0"/>
+              <a:t>SQL</a:t>
+            </a:r>
+            <a:r>
+              <a:rPr kumimoji="1" lang="ja-JP" altLang="en-US" sz="2800" dirty="0" smtClean="0"/>
+              <a:t>を使って前処理をできるようにするのが望ましい</a:t>
+            </a:r>
+            <a:endParaRPr kumimoji="1" lang="en-US" altLang="ja-JP" sz="2800" dirty="0" smtClean="0"/>
+          </a:p>
+          <a:p>
+            <a:pPr lvl="1"/>
+            <a:endParaRPr lang="en-US" altLang="ja-JP" sz="200" dirty="0"/>
+          </a:p>
+          <a:p>
+            <a:r>
+              <a:rPr kumimoji="1" lang="ja-JP" altLang="en-US" sz="3200" dirty="0" smtClean="0"/>
+              <a:t>大規模なデータに対して，複雑な前処理を定期的に実行する必要がある場合</a:t>
+            </a:r>
+            <a:endParaRPr kumimoji="1" lang="en-US" altLang="ja-JP" sz="3200" dirty="0" smtClean="0"/>
+          </a:p>
+          <a:p>
+            <a:pPr lvl="1"/>
+            <a:r>
+              <a:rPr lang="en-US" altLang="ja-JP" sz="2800" dirty="0" smtClean="0"/>
+              <a:t>Amazon Elastic Map Reduce</a:t>
+            </a:r>
+            <a:endParaRPr kumimoji="1" lang="en-US" altLang="ja-JP" sz="2800" dirty="0" smtClean="0"/>
+          </a:p>
+          <a:p>
+            <a:pPr marL="0" indent="0">
+              <a:buNone/>
+            </a:pPr>
+            <a:endParaRPr lang="en-US" altLang="ja-JP" dirty="0" smtClean="0"/>
+          </a:p>
+          <a:p>
+            <a:pPr marL="0" indent="0">
+              <a:buNone/>
+            </a:pPr>
             <a:endParaRPr kumimoji="1" lang="en-US" altLang="ja-JP" dirty="0" smtClean="0"/>
-          </a:p>
-          <a:p>
-            <a:r>
-              <a:rPr kumimoji="1" lang="ja-JP" altLang="en-US" dirty="0" smtClean="0"/>
-              <a:t>大規模データの機械学習における最も大きなボトルネック</a:t>
-            </a:r>
-            <a:endParaRPr kumimoji="1" lang="en-US" altLang="ja-JP" dirty="0" smtClean="0"/>
-          </a:p>
-          <a:p>
-            <a:r>
-              <a:rPr lang="ja-JP" altLang="en-US" dirty="0" smtClean="0"/>
-              <a:t>１</a:t>
-            </a:r>
-            <a:r>
-              <a:rPr lang="en-US" altLang="ja-JP" dirty="0" smtClean="0"/>
-              <a:t>GB</a:t>
-            </a:r>
-            <a:r>
-              <a:rPr lang="ja-JP" altLang="en-US" dirty="0" smtClean="0"/>
-              <a:t>を超えたログの生データを一括で</a:t>
-            </a:r>
-            <a:r>
-              <a:rPr lang="en-US" altLang="ja-JP" dirty="0" smtClean="0"/>
-              <a:t>DL</a:t>
-            </a:r>
-            <a:r>
-              <a:rPr lang="ja-JP" altLang="en-US" dirty="0" smtClean="0"/>
-              <a:t>してオンメモリで処理</a:t>
-            </a:r>
-            <a:r>
-              <a:rPr lang="ja-JP" altLang="en-US" dirty="0" err="1" smtClean="0"/>
-              <a:t>するの</a:t>
-            </a:r>
-            <a:r>
-              <a:rPr lang="ja-JP" altLang="en-US" dirty="0" smtClean="0"/>
-              <a:t>はやめた方がいい</a:t>
-            </a:r>
-            <a:endParaRPr lang="en-US" altLang="ja-JP" dirty="0" smtClean="0"/>
-          </a:p>
-          <a:p>
-            <a:r>
-              <a:rPr kumimoji="1" lang="ja-JP" altLang="en-US" dirty="0" smtClean="0"/>
-              <a:t>バッチ</a:t>
-            </a:r>
-            <a:r>
-              <a:rPr kumimoji="1" lang="ja-JP" altLang="en-US" dirty="0"/>
-              <a:t>処理</a:t>
-            </a:r>
-            <a:r>
-              <a:rPr kumimoji="1" lang="ja-JP" altLang="en-US" dirty="0" smtClean="0"/>
-              <a:t>を行うサーバーにデータを転送する際</a:t>
-            </a:r>
-            <a:endParaRPr lang="en-US" altLang="ja-JP" dirty="0"/>
           </a:p>
           <a:p>
             <a:pPr lvl="1"/>
@@ -16015,7 +16971,7 @@
     </p:spTree>
     <p:extLst>
       <p:ext uri="{BB962C8B-B14F-4D97-AF65-F5344CB8AC3E}">
-        <p14:creationId xmlns:p14="http://schemas.microsoft.com/office/powerpoint/2010/main" val="1597413968"/>
+        <p14:creationId xmlns:p14="http://schemas.microsoft.com/office/powerpoint/2010/main" val="3598088365"/>
       </p:ext>
     </p:extLst>
   </p:cSld>
@@ -16406,12 +17362,12 @@
           <a:lstStyle/>
           <a:p>
             <a:r>
-              <a:rPr kumimoji="1" lang="en-US" altLang="ja-JP" dirty="0" smtClean="0"/>
-              <a:t>4.2.5 </a:t>
-            </a:r>
-            <a:r>
-              <a:rPr kumimoji="1" lang="ja-JP" altLang="en-US" dirty="0" smtClean="0"/>
-              <a:t>リアルタイム処理で学習する</a:t>
+              <a:rPr kumimoji="1" lang="ja-JP" altLang="en-US" dirty="0" smtClean="0"/>
+              <a:t>ログ</a:t>
+            </a:r>
+            <a:r>
+              <a:rPr kumimoji="1" lang="ja-JP" altLang="en-US" dirty="0" smtClean="0"/>
+              <a:t>を設計する上での注意点</a:t>
             </a:r>
             <a:endParaRPr kumimoji="1" lang="ja-JP" altLang="en-US" dirty="0"/>
           </a:p>
@@ -16432,6 +17388,73 @@
           <a:bodyPr/>
           <a:lstStyle/>
           <a:p>
+            <a:pPr marL="0" indent="0">
+              <a:buNone/>
+            </a:pPr>
+            <a:r>
+              <a:rPr kumimoji="1" lang="ja-JP" altLang="en-US" dirty="0" smtClean="0"/>
+              <a:t>大規模データの転送コスト</a:t>
+            </a:r>
+            <a:endParaRPr kumimoji="1" lang="en-US" altLang="ja-JP" dirty="0" smtClean="0"/>
+          </a:p>
+          <a:p>
+            <a:r>
+              <a:rPr kumimoji="1" lang="ja-JP" altLang="en-US" dirty="0" smtClean="0"/>
+              <a:t>大規模データの機械学習における最も大きなボトルネック</a:t>
+            </a:r>
+            <a:endParaRPr kumimoji="1" lang="en-US" altLang="ja-JP" dirty="0" smtClean="0"/>
+          </a:p>
+          <a:p>
+            <a:r>
+              <a:rPr lang="ja-JP" altLang="en-US" dirty="0" smtClean="0"/>
+              <a:t>１</a:t>
+            </a:r>
+            <a:r>
+              <a:rPr lang="en-US" altLang="ja-JP" dirty="0" smtClean="0"/>
+              <a:t>GB</a:t>
+            </a:r>
+            <a:r>
+              <a:rPr lang="ja-JP" altLang="en-US" dirty="0" smtClean="0"/>
+              <a:t>を超えたログの生データを一括で</a:t>
+            </a:r>
+            <a:r>
+              <a:rPr lang="en-US" altLang="ja-JP" dirty="0" smtClean="0"/>
+              <a:t>DL</a:t>
+            </a:r>
+            <a:r>
+              <a:rPr lang="ja-JP" altLang="en-US" dirty="0" smtClean="0"/>
+              <a:t>してオンメモリで処理</a:t>
+            </a:r>
+            <a:r>
+              <a:rPr lang="ja-JP" altLang="en-US" dirty="0" err="1" smtClean="0"/>
+              <a:t>するの</a:t>
+            </a:r>
+            <a:r>
+              <a:rPr lang="ja-JP" altLang="en-US" dirty="0" smtClean="0"/>
+              <a:t>はやめた方がいい</a:t>
+            </a:r>
+            <a:endParaRPr lang="en-US" altLang="ja-JP" dirty="0" smtClean="0"/>
+          </a:p>
+          <a:p>
+            <a:r>
+              <a:rPr kumimoji="1" lang="ja-JP" altLang="en-US" dirty="0" smtClean="0"/>
+              <a:t>バッチ</a:t>
+            </a:r>
+            <a:r>
+              <a:rPr kumimoji="1" lang="ja-JP" altLang="en-US" dirty="0"/>
+              <a:t>処理</a:t>
+            </a:r>
+            <a:r>
+              <a:rPr kumimoji="1" lang="ja-JP" altLang="en-US" dirty="0" smtClean="0"/>
+              <a:t>を行うサーバーにデータを転送する際</a:t>
+            </a:r>
+            <a:endParaRPr lang="en-US" altLang="ja-JP" dirty="0"/>
+          </a:p>
+          <a:p>
+            <a:pPr lvl="1"/>
+            <a:endParaRPr kumimoji="1" lang="en-US" altLang="ja-JP" dirty="0" smtClean="0"/>
+          </a:p>
+          <a:p>
             <a:endParaRPr kumimoji="1" lang="ja-JP" altLang="en-US" dirty="0"/>
           </a:p>
         </p:txBody>
@@ -16462,7 +17485,7 @@
     </p:spTree>
     <p:extLst>
       <p:ext uri="{BB962C8B-B14F-4D97-AF65-F5344CB8AC3E}">
-        <p14:creationId xmlns:p14="http://schemas.microsoft.com/office/powerpoint/2010/main" val="4047700794"/>
+        <p14:creationId xmlns:p14="http://schemas.microsoft.com/office/powerpoint/2010/main" val="1597413968"/>
       </p:ext>
     </p:extLst>
   </p:cSld>
@@ -16499,82 +17522,6 @@
       </p:grpSpPr>
       <p:sp>
         <p:nvSpPr>
-          <p:cNvPr id="10" name="正方形/長方形 9"/>
-          <p:cNvSpPr/>
-          <p:nvPr/>
-        </p:nvSpPr>
-        <p:spPr>
-          <a:xfrm>
-            <a:off x="1926236" y="1146748"/>
-            <a:ext cx="8154649" cy="3657600"/>
-          </a:xfrm>
-          <a:prstGeom prst="rect">
-            <a:avLst/>
-          </a:prstGeom>
-        </p:spPr>
-        <p:style>
-          <a:lnRef idx="2">
-            <a:schemeClr val="dk1"/>
-          </a:lnRef>
-          <a:fillRef idx="1">
-            <a:schemeClr val="lt1"/>
-          </a:fillRef>
-          <a:effectRef idx="0">
-            <a:schemeClr val="dk1"/>
-          </a:effectRef>
-          <a:fontRef idx="minor">
-            <a:schemeClr val="dk1"/>
-          </a:fontRef>
-        </p:style>
-        <p:txBody>
-          <a:bodyPr rtlCol="0" anchor="ctr"/>
-          <a:lstStyle/>
-          <a:p>
-            <a:pPr algn="ctr"/>
-            <a:endParaRPr kumimoji="1" lang="ja-JP" altLang="en-US"/>
-          </a:p>
-        </p:txBody>
-      </p:sp>
-      <p:sp>
-        <p:nvSpPr>
-          <p:cNvPr id="32" name="角丸四角形 31"/>
-          <p:cNvSpPr/>
-          <p:nvPr/>
-        </p:nvSpPr>
-        <p:spPr>
-          <a:xfrm>
-            <a:off x="4834328" y="1587971"/>
-            <a:ext cx="5081666" cy="3038474"/>
-          </a:xfrm>
-          <a:prstGeom prst="roundRect">
-            <a:avLst/>
-          </a:prstGeom>
-        </p:spPr>
-        <p:style>
-          <a:lnRef idx="2">
-            <a:schemeClr val="dk1"/>
-          </a:lnRef>
-          <a:fillRef idx="1">
-            <a:schemeClr val="lt1"/>
-          </a:fillRef>
-          <a:effectRef idx="0">
-            <a:schemeClr val="dk1"/>
-          </a:effectRef>
-          <a:fontRef idx="minor">
-            <a:schemeClr val="dk1"/>
-          </a:fontRef>
-        </p:style>
-        <p:txBody>
-          <a:bodyPr rtlCol="0" anchor="ctr"/>
-          <a:lstStyle/>
-          <a:p>
-            <a:pPr algn="ctr"/>
-            <a:endParaRPr kumimoji="1" lang="ja-JP" altLang="en-US"/>
-          </a:p>
-        </p:txBody>
-      </p:sp>
-      <p:sp>
-        <p:nvSpPr>
           <p:cNvPr id="2" name="タイトル 1"/>
           <p:cNvSpPr>
             <a:spLocks noGrp="1"/>
@@ -16583,468 +17530,18 @@
             <p:ph type="title"/>
           </p:nvPr>
         </p:nvSpPr>
-        <p:spPr>
-          <a:xfrm>
-            <a:off x="838200" y="-4990"/>
-            <a:ext cx="10515600" cy="1325563"/>
-          </a:xfrm>
-        </p:spPr>
-        <p:txBody>
-          <a:bodyPr>
-            <a:normAutofit/>
-          </a:bodyPr>
-          <a:lstStyle/>
-          <a:p>
-            <a:r>
-              <a:rPr lang="ja-JP" altLang="en-US" sz="3600" dirty="0" smtClean="0"/>
-              <a:t>パターン３：予測フェーズ</a:t>
-            </a:r>
-            <a:endParaRPr kumimoji="1" lang="ja-JP" altLang="en-US" sz="3600" dirty="0"/>
-          </a:p>
-        </p:txBody>
-      </p:sp>
-      <p:sp>
-        <p:nvSpPr>
-          <p:cNvPr id="4" name="角丸四角形 3"/>
-          <p:cNvSpPr/>
-          <p:nvPr/>
-        </p:nvSpPr>
-        <p:spPr>
-          <a:xfrm>
-            <a:off x="4960043" y="2097056"/>
-            <a:ext cx="2295640" cy="2462797"/>
-          </a:xfrm>
-          <a:prstGeom prst="roundRect">
-            <a:avLst/>
-          </a:prstGeom>
-        </p:spPr>
-        <p:style>
-          <a:lnRef idx="2">
-            <a:schemeClr val="dk1"/>
-          </a:lnRef>
-          <a:fillRef idx="1">
-            <a:schemeClr val="lt1"/>
-          </a:fillRef>
-          <a:effectRef idx="0">
-            <a:schemeClr val="dk1"/>
-          </a:effectRef>
-          <a:fontRef idx="minor">
-            <a:schemeClr val="dk1"/>
-          </a:fontRef>
-        </p:style>
-        <p:txBody>
-          <a:bodyPr rtlCol="0" anchor="ctr"/>
-          <a:lstStyle/>
-          <a:p>
-            <a:pPr algn="ctr"/>
-            <a:endParaRPr kumimoji="1" lang="ja-JP" altLang="en-US"/>
-          </a:p>
-        </p:txBody>
-      </p:sp>
-      <p:sp>
-        <p:nvSpPr>
-          <p:cNvPr id="5" name="角丸四角形 4"/>
-          <p:cNvSpPr/>
-          <p:nvPr/>
-        </p:nvSpPr>
-        <p:spPr>
-          <a:xfrm>
-            <a:off x="7502742" y="2097058"/>
-            <a:ext cx="2268518" cy="2462796"/>
-          </a:xfrm>
-          <a:prstGeom prst="roundRect">
-            <a:avLst/>
-          </a:prstGeom>
-        </p:spPr>
-        <p:style>
-          <a:lnRef idx="2">
-            <a:schemeClr val="dk1"/>
-          </a:lnRef>
-          <a:fillRef idx="1">
-            <a:schemeClr val="lt1"/>
-          </a:fillRef>
-          <a:effectRef idx="0">
-            <a:schemeClr val="dk1"/>
-          </a:effectRef>
-          <a:fontRef idx="minor">
-            <a:schemeClr val="dk1"/>
-          </a:fontRef>
-        </p:style>
-        <p:txBody>
-          <a:bodyPr rtlCol="0" anchor="ctr"/>
-          <a:lstStyle/>
-          <a:p>
-            <a:pPr algn="ctr"/>
-            <a:endParaRPr kumimoji="1" lang="ja-JP" altLang="en-US"/>
-          </a:p>
-        </p:txBody>
-      </p:sp>
-      <p:sp>
-        <p:nvSpPr>
-          <p:cNvPr id="6" name="角丸四角形 5"/>
-          <p:cNvSpPr/>
-          <p:nvPr/>
-        </p:nvSpPr>
-        <p:spPr>
-          <a:xfrm>
-            <a:off x="2113926" y="1567111"/>
-            <a:ext cx="2089252" cy="3059334"/>
-          </a:xfrm>
-          <a:prstGeom prst="roundRect">
-            <a:avLst/>
-          </a:prstGeom>
-        </p:spPr>
-        <p:style>
-          <a:lnRef idx="2">
-            <a:schemeClr val="dk1"/>
-          </a:lnRef>
-          <a:fillRef idx="1">
-            <a:schemeClr val="lt1"/>
-          </a:fillRef>
-          <a:effectRef idx="0">
-            <a:schemeClr val="dk1"/>
-          </a:effectRef>
-          <a:fontRef idx="minor">
-            <a:schemeClr val="dk1"/>
-          </a:fontRef>
-        </p:style>
-        <p:txBody>
-          <a:bodyPr rtlCol="0" anchor="ctr"/>
-          <a:lstStyle/>
-          <a:p>
-            <a:pPr algn="ctr"/>
-            <a:endParaRPr kumimoji="1" lang="ja-JP" altLang="en-US"/>
-          </a:p>
-        </p:txBody>
-      </p:sp>
-      <p:sp>
-        <p:nvSpPr>
-          <p:cNvPr id="7" name="テキスト ボックス 6"/>
-          <p:cNvSpPr txBox="1"/>
-          <p:nvPr/>
-        </p:nvSpPr>
-        <p:spPr>
-          <a:xfrm>
-            <a:off x="2462954" y="1329507"/>
-            <a:ext cx="1407731" cy="646331"/>
-          </a:xfrm>
-          <a:prstGeom prst="rect">
-            <a:avLst/>
-          </a:prstGeom>
-        </p:spPr>
-        <p:style>
-          <a:lnRef idx="2">
-            <a:schemeClr val="dk1"/>
-          </a:lnRef>
-          <a:fillRef idx="1">
-            <a:schemeClr val="lt1"/>
-          </a:fillRef>
-          <a:effectRef idx="0">
-            <a:schemeClr val="dk1"/>
-          </a:effectRef>
-          <a:fontRef idx="minor">
-            <a:schemeClr val="dk1"/>
-          </a:fontRef>
-        </p:style>
-        <p:txBody>
-          <a:bodyPr wrap="square" rtlCol="0">
-            <a:spAutoFit/>
-          </a:bodyPr>
-          <a:lstStyle/>
-          <a:p>
-            <a:r>
-              <a:rPr kumimoji="1" lang="en-US" altLang="ja-JP" b="1" dirty="0" smtClean="0"/>
-              <a:t>Web</a:t>
-            </a:r>
-            <a:r>
-              <a:rPr kumimoji="1" lang="ja-JP" altLang="en-US" b="1" dirty="0" smtClean="0"/>
-              <a:t>アプリ</a:t>
-            </a:r>
-            <a:endParaRPr kumimoji="1" lang="en-US" altLang="ja-JP" b="1" dirty="0" smtClean="0"/>
-          </a:p>
-          <a:p>
-            <a:r>
-              <a:rPr kumimoji="1" lang="ja-JP" altLang="en-US" b="1" dirty="0" smtClean="0"/>
-              <a:t>ケーション</a:t>
-            </a:r>
-            <a:endParaRPr kumimoji="1" lang="ja-JP" altLang="en-US" b="1" dirty="0"/>
-          </a:p>
-        </p:txBody>
-      </p:sp>
-      <p:sp>
-        <p:nvSpPr>
-          <p:cNvPr id="8" name="角丸四角形 7"/>
-          <p:cNvSpPr/>
-          <p:nvPr/>
-        </p:nvSpPr>
-        <p:spPr>
-          <a:xfrm>
-            <a:off x="6494635" y="2471615"/>
-            <a:ext cx="1769155" cy="552238"/>
-          </a:xfrm>
-          <a:prstGeom prst="roundRect">
-            <a:avLst/>
-          </a:prstGeom>
-        </p:spPr>
-        <p:style>
-          <a:lnRef idx="1">
-            <a:schemeClr val="accent1"/>
-          </a:lnRef>
-          <a:fillRef idx="2">
-            <a:schemeClr val="accent1"/>
-          </a:fillRef>
-          <a:effectRef idx="1">
-            <a:schemeClr val="accent1"/>
-          </a:effectRef>
-          <a:fontRef idx="minor">
-            <a:schemeClr val="dk1"/>
-          </a:fontRef>
-        </p:style>
-        <p:txBody>
-          <a:bodyPr rtlCol="0" anchor="ctr"/>
-          <a:lstStyle/>
-          <a:p>
-            <a:pPr algn="ctr"/>
-            <a:r>
-              <a:rPr kumimoji="1" lang="ja-JP" altLang="en-US" sz="2000" b="1" dirty="0" smtClean="0"/>
-              <a:t>予測モデル</a:t>
-            </a:r>
-            <a:endParaRPr kumimoji="1" lang="ja-JP" altLang="en-US" sz="2000" b="1" dirty="0"/>
-          </a:p>
-        </p:txBody>
-      </p:sp>
-      <p:sp>
-        <p:nvSpPr>
-          <p:cNvPr id="9" name="角丸四角形 8"/>
-          <p:cNvSpPr/>
-          <p:nvPr/>
-        </p:nvSpPr>
-        <p:spPr>
-          <a:xfrm>
-            <a:off x="3433844" y="3269900"/>
-            <a:ext cx="2119243" cy="546838"/>
-          </a:xfrm>
-          <a:prstGeom prst="roundRect">
-            <a:avLst/>
-          </a:prstGeom>
-        </p:spPr>
-        <p:style>
-          <a:lnRef idx="1">
-            <a:schemeClr val="accent1"/>
-          </a:lnRef>
-          <a:fillRef idx="2">
-            <a:schemeClr val="accent1"/>
-          </a:fillRef>
-          <a:effectRef idx="1">
-            <a:schemeClr val="accent1"/>
-          </a:effectRef>
-          <a:fontRef idx="minor">
-            <a:schemeClr val="dk1"/>
-          </a:fontRef>
-        </p:style>
-        <p:txBody>
-          <a:bodyPr rtlCol="0" anchor="ctr"/>
-          <a:lstStyle/>
-          <a:p>
-            <a:pPr algn="ctr"/>
-            <a:r>
-              <a:rPr lang="en-US" altLang="ja-JP" sz="2000" b="1" dirty="0" smtClean="0"/>
-              <a:t>D</a:t>
-            </a:r>
-            <a:r>
-              <a:rPr lang="en-US" altLang="ja-JP" sz="2000" b="1" dirty="0"/>
-              <a:t>B</a:t>
-            </a:r>
-            <a:endParaRPr kumimoji="1" lang="ja-JP" altLang="en-US" sz="2000" b="1" dirty="0"/>
-          </a:p>
-        </p:txBody>
-      </p:sp>
-      <p:sp>
-        <p:nvSpPr>
-          <p:cNvPr id="14" name="テキスト ボックス 13"/>
-          <p:cNvSpPr txBox="1"/>
-          <p:nvPr/>
-        </p:nvSpPr>
-        <p:spPr>
-          <a:xfrm>
-            <a:off x="8257892" y="3204939"/>
-            <a:ext cx="1402456" cy="400110"/>
-          </a:xfrm>
-          <a:prstGeom prst="rect">
-            <a:avLst/>
-          </a:prstGeom>
-        </p:spPr>
-        <p:style>
-          <a:lnRef idx="2">
-            <a:schemeClr val="dk1"/>
-          </a:lnRef>
-          <a:fillRef idx="1">
-            <a:schemeClr val="lt1"/>
-          </a:fillRef>
-          <a:effectRef idx="0">
-            <a:schemeClr val="dk1"/>
-          </a:effectRef>
-          <a:fontRef idx="minor">
-            <a:schemeClr val="dk1"/>
-          </a:fontRef>
-        </p:style>
-        <p:txBody>
-          <a:bodyPr wrap="square" rtlCol="0">
-            <a:spAutoFit/>
-          </a:bodyPr>
-          <a:lstStyle/>
-          <a:p>
-            <a:pPr algn="ctr"/>
-            <a:r>
-              <a:rPr kumimoji="1" lang="ja-JP" altLang="en-US" sz="2000" b="1" dirty="0" smtClean="0"/>
-              <a:t>学習器</a:t>
-            </a:r>
-            <a:endParaRPr kumimoji="1" lang="ja-JP" altLang="en-US" sz="2000" b="1" dirty="0"/>
-          </a:p>
-        </p:txBody>
-      </p:sp>
-      <p:sp>
-        <p:nvSpPr>
-          <p:cNvPr id="15" name="テキスト ボックス 14"/>
-          <p:cNvSpPr txBox="1"/>
-          <p:nvPr/>
-        </p:nvSpPr>
-        <p:spPr>
-          <a:xfrm>
-            <a:off x="6639048" y="3825527"/>
-            <a:ext cx="1812294" cy="400110"/>
-          </a:xfrm>
-          <a:prstGeom prst="rect">
-            <a:avLst/>
-          </a:prstGeom>
-        </p:spPr>
-        <p:style>
-          <a:lnRef idx="1">
-            <a:schemeClr val="accent1"/>
-          </a:lnRef>
-          <a:fillRef idx="2">
-            <a:schemeClr val="accent1"/>
-          </a:fillRef>
-          <a:effectRef idx="1">
-            <a:schemeClr val="accent1"/>
-          </a:effectRef>
-          <a:fontRef idx="minor">
-            <a:schemeClr val="dk1"/>
-          </a:fontRef>
-        </p:style>
-        <p:txBody>
-          <a:bodyPr wrap="square" rtlCol="0">
-            <a:spAutoFit/>
-          </a:bodyPr>
-          <a:lstStyle/>
-          <a:p>
-            <a:pPr algn="ctr"/>
-            <a:r>
-              <a:rPr lang="ja-JP" altLang="en-US" sz="2000" b="1" dirty="0" smtClean="0"/>
-              <a:t>特徴抽出</a:t>
-            </a:r>
-            <a:r>
-              <a:rPr lang="ja-JP" altLang="en-US" sz="2000" b="1" dirty="0"/>
-              <a:t>器</a:t>
-            </a:r>
-            <a:endParaRPr kumimoji="1" lang="ja-JP" altLang="en-US" sz="2000" b="1" dirty="0"/>
-          </a:p>
-        </p:txBody>
-      </p:sp>
-      <p:cxnSp>
-        <p:nvCxnSpPr>
-          <p:cNvPr id="16" name="直線矢印コネクタ 15"/>
-          <p:cNvCxnSpPr/>
-          <p:nvPr/>
-        </p:nvCxnSpPr>
-        <p:spPr>
-          <a:xfrm flipH="1">
-            <a:off x="8353043" y="2751039"/>
-            <a:ext cx="718968" cy="0"/>
-          </a:xfrm>
-          <a:prstGeom prst="straightConnector1">
-            <a:avLst/>
-          </a:prstGeom>
-          <a:ln>
-            <a:tailEnd type="triangle"/>
-          </a:ln>
-        </p:spPr>
-        <p:style>
-          <a:lnRef idx="1">
-            <a:schemeClr val="dk1"/>
-          </a:lnRef>
-          <a:fillRef idx="0">
-            <a:schemeClr val="dk1"/>
-          </a:fillRef>
-          <a:effectRef idx="0">
-            <a:schemeClr val="dk1"/>
-          </a:effectRef>
-          <a:fontRef idx="minor">
-            <a:schemeClr val="tx1"/>
-          </a:fontRef>
-        </p:style>
-      </p:cxnSp>
-      <p:cxnSp>
-        <p:nvCxnSpPr>
-          <p:cNvPr id="17" name="直線矢印コネクタ 16"/>
-          <p:cNvCxnSpPr/>
-          <p:nvPr/>
-        </p:nvCxnSpPr>
-        <p:spPr>
-          <a:xfrm flipV="1">
-            <a:off x="9072011" y="3698663"/>
-            <a:ext cx="0" cy="370060"/>
-          </a:xfrm>
-          <a:prstGeom prst="straightConnector1">
-            <a:avLst/>
-          </a:prstGeom>
-          <a:ln>
-            <a:tailEnd type="triangle"/>
-          </a:ln>
-        </p:spPr>
-        <p:style>
-          <a:lnRef idx="1">
-            <a:schemeClr val="dk1"/>
-          </a:lnRef>
-          <a:fillRef idx="0">
-            <a:schemeClr val="dk1"/>
-          </a:fillRef>
-          <a:effectRef idx="0">
-            <a:schemeClr val="dk1"/>
-          </a:effectRef>
-          <a:fontRef idx="minor">
-            <a:schemeClr val="tx1"/>
-          </a:fontRef>
-        </p:style>
-      </p:cxnSp>
-      <p:sp>
-        <p:nvSpPr>
-          <p:cNvPr id="18" name="テキスト ボックス 17"/>
-          <p:cNvSpPr txBox="1"/>
-          <p:nvPr/>
-        </p:nvSpPr>
-        <p:spPr>
-          <a:xfrm>
-            <a:off x="8712527" y="4069451"/>
-            <a:ext cx="921895" cy="369332"/>
-          </a:xfrm>
-          <a:prstGeom prst="rect">
-            <a:avLst/>
-          </a:prstGeom>
-          <a:noFill/>
-          <a:ln>
-            <a:noFill/>
-          </a:ln>
-        </p:spPr>
-        <p:txBody>
-          <a:bodyPr wrap="square" rtlCol="0">
-            <a:spAutoFit/>
-          </a:bodyPr>
-          <a:lstStyle/>
-          <a:p>
-            <a:r>
-              <a:rPr kumimoji="1" lang="ja-JP" altLang="en-US" dirty="0" smtClean="0"/>
-              <a:t>特徴量</a:t>
+        <p:spPr/>
+        <p:txBody>
+          <a:bodyPr/>
+          <a:lstStyle/>
+          <a:p>
+            <a:r>
+              <a:rPr kumimoji="1" lang="en-US" altLang="ja-JP" dirty="0" smtClean="0"/>
+              <a:t>4.2.5 </a:t>
+            </a:r>
+            <a:r>
+              <a:rPr kumimoji="1" lang="ja-JP" altLang="en-US" dirty="0" smtClean="0"/>
+              <a:t>リアルタイム処理で学習する</a:t>
             </a:r>
             <a:endParaRPr kumimoji="1" lang="ja-JP" altLang="en-US" dirty="0"/>
           </a:p>
@@ -17052,627 +17549,26 @@
       </p:sp>
       <p:sp>
         <p:nvSpPr>
-          <p:cNvPr id="19" name="テキスト ボックス 18"/>
-          <p:cNvSpPr txBox="1"/>
-          <p:nvPr/>
-        </p:nvSpPr>
-        <p:spPr>
-          <a:xfrm>
-            <a:off x="8511995" y="2364211"/>
-            <a:ext cx="1209520" cy="369332"/>
-          </a:xfrm>
-          <a:prstGeom prst="rect">
-            <a:avLst/>
-          </a:prstGeom>
-          <a:noFill/>
-        </p:spPr>
-        <p:txBody>
-          <a:bodyPr wrap="square" rtlCol="0">
-            <a:spAutoFit/>
-          </a:bodyPr>
-          <a:lstStyle/>
-          <a:p>
-            <a:r>
-              <a:rPr kumimoji="1" lang="ja-JP" altLang="en-US" dirty="0" smtClean="0"/>
-              <a:t>学習結果</a:t>
-            </a:r>
+          <p:cNvPr id="3" name="コンテンツ プレースホルダー 2"/>
+          <p:cNvSpPr>
+            <a:spLocks noGrp="1"/>
+          </p:cNvSpPr>
+          <p:nvPr>
+            <p:ph idx="1"/>
+          </p:nvPr>
+        </p:nvSpPr>
+        <p:spPr/>
+        <p:txBody>
+          <a:bodyPr/>
+          <a:lstStyle/>
+          <a:p>
             <a:endParaRPr kumimoji="1" lang="ja-JP" altLang="en-US" dirty="0"/>
           </a:p>
         </p:txBody>
       </p:sp>
       <p:sp>
         <p:nvSpPr>
-          <p:cNvPr id="20" name="テキスト ボックス 19"/>
-          <p:cNvSpPr txBox="1"/>
-          <p:nvPr/>
-        </p:nvSpPr>
-        <p:spPr>
-          <a:xfrm>
-            <a:off x="5256229" y="3913522"/>
-            <a:ext cx="2122983" cy="646331"/>
-          </a:xfrm>
-          <a:prstGeom prst="rect">
-            <a:avLst/>
-          </a:prstGeom>
-          <a:noFill/>
-        </p:spPr>
-        <p:txBody>
-          <a:bodyPr wrap="square" rtlCol="0">
-            <a:spAutoFit/>
-          </a:bodyPr>
-          <a:lstStyle/>
-          <a:p>
-            <a:r>
-              <a:rPr kumimoji="1" lang="ja-JP" altLang="en-US" dirty="0" smtClean="0"/>
-              <a:t>ログ</a:t>
-            </a:r>
-            <a:endParaRPr kumimoji="1" lang="en-US" altLang="ja-JP" dirty="0" smtClean="0"/>
-          </a:p>
-          <a:p>
-            <a:r>
-              <a:rPr lang="ja-JP" altLang="en-US" dirty="0" smtClean="0"/>
-              <a:t>ユーザー情報</a:t>
-            </a:r>
-            <a:endParaRPr kumimoji="1" lang="ja-JP" altLang="en-US" dirty="0"/>
-          </a:p>
-        </p:txBody>
-      </p:sp>
-      <p:sp>
-        <p:nvSpPr>
-          <p:cNvPr id="21" name="テキスト ボックス 20"/>
-          <p:cNvSpPr txBox="1"/>
-          <p:nvPr/>
-        </p:nvSpPr>
-        <p:spPr>
-          <a:xfrm>
-            <a:off x="7715106" y="1916865"/>
-            <a:ext cx="1843790" cy="369332"/>
-          </a:xfrm>
-          <a:prstGeom prst="rect">
-            <a:avLst/>
-          </a:prstGeom>
-        </p:spPr>
-        <p:style>
-          <a:lnRef idx="2">
-            <a:schemeClr val="dk1"/>
-          </a:lnRef>
-          <a:fillRef idx="1">
-            <a:schemeClr val="lt1"/>
-          </a:fillRef>
-          <a:effectRef idx="0">
-            <a:schemeClr val="dk1"/>
-          </a:effectRef>
-          <a:fontRef idx="minor">
-            <a:schemeClr val="dk1"/>
-          </a:fontRef>
-        </p:style>
-        <p:txBody>
-          <a:bodyPr wrap="square" rtlCol="0">
-            <a:spAutoFit/>
-          </a:bodyPr>
-          <a:lstStyle/>
-          <a:p>
-            <a:pPr algn="ctr"/>
-            <a:r>
-              <a:rPr kumimoji="1" lang="ja-JP" altLang="en-US" b="1" dirty="0" smtClean="0"/>
-              <a:t>学習バッチ</a:t>
-            </a:r>
-            <a:endParaRPr kumimoji="1" lang="ja-JP" altLang="en-US" b="1" dirty="0"/>
-          </a:p>
-        </p:txBody>
-      </p:sp>
-      <p:cxnSp>
-        <p:nvCxnSpPr>
-          <p:cNvPr id="23" name="直線コネクタ 22"/>
-          <p:cNvCxnSpPr/>
-          <p:nvPr/>
-        </p:nvCxnSpPr>
-        <p:spPr>
-          <a:xfrm flipH="1">
-            <a:off x="8499913" y="4068723"/>
-            <a:ext cx="572098" cy="0"/>
-          </a:xfrm>
-          <a:prstGeom prst="line">
-            <a:avLst/>
-          </a:prstGeom>
-          <a:ln>
-            <a:solidFill>
-              <a:schemeClr val="tx1"/>
-            </a:solidFill>
-          </a:ln>
-        </p:spPr>
-        <p:style>
-          <a:lnRef idx="1">
-            <a:schemeClr val="accent1"/>
-          </a:lnRef>
-          <a:fillRef idx="0">
-            <a:schemeClr val="accent1"/>
-          </a:fillRef>
-          <a:effectRef idx="0">
-            <a:schemeClr val="accent1"/>
-          </a:effectRef>
-          <a:fontRef idx="minor">
-            <a:schemeClr val="tx1"/>
-          </a:fontRef>
-        </p:style>
-      </p:cxnSp>
-      <p:cxnSp>
-        <p:nvCxnSpPr>
-          <p:cNvPr id="24" name="直線コネクタ 23"/>
-          <p:cNvCxnSpPr/>
-          <p:nvPr/>
-        </p:nvCxnSpPr>
-        <p:spPr>
-          <a:xfrm flipV="1">
-            <a:off x="9072011" y="2747735"/>
-            <a:ext cx="0" cy="445198"/>
-          </a:xfrm>
-          <a:prstGeom prst="line">
-            <a:avLst/>
-          </a:prstGeom>
-          <a:ln>
-            <a:solidFill>
-              <a:schemeClr val="tx1"/>
-            </a:solidFill>
-          </a:ln>
-        </p:spPr>
-        <p:style>
-          <a:lnRef idx="1">
-            <a:schemeClr val="accent1"/>
-          </a:lnRef>
-          <a:fillRef idx="0">
-            <a:schemeClr val="accent1"/>
-          </a:fillRef>
-          <a:effectRef idx="0">
-            <a:schemeClr val="accent1"/>
-          </a:effectRef>
-          <a:fontRef idx="minor">
-            <a:schemeClr val="tx1"/>
-          </a:fontRef>
-        </p:style>
-      </p:cxnSp>
-      <p:sp>
-        <p:nvSpPr>
-          <p:cNvPr id="25" name="テキスト ボックス 24"/>
-          <p:cNvSpPr txBox="1"/>
-          <p:nvPr/>
-        </p:nvSpPr>
-        <p:spPr>
-          <a:xfrm>
-            <a:off x="5112559" y="1911638"/>
-            <a:ext cx="1859802" cy="369332"/>
-          </a:xfrm>
-          <a:prstGeom prst="rect">
-            <a:avLst/>
-          </a:prstGeom>
-        </p:spPr>
-        <p:style>
-          <a:lnRef idx="1">
-            <a:schemeClr val="accent1"/>
-          </a:lnRef>
-          <a:fillRef idx="2">
-            <a:schemeClr val="accent1"/>
-          </a:fillRef>
-          <a:effectRef idx="1">
-            <a:schemeClr val="accent1"/>
-          </a:effectRef>
-          <a:fontRef idx="minor">
-            <a:schemeClr val="dk1"/>
-          </a:fontRef>
-        </p:style>
-        <p:txBody>
-          <a:bodyPr wrap="square" rtlCol="0">
-            <a:spAutoFit/>
-          </a:bodyPr>
-          <a:lstStyle/>
-          <a:p>
-            <a:pPr algn="ctr"/>
-            <a:r>
-              <a:rPr kumimoji="1" lang="ja-JP" altLang="en-US" b="1" dirty="0" smtClean="0"/>
-              <a:t>予測</a:t>
-            </a:r>
-            <a:r>
-              <a:rPr lang="ja-JP" altLang="en-US" b="1" dirty="0"/>
-              <a:t>バッチ</a:t>
-            </a:r>
-            <a:endParaRPr kumimoji="1" lang="ja-JP" altLang="en-US" b="1" dirty="0"/>
-          </a:p>
-        </p:txBody>
-      </p:sp>
-      <p:cxnSp>
-        <p:nvCxnSpPr>
-          <p:cNvPr id="26" name="直線矢印コネクタ 25"/>
-          <p:cNvCxnSpPr/>
-          <p:nvPr/>
-        </p:nvCxnSpPr>
-        <p:spPr>
-          <a:xfrm flipH="1">
-            <a:off x="5536587" y="2702859"/>
-            <a:ext cx="847136" cy="567041"/>
-          </a:xfrm>
-          <a:prstGeom prst="straightConnector1">
-            <a:avLst/>
-          </a:prstGeom>
-          <a:ln>
-            <a:tailEnd type="triangle"/>
-          </a:ln>
-        </p:spPr>
-        <p:style>
-          <a:lnRef idx="1">
-            <a:schemeClr val="dk1"/>
-          </a:lnRef>
-          <a:fillRef idx="0">
-            <a:schemeClr val="dk1"/>
-          </a:fillRef>
-          <a:effectRef idx="0">
-            <a:schemeClr val="dk1"/>
-          </a:effectRef>
-          <a:fontRef idx="minor">
-            <a:schemeClr val="tx1"/>
-          </a:fontRef>
-        </p:style>
-      </p:cxnSp>
-      <p:cxnSp>
-        <p:nvCxnSpPr>
-          <p:cNvPr id="27" name="直線矢印コネクタ 26"/>
-          <p:cNvCxnSpPr/>
-          <p:nvPr/>
-        </p:nvCxnSpPr>
-        <p:spPr>
-          <a:xfrm flipV="1">
-            <a:off x="7004489" y="3065711"/>
-            <a:ext cx="0" cy="740119"/>
-          </a:xfrm>
-          <a:prstGeom prst="straightConnector1">
-            <a:avLst/>
-          </a:prstGeom>
-          <a:ln>
-            <a:tailEnd type="triangle"/>
-          </a:ln>
-        </p:spPr>
-        <p:style>
-          <a:lnRef idx="1">
-            <a:schemeClr val="dk1"/>
-          </a:lnRef>
-          <a:fillRef idx="0">
-            <a:schemeClr val="dk1"/>
-          </a:fillRef>
-          <a:effectRef idx="0">
-            <a:schemeClr val="dk1"/>
-          </a:effectRef>
-          <a:fontRef idx="minor">
-            <a:schemeClr val="tx1"/>
-          </a:fontRef>
-        </p:style>
-      </p:cxnSp>
-      <p:cxnSp>
-        <p:nvCxnSpPr>
-          <p:cNvPr id="28" name="直線矢印コネクタ 27"/>
-          <p:cNvCxnSpPr/>
-          <p:nvPr/>
-        </p:nvCxnSpPr>
-        <p:spPr>
-          <a:xfrm>
-            <a:off x="5603859" y="3763491"/>
-            <a:ext cx="991167" cy="275068"/>
-          </a:xfrm>
-          <a:prstGeom prst="straightConnector1">
-            <a:avLst/>
-          </a:prstGeom>
-          <a:ln>
-            <a:tailEnd type="triangle"/>
-          </a:ln>
-        </p:spPr>
-        <p:style>
-          <a:lnRef idx="1">
-            <a:schemeClr val="dk1"/>
-          </a:lnRef>
-          <a:fillRef idx="0">
-            <a:schemeClr val="dk1"/>
-          </a:fillRef>
-          <a:effectRef idx="0">
-            <a:schemeClr val="dk1"/>
-          </a:effectRef>
-          <a:fontRef idx="minor">
-            <a:schemeClr val="tx1"/>
-          </a:fontRef>
-        </p:style>
-      </p:cxnSp>
-      <p:sp>
-        <p:nvSpPr>
-          <p:cNvPr id="29" name="テキスト ボックス 28"/>
-          <p:cNvSpPr txBox="1"/>
-          <p:nvPr/>
-        </p:nvSpPr>
-        <p:spPr>
-          <a:xfrm>
-            <a:off x="6204660" y="3424323"/>
-            <a:ext cx="921895" cy="369332"/>
-          </a:xfrm>
-          <a:prstGeom prst="rect">
-            <a:avLst/>
-          </a:prstGeom>
-          <a:noFill/>
-          <a:ln>
-            <a:noFill/>
-          </a:ln>
-        </p:spPr>
-        <p:txBody>
-          <a:bodyPr wrap="square" rtlCol="0">
-            <a:spAutoFit/>
-          </a:bodyPr>
-          <a:lstStyle/>
-          <a:p>
-            <a:r>
-              <a:rPr kumimoji="1" lang="ja-JP" altLang="en-US" dirty="0" smtClean="0"/>
-              <a:t>特徴量</a:t>
-            </a:r>
-            <a:endParaRPr kumimoji="1" lang="ja-JP" altLang="en-US" dirty="0"/>
-          </a:p>
-        </p:txBody>
-      </p:sp>
-      <p:sp>
-        <p:nvSpPr>
-          <p:cNvPr id="33" name="テキスト ボックス 32"/>
-          <p:cNvSpPr txBox="1"/>
-          <p:nvPr/>
-        </p:nvSpPr>
-        <p:spPr>
-          <a:xfrm>
-            <a:off x="6502547" y="1408435"/>
-            <a:ext cx="1838908" cy="369332"/>
-          </a:xfrm>
-          <a:prstGeom prst="rect">
-            <a:avLst/>
-          </a:prstGeom>
-        </p:spPr>
-        <p:style>
-          <a:lnRef idx="1">
-            <a:schemeClr val="accent1"/>
-          </a:lnRef>
-          <a:fillRef idx="2">
-            <a:schemeClr val="accent1"/>
-          </a:fillRef>
-          <a:effectRef idx="1">
-            <a:schemeClr val="accent1"/>
-          </a:effectRef>
-          <a:fontRef idx="minor">
-            <a:schemeClr val="dk1"/>
-          </a:fontRef>
-        </p:style>
-        <p:txBody>
-          <a:bodyPr wrap="square" rtlCol="0">
-            <a:spAutoFit/>
-          </a:bodyPr>
-          <a:lstStyle/>
-          <a:p>
-            <a:pPr algn="ctr"/>
-            <a:r>
-              <a:rPr kumimoji="1" lang="ja-JP" altLang="en-US" b="1" dirty="0" smtClean="0"/>
-              <a:t>バッチシステム</a:t>
-            </a:r>
-            <a:endParaRPr kumimoji="1" lang="ja-JP" altLang="en-US" b="1" dirty="0"/>
-          </a:p>
-        </p:txBody>
-      </p:sp>
-      <p:sp>
-        <p:nvSpPr>
-          <p:cNvPr id="41" name="テキスト ボックス 40"/>
-          <p:cNvSpPr txBox="1"/>
-          <p:nvPr/>
-        </p:nvSpPr>
-        <p:spPr>
-          <a:xfrm>
-            <a:off x="5101894" y="2571597"/>
-            <a:ext cx="1209520" cy="369332"/>
-          </a:xfrm>
-          <a:prstGeom prst="rect">
-            <a:avLst/>
-          </a:prstGeom>
-          <a:noFill/>
-        </p:spPr>
-        <p:txBody>
-          <a:bodyPr wrap="square" rtlCol="0">
-            <a:spAutoFit/>
-          </a:bodyPr>
-          <a:lstStyle/>
-          <a:p>
-            <a:r>
-              <a:rPr lang="ja-JP" altLang="en-US" dirty="0" smtClean="0"/>
-              <a:t>予測結果</a:t>
-            </a:r>
-            <a:endParaRPr kumimoji="1" lang="ja-JP" altLang="en-US" dirty="0"/>
-          </a:p>
-        </p:txBody>
-      </p:sp>
-      <p:cxnSp>
-        <p:nvCxnSpPr>
-          <p:cNvPr id="43" name="直線矢印コネクタ 42"/>
-          <p:cNvCxnSpPr/>
-          <p:nvPr/>
-        </p:nvCxnSpPr>
-        <p:spPr>
-          <a:xfrm flipH="1">
-            <a:off x="2520116" y="3545358"/>
-            <a:ext cx="782323" cy="0"/>
-          </a:xfrm>
-          <a:prstGeom prst="straightConnector1">
-            <a:avLst/>
-          </a:prstGeom>
-          <a:ln>
-            <a:tailEnd type="triangle"/>
-          </a:ln>
-        </p:spPr>
-        <p:style>
-          <a:lnRef idx="1">
-            <a:schemeClr val="dk1"/>
-          </a:lnRef>
-          <a:fillRef idx="0">
-            <a:schemeClr val="dk1"/>
-          </a:fillRef>
-          <a:effectRef idx="0">
-            <a:schemeClr val="dk1"/>
-          </a:effectRef>
-          <a:fontRef idx="minor">
-            <a:schemeClr val="tx1"/>
-          </a:fontRef>
-        </p:style>
-      </p:cxnSp>
-      <p:sp>
-        <p:nvSpPr>
-          <p:cNvPr id="44" name="テキスト ボックス 43"/>
-          <p:cNvSpPr txBox="1"/>
-          <p:nvPr/>
-        </p:nvSpPr>
-        <p:spPr>
-          <a:xfrm>
-            <a:off x="2361129" y="3113587"/>
-            <a:ext cx="1209520" cy="369332"/>
-          </a:xfrm>
-          <a:prstGeom prst="rect">
-            <a:avLst/>
-          </a:prstGeom>
-          <a:noFill/>
-        </p:spPr>
-        <p:txBody>
-          <a:bodyPr wrap="square" rtlCol="0">
-            <a:spAutoFit/>
-          </a:bodyPr>
-          <a:lstStyle/>
-          <a:p>
-            <a:r>
-              <a:rPr lang="ja-JP" altLang="en-US" dirty="0" smtClean="0"/>
-              <a:t>予測結果</a:t>
-            </a:r>
-            <a:endParaRPr kumimoji="1" lang="ja-JP" altLang="en-US" dirty="0"/>
-          </a:p>
-        </p:txBody>
-      </p:sp>
-      <p:sp>
-        <p:nvSpPr>
-          <p:cNvPr id="46" name="テキスト ボックス 45"/>
-          <p:cNvSpPr txBox="1"/>
-          <p:nvPr/>
-        </p:nvSpPr>
-        <p:spPr>
-          <a:xfrm>
-            <a:off x="1259095" y="5080344"/>
-            <a:ext cx="10104638" cy="1384995"/>
-          </a:xfrm>
-          <a:prstGeom prst="rect">
-            <a:avLst/>
-          </a:prstGeom>
-        </p:spPr>
-        <p:style>
-          <a:lnRef idx="2">
-            <a:schemeClr val="dk1"/>
-          </a:lnRef>
-          <a:fillRef idx="1">
-            <a:schemeClr val="lt1"/>
-          </a:fillRef>
-          <a:effectRef idx="0">
-            <a:schemeClr val="dk1"/>
-          </a:effectRef>
-          <a:fontRef idx="minor">
-            <a:schemeClr val="dk1"/>
-          </a:fontRef>
-        </p:style>
-        <p:txBody>
-          <a:bodyPr wrap="square" rtlCol="0">
-            <a:spAutoFit/>
-          </a:bodyPr>
-          <a:lstStyle/>
-          <a:p>
-            <a:pPr marL="285750" indent="-285750">
-              <a:buFont typeface="Arial" panose="020B0604020202020204" pitchFamily="34" charset="0"/>
-              <a:buChar char="•"/>
-            </a:pPr>
-            <a:r>
-              <a:rPr lang="ja-JP" altLang="en-US" sz="2800" dirty="0" smtClean="0">
-                <a:latin typeface="ＭＳ Ｐゴシック" panose="020B0600070205080204" pitchFamily="50" charset="-128"/>
-                <a:ea typeface="ＭＳ Ｐゴシック" panose="020B0600070205080204" pitchFamily="50" charset="-128"/>
-              </a:rPr>
-              <a:t>学習フェーズで作成したモデルを用いて予測を行う</a:t>
-            </a:r>
-            <a:endParaRPr lang="en-US" altLang="ja-JP" sz="2800" dirty="0" smtClean="0">
-              <a:latin typeface="ＭＳ Ｐゴシック" panose="020B0600070205080204" pitchFamily="50" charset="-128"/>
-              <a:ea typeface="ＭＳ Ｐゴシック" panose="020B0600070205080204" pitchFamily="50" charset="-128"/>
-            </a:endParaRPr>
-          </a:p>
-          <a:p>
-            <a:pPr marL="285750" indent="-285750">
-              <a:buFont typeface="Arial" panose="020B0604020202020204" pitchFamily="34" charset="0"/>
-              <a:buChar char="•"/>
-            </a:pPr>
-            <a:r>
-              <a:rPr lang="en-US" altLang="ja-JP" sz="2800" dirty="0" smtClean="0">
-                <a:latin typeface="ＭＳ Ｐゴシック" panose="020B0600070205080204" pitchFamily="50" charset="-128"/>
-                <a:ea typeface="ＭＳ Ｐゴシック" panose="020B0600070205080204" pitchFamily="50" charset="-128"/>
-              </a:rPr>
-              <a:t>DB</a:t>
-            </a:r>
-            <a:r>
-              <a:rPr lang="ja-JP" altLang="en-US" sz="2800" dirty="0" smtClean="0">
-                <a:latin typeface="ＭＳ Ｐゴシック" panose="020B0600070205080204" pitchFamily="50" charset="-128"/>
-                <a:ea typeface="ＭＳ Ｐゴシック" panose="020B0600070205080204" pitchFamily="50" charset="-128"/>
-              </a:rPr>
-              <a:t>中のデータから特徴量を抽出し，予測する</a:t>
-            </a:r>
-            <a:endParaRPr lang="en-US" altLang="ja-JP" sz="2800" dirty="0" smtClean="0">
-              <a:latin typeface="ＭＳ Ｐゴシック" panose="020B0600070205080204" pitchFamily="50" charset="-128"/>
-              <a:ea typeface="ＭＳ Ｐゴシック" panose="020B0600070205080204" pitchFamily="50" charset="-128"/>
-            </a:endParaRPr>
-          </a:p>
-          <a:p>
-            <a:pPr marL="285750" indent="-285750">
-              <a:buFont typeface="Arial" panose="020B0604020202020204" pitchFamily="34" charset="0"/>
-              <a:buChar char="•"/>
-            </a:pPr>
-            <a:r>
-              <a:rPr lang="ja-JP" altLang="en-US" sz="2800" dirty="0" smtClean="0">
-                <a:latin typeface="ＭＳ Ｐゴシック" panose="020B0600070205080204" pitchFamily="50" charset="-128"/>
-                <a:ea typeface="ＭＳ Ｐゴシック" panose="020B0600070205080204" pitchFamily="50" charset="-128"/>
-              </a:rPr>
-              <a:t>予測結果を</a:t>
-            </a:r>
-            <a:r>
-              <a:rPr lang="en-US" altLang="ja-JP" sz="2800" dirty="0" smtClean="0">
-                <a:latin typeface="ＭＳ Ｐゴシック" panose="020B0600070205080204" pitchFamily="50" charset="-128"/>
-                <a:ea typeface="ＭＳ Ｐゴシック" panose="020B0600070205080204" pitchFamily="50" charset="-128"/>
-              </a:rPr>
-              <a:t>Web</a:t>
-            </a:r>
-            <a:r>
-              <a:rPr lang="ja-JP" altLang="en-US" sz="2800" dirty="0" smtClean="0">
-                <a:latin typeface="ＭＳ Ｐゴシック" panose="020B0600070205080204" pitchFamily="50" charset="-128"/>
-                <a:ea typeface="ＭＳ Ｐゴシック" panose="020B0600070205080204" pitchFamily="50" charset="-128"/>
-              </a:rPr>
-              <a:t>アプリケーションで利用できる形にして</a:t>
-            </a:r>
-            <a:r>
-              <a:rPr lang="en-US" altLang="ja-JP" sz="2800" dirty="0" smtClean="0">
-                <a:latin typeface="ＭＳ Ｐゴシック" panose="020B0600070205080204" pitchFamily="50" charset="-128"/>
-                <a:ea typeface="ＭＳ Ｐゴシック" panose="020B0600070205080204" pitchFamily="50" charset="-128"/>
-              </a:rPr>
-              <a:t>DB</a:t>
-            </a:r>
-            <a:r>
-              <a:rPr lang="ja-JP" altLang="en-US" sz="2800" dirty="0" smtClean="0">
-                <a:latin typeface="ＭＳ Ｐゴシック" panose="020B0600070205080204" pitchFamily="50" charset="-128"/>
-                <a:ea typeface="ＭＳ Ｐゴシック" panose="020B0600070205080204" pitchFamily="50" charset="-128"/>
-              </a:rPr>
-              <a:t>へ格納</a:t>
-            </a:r>
-            <a:endParaRPr lang="en-US" altLang="ja-JP" sz="2800" dirty="0" smtClean="0">
-              <a:latin typeface="ＭＳ Ｐゴシック" panose="020B0600070205080204" pitchFamily="50" charset="-128"/>
-              <a:ea typeface="ＭＳ Ｐゴシック" panose="020B0600070205080204" pitchFamily="50" charset="-128"/>
-            </a:endParaRPr>
-          </a:p>
-        </p:txBody>
-      </p:sp>
-      <p:sp>
-        <p:nvSpPr>
-          <p:cNvPr id="11" name="スライド番号プレースホルダー 10"/>
+          <p:cNvPr id="4" name="スライド番号プレースホルダー 3"/>
           <p:cNvSpPr>
             <a:spLocks noGrp="1"/>
           </p:cNvSpPr>
@@ -17696,7 +17592,7 @@
     </p:spTree>
     <p:extLst>
       <p:ext uri="{BB962C8B-B14F-4D97-AF65-F5344CB8AC3E}">
-        <p14:creationId xmlns:p14="http://schemas.microsoft.com/office/powerpoint/2010/main" val="47203621"/>
+        <p14:creationId xmlns:p14="http://schemas.microsoft.com/office/powerpoint/2010/main" val="4047700794"/>
       </p:ext>
     </p:extLst>
   </p:cSld>
@@ -17733,6 +17629,82 @@
       </p:grpSpPr>
       <p:sp>
         <p:nvSpPr>
+          <p:cNvPr id="10" name="正方形/長方形 9"/>
+          <p:cNvSpPr/>
+          <p:nvPr/>
+        </p:nvSpPr>
+        <p:spPr>
+          <a:xfrm>
+            <a:off x="1926236" y="1146748"/>
+            <a:ext cx="8154649" cy="3657600"/>
+          </a:xfrm>
+          <a:prstGeom prst="rect">
+            <a:avLst/>
+          </a:prstGeom>
+        </p:spPr>
+        <p:style>
+          <a:lnRef idx="2">
+            <a:schemeClr val="dk1"/>
+          </a:lnRef>
+          <a:fillRef idx="1">
+            <a:schemeClr val="lt1"/>
+          </a:fillRef>
+          <a:effectRef idx="0">
+            <a:schemeClr val="dk1"/>
+          </a:effectRef>
+          <a:fontRef idx="minor">
+            <a:schemeClr val="dk1"/>
+          </a:fontRef>
+        </p:style>
+        <p:txBody>
+          <a:bodyPr rtlCol="0" anchor="ctr"/>
+          <a:lstStyle/>
+          <a:p>
+            <a:pPr algn="ctr"/>
+            <a:endParaRPr kumimoji="1" lang="ja-JP" altLang="en-US"/>
+          </a:p>
+        </p:txBody>
+      </p:sp>
+      <p:sp>
+        <p:nvSpPr>
+          <p:cNvPr id="32" name="角丸四角形 31"/>
+          <p:cNvSpPr/>
+          <p:nvPr/>
+        </p:nvSpPr>
+        <p:spPr>
+          <a:xfrm>
+            <a:off x="4834328" y="1587971"/>
+            <a:ext cx="5081666" cy="3038474"/>
+          </a:xfrm>
+          <a:prstGeom prst="roundRect">
+            <a:avLst/>
+          </a:prstGeom>
+        </p:spPr>
+        <p:style>
+          <a:lnRef idx="2">
+            <a:schemeClr val="dk1"/>
+          </a:lnRef>
+          <a:fillRef idx="1">
+            <a:schemeClr val="lt1"/>
+          </a:fillRef>
+          <a:effectRef idx="0">
+            <a:schemeClr val="dk1"/>
+          </a:effectRef>
+          <a:fontRef idx="minor">
+            <a:schemeClr val="dk1"/>
+          </a:fontRef>
+        </p:style>
+        <p:txBody>
+          <a:bodyPr rtlCol="0" anchor="ctr"/>
+          <a:lstStyle/>
+          <a:p>
+            <a:pPr algn="ctr"/>
+            <a:endParaRPr kumimoji="1" lang="ja-JP" altLang="en-US"/>
+          </a:p>
+        </p:txBody>
+      </p:sp>
+      <p:sp>
+        <p:nvSpPr>
           <p:cNvPr id="2" name="タイトル 1"/>
           <p:cNvSpPr>
             <a:spLocks noGrp="1"/>
@@ -17743,8 +17715,8 @@
         </p:nvSpPr>
         <p:spPr>
           <a:xfrm>
-            <a:off x="494675" y="365125"/>
-            <a:ext cx="11270110" cy="1325563"/>
+            <a:off x="838200" y="-4990"/>
+            <a:ext cx="10515600" cy="1325563"/>
           </a:xfrm>
         </p:spPr>
         <p:txBody>
@@ -17754,68 +17726,1083 @@
           <a:lstStyle/>
           <a:p>
             <a:r>
-              <a:rPr lang="en-US" altLang="ja-JP" sz="3600" dirty="0" smtClean="0"/>
-              <a:t>4.2.2 </a:t>
-            </a:r>
-            <a:r>
               <a:rPr lang="ja-JP" altLang="en-US" sz="3600" dirty="0" smtClean="0"/>
-              <a:t>バッチ</a:t>
-            </a:r>
-            <a:r>
-              <a:rPr lang="ja-JP" altLang="en-US" sz="3600" dirty="0"/>
-              <a:t>処理で学習＋予測結果を</a:t>
-            </a:r>
-            <a:r>
-              <a:rPr lang="en-US" altLang="ja-JP" sz="3600" dirty="0"/>
-              <a:t>Web</a:t>
-            </a:r>
-            <a:r>
-              <a:rPr lang="ja-JP" altLang="en-US" sz="3600" dirty="0"/>
-              <a:t>アプリケーションで直接算出する</a:t>
-            </a:r>
-            <a:r>
-              <a:rPr lang="en-US" altLang="ja-JP" sz="3600" dirty="0"/>
-              <a:t>(</a:t>
-            </a:r>
-            <a:r>
-              <a:rPr lang="ja-JP" altLang="en-US" sz="3600" dirty="0"/>
-              <a:t>リアルタイム処理で予測</a:t>
-            </a:r>
-            <a:r>
-              <a:rPr lang="en-US" altLang="ja-JP" sz="3600" dirty="0" smtClean="0"/>
-              <a:t>)</a:t>
+              <a:t>パターン３：予測フェーズ</a:t>
             </a:r>
             <a:endParaRPr kumimoji="1" lang="ja-JP" altLang="en-US" sz="3600" dirty="0"/>
           </a:p>
         </p:txBody>
       </p:sp>
-      <p:pic>
-        <p:nvPicPr>
-          <p:cNvPr id="62" name="図 61"/>
-          <p:cNvPicPr>
-            <a:picLocks noChangeAspect="1"/>
-          </p:cNvPicPr>
+      <p:sp>
+        <p:nvSpPr>
+          <p:cNvPr id="4" name="角丸四角形 3"/>
+          <p:cNvSpPr/>
           <p:nvPr/>
-        </p:nvPicPr>
-        <p:blipFill>
-          <a:blip r:embed="rId2"/>
-          <a:stretch>
-            <a:fillRect/>
-          </a:stretch>
-        </p:blipFill>
+        </p:nvSpPr>
         <p:spPr>
           <a:xfrm>
-            <a:off x="1802715" y="3712191"/>
-            <a:ext cx="8163252" cy="3145809"/>
+            <a:off x="4960043" y="2097056"/>
+            <a:ext cx="2295640" cy="2462797"/>
+          </a:xfrm>
+          <a:prstGeom prst="roundRect">
+            <a:avLst/>
+          </a:prstGeom>
+        </p:spPr>
+        <p:style>
+          <a:lnRef idx="2">
+            <a:schemeClr val="dk1"/>
+          </a:lnRef>
+          <a:fillRef idx="1">
+            <a:schemeClr val="lt1"/>
+          </a:fillRef>
+          <a:effectRef idx="0">
+            <a:schemeClr val="dk1"/>
+          </a:effectRef>
+          <a:fontRef idx="minor">
+            <a:schemeClr val="dk1"/>
+          </a:fontRef>
+        </p:style>
+        <p:txBody>
+          <a:bodyPr rtlCol="0" anchor="ctr"/>
+          <a:lstStyle/>
+          <a:p>
+            <a:pPr algn="ctr"/>
+            <a:endParaRPr kumimoji="1" lang="ja-JP" altLang="en-US"/>
+          </a:p>
+        </p:txBody>
+      </p:sp>
+      <p:sp>
+        <p:nvSpPr>
+          <p:cNvPr id="5" name="角丸四角形 4"/>
+          <p:cNvSpPr/>
+          <p:nvPr/>
+        </p:nvSpPr>
+        <p:spPr>
+          <a:xfrm>
+            <a:off x="7502742" y="2097058"/>
+            <a:ext cx="2268518" cy="2462796"/>
+          </a:xfrm>
+          <a:prstGeom prst="roundRect">
+            <a:avLst/>
+          </a:prstGeom>
+        </p:spPr>
+        <p:style>
+          <a:lnRef idx="2">
+            <a:schemeClr val="dk1"/>
+          </a:lnRef>
+          <a:fillRef idx="1">
+            <a:schemeClr val="lt1"/>
+          </a:fillRef>
+          <a:effectRef idx="0">
+            <a:schemeClr val="dk1"/>
+          </a:effectRef>
+          <a:fontRef idx="minor">
+            <a:schemeClr val="dk1"/>
+          </a:fontRef>
+        </p:style>
+        <p:txBody>
+          <a:bodyPr rtlCol="0" anchor="ctr"/>
+          <a:lstStyle/>
+          <a:p>
+            <a:pPr algn="ctr"/>
+            <a:endParaRPr kumimoji="1" lang="ja-JP" altLang="en-US"/>
+          </a:p>
+        </p:txBody>
+      </p:sp>
+      <p:sp>
+        <p:nvSpPr>
+          <p:cNvPr id="6" name="角丸四角形 5"/>
+          <p:cNvSpPr/>
+          <p:nvPr/>
+        </p:nvSpPr>
+        <p:spPr>
+          <a:xfrm>
+            <a:off x="2113926" y="1567111"/>
+            <a:ext cx="2089252" cy="3059334"/>
+          </a:xfrm>
+          <a:prstGeom prst="roundRect">
+            <a:avLst/>
+          </a:prstGeom>
+        </p:spPr>
+        <p:style>
+          <a:lnRef idx="2">
+            <a:schemeClr val="dk1"/>
+          </a:lnRef>
+          <a:fillRef idx="1">
+            <a:schemeClr val="lt1"/>
+          </a:fillRef>
+          <a:effectRef idx="0">
+            <a:schemeClr val="dk1"/>
+          </a:effectRef>
+          <a:fontRef idx="minor">
+            <a:schemeClr val="dk1"/>
+          </a:fontRef>
+        </p:style>
+        <p:txBody>
+          <a:bodyPr rtlCol="0" anchor="ctr"/>
+          <a:lstStyle/>
+          <a:p>
+            <a:pPr algn="ctr"/>
+            <a:endParaRPr kumimoji="1" lang="ja-JP" altLang="en-US"/>
+          </a:p>
+        </p:txBody>
+      </p:sp>
+      <p:sp>
+        <p:nvSpPr>
+          <p:cNvPr id="7" name="テキスト ボックス 6"/>
+          <p:cNvSpPr txBox="1"/>
+          <p:nvPr/>
+        </p:nvSpPr>
+        <p:spPr>
+          <a:xfrm>
+            <a:off x="2462954" y="1329507"/>
+            <a:ext cx="1407731" cy="646331"/>
           </a:xfrm>
           <a:prstGeom prst="rect">
             <a:avLst/>
           </a:prstGeom>
         </p:spPr>
-      </p:pic>
-      <p:sp>
-        <p:nvSpPr>
-          <p:cNvPr id="3" name="スライド番号プレースホルダー 2"/>
+        <p:style>
+          <a:lnRef idx="2">
+            <a:schemeClr val="dk1"/>
+          </a:lnRef>
+          <a:fillRef idx="1">
+            <a:schemeClr val="lt1"/>
+          </a:fillRef>
+          <a:effectRef idx="0">
+            <a:schemeClr val="dk1"/>
+          </a:effectRef>
+          <a:fontRef idx="minor">
+            <a:schemeClr val="dk1"/>
+          </a:fontRef>
+        </p:style>
+        <p:txBody>
+          <a:bodyPr wrap="square" rtlCol="0">
+            <a:spAutoFit/>
+          </a:bodyPr>
+          <a:lstStyle/>
+          <a:p>
+            <a:r>
+              <a:rPr kumimoji="1" lang="en-US" altLang="ja-JP" b="1" dirty="0" smtClean="0"/>
+              <a:t>Web</a:t>
+            </a:r>
+            <a:r>
+              <a:rPr kumimoji="1" lang="ja-JP" altLang="en-US" b="1" dirty="0" smtClean="0"/>
+              <a:t>アプリ</a:t>
+            </a:r>
+            <a:endParaRPr kumimoji="1" lang="en-US" altLang="ja-JP" b="1" dirty="0" smtClean="0"/>
+          </a:p>
+          <a:p>
+            <a:r>
+              <a:rPr kumimoji="1" lang="ja-JP" altLang="en-US" b="1" dirty="0" smtClean="0"/>
+              <a:t>ケーション</a:t>
+            </a:r>
+            <a:endParaRPr kumimoji="1" lang="ja-JP" altLang="en-US" b="1" dirty="0"/>
+          </a:p>
+        </p:txBody>
+      </p:sp>
+      <p:sp>
+        <p:nvSpPr>
+          <p:cNvPr id="8" name="角丸四角形 7"/>
+          <p:cNvSpPr/>
+          <p:nvPr/>
+        </p:nvSpPr>
+        <p:spPr>
+          <a:xfrm>
+            <a:off x="6494635" y="2471615"/>
+            <a:ext cx="1769155" cy="552238"/>
+          </a:xfrm>
+          <a:prstGeom prst="roundRect">
+            <a:avLst/>
+          </a:prstGeom>
+        </p:spPr>
+        <p:style>
+          <a:lnRef idx="1">
+            <a:schemeClr val="accent1"/>
+          </a:lnRef>
+          <a:fillRef idx="2">
+            <a:schemeClr val="accent1"/>
+          </a:fillRef>
+          <a:effectRef idx="1">
+            <a:schemeClr val="accent1"/>
+          </a:effectRef>
+          <a:fontRef idx="minor">
+            <a:schemeClr val="dk1"/>
+          </a:fontRef>
+        </p:style>
+        <p:txBody>
+          <a:bodyPr rtlCol="0" anchor="ctr"/>
+          <a:lstStyle/>
+          <a:p>
+            <a:pPr algn="ctr"/>
+            <a:r>
+              <a:rPr kumimoji="1" lang="ja-JP" altLang="en-US" sz="2000" b="1" dirty="0" smtClean="0"/>
+              <a:t>予測モデル</a:t>
+            </a:r>
+            <a:endParaRPr kumimoji="1" lang="ja-JP" altLang="en-US" sz="2000" b="1" dirty="0"/>
+          </a:p>
+        </p:txBody>
+      </p:sp>
+      <p:sp>
+        <p:nvSpPr>
+          <p:cNvPr id="9" name="角丸四角形 8"/>
+          <p:cNvSpPr/>
+          <p:nvPr/>
+        </p:nvSpPr>
+        <p:spPr>
+          <a:xfrm>
+            <a:off x="3433844" y="3269900"/>
+            <a:ext cx="2119243" cy="546838"/>
+          </a:xfrm>
+          <a:prstGeom prst="roundRect">
+            <a:avLst/>
+          </a:prstGeom>
+        </p:spPr>
+        <p:style>
+          <a:lnRef idx="1">
+            <a:schemeClr val="accent1"/>
+          </a:lnRef>
+          <a:fillRef idx="2">
+            <a:schemeClr val="accent1"/>
+          </a:fillRef>
+          <a:effectRef idx="1">
+            <a:schemeClr val="accent1"/>
+          </a:effectRef>
+          <a:fontRef idx="minor">
+            <a:schemeClr val="dk1"/>
+          </a:fontRef>
+        </p:style>
+        <p:txBody>
+          <a:bodyPr rtlCol="0" anchor="ctr"/>
+          <a:lstStyle/>
+          <a:p>
+            <a:pPr algn="ctr"/>
+            <a:r>
+              <a:rPr lang="en-US" altLang="ja-JP" sz="2000" b="1" dirty="0" smtClean="0"/>
+              <a:t>D</a:t>
+            </a:r>
+            <a:r>
+              <a:rPr lang="en-US" altLang="ja-JP" sz="2000" b="1" dirty="0"/>
+              <a:t>B</a:t>
+            </a:r>
+            <a:endParaRPr kumimoji="1" lang="ja-JP" altLang="en-US" sz="2000" b="1" dirty="0"/>
+          </a:p>
+        </p:txBody>
+      </p:sp>
+      <p:sp>
+        <p:nvSpPr>
+          <p:cNvPr id="14" name="テキスト ボックス 13"/>
+          <p:cNvSpPr txBox="1"/>
+          <p:nvPr/>
+        </p:nvSpPr>
+        <p:spPr>
+          <a:xfrm>
+            <a:off x="8257892" y="3204939"/>
+            <a:ext cx="1402456" cy="400110"/>
+          </a:xfrm>
+          <a:prstGeom prst="rect">
+            <a:avLst/>
+          </a:prstGeom>
+        </p:spPr>
+        <p:style>
+          <a:lnRef idx="2">
+            <a:schemeClr val="dk1"/>
+          </a:lnRef>
+          <a:fillRef idx="1">
+            <a:schemeClr val="lt1"/>
+          </a:fillRef>
+          <a:effectRef idx="0">
+            <a:schemeClr val="dk1"/>
+          </a:effectRef>
+          <a:fontRef idx="minor">
+            <a:schemeClr val="dk1"/>
+          </a:fontRef>
+        </p:style>
+        <p:txBody>
+          <a:bodyPr wrap="square" rtlCol="0">
+            <a:spAutoFit/>
+          </a:bodyPr>
+          <a:lstStyle/>
+          <a:p>
+            <a:pPr algn="ctr"/>
+            <a:r>
+              <a:rPr kumimoji="1" lang="ja-JP" altLang="en-US" sz="2000" b="1" dirty="0" smtClean="0"/>
+              <a:t>学習器</a:t>
+            </a:r>
+            <a:endParaRPr kumimoji="1" lang="ja-JP" altLang="en-US" sz="2000" b="1" dirty="0"/>
+          </a:p>
+        </p:txBody>
+      </p:sp>
+      <p:sp>
+        <p:nvSpPr>
+          <p:cNvPr id="15" name="テキスト ボックス 14"/>
+          <p:cNvSpPr txBox="1"/>
+          <p:nvPr/>
+        </p:nvSpPr>
+        <p:spPr>
+          <a:xfrm>
+            <a:off x="6639048" y="3825527"/>
+            <a:ext cx="1812294" cy="400110"/>
+          </a:xfrm>
+          <a:prstGeom prst="rect">
+            <a:avLst/>
+          </a:prstGeom>
+        </p:spPr>
+        <p:style>
+          <a:lnRef idx="1">
+            <a:schemeClr val="accent1"/>
+          </a:lnRef>
+          <a:fillRef idx="2">
+            <a:schemeClr val="accent1"/>
+          </a:fillRef>
+          <a:effectRef idx="1">
+            <a:schemeClr val="accent1"/>
+          </a:effectRef>
+          <a:fontRef idx="minor">
+            <a:schemeClr val="dk1"/>
+          </a:fontRef>
+        </p:style>
+        <p:txBody>
+          <a:bodyPr wrap="square" rtlCol="0">
+            <a:spAutoFit/>
+          </a:bodyPr>
+          <a:lstStyle/>
+          <a:p>
+            <a:pPr algn="ctr"/>
+            <a:r>
+              <a:rPr lang="ja-JP" altLang="en-US" sz="2000" b="1" dirty="0" smtClean="0"/>
+              <a:t>特徴抽出</a:t>
+            </a:r>
+            <a:r>
+              <a:rPr lang="ja-JP" altLang="en-US" sz="2000" b="1" dirty="0"/>
+              <a:t>器</a:t>
+            </a:r>
+            <a:endParaRPr kumimoji="1" lang="ja-JP" altLang="en-US" sz="2000" b="1" dirty="0"/>
+          </a:p>
+        </p:txBody>
+      </p:sp>
+      <p:cxnSp>
+        <p:nvCxnSpPr>
+          <p:cNvPr id="16" name="直線矢印コネクタ 15"/>
+          <p:cNvCxnSpPr/>
+          <p:nvPr/>
+        </p:nvCxnSpPr>
+        <p:spPr>
+          <a:xfrm flipH="1">
+            <a:off x="8353043" y="2751039"/>
+            <a:ext cx="718968" cy="0"/>
+          </a:xfrm>
+          <a:prstGeom prst="straightConnector1">
+            <a:avLst/>
+          </a:prstGeom>
+          <a:ln>
+            <a:tailEnd type="triangle"/>
+          </a:ln>
+        </p:spPr>
+        <p:style>
+          <a:lnRef idx="1">
+            <a:schemeClr val="dk1"/>
+          </a:lnRef>
+          <a:fillRef idx="0">
+            <a:schemeClr val="dk1"/>
+          </a:fillRef>
+          <a:effectRef idx="0">
+            <a:schemeClr val="dk1"/>
+          </a:effectRef>
+          <a:fontRef idx="minor">
+            <a:schemeClr val="tx1"/>
+          </a:fontRef>
+        </p:style>
+      </p:cxnSp>
+      <p:cxnSp>
+        <p:nvCxnSpPr>
+          <p:cNvPr id="17" name="直線矢印コネクタ 16"/>
+          <p:cNvCxnSpPr/>
+          <p:nvPr/>
+        </p:nvCxnSpPr>
+        <p:spPr>
+          <a:xfrm flipV="1">
+            <a:off x="9072011" y="3698663"/>
+            <a:ext cx="0" cy="370060"/>
+          </a:xfrm>
+          <a:prstGeom prst="straightConnector1">
+            <a:avLst/>
+          </a:prstGeom>
+          <a:ln>
+            <a:tailEnd type="triangle"/>
+          </a:ln>
+        </p:spPr>
+        <p:style>
+          <a:lnRef idx="1">
+            <a:schemeClr val="dk1"/>
+          </a:lnRef>
+          <a:fillRef idx="0">
+            <a:schemeClr val="dk1"/>
+          </a:fillRef>
+          <a:effectRef idx="0">
+            <a:schemeClr val="dk1"/>
+          </a:effectRef>
+          <a:fontRef idx="minor">
+            <a:schemeClr val="tx1"/>
+          </a:fontRef>
+        </p:style>
+      </p:cxnSp>
+      <p:sp>
+        <p:nvSpPr>
+          <p:cNvPr id="18" name="テキスト ボックス 17"/>
+          <p:cNvSpPr txBox="1"/>
+          <p:nvPr/>
+        </p:nvSpPr>
+        <p:spPr>
+          <a:xfrm>
+            <a:off x="8712527" y="4069451"/>
+            <a:ext cx="921895" cy="369332"/>
+          </a:xfrm>
+          <a:prstGeom prst="rect">
+            <a:avLst/>
+          </a:prstGeom>
+          <a:noFill/>
+          <a:ln>
+            <a:noFill/>
+          </a:ln>
+        </p:spPr>
+        <p:txBody>
+          <a:bodyPr wrap="square" rtlCol="0">
+            <a:spAutoFit/>
+          </a:bodyPr>
+          <a:lstStyle/>
+          <a:p>
+            <a:r>
+              <a:rPr kumimoji="1" lang="ja-JP" altLang="en-US" dirty="0" smtClean="0"/>
+              <a:t>特徴量</a:t>
+            </a:r>
+            <a:endParaRPr kumimoji="1" lang="ja-JP" altLang="en-US" dirty="0"/>
+          </a:p>
+        </p:txBody>
+      </p:sp>
+      <p:sp>
+        <p:nvSpPr>
+          <p:cNvPr id="19" name="テキスト ボックス 18"/>
+          <p:cNvSpPr txBox="1"/>
+          <p:nvPr/>
+        </p:nvSpPr>
+        <p:spPr>
+          <a:xfrm>
+            <a:off x="8511995" y="2364211"/>
+            <a:ext cx="1209520" cy="369332"/>
+          </a:xfrm>
+          <a:prstGeom prst="rect">
+            <a:avLst/>
+          </a:prstGeom>
+          <a:noFill/>
+        </p:spPr>
+        <p:txBody>
+          <a:bodyPr wrap="square" rtlCol="0">
+            <a:spAutoFit/>
+          </a:bodyPr>
+          <a:lstStyle/>
+          <a:p>
+            <a:r>
+              <a:rPr kumimoji="1" lang="ja-JP" altLang="en-US" dirty="0" smtClean="0"/>
+              <a:t>学習結果</a:t>
+            </a:r>
+            <a:endParaRPr kumimoji="1" lang="ja-JP" altLang="en-US" dirty="0"/>
+          </a:p>
+        </p:txBody>
+      </p:sp>
+      <p:sp>
+        <p:nvSpPr>
+          <p:cNvPr id="20" name="テキスト ボックス 19"/>
+          <p:cNvSpPr txBox="1"/>
+          <p:nvPr/>
+        </p:nvSpPr>
+        <p:spPr>
+          <a:xfrm>
+            <a:off x="5256229" y="3913522"/>
+            <a:ext cx="2122983" cy="646331"/>
+          </a:xfrm>
+          <a:prstGeom prst="rect">
+            <a:avLst/>
+          </a:prstGeom>
+          <a:noFill/>
+        </p:spPr>
+        <p:txBody>
+          <a:bodyPr wrap="square" rtlCol="0">
+            <a:spAutoFit/>
+          </a:bodyPr>
+          <a:lstStyle/>
+          <a:p>
+            <a:r>
+              <a:rPr kumimoji="1" lang="ja-JP" altLang="en-US" dirty="0" smtClean="0"/>
+              <a:t>ログ</a:t>
+            </a:r>
+            <a:endParaRPr kumimoji="1" lang="en-US" altLang="ja-JP" dirty="0" smtClean="0"/>
+          </a:p>
+          <a:p>
+            <a:r>
+              <a:rPr lang="ja-JP" altLang="en-US" dirty="0" smtClean="0"/>
+              <a:t>ユーザー情報</a:t>
+            </a:r>
+            <a:endParaRPr kumimoji="1" lang="ja-JP" altLang="en-US" dirty="0"/>
+          </a:p>
+        </p:txBody>
+      </p:sp>
+      <p:sp>
+        <p:nvSpPr>
+          <p:cNvPr id="21" name="テキスト ボックス 20"/>
+          <p:cNvSpPr txBox="1"/>
+          <p:nvPr/>
+        </p:nvSpPr>
+        <p:spPr>
+          <a:xfrm>
+            <a:off x="7715106" y="1916865"/>
+            <a:ext cx="1843790" cy="369332"/>
+          </a:xfrm>
+          <a:prstGeom prst="rect">
+            <a:avLst/>
+          </a:prstGeom>
+        </p:spPr>
+        <p:style>
+          <a:lnRef idx="2">
+            <a:schemeClr val="dk1"/>
+          </a:lnRef>
+          <a:fillRef idx="1">
+            <a:schemeClr val="lt1"/>
+          </a:fillRef>
+          <a:effectRef idx="0">
+            <a:schemeClr val="dk1"/>
+          </a:effectRef>
+          <a:fontRef idx="minor">
+            <a:schemeClr val="dk1"/>
+          </a:fontRef>
+        </p:style>
+        <p:txBody>
+          <a:bodyPr wrap="square" rtlCol="0">
+            <a:spAutoFit/>
+          </a:bodyPr>
+          <a:lstStyle/>
+          <a:p>
+            <a:pPr algn="ctr"/>
+            <a:r>
+              <a:rPr kumimoji="1" lang="ja-JP" altLang="en-US" b="1" dirty="0" smtClean="0"/>
+              <a:t>学習バッチ</a:t>
+            </a:r>
+            <a:endParaRPr kumimoji="1" lang="ja-JP" altLang="en-US" b="1" dirty="0"/>
+          </a:p>
+        </p:txBody>
+      </p:sp>
+      <p:cxnSp>
+        <p:nvCxnSpPr>
+          <p:cNvPr id="23" name="直線コネクタ 22"/>
+          <p:cNvCxnSpPr/>
+          <p:nvPr/>
+        </p:nvCxnSpPr>
+        <p:spPr>
+          <a:xfrm flipH="1">
+            <a:off x="8499913" y="4068723"/>
+            <a:ext cx="572098" cy="0"/>
+          </a:xfrm>
+          <a:prstGeom prst="line">
+            <a:avLst/>
+          </a:prstGeom>
+          <a:ln>
+            <a:solidFill>
+              <a:schemeClr val="tx1"/>
+            </a:solidFill>
+          </a:ln>
+        </p:spPr>
+        <p:style>
+          <a:lnRef idx="1">
+            <a:schemeClr val="accent1"/>
+          </a:lnRef>
+          <a:fillRef idx="0">
+            <a:schemeClr val="accent1"/>
+          </a:fillRef>
+          <a:effectRef idx="0">
+            <a:schemeClr val="accent1"/>
+          </a:effectRef>
+          <a:fontRef idx="minor">
+            <a:schemeClr val="tx1"/>
+          </a:fontRef>
+        </p:style>
+      </p:cxnSp>
+      <p:cxnSp>
+        <p:nvCxnSpPr>
+          <p:cNvPr id="24" name="直線コネクタ 23"/>
+          <p:cNvCxnSpPr/>
+          <p:nvPr/>
+        </p:nvCxnSpPr>
+        <p:spPr>
+          <a:xfrm flipV="1">
+            <a:off x="9072011" y="2747735"/>
+            <a:ext cx="0" cy="445198"/>
+          </a:xfrm>
+          <a:prstGeom prst="line">
+            <a:avLst/>
+          </a:prstGeom>
+          <a:ln>
+            <a:solidFill>
+              <a:schemeClr val="tx1"/>
+            </a:solidFill>
+          </a:ln>
+        </p:spPr>
+        <p:style>
+          <a:lnRef idx="1">
+            <a:schemeClr val="accent1"/>
+          </a:lnRef>
+          <a:fillRef idx="0">
+            <a:schemeClr val="accent1"/>
+          </a:fillRef>
+          <a:effectRef idx="0">
+            <a:schemeClr val="accent1"/>
+          </a:effectRef>
+          <a:fontRef idx="minor">
+            <a:schemeClr val="tx1"/>
+          </a:fontRef>
+        </p:style>
+      </p:cxnSp>
+      <p:sp>
+        <p:nvSpPr>
+          <p:cNvPr id="25" name="テキスト ボックス 24"/>
+          <p:cNvSpPr txBox="1"/>
+          <p:nvPr/>
+        </p:nvSpPr>
+        <p:spPr>
+          <a:xfrm>
+            <a:off x="5112559" y="1911638"/>
+            <a:ext cx="1859802" cy="369332"/>
+          </a:xfrm>
+          <a:prstGeom prst="rect">
+            <a:avLst/>
+          </a:prstGeom>
+        </p:spPr>
+        <p:style>
+          <a:lnRef idx="1">
+            <a:schemeClr val="accent1"/>
+          </a:lnRef>
+          <a:fillRef idx="2">
+            <a:schemeClr val="accent1"/>
+          </a:fillRef>
+          <a:effectRef idx="1">
+            <a:schemeClr val="accent1"/>
+          </a:effectRef>
+          <a:fontRef idx="minor">
+            <a:schemeClr val="dk1"/>
+          </a:fontRef>
+        </p:style>
+        <p:txBody>
+          <a:bodyPr wrap="square" rtlCol="0">
+            <a:spAutoFit/>
+          </a:bodyPr>
+          <a:lstStyle/>
+          <a:p>
+            <a:pPr algn="ctr"/>
+            <a:r>
+              <a:rPr kumimoji="1" lang="ja-JP" altLang="en-US" b="1" dirty="0" smtClean="0"/>
+              <a:t>予測</a:t>
+            </a:r>
+            <a:r>
+              <a:rPr lang="ja-JP" altLang="en-US" b="1" dirty="0"/>
+              <a:t>バッチ</a:t>
+            </a:r>
+            <a:endParaRPr kumimoji="1" lang="ja-JP" altLang="en-US" b="1" dirty="0"/>
+          </a:p>
+        </p:txBody>
+      </p:sp>
+      <p:cxnSp>
+        <p:nvCxnSpPr>
+          <p:cNvPr id="26" name="直線矢印コネクタ 25"/>
+          <p:cNvCxnSpPr/>
+          <p:nvPr/>
+        </p:nvCxnSpPr>
+        <p:spPr>
+          <a:xfrm flipH="1">
+            <a:off x="5536587" y="2702859"/>
+            <a:ext cx="847136" cy="567041"/>
+          </a:xfrm>
+          <a:prstGeom prst="straightConnector1">
+            <a:avLst/>
+          </a:prstGeom>
+          <a:ln>
+            <a:tailEnd type="triangle"/>
+          </a:ln>
+        </p:spPr>
+        <p:style>
+          <a:lnRef idx="1">
+            <a:schemeClr val="dk1"/>
+          </a:lnRef>
+          <a:fillRef idx="0">
+            <a:schemeClr val="dk1"/>
+          </a:fillRef>
+          <a:effectRef idx="0">
+            <a:schemeClr val="dk1"/>
+          </a:effectRef>
+          <a:fontRef idx="minor">
+            <a:schemeClr val="tx1"/>
+          </a:fontRef>
+        </p:style>
+      </p:cxnSp>
+      <p:cxnSp>
+        <p:nvCxnSpPr>
+          <p:cNvPr id="27" name="直線矢印コネクタ 26"/>
+          <p:cNvCxnSpPr/>
+          <p:nvPr/>
+        </p:nvCxnSpPr>
+        <p:spPr>
+          <a:xfrm flipV="1">
+            <a:off x="7004489" y="3065711"/>
+            <a:ext cx="0" cy="740119"/>
+          </a:xfrm>
+          <a:prstGeom prst="straightConnector1">
+            <a:avLst/>
+          </a:prstGeom>
+          <a:ln>
+            <a:tailEnd type="triangle"/>
+          </a:ln>
+        </p:spPr>
+        <p:style>
+          <a:lnRef idx="1">
+            <a:schemeClr val="dk1"/>
+          </a:lnRef>
+          <a:fillRef idx="0">
+            <a:schemeClr val="dk1"/>
+          </a:fillRef>
+          <a:effectRef idx="0">
+            <a:schemeClr val="dk1"/>
+          </a:effectRef>
+          <a:fontRef idx="minor">
+            <a:schemeClr val="tx1"/>
+          </a:fontRef>
+        </p:style>
+      </p:cxnSp>
+      <p:cxnSp>
+        <p:nvCxnSpPr>
+          <p:cNvPr id="28" name="直線矢印コネクタ 27"/>
+          <p:cNvCxnSpPr/>
+          <p:nvPr/>
+        </p:nvCxnSpPr>
+        <p:spPr>
+          <a:xfrm>
+            <a:off x="5603859" y="3763491"/>
+            <a:ext cx="991167" cy="275068"/>
+          </a:xfrm>
+          <a:prstGeom prst="straightConnector1">
+            <a:avLst/>
+          </a:prstGeom>
+          <a:ln>
+            <a:tailEnd type="triangle"/>
+          </a:ln>
+        </p:spPr>
+        <p:style>
+          <a:lnRef idx="1">
+            <a:schemeClr val="dk1"/>
+          </a:lnRef>
+          <a:fillRef idx="0">
+            <a:schemeClr val="dk1"/>
+          </a:fillRef>
+          <a:effectRef idx="0">
+            <a:schemeClr val="dk1"/>
+          </a:effectRef>
+          <a:fontRef idx="minor">
+            <a:schemeClr val="tx1"/>
+          </a:fontRef>
+        </p:style>
+      </p:cxnSp>
+      <p:sp>
+        <p:nvSpPr>
+          <p:cNvPr id="29" name="テキスト ボックス 28"/>
+          <p:cNvSpPr txBox="1"/>
+          <p:nvPr/>
+        </p:nvSpPr>
+        <p:spPr>
+          <a:xfrm>
+            <a:off x="6204660" y="3424323"/>
+            <a:ext cx="921895" cy="369332"/>
+          </a:xfrm>
+          <a:prstGeom prst="rect">
+            <a:avLst/>
+          </a:prstGeom>
+          <a:noFill/>
+          <a:ln>
+            <a:noFill/>
+          </a:ln>
+        </p:spPr>
+        <p:txBody>
+          <a:bodyPr wrap="square" rtlCol="0">
+            <a:spAutoFit/>
+          </a:bodyPr>
+          <a:lstStyle/>
+          <a:p>
+            <a:r>
+              <a:rPr kumimoji="1" lang="ja-JP" altLang="en-US" dirty="0" smtClean="0"/>
+              <a:t>特徴量</a:t>
+            </a:r>
+            <a:endParaRPr kumimoji="1" lang="ja-JP" altLang="en-US" dirty="0"/>
+          </a:p>
+        </p:txBody>
+      </p:sp>
+      <p:sp>
+        <p:nvSpPr>
+          <p:cNvPr id="33" name="テキスト ボックス 32"/>
+          <p:cNvSpPr txBox="1"/>
+          <p:nvPr/>
+        </p:nvSpPr>
+        <p:spPr>
+          <a:xfrm>
+            <a:off x="6502547" y="1408435"/>
+            <a:ext cx="1838908" cy="369332"/>
+          </a:xfrm>
+          <a:prstGeom prst="rect">
+            <a:avLst/>
+          </a:prstGeom>
+        </p:spPr>
+        <p:style>
+          <a:lnRef idx="1">
+            <a:schemeClr val="accent1"/>
+          </a:lnRef>
+          <a:fillRef idx="2">
+            <a:schemeClr val="accent1"/>
+          </a:fillRef>
+          <a:effectRef idx="1">
+            <a:schemeClr val="accent1"/>
+          </a:effectRef>
+          <a:fontRef idx="minor">
+            <a:schemeClr val="dk1"/>
+          </a:fontRef>
+        </p:style>
+        <p:txBody>
+          <a:bodyPr wrap="square" rtlCol="0">
+            <a:spAutoFit/>
+          </a:bodyPr>
+          <a:lstStyle/>
+          <a:p>
+            <a:pPr algn="ctr"/>
+            <a:r>
+              <a:rPr kumimoji="1" lang="ja-JP" altLang="en-US" b="1" dirty="0" smtClean="0"/>
+              <a:t>バッチシステム</a:t>
+            </a:r>
+            <a:endParaRPr kumimoji="1" lang="ja-JP" altLang="en-US" b="1" dirty="0"/>
+          </a:p>
+        </p:txBody>
+      </p:sp>
+      <p:sp>
+        <p:nvSpPr>
+          <p:cNvPr id="41" name="テキスト ボックス 40"/>
+          <p:cNvSpPr txBox="1"/>
+          <p:nvPr/>
+        </p:nvSpPr>
+        <p:spPr>
+          <a:xfrm>
+            <a:off x="5101894" y="2571597"/>
+            <a:ext cx="1209520" cy="369332"/>
+          </a:xfrm>
+          <a:prstGeom prst="rect">
+            <a:avLst/>
+          </a:prstGeom>
+          <a:noFill/>
+        </p:spPr>
+        <p:txBody>
+          <a:bodyPr wrap="square" rtlCol="0">
+            <a:spAutoFit/>
+          </a:bodyPr>
+          <a:lstStyle/>
+          <a:p>
+            <a:r>
+              <a:rPr lang="ja-JP" altLang="en-US" dirty="0" smtClean="0"/>
+              <a:t>予測結果</a:t>
+            </a:r>
+            <a:endParaRPr kumimoji="1" lang="ja-JP" altLang="en-US" dirty="0"/>
+          </a:p>
+        </p:txBody>
+      </p:sp>
+      <p:cxnSp>
+        <p:nvCxnSpPr>
+          <p:cNvPr id="43" name="直線矢印コネクタ 42"/>
+          <p:cNvCxnSpPr/>
+          <p:nvPr/>
+        </p:nvCxnSpPr>
+        <p:spPr>
+          <a:xfrm flipH="1">
+            <a:off x="2520116" y="3545358"/>
+            <a:ext cx="782323" cy="0"/>
+          </a:xfrm>
+          <a:prstGeom prst="straightConnector1">
+            <a:avLst/>
+          </a:prstGeom>
+          <a:ln>
+            <a:tailEnd type="triangle"/>
+          </a:ln>
+        </p:spPr>
+        <p:style>
+          <a:lnRef idx="1">
+            <a:schemeClr val="dk1"/>
+          </a:lnRef>
+          <a:fillRef idx="0">
+            <a:schemeClr val="dk1"/>
+          </a:fillRef>
+          <a:effectRef idx="0">
+            <a:schemeClr val="dk1"/>
+          </a:effectRef>
+          <a:fontRef idx="minor">
+            <a:schemeClr val="tx1"/>
+          </a:fontRef>
+        </p:style>
+      </p:cxnSp>
+      <p:sp>
+        <p:nvSpPr>
+          <p:cNvPr id="44" name="テキスト ボックス 43"/>
+          <p:cNvSpPr txBox="1"/>
+          <p:nvPr/>
+        </p:nvSpPr>
+        <p:spPr>
+          <a:xfrm>
+            <a:off x="2361129" y="3113587"/>
+            <a:ext cx="1209520" cy="369332"/>
+          </a:xfrm>
+          <a:prstGeom prst="rect">
+            <a:avLst/>
+          </a:prstGeom>
+          <a:noFill/>
+        </p:spPr>
+        <p:txBody>
+          <a:bodyPr wrap="square" rtlCol="0">
+            <a:spAutoFit/>
+          </a:bodyPr>
+          <a:lstStyle/>
+          <a:p>
+            <a:r>
+              <a:rPr lang="ja-JP" altLang="en-US" dirty="0" smtClean="0"/>
+              <a:t>予測結果</a:t>
+            </a:r>
+            <a:endParaRPr kumimoji="1" lang="ja-JP" altLang="en-US" dirty="0"/>
+          </a:p>
+        </p:txBody>
+      </p:sp>
+      <p:sp>
+        <p:nvSpPr>
+          <p:cNvPr id="46" name="テキスト ボックス 45"/>
+          <p:cNvSpPr txBox="1"/>
+          <p:nvPr/>
+        </p:nvSpPr>
+        <p:spPr>
+          <a:xfrm>
+            <a:off x="1259095" y="5080344"/>
+            <a:ext cx="10104638" cy="1384995"/>
+          </a:xfrm>
+          <a:prstGeom prst="rect">
+            <a:avLst/>
+          </a:prstGeom>
+        </p:spPr>
+        <p:style>
+          <a:lnRef idx="2">
+            <a:schemeClr val="dk1"/>
+          </a:lnRef>
+          <a:fillRef idx="1">
+            <a:schemeClr val="lt1"/>
+          </a:fillRef>
+          <a:effectRef idx="0">
+            <a:schemeClr val="dk1"/>
+          </a:effectRef>
+          <a:fontRef idx="minor">
+            <a:schemeClr val="dk1"/>
+          </a:fontRef>
+        </p:style>
+        <p:txBody>
+          <a:bodyPr wrap="square" rtlCol="0">
+            <a:spAutoFit/>
+          </a:bodyPr>
+          <a:lstStyle/>
+          <a:p>
+            <a:pPr marL="285750" indent="-285750">
+              <a:buFont typeface="Arial" panose="020B0604020202020204" pitchFamily="34" charset="0"/>
+              <a:buChar char="•"/>
+            </a:pPr>
+            <a:r>
+              <a:rPr lang="ja-JP" altLang="en-US" sz="2800" dirty="0" smtClean="0">
+                <a:latin typeface="ＭＳ Ｐゴシック" panose="020B0600070205080204" pitchFamily="50" charset="-128"/>
+                <a:ea typeface="ＭＳ Ｐゴシック" panose="020B0600070205080204" pitchFamily="50" charset="-128"/>
+              </a:rPr>
+              <a:t>学習フェーズで作成したモデルを用いて予測を行う</a:t>
+            </a:r>
+            <a:endParaRPr lang="en-US" altLang="ja-JP" sz="2800" dirty="0" smtClean="0">
+              <a:latin typeface="ＭＳ Ｐゴシック" panose="020B0600070205080204" pitchFamily="50" charset="-128"/>
+              <a:ea typeface="ＭＳ Ｐゴシック" panose="020B0600070205080204" pitchFamily="50" charset="-128"/>
+            </a:endParaRPr>
+          </a:p>
+          <a:p>
+            <a:pPr marL="285750" indent="-285750">
+              <a:buFont typeface="Arial" panose="020B0604020202020204" pitchFamily="34" charset="0"/>
+              <a:buChar char="•"/>
+            </a:pPr>
+            <a:r>
+              <a:rPr lang="en-US" altLang="ja-JP" sz="2800" dirty="0" smtClean="0">
+                <a:latin typeface="ＭＳ Ｐゴシック" panose="020B0600070205080204" pitchFamily="50" charset="-128"/>
+                <a:ea typeface="ＭＳ Ｐゴシック" panose="020B0600070205080204" pitchFamily="50" charset="-128"/>
+              </a:rPr>
+              <a:t>DB</a:t>
+            </a:r>
+            <a:r>
+              <a:rPr lang="ja-JP" altLang="en-US" sz="2800" dirty="0" smtClean="0">
+                <a:latin typeface="ＭＳ Ｐゴシック" panose="020B0600070205080204" pitchFamily="50" charset="-128"/>
+                <a:ea typeface="ＭＳ Ｐゴシック" panose="020B0600070205080204" pitchFamily="50" charset="-128"/>
+              </a:rPr>
+              <a:t>中のデータから特徴量を抽出し，予測する</a:t>
+            </a:r>
+            <a:endParaRPr lang="en-US" altLang="ja-JP" sz="2800" dirty="0" smtClean="0">
+              <a:latin typeface="ＭＳ Ｐゴシック" panose="020B0600070205080204" pitchFamily="50" charset="-128"/>
+              <a:ea typeface="ＭＳ Ｐゴシック" panose="020B0600070205080204" pitchFamily="50" charset="-128"/>
+            </a:endParaRPr>
+          </a:p>
+          <a:p>
+            <a:pPr marL="285750" indent="-285750">
+              <a:buFont typeface="Arial" panose="020B0604020202020204" pitchFamily="34" charset="0"/>
+              <a:buChar char="•"/>
+            </a:pPr>
+            <a:r>
+              <a:rPr lang="ja-JP" altLang="en-US" sz="2800" dirty="0" smtClean="0">
+                <a:latin typeface="ＭＳ Ｐゴシック" panose="020B0600070205080204" pitchFamily="50" charset="-128"/>
+                <a:ea typeface="ＭＳ Ｐゴシック" panose="020B0600070205080204" pitchFamily="50" charset="-128"/>
+              </a:rPr>
+              <a:t>予測結果を</a:t>
+            </a:r>
+            <a:r>
+              <a:rPr lang="en-US" altLang="ja-JP" sz="2800" dirty="0" smtClean="0">
+                <a:latin typeface="ＭＳ Ｐゴシック" panose="020B0600070205080204" pitchFamily="50" charset="-128"/>
+                <a:ea typeface="ＭＳ Ｐゴシック" panose="020B0600070205080204" pitchFamily="50" charset="-128"/>
+              </a:rPr>
+              <a:t>Web</a:t>
+            </a:r>
+            <a:r>
+              <a:rPr lang="ja-JP" altLang="en-US" sz="2800" dirty="0" smtClean="0">
+                <a:latin typeface="ＭＳ Ｐゴシック" panose="020B0600070205080204" pitchFamily="50" charset="-128"/>
+                <a:ea typeface="ＭＳ Ｐゴシック" panose="020B0600070205080204" pitchFamily="50" charset="-128"/>
+              </a:rPr>
+              <a:t>アプリケーションで利用できる形にして</a:t>
+            </a:r>
+            <a:r>
+              <a:rPr lang="en-US" altLang="ja-JP" sz="2800" dirty="0" smtClean="0">
+                <a:latin typeface="ＭＳ Ｐゴシック" panose="020B0600070205080204" pitchFamily="50" charset="-128"/>
+                <a:ea typeface="ＭＳ Ｐゴシック" panose="020B0600070205080204" pitchFamily="50" charset="-128"/>
+              </a:rPr>
+              <a:t>DB</a:t>
+            </a:r>
+            <a:r>
+              <a:rPr lang="ja-JP" altLang="en-US" sz="2800" dirty="0" smtClean="0">
+                <a:latin typeface="ＭＳ Ｐゴシック" panose="020B0600070205080204" pitchFamily="50" charset="-128"/>
+                <a:ea typeface="ＭＳ Ｐゴシック" panose="020B0600070205080204" pitchFamily="50" charset="-128"/>
+              </a:rPr>
+              <a:t>へ格納</a:t>
+            </a:r>
+            <a:endParaRPr lang="en-US" altLang="ja-JP" sz="2800" dirty="0" smtClean="0">
+              <a:latin typeface="ＭＳ Ｐゴシック" panose="020B0600070205080204" pitchFamily="50" charset="-128"/>
+              <a:ea typeface="ＭＳ Ｐゴシック" panose="020B0600070205080204" pitchFamily="50" charset="-128"/>
+            </a:endParaRPr>
+          </a:p>
+        </p:txBody>
+      </p:sp>
+      <p:sp>
+        <p:nvSpPr>
+          <p:cNvPr id="11" name="スライド番号プレースホルダー 10"/>
           <p:cNvSpPr>
             <a:spLocks noGrp="1"/>
           </p:cNvSpPr>
@@ -17839,7 +18826,7 @@
     </p:spTree>
     <p:extLst>
       <p:ext uri="{BB962C8B-B14F-4D97-AF65-F5344CB8AC3E}">
-        <p14:creationId xmlns:p14="http://schemas.microsoft.com/office/powerpoint/2010/main" val="2984906176"/>
+        <p14:creationId xmlns:p14="http://schemas.microsoft.com/office/powerpoint/2010/main" val="47203621"/>
       </p:ext>
     </p:extLst>
   </p:cSld>
@@ -17876,82 +18863,6 @@
       </p:grpSpPr>
       <p:sp>
         <p:nvSpPr>
-          <p:cNvPr id="7" name="正方形/長方形 6"/>
-          <p:cNvSpPr/>
-          <p:nvPr/>
-        </p:nvSpPr>
-        <p:spPr>
-          <a:xfrm>
-            <a:off x="1671403" y="1349115"/>
-            <a:ext cx="8866682" cy="3252865"/>
-          </a:xfrm>
-          <a:prstGeom prst="rect">
-            <a:avLst/>
-          </a:prstGeom>
-        </p:spPr>
-        <p:style>
-          <a:lnRef idx="2">
-            <a:schemeClr val="dk1"/>
-          </a:lnRef>
-          <a:fillRef idx="1">
-            <a:schemeClr val="lt1"/>
-          </a:fillRef>
-          <a:effectRef idx="0">
-            <a:schemeClr val="dk1"/>
-          </a:effectRef>
-          <a:fontRef idx="minor">
-            <a:schemeClr val="dk1"/>
-          </a:fontRef>
-        </p:style>
-        <p:txBody>
-          <a:bodyPr rtlCol="0" anchor="ctr"/>
-          <a:lstStyle/>
-          <a:p>
-            <a:pPr algn="ctr"/>
-            <a:endParaRPr kumimoji="1" lang="ja-JP" altLang="en-US"/>
-          </a:p>
-        </p:txBody>
-      </p:sp>
-      <p:sp>
-        <p:nvSpPr>
-          <p:cNvPr id="27" name="角丸四角形 26"/>
-          <p:cNvSpPr/>
-          <p:nvPr/>
-        </p:nvSpPr>
-        <p:spPr>
-          <a:xfrm>
-            <a:off x="5534279" y="1737811"/>
-            <a:ext cx="2295640" cy="2747637"/>
-          </a:xfrm>
-          <a:prstGeom prst="roundRect">
-            <a:avLst/>
-          </a:prstGeom>
-        </p:spPr>
-        <p:style>
-          <a:lnRef idx="2">
-            <a:schemeClr val="dk1"/>
-          </a:lnRef>
-          <a:fillRef idx="1">
-            <a:schemeClr val="lt1"/>
-          </a:fillRef>
-          <a:effectRef idx="0">
-            <a:schemeClr val="dk1"/>
-          </a:effectRef>
-          <a:fontRef idx="minor">
-            <a:schemeClr val="dk1"/>
-          </a:fontRef>
-        </p:style>
-        <p:txBody>
-          <a:bodyPr rtlCol="0" anchor="ctr"/>
-          <a:lstStyle/>
-          <a:p>
-            <a:pPr algn="ctr"/>
-            <a:endParaRPr kumimoji="1" lang="ja-JP" altLang="en-US"/>
-          </a:p>
-        </p:txBody>
-      </p:sp>
-      <p:sp>
-        <p:nvSpPr>
           <p:cNvPr id="2" name="タイトル 1"/>
           <p:cNvSpPr>
             <a:spLocks noGrp="1"/>
@@ -17962,8 +18873,8 @@
         </p:nvSpPr>
         <p:spPr>
           <a:xfrm>
-            <a:off x="419719" y="132780"/>
-            <a:ext cx="11413761" cy="1325563"/>
+            <a:off x="494675" y="365125"/>
+            <a:ext cx="11270110" cy="1325563"/>
           </a:xfrm>
         </p:spPr>
         <p:txBody>
@@ -17973,27 +18884,27 @@
           <a:lstStyle/>
           <a:p>
             <a:r>
+              <a:rPr lang="en-US" altLang="ja-JP" sz="3600" dirty="0" smtClean="0"/>
+              <a:t>4.2.2 </a:t>
+            </a:r>
+            <a:r>
+              <a:rPr lang="ja-JP" altLang="en-US" sz="3600" dirty="0" smtClean="0"/>
+              <a:t>バッチ</a:t>
+            </a:r>
+            <a:r>
+              <a:rPr lang="ja-JP" altLang="en-US" sz="3600" dirty="0"/>
+              <a:t>処理で学習＋予測結果を</a:t>
+            </a:r>
+            <a:r>
               <a:rPr lang="en-US" altLang="ja-JP" sz="3600" dirty="0"/>
-              <a:t>4.2.2 </a:t>
+              <a:t>Web</a:t>
             </a:r>
             <a:r>
               <a:rPr lang="ja-JP" altLang="en-US" sz="3600" dirty="0"/>
-              <a:t>バッチ処理で学習＋予測結果</a:t>
-            </a:r>
-            <a:r>
-              <a:rPr lang="ja-JP" altLang="en-US" sz="3600" dirty="0" smtClean="0"/>
-              <a:t>を</a:t>
-            </a:r>
-            <a:r>
-              <a:rPr lang="en-US" altLang="ja-JP" sz="3600" dirty="0" smtClean="0"/>
-              <a:t>API</a:t>
-            </a:r>
-            <a:r>
-              <a:rPr lang="ja-JP" altLang="en-US" sz="3600" dirty="0" smtClean="0"/>
-              <a:t>経由で利用する</a:t>
-            </a:r>
-            <a:r>
-              <a:rPr lang="en-US" altLang="ja-JP" sz="3600" dirty="0" smtClean="0"/>
+              <a:t>アプリケーションで直接算出する</a:t>
+            </a:r>
+            <a:r>
+              <a:rPr lang="en-US" altLang="ja-JP" sz="3600" dirty="0"/>
               <a:t>(</a:t>
             </a:r>
             <a:r>
@@ -18001,1074 +18912,40 @@
               <a:t>リアルタイム処理で予測</a:t>
             </a:r>
             <a:r>
-              <a:rPr lang="en-US" altLang="ja-JP" sz="3600" dirty="0"/>
+              <a:rPr lang="en-US" altLang="ja-JP" sz="3600" dirty="0" smtClean="0"/>
               <a:t>)</a:t>
             </a:r>
             <a:endParaRPr kumimoji="1" lang="ja-JP" altLang="en-US" sz="3600" dirty="0"/>
           </a:p>
         </p:txBody>
       </p:sp>
-      <p:sp>
-        <p:nvSpPr>
-          <p:cNvPr id="3" name="コンテンツ プレースホルダー 2"/>
-          <p:cNvSpPr>
-            <a:spLocks noGrp="1"/>
-          </p:cNvSpPr>
-          <p:nvPr>
-            <p:ph idx="1"/>
-          </p:nvPr>
-        </p:nvSpPr>
+      <p:pic>
+        <p:nvPicPr>
+          <p:cNvPr id="62" name="図 61"/>
+          <p:cNvPicPr>
+            <a:picLocks noChangeAspect="1"/>
+          </p:cNvPicPr>
+          <p:nvPr/>
+        </p:nvPicPr>
+        <p:blipFill>
+          <a:blip r:embed="rId2"/>
+          <a:stretch>
+            <a:fillRect/>
+          </a:stretch>
+        </p:blipFill>
         <p:spPr>
           <a:xfrm>
-            <a:off x="812515" y="4732752"/>
-            <a:ext cx="10515600" cy="2579514"/>
-          </a:xfrm>
-        </p:spPr>
-        <p:txBody>
-          <a:bodyPr/>
-          <a:lstStyle/>
-          <a:p>
-            <a:r>
-              <a:rPr lang="ja-JP" altLang="en-US" dirty="0" smtClean="0"/>
-              <a:t>予測処理をラップした</a:t>
-            </a:r>
-            <a:r>
-              <a:rPr lang="en-US" altLang="ja-JP" dirty="0" smtClean="0"/>
-              <a:t>API</a:t>
-            </a:r>
-            <a:r>
-              <a:rPr lang="ja-JP" altLang="en-US" dirty="0" smtClean="0"/>
-              <a:t>サーバーを用意するパターン</a:t>
-            </a:r>
-            <a:endParaRPr lang="en-US" altLang="ja-JP" dirty="0" smtClean="0"/>
-          </a:p>
-          <a:p>
-            <a:pPr lvl="1"/>
-            <a:r>
-              <a:rPr kumimoji="1" lang="en-US" altLang="ja-JP" dirty="0" smtClean="0"/>
-              <a:t>Web</a:t>
-            </a:r>
-            <a:r>
-              <a:rPr kumimoji="1" lang="ja-JP" altLang="en-US" dirty="0" smtClean="0"/>
-              <a:t>アプリケーションから予測結果を利用する場合には</a:t>
-            </a:r>
-            <a:r>
-              <a:rPr kumimoji="1" lang="en-US" altLang="ja-JP" dirty="0" smtClean="0"/>
-              <a:t>API</a:t>
-            </a:r>
-            <a:r>
-              <a:rPr kumimoji="1" lang="ja-JP" altLang="en-US" dirty="0" smtClean="0"/>
-              <a:t>経由のリアルタイム処理で予測を行う</a:t>
-            </a:r>
-            <a:endParaRPr lang="en-US" altLang="ja-JP" dirty="0" smtClean="0"/>
-          </a:p>
-          <a:p>
-            <a:r>
-              <a:rPr kumimoji="1" lang="ja-JP" altLang="en-US" dirty="0" smtClean="0"/>
-              <a:t>特徴</a:t>
-            </a:r>
-            <a:endParaRPr kumimoji="1" lang="en-US" altLang="ja-JP" dirty="0" smtClean="0"/>
-          </a:p>
-          <a:p>
-            <a:pPr lvl="1"/>
-            <a:r>
-              <a:rPr lang="en-US" altLang="ja-JP" dirty="0" smtClean="0"/>
-              <a:t>Web</a:t>
-            </a:r>
-            <a:r>
-              <a:rPr lang="ja-JP" altLang="en-US" dirty="0" smtClean="0"/>
-              <a:t>アプリケーションと機械学習に使うプログラミング言語を分けられる</a:t>
-            </a:r>
-            <a:endParaRPr lang="en-US" altLang="ja-JP" dirty="0" smtClean="0"/>
-          </a:p>
-          <a:p>
-            <a:pPr lvl="1"/>
-            <a:r>
-              <a:rPr kumimoji="1" lang="en-US" altLang="ja-JP" dirty="0" smtClean="0"/>
-              <a:t>Web</a:t>
-            </a:r>
-            <a:r>
-              <a:rPr kumimoji="1" lang="ja-JP" altLang="en-US" dirty="0" smtClean="0"/>
-              <a:t>アプリケーション側のイベントに対してリアルタイム処理で予測</a:t>
-            </a:r>
-            <a:endParaRPr kumimoji="1" lang="en-US" altLang="ja-JP" dirty="0" smtClean="0"/>
-          </a:p>
-        </p:txBody>
-      </p:sp>
-      <p:sp>
-        <p:nvSpPr>
-          <p:cNvPr id="4" name="角丸四角形 3"/>
-          <p:cNvSpPr/>
-          <p:nvPr/>
-        </p:nvSpPr>
-        <p:spPr>
-          <a:xfrm>
-            <a:off x="8076978" y="1737812"/>
-            <a:ext cx="2268518" cy="2747637"/>
-          </a:xfrm>
-          <a:prstGeom prst="roundRect">
-            <a:avLst/>
-          </a:prstGeom>
-        </p:spPr>
-        <p:style>
-          <a:lnRef idx="2">
-            <a:schemeClr val="dk1"/>
-          </a:lnRef>
-          <a:fillRef idx="1">
-            <a:schemeClr val="lt1"/>
-          </a:fillRef>
-          <a:effectRef idx="0">
-            <a:schemeClr val="dk1"/>
-          </a:effectRef>
-          <a:fontRef idx="minor">
-            <a:schemeClr val="dk1"/>
-          </a:fontRef>
-        </p:style>
-        <p:txBody>
-          <a:bodyPr rtlCol="0" anchor="ctr"/>
-          <a:lstStyle/>
-          <a:p>
-            <a:pPr algn="ctr"/>
-            <a:endParaRPr kumimoji="1" lang="ja-JP" altLang="en-US"/>
-          </a:p>
-        </p:txBody>
-      </p:sp>
-      <p:sp>
-        <p:nvSpPr>
-          <p:cNvPr id="5" name="角丸四角形 4"/>
-          <p:cNvSpPr/>
-          <p:nvPr/>
-        </p:nvSpPr>
-        <p:spPr>
-          <a:xfrm>
-            <a:off x="1858602" y="1740517"/>
-            <a:ext cx="2027700" cy="2747636"/>
-          </a:xfrm>
-          <a:prstGeom prst="roundRect">
-            <a:avLst/>
-          </a:prstGeom>
-        </p:spPr>
-        <p:style>
-          <a:lnRef idx="2">
-            <a:schemeClr val="dk1"/>
-          </a:lnRef>
-          <a:fillRef idx="1">
-            <a:schemeClr val="lt1"/>
-          </a:fillRef>
-          <a:effectRef idx="0">
-            <a:schemeClr val="dk1"/>
-          </a:effectRef>
-          <a:fontRef idx="minor">
-            <a:schemeClr val="dk1"/>
-          </a:fontRef>
-        </p:style>
-        <p:txBody>
-          <a:bodyPr rtlCol="0" anchor="ctr"/>
-          <a:lstStyle/>
-          <a:p>
-            <a:pPr algn="ctr"/>
-            <a:endParaRPr kumimoji="1" lang="ja-JP" altLang="en-US"/>
-          </a:p>
-        </p:txBody>
-      </p:sp>
-      <p:sp>
-        <p:nvSpPr>
-          <p:cNvPr id="6" name="テキスト ボックス 5"/>
-          <p:cNvSpPr txBox="1"/>
-          <p:nvPr/>
-        </p:nvSpPr>
-        <p:spPr>
-          <a:xfrm>
-            <a:off x="2173446" y="1413893"/>
-            <a:ext cx="1407731" cy="646331"/>
+            <a:off x="1802715" y="3712191"/>
+            <a:ext cx="8163252" cy="3145809"/>
           </a:xfrm>
           <a:prstGeom prst="rect">
             <a:avLst/>
           </a:prstGeom>
         </p:spPr>
-        <p:style>
-          <a:lnRef idx="2">
-            <a:schemeClr val="dk1"/>
-          </a:lnRef>
-          <a:fillRef idx="1">
-            <a:schemeClr val="lt1"/>
-          </a:fillRef>
-          <a:effectRef idx="0">
-            <a:schemeClr val="dk1"/>
-          </a:effectRef>
-          <a:fontRef idx="minor">
-            <a:schemeClr val="dk1"/>
-          </a:fontRef>
-        </p:style>
-        <p:txBody>
-          <a:bodyPr wrap="square" rtlCol="0">
-            <a:spAutoFit/>
-          </a:bodyPr>
-          <a:lstStyle/>
-          <a:p>
-            <a:r>
-              <a:rPr kumimoji="1" lang="en-US" altLang="ja-JP" dirty="0" smtClean="0"/>
-              <a:t>Web</a:t>
-            </a:r>
-            <a:r>
-              <a:rPr kumimoji="1" lang="ja-JP" altLang="en-US" dirty="0" smtClean="0"/>
-              <a:t>アプリ</a:t>
-            </a:r>
-            <a:endParaRPr kumimoji="1" lang="en-US" altLang="ja-JP" dirty="0" smtClean="0"/>
-          </a:p>
-          <a:p>
-            <a:r>
-              <a:rPr kumimoji="1" lang="ja-JP" altLang="en-US" dirty="0" smtClean="0"/>
-              <a:t>ケーション</a:t>
-            </a:r>
-            <a:endParaRPr kumimoji="1" lang="ja-JP" altLang="en-US" dirty="0"/>
-          </a:p>
-        </p:txBody>
-      </p:sp>
-      <p:sp>
-        <p:nvSpPr>
-          <p:cNvPr id="9" name="角丸四角形 8"/>
-          <p:cNvSpPr/>
-          <p:nvPr/>
-        </p:nvSpPr>
-        <p:spPr>
-          <a:xfrm>
-            <a:off x="6911958" y="2374374"/>
-            <a:ext cx="1769155" cy="552238"/>
-          </a:xfrm>
-          <a:prstGeom prst="roundRect">
-            <a:avLst/>
-          </a:prstGeom>
-        </p:spPr>
-        <p:style>
-          <a:lnRef idx="2">
-            <a:schemeClr val="dk1"/>
-          </a:lnRef>
-          <a:fillRef idx="1">
-            <a:schemeClr val="lt1"/>
-          </a:fillRef>
-          <a:effectRef idx="0">
-            <a:schemeClr val="dk1"/>
-          </a:effectRef>
-          <a:fontRef idx="minor">
-            <a:schemeClr val="dk1"/>
-          </a:fontRef>
-        </p:style>
-        <p:txBody>
-          <a:bodyPr rtlCol="0" anchor="ctr"/>
-          <a:lstStyle/>
-          <a:p>
-            <a:pPr algn="ctr"/>
-            <a:r>
-              <a:rPr kumimoji="1" lang="ja-JP" altLang="en-US" dirty="0" smtClean="0"/>
-              <a:t>予測モデル</a:t>
-            </a:r>
-            <a:endParaRPr kumimoji="1" lang="ja-JP" altLang="en-US" dirty="0"/>
-          </a:p>
-        </p:txBody>
-      </p:sp>
-      <p:sp>
-        <p:nvSpPr>
-          <p:cNvPr id="10" name="角丸四角形 9"/>
-          <p:cNvSpPr/>
-          <p:nvPr/>
-        </p:nvSpPr>
-        <p:spPr>
-          <a:xfrm>
-            <a:off x="3661756" y="3592973"/>
-            <a:ext cx="2119243" cy="546838"/>
-          </a:xfrm>
-          <a:prstGeom prst="roundRect">
-            <a:avLst/>
-          </a:prstGeom>
-        </p:spPr>
-        <p:style>
-          <a:lnRef idx="2">
-            <a:schemeClr val="dk1"/>
-          </a:lnRef>
-          <a:fillRef idx="1">
-            <a:schemeClr val="lt1"/>
-          </a:fillRef>
-          <a:effectRef idx="0">
-            <a:schemeClr val="dk1"/>
-          </a:effectRef>
-          <a:fontRef idx="minor">
-            <a:schemeClr val="dk1"/>
-          </a:fontRef>
-        </p:style>
-        <p:txBody>
-          <a:bodyPr rtlCol="0" anchor="ctr"/>
-          <a:lstStyle/>
-          <a:p>
-            <a:pPr algn="ctr"/>
-            <a:r>
-              <a:rPr lang="en-US" altLang="ja-JP" sz="3200" dirty="0" smtClean="0"/>
-              <a:t>D</a:t>
-            </a:r>
-            <a:r>
-              <a:rPr lang="en-US" altLang="ja-JP" sz="3200" dirty="0"/>
-              <a:t>B</a:t>
-            </a:r>
-            <a:endParaRPr kumimoji="1" lang="ja-JP" altLang="en-US" sz="3200" dirty="0"/>
-          </a:p>
-        </p:txBody>
-      </p:sp>
-      <p:cxnSp>
-        <p:nvCxnSpPr>
-          <p:cNvPr id="11" name="直線矢印コネクタ 10"/>
-          <p:cNvCxnSpPr/>
-          <p:nvPr/>
-        </p:nvCxnSpPr>
-        <p:spPr>
-          <a:xfrm>
-            <a:off x="3908358" y="2565530"/>
-            <a:ext cx="1191006" cy="0"/>
-          </a:xfrm>
-          <a:prstGeom prst="straightConnector1">
-            <a:avLst/>
-          </a:prstGeom>
-          <a:ln>
-            <a:solidFill>
-              <a:schemeClr val="tx1"/>
-            </a:solidFill>
-            <a:tailEnd type="triangle"/>
-          </a:ln>
-        </p:spPr>
-        <p:style>
-          <a:lnRef idx="1">
-            <a:schemeClr val="accent1"/>
-          </a:lnRef>
-          <a:fillRef idx="0">
-            <a:schemeClr val="accent1"/>
-          </a:fillRef>
-          <a:effectRef idx="0">
-            <a:schemeClr val="accent1"/>
-          </a:effectRef>
-          <a:fontRef idx="minor">
-            <a:schemeClr val="tx1"/>
-          </a:fontRef>
-        </p:style>
-      </p:cxnSp>
-      <p:sp>
-        <p:nvSpPr>
-          <p:cNvPr id="13" name="テキスト ボックス 12"/>
-          <p:cNvSpPr txBox="1"/>
-          <p:nvPr/>
-        </p:nvSpPr>
-        <p:spPr>
-          <a:xfrm>
-            <a:off x="3907522" y="2659470"/>
-            <a:ext cx="1713137" cy="646331"/>
-          </a:xfrm>
-          <a:prstGeom prst="rect">
-            <a:avLst/>
-          </a:prstGeom>
-          <a:noFill/>
-          <a:ln>
-            <a:noFill/>
-          </a:ln>
-        </p:spPr>
-        <p:txBody>
-          <a:bodyPr wrap="square" rtlCol="0">
-            <a:spAutoFit/>
-          </a:bodyPr>
-          <a:lstStyle/>
-          <a:p>
-            <a:r>
-              <a:rPr lang="ja-JP" altLang="en-US" dirty="0" smtClean="0"/>
-              <a:t>ユーザー</a:t>
-            </a:r>
-            <a:r>
-              <a:rPr lang="en-US" altLang="ja-JP" dirty="0" smtClean="0"/>
-              <a:t>ID</a:t>
-            </a:r>
-          </a:p>
-          <a:p>
-            <a:r>
-              <a:rPr lang="ja-JP" altLang="en-US" dirty="0" smtClean="0"/>
-              <a:t>商品</a:t>
-            </a:r>
-            <a:r>
-              <a:rPr lang="en-US" altLang="ja-JP" dirty="0" smtClean="0"/>
-              <a:t>ID</a:t>
-            </a:r>
-            <a:endParaRPr kumimoji="1" lang="ja-JP" altLang="en-US" dirty="0"/>
-          </a:p>
-        </p:txBody>
-      </p:sp>
-      <p:sp>
-        <p:nvSpPr>
-          <p:cNvPr id="14" name="テキスト ボックス 13"/>
-          <p:cNvSpPr txBox="1"/>
-          <p:nvPr/>
-        </p:nvSpPr>
-        <p:spPr>
-          <a:xfrm>
-            <a:off x="3908358" y="1968381"/>
-            <a:ext cx="1282906" cy="369332"/>
-          </a:xfrm>
-          <a:prstGeom prst="rect">
-            <a:avLst/>
-          </a:prstGeom>
-          <a:noFill/>
-        </p:spPr>
-        <p:txBody>
-          <a:bodyPr wrap="square" rtlCol="0">
-            <a:spAutoFit/>
-          </a:bodyPr>
-          <a:lstStyle/>
-          <a:p>
-            <a:r>
-              <a:rPr lang="ja-JP" altLang="en-US" dirty="0" smtClean="0"/>
-              <a:t>予測</a:t>
-            </a:r>
-            <a:r>
-              <a:rPr lang="ja-JP" altLang="en-US" dirty="0"/>
-              <a:t>結果</a:t>
-            </a:r>
-            <a:endParaRPr kumimoji="1" lang="ja-JP" altLang="en-US" dirty="0"/>
-          </a:p>
-        </p:txBody>
-      </p:sp>
-      <p:cxnSp>
-        <p:nvCxnSpPr>
-          <p:cNvPr id="15" name="直線矢印コネクタ 14"/>
-          <p:cNvCxnSpPr/>
-          <p:nvPr/>
-        </p:nvCxnSpPr>
-        <p:spPr>
-          <a:xfrm flipH="1">
-            <a:off x="3886303" y="2337713"/>
-            <a:ext cx="1238992" cy="0"/>
-          </a:xfrm>
-          <a:prstGeom prst="straightConnector1">
-            <a:avLst/>
-          </a:prstGeom>
-          <a:ln>
-            <a:solidFill>
-              <a:schemeClr val="tx1"/>
-            </a:solidFill>
-            <a:tailEnd type="triangle"/>
-          </a:ln>
-        </p:spPr>
-        <p:style>
-          <a:lnRef idx="1">
-            <a:schemeClr val="accent1"/>
-          </a:lnRef>
-          <a:fillRef idx="0">
-            <a:schemeClr val="accent1"/>
-          </a:fillRef>
-          <a:effectRef idx="0">
-            <a:schemeClr val="accent1"/>
-          </a:effectRef>
-          <a:fontRef idx="minor">
-            <a:schemeClr val="tx1"/>
-          </a:fontRef>
-        </p:style>
-      </p:cxnSp>
-      <p:sp>
-        <p:nvSpPr>
-          <p:cNvPr id="16" name="テキスト ボックス 15"/>
-          <p:cNvSpPr txBox="1"/>
-          <p:nvPr/>
-        </p:nvSpPr>
-        <p:spPr>
-          <a:xfrm>
-            <a:off x="8695981" y="3074968"/>
-            <a:ext cx="1402456" cy="461665"/>
-          </a:xfrm>
-          <a:prstGeom prst="rect">
-            <a:avLst/>
-          </a:prstGeom>
-        </p:spPr>
-        <p:style>
-          <a:lnRef idx="2">
-            <a:schemeClr val="dk1"/>
-          </a:lnRef>
-          <a:fillRef idx="1">
-            <a:schemeClr val="lt1"/>
-          </a:fillRef>
-          <a:effectRef idx="0">
-            <a:schemeClr val="dk1"/>
-          </a:effectRef>
-          <a:fontRef idx="minor">
-            <a:schemeClr val="dk1"/>
-          </a:fontRef>
-        </p:style>
-        <p:txBody>
-          <a:bodyPr wrap="square" rtlCol="0">
-            <a:spAutoFit/>
-          </a:bodyPr>
-          <a:lstStyle/>
-          <a:p>
-            <a:pPr algn="ctr"/>
-            <a:r>
-              <a:rPr kumimoji="1" lang="ja-JP" altLang="en-US" sz="2400" dirty="0" smtClean="0"/>
-              <a:t>学習器</a:t>
-            </a:r>
-            <a:endParaRPr kumimoji="1" lang="ja-JP" altLang="en-US" sz="2400" dirty="0"/>
-          </a:p>
-        </p:txBody>
-      </p:sp>
-      <p:sp>
-        <p:nvSpPr>
-          <p:cNvPr id="17" name="テキスト ボックス 16"/>
-          <p:cNvSpPr txBox="1"/>
-          <p:nvPr/>
-        </p:nvSpPr>
-        <p:spPr>
-          <a:xfrm>
-            <a:off x="6839733" y="3727865"/>
-            <a:ext cx="2156258" cy="400110"/>
-          </a:xfrm>
-          <a:prstGeom prst="rect">
-            <a:avLst/>
-          </a:prstGeom>
-        </p:spPr>
-        <p:style>
-          <a:lnRef idx="2">
-            <a:schemeClr val="dk1"/>
-          </a:lnRef>
-          <a:fillRef idx="1">
-            <a:schemeClr val="lt1"/>
-          </a:fillRef>
-          <a:effectRef idx="0">
-            <a:schemeClr val="dk1"/>
-          </a:effectRef>
-          <a:fontRef idx="minor">
-            <a:schemeClr val="dk1"/>
-          </a:fontRef>
-        </p:style>
-        <p:txBody>
-          <a:bodyPr wrap="square" rtlCol="0">
-            <a:spAutoFit/>
-          </a:bodyPr>
-          <a:lstStyle/>
-          <a:p>
-            <a:pPr algn="ctr"/>
-            <a:r>
-              <a:rPr lang="ja-JP" altLang="en-US" sz="2000" dirty="0" smtClean="0"/>
-              <a:t>特徴抽出</a:t>
-            </a:r>
-            <a:r>
-              <a:rPr lang="ja-JP" altLang="en-US" sz="2000" dirty="0"/>
-              <a:t>器</a:t>
-            </a:r>
-            <a:endParaRPr kumimoji="1" lang="ja-JP" altLang="en-US" sz="2000" dirty="0"/>
-          </a:p>
-        </p:txBody>
-      </p:sp>
-      <p:cxnSp>
-        <p:nvCxnSpPr>
-          <p:cNvPr id="18" name="直線矢印コネクタ 17"/>
-          <p:cNvCxnSpPr/>
-          <p:nvPr/>
-        </p:nvCxnSpPr>
-        <p:spPr>
-          <a:xfrm flipH="1">
-            <a:off x="8753093" y="2565530"/>
-            <a:ext cx="893154" cy="0"/>
-          </a:xfrm>
-          <a:prstGeom prst="straightConnector1">
-            <a:avLst/>
-          </a:prstGeom>
-          <a:ln>
-            <a:tailEnd type="triangle"/>
-          </a:ln>
-        </p:spPr>
-        <p:style>
-          <a:lnRef idx="1">
-            <a:schemeClr val="dk1"/>
-          </a:lnRef>
-          <a:fillRef idx="0">
-            <a:schemeClr val="dk1"/>
-          </a:fillRef>
-          <a:effectRef idx="0">
-            <a:schemeClr val="dk1"/>
-          </a:effectRef>
-          <a:fontRef idx="minor">
-            <a:schemeClr val="tx1"/>
-          </a:fontRef>
-        </p:style>
-      </p:cxnSp>
-      <p:cxnSp>
-        <p:nvCxnSpPr>
-          <p:cNvPr id="19" name="直線矢印コネクタ 18"/>
-          <p:cNvCxnSpPr/>
-          <p:nvPr/>
-        </p:nvCxnSpPr>
-        <p:spPr>
-          <a:xfrm flipV="1">
-            <a:off x="9646247" y="3569942"/>
-            <a:ext cx="0" cy="296450"/>
-          </a:xfrm>
-          <a:prstGeom prst="straightConnector1">
-            <a:avLst/>
-          </a:prstGeom>
-          <a:ln>
-            <a:tailEnd type="triangle"/>
-          </a:ln>
-        </p:spPr>
-        <p:style>
-          <a:lnRef idx="1">
-            <a:schemeClr val="dk1"/>
-          </a:lnRef>
-          <a:fillRef idx="0">
-            <a:schemeClr val="dk1"/>
-          </a:fillRef>
-          <a:effectRef idx="0">
-            <a:schemeClr val="dk1"/>
-          </a:effectRef>
-          <a:fontRef idx="minor">
-            <a:schemeClr val="tx1"/>
-          </a:fontRef>
-        </p:style>
-      </p:cxnSp>
-      <p:sp>
-        <p:nvSpPr>
-          <p:cNvPr id="20" name="テキスト ボックス 19"/>
-          <p:cNvSpPr txBox="1"/>
-          <p:nvPr/>
-        </p:nvSpPr>
-        <p:spPr>
-          <a:xfrm>
-            <a:off x="9373856" y="3890762"/>
-            <a:ext cx="921895" cy="369332"/>
-          </a:xfrm>
-          <a:prstGeom prst="rect">
-            <a:avLst/>
-          </a:prstGeom>
-          <a:noFill/>
-          <a:ln>
-            <a:noFill/>
-          </a:ln>
-        </p:spPr>
-        <p:txBody>
-          <a:bodyPr wrap="square" rtlCol="0">
-            <a:spAutoFit/>
-          </a:bodyPr>
-          <a:lstStyle/>
-          <a:p>
-            <a:r>
-              <a:rPr kumimoji="1" lang="ja-JP" altLang="en-US" dirty="0" smtClean="0"/>
-              <a:t>特徴量</a:t>
-            </a:r>
-            <a:endParaRPr kumimoji="1" lang="ja-JP" altLang="en-US" dirty="0"/>
-          </a:p>
-        </p:txBody>
-      </p:sp>
-      <p:sp>
-        <p:nvSpPr>
-          <p:cNvPr id="23" name="テキスト ボックス 22"/>
-          <p:cNvSpPr txBox="1"/>
-          <p:nvPr/>
-        </p:nvSpPr>
-        <p:spPr>
-          <a:xfrm>
-            <a:off x="9182683" y="2241749"/>
-            <a:ext cx="1209520" cy="369332"/>
-          </a:xfrm>
-          <a:prstGeom prst="rect">
-            <a:avLst/>
-          </a:prstGeom>
-          <a:noFill/>
-        </p:spPr>
-        <p:txBody>
-          <a:bodyPr wrap="square" rtlCol="0">
-            <a:spAutoFit/>
-          </a:bodyPr>
-          <a:lstStyle/>
-          <a:p>
-            <a:r>
-              <a:rPr kumimoji="1" lang="ja-JP" altLang="en-US" dirty="0" smtClean="0"/>
-              <a:t>学習結果</a:t>
-            </a:r>
-            <a:endParaRPr kumimoji="1" lang="ja-JP" altLang="en-US" dirty="0"/>
-          </a:p>
-        </p:txBody>
-      </p:sp>
-      <p:sp>
-        <p:nvSpPr>
-          <p:cNvPr id="24" name="テキスト ボックス 23"/>
-          <p:cNvSpPr txBox="1"/>
-          <p:nvPr/>
-        </p:nvSpPr>
-        <p:spPr>
-          <a:xfrm>
-            <a:off x="5739162" y="3857963"/>
-            <a:ext cx="2122983" cy="646331"/>
-          </a:xfrm>
-          <a:prstGeom prst="rect">
-            <a:avLst/>
-          </a:prstGeom>
-          <a:noFill/>
-        </p:spPr>
-        <p:txBody>
-          <a:bodyPr wrap="square" rtlCol="0">
-            <a:spAutoFit/>
-          </a:bodyPr>
-          <a:lstStyle/>
-          <a:p>
-            <a:r>
-              <a:rPr kumimoji="1" lang="ja-JP" altLang="en-US" dirty="0" smtClean="0"/>
-              <a:t>ログ</a:t>
-            </a:r>
-            <a:endParaRPr kumimoji="1" lang="en-US" altLang="ja-JP" dirty="0" smtClean="0"/>
-          </a:p>
-          <a:p>
-            <a:r>
-              <a:rPr lang="ja-JP" altLang="en-US" dirty="0" smtClean="0"/>
-              <a:t>ユーザー情報</a:t>
-            </a:r>
-            <a:endParaRPr kumimoji="1" lang="ja-JP" altLang="en-US" dirty="0"/>
-          </a:p>
-        </p:txBody>
-      </p:sp>
-      <p:sp>
-        <p:nvSpPr>
-          <p:cNvPr id="26" name="テキスト ボックス 25"/>
-          <p:cNvSpPr txBox="1"/>
-          <p:nvPr/>
-        </p:nvSpPr>
-        <p:spPr>
-          <a:xfrm>
-            <a:off x="8289342" y="1557620"/>
-            <a:ext cx="1843790" cy="369332"/>
-          </a:xfrm>
-          <a:prstGeom prst="rect">
-            <a:avLst/>
-          </a:prstGeom>
-        </p:spPr>
-        <p:style>
-          <a:lnRef idx="2">
-            <a:schemeClr val="dk1"/>
-          </a:lnRef>
-          <a:fillRef idx="1">
-            <a:schemeClr val="lt1"/>
-          </a:fillRef>
-          <a:effectRef idx="0">
-            <a:schemeClr val="dk1"/>
-          </a:effectRef>
-          <a:fontRef idx="minor">
-            <a:schemeClr val="dk1"/>
-          </a:fontRef>
-        </p:style>
-        <p:txBody>
-          <a:bodyPr wrap="square" rtlCol="0">
-            <a:spAutoFit/>
-          </a:bodyPr>
-          <a:lstStyle/>
-          <a:p>
-            <a:pPr algn="ctr"/>
-            <a:r>
-              <a:rPr kumimoji="1" lang="ja-JP" altLang="en-US" dirty="0" smtClean="0"/>
-              <a:t>バッチシステム</a:t>
-            </a:r>
-            <a:endParaRPr kumimoji="1" lang="ja-JP" altLang="en-US" dirty="0"/>
-          </a:p>
-        </p:txBody>
-      </p:sp>
-      <p:sp>
-        <p:nvSpPr>
-          <p:cNvPr id="29" name="テキスト ボックス 28"/>
-          <p:cNvSpPr txBox="1"/>
-          <p:nvPr/>
-        </p:nvSpPr>
-        <p:spPr>
-          <a:xfrm>
-            <a:off x="5125295" y="2154952"/>
-            <a:ext cx="945020" cy="523220"/>
-          </a:xfrm>
-          <a:prstGeom prst="rect">
-            <a:avLst/>
-          </a:prstGeom>
-        </p:spPr>
-        <p:style>
-          <a:lnRef idx="2">
-            <a:schemeClr val="dk1"/>
-          </a:lnRef>
-          <a:fillRef idx="1">
-            <a:schemeClr val="lt1"/>
-          </a:fillRef>
-          <a:effectRef idx="0">
-            <a:schemeClr val="dk1"/>
-          </a:effectRef>
-          <a:fontRef idx="minor">
-            <a:schemeClr val="dk1"/>
-          </a:fontRef>
-        </p:style>
-        <p:txBody>
-          <a:bodyPr wrap="square" rtlCol="0">
-            <a:spAutoFit/>
-          </a:bodyPr>
-          <a:lstStyle/>
-          <a:p>
-            <a:pPr algn="ctr"/>
-            <a:r>
-              <a:rPr kumimoji="1" lang="en-US" altLang="ja-JP" sz="2800" dirty="0" smtClean="0"/>
-              <a:t>API</a:t>
-            </a:r>
-            <a:endParaRPr kumimoji="1" lang="ja-JP" altLang="en-US" sz="2800" dirty="0"/>
-          </a:p>
-        </p:txBody>
-      </p:sp>
-      <p:cxnSp>
-        <p:nvCxnSpPr>
-          <p:cNvPr id="41" name="直線コネクタ 40"/>
-          <p:cNvCxnSpPr/>
-          <p:nvPr/>
-        </p:nvCxnSpPr>
-        <p:spPr>
-          <a:xfrm flipH="1">
-            <a:off x="9074150" y="3866392"/>
-            <a:ext cx="572098" cy="0"/>
-          </a:xfrm>
-          <a:prstGeom prst="line">
-            <a:avLst/>
-          </a:prstGeom>
-          <a:ln>
-            <a:solidFill>
-              <a:schemeClr val="tx1"/>
-            </a:solidFill>
-          </a:ln>
-        </p:spPr>
-        <p:style>
-          <a:lnRef idx="1">
-            <a:schemeClr val="accent1"/>
-          </a:lnRef>
-          <a:fillRef idx="0">
-            <a:schemeClr val="accent1"/>
-          </a:fillRef>
-          <a:effectRef idx="0">
-            <a:schemeClr val="accent1"/>
-          </a:effectRef>
-          <a:fontRef idx="minor">
-            <a:schemeClr val="tx1"/>
-          </a:fontRef>
-        </p:style>
-      </p:cxnSp>
-      <p:cxnSp>
-        <p:nvCxnSpPr>
-          <p:cNvPr id="44" name="直線コネクタ 43"/>
-          <p:cNvCxnSpPr/>
-          <p:nvPr/>
-        </p:nvCxnSpPr>
-        <p:spPr>
-          <a:xfrm flipV="1">
-            <a:off x="9646247" y="2565530"/>
-            <a:ext cx="0" cy="417105"/>
-          </a:xfrm>
-          <a:prstGeom prst="line">
-            <a:avLst/>
-          </a:prstGeom>
-          <a:ln>
-            <a:solidFill>
-              <a:schemeClr val="tx1"/>
-            </a:solidFill>
-          </a:ln>
-        </p:spPr>
-        <p:style>
-          <a:lnRef idx="1">
-            <a:schemeClr val="accent1"/>
-          </a:lnRef>
-          <a:fillRef idx="0">
-            <a:schemeClr val="accent1"/>
-          </a:fillRef>
-          <a:effectRef idx="0">
-            <a:schemeClr val="accent1"/>
-          </a:effectRef>
-          <a:fontRef idx="minor">
-            <a:schemeClr val="tx1"/>
-          </a:fontRef>
-        </p:style>
-      </p:cxnSp>
-      <p:sp>
-        <p:nvSpPr>
-          <p:cNvPr id="46" name="テキスト ボックス 45"/>
-          <p:cNvSpPr txBox="1"/>
-          <p:nvPr/>
-        </p:nvSpPr>
-        <p:spPr>
-          <a:xfrm>
-            <a:off x="5686795" y="1552393"/>
-            <a:ext cx="1859802" cy="369332"/>
-          </a:xfrm>
-          <a:prstGeom prst="rect">
-            <a:avLst/>
-          </a:prstGeom>
-        </p:spPr>
-        <p:style>
-          <a:lnRef idx="2">
-            <a:schemeClr val="dk1"/>
-          </a:lnRef>
-          <a:fillRef idx="1">
-            <a:schemeClr val="lt1"/>
-          </a:fillRef>
-          <a:effectRef idx="0">
-            <a:schemeClr val="dk1"/>
-          </a:effectRef>
-          <a:fontRef idx="minor">
-            <a:schemeClr val="dk1"/>
-          </a:fontRef>
-        </p:style>
-        <p:txBody>
-          <a:bodyPr wrap="square" rtlCol="0">
-            <a:spAutoFit/>
-          </a:bodyPr>
-          <a:lstStyle/>
-          <a:p>
-            <a:pPr algn="ctr"/>
-            <a:r>
-              <a:rPr kumimoji="1" lang="ja-JP" altLang="en-US" dirty="0" smtClean="0"/>
-              <a:t>予測</a:t>
-            </a:r>
-            <a:r>
-              <a:rPr kumimoji="1" lang="en-US" altLang="ja-JP" dirty="0" smtClean="0"/>
-              <a:t>API</a:t>
-            </a:r>
-            <a:r>
-              <a:rPr kumimoji="1" lang="ja-JP" altLang="en-US" dirty="0" smtClean="0"/>
-              <a:t>サーバ</a:t>
-            </a:r>
-            <a:endParaRPr kumimoji="1" lang="ja-JP" altLang="en-US" dirty="0"/>
-          </a:p>
-        </p:txBody>
-      </p:sp>
-      <p:cxnSp>
-        <p:nvCxnSpPr>
-          <p:cNvPr id="48" name="直線矢印コネクタ 47"/>
-          <p:cNvCxnSpPr/>
-          <p:nvPr/>
-        </p:nvCxnSpPr>
-        <p:spPr>
-          <a:xfrm>
-            <a:off x="5923399" y="2678172"/>
-            <a:ext cx="797172" cy="988559"/>
-          </a:xfrm>
-          <a:prstGeom prst="straightConnector1">
-            <a:avLst/>
-          </a:prstGeom>
-          <a:ln>
-            <a:tailEnd type="triangle"/>
-          </a:ln>
-        </p:spPr>
-        <p:style>
-          <a:lnRef idx="1">
-            <a:schemeClr val="dk1"/>
-          </a:lnRef>
-          <a:fillRef idx="0">
-            <a:schemeClr val="dk1"/>
-          </a:fillRef>
-          <a:effectRef idx="0">
-            <a:schemeClr val="dk1"/>
-          </a:effectRef>
-          <a:fontRef idx="minor">
-            <a:schemeClr val="tx1"/>
-          </a:fontRef>
-        </p:style>
-      </p:cxnSp>
-      <p:cxnSp>
-        <p:nvCxnSpPr>
-          <p:cNvPr id="50" name="直線矢印コネクタ 49"/>
-          <p:cNvCxnSpPr/>
-          <p:nvPr/>
-        </p:nvCxnSpPr>
-        <p:spPr>
-          <a:xfrm flipV="1">
-            <a:off x="7048500" y="2969359"/>
-            <a:ext cx="0" cy="740119"/>
-          </a:xfrm>
-          <a:prstGeom prst="straightConnector1">
-            <a:avLst/>
-          </a:prstGeom>
-          <a:ln>
-            <a:tailEnd type="triangle"/>
-          </a:ln>
-        </p:spPr>
-        <p:style>
-          <a:lnRef idx="1">
-            <a:schemeClr val="dk1"/>
-          </a:lnRef>
-          <a:fillRef idx="0">
-            <a:schemeClr val="dk1"/>
-          </a:fillRef>
-          <a:effectRef idx="0">
-            <a:schemeClr val="dk1"/>
-          </a:effectRef>
-          <a:fontRef idx="minor">
-            <a:schemeClr val="tx1"/>
-          </a:fontRef>
-        </p:style>
-      </p:cxnSp>
-      <p:cxnSp>
-        <p:nvCxnSpPr>
-          <p:cNvPr id="52" name="直線矢印コネクタ 51"/>
-          <p:cNvCxnSpPr/>
-          <p:nvPr/>
-        </p:nvCxnSpPr>
-        <p:spPr>
-          <a:xfrm>
-            <a:off x="5800355" y="3866392"/>
-            <a:ext cx="981445" cy="0"/>
-          </a:xfrm>
-          <a:prstGeom prst="straightConnector1">
-            <a:avLst/>
-          </a:prstGeom>
-          <a:ln>
-            <a:tailEnd type="triangle"/>
-          </a:ln>
-        </p:spPr>
-        <p:style>
-          <a:lnRef idx="1">
-            <a:schemeClr val="dk1"/>
-          </a:lnRef>
-          <a:fillRef idx="0">
-            <a:schemeClr val="dk1"/>
-          </a:fillRef>
-          <a:effectRef idx="0">
-            <a:schemeClr val="dk1"/>
-          </a:effectRef>
-          <a:fontRef idx="minor">
-            <a:schemeClr val="tx1"/>
-          </a:fontRef>
-        </p:style>
-      </p:cxnSp>
-      <p:sp>
-        <p:nvSpPr>
-          <p:cNvPr id="53" name="テキスト ボックス 52"/>
-          <p:cNvSpPr txBox="1"/>
-          <p:nvPr/>
-        </p:nvSpPr>
-        <p:spPr>
-          <a:xfrm>
-            <a:off x="6978224" y="3293484"/>
-            <a:ext cx="921895" cy="369332"/>
-          </a:xfrm>
-          <a:prstGeom prst="rect">
-            <a:avLst/>
-          </a:prstGeom>
-          <a:noFill/>
-          <a:ln>
-            <a:noFill/>
-          </a:ln>
-        </p:spPr>
-        <p:txBody>
-          <a:bodyPr wrap="square" rtlCol="0">
-            <a:spAutoFit/>
-          </a:bodyPr>
-          <a:lstStyle/>
-          <a:p>
-            <a:r>
-              <a:rPr kumimoji="1" lang="ja-JP" altLang="en-US" dirty="0" smtClean="0"/>
-              <a:t>特徴量</a:t>
-            </a:r>
-            <a:endParaRPr kumimoji="1" lang="ja-JP" altLang="en-US" dirty="0"/>
-          </a:p>
-        </p:txBody>
-      </p:sp>
-      <p:sp>
-        <p:nvSpPr>
-          <p:cNvPr id="8" name="スライド番号プレースホルダー 7"/>
+      </p:pic>
+      <p:sp>
+        <p:nvSpPr>
+          <p:cNvPr id="3" name="スライド番号プレースホルダー 2"/>
           <p:cNvSpPr>
             <a:spLocks noGrp="1"/>
           </p:cNvSpPr>
@@ -19092,7 +18969,7 @@
     </p:spTree>
     <p:extLst>
       <p:ext uri="{BB962C8B-B14F-4D97-AF65-F5344CB8AC3E}">
-        <p14:creationId xmlns:p14="http://schemas.microsoft.com/office/powerpoint/2010/main" val="368477621"/>
+        <p14:creationId xmlns:p14="http://schemas.microsoft.com/office/powerpoint/2010/main" val="2984906176"/>
       </p:ext>
     </p:extLst>
   </p:cSld>
@@ -19460,21 +19337,21 @@
           <a:lstStyle/>
           <a:p>
             <a:r>
-              <a:rPr kumimoji="1" lang="en-US" altLang="ja-JP" b="1" dirty="0" smtClean="0"/>
+              <a:rPr kumimoji="1" lang="en-US" altLang="ja-JP" dirty="0" smtClean="0"/>
               <a:t>Web</a:t>
             </a:r>
             <a:r>
-              <a:rPr kumimoji="1" lang="ja-JP" altLang="en-US" b="1" dirty="0" smtClean="0"/>
+              <a:rPr kumimoji="1" lang="ja-JP" altLang="en-US" dirty="0" smtClean="0"/>
               <a:t>アプリ</a:t>
             </a:r>
-            <a:endParaRPr kumimoji="1" lang="en-US" altLang="ja-JP" b="1" dirty="0" smtClean="0"/>
-          </a:p>
-          <a:p>
-            <a:r>
-              <a:rPr kumimoji="1" lang="ja-JP" altLang="en-US" b="1" dirty="0" smtClean="0"/>
+            <a:endParaRPr kumimoji="1" lang="en-US" altLang="ja-JP" dirty="0" smtClean="0"/>
+          </a:p>
+          <a:p>
+            <a:r>
+              <a:rPr kumimoji="1" lang="ja-JP" altLang="en-US" dirty="0" smtClean="0"/>
               <a:t>ケーション</a:t>
             </a:r>
-            <a:endParaRPr kumimoji="1" lang="ja-JP" altLang="en-US" b="1" dirty="0"/>
+            <a:endParaRPr kumimoji="1" lang="ja-JP" altLang="en-US" dirty="0"/>
           </a:p>
         </p:txBody>
       </p:sp>
@@ -19513,10 +19390,10 @@
           <a:p>
             <a:pPr algn="ctr"/>
             <a:r>
-              <a:rPr kumimoji="1" lang="ja-JP" altLang="en-US" sz="2000" b="1" dirty="0" smtClean="0"/>
+              <a:rPr kumimoji="1" lang="ja-JP" altLang="en-US" dirty="0" smtClean="0"/>
               <a:t>予測モデル</a:t>
             </a:r>
-            <a:endParaRPr kumimoji="1" lang="ja-JP" altLang="en-US" sz="2000" b="1" dirty="0"/>
+            <a:endParaRPr kumimoji="1" lang="ja-JP" altLang="en-US" dirty="0"/>
           </a:p>
         </p:txBody>
       </p:sp>
@@ -19555,14 +19432,14 @@
           <a:p>
             <a:pPr algn="ctr"/>
             <a:r>
-              <a:rPr lang="en-US" altLang="ja-JP" sz="2000" b="1" dirty="0" smtClean="0"/>
+              <a:rPr lang="en-US" altLang="ja-JP" sz="3200" dirty="0" smtClean="0"/>
               <a:t>D</a:t>
             </a:r>
             <a:r>
-              <a:rPr lang="en-US" altLang="ja-JP" sz="2000" b="1" dirty="0"/>
+              <a:rPr lang="en-US" altLang="ja-JP" sz="3200" dirty="0"/>
               <a:t>B</a:t>
             </a:r>
-            <a:endParaRPr kumimoji="1" lang="ja-JP" altLang="en-US" sz="2000" b="1" dirty="0"/>
+            <a:endParaRPr kumimoji="1" lang="ja-JP" altLang="en-US" sz="3200" dirty="0"/>
           </a:p>
         </p:txBody>
       </p:sp>
@@ -19756,10 +19633,10 @@
           <a:p>
             <a:pPr algn="ctr"/>
             <a:r>
-              <a:rPr kumimoji="1" lang="ja-JP" altLang="en-US" sz="2400" b="1" dirty="0" smtClean="0"/>
+              <a:rPr kumimoji="1" lang="ja-JP" altLang="en-US" sz="2400" dirty="0" smtClean="0"/>
               <a:t>学習器</a:t>
             </a:r>
-            <a:endParaRPr kumimoji="1" lang="ja-JP" altLang="en-US" sz="2400" b="1" dirty="0"/>
+            <a:endParaRPr kumimoji="1" lang="ja-JP" altLang="en-US" sz="2400" dirty="0"/>
           </a:p>
         </p:txBody>
       </p:sp>
@@ -19800,14 +19677,14 @@
           <a:p>
             <a:pPr algn="ctr"/>
             <a:r>
-              <a:rPr lang="ja-JP" altLang="en-US" sz="2000" b="1" dirty="0" smtClean="0"/>
+              <a:rPr lang="ja-JP" altLang="en-US" sz="2000" dirty="0" smtClean="0"/>
               <a:t>特徴抽出</a:t>
             </a:r>
             <a:r>
-              <a:rPr lang="ja-JP" altLang="en-US" sz="2000" b="1" dirty="0"/>
+              <a:rPr lang="ja-JP" altLang="en-US" sz="2000" dirty="0"/>
               <a:t>器</a:t>
             </a:r>
-            <a:endParaRPr kumimoji="1" lang="ja-JP" altLang="en-US" sz="2000" b="1" dirty="0"/>
+            <a:endParaRPr kumimoji="1" lang="ja-JP" altLang="en-US" sz="2000" dirty="0"/>
           </a:p>
         </p:txBody>
       </p:sp>
@@ -20014,10 +19891,10 @@
           <a:p>
             <a:pPr algn="ctr"/>
             <a:r>
-              <a:rPr kumimoji="1" lang="ja-JP" altLang="en-US" b="1" dirty="0" smtClean="0"/>
+              <a:rPr kumimoji="1" lang="ja-JP" altLang="en-US" dirty="0" smtClean="0"/>
               <a:t>バッチシステム</a:t>
             </a:r>
-            <a:endParaRPr kumimoji="1" lang="ja-JP" altLang="en-US" b="1" dirty="0"/>
+            <a:endParaRPr kumimoji="1" lang="ja-JP" altLang="en-US" dirty="0"/>
           </a:p>
         </p:txBody>
       </p:sp>
@@ -20030,7 +19907,7 @@
         <p:spPr>
           <a:xfrm>
             <a:off x="5125295" y="2154952"/>
-            <a:ext cx="945020" cy="400110"/>
+            <a:ext cx="945020" cy="523220"/>
           </a:xfrm>
           <a:prstGeom prst="rect">
             <a:avLst/>
@@ -20058,10 +19935,10 @@
           <a:p>
             <a:pPr algn="ctr"/>
             <a:r>
-              <a:rPr kumimoji="1" lang="en-US" altLang="ja-JP" sz="2000" b="1" dirty="0" smtClean="0"/>
+              <a:rPr kumimoji="1" lang="en-US" altLang="ja-JP" sz="2800" dirty="0" smtClean="0"/>
               <a:t>API</a:t>
             </a:r>
-            <a:endParaRPr kumimoji="1" lang="ja-JP" altLang="en-US" sz="2000" b="1" dirty="0"/>
+            <a:endParaRPr kumimoji="1" lang="ja-JP" altLang="en-US" sz="2800" dirty="0"/>
           </a:p>
         </p:txBody>
       </p:sp>
@@ -20172,18 +20049,18 @@
           <a:p>
             <a:pPr algn="ctr"/>
             <a:r>
-              <a:rPr kumimoji="1" lang="ja-JP" altLang="en-US" b="1" dirty="0" smtClean="0"/>
+              <a:rPr kumimoji="1" lang="ja-JP" altLang="en-US" dirty="0" smtClean="0"/>
               <a:t>予測</a:t>
             </a:r>
             <a:r>
-              <a:rPr kumimoji="1" lang="en-US" altLang="ja-JP" b="1" dirty="0" smtClean="0"/>
+              <a:rPr kumimoji="1" lang="en-US" altLang="ja-JP" dirty="0" smtClean="0"/>
               <a:t>API</a:t>
             </a:r>
             <a:r>
-              <a:rPr kumimoji="1" lang="ja-JP" altLang="en-US" b="1" dirty="0" smtClean="0"/>
+              <a:rPr kumimoji="1" lang="ja-JP" altLang="en-US" dirty="0" smtClean="0"/>
               <a:t>サーバ</a:t>
             </a:r>
-            <a:endParaRPr kumimoji="1" lang="ja-JP" altLang="en-US" b="1" dirty="0"/>
+            <a:endParaRPr kumimoji="1" lang="ja-JP" altLang="en-US" dirty="0"/>
           </a:p>
         </p:txBody>
       </p:sp>
@@ -20345,7 +20222,7 @@
     </p:spTree>
     <p:extLst>
       <p:ext uri="{BB962C8B-B14F-4D97-AF65-F5344CB8AC3E}">
-        <p14:creationId xmlns:p14="http://schemas.microsoft.com/office/powerpoint/2010/main" val="435574143"/>
+        <p14:creationId xmlns:p14="http://schemas.microsoft.com/office/powerpoint/2010/main" val="368477621"/>
       </p:ext>
     </p:extLst>
   </p:cSld>
@@ -20509,14 +20386,14 @@
               <a:buAutoNum type="arabicPeriod"/>
             </a:pPr>
             <a:r>
-              <a:rPr lang="ja-JP" altLang="en-US" dirty="0"/>
+              <a:rPr lang="ja-JP" altLang="en-US" u="sng" dirty="0"/>
               <a:t>システム</a:t>
             </a:r>
             <a:r>
-              <a:rPr lang="ja-JP" altLang="en-US" dirty="0" smtClean="0"/>
+              <a:rPr lang="ja-JP" altLang="en-US" u="sng" dirty="0" smtClean="0"/>
               <a:t>に組み込む</a:t>
             </a:r>
-            <a:endParaRPr kumimoji="1" lang="ja-JP" altLang="en-US" dirty="0"/>
+            <a:endParaRPr kumimoji="1" lang="ja-JP" altLang="en-US" u="sng" dirty="0"/>
           </a:p>
         </p:txBody>
       </p:sp>
@@ -20582,14 +20459,14 @@
       </p:grpSpPr>
       <p:sp>
         <p:nvSpPr>
-          <p:cNvPr id="3" name="正方形/長方形 2"/>
+          <p:cNvPr id="7" name="正方形/長方形 6"/>
           <p:cNvSpPr/>
           <p:nvPr/>
         </p:nvSpPr>
         <p:spPr>
           <a:xfrm>
-            <a:off x="2233534" y="1836295"/>
-            <a:ext cx="7300209" cy="3245371"/>
+            <a:off x="1671403" y="1349115"/>
+            <a:ext cx="8866682" cy="3252865"/>
           </a:xfrm>
           <a:prstGeom prst="rect">
             <a:avLst/>
@@ -20620,52 +20497,14 @@
       </p:sp>
       <p:sp>
         <p:nvSpPr>
-          <p:cNvPr id="32" name="角丸四角形 31"/>
+          <p:cNvPr id="27" name="角丸四角形 26"/>
           <p:cNvSpPr/>
           <p:nvPr/>
         </p:nvSpPr>
         <p:spPr>
           <a:xfrm>
-            <a:off x="6284618" y="2248523"/>
-            <a:ext cx="3099217" cy="2747637"/>
-          </a:xfrm>
-          <a:prstGeom prst="roundRect">
-            <a:avLst/>
-          </a:prstGeom>
-        </p:spPr>
-        <p:style>
-          <a:lnRef idx="2">
-            <a:schemeClr val="dk1"/>
-          </a:lnRef>
-          <a:fillRef idx="1">
-            <a:schemeClr val="lt1"/>
-          </a:fillRef>
-          <a:effectRef idx="0">
-            <a:schemeClr val="dk1"/>
-          </a:effectRef>
-          <a:fontRef idx="minor">
-            <a:schemeClr val="dk1"/>
-          </a:fontRef>
-        </p:style>
-        <p:txBody>
-          <a:bodyPr rtlCol="0" anchor="ctr"/>
-          <a:lstStyle/>
-          <a:p>
-            <a:pPr algn="ctr"/>
-            <a:endParaRPr kumimoji="1" lang="ja-JP" altLang="en-US"/>
-          </a:p>
-        </p:txBody>
-      </p:sp>
-      <p:sp>
-        <p:nvSpPr>
-          <p:cNvPr id="29" name="角丸四角形 28"/>
-          <p:cNvSpPr/>
-          <p:nvPr/>
-        </p:nvSpPr>
-        <p:spPr>
-          <a:xfrm>
-            <a:off x="2368446" y="2248523"/>
-            <a:ext cx="3585152" cy="2747636"/>
+            <a:off x="5534279" y="1737811"/>
+            <a:ext cx="2295640" cy="2747637"/>
           </a:xfrm>
           <a:prstGeom prst="roundRect">
             <a:avLst/>
@@ -20706,8 +20545,8 @@
         </p:nvSpPr>
         <p:spPr>
           <a:xfrm>
-            <a:off x="494675" y="365125"/>
-            <a:ext cx="11270110" cy="1325563"/>
+            <a:off x="419719" y="132780"/>
+            <a:ext cx="11413761" cy="1325563"/>
           </a:xfrm>
         </p:spPr>
         <p:txBody>
@@ -20717,27 +20556,27 @@
           <a:lstStyle/>
           <a:p>
             <a:r>
+              <a:rPr lang="en-US" altLang="ja-JP" sz="3600" dirty="0"/>
+              <a:t>4.2.2 </a:t>
+            </a:r>
+            <a:r>
+              <a:rPr lang="ja-JP" altLang="en-US" sz="3600" dirty="0"/>
+              <a:t>バッチ処理で学習＋予測結果</a:t>
+            </a:r>
+            <a:r>
+              <a:rPr lang="ja-JP" altLang="en-US" sz="3600" dirty="0" smtClean="0"/>
+              <a:t>を</a:t>
+            </a:r>
+            <a:r>
               <a:rPr lang="en-US" altLang="ja-JP" sz="3600" dirty="0" smtClean="0"/>
-              <a:t>4.2.2 </a:t>
+              <a:t>API</a:t>
             </a:r>
             <a:r>
               <a:rPr lang="ja-JP" altLang="en-US" sz="3600" dirty="0" smtClean="0"/>
-              <a:t>バッチ</a:t>
-            </a:r>
-            <a:r>
-              <a:rPr lang="ja-JP" altLang="en-US" sz="3600" dirty="0"/>
-              <a:t>処理で学習＋予測結果を</a:t>
-            </a:r>
-            <a:r>
-              <a:rPr lang="en-US" altLang="ja-JP" sz="3600" dirty="0"/>
-              <a:t>Web</a:t>
-            </a:r>
-            <a:r>
-              <a:rPr lang="ja-JP" altLang="en-US" sz="3600" dirty="0"/>
-              <a:t>アプリケーションで直接算出する</a:t>
-            </a:r>
-            <a:r>
-              <a:rPr lang="en-US" altLang="ja-JP" sz="3600" dirty="0"/>
+              <a:t>経由で利用する</a:t>
+            </a:r>
+            <a:r>
+              <a:rPr lang="en-US" altLang="ja-JP" sz="3600" dirty="0" smtClean="0"/>
               <a:t>(</a:t>
             </a:r>
             <a:r>
@@ -20745,7 +20584,7 @@
               <a:t>リアルタイム処理で予測</a:t>
             </a:r>
             <a:r>
-              <a:rPr lang="en-US" altLang="ja-JP" sz="3600" dirty="0" smtClean="0"/>
+              <a:rPr lang="en-US" altLang="ja-JP" sz="3600" dirty="0"/>
               <a:t>)</a:t>
             </a:r>
             <a:endParaRPr kumimoji="1" lang="ja-JP" altLang="en-US" sz="3600" dirty="0"/>
@@ -20754,16 +20593,103 @@
       </p:sp>
       <p:sp>
         <p:nvSpPr>
-          <p:cNvPr id="6" name="テキスト ボックス 5"/>
-          <p:cNvSpPr txBox="1"/>
+          <p:cNvPr id="3" name="コンテンツ プレースホルダー 2"/>
+          <p:cNvSpPr>
+            <a:spLocks noGrp="1"/>
+          </p:cNvSpPr>
+          <p:nvPr>
+            <p:ph idx="1"/>
+          </p:nvPr>
+        </p:nvSpPr>
+        <p:spPr>
+          <a:xfrm>
+            <a:off x="812515" y="4732752"/>
+            <a:ext cx="10515600" cy="2579514"/>
+          </a:xfrm>
+        </p:spPr>
+        <p:txBody>
+          <a:bodyPr/>
+          <a:lstStyle/>
+          <a:p>
+            <a:r>
+              <a:rPr lang="ja-JP" altLang="en-US" dirty="0" smtClean="0"/>
+              <a:t>予測処理をラップした</a:t>
+            </a:r>
+            <a:r>
+              <a:rPr lang="en-US" altLang="ja-JP" dirty="0" smtClean="0"/>
+              <a:t>API</a:t>
+            </a:r>
+            <a:r>
+              <a:rPr lang="ja-JP" altLang="en-US" dirty="0" smtClean="0"/>
+              <a:t>サーバーを用意するパターン</a:t>
+            </a:r>
+            <a:endParaRPr lang="en-US" altLang="ja-JP" dirty="0" smtClean="0"/>
+          </a:p>
+          <a:p>
+            <a:pPr lvl="1"/>
+            <a:r>
+              <a:rPr kumimoji="1" lang="en-US" altLang="ja-JP" dirty="0" smtClean="0"/>
+              <a:t>Web</a:t>
+            </a:r>
+            <a:r>
+              <a:rPr kumimoji="1" lang="ja-JP" altLang="en-US" dirty="0" smtClean="0"/>
+              <a:t>アプリケーションから予測結果を利用する場合には</a:t>
+            </a:r>
+            <a:r>
+              <a:rPr kumimoji="1" lang="en-US" altLang="ja-JP" dirty="0" smtClean="0"/>
+              <a:t>API</a:t>
+            </a:r>
+            <a:r>
+              <a:rPr kumimoji="1" lang="ja-JP" altLang="en-US" dirty="0" smtClean="0"/>
+              <a:t>経由のリアルタイム処理で予測を行う</a:t>
+            </a:r>
+            <a:endParaRPr lang="en-US" altLang="ja-JP" dirty="0" smtClean="0"/>
+          </a:p>
+          <a:p>
+            <a:r>
+              <a:rPr kumimoji="1" lang="ja-JP" altLang="en-US" dirty="0" smtClean="0"/>
+              <a:t>特徴</a:t>
+            </a:r>
+            <a:endParaRPr kumimoji="1" lang="en-US" altLang="ja-JP" dirty="0" smtClean="0"/>
+          </a:p>
+          <a:p>
+            <a:pPr lvl="1"/>
+            <a:r>
+              <a:rPr lang="en-US" altLang="ja-JP" dirty="0" smtClean="0"/>
+              <a:t>Web</a:t>
+            </a:r>
+            <a:r>
+              <a:rPr lang="ja-JP" altLang="en-US" dirty="0" smtClean="0"/>
+              <a:t>アプリケーションと機械学習に使うプログラミング言語を分けられる</a:t>
+            </a:r>
+            <a:endParaRPr lang="en-US" altLang="ja-JP" dirty="0" smtClean="0"/>
+          </a:p>
+          <a:p>
+            <a:pPr lvl="1"/>
+            <a:r>
+              <a:rPr kumimoji="1" lang="en-US" altLang="ja-JP" dirty="0" smtClean="0"/>
+              <a:t>Web</a:t>
+            </a:r>
+            <a:r>
+              <a:rPr kumimoji="1" lang="ja-JP" altLang="en-US" dirty="0" smtClean="0"/>
+              <a:t>アプリケーション側のイベントに対してリアルタイム処理で予測</a:t>
+            </a:r>
+            <a:endParaRPr kumimoji="1" lang="en-US" altLang="ja-JP" dirty="0" smtClean="0"/>
+          </a:p>
+        </p:txBody>
+      </p:sp>
+      <p:sp>
+        <p:nvSpPr>
+          <p:cNvPr id="4" name="角丸四角形 3"/>
+          <p:cNvSpPr/>
           <p:nvPr/>
         </p:nvSpPr>
         <p:spPr>
           <a:xfrm>
-            <a:off x="2820652" y="1987280"/>
-            <a:ext cx="2570813" cy="369332"/>
-          </a:xfrm>
-          <a:prstGeom prst="rect">
+            <a:off x="8076978" y="1737812"/>
+            <a:ext cx="2268518" cy="2747637"/>
+          </a:xfrm>
+          <a:prstGeom prst="roundRect">
             <a:avLst/>
           </a:prstGeom>
         </p:spPr>
@@ -20782,35 +20708,26 @@
           </a:fontRef>
         </p:style>
         <p:txBody>
-          <a:bodyPr wrap="square" rtlCol="0">
-            <a:spAutoFit/>
-          </a:bodyPr>
-          <a:lstStyle/>
-          <a:p>
-            <a:r>
-              <a:rPr kumimoji="1" lang="en-US" altLang="ja-JP" b="1" dirty="0" smtClean="0"/>
-              <a:t>Web</a:t>
-            </a:r>
-            <a:r>
-              <a:rPr kumimoji="1" lang="ja-JP" altLang="en-US" b="1" dirty="0" smtClean="0"/>
-              <a:t>アプリケーション</a:t>
-            </a:r>
-            <a:endParaRPr kumimoji="1" lang="ja-JP" altLang="en-US" b="1" dirty="0"/>
-          </a:p>
-        </p:txBody>
-      </p:sp>
-      <p:sp>
-        <p:nvSpPr>
-          <p:cNvPr id="7" name="テキスト ボックス 6"/>
-          <p:cNvSpPr txBox="1"/>
+          <a:bodyPr rtlCol="0" anchor="ctr"/>
+          <a:lstStyle/>
+          <a:p>
+            <a:pPr algn="ctr"/>
+            <a:endParaRPr kumimoji="1" lang="ja-JP" altLang="en-US"/>
+          </a:p>
+        </p:txBody>
+      </p:sp>
+      <p:sp>
+        <p:nvSpPr>
+          <p:cNvPr id="5" name="角丸四角形 4"/>
+          <p:cNvSpPr/>
           <p:nvPr/>
         </p:nvSpPr>
         <p:spPr>
           <a:xfrm>
-            <a:off x="3533930" y="3507831"/>
-            <a:ext cx="1517756" cy="400110"/>
-          </a:xfrm>
-          <a:prstGeom prst="rect">
+            <a:off x="1858602" y="1740517"/>
+            <a:ext cx="2027700" cy="2747636"/>
+          </a:xfrm>
+          <a:prstGeom prst="roundRect">
             <a:avLst/>
           </a:prstGeom>
         </p:spPr>
@@ -20829,65 +20746,26 @@
           </a:fontRef>
         </p:style>
         <p:txBody>
-          <a:bodyPr wrap="square" rtlCol="0">
-            <a:spAutoFit/>
-          </a:bodyPr>
+          <a:bodyPr rtlCol="0" anchor="ctr"/>
           <a:lstStyle/>
           <a:p>
             <a:pPr algn="ctr"/>
-            <a:r>
-              <a:rPr kumimoji="1" lang="ja-JP" altLang="en-US" sz="2000" b="1" dirty="0" smtClean="0"/>
-              <a:t>特徴抽出器</a:t>
-            </a:r>
-            <a:endParaRPr kumimoji="1" lang="ja-JP" altLang="en-US" sz="2000" b="1" dirty="0"/>
-          </a:p>
-        </p:txBody>
-      </p:sp>
-      <p:cxnSp>
-        <p:nvCxnSpPr>
-          <p:cNvPr id="9" name="直線矢印コネクタ 8"/>
-          <p:cNvCxnSpPr/>
+            <a:endParaRPr kumimoji="1" lang="ja-JP" altLang="en-US"/>
+          </a:p>
+        </p:txBody>
+      </p:sp>
+      <p:sp>
+        <p:nvSpPr>
+          <p:cNvPr id="6" name="テキスト ボックス 5"/>
+          <p:cNvSpPr txBox="1"/>
           <p:nvPr/>
-        </p:nvCxnSpPr>
+        </p:nvSpPr>
         <p:spPr>
           <a:xfrm>
-            <a:off x="3009275" y="3737333"/>
-            <a:ext cx="389742" cy="0"/>
-          </a:xfrm>
-          <a:prstGeom prst="straightConnector1">
-            <a:avLst/>
-          </a:prstGeom>
-          <a:ln>
-            <a:tailEnd type="triangle"/>
-          </a:ln>
-        </p:spPr>
-        <p:style>
-          <a:lnRef idx="1">
-            <a:schemeClr val="dk1"/>
-          </a:lnRef>
-          <a:fillRef idx="0">
-            <a:schemeClr val="dk1"/>
-          </a:fillRef>
-          <a:effectRef idx="0">
-            <a:schemeClr val="dk1"/>
-          </a:effectRef>
-          <a:fontRef idx="minor">
-            <a:schemeClr val="tx1"/>
-          </a:fontRef>
-        </p:style>
-      </p:cxnSp>
-      <p:sp>
-        <p:nvSpPr>
-          <p:cNvPr id="12" name="角丸四角形 11"/>
-          <p:cNvSpPr/>
-          <p:nvPr/>
-        </p:nvSpPr>
-        <p:spPr>
-          <a:xfrm>
-            <a:off x="5306516" y="2795664"/>
-            <a:ext cx="1506514" cy="359764"/>
-          </a:xfrm>
-          <a:prstGeom prst="roundRect">
+            <a:off x="2173446" y="1413893"/>
+            <a:ext cx="1407731" cy="646331"/>
+          </a:xfrm>
+          <a:prstGeom prst="rect">
             <a:avLst/>
           </a:prstGeom>
         </p:spPr>
@@ -20906,28 +20784,40 @@
           </a:fontRef>
         </p:style>
         <p:txBody>
-          <a:bodyPr rtlCol="0" anchor="ctr"/>
-          <a:lstStyle/>
-          <a:p>
-            <a:pPr algn="ctr"/>
-            <a:r>
-              <a:rPr kumimoji="1" lang="ja-JP" altLang="en-US" sz="2000" b="1" dirty="0" smtClean="0"/>
-              <a:t>予測モデル</a:t>
-            </a:r>
-            <a:endParaRPr kumimoji="1" lang="ja-JP" altLang="en-US" sz="2000" b="1" dirty="0"/>
-          </a:p>
-        </p:txBody>
-      </p:sp>
-      <p:sp>
-        <p:nvSpPr>
-          <p:cNvPr id="13" name="角丸四角形 12"/>
+          <a:bodyPr wrap="square" rtlCol="0">
+            <a:spAutoFit/>
+          </a:bodyPr>
+          <a:lstStyle/>
+          <a:p>
+            <a:r>
+              <a:rPr kumimoji="1" lang="en-US" altLang="ja-JP" b="1" dirty="0" smtClean="0"/>
+              <a:t>Web</a:t>
+            </a:r>
+            <a:r>
+              <a:rPr kumimoji="1" lang="ja-JP" altLang="en-US" b="1" dirty="0" smtClean="0"/>
+              <a:t>アプリ</a:t>
+            </a:r>
+            <a:endParaRPr kumimoji="1" lang="en-US" altLang="ja-JP" b="1" dirty="0" smtClean="0"/>
+          </a:p>
+          <a:p>
+            <a:r>
+              <a:rPr kumimoji="1" lang="ja-JP" altLang="en-US" b="1" dirty="0" smtClean="0"/>
+              <a:t>ケーション</a:t>
+            </a:r>
+            <a:endParaRPr kumimoji="1" lang="ja-JP" altLang="en-US" b="1" dirty="0"/>
+          </a:p>
+        </p:txBody>
+      </p:sp>
+      <p:sp>
+        <p:nvSpPr>
+          <p:cNvPr id="9" name="角丸四角形 8"/>
           <p:cNvSpPr/>
           <p:nvPr/>
         </p:nvSpPr>
         <p:spPr>
           <a:xfrm>
-            <a:off x="5306516" y="4141481"/>
-            <a:ext cx="1431561" cy="359764"/>
+            <a:off x="6911958" y="2374374"/>
+            <a:ext cx="1769155" cy="552238"/>
           </a:xfrm>
           <a:prstGeom prst="roundRect">
             <a:avLst/>
@@ -20953,6 +20843,48 @@
           <a:p>
             <a:pPr algn="ctr"/>
             <a:r>
+              <a:rPr kumimoji="1" lang="ja-JP" altLang="en-US" sz="2000" b="1" dirty="0" smtClean="0"/>
+              <a:t>予測モデル</a:t>
+            </a:r>
+            <a:endParaRPr kumimoji="1" lang="ja-JP" altLang="en-US" sz="2000" b="1" dirty="0"/>
+          </a:p>
+        </p:txBody>
+      </p:sp>
+      <p:sp>
+        <p:nvSpPr>
+          <p:cNvPr id="10" name="角丸四角形 9"/>
+          <p:cNvSpPr/>
+          <p:nvPr/>
+        </p:nvSpPr>
+        <p:spPr>
+          <a:xfrm>
+            <a:off x="3661756" y="3592973"/>
+            <a:ext cx="2119243" cy="546838"/>
+          </a:xfrm>
+          <a:prstGeom prst="roundRect">
+            <a:avLst/>
+          </a:prstGeom>
+        </p:spPr>
+        <p:style>
+          <a:lnRef idx="2">
+            <a:schemeClr val="dk1"/>
+          </a:lnRef>
+          <a:fillRef idx="1">
+            <a:schemeClr val="lt1"/>
+          </a:fillRef>
+          <a:effectRef idx="0">
+            <a:schemeClr val="dk1"/>
+          </a:effectRef>
+          <a:fontRef idx="minor">
+            <a:schemeClr val="dk1"/>
+          </a:fontRef>
+        </p:style>
+        <p:txBody>
+          <a:bodyPr rtlCol="0" anchor="ctr"/>
+          <a:lstStyle/>
+          <a:p>
+            <a:pPr algn="ctr"/>
+            <a:r>
               <a:rPr lang="en-US" altLang="ja-JP" sz="2000" b="1" dirty="0" smtClean="0"/>
               <a:t>D</a:t>
             </a:r>
@@ -20966,14 +20898,14 @@
       </p:sp>
       <p:cxnSp>
         <p:nvCxnSpPr>
-          <p:cNvPr id="15" name="直線矢印コネクタ 14"/>
+          <p:cNvPr id="11" name="直線矢印コネクタ 10"/>
           <p:cNvCxnSpPr/>
           <p:nvPr/>
         </p:nvCxnSpPr>
         <p:spPr>
-          <a:xfrm flipV="1">
-            <a:off x="4726338" y="3049543"/>
-            <a:ext cx="524043" cy="414490"/>
+          <a:xfrm>
+            <a:off x="3908358" y="2565530"/>
+            <a:ext cx="1191006" cy="0"/>
           </a:xfrm>
           <a:prstGeom prst="straightConnector1">
             <a:avLst/>
@@ -20983,6 +20915,504 @@
               <a:schemeClr val="tx1"/>
             </a:solidFill>
             <a:tailEnd type="triangle"/>
+          </a:ln>
+        </p:spPr>
+        <p:style>
+          <a:lnRef idx="1">
+            <a:schemeClr val="accent1"/>
+          </a:lnRef>
+          <a:fillRef idx="0">
+            <a:schemeClr val="accent1"/>
+          </a:fillRef>
+          <a:effectRef idx="0">
+            <a:schemeClr val="accent1"/>
+          </a:effectRef>
+          <a:fontRef idx="minor">
+            <a:schemeClr val="tx1"/>
+          </a:fontRef>
+        </p:style>
+      </p:cxnSp>
+      <p:sp>
+        <p:nvSpPr>
+          <p:cNvPr id="13" name="テキスト ボックス 12"/>
+          <p:cNvSpPr txBox="1"/>
+          <p:nvPr/>
+        </p:nvSpPr>
+        <p:spPr>
+          <a:xfrm>
+            <a:off x="3907522" y="2659470"/>
+            <a:ext cx="1713137" cy="646331"/>
+          </a:xfrm>
+          <a:prstGeom prst="rect">
+            <a:avLst/>
+          </a:prstGeom>
+          <a:noFill/>
+          <a:ln>
+            <a:noFill/>
+          </a:ln>
+        </p:spPr>
+        <p:txBody>
+          <a:bodyPr wrap="square" rtlCol="0">
+            <a:spAutoFit/>
+          </a:bodyPr>
+          <a:lstStyle/>
+          <a:p>
+            <a:r>
+              <a:rPr lang="ja-JP" altLang="en-US" dirty="0" smtClean="0"/>
+              <a:t>ユーザー</a:t>
+            </a:r>
+            <a:r>
+              <a:rPr lang="en-US" altLang="ja-JP" dirty="0" smtClean="0"/>
+              <a:t>ID</a:t>
+            </a:r>
+          </a:p>
+          <a:p>
+            <a:r>
+              <a:rPr lang="ja-JP" altLang="en-US" dirty="0" smtClean="0"/>
+              <a:t>商品</a:t>
+            </a:r>
+            <a:r>
+              <a:rPr lang="en-US" altLang="ja-JP" dirty="0" smtClean="0"/>
+              <a:t>ID</a:t>
+            </a:r>
+            <a:endParaRPr kumimoji="1" lang="ja-JP" altLang="en-US" dirty="0"/>
+          </a:p>
+        </p:txBody>
+      </p:sp>
+      <p:sp>
+        <p:nvSpPr>
+          <p:cNvPr id="14" name="テキスト ボックス 13"/>
+          <p:cNvSpPr txBox="1"/>
+          <p:nvPr/>
+        </p:nvSpPr>
+        <p:spPr>
+          <a:xfrm>
+            <a:off x="3908358" y="1968381"/>
+            <a:ext cx="1282906" cy="369332"/>
+          </a:xfrm>
+          <a:prstGeom prst="rect">
+            <a:avLst/>
+          </a:prstGeom>
+          <a:noFill/>
+        </p:spPr>
+        <p:txBody>
+          <a:bodyPr wrap="square" rtlCol="0">
+            <a:spAutoFit/>
+          </a:bodyPr>
+          <a:lstStyle/>
+          <a:p>
+            <a:r>
+              <a:rPr lang="ja-JP" altLang="en-US" dirty="0" smtClean="0"/>
+              <a:t>予測</a:t>
+            </a:r>
+            <a:r>
+              <a:rPr lang="ja-JP" altLang="en-US" dirty="0"/>
+              <a:t>結果</a:t>
+            </a:r>
+            <a:endParaRPr kumimoji="1" lang="ja-JP" altLang="en-US" dirty="0"/>
+          </a:p>
+        </p:txBody>
+      </p:sp>
+      <p:cxnSp>
+        <p:nvCxnSpPr>
+          <p:cNvPr id="15" name="直線矢印コネクタ 14"/>
+          <p:cNvCxnSpPr/>
+          <p:nvPr/>
+        </p:nvCxnSpPr>
+        <p:spPr>
+          <a:xfrm flipH="1">
+            <a:off x="3886303" y="2337713"/>
+            <a:ext cx="1238992" cy="0"/>
+          </a:xfrm>
+          <a:prstGeom prst="straightConnector1">
+            <a:avLst/>
+          </a:prstGeom>
+          <a:ln>
+            <a:solidFill>
+              <a:schemeClr val="tx1"/>
+            </a:solidFill>
+            <a:tailEnd type="triangle"/>
+          </a:ln>
+        </p:spPr>
+        <p:style>
+          <a:lnRef idx="1">
+            <a:schemeClr val="accent1"/>
+          </a:lnRef>
+          <a:fillRef idx="0">
+            <a:schemeClr val="accent1"/>
+          </a:fillRef>
+          <a:effectRef idx="0">
+            <a:schemeClr val="accent1"/>
+          </a:effectRef>
+          <a:fontRef idx="minor">
+            <a:schemeClr val="tx1"/>
+          </a:fontRef>
+        </p:style>
+      </p:cxnSp>
+      <p:sp>
+        <p:nvSpPr>
+          <p:cNvPr id="16" name="テキスト ボックス 15"/>
+          <p:cNvSpPr txBox="1"/>
+          <p:nvPr/>
+        </p:nvSpPr>
+        <p:spPr>
+          <a:xfrm>
+            <a:off x="8695981" y="3074968"/>
+            <a:ext cx="1402456" cy="461665"/>
+          </a:xfrm>
+          <a:prstGeom prst="rect">
+            <a:avLst/>
+          </a:prstGeom>
+        </p:spPr>
+        <p:style>
+          <a:lnRef idx="2">
+            <a:schemeClr val="dk1"/>
+          </a:lnRef>
+          <a:fillRef idx="1">
+            <a:schemeClr val="lt1"/>
+          </a:fillRef>
+          <a:effectRef idx="0">
+            <a:schemeClr val="dk1"/>
+          </a:effectRef>
+          <a:fontRef idx="minor">
+            <a:schemeClr val="dk1"/>
+          </a:fontRef>
+        </p:style>
+        <p:txBody>
+          <a:bodyPr wrap="square" rtlCol="0">
+            <a:spAutoFit/>
+          </a:bodyPr>
+          <a:lstStyle/>
+          <a:p>
+            <a:pPr algn="ctr"/>
+            <a:r>
+              <a:rPr kumimoji="1" lang="ja-JP" altLang="en-US" sz="2400" b="1" dirty="0" smtClean="0"/>
+              <a:t>学習器</a:t>
+            </a:r>
+            <a:endParaRPr kumimoji="1" lang="ja-JP" altLang="en-US" sz="2400" b="1" dirty="0"/>
+          </a:p>
+        </p:txBody>
+      </p:sp>
+      <p:sp>
+        <p:nvSpPr>
+          <p:cNvPr id="17" name="テキスト ボックス 16"/>
+          <p:cNvSpPr txBox="1"/>
+          <p:nvPr/>
+        </p:nvSpPr>
+        <p:spPr>
+          <a:xfrm>
+            <a:off x="6839733" y="3727865"/>
+            <a:ext cx="2156258" cy="400110"/>
+          </a:xfrm>
+          <a:prstGeom prst="rect">
+            <a:avLst/>
+          </a:prstGeom>
+        </p:spPr>
+        <p:style>
+          <a:lnRef idx="2">
+            <a:schemeClr val="dk1"/>
+          </a:lnRef>
+          <a:fillRef idx="1">
+            <a:schemeClr val="lt1"/>
+          </a:fillRef>
+          <a:effectRef idx="0">
+            <a:schemeClr val="dk1"/>
+          </a:effectRef>
+          <a:fontRef idx="minor">
+            <a:schemeClr val="dk1"/>
+          </a:fontRef>
+        </p:style>
+        <p:txBody>
+          <a:bodyPr wrap="square" rtlCol="0">
+            <a:spAutoFit/>
+          </a:bodyPr>
+          <a:lstStyle/>
+          <a:p>
+            <a:pPr algn="ctr"/>
+            <a:r>
+              <a:rPr lang="ja-JP" altLang="en-US" sz="2000" b="1" dirty="0" smtClean="0"/>
+              <a:t>特徴抽出</a:t>
+            </a:r>
+            <a:r>
+              <a:rPr lang="ja-JP" altLang="en-US" sz="2000" b="1" dirty="0"/>
+              <a:t>器</a:t>
+            </a:r>
+            <a:endParaRPr kumimoji="1" lang="ja-JP" altLang="en-US" sz="2000" b="1" dirty="0"/>
+          </a:p>
+        </p:txBody>
+      </p:sp>
+      <p:cxnSp>
+        <p:nvCxnSpPr>
+          <p:cNvPr id="18" name="直線矢印コネクタ 17"/>
+          <p:cNvCxnSpPr/>
+          <p:nvPr/>
+        </p:nvCxnSpPr>
+        <p:spPr>
+          <a:xfrm flipH="1">
+            <a:off x="8753093" y="2565530"/>
+            <a:ext cx="893154" cy="0"/>
+          </a:xfrm>
+          <a:prstGeom prst="straightConnector1">
+            <a:avLst/>
+          </a:prstGeom>
+          <a:ln>
+            <a:tailEnd type="triangle"/>
+          </a:ln>
+        </p:spPr>
+        <p:style>
+          <a:lnRef idx="1">
+            <a:schemeClr val="dk1"/>
+          </a:lnRef>
+          <a:fillRef idx="0">
+            <a:schemeClr val="dk1"/>
+          </a:fillRef>
+          <a:effectRef idx="0">
+            <a:schemeClr val="dk1"/>
+          </a:effectRef>
+          <a:fontRef idx="minor">
+            <a:schemeClr val="tx1"/>
+          </a:fontRef>
+        </p:style>
+      </p:cxnSp>
+      <p:cxnSp>
+        <p:nvCxnSpPr>
+          <p:cNvPr id="19" name="直線矢印コネクタ 18"/>
+          <p:cNvCxnSpPr/>
+          <p:nvPr/>
+        </p:nvCxnSpPr>
+        <p:spPr>
+          <a:xfrm flipV="1">
+            <a:off x="9646247" y="3569942"/>
+            <a:ext cx="0" cy="296450"/>
+          </a:xfrm>
+          <a:prstGeom prst="straightConnector1">
+            <a:avLst/>
+          </a:prstGeom>
+          <a:ln>
+            <a:tailEnd type="triangle"/>
+          </a:ln>
+        </p:spPr>
+        <p:style>
+          <a:lnRef idx="1">
+            <a:schemeClr val="dk1"/>
+          </a:lnRef>
+          <a:fillRef idx="0">
+            <a:schemeClr val="dk1"/>
+          </a:fillRef>
+          <a:effectRef idx="0">
+            <a:schemeClr val="dk1"/>
+          </a:effectRef>
+          <a:fontRef idx="minor">
+            <a:schemeClr val="tx1"/>
+          </a:fontRef>
+        </p:style>
+      </p:cxnSp>
+      <p:sp>
+        <p:nvSpPr>
+          <p:cNvPr id="20" name="テキスト ボックス 19"/>
+          <p:cNvSpPr txBox="1"/>
+          <p:nvPr/>
+        </p:nvSpPr>
+        <p:spPr>
+          <a:xfrm>
+            <a:off x="9373856" y="3890762"/>
+            <a:ext cx="921895" cy="369332"/>
+          </a:xfrm>
+          <a:prstGeom prst="rect">
+            <a:avLst/>
+          </a:prstGeom>
+          <a:noFill/>
+          <a:ln>
+            <a:noFill/>
+          </a:ln>
+        </p:spPr>
+        <p:txBody>
+          <a:bodyPr wrap="square" rtlCol="0">
+            <a:spAutoFit/>
+          </a:bodyPr>
+          <a:lstStyle/>
+          <a:p>
+            <a:r>
+              <a:rPr kumimoji="1" lang="ja-JP" altLang="en-US" dirty="0" smtClean="0"/>
+              <a:t>特徴量</a:t>
+            </a:r>
+            <a:endParaRPr kumimoji="1" lang="ja-JP" altLang="en-US" dirty="0"/>
+          </a:p>
+        </p:txBody>
+      </p:sp>
+      <p:sp>
+        <p:nvSpPr>
+          <p:cNvPr id="23" name="テキスト ボックス 22"/>
+          <p:cNvSpPr txBox="1"/>
+          <p:nvPr/>
+        </p:nvSpPr>
+        <p:spPr>
+          <a:xfrm>
+            <a:off x="9182683" y="2241749"/>
+            <a:ext cx="1209520" cy="369332"/>
+          </a:xfrm>
+          <a:prstGeom prst="rect">
+            <a:avLst/>
+          </a:prstGeom>
+          <a:noFill/>
+        </p:spPr>
+        <p:txBody>
+          <a:bodyPr wrap="square" rtlCol="0">
+            <a:spAutoFit/>
+          </a:bodyPr>
+          <a:lstStyle/>
+          <a:p>
+            <a:r>
+              <a:rPr kumimoji="1" lang="ja-JP" altLang="en-US" dirty="0" smtClean="0"/>
+              <a:t>学習結果</a:t>
+            </a:r>
+            <a:endParaRPr kumimoji="1" lang="ja-JP" altLang="en-US" dirty="0"/>
+          </a:p>
+        </p:txBody>
+      </p:sp>
+      <p:sp>
+        <p:nvSpPr>
+          <p:cNvPr id="24" name="テキスト ボックス 23"/>
+          <p:cNvSpPr txBox="1"/>
+          <p:nvPr/>
+        </p:nvSpPr>
+        <p:spPr>
+          <a:xfrm>
+            <a:off x="5739162" y="3857963"/>
+            <a:ext cx="2122983" cy="646331"/>
+          </a:xfrm>
+          <a:prstGeom prst="rect">
+            <a:avLst/>
+          </a:prstGeom>
+          <a:noFill/>
+        </p:spPr>
+        <p:txBody>
+          <a:bodyPr wrap="square" rtlCol="0">
+            <a:spAutoFit/>
+          </a:bodyPr>
+          <a:lstStyle/>
+          <a:p>
+            <a:r>
+              <a:rPr kumimoji="1" lang="ja-JP" altLang="en-US" dirty="0" smtClean="0"/>
+              <a:t>ログ</a:t>
+            </a:r>
+            <a:endParaRPr kumimoji="1" lang="en-US" altLang="ja-JP" dirty="0" smtClean="0"/>
+          </a:p>
+          <a:p>
+            <a:r>
+              <a:rPr lang="ja-JP" altLang="en-US" dirty="0" smtClean="0"/>
+              <a:t>ユーザー情報</a:t>
+            </a:r>
+            <a:endParaRPr kumimoji="1" lang="ja-JP" altLang="en-US" dirty="0"/>
+          </a:p>
+        </p:txBody>
+      </p:sp>
+      <p:sp>
+        <p:nvSpPr>
+          <p:cNvPr id="26" name="テキスト ボックス 25"/>
+          <p:cNvSpPr txBox="1"/>
+          <p:nvPr/>
+        </p:nvSpPr>
+        <p:spPr>
+          <a:xfrm>
+            <a:off x="8289342" y="1557620"/>
+            <a:ext cx="1843790" cy="369332"/>
+          </a:xfrm>
+          <a:prstGeom prst="rect">
+            <a:avLst/>
+          </a:prstGeom>
+        </p:spPr>
+        <p:style>
+          <a:lnRef idx="2">
+            <a:schemeClr val="dk1"/>
+          </a:lnRef>
+          <a:fillRef idx="1">
+            <a:schemeClr val="lt1"/>
+          </a:fillRef>
+          <a:effectRef idx="0">
+            <a:schemeClr val="dk1"/>
+          </a:effectRef>
+          <a:fontRef idx="minor">
+            <a:schemeClr val="dk1"/>
+          </a:fontRef>
+        </p:style>
+        <p:txBody>
+          <a:bodyPr wrap="square" rtlCol="0">
+            <a:spAutoFit/>
+          </a:bodyPr>
+          <a:lstStyle/>
+          <a:p>
+            <a:pPr algn="ctr"/>
+            <a:r>
+              <a:rPr kumimoji="1" lang="ja-JP" altLang="en-US" b="1" dirty="0" smtClean="0"/>
+              <a:t>バッチシステム</a:t>
+            </a:r>
+            <a:endParaRPr kumimoji="1" lang="ja-JP" altLang="en-US" b="1" dirty="0"/>
+          </a:p>
+        </p:txBody>
+      </p:sp>
+      <p:sp>
+        <p:nvSpPr>
+          <p:cNvPr id="29" name="テキスト ボックス 28"/>
+          <p:cNvSpPr txBox="1"/>
+          <p:nvPr/>
+        </p:nvSpPr>
+        <p:spPr>
+          <a:xfrm>
+            <a:off x="5125295" y="2154952"/>
+            <a:ext cx="945020" cy="400110"/>
+          </a:xfrm>
+          <a:prstGeom prst="rect">
+            <a:avLst/>
+          </a:prstGeom>
+        </p:spPr>
+        <p:style>
+          <a:lnRef idx="2">
+            <a:schemeClr val="dk1"/>
+          </a:lnRef>
+          <a:fillRef idx="1">
+            <a:schemeClr val="lt1"/>
+          </a:fillRef>
+          <a:effectRef idx="0">
+            <a:schemeClr val="dk1"/>
+          </a:effectRef>
+          <a:fontRef idx="minor">
+            <a:schemeClr val="dk1"/>
+          </a:fontRef>
+        </p:style>
+        <p:txBody>
+          <a:bodyPr wrap="square" rtlCol="0">
+            <a:spAutoFit/>
+          </a:bodyPr>
+          <a:lstStyle/>
+          <a:p>
+            <a:pPr algn="ctr"/>
+            <a:r>
+              <a:rPr kumimoji="1" lang="en-US" altLang="ja-JP" sz="2000" b="1" dirty="0" smtClean="0"/>
+              <a:t>API</a:t>
+            </a:r>
+            <a:endParaRPr kumimoji="1" lang="ja-JP" altLang="en-US" sz="2000" b="1" dirty="0"/>
+          </a:p>
+        </p:txBody>
+      </p:sp>
+      <p:cxnSp>
+        <p:nvCxnSpPr>
+          <p:cNvPr id="41" name="直線コネクタ 40"/>
+          <p:cNvCxnSpPr/>
+          <p:nvPr/>
+        </p:nvCxnSpPr>
+        <p:spPr>
+          <a:xfrm flipH="1">
+            <a:off x="9074150" y="3866392"/>
+            <a:ext cx="572098" cy="0"/>
+          </a:xfrm>
+          <a:prstGeom prst="line">
+            <a:avLst/>
+          </a:prstGeom>
+          <a:ln>
+            <a:solidFill>
+              <a:schemeClr val="tx1"/>
+            </a:solidFill>
           </a:ln>
         </p:spPr>
         <p:style>
@@ -21002,23 +21432,22 @@
       </p:cxnSp>
       <p:cxnSp>
         <p:nvCxnSpPr>
-          <p:cNvPr id="20" name="直線矢印コネクタ 19"/>
+          <p:cNvPr id="44" name="直線コネクタ 43"/>
           <p:cNvCxnSpPr/>
           <p:nvPr/>
         </p:nvCxnSpPr>
         <p:spPr>
-          <a:xfrm flipH="1" flipV="1">
-            <a:off x="4768120" y="3956188"/>
-            <a:ext cx="482261" cy="358496"/>
-          </a:xfrm>
-          <a:prstGeom prst="straightConnector1">
+          <a:xfrm flipV="1">
+            <a:off x="9646247" y="2565530"/>
+            <a:ext cx="0" cy="417105"/>
+          </a:xfrm>
+          <a:prstGeom prst="line">
             <a:avLst/>
           </a:prstGeom>
           <a:ln>
             <a:solidFill>
               <a:schemeClr val="tx1"/>
             </a:solidFill>
-            <a:tailEnd type="triangle"/>
           </a:ln>
         </p:spPr>
         <p:style>
@@ -21038,117 +21467,14 @@
       </p:cxnSp>
       <p:sp>
         <p:nvSpPr>
-          <p:cNvPr id="21" name="テキスト ボックス 20"/>
+          <p:cNvPr id="46" name="テキスト ボックス 45"/>
           <p:cNvSpPr txBox="1"/>
           <p:nvPr/>
         </p:nvSpPr>
         <p:spPr>
           <a:xfrm>
-            <a:off x="4973445" y="3256788"/>
-            <a:ext cx="921895" cy="369332"/>
-          </a:xfrm>
-          <a:prstGeom prst="rect">
-            <a:avLst/>
-          </a:prstGeom>
-          <a:noFill/>
-          <a:ln>
-            <a:noFill/>
-          </a:ln>
-        </p:spPr>
-        <p:txBody>
-          <a:bodyPr wrap="square" rtlCol="0">
-            <a:spAutoFit/>
-          </a:bodyPr>
-          <a:lstStyle/>
-          <a:p>
-            <a:r>
-              <a:rPr kumimoji="1" lang="ja-JP" altLang="en-US" dirty="0" smtClean="0"/>
-              <a:t>特徴量</a:t>
-            </a:r>
-            <a:endParaRPr kumimoji="1" lang="ja-JP" altLang="en-US" dirty="0"/>
-          </a:p>
-        </p:txBody>
-      </p:sp>
-      <p:sp>
-        <p:nvSpPr>
-          <p:cNvPr id="22" name="テキスト ボックス 21"/>
-          <p:cNvSpPr txBox="1"/>
-          <p:nvPr/>
-        </p:nvSpPr>
-        <p:spPr>
-          <a:xfrm>
-            <a:off x="4248475" y="2573809"/>
-            <a:ext cx="1282906" cy="369332"/>
-          </a:xfrm>
-          <a:prstGeom prst="rect">
-            <a:avLst/>
-          </a:prstGeom>
-          <a:noFill/>
-        </p:spPr>
-        <p:txBody>
-          <a:bodyPr wrap="square" rtlCol="0">
-            <a:spAutoFit/>
-          </a:bodyPr>
-          <a:lstStyle/>
-          <a:p>
-            <a:r>
-              <a:rPr lang="ja-JP" altLang="en-US" dirty="0" smtClean="0"/>
-              <a:t>予測</a:t>
-            </a:r>
-            <a:r>
-              <a:rPr lang="ja-JP" altLang="en-US" dirty="0"/>
-              <a:t>結果</a:t>
-            </a:r>
-            <a:endParaRPr kumimoji="1" lang="ja-JP" altLang="en-US" dirty="0"/>
-          </a:p>
-        </p:txBody>
-      </p:sp>
-      <p:cxnSp>
-        <p:nvCxnSpPr>
-          <p:cNvPr id="24" name="直線矢印コネクタ 23"/>
-          <p:cNvCxnSpPr/>
-          <p:nvPr/>
-        </p:nvCxnSpPr>
-        <p:spPr>
-          <a:xfrm flipH="1">
-            <a:off x="4106058" y="2980330"/>
-            <a:ext cx="1144871" cy="0"/>
-          </a:xfrm>
-          <a:prstGeom prst="straightConnector1">
-            <a:avLst/>
-          </a:prstGeom>
-          <a:ln>
-            <a:solidFill>
-              <a:schemeClr val="tx1"/>
-            </a:solidFill>
-            <a:tailEnd type="triangle"/>
-          </a:ln>
-        </p:spPr>
-        <p:style>
-          <a:lnRef idx="1">
-            <a:schemeClr val="accent1"/>
-          </a:lnRef>
-          <a:fillRef idx="0">
-            <a:schemeClr val="accent1"/>
-          </a:fillRef>
-          <a:effectRef idx="0">
-            <a:schemeClr val="accent1"/>
-          </a:effectRef>
-          <a:fontRef idx="minor">
-            <a:schemeClr val="tx1"/>
-          </a:fontRef>
-        </p:style>
-      </p:cxnSp>
-      <p:sp>
-        <p:nvSpPr>
-          <p:cNvPr id="25" name="テキスト ボックス 24"/>
-          <p:cNvSpPr txBox="1"/>
-          <p:nvPr/>
-        </p:nvSpPr>
-        <p:spPr>
-          <a:xfrm>
-            <a:off x="8039722" y="2795664"/>
-            <a:ext cx="899410" cy="369332"/>
+            <a:off x="5686795" y="1552393"/>
+            <a:ext cx="1859802" cy="369332"/>
           </a:xfrm>
           <a:prstGeom prst="rect">
             <a:avLst/>
@@ -21177,70 +21503,30 @@
             <a:pPr algn="ctr"/>
             <a:r>
               <a:rPr kumimoji="1" lang="ja-JP" altLang="en-US" b="1" dirty="0" smtClean="0"/>
-              <a:t>学習器</a:t>
+              <a:t>予測</a:t>
+            </a:r>
+            <a:r>
+              <a:rPr kumimoji="1" lang="en-US" altLang="ja-JP" b="1" dirty="0" smtClean="0"/>
+              <a:t>API</a:t>
+            </a:r>
+            <a:r>
+              <a:rPr kumimoji="1" lang="ja-JP" altLang="en-US" b="1" dirty="0" smtClean="0"/>
+              <a:t>サーバ</a:t>
             </a:r>
             <a:endParaRPr kumimoji="1" lang="ja-JP" altLang="en-US" b="1" dirty="0"/>
-          </a:p>
-        </p:txBody>
-      </p:sp>
-      <p:sp>
-        <p:nvSpPr>
-          <p:cNvPr id="26" name="テキスト ボックス 25"/>
-          <p:cNvSpPr txBox="1"/>
-          <p:nvPr/>
-        </p:nvSpPr>
-        <p:spPr>
-          <a:xfrm>
-            <a:off x="7744916" y="4141481"/>
-            <a:ext cx="1489022" cy="400110"/>
-          </a:xfrm>
-          <a:prstGeom prst="rect">
-            <a:avLst/>
-          </a:prstGeom>
-        </p:spPr>
-        <p:style>
-          <a:lnRef idx="2">
-            <a:schemeClr val="dk1"/>
-          </a:lnRef>
-          <a:fillRef idx="1">
-            <a:schemeClr val="lt1"/>
-          </a:fillRef>
-          <a:effectRef idx="0">
-            <a:schemeClr val="dk1"/>
-          </a:effectRef>
-          <a:fontRef idx="minor">
-            <a:schemeClr val="dk1"/>
-          </a:fontRef>
-        </p:style>
-        <p:txBody>
-          <a:bodyPr wrap="square" rtlCol="0">
-            <a:spAutoFit/>
-          </a:bodyPr>
-          <a:lstStyle/>
-          <a:p>
-            <a:pPr algn="ctr"/>
-            <a:r>
-              <a:rPr lang="ja-JP" altLang="en-US" sz="2000" b="1" dirty="0" smtClean="0"/>
-              <a:t>特徴抽出</a:t>
-            </a:r>
-            <a:r>
-              <a:rPr lang="ja-JP" altLang="en-US" sz="2000" b="1" dirty="0"/>
-              <a:t>器</a:t>
-            </a:r>
-            <a:endParaRPr kumimoji="1" lang="ja-JP" altLang="en-US" sz="2000" b="1" dirty="0"/>
           </a:p>
         </p:txBody>
       </p:sp>
       <p:cxnSp>
         <p:nvCxnSpPr>
-          <p:cNvPr id="28" name="直線矢印コネクタ 27"/>
+          <p:cNvPr id="48" name="直線矢印コネクタ 47"/>
           <p:cNvCxnSpPr/>
           <p:nvPr/>
         </p:nvCxnSpPr>
         <p:spPr>
-          <a:xfrm flipH="1">
-            <a:off x="6865495" y="2975546"/>
-            <a:ext cx="1060863" cy="0"/>
+          <a:xfrm>
+            <a:off x="5923399" y="2678172"/>
+            <a:ext cx="797172" cy="988559"/>
           </a:xfrm>
           <a:prstGeom prst="straightConnector1">
             <a:avLst/>
@@ -21266,14 +21552,14 @@
       </p:cxnSp>
       <p:cxnSp>
         <p:nvCxnSpPr>
-          <p:cNvPr id="33" name="直線矢印コネクタ 32"/>
+          <p:cNvPr id="50" name="直線矢印コネクタ 49"/>
           <p:cNvCxnSpPr/>
           <p:nvPr/>
         </p:nvCxnSpPr>
         <p:spPr>
           <a:xfrm flipV="1">
-            <a:off x="8489427" y="3264618"/>
-            <a:ext cx="0" cy="839066"/>
+            <a:off x="7048500" y="2969359"/>
+            <a:ext cx="0" cy="740119"/>
           </a:xfrm>
           <a:prstGeom prst="straightConnector1">
             <a:avLst/>
@@ -21297,15 +21583,48 @@
           </a:fontRef>
         </p:style>
       </p:cxnSp>
-      <p:sp>
-        <p:nvSpPr>
-          <p:cNvPr id="34" name="テキスト ボックス 33"/>
+      <p:cxnSp>
+        <p:nvCxnSpPr>
+          <p:cNvPr id="52" name="直線矢印コネクタ 51"/>
+          <p:cNvCxnSpPr/>
+          <p:nvPr/>
+        </p:nvCxnSpPr>
+        <p:spPr>
+          <a:xfrm>
+            <a:off x="5800355" y="3866392"/>
+            <a:ext cx="981445" cy="0"/>
+          </a:xfrm>
+          <a:prstGeom prst="straightConnector1">
+            <a:avLst/>
+          </a:prstGeom>
+          <a:ln>
+            <a:tailEnd type="triangle"/>
+          </a:ln>
+        </p:spPr>
+        <p:style>
+          <a:lnRef idx="1">
+            <a:schemeClr val="dk1"/>
+          </a:lnRef>
+          <a:fillRef idx="0">
+            <a:schemeClr val="dk1"/>
+          </a:fillRef>
+          <a:effectRef idx="0">
+            <a:schemeClr val="dk1"/>
+          </a:effectRef>
+          <a:fontRef idx="minor">
+            <a:schemeClr val="tx1"/>
+          </a:fontRef>
+        </p:style>
+      </p:cxnSp>
+      <p:sp>
+        <p:nvSpPr>
+          <p:cNvPr id="53" name="テキスト ボックス 52"/>
           <p:cNvSpPr txBox="1"/>
           <p:nvPr/>
         </p:nvSpPr>
         <p:spPr>
           <a:xfrm>
-            <a:off x="8553136" y="3499485"/>
+            <a:off x="6978224" y="3293484"/>
             <a:ext cx="921895" cy="369332"/>
           </a:xfrm>
           <a:prstGeom prst="rect">
@@ -21332,229 +21651,7 @@
       </p:sp>
       <p:sp>
         <p:nvSpPr>
-          <p:cNvPr id="10" name="テキスト ボックス 9"/>
-          <p:cNvSpPr txBox="1"/>
-          <p:nvPr/>
-        </p:nvSpPr>
-        <p:spPr>
-          <a:xfrm>
-            <a:off x="2345960" y="3564900"/>
-            <a:ext cx="1361600" cy="646331"/>
-          </a:xfrm>
-          <a:prstGeom prst="rect">
-            <a:avLst/>
-          </a:prstGeom>
-          <a:noFill/>
-        </p:spPr>
-        <p:txBody>
-          <a:bodyPr wrap="square" rtlCol="0">
-            <a:spAutoFit/>
-          </a:bodyPr>
-          <a:lstStyle/>
-          <a:p>
-            <a:r>
-              <a:rPr kumimoji="1" lang="ja-JP" altLang="en-US" dirty="0" smtClean="0"/>
-              <a:t>予測</a:t>
-            </a:r>
-            <a:endParaRPr kumimoji="1" lang="en-US" altLang="ja-JP" dirty="0" smtClean="0"/>
-          </a:p>
-          <a:p>
-            <a:r>
-              <a:rPr kumimoji="1" lang="ja-JP" altLang="en-US" dirty="0" smtClean="0"/>
-              <a:t>リクエスト</a:t>
-            </a:r>
-            <a:endParaRPr kumimoji="1" lang="ja-JP" altLang="en-US" dirty="0"/>
-          </a:p>
-        </p:txBody>
-      </p:sp>
-      <p:sp>
-        <p:nvSpPr>
-          <p:cNvPr id="16" name="テキスト ボックス 15"/>
-          <p:cNvSpPr txBox="1"/>
-          <p:nvPr/>
-        </p:nvSpPr>
-        <p:spPr>
-          <a:xfrm>
-            <a:off x="4206721" y="4203738"/>
-            <a:ext cx="1821305" cy="646331"/>
-          </a:xfrm>
-          <a:prstGeom prst="rect">
-            <a:avLst/>
-          </a:prstGeom>
-          <a:noFill/>
-        </p:spPr>
-        <p:txBody>
-          <a:bodyPr wrap="square" rtlCol="0">
-            <a:spAutoFit/>
-          </a:bodyPr>
-          <a:lstStyle/>
-          <a:p>
-            <a:r>
-              <a:rPr kumimoji="1" lang="ja-JP" altLang="en-US" dirty="0" smtClean="0"/>
-              <a:t>ログ</a:t>
-            </a:r>
-            <a:endParaRPr kumimoji="1" lang="en-US" altLang="ja-JP" dirty="0" smtClean="0"/>
-          </a:p>
-          <a:p>
-            <a:r>
-              <a:rPr lang="ja-JP" altLang="en-US" dirty="0" smtClean="0"/>
-              <a:t>ユーザー</a:t>
-            </a:r>
-            <a:r>
-              <a:rPr lang="ja-JP" altLang="en-US" dirty="0"/>
-              <a:t>情報</a:t>
-            </a:r>
-            <a:endParaRPr kumimoji="1" lang="ja-JP" altLang="en-US" dirty="0"/>
-          </a:p>
-        </p:txBody>
-      </p:sp>
-      <p:sp>
-        <p:nvSpPr>
-          <p:cNvPr id="18" name="テキスト ボックス 17"/>
-          <p:cNvSpPr txBox="1"/>
-          <p:nvPr/>
-        </p:nvSpPr>
-        <p:spPr>
-          <a:xfrm>
-            <a:off x="6813030" y="2600791"/>
-            <a:ext cx="1209520" cy="369332"/>
-          </a:xfrm>
-          <a:prstGeom prst="rect">
-            <a:avLst/>
-          </a:prstGeom>
-          <a:noFill/>
-        </p:spPr>
-        <p:txBody>
-          <a:bodyPr wrap="square" rtlCol="0">
-            <a:spAutoFit/>
-          </a:bodyPr>
-          <a:lstStyle/>
-          <a:p>
-            <a:r>
-              <a:rPr kumimoji="1" lang="ja-JP" altLang="en-US" dirty="0" smtClean="0"/>
-              <a:t>学習結果</a:t>
-            </a:r>
-            <a:endParaRPr kumimoji="1" lang="ja-JP" altLang="en-US" dirty="0"/>
-          </a:p>
-        </p:txBody>
-      </p:sp>
-      <p:sp>
-        <p:nvSpPr>
-          <p:cNvPr id="19" name="テキスト ボックス 18"/>
-          <p:cNvSpPr txBox="1"/>
-          <p:nvPr/>
-        </p:nvSpPr>
-        <p:spPr>
-          <a:xfrm>
-            <a:off x="6683424" y="4343916"/>
-            <a:ext cx="2122983" cy="646331"/>
-          </a:xfrm>
-          <a:prstGeom prst="rect">
-            <a:avLst/>
-          </a:prstGeom>
-          <a:noFill/>
-        </p:spPr>
-        <p:txBody>
-          <a:bodyPr wrap="square" rtlCol="0">
-            <a:spAutoFit/>
-          </a:bodyPr>
-          <a:lstStyle/>
-          <a:p>
-            <a:r>
-              <a:rPr kumimoji="1" lang="ja-JP" altLang="en-US" dirty="0" smtClean="0"/>
-              <a:t>ログ</a:t>
-            </a:r>
-            <a:endParaRPr kumimoji="1" lang="en-US" altLang="ja-JP" dirty="0" smtClean="0"/>
-          </a:p>
-          <a:p>
-            <a:r>
-              <a:rPr lang="ja-JP" altLang="en-US" dirty="0" smtClean="0"/>
-              <a:t>ユーザー情報</a:t>
-            </a:r>
-            <a:endParaRPr kumimoji="1" lang="ja-JP" altLang="en-US" dirty="0"/>
-          </a:p>
-        </p:txBody>
-      </p:sp>
-      <p:cxnSp>
-        <p:nvCxnSpPr>
-          <p:cNvPr id="27" name="直線矢印コネクタ 26"/>
-          <p:cNvCxnSpPr/>
-          <p:nvPr/>
-        </p:nvCxnSpPr>
-        <p:spPr>
-          <a:xfrm>
-            <a:off x="6813030" y="4321363"/>
-            <a:ext cx="821958" cy="0"/>
-          </a:xfrm>
-          <a:prstGeom prst="straightConnector1">
-            <a:avLst/>
-          </a:prstGeom>
-          <a:ln>
-            <a:tailEnd type="triangle"/>
-          </a:ln>
-        </p:spPr>
-        <p:style>
-          <a:lnRef idx="1">
-            <a:schemeClr val="dk1"/>
-          </a:lnRef>
-          <a:fillRef idx="0">
-            <a:schemeClr val="dk1"/>
-          </a:fillRef>
-          <a:effectRef idx="0">
-            <a:schemeClr val="dk1"/>
-          </a:effectRef>
-          <a:fontRef idx="minor">
-            <a:schemeClr val="tx1"/>
-          </a:fontRef>
-        </p:style>
-      </p:cxnSp>
-      <p:sp>
-        <p:nvSpPr>
-          <p:cNvPr id="30" name="テキスト ボックス 29"/>
-          <p:cNvSpPr txBox="1"/>
-          <p:nvPr/>
-        </p:nvSpPr>
-        <p:spPr>
-          <a:xfrm>
-            <a:off x="6951998" y="1976269"/>
-            <a:ext cx="1843790" cy="369332"/>
-          </a:xfrm>
-          <a:prstGeom prst="rect">
-            <a:avLst/>
-          </a:prstGeom>
-        </p:spPr>
-        <p:style>
-          <a:lnRef idx="2">
-            <a:schemeClr val="dk1"/>
-          </a:lnRef>
-          <a:fillRef idx="1">
-            <a:schemeClr val="lt1"/>
-          </a:fillRef>
-          <a:effectRef idx="0">
-            <a:schemeClr val="dk1"/>
-          </a:effectRef>
-          <a:fontRef idx="minor">
-            <a:schemeClr val="dk1"/>
-          </a:fontRef>
-        </p:style>
-        <p:txBody>
-          <a:bodyPr wrap="square" rtlCol="0">
-            <a:spAutoFit/>
-          </a:bodyPr>
-          <a:lstStyle/>
-          <a:p>
-            <a:pPr algn="ctr"/>
-            <a:r>
-              <a:rPr kumimoji="1" lang="ja-JP" altLang="en-US" b="1" dirty="0" smtClean="0"/>
-              <a:t>バッチシステム</a:t>
-            </a:r>
-            <a:endParaRPr kumimoji="1" lang="ja-JP" altLang="en-US" b="1" dirty="0"/>
-          </a:p>
-        </p:txBody>
-      </p:sp>
-      <p:sp>
-        <p:nvSpPr>
-          <p:cNvPr id="36" name="スライド番号プレースホルダー 35"/>
+          <p:cNvPr id="8" name="スライド番号プレースホルダー 7"/>
           <p:cNvSpPr>
             <a:spLocks noGrp="1"/>
           </p:cNvSpPr>
@@ -21578,7 +21675,7 @@
     </p:spTree>
     <p:extLst>
       <p:ext uri="{BB962C8B-B14F-4D97-AF65-F5344CB8AC3E}">
-        <p14:creationId xmlns:p14="http://schemas.microsoft.com/office/powerpoint/2010/main" val="111327187"/>
+        <p14:creationId xmlns:p14="http://schemas.microsoft.com/office/powerpoint/2010/main" val="435574143"/>
       </p:ext>
     </p:extLst>
   </p:cSld>
@@ -21621,6 +21718,1039 @@
         </p:nvSpPr>
         <p:spPr>
           <a:xfrm>
+            <a:off x="2233534" y="1836295"/>
+            <a:ext cx="7300209" cy="3245371"/>
+          </a:xfrm>
+          <a:prstGeom prst="rect">
+            <a:avLst/>
+          </a:prstGeom>
+        </p:spPr>
+        <p:style>
+          <a:lnRef idx="2">
+            <a:schemeClr val="dk1"/>
+          </a:lnRef>
+          <a:fillRef idx="1">
+            <a:schemeClr val="lt1"/>
+          </a:fillRef>
+          <a:effectRef idx="0">
+            <a:schemeClr val="dk1"/>
+          </a:effectRef>
+          <a:fontRef idx="minor">
+            <a:schemeClr val="dk1"/>
+          </a:fontRef>
+        </p:style>
+        <p:txBody>
+          <a:bodyPr rtlCol="0" anchor="ctr"/>
+          <a:lstStyle/>
+          <a:p>
+            <a:pPr algn="ctr"/>
+            <a:endParaRPr kumimoji="1" lang="ja-JP" altLang="en-US"/>
+          </a:p>
+        </p:txBody>
+      </p:sp>
+      <p:sp>
+        <p:nvSpPr>
+          <p:cNvPr id="32" name="角丸四角形 31"/>
+          <p:cNvSpPr/>
+          <p:nvPr/>
+        </p:nvSpPr>
+        <p:spPr>
+          <a:xfrm>
+            <a:off x="6284618" y="2248523"/>
+            <a:ext cx="3099217" cy="2747637"/>
+          </a:xfrm>
+          <a:prstGeom prst="roundRect">
+            <a:avLst/>
+          </a:prstGeom>
+        </p:spPr>
+        <p:style>
+          <a:lnRef idx="2">
+            <a:schemeClr val="dk1"/>
+          </a:lnRef>
+          <a:fillRef idx="1">
+            <a:schemeClr val="lt1"/>
+          </a:fillRef>
+          <a:effectRef idx="0">
+            <a:schemeClr val="dk1"/>
+          </a:effectRef>
+          <a:fontRef idx="minor">
+            <a:schemeClr val="dk1"/>
+          </a:fontRef>
+        </p:style>
+        <p:txBody>
+          <a:bodyPr rtlCol="0" anchor="ctr"/>
+          <a:lstStyle/>
+          <a:p>
+            <a:pPr algn="ctr"/>
+            <a:endParaRPr kumimoji="1" lang="ja-JP" altLang="en-US"/>
+          </a:p>
+        </p:txBody>
+      </p:sp>
+      <p:sp>
+        <p:nvSpPr>
+          <p:cNvPr id="29" name="角丸四角形 28"/>
+          <p:cNvSpPr/>
+          <p:nvPr/>
+        </p:nvSpPr>
+        <p:spPr>
+          <a:xfrm>
+            <a:off x="2368446" y="2248523"/>
+            <a:ext cx="3585152" cy="2747636"/>
+          </a:xfrm>
+          <a:prstGeom prst="roundRect">
+            <a:avLst/>
+          </a:prstGeom>
+        </p:spPr>
+        <p:style>
+          <a:lnRef idx="2">
+            <a:schemeClr val="dk1"/>
+          </a:lnRef>
+          <a:fillRef idx="1">
+            <a:schemeClr val="lt1"/>
+          </a:fillRef>
+          <a:effectRef idx="0">
+            <a:schemeClr val="dk1"/>
+          </a:effectRef>
+          <a:fontRef idx="minor">
+            <a:schemeClr val="dk1"/>
+          </a:fontRef>
+        </p:style>
+        <p:txBody>
+          <a:bodyPr rtlCol="0" anchor="ctr"/>
+          <a:lstStyle/>
+          <a:p>
+            <a:pPr algn="ctr"/>
+            <a:endParaRPr kumimoji="1" lang="ja-JP" altLang="en-US"/>
+          </a:p>
+        </p:txBody>
+      </p:sp>
+      <p:sp>
+        <p:nvSpPr>
+          <p:cNvPr id="2" name="タイトル 1"/>
+          <p:cNvSpPr>
+            <a:spLocks noGrp="1"/>
+          </p:cNvSpPr>
+          <p:nvPr>
+            <p:ph type="title"/>
+          </p:nvPr>
+        </p:nvSpPr>
+        <p:spPr>
+          <a:xfrm>
+            <a:off x="494675" y="365125"/>
+            <a:ext cx="11270110" cy="1325563"/>
+          </a:xfrm>
+        </p:spPr>
+        <p:txBody>
+          <a:bodyPr>
+            <a:normAutofit/>
+          </a:bodyPr>
+          <a:lstStyle/>
+          <a:p>
+            <a:r>
+              <a:rPr lang="en-US" altLang="ja-JP" sz="3600" dirty="0" smtClean="0"/>
+              <a:t>4.2.2 </a:t>
+            </a:r>
+            <a:r>
+              <a:rPr lang="ja-JP" altLang="en-US" sz="3600" dirty="0" smtClean="0"/>
+              <a:t>バッチ</a:t>
+            </a:r>
+            <a:r>
+              <a:rPr lang="ja-JP" altLang="en-US" sz="3600" dirty="0"/>
+              <a:t>処理で学習＋予測結果を</a:t>
+            </a:r>
+            <a:r>
+              <a:rPr lang="en-US" altLang="ja-JP" sz="3600" dirty="0"/>
+              <a:t>Web</a:t>
+            </a:r>
+            <a:r>
+              <a:rPr lang="ja-JP" altLang="en-US" sz="3600" dirty="0"/>
+              <a:t>アプリケーションで直接算出する</a:t>
+            </a:r>
+            <a:r>
+              <a:rPr lang="en-US" altLang="ja-JP" sz="3600" dirty="0"/>
+              <a:t>(</a:t>
+            </a:r>
+            <a:r>
+              <a:rPr lang="ja-JP" altLang="en-US" sz="3600" dirty="0"/>
+              <a:t>リアルタイム処理で予測</a:t>
+            </a:r>
+            <a:r>
+              <a:rPr lang="en-US" altLang="ja-JP" sz="3600" dirty="0" smtClean="0"/>
+              <a:t>)</a:t>
+            </a:r>
+            <a:endParaRPr kumimoji="1" lang="ja-JP" altLang="en-US" sz="3600" dirty="0"/>
+          </a:p>
+        </p:txBody>
+      </p:sp>
+      <p:sp>
+        <p:nvSpPr>
+          <p:cNvPr id="6" name="テキスト ボックス 5"/>
+          <p:cNvSpPr txBox="1"/>
+          <p:nvPr/>
+        </p:nvSpPr>
+        <p:spPr>
+          <a:xfrm>
+            <a:off x="2820652" y="1987280"/>
+            <a:ext cx="2570813" cy="369332"/>
+          </a:xfrm>
+          <a:prstGeom prst="rect">
+            <a:avLst/>
+          </a:prstGeom>
+        </p:spPr>
+        <p:style>
+          <a:lnRef idx="2">
+            <a:schemeClr val="dk1"/>
+          </a:lnRef>
+          <a:fillRef idx="1">
+            <a:schemeClr val="lt1"/>
+          </a:fillRef>
+          <a:effectRef idx="0">
+            <a:schemeClr val="dk1"/>
+          </a:effectRef>
+          <a:fontRef idx="minor">
+            <a:schemeClr val="dk1"/>
+          </a:fontRef>
+        </p:style>
+        <p:txBody>
+          <a:bodyPr wrap="square" rtlCol="0">
+            <a:spAutoFit/>
+          </a:bodyPr>
+          <a:lstStyle/>
+          <a:p>
+            <a:r>
+              <a:rPr kumimoji="1" lang="en-US" altLang="ja-JP" b="1" dirty="0" smtClean="0"/>
+              <a:t>Web</a:t>
+            </a:r>
+            <a:r>
+              <a:rPr kumimoji="1" lang="ja-JP" altLang="en-US" b="1" dirty="0" smtClean="0"/>
+              <a:t>アプリケーション</a:t>
+            </a:r>
+            <a:endParaRPr kumimoji="1" lang="ja-JP" altLang="en-US" b="1" dirty="0"/>
+          </a:p>
+        </p:txBody>
+      </p:sp>
+      <p:sp>
+        <p:nvSpPr>
+          <p:cNvPr id="7" name="テキスト ボックス 6"/>
+          <p:cNvSpPr txBox="1"/>
+          <p:nvPr/>
+        </p:nvSpPr>
+        <p:spPr>
+          <a:xfrm>
+            <a:off x="3533930" y="3507831"/>
+            <a:ext cx="1517756" cy="400110"/>
+          </a:xfrm>
+          <a:prstGeom prst="rect">
+            <a:avLst/>
+          </a:prstGeom>
+        </p:spPr>
+        <p:style>
+          <a:lnRef idx="2">
+            <a:schemeClr val="dk1"/>
+          </a:lnRef>
+          <a:fillRef idx="1">
+            <a:schemeClr val="lt1"/>
+          </a:fillRef>
+          <a:effectRef idx="0">
+            <a:schemeClr val="dk1"/>
+          </a:effectRef>
+          <a:fontRef idx="minor">
+            <a:schemeClr val="dk1"/>
+          </a:fontRef>
+        </p:style>
+        <p:txBody>
+          <a:bodyPr wrap="square" rtlCol="0">
+            <a:spAutoFit/>
+          </a:bodyPr>
+          <a:lstStyle/>
+          <a:p>
+            <a:pPr algn="ctr"/>
+            <a:r>
+              <a:rPr kumimoji="1" lang="ja-JP" altLang="en-US" sz="2000" b="1" dirty="0" smtClean="0"/>
+              <a:t>特徴抽出器</a:t>
+            </a:r>
+            <a:endParaRPr kumimoji="1" lang="ja-JP" altLang="en-US" sz="2000" b="1" dirty="0"/>
+          </a:p>
+        </p:txBody>
+      </p:sp>
+      <p:cxnSp>
+        <p:nvCxnSpPr>
+          <p:cNvPr id="9" name="直線矢印コネクタ 8"/>
+          <p:cNvCxnSpPr/>
+          <p:nvPr/>
+        </p:nvCxnSpPr>
+        <p:spPr>
+          <a:xfrm>
+            <a:off x="3009275" y="3737333"/>
+            <a:ext cx="389742" cy="0"/>
+          </a:xfrm>
+          <a:prstGeom prst="straightConnector1">
+            <a:avLst/>
+          </a:prstGeom>
+          <a:ln>
+            <a:tailEnd type="triangle"/>
+          </a:ln>
+        </p:spPr>
+        <p:style>
+          <a:lnRef idx="1">
+            <a:schemeClr val="dk1"/>
+          </a:lnRef>
+          <a:fillRef idx="0">
+            <a:schemeClr val="dk1"/>
+          </a:fillRef>
+          <a:effectRef idx="0">
+            <a:schemeClr val="dk1"/>
+          </a:effectRef>
+          <a:fontRef idx="minor">
+            <a:schemeClr val="tx1"/>
+          </a:fontRef>
+        </p:style>
+      </p:cxnSp>
+      <p:sp>
+        <p:nvSpPr>
+          <p:cNvPr id="12" name="角丸四角形 11"/>
+          <p:cNvSpPr/>
+          <p:nvPr/>
+        </p:nvSpPr>
+        <p:spPr>
+          <a:xfrm>
+            <a:off x="5306516" y="2795664"/>
+            <a:ext cx="1506514" cy="359764"/>
+          </a:xfrm>
+          <a:prstGeom prst="roundRect">
+            <a:avLst/>
+          </a:prstGeom>
+        </p:spPr>
+        <p:style>
+          <a:lnRef idx="2">
+            <a:schemeClr val="dk1"/>
+          </a:lnRef>
+          <a:fillRef idx="1">
+            <a:schemeClr val="lt1"/>
+          </a:fillRef>
+          <a:effectRef idx="0">
+            <a:schemeClr val="dk1"/>
+          </a:effectRef>
+          <a:fontRef idx="minor">
+            <a:schemeClr val="dk1"/>
+          </a:fontRef>
+        </p:style>
+        <p:txBody>
+          <a:bodyPr rtlCol="0" anchor="ctr"/>
+          <a:lstStyle/>
+          <a:p>
+            <a:pPr algn="ctr"/>
+            <a:r>
+              <a:rPr kumimoji="1" lang="ja-JP" altLang="en-US" sz="2000" b="1" dirty="0" smtClean="0"/>
+              <a:t>予測モデル</a:t>
+            </a:r>
+            <a:endParaRPr kumimoji="1" lang="ja-JP" altLang="en-US" sz="2000" b="1" dirty="0"/>
+          </a:p>
+        </p:txBody>
+      </p:sp>
+      <p:sp>
+        <p:nvSpPr>
+          <p:cNvPr id="13" name="角丸四角形 12"/>
+          <p:cNvSpPr/>
+          <p:nvPr/>
+        </p:nvSpPr>
+        <p:spPr>
+          <a:xfrm>
+            <a:off x="5306516" y="4141481"/>
+            <a:ext cx="1431561" cy="359764"/>
+          </a:xfrm>
+          <a:prstGeom prst="roundRect">
+            <a:avLst/>
+          </a:prstGeom>
+        </p:spPr>
+        <p:style>
+          <a:lnRef idx="2">
+            <a:schemeClr val="dk1"/>
+          </a:lnRef>
+          <a:fillRef idx="1">
+            <a:schemeClr val="lt1"/>
+          </a:fillRef>
+          <a:effectRef idx="0">
+            <a:schemeClr val="dk1"/>
+          </a:effectRef>
+          <a:fontRef idx="minor">
+            <a:schemeClr val="dk1"/>
+          </a:fontRef>
+        </p:style>
+        <p:txBody>
+          <a:bodyPr rtlCol="0" anchor="ctr"/>
+          <a:lstStyle/>
+          <a:p>
+            <a:pPr algn="ctr"/>
+            <a:r>
+              <a:rPr lang="en-US" altLang="ja-JP" sz="2000" b="1" dirty="0" smtClean="0"/>
+              <a:t>D</a:t>
+            </a:r>
+            <a:r>
+              <a:rPr lang="en-US" altLang="ja-JP" sz="2000" b="1" dirty="0"/>
+              <a:t>B</a:t>
+            </a:r>
+            <a:endParaRPr kumimoji="1" lang="ja-JP" altLang="en-US" sz="2000" b="1" dirty="0"/>
+          </a:p>
+        </p:txBody>
+      </p:sp>
+      <p:cxnSp>
+        <p:nvCxnSpPr>
+          <p:cNvPr id="15" name="直線矢印コネクタ 14"/>
+          <p:cNvCxnSpPr/>
+          <p:nvPr/>
+        </p:nvCxnSpPr>
+        <p:spPr>
+          <a:xfrm flipV="1">
+            <a:off x="4726338" y="3049543"/>
+            <a:ext cx="524043" cy="414490"/>
+          </a:xfrm>
+          <a:prstGeom prst="straightConnector1">
+            <a:avLst/>
+          </a:prstGeom>
+          <a:ln>
+            <a:solidFill>
+              <a:schemeClr val="tx1"/>
+            </a:solidFill>
+            <a:tailEnd type="triangle"/>
+          </a:ln>
+        </p:spPr>
+        <p:style>
+          <a:lnRef idx="1">
+            <a:schemeClr val="accent1"/>
+          </a:lnRef>
+          <a:fillRef idx="0">
+            <a:schemeClr val="accent1"/>
+          </a:fillRef>
+          <a:effectRef idx="0">
+            <a:schemeClr val="accent1"/>
+          </a:effectRef>
+          <a:fontRef idx="minor">
+            <a:schemeClr val="tx1"/>
+          </a:fontRef>
+        </p:style>
+      </p:cxnSp>
+      <p:cxnSp>
+        <p:nvCxnSpPr>
+          <p:cNvPr id="20" name="直線矢印コネクタ 19"/>
+          <p:cNvCxnSpPr/>
+          <p:nvPr/>
+        </p:nvCxnSpPr>
+        <p:spPr>
+          <a:xfrm flipH="1" flipV="1">
+            <a:off x="4768120" y="3956188"/>
+            <a:ext cx="482261" cy="358496"/>
+          </a:xfrm>
+          <a:prstGeom prst="straightConnector1">
+            <a:avLst/>
+          </a:prstGeom>
+          <a:ln>
+            <a:solidFill>
+              <a:schemeClr val="tx1"/>
+            </a:solidFill>
+            <a:tailEnd type="triangle"/>
+          </a:ln>
+        </p:spPr>
+        <p:style>
+          <a:lnRef idx="1">
+            <a:schemeClr val="accent1"/>
+          </a:lnRef>
+          <a:fillRef idx="0">
+            <a:schemeClr val="accent1"/>
+          </a:fillRef>
+          <a:effectRef idx="0">
+            <a:schemeClr val="accent1"/>
+          </a:effectRef>
+          <a:fontRef idx="minor">
+            <a:schemeClr val="tx1"/>
+          </a:fontRef>
+        </p:style>
+      </p:cxnSp>
+      <p:sp>
+        <p:nvSpPr>
+          <p:cNvPr id="21" name="テキスト ボックス 20"/>
+          <p:cNvSpPr txBox="1"/>
+          <p:nvPr/>
+        </p:nvSpPr>
+        <p:spPr>
+          <a:xfrm>
+            <a:off x="4973445" y="3256788"/>
+            <a:ext cx="921895" cy="369332"/>
+          </a:xfrm>
+          <a:prstGeom prst="rect">
+            <a:avLst/>
+          </a:prstGeom>
+          <a:noFill/>
+          <a:ln>
+            <a:noFill/>
+          </a:ln>
+        </p:spPr>
+        <p:txBody>
+          <a:bodyPr wrap="square" rtlCol="0">
+            <a:spAutoFit/>
+          </a:bodyPr>
+          <a:lstStyle/>
+          <a:p>
+            <a:r>
+              <a:rPr kumimoji="1" lang="ja-JP" altLang="en-US" dirty="0" smtClean="0"/>
+              <a:t>特徴量</a:t>
+            </a:r>
+            <a:endParaRPr kumimoji="1" lang="ja-JP" altLang="en-US" dirty="0"/>
+          </a:p>
+        </p:txBody>
+      </p:sp>
+      <p:sp>
+        <p:nvSpPr>
+          <p:cNvPr id="22" name="テキスト ボックス 21"/>
+          <p:cNvSpPr txBox="1"/>
+          <p:nvPr/>
+        </p:nvSpPr>
+        <p:spPr>
+          <a:xfrm>
+            <a:off x="4248475" y="2573809"/>
+            <a:ext cx="1282906" cy="369332"/>
+          </a:xfrm>
+          <a:prstGeom prst="rect">
+            <a:avLst/>
+          </a:prstGeom>
+          <a:noFill/>
+        </p:spPr>
+        <p:txBody>
+          <a:bodyPr wrap="square" rtlCol="0">
+            <a:spAutoFit/>
+          </a:bodyPr>
+          <a:lstStyle/>
+          <a:p>
+            <a:r>
+              <a:rPr lang="ja-JP" altLang="en-US" dirty="0" smtClean="0"/>
+              <a:t>予測</a:t>
+            </a:r>
+            <a:r>
+              <a:rPr lang="ja-JP" altLang="en-US" dirty="0"/>
+              <a:t>結果</a:t>
+            </a:r>
+            <a:endParaRPr kumimoji="1" lang="ja-JP" altLang="en-US" dirty="0"/>
+          </a:p>
+        </p:txBody>
+      </p:sp>
+      <p:cxnSp>
+        <p:nvCxnSpPr>
+          <p:cNvPr id="24" name="直線矢印コネクタ 23"/>
+          <p:cNvCxnSpPr/>
+          <p:nvPr/>
+        </p:nvCxnSpPr>
+        <p:spPr>
+          <a:xfrm flipH="1">
+            <a:off x="4106058" y="2980330"/>
+            <a:ext cx="1144871" cy="0"/>
+          </a:xfrm>
+          <a:prstGeom prst="straightConnector1">
+            <a:avLst/>
+          </a:prstGeom>
+          <a:ln>
+            <a:solidFill>
+              <a:schemeClr val="tx1"/>
+            </a:solidFill>
+            <a:tailEnd type="triangle"/>
+          </a:ln>
+        </p:spPr>
+        <p:style>
+          <a:lnRef idx="1">
+            <a:schemeClr val="accent1"/>
+          </a:lnRef>
+          <a:fillRef idx="0">
+            <a:schemeClr val="accent1"/>
+          </a:fillRef>
+          <a:effectRef idx="0">
+            <a:schemeClr val="accent1"/>
+          </a:effectRef>
+          <a:fontRef idx="minor">
+            <a:schemeClr val="tx1"/>
+          </a:fontRef>
+        </p:style>
+      </p:cxnSp>
+      <p:sp>
+        <p:nvSpPr>
+          <p:cNvPr id="25" name="テキスト ボックス 24"/>
+          <p:cNvSpPr txBox="1"/>
+          <p:nvPr/>
+        </p:nvSpPr>
+        <p:spPr>
+          <a:xfrm>
+            <a:off x="8039722" y="2795664"/>
+            <a:ext cx="899410" cy="369332"/>
+          </a:xfrm>
+          <a:prstGeom prst="rect">
+            <a:avLst/>
+          </a:prstGeom>
+        </p:spPr>
+        <p:style>
+          <a:lnRef idx="2">
+            <a:schemeClr val="dk1"/>
+          </a:lnRef>
+          <a:fillRef idx="1">
+            <a:schemeClr val="lt1"/>
+          </a:fillRef>
+          <a:effectRef idx="0">
+            <a:schemeClr val="dk1"/>
+          </a:effectRef>
+          <a:fontRef idx="minor">
+            <a:schemeClr val="dk1"/>
+          </a:fontRef>
+        </p:style>
+        <p:txBody>
+          <a:bodyPr wrap="square" rtlCol="0">
+            <a:spAutoFit/>
+          </a:bodyPr>
+          <a:lstStyle/>
+          <a:p>
+            <a:pPr algn="ctr"/>
+            <a:r>
+              <a:rPr kumimoji="1" lang="ja-JP" altLang="en-US" b="1" dirty="0" smtClean="0"/>
+              <a:t>学習器</a:t>
+            </a:r>
+            <a:endParaRPr kumimoji="1" lang="ja-JP" altLang="en-US" b="1" dirty="0"/>
+          </a:p>
+        </p:txBody>
+      </p:sp>
+      <p:sp>
+        <p:nvSpPr>
+          <p:cNvPr id="26" name="テキスト ボックス 25"/>
+          <p:cNvSpPr txBox="1"/>
+          <p:nvPr/>
+        </p:nvSpPr>
+        <p:spPr>
+          <a:xfrm>
+            <a:off x="7744916" y="4141481"/>
+            <a:ext cx="1489022" cy="400110"/>
+          </a:xfrm>
+          <a:prstGeom prst="rect">
+            <a:avLst/>
+          </a:prstGeom>
+        </p:spPr>
+        <p:style>
+          <a:lnRef idx="2">
+            <a:schemeClr val="dk1"/>
+          </a:lnRef>
+          <a:fillRef idx="1">
+            <a:schemeClr val="lt1"/>
+          </a:fillRef>
+          <a:effectRef idx="0">
+            <a:schemeClr val="dk1"/>
+          </a:effectRef>
+          <a:fontRef idx="minor">
+            <a:schemeClr val="dk1"/>
+          </a:fontRef>
+        </p:style>
+        <p:txBody>
+          <a:bodyPr wrap="square" rtlCol="0">
+            <a:spAutoFit/>
+          </a:bodyPr>
+          <a:lstStyle/>
+          <a:p>
+            <a:pPr algn="ctr"/>
+            <a:r>
+              <a:rPr lang="ja-JP" altLang="en-US" sz="2000" b="1" dirty="0" smtClean="0"/>
+              <a:t>特徴抽出</a:t>
+            </a:r>
+            <a:r>
+              <a:rPr lang="ja-JP" altLang="en-US" sz="2000" b="1" dirty="0"/>
+              <a:t>器</a:t>
+            </a:r>
+            <a:endParaRPr kumimoji="1" lang="ja-JP" altLang="en-US" sz="2000" b="1" dirty="0"/>
+          </a:p>
+        </p:txBody>
+      </p:sp>
+      <p:cxnSp>
+        <p:nvCxnSpPr>
+          <p:cNvPr id="28" name="直線矢印コネクタ 27"/>
+          <p:cNvCxnSpPr/>
+          <p:nvPr/>
+        </p:nvCxnSpPr>
+        <p:spPr>
+          <a:xfrm flipH="1">
+            <a:off x="6865495" y="2975546"/>
+            <a:ext cx="1060863" cy="0"/>
+          </a:xfrm>
+          <a:prstGeom prst="straightConnector1">
+            <a:avLst/>
+          </a:prstGeom>
+          <a:ln>
+            <a:tailEnd type="triangle"/>
+          </a:ln>
+        </p:spPr>
+        <p:style>
+          <a:lnRef idx="1">
+            <a:schemeClr val="dk1"/>
+          </a:lnRef>
+          <a:fillRef idx="0">
+            <a:schemeClr val="dk1"/>
+          </a:fillRef>
+          <a:effectRef idx="0">
+            <a:schemeClr val="dk1"/>
+          </a:effectRef>
+          <a:fontRef idx="minor">
+            <a:schemeClr val="tx1"/>
+          </a:fontRef>
+        </p:style>
+      </p:cxnSp>
+      <p:cxnSp>
+        <p:nvCxnSpPr>
+          <p:cNvPr id="33" name="直線矢印コネクタ 32"/>
+          <p:cNvCxnSpPr/>
+          <p:nvPr/>
+        </p:nvCxnSpPr>
+        <p:spPr>
+          <a:xfrm flipV="1">
+            <a:off x="8489427" y="3264618"/>
+            <a:ext cx="0" cy="839066"/>
+          </a:xfrm>
+          <a:prstGeom prst="straightConnector1">
+            <a:avLst/>
+          </a:prstGeom>
+          <a:ln>
+            <a:tailEnd type="triangle"/>
+          </a:ln>
+        </p:spPr>
+        <p:style>
+          <a:lnRef idx="1">
+            <a:schemeClr val="dk1"/>
+          </a:lnRef>
+          <a:fillRef idx="0">
+            <a:schemeClr val="dk1"/>
+          </a:fillRef>
+          <a:effectRef idx="0">
+            <a:schemeClr val="dk1"/>
+          </a:effectRef>
+          <a:fontRef idx="minor">
+            <a:schemeClr val="tx1"/>
+          </a:fontRef>
+        </p:style>
+      </p:cxnSp>
+      <p:sp>
+        <p:nvSpPr>
+          <p:cNvPr id="34" name="テキスト ボックス 33"/>
+          <p:cNvSpPr txBox="1"/>
+          <p:nvPr/>
+        </p:nvSpPr>
+        <p:spPr>
+          <a:xfrm>
+            <a:off x="8553136" y="3499485"/>
+            <a:ext cx="921895" cy="369332"/>
+          </a:xfrm>
+          <a:prstGeom prst="rect">
+            <a:avLst/>
+          </a:prstGeom>
+          <a:noFill/>
+          <a:ln>
+            <a:noFill/>
+          </a:ln>
+        </p:spPr>
+        <p:txBody>
+          <a:bodyPr wrap="square" rtlCol="0">
+            <a:spAutoFit/>
+          </a:bodyPr>
+          <a:lstStyle/>
+          <a:p>
+            <a:r>
+              <a:rPr kumimoji="1" lang="ja-JP" altLang="en-US" dirty="0" smtClean="0"/>
+              <a:t>特徴量</a:t>
+            </a:r>
+            <a:endParaRPr kumimoji="1" lang="ja-JP" altLang="en-US" dirty="0"/>
+          </a:p>
+        </p:txBody>
+      </p:sp>
+      <p:sp>
+        <p:nvSpPr>
+          <p:cNvPr id="10" name="テキスト ボックス 9"/>
+          <p:cNvSpPr txBox="1"/>
+          <p:nvPr/>
+        </p:nvSpPr>
+        <p:spPr>
+          <a:xfrm>
+            <a:off x="2345960" y="3564900"/>
+            <a:ext cx="1361600" cy="646331"/>
+          </a:xfrm>
+          <a:prstGeom prst="rect">
+            <a:avLst/>
+          </a:prstGeom>
+          <a:noFill/>
+        </p:spPr>
+        <p:txBody>
+          <a:bodyPr wrap="square" rtlCol="0">
+            <a:spAutoFit/>
+          </a:bodyPr>
+          <a:lstStyle/>
+          <a:p>
+            <a:r>
+              <a:rPr kumimoji="1" lang="ja-JP" altLang="en-US" dirty="0" smtClean="0"/>
+              <a:t>予測</a:t>
+            </a:r>
+            <a:endParaRPr kumimoji="1" lang="en-US" altLang="ja-JP" dirty="0" smtClean="0"/>
+          </a:p>
+          <a:p>
+            <a:r>
+              <a:rPr kumimoji="1" lang="ja-JP" altLang="en-US" dirty="0" smtClean="0"/>
+              <a:t>リクエスト</a:t>
+            </a:r>
+            <a:endParaRPr kumimoji="1" lang="ja-JP" altLang="en-US" dirty="0"/>
+          </a:p>
+        </p:txBody>
+      </p:sp>
+      <p:sp>
+        <p:nvSpPr>
+          <p:cNvPr id="16" name="テキスト ボックス 15"/>
+          <p:cNvSpPr txBox="1"/>
+          <p:nvPr/>
+        </p:nvSpPr>
+        <p:spPr>
+          <a:xfrm>
+            <a:off x="4206721" y="4203738"/>
+            <a:ext cx="1821305" cy="646331"/>
+          </a:xfrm>
+          <a:prstGeom prst="rect">
+            <a:avLst/>
+          </a:prstGeom>
+          <a:noFill/>
+        </p:spPr>
+        <p:txBody>
+          <a:bodyPr wrap="square" rtlCol="0">
+            <a:spAutoFit/>
+          </a:bodyPr>
+          <a:lstStyle/>
+          <a:p>
+            <a:r>
+              <a:rPr kumimoji="1" lang="ja-JP" altLang="en-US" dirty="0" smtClean="0"/>
+              <a:t>ログ</a:t>
+            </a:r>
+            <a:endParaRPr kumimoji="1" lang="en-US" altLang="ja-JP" dirty="0" smtClean="0"/>
+          </a:p>
+          <a:p>
+            <a:r>
+              <a:rPr lang="ja-JP" altLang="en-US" dirty="0" smtClean="0"/>
+              <a:t>ユーザー</a:t>
+            </a:r>
+            <a:r>
+              <a:rPr lang="ja-JP" altLang="en-US" dirty="0"/>
+              <a:t>情報</a:t>
+            </a:r>
+            <a:endParaRPr kumimoji="1" lang="ja-JP" altLang="en-US" dirty="0"/>
+          </a:p>
+        </p:txBody>
+      </p:sp>
+      <p:sp>
+        <p:nvSpPr>
+          <p:cNvPr id="18" name="テキスト ボックス 17"/>
+          <p:cNvSpPr txBox="1"/>
+          <p:nvPr/>
+        </p:nvSpPr>
+        <p:spPr>
+          <a:xfrm>
+            <a:off x="6813030" y="2600791"/>
+            <a:ext cx="1209520" cy="369332"/>
+          </a:xfrm>
+          <a:prstGeom prst="rect">
+            <a:avLst/>
+          </a:prstGeom>
+          <a:noFill/>
+        </p:spPr>
+        <p:txBody>
+          <a:bodyPr wrap="square" rtlCol="0">
+            <a:spAutoFit/>
+          </a:bodyPr>
+          <a:lstStyle/>
+          <a:p>
+            <a:r>
+              <a:rPr kumimoji="1" lang="ja-JP" altLang="en-US" dirty="0" smtClean="0"/>
+              <a:t>学習結果</a:t>
+            </a:r>
+            <a:endParaRPr kumimoji="1" lang="ja-JP" altLang="en-US" dirty="0"/>
+          </a:p>
+        </p:txBody>
+      </p:sp>
+      <p:sp>
+        <p:nvSpPr>
+          <p:cNvPr id="19" name="テキスト ボックス 18"/>
+          <p:cNvSpPr txBox="1"/>
+          <p:nvPr/>
+        </p:nvSpPr>
+        <p:spPr>
+          <a:xfrm>
+            <a:off x="6683424" y="4343916"/>
+            <a:ext cx="2122983" cy="646331"/>
+          </a:xfrm>
+          <a:prstGeom prst="rect">
+            <a:avLst/>
+          </a:prstGeom>
+          <a:noFill/>
+        </p:spPr>
+        <p:txBody>
+          <a:bodyPr wrap="square" rtlCol="0">
+            <a:spAutoFit/>
+          </a:bodyPr>
+          <a:lstStyle/>
+          <a:p>
+            <a:r>
+              <a:rPr kumimoji="1" lang="ja-JP" altLang="en-US" dirty="0" smtClean="0"/>
+              <a:t>ログ</a:t>
+            </a:r>
+            <a:endParaRPr kumimoji="1" lang="en-US" altLang="ja-JP" dirty="0" smtClean="0"/>
+          </a:p>
+          <a:p>
+            <a:r>
+              <a:rPr lang="ja-JP" altLang="en-US" dirty="0" smtClean="0"/>
+              <a:t>ユーザー情報</a:t>
+            </a:r>
+            <a:endParaRPr kumimoji="1" lang="ja-JP" altLang="en-US" dirty="0"/>
+          </a:p>
+        </p:txBody>
+      </p:sp>
+      <p:cxnSp>
+        <p:nvCxnSpPr>
+          <p:cNvPr id="27" name="直線矢印コネクタ 26"/>
+          <p:cNvCxnSpPr/>
+          <p:nvPr/>
+        </p:nvCxnSpPr>
+        <p:spPr>
+          <a:xfrm>
+            <a:off x="6813030" y="4321363"/>
+            <a:ext cx="821958" cy="0"/>
+          </a:xfrm>
+          <a:prstGeom prst="straightConnector1">
+            <a:avLst/>
+          </a:prstGeom>
+          <a:ln>
+            <a:tailEnd type="triangle"/>
+          </a:ln>
+        </p:spPr>
+        <p:style>
+          <a:lnRef idx="1">
+            <a:schemeClr val="dk1"/>
+          </a:lnRef>
+          <a:fillRef idx="0">
+            <a:schemeClr val="dk1"/>
+          </a:fillRef>
+          <a:effectRef idx="0">
+            <a:schemeClr val="dk1"/>
+          </a:effectRef>
+          <a:fontRef idx="minor">
+            <a:schemeClr val="tx1"/>
+          </a:fontRef>
+        </p:style>
+      </p:cxnSp>
+      <p:sp>
+        <p:nvSpPr>
+          <p:cNvPr id="30" name="テキスト ボックス 29"/>
+          <p:cNvSpPr txBox="1"/>
+          <p:nvPr/>
+        </p:nvSpPr>
+        <p:spPr>
+          <a:xfrm>
+            <a:off x="6951998" y="1976269"/>
+            <a:ext cx="1843790" cy="369332"/>
+          </a:xfrm>
+          <a:prstGeom prst="rect">
+            <a:avLst/>
+          </a:prstGeom>
+        </p:spPr>
+        <p:style>
+          <a:lnRef idx="2">
+            <a:schemeClr val="dk1"/>
+          </a:lnRef>
+          <a:fillRef idx="1">
+            <a:schemeClr val="lt1"/>
+          </a:fillRef>
+          <a:effectRef idx="0">
+            <a:schemeClr val="dk1"/>
+          </a:effectRef>
+          <a:fontRef idx="minor">
+            <a:schemeClr val="dk1"/>
+          </a:fontRef>
+        </p:style>
+        <p:txBody>
+          <a:bodyPr wrap="square" rtlCol="0">
+            <a:spAutoFit/>
+          </a:bodyPr>
+          <a:lstStyle/>
+          <a:p>
+            <a:pPr algn="ctr"/>
+            <a:r>
+              <a:rPr kumimoji="1" lang="ja-JP" altLang="en-US" b="1" dirty="0" smtClean="0"/>
+              <a:t>バッチシステム</a:t>
+            </a:r>
+            <a:endParaRPr kumimoji="1" lang="ja-JP" altLang="en-US" b="1" dirty="0"/>
+          </a:p>
+        </p:txBody>
+      </p:sp>
+      <p:sp>
+        <p:nvSpPr>
+          <p:cNvPr id="36" name="スライド番号プレースホルダー 35"/>
+          <p:cNvSpPr>
+            <a:spLocks noGrp="1"/>
+          </p:cNvSpPr>
+          <p:nvPr>
+            <p:ph type="sldNum" sz="quarter" idx="12"/>
+          </p:nvPr>
+        </p:nvSpPr>
+        <p:spPr/>
+        <p:txBody>
+          <a:bodyPr/>
+          <a:lstStyle/>
+          <a:p>
+            <a:fld id="{4DC2A55A-9417-4532-9704-8CDE2F5A56C0}" type="slidenum">
+              <a:rPr kumimoji="1" lang="ja-JP" altLang="en-US" smtClean="0"/>
+              <a:t>31</a:t>
+            </a:fld>
+            <a:endParaRPr kumimoji="1" lang="ja-JP" altLang="en-US"/>
+          </a:p>
+        </p:txBody>
+      </p:sp>
+    </p:spTree>
+    <p:extLst>
+      <p:ext uri="{BB962C8B-B14F-4D97-AF65-F5344CB8AC3E}">
+        <p14:creationId xmlns:p14="http://schemas.microsoft.com/office/powerpoint/2010/main" val="111327187"/>
+      </p:ext>
+    </p:extLst>
+  </p:cSld>
+  <p:clrMapOvr>
+    <a:masterClrMapping/>
+  </p:clrMapOvr>
+  <mc:AlternateContent xmlns:mc="http://schemas.openxmlformats.org/markup-compatibility/2006">
+    <mc:Choice xmlns:p14="http://schemas.microsoft.com/office/powerpoint/2010/main" Requires="p14">
+      <p:transition spd="slow" p14:dur="2000"/>
+    </mc:Choice>
+    <mc:Fallback>
+      <p:transition spd="slow"/>
+    </mc:Fallback>
+  </mc:AlternateContent>
+</p:sld>
+</file>
+
+<file path=ppt/slides/slide32.xml><?xml version="1.0" encoding="utf-8"?>
+<p:sld xmlns:a="http://schemas.openxmlformats.org/drawingml/2006/main" xmlns:r="http://schemas.openxmlformats.org/officeDocument/2006/relationships" xmlns:p="http://schemas.openxmlformats.org/presentationml/2006/main" show="0">
+  <p:cSld>
+    <p:spTree>
+      <p:nvGrpSpPr>
+        <p:cNvPr id="1" name=""/>
+        <p:cNvGrpSpPr/>
+        <p:nvPr/>
+      </p:nvGrpSpPr>
+      <p:grpSpPr>
+        <a:xfrm>
+          <a:off x="0" y="0"/>
+          <a:ext cx="0" cy="0"/>
+          <a:chOff x="0" y="0"/>
+          <a:chExt cx="0" cy="0"/>
+        </a:xfrm>
+      </p:grpSpPr>
+      <p:sp>
+        <p:nvSpPr>
+          <p:cNvPr id="3" name="正方形/長方形 2"/>
+          <p:cNvSpPr/>
+          <p:nvPr/>
+        </p:nvSpPr>
+        <p:spPr>
+          <a:xfrm>
             <a:off x="1821305" y="1199213"/>
             <a:ext cx="8117174" cy="3575154"/>
           </a:xfrm>
@@ -22778,7 +23908,7 @@
           <a:p>
             <a:fld id="{4DC2A55A-9417-4532-9704-8CDE2F5A56C0}" type="slidenum">
               <a:rPr kumimoji="1" lang="ja-JP" altLang="en-US" smtClean="0"/>
-              <a:t>31</a:t>
+              <a:t>32</a:t>
             </a:fld>
             <a:endParaRPr kumimoji="1" lang="ja-JP" altLang="en-US"/>
           </a:p>
@@ -23513,7 +24643,19 @@
             </a:pPr>
             <a:r>
               <a:rPr lang="ja-JP" altLang="en-US" dirty="0" smtClean="0"/>
-              <a:t>リアルタイム学習で逐次学習</a:t>
+              <a:t>リアルタイム</a:t>
+            </a:r>
+            <a:r>
+              <a:rPr lang="ja-JP" altLang="en-US" dirty="0"/>
+              <a:t>処理</a:t>
+            </a:r>
+            <a:r>
+              <a:rPr lang="ja-JP" altLang="en-US" dirty="0" smtClean="0"/>
+              <a:t>で</a:t>
+            </a:r>
+            <a:r>
+              <a:rPr lang="ja-JP" altLang="en-US" dirty="0" smtClean="0"/>
+              <a:t>逐次学習</a:t>
             </a:r>
             <a:endParaRPr lang="en-US" altLang="ja-JP" dirty="0" smtClean="0"/>
           </a:p>
@@ -23892,7 +25034,7 @@
         <p:spPr>
           <a:xfrm>
             <a:off x="6981670" y="1690689"/>
-            <a:ext cx="5047937" cy="3615830"/>
+            <a:ext cx="5081699" cy="3615830"/>
           </a:xfrm>
         </p:spPr>
         <p:txBody>

--- a/仕事ではじめる機械学習第4章.pptx
+++ b/仕事ではじめる機械学習第4章.pptx
@@ -5,7 +5,7 @@
     <p:sldMasterId id="2147483648" r:id="rId1"/>
   </p:sldMasterIdLst>
   <p:notesMasterIdLst>
-    <p:notesMasterId r:id="rId34"/>
+    <p:notesMasterId r:id="rId35"/>
   </p:notesMasterIdLst>
   <p:sldIdLst>
     <p:sldId id="257" r:id="rId2"/>
@@ -32,14 +32,15 @@
     <p:sldId id="291" r:id="rId23"/>
     <p:sldId id="284" r:id="rId24"/>
     <p:sldId id="289" r:id="rId25"/>
-    <p:sldId id="290" r:id="rId26"/>
-    <p:sldId id="280" r:id="rId27"/>
-    <p:sldId id="278" r:id="rId28"/>
-    <p:sldId id="266" r:id="rId29"/>
-    <p:sldId id="287" r:id="rId30"/>
-    <p:sldId id="272" r:id="rId31"/>
-    <p:sldId id="267" r:id="rId32"/>
-    <p:sldId id="275" r:id="rId33"/>
+    <p:sldId id="292" r:id="rId26"/>
+    <p:sldId id="290" r:id="rId27"/>
+    <p:sldId id="280" r:id="rId28"/>
+    <p:sldId id="278" r:id="rId29"/>
+    <p:sldId id="266" r:id="rId30"/>
+    <p:sldId id="287" r:id="rId31"/>
+    <p:sldId id="272" r:id="rId32"/>
+    <p:sldId id="267" r:id="rId33"/>
+    <p:sldId id="275" r:id="rId34"/>
   </p:sldIdLst>
   <p:sldSz cx="12192000" cy="6858000"/>
   <p:notesSz cx="6858000" cy="9144000"/>
@@ -4417,6 +4418,387 @@
           <a:lstStyle/>
           <a:p>
             <a:r>
+              <a:rPr kumimoji="1" lang="ja-JP" altLang="en-US" sz="1200" b="0" i="0" kern="1200" dirty="0" smtClean="0">
+                <a:solidFill>
+                  <a:schemeClr val="tx1"/>
+                </a:solidFill>
+                <a:effectLst/>
+                <a:latin typeface="+mn-lt"/>
+                <a:ea typeface="+mn-ea"/>
+                <a:cs typeface="+mn-cs"/>
+              </a:rPr>
+              <a:t>最後にログ設計する上での注意点を紹介します</a:t>
+            </a:r>
+            <a:endParaRPr kumimoji="1" lang="en-US" altLang="ja-JP" sz="1200" b="0" i="0" kern="1200" dirty="0" smtClean="0">
+              <a:solidFill>
+                <a:schemeClr val="tx1"/>
+              </a:solidFill>
+              <a:effectLst/>
+              <a:latin typeface="+mn-lt"/>
+              <a:ea typeface="+mn-ea"/>
+              <a:cs typeface="+mn-cs"/>
+            </a:endParaRPr>
+          </a:p>
+          <a:p>
+            <a:endParaRPr kumimoji="1" lang="en-US" altLang="ja-JP" sz="1200" b="0" i="0" kern="1200" dirty="0" smtClean="0">
+              <a:solidFill>
+                <a:schemeClr val="tx1"/>
+              </a:solidFill>
+              <a:effectLst/>
+              <a:latin typeface="+mn-lt"/>
+              <a:ea typeface="+mn-ea"/>
+              <a:cs typeface="+mn-cs"/>
+            </a:endParaRPr>
+          </a:p>
+          <a:p>
+            <a:r>
+              <a:rPr kumimoji="1" lang="ja-JP" altLang="en-US" sz="1200" b="0" i="0" kern="1200" dirty="0" smtClean="0">
+                <a:solidFill>
+                  <a:schemeClr val="tx1"/>
+                </a:solidFill>
+                <a:effectLst/>
+                <a:latin typeface="+mn-lt"/>
+                <a:ea typeface="+mn-ea"/>
+                <a:cs typeface="+mn-cs"/>
+              </a:rPr>
+              <a:t>注意点はいろいろあるんですが、その中でも大規模データの転送コストについて話したいと思います。</a:t>
+            </a:r>
+            <a:endParaRPr kumimoji="1" lang="en-US" altLang="ja-JP" sz="1200" b="0" i="0" kern="1200" dirty="0" smtClean="0">
+              <a:solidFill>
+                <a:schemeClr val="tx1"/>
+              </a:solidFill>
+              <a:effectLst/>
+              <a:latin typeface="+mn-lt"/>
+              <a:ea typeface="+mn-ea"/>
+              <a:cs typeface="+mn-cs"/>
+            </a:endParaRPr>
+          </a:p>
+          <a:p>
+            <a:endParaRPr kumimoji="1" lang="en-US" altLang="ja-JP" sz="1200" b="0" i="0" kern="1200" dirty="0" smtClean="0">
+              <a:solidFill>
+                <a:schemeClr val="tx1"/>
+              </a:solidFill>
+              <a:effectLst/>
+              <a:latin typeface="+mn-lt"/>
+              <a:ea typeface="+mn-ea"/>
+              <a:cs typeface="+mn-cs"/>
+            </a:endParaRPr>
+          </a:p>
+          <a:p>
+            <a:r>
+              <a:rPr kumimoji="1" lang="en-US" altLang="ja-JP" sz="1200" b="0" i="0" kern="1200" dirty="0" err="1" smtClean="0">
+                <a:solidFill>
+                  <a:schemeClr val="tx1"/>
+                </a:solidFill>
+                <a:effectLst/>
+                <a:latin typeface="+mn-lt"/>
+                <a:ea typeface="+mn-ea"/>
+                <a:cs typeface="+mn-cs"/>
+              </a:rPr>
+              <a:t>sckit</a:t>
+            </a:r>
+            <a:r>
+              <a:rPr kumimoji="1" lang="en-US" altLang="ja-JP" sz="1200" b="0" i="0" kern="1200" dirty="0" smtClean="0">
+                <a:solidFill>
+                  <a:schemeClr val="tx1"/>
+                </a:solidFill>
+                <a:effectLst/>
+                <a:latin typeface="+mn-lt"/>
+                <a:ea typeface="+mn-ea"/>
+                <a:cs typeface="+mn-cs"/>
+              </a:rPr>
+              <a:t>-learn</a:t>
+            </a:r>
+            <a:r>
+              <a:rPr kumimoji="1" lang="ja-JP" altLang="en-US" sz="1200" b="0" i="0" kern="1200" dirty="0" smtClean="0">
+                <a:solidFill>
+                  <a:schemeClr val="tx1"/>
+                </a:solidFill>
+                <a:effectLst/>
+                <a:latin typeface="+mn-lt"/>
+                <a:ea typeface="+mn-ea"/>
+                <a:cs typeface="+mn-cs"/>
+              </a:rPr>
+              <a:t>などの機械学習ライブラリを使った学習をする場合、どうしても機械学習のバッチ処理を行うサーバーにデータを転送する必要がありますが、大規模データになると時間がかかります。</a:t>
+            </a:r>
+            <a:endParaRPr kumimoji="1" lang="en-US" altLang="ja-JP" sz="1200" b="0" i="0" kern="1200" dirty="0" smtClean="0">
+              <a:solidFill>
+                <a:schemeClr val="tx1"/>
+              </a:solidFill>
+              <a:effectLst/>
+              <a:latin typeface="+mn-lt"/>
+              <a:ea typeface="+mn-ea"/>
+              <a:cs typeface="+mn-cs"/>
+            </a:endParaRPr>
+          </a:p>
+          <a:p>
+            <a:endParaRPr kumimoji="1" lang="en-US" altLang="ja-JP" sz="1200" b="0" i="0" kern="1200" dirty="0" smtClean="0">
+              <a:solidFill>
+                <a:schemeClr val="tx1"/>
+              </a:solidFill>
+              <a:effectLst/>
+              <a:latin typeface="+mn-lt"/>
+              <a:ea typeface="+mn-ea"/>
+              <a:cs typeface="+mn-cs"/>
+            </a:endParaRPr>
+          </a:p>
+          <a:p>
+            <a:r>
+              <a:rPr kumimoji="1" lang="ja-JP" altLang="en-US" sz="1200" b="0" i="0" kern="1200" dirty="0" smtClean="0">
+                <a:solidFill>
+                  <a:schemeClr val="tx1"/>
+                </a:solidFill>
+                <a:effectLst/>
+                <a:latin typeface="+mn-lt"/>
+                <a:ea typeface="+mn-ea"/>
+                <a:cs typeface="+mn-cs"/>
+              </a:rPr>
+              <a:t>この時間を抑えるためにこの本では、分散</a:t>
+            </a:r>
+            <a:r>
+              <a:rPr kumimoji="1" lang="en-US" altLang="ja-JP" sz="1200" b="0" i="0" kern="1200" dirty="0" smtClean="0">
+                <a:solidFill>
+                  <a:schemeClr val="tx1"/>
+                </a:solidFill>
+                <a:effectLst/>
+                <a:latin typeface="+mn-lt"/>
+                <a:ea typeface="+mn-ea"/>
+                <a:cs typeface="+mn-cs"/>
+              </a:rPr>
+              <a:t>RDB</a:t>
+            </a:r>
+            <a:r>
+              <a:rPr kumimoji="1" lang="ja-JP" altLang="en-US" sz="1200" b="0" i="0" kern="1200" dirty="0" smtClean="0">
+                <a:solidFill>
+                  <a:schemeClr val="tx1"/>
+                </a:solidFill>
+                <a:effectLst/>
+                <a:latin typeface="+mn-lt"/>
+                <a:ea typeface="+mn-ea"/>
+                <a:cs typeface="+mn-cs"/>
+              </a:rPr>
+              <a:t>を利用した～～と言ってます。つまりこれは、既にデータが保存されている</a:t>
+            </a:r>
+            <a:r>
+              <a:rPr kumimoji="1" lang="en-US" altLang="ja-JP" sz="1200" b="0" i="0" kern="1200" dirty="0" smtClean="0">
+                <a:solidFill>
+                  <a:schemeClr val="tx1"/>
+                </a:solidFill>
+                <a:effectLst/>
+                <a:latin typeface="+mn-lt"/>
+                <a:ea typeface="+mn-ea"/>
+                <a:cs typeface="+mn-cs"/>
+              </a:rPr>
+              <a:t>DB</a:t>
+            </a:r>
+            <a:r>
+              <a:rPr kumimoji="1" lang="ja-JP" altLang="en-US" sz="1200" b="0" i="0" kern="1200" dirty="0" smtClean="0">
+                <a:solidFill>
+                  <a:schemeClr val="tx1"/>
+                </a:solidFill>
+                <a:effectLst/>
+                <a:latin typeface="+mn-lt"/>
+                <a:ea typeface="+mn-ea"/>
+                <a:cs typeface="+mn-cs"/>
+              </a:rPr>
+              <a:t>上で前処理するってことです</a:t>
+            </a:r>
+            <a:endParaRPr kumimoji="1" lang="en-US" altLang="ja-JP" sz="1200" b="0" i="0" kern="1200" dirty="0" smtClean="0">
+              <a:solidFill>
+                <a:schemeClr val="tx1"/>
+              </a:solidFill>
+              <a:effectLst/>
+              <a:latin typeface="+mn-lt"/>
+              <a:ea typeface="+mn-ea"/>
+              <a:cs typeface="+mn-cs"/>
+            </a:endParaRPr>
+          </a:p>
+          <a:p>
+            <a:endParaRPr kumimoji="1" lang="en-US" altLang="ja-JP" sz="1200" b="0" i="0" kern="1200" dirty="0" smtClean="0">
+              <a:solidFill>
+                <a:schemeClr val="tx1"/>
+              </a:solidFill>
+              <a:effectLst/>
+              <a:latin typeface="+mn-lt"/>
+              <a:ea typeface="+mn-ea"/>
+              <a:cs typeface="+mn-cs"/>
+            </a:endParaRPr>
+          </a:p>
+          <a:p>
+            <a:r>
+              <a:rPr kumimoji="1" lang="ja-JP" altLang="en-US" sz="1200" b="0" i="0" kern="1200" dirty="0" smtClean="0">
+                <a:solidFill>
+                  <a:schemeClr val="tx1"/>
+                </a:solidFill>
+                <a:effectLst/>
+                <a:latin typeface="+mn-lt"/>
+                <a:ea typeface="+mn-ea"/>
+                <a:cs typeface="+mn-cs"/>
+              </a:rPr>
+              <a:t>また、大規模データに対して、複雑な前処理を定期的に実行する必要がある場合ですね。これは先ほども言いましたが、～～した方がいいということで例えば</a:t>
+            </a:r>
+            <a:endParaRPr kumimoji="1" lang="en-US" altLang="ja-JP" sz="1200" b="0" i="0" kern="1200" dirty="0" smtClean="0">
+              <a:solidFill>
+                <a:schemeClr val="tx1"/>
+              </a:solidFill>
+              <a:effectLst/>
+              <a:latin typeface="+mn-lt"/>
+              <a:ea typeface="+mn-ea"/>
+              <a:cs typeface="+mn-cs"/>
+            </a:endParaRPr>
+          </a:p>
+          <a:p>
+            <a:endParaRPr kumimoji="1" lang="en-US" altLang="ja-JP" sz="1200" b="0" i="0" kern="1200" dirty="0" smtClean="0">
+              <a:solidFill>
+                <a:schemeClr val="tx1"/>
+              </a:solidFill>
+              <a:effectLst/>
+              <a:latin typeface="+mn-lt"/>
+              <a:ea typeface="+mn-ea"/>
+              <a:cs typeface="+mn-cs"/>
+            </a:endParaRPr>
+          </a:p>
+          <a:p>
+            <a:r>
+              <a:rPr kumimoji="1" lang="en-US" altLang="ja-JP" sz="1200" b="0" i="0" kern="1200" dirty="0" smtClean="0">
+                <a:solidFill>
+                  <a:schemeClr val="tx1"/>
+                </a:solidFill>
+                <a:effectLst/>
+                <a:latin typeface="+mn-lt"/>
+                <a:ea typeface="+mn-ea"/>
+                <a:cs typeface="+mn-cs"/>
+              </a:rPr>
+              <a:t>Amazon S3</a:t>
+            </a:r>
+            <a:r>
+              <a:rPr kumimoji="1" lang="ja-JP" altLang="en-US" sz="1200" b="0" i="0" kern="1200" dirty="0" smtClean="0">
+                <a:solidFill>
+                  <a:schemeClr val="tx1"/>
+                </a:solidFill>
+                <a:effectLst/>
+                <a:latin typeface="+mn-lt"/>
+                <a:ea typeface="+mn-ea"/>
+                <a:cs typeface="+mn-cs"/>
+              </a:rPr>
+              <a:t>というのは、前のスライドで出てきたオブジェクトストレージのことです。</a:t>
+            </a:r>
+            <a:r>
+              <a:rPr kumimoji="1" lang="en-US" altLang="ja-JP" sz="1200" b="0" i="0" kern="1200" dirty="0" smtClean="0">
+                <a:solidFill>
+                  <a:schemeClr val="tx1"/>
+                </a:solidFill>
+                <a:effectLst/>
+                <a:latin typeface="+mn-lt"/>
+                <a:ea typeface="+mn-ea"/>
+                <a:cs typeface="+mn-cs"/>
+              </a:rPr>
+              <a:t>Amazon Elastic </a:t>
+            </a:r>
+            <a:r>
+              <a:rPr kumimoji="1" lang="en-US" altLang="ja-JP" sz="1200" b="0" i="0" kern="1200" dirty="0" err="1" smtClean="0">
+                <a:solidFill>
+                  <a:schemeClr val="tx1"/>
+                </a:solidFill>
+                <a:effectLst/>
+                <a:latin typeface="+mn-lt"/>
+                <a:ea typeface="+mn-ea"/>
+                <a:cs typeface="+mn-cs"/>
+              </a:rPr>
+              <a:t>MapReduce</a:t>
+            </a:r>
+            <a:r>
+              <a:rPr kumimoji="1" lang="ja-JP" altLang="en-US" sz="1200" b="0" i="0" kern="1200" dirty="0" smtClean="0">
+                <a:solidFill>
+                  <a:schemeClr val="tx1"/>
+                </a:solidFill>
+                <a:effectLst/>
+                <a:latin typeface="+mn-lt"/>
+                <a:ea typeface="+mn-ea"/>
+                <a:cs typeface="+mn-cs"/>
+              </a:rPr>
+              <a:t>は、</a:t>
+            </a:r>
+            <a:r>
+              <a:rPr kumimoji="1" lang="en-US" altLang="ja-JP" sz="1200" b="0" i="0" kern="1200" dirty="0" err="1" smtClean="0">
+                <a:solidFill>
+                  <a:schemeClr val="tx1"/>
+                </a:solidFill>
+                <a:effectLst/>
+                <a:latin typeface="+mn-lt"/>
+                <a:ea typeface="+mn-ea"/>
+                <a:cs typeface="+mn-cs"/>
+              </a:rPr>
+              <a:t>Handoop</a:t>
+            </a:r>
+            <a:r>
+              <a:rPr kumimoji="1" lang="ja-JP" altLang="en-US" sz="1200" b="0" i="0" kern="1200" dirty="0" smtClean="0">
+                <a:solidFill>
+                  <a:schemeClr val="tx1"/>
+                </a:solidFill>
+                <a:effectLst/>
+                <a:latin typeface="+mn-lt"/>
+                <a:ea typeface="+mn-ea"/>
+                <a:cs typeface="+mn-cs"/>
+              </a:rPr>
+              <a:t>と同じ分散処理基盤のことで抽出するデータの細かな加工を行う必要がある場合</a:t>
+            </a:r>
+            <a:endParaRPr kumimoji="1" lang="en-US" altLang="ja-JP" sz="1200" b="0" i="0" kern="1200" dirty="0" smtClean="0">
+              <a:solidFill>
+                <a:schemeClr val="tx1"/>
+              </a:solidFill>
+              <a:effectLst/>
+              <a:latin typeface="+mn-lt"/>
+              <a:ea typeface="+mn-ea"/>
+              <a:cs typeface="+mn-cs"/>
+            </a:endParaRPr>
+          </a:p>
+          <a:p>
+            <a:endParaRPr kumimoji="1" lang="en-US" altLang="ja-JP" sz="1200" b="0" i="0" kern="1200" dirty="0" smtClean="0">
+              <a:solidFill>
+                <a:schemeClr val="tx1"/>
+              </a:solidFill>
+              <a:effectLst/>
+              <a:latin typeface="+mn-lt"/>
+              <a:ea typeface="+mn-ea"/>
+              <a:cs typeface="+mn-cs"/>
+            </a:endParaRPr>
+          </a:p>
+          <a:p>
+            <a:endParaRPr kumimoji="1" lang="en-US" altLang="ja-JP" sz="1200" b="0" i="0" kern="1200" dirty="0" smtClean="0">
+              <a:solidFill>
+                <a:schemeClr val="tx1"/>
+              </a:solidFill>
+              <a:effectLst/>
+              <a:latin typeface="+mn-lt"/>
+              <a:ea typeface="+mn-ea"/>
+              <a:cs typeface="+mn-cs"/>
+            </a:endParaRPr>
+          </a:p>
+          <a:p>
+            <a:endParaRPr kumimoji="1" lang="en-US" altLang="ja-JP" sz="1200" b="0" i="0" kern="1200" smtClean="0">
+              <a:solidFill>
+                <a:schemeClr val="tx1"/>
+              </a:solidFill>
+              <a:effectLst/>
+              <a:latin typeface="+mn-lt"/>
+              <a:ea typeface="+mn-ea"/>
+              <a:cs typeface="+mn-cs"/>
+            </a:endParaRPr>
+          </a:p>
+          <a:p>
+            <a:endParaRPr kumimoji="1" lang="en-US" altLang="ja-JP" sz="1200" b="0" i="0" kern="1200" dirty="0" smtClean="0">
+              <a:solidFill>
+                <a:schemeClr val="tx1"/>
+              </a:solidFill>
+              <a:effectLst/>
+              <a:latin typeface="+mn-lt"/>
+              <a:ea typeface="+mn-ea"/>
+              <a:cs typeface="+mn-cs"/>
+            </a:endParaRPr>
+          </a:p>
+          <a:p>
+            <a:r>
               <a:rPr kumimoji="1" lang="en-US" altLang="ja-JP" sz="1200" b="0" i="0" kern="1200" dirty="0" smtClean="0">
                 <a:solidFill>
                   <a:schemeClr val="tx1"/>
@@ -4901,7 +5283,7 @@
               <a:t>100</a:t>
             </a:r>
             <a:r>
-              <a:rPr kumimoji="1" lang="ja-JP" altLang="en-US" sz="1200" b="0" i="0" kern="1200" smtClean="0">
+              <a:rPr kumimoji="1" lang="ja-JP" altLang="en-US" sz="1200" b="0" i="0" kern="1200" dirty="0" smtClean="0">
                 <a:solidFill>
                   <a:schemeClr val="tx1"/>
                 </a:solidFill>
@@ -4913,7 +5295,7 @@
               <a:t>万件の</a:t>
             </a:r>
             <a:r>
-              <a:rPr kumimoji="1" lang="ja-JP" altLang="en-US" sz="1200" b="1" i="0" kern="1200" smtClean="0">
+              <a:rPr kumimoji="1" lang="ja-JP" altLang="en-US" sz="1200" b="1" i="0" kern="1200" dirty="0" smtClean="0">
                 <a:solidFill>
                   <a:schemeClr val="tx1"/>
                 </a:solidFill>
@@ -4925,7 +5307,7 @@
               <a:t>大量データ</a:t>
             </a:r>
             <a:r>
-              <a:rPr kumimoji="1" lang="ja-JP" altLang="en-US" sz="1200" b="0" i="0" kern="1200" smtClean="0">
+              <a:rPr kumimoji="1" lang="ja-JP" altLang="en-US" sz="1200" b="0" i="0" kern="1200" dirty="0" smtClean="0">
                 <a:solidFill>
                   <a:schemeClr val="tx1"/>
                 </a:solidFill>
@@ -4937,7 +5319,7 @@
               <a:t>が登録されたデータを効率的に</a:t>
             </a:r>
             <a:r>
-              <a:rPr kumimoji="1" lang="ja-JP" altLang="en-US" sz="1200" b="1" i="0" kern="1200" smtClean="0">
+              <a:rPr kumimoji="1" lang="ja-JP" altLang="en-US" sz="1200" b="1" i="0" kern="1200" dirty="0" smtClean="0">
                 <a:solidFill>
                   <a:schemeClr val="tx1"/>
                 </a:solidFill>
@@ -4949,7 +5331,7 @@
               <a:t>取得・更新・削除・追加</a:t>
             </a:r>
             <a:r>
-              <a:rPr kumimoji="1" lang="ja-JP" altLang="en-US" sz="1200" b="0" i="0" kern="1200" smtClean="0">
+              <a:rPr kumimoji="1" lang="ja-JP" altLang="en-US" sz="1200" b="0" i="0" kern="1200" dirty="0" smtClean="0">
                 <a:solidFill>
                   <a:schemeClr val="tx1"/>
                 </a:solidFill>
@@ -4960,7 +5342,53 @@
               </a:rPr>
               <a:t>することができます。</a:t>
             </a:r>
-            <a:endParaRPr kumimoji="1" lang="ja-JP" altLang="en-US"/>
+            <a:endParaRPr kumimoji="1" lang="en-US" altLang="ja-JP" sz="1200" b="0" i="0" kern="1200" dirty="0" smtClean="0">
+              <a:solidFill>
+                <a:schemeClr val="tx1"/>
+              </a:solidFill>
+              <a:effectLst/>
+              <a:latin typeface="+mn-lt"/>
+              <a:ea typeface="+mn-ea"/>
+              <a:cs typeface="+mn-cs"/>
+            </a:endParaRPr>
+          </a:p>
+          <a:p>
+            <a:endParaRPr kumimoji="1" lang="en-US" altLang="ja-JP" sz="1200" b="0" i="0" kern="1200" dirty="0" smtClean="0">
+              <a:solidFill>
+                <a:schemeClr val="tx1"/>
+              </a:solidFill>
+              <a:effectLst/>
+              <a:latin typeface="+mn-lt"/>
+              <a:ea typeface="+mn-ea"/>
+              <a:cs typeface="+mn-cs"/>
+            </a:endParaRPr>
+          </a:p>
+          <a:p>
+            <a:r>
+              <a:rPr kumimoji="1" lang="ja-JP" altLang="en-US" sz="1200" b="0" i="0" kern="1200" dirty="0" smtClean="0">
+                <a:solidFill>
+                  <a:schemeClr val="tx1"/>
+                </a:solidFill>
+                <a:effectLst/>
+                <a:latin typeface="+mn-lt"/>
+                <a:ea typeface="+mn-ea"/>
+                <a:cs typeface="+mn-cs"/>
+              </a:rPr>
+              <a:t>データウェアハウス：</a:t>
+            </a:r>
+            <a:r>
+              <a:rPr kumimoji="1" lang="ja-JP" altLang="en-US" sz="1200" b="1" i="0" kern="1200" dirty="0" smtClean="0">
+                <a:solidFill>
+                  <a:schemeClr val="tx1"/>
+                </a:solidFill>
+                <a:effectLst/>
+                <a:latin typeface="+mn-lt"/>
+                <a:ea typeface="+mn-ea"/>
+                <a:cs typeface="+mn-cs"/>
+              </a:rPr>
+              <a:t>過去データ（履歴データ）を整理して保管しておくデータベース</a:t>
+            </a:r>
+            <a:endParaRPr kumimoji="1" lang="ja-JP" altLang="en-US" dirty="0"/>
           </a:p>
         </p:txBody>
       </p:sp>
@@ -5177,7 +5605,7 @@
           <a:p>
             <a:fld id="{7D904524-672D-4E66-A637-CA0A2B28D555}" type="slidenum">
               <a:rPr kumimoji="1" lang="ja-JP" altLang="en-US" smtClean="0"/>
-              <a:t>27</a:t>
+              <a:t>28</a:t>
             </a:fld>
             <a:endParaRPr kumimoji="1" lang="ja-JP" altLang="en-US"/>
           </a:p>
@@ -5319,7 +5747,7 @@
           <a:p>
             <a:fld id="{7D904524-672D-4E66-A637-CA0A2B28D555}" type="slidenum">
               <a:rPr kumimoji="1" lang="ja-JP" altLang="en-US" smtClean="0"/>
-              <a:t>32</a:t>
+              <a:t>33</a:t>
             </a:fld>
             <a:endParaRPr kumimoji="1" lang="ja-JP" altLang="en-US"/>
           </a:p>
@@ -16462,14 +16890,14 @@
               <a:buNone/>
             </a:pPr>
             <a:r>
-              <a:rPr kumimoji="1" lang="ja-JP" altLang="en-US" sz="3200" dirty="0" smtClean="0"/>
+              <a:rPr kumimoji="1" lang="ja-JP" altLang="en-US" sz="3600" dirty="0" smtClean="0"/>
               <a:t>ユーザー行動ログはデータ量が多く</a:t>
             </a:r>
             <a:r>
-              <a:rPr kumimoji="1" lang="ja-JP" altLang="en-US" sz="3200" dirty="0" smtClean="0"/>
+              <a:rPr kumimoji="1" lang="ja-JP" altLang="en-US" sz="3600" dirty="0" smtClean="0"/>
               <a:t>なる</a:t>
             </a:r>
-            <a:endParaRPr kumimoji="1" lang="en-US" altLang="ja-JP" sz="3200" dirty="0" smtClean="0"/>
+            <a:endParaRPr kumimoji="1" lang="en-US" altLang="ja-JP" sz="3600" dirty="0" smtClean="0"/>
           </a:p>
           <a:p>
             <a:pPr marL="0" indent="0">
@@ -16833,14 +17261,22 @@
               <a:t>を行うサーバーに</a:t>
             </a:r>
             <a:r>
-              <a:rPr kumimoji="1" lang="ja-JP" altLang="en-US" sz="3200" u="sng" dirty="0" smtClean="0"/>
+              <a:rPr kumimoji="1" lang="ja-JP" altLang="en-US" sz="3200" dirty="0" smtClean="0">
+                <a:solidFill>
+                  <a:schemeClr val="accent5"/>
+                </a:solidFill>
+              </a:rPr>
               <a:t>データを転送する際，時間がかかる</a:t>
             </a:r>
-            <a:endParaRPr kumimoji="1" lang="en-US" altLang="ja-JP" sz="3200" u="sng" dirty="0" smtClean="0"/>
+            <a:endParaRPr kumimoji="1" lang="en-US" altLang="ja-JP" sz="3200" dirty="0" smtClean="0">
+              <a:solidFill>
+                <a:schemeClr val="accent5"/>
+              </a:solidFill>
+            </a:endParaRPr>
           </a:p>
           <a:p>
             <a:pPr lvl="1"/>
-            <a:endParaRPr lang="en-US" altLang="ja-JP" sz="200" dirty="0"/>
+            <a:endParaRPr lang="en-US" altLang="ja-JP" sz="1000" dirty="0"/>
           </a:p>
           <a:p>
             <a:r>
@@ -16853,15 +17289,7 @@
             <a:pPr lvl="1"/>
             <a:r>
               <a:rPr lang="ja-JP" altLang="en-US" sz="2800" dirty="0" smtClean="0"/>
-              <a:t>分散</a:t>
-            </a:r>
-            <a:r>
-              <a:rPr lang="en-US" altLang="ja-JP" sz="2800" dirty="0" smtClean="0"/>
-              <a:t>RDBMS</a:t>
-            </a:r>
-            <a:r>
-              <a:rPr lang="ja-JP" altLang="en-US" sz="2800" dirty="0" smtClean="0"/>
-              <a:t>を利用したデータウェアハウスに</a:t>
+              <a:t>データウェアハウスに</a:t>
             </a:r>
             <a:r>
               <a:rPr lang="en-US" altLang="ja-JP" sz="2800" dirty="0" smtClean="0"/>
@@ -16896,18 +17324,30 @@
               <a:t>上で</a:t>
             </a:r>
             <a:r>
-              <a:rPr kumimoji="1" lang="en-US" altLang="ja-JP" sz="2800" dirty="0" smtClean="0"/>
+              <a:rPr kumimoji="1" lang="en-US" altLang="ja-JP" sz="2800" dirty="0" smtClean="0">
+                <a:solidFill>
+                  <a:srgbClr val="FF0000"/>
+                </a:solidFill>
+              </a:rPr>
               <a:t>SQL</a:t>
             </a:r>
             <a:r>
+              <a:rPr kumimoji="1" lang="ja-JP" altLang="en-US" sz="2800" dirty="0" smtClean="0">
+                <a:solidFill>
+                  <a:srgbClr val="FF0000"/>
+                </a:solidFill>
+              </a:rPr>
+              <a:t>を使って前処理</a:t>
+            </a:r>
+            <a:r>
               <a:rPr kumimoji="1" lang="ja-JP" altLang="en-US" sz="2800" dirty="0" smtClean="0"/>
-              <a:t>を使って前処理をできるようにするのが望ましい</a:t>
+              <a:t>をできるようにするのが望ましい</a:t>
             </a:r>
             <a:endParaRPr kumimoji="1" lang="en-US" altLang="ja-JP" sz="2800" dirty="0" smtClean="0"/>
           </a:p>
           <a:p>
             <a:pPr lvl="1"/>
-            <a:endParaRPr lang="en-US" altLang="ja-JP" sz="200" dirty="0"/>
+            <a:endParaRPr lang="en-US" altLang="ja-JP" sz="1000" dirty="0"/>
           </a:p>
           <a:p>
             <a:r>
@@ -16919,10 +17359,42 @@
           <a:p>
             <a:pPr lvl="1"/>
             <a:r>
-              <a:rPr lang="en-US" altLang="ja-JP" sz="2800" dirty="0" smtClean="0"/>
-              <a:t>Amazon Elastic Map Reduce</a:t>
+              <a:rPr kumimoji="1" lang="ja-JP" altLang="en-US" sz="2800" dirty="0" smtClean="0"/>
+              <a:t>出来る限り</a:t>
+            </a:r>
+            <a:r>
+              <a:rPr kumimoji="1" lang="ja-JP" altLang="en-US" sz="2800" u="sng" dirty="0" smtClean="0"/>
+              <a:t>ローカルマシンにダウンロードしない</a:t>
+            </a:r>
+            <a:r>
+              <a:rPr kumimoji="1" lang="ja-JP" altLang="en-US" sz="2800" dirty="0" smtClean="0"/>
+              <a:t>工夫をする</a:t>
             </a:r>
             <a:endParaRPr kumimoji="1" lang="en-US" altLang="ja-JP" sz="2800" dirty="0" smtClean="0"/>
+          </a:p>
+          <a:p>
+            <a:pPr lvl="2"/>
+            <a:r>
+              <a:rPr lang="en-US" altLang="ja-JP" sz="2400" dirty="0" smtClean="0"/>
+              <a:t>e.g. Amazon S3</a:t>
+            </a:r>
+            <a:r>
+              <a:rPr lang="ja-JP" altLang="en-US" sz="2400" dirty="0" err="1" smtClean="0"/>
+              <a:t>に置</a:t>
+            </a:r>
+            <a:r>
+              <a:rPr lang="ja-JP" altLang="en-US" sz="2400" dirty="0" smtClean="0"/>
+              <a:t>いたデータを</a:t>
+            </a:r>
+            <a:r>
+              <a:rPr lang="en-US" altLang="ja-JP" sz="2400" dirty="0" smtClean="0"/>
+              <a:t>Amazon EMR</a:t>
+            </a:r>
+            <a:r>
+              <a:rPr lang="ja-JP" altLang="en-US" sz="2400" dirty="0" smtClean="0"/>
+              <a:t>で加工する</a:t>
+            </a:r>
+            <a:endParaRPr kumimoji="1" lang="en-US" altLang="ja-JP" sz="2400" dirty="0" smtClean="0"/>
           </a:p>
           <a:p>
             <a:pPr marL="0" indent="0">
@@ -17170,7 +17642,7 @@
             <a:pPr lvl="1"/>
             <a:r>
               <a:rPr lang="ja-JP" altLang="en-US" dirty="0" smtClean="0"/>
-              <a:t>データの保持方法</a:t>
+              <a:t>データの保持方法と転送方法</a:t>
             </a:r>
             <a:endParaRPr kumimoji="1" lang="en-US" altLang="ja-JP" dirty="0" smtClean="0"/>
           </a:p>
@@ -17245,6 +17717,10 @@
           <a:lstStyle/>
           <a:p>
             <a:r>
+              <a:rPr kumimoji="1" lang="en-US" altLang="ja-JP" dirty="0" smtClean="0"/>
+              <a:t>P21 </a:t>
+            </a:r>
+            <a:r>
               <a:rPr kumimoji="1" lang="ja-JP" altLang="en-US" dirty="0" smtClean="0"/>
               <a:t>オブジェクトストレージ</a:t>
             </a:r>
@@ -17330,7 +17806,7 @@
 </file>
 
 <file path=ppt/slides/slide25.xml><?xml version="1.0" encoding="utf-8"?>
-<p:sld xmlns:a="http://schemas.openxmlformats.org/drawingml/2006/main" xmlns:r="http://schemas.openxmlformats.org/officeDocument/2006/relationships" xmlns:p="http://schemas.openxmlformats.org/presentationml/2006/main" show="0">
+<p:sld xmlns:a="http://schemas.openxmlformats.org/drawingml/2006/main" xmlns:r="http://schemas.openxmlformats.org/officeDocument/2006/relationships" xmlns:p="http://schemas.openxmlformats.org/presentationml/2006/main">
   <p:cSld>
     <p:spTree>
       <p:nvGrpSpPr>
@@ -17362,103 +17838,42 @@
           <a:lstStyle/>
           <a:p>
             <a:r>
-              <a:rPr kumimoji="1" lang="ja-JP" altLang="en-US" dirty="0" smtClean="0"/>
-              <a:t>ログ</a:t>
-            </a:r>
-            <a:r>
-              <a:rPr kumimoji="1" lang="ja-JP" altLang="en-US" dirty="0" smtClean="0"/>
-              <a:t>を設計する上での注意点</a:t>
+              <a:rPr kumimoji="1" lang="en-US" altLang="ja-JP" dirty="0" smtClean="0"/>
+              <a:t>P22 </a:t>
+            </a:r>
+            <a:r>
+              <a:rPr kumimoji="1" lang="ja-JP" altLang="en-US" dirty="0" smtClean="0"/>
+              <a:t>データウェアハウス</a:t>
             </a:r>
             <a:endParaRPr kumimoji="1" lang="ja-JP" altLang="en-US" dirty="0"/>
           </a:p>
         </p:txBody>
       </p:sp>
-      <p:sp>
-        <p:nvSpPr>
-          <p:cNvPr id="3" name="コンテンツ プレースホルダー 2"/>
-          <p:cNvSpPr>
-            <a:spLocks noGrp="1"/>
-          </p:cNvSpPr>
+      <p:pic>
+        <p:nvPicPr>
+          <p:cNvPr id="5" name="コンテンツ プレースホルダー 4"/>
+          <p:cNvPicPr>
+            <a:picLocks noGrp="1" noChangeAspect="1"/>
+          </p:cNvPicPr>
           <p:nvPr>
             <p:ph idx="1"/>
           </p:nvPr>
-        </p:nvSpPr>
-        <p:spPr/>
-        <p:txBody>
-          <a:bodyPr/>
-          <a:lstStyle/>
-          <a:p>
-            <a:pPr marL="0" indent="0">
-              <a:buNone/>
-            </a:pPr>
-            <a:r>
-              <a:rPr kumimoji="1" lang="ja-JP" altLang="en-US" dirty="0" smtClean="0"/>
-              <a:t>大規模データの転送コスト</a:t>
-            </a:r>
-            <a:endParaRPr kumimoji="1" lang="en-US" altLang="ja-JP" dirty="0" smtClean="0"/>
-          </a:p>
-          <a:p>
-            <a:r>
-              <a:rPr kumimoji="1" lang="ja-JP" altLang="en-US" dirty="0" smtClean="0"/>
-              <a:t>大規模データの機械学習における最も大きなボトルネック</a:t>
-            </a:r>
-            <a:endParaRPr kumimoji="1" lang="en-US" altLang="ja-JP" dirty="0" smtClean="0"/>
-          </a:p>
-          <a:p>
-            <a:r>
-              <a:rPr lang="ja-JP" altLang="en-US" dirty="0" smtClean="0"/>
-              <a:t>１</a:t>
-            </a:r>
-            <a:r>
-              <a:rPr lang="en-US" altLang="ja-JP" dirty="0" smtClean="0"/>
-              <a:t>GB</a:t>
-            </a:r>
-            <a:r>
-              <a:rPr lang="ja-JP" altLang="en-US" dirty="0" smtClean="0"/>
-              <a:t>を超えたログの生データを一括で</a:t>
-            </a:r>
-            <a:r>
-              <a:rPr lang="en-US" altLang="ja-JP" dirty="0" smtClean="0"/>
-              <a:t>DL</a:t>
-            </a:r>
-            <a:r>
-              <a:rPr lang="ja-JP" altLang="en-US" dirty="0" smtClean="0"/>
-              <a:t>してオンメモリで処理</a:t>
-            </a:r>
-            <a:r>
-              <a:rPr lang="ja-JP" altLang="en-US" dirty="0" err="1" smtClean="0"/>
-              <a:t>するの</a:t>
-            </a:r>
-            <a:r>
-              <a:rPr lang="ja-JP" altLang="en-US" dirty="0" smtClean="0"/>
-              <a:t>はやめた方がいい</a:t>
-            </a:r>
-            <a:endParaRPr lang="en-US" altLang="ja-JP" dirty="0" smtClean="0"/>
-          </a:p>
-          <a:p>
-            <a:r>
-              <a:rPr kumimoji="1" lang="ja-JP" altLang="en-US" dirty="0" smtClean="0"/>
-              <a:t>バッチ</a:t>
-            </a:r>
-            <a:r>
-              <a:rPr kumimoji="1" lang="ja-JP" altLang="en-US" dirty="0"/>
-              <a:t>処理</a:t>
-            </a:r>
-            <a:r>
-              <a:rPr kumimoji="1" lang="ja-JP" altLang="en-US" dirty="0" smtClean="0"/>
-              <a:t>を行うサーバーにデータを転送する際</a:t>
-            </a:r>
-            <a:endParaRPr lang="en-US" altLang="ja-JP" dirty="0"/>
-          </a:p>
-          <a:p>
-            <a:pPr lvl="1"/>
-            <a:endParaRPr kumimoji="1" lang="en-US" altLang="ja-JP" dirty="0" smtClean="0"/>
-          </a:p>
-          <a:p>
-            <a:endParaRPr kumimoji="1" lang="ja-JP" altLang="en-US" dirty="0"/>
-          </a:p>
-        </p:txBody>
-      </p:sp>
+        </p:nvPicPr>
+        <p:blipFill rotWithShape="1">
+          <a:blip r:embed="rId2"/>
+          <a:srcRect l="7660" t="17744" r="44481" b="59093"/>
+          <a:stretch/>
+        </p:blipFill>
+        <p:spPr>
+          <a:xfrm>
+            <a:off x="1087579" y="1535505"/>
+            <a:ext cx="9490365" cy="4976029"/>
+          </a:xfrm>
+          <a:prstGeom prst="rect">
+            <a:avLst/>
+          </a:prstGeom>
+        </p:spPr>
+      </p:pic>
       <p:sp>
         <p:nvSpPr>
           <p:cNvPr id="4" name="スライド番号プレースホルダー 3"/>
@@ -17485,21 +17900,13 @@
     </p:spTree>
     <p:extLst>
       <p:ext uri="{BB962C8B-B14F-4D97-AF65-F5344CB8AC3E}">
-        <p14:creationId xmlns:p14="http://schemas.microsoft.com/office/powerpoint/2010/main" val="1597413968"/>
+        <p14:creationId xmlns:p14="http://schemas.microsoft.com/office/powerpoint/2010/main" val="524516839"/>
       </p:ext>
     </p:extLst>
   </p:cSld>
   <p:clrMapOvr>
     <a:masterClrMapping/>
   </p:clrMapOvr>
-  <mc:AlternateContent xmlns:mc="http://schemas.openxmlformats.org/markup-compatibility/2006">
-    <mc:Choice xmlns:p14="http://schemas.microsoft.com/office/powerpoint/2010/main" Requires="p14">
-      <p:transition spd="slow" p14:dur="2000"/>
-    </mc:Choice>
-    <mc:Fallback>
-      <p:transition spd="slow"/>
-    </mc:Fallback>
-  </mc:AlternateContent>
 </p:sld>
 </file>
 
@@ -17536,12 +17943,12 @@
           <a:lstStyle/>
           <a:p>
             <a:r>
-              <a:rPr kumimoji="1" lang="en-US" altLang="ja-JP" dirty="0" smtClean="0"/>
-              <a:t>4.2.5 </a:t>
-            </a:r>
-            <a:r>
-              <a:rPr kumimoji="1" lang="ja-JP" altLang="en-US" dirty="0" smtClean="0"/>
-              <a:t>リアルタイム処理で学習する</a:t>
+              <a:rPr kumimoji="1" lang="ja-JP" altLang="en-US" dirty="0" smtClean="0"/>
+              <a:t>ログ</a:t>
+            </a:r>
+            <a:r>
+              <a:rPr kumimoji="1" lang="ja-JP" altLang="en-US" dirty="0" smtClean="0"/>
+              <a:t>を設計する上での注意点</a:t>
             </a:r>
             <a:endParaRPr kumimoji="1" lang="ja-JP" altLang="en-US" dirty="0"/>
           </a:p>
@@ -17562,6 +17969,73 @@
           <a:bodyPr/>
           <a:lstStyle/>
           <a:p>
+            <a:pPr marL="0" indent="0">
+              <a:buNone/>
+            </a:pPr>
+            <a:r>
+              <a:rPr kumimoji="1" lang="ja-JP" altLang="en-US" dirty="0" smtClean="0"/>
+              <a:t>大規模データの転送コスト</a:t>
+            </a:r>
+            <a:endParaRPr kumimoji="1" lang="en-US" altLang="ja-JP" dirty="0" smtClean="0"/>
+          </a:p>
+          <a:p>
+            <a:r>
+              <a:rPr kumimoji="1" lang="ja-JP" altLang="en-US" dirty="0" smtClean="0"/>
+              <a:t>大規模データの機械学習における最も大きなボトルネック</a:t>
+            </a:r>
+            <a:endParaRPr kumimoji="1" lang="en-US" altLang="ja-JP" dirty="0" smtClean="0"/>
+          </a:p>
+          <a:p>
+            <a:r>
+              <a:rPr lang="ja-JP" altLang="en-US" dirty="0" smtClean="0"/>
+              <a:t>１</a:t>
+            </a:r>
+            <a:r>
+              <a:rPr lang="en-US" altLang="ja-JP" dirty="0" smtClean="0"/>
+              <a:t>GB</a:t>
+            </a:r>
+            <a:r>
+              <a:rPr lang="ja-JP" altLang="en-US" dirty="0" smtClean="0"/>
+              <a:t>を超えたログの生データを一括で</a:t>
+            </a:r>
+            <a:r>
+              <a:rPr lang="en-US" altLang="ja-JP" dirty="0" smtClean="0"/>
+              <a:t>DL</a:t>
+            </a:r>
+            <a:r>
+              <a:rPr lang="ja-JP" altLang="en-US" dirty="0" smtClean="0"/>
+              <a:t>してオンメモリで処理</a:t>
+            </a:r>
+            <a:r>
+              <a:rPr lang="ja-JP" altLang="en-US" dirty="0" err="1" smtClean="0"/>
+              <a:t>するの</a:t>
+            </a:r>
+            <a:r>
+              <a:rPr lang="ja-JP" altLang="en-US" dirty="0" smtClean="0"/>
+              <a:t>はやめた方がいい</a:t>
+            </a:r>
+            <a:endParaRPr lang="en-US" altLang="ja-JP" dirty="0" smtClean="0"/>
+          </a:p>
+          <a:p>
+            <a:r>
+              <a:rPr kumimoji="1" lang="ja-JP" altLang="en-US" dirty="0" smtClean="0"/>
+              <a:t>バッチ</a:t>
+            </a:r>
+            <a:r>
+              <a:rPr kumimoji="1" lang="ja-JP" altLang="en-US" dirty="0"/>
+              <a:t>処理</a:t>
+            </a:r>
+            <a:r>
+              <a:rPr kumimoji="1" lang="ja-JP" altLang="en-US" dirty="0" smtClean="0"/>
+              <a:t>を行うサーバーにデータを転送する際</a:t>
+            </a:r>
+            <a:endParaRPr lang="en-US" altLang="ja-JP" dirty="0"/>
+          </a:p>
+          <a:p>
+            <a:pPr lvl="1"/>
+            <a:endParaRPr kumimoji="1" lang="en-US" altLang="ja-JP" dirty="0" smtClean="0"/>
+          </a:p>
+          <a:p>
             <a:endParaRPr kumimoji="1" lang="ja-JP" altLang="en-US" dirty="0"/>
           </a:p>
         </p:txBody>
@@ -17592,7 +18066,7 @@
     </p:spTree>
     <p:extLst>
       <p:ext uri="{BB962C8B-B14F-4D97-AF65-F5344CB8AC3E}">
-        <p14:creationId xmlns:p14="http://schemas.microsoft.com/office/powerpoint/2010/main" val="4047700794"/>
+        <p14:creationId xmlns:p14="http://schemas.microsoft.com/office/powerpoint/2010/main" val="1597413968"/>
       </p:ext>
     </p:extLst>
   </p:cSld>
@@ -17629,82 +18103,6 @@
       </p:grpSpPr>
       <p:sp>
         <p:nvSpPr>
-          <p:cNvPr id="10" name="正方形/長方形 9"/>
-          <p:cNvSpPr/>
-          <p:nvPr/>
-        </p:nvSpPr>
-        <p:spPr>
-          <a:xfrm>
-            <a:off x="1926236" y="1146748"/>
-            <a:ext cx="8154649" cy="3657600"/>
-          </a:xfrm>
-          <a:prstGeom prst="rect">
-            <a:avLst/>
-          </a:prstGeom>
-        </p:spPr>
-        <p:style>
-          <a:lnRef idx="2">
-            <a:schemeClr val="dk1"/>
-          </a:lnRef>
-          <a:fillRef idx="1">
-            <a:schemeClr val="lt1"/>
-          </a:fillRef>
-          <a:effectRef idx="0">
-            <a:schemeClr val="dk1"/>
-          </a:effectRef>
-          <a:fontRef idx="minor">
-            <a:schemeClr val="dk1"/>
-          </a:fontRef>
-        </p:style>
-        <p:txBody>
-          <a:bodyPr rtlCol="0" anchor="ctr"/>
-          <a:lstStyle/>
-          <a:p>
-            <a:pPr algn="ctr"/>
-            <a:endParaRPr kumimoji="1" lang="ja-JP" altLang="en-US"/>
-          </a:p>
-        </p:txBody>
-      </p:sp>
-      <p:sp>
-        <p:nvSpPr>
-          <p:cNvPr id="32" name="角丸四角形 31"/>
-          <p:cNvSpPr/>
-          <p:nvPr/>
-        </p:nvSpPr>
-        <p:spPr>
-          <a:xfrm>
-            <a:off x="4834328" y="1587971"/>
-            <a:ext cx="5081666" cy="3038474"/>
-          </a:xfrm>
-          <a:prstGeom prst="roundRect">
-            <a:avLst/>
-          </a:prstGeom>
-        </p:spPr>
-        <p:style>
-          <a:lnRef idx="2">
-            <a:schemeClr val="dk1"/>
-          </a:lnRef>
-          <a:fillRef idx="1">
-            <a:schemeClr val="lt1"/>
-          </a:fillRef>
-          <a:effectRef idx="0">
-            <a:schemeClr val="dk1"/>
-          </a:effectRef>
-          <a:fontRef idx="minor">
-            <a:schemeClr val="dk1"/>
-          </a:fontRef>
-        </p:style>
-        <p:txBody>
-          <a:bodyPr rtlCol="0" anchor="ctr"/>
-          <a:lstStyle/>
-          <a:p>
-            <a:pPr algn="ctr"/>
-            <a:endParaRPr kumimoji="1" lang="ja-JP" altLang="en-US"/>
-          </a:p>
-        </p:txBody>
-      </p:sp>
-      <p:sp>
-        <p:nvSpPr>
           <p:cNvPr id="2" name="タイトル 1"/>
           <p:cNvSpPr>
             <a:spLocks noGrp="1"/>
@@ -17713,468 +18111,18 @@
             <p:ph type="title"/>
           </p:nvPr>
         </p:nvSpPr>
-        <p:spPr>
-          <a:xfrm>
-            <a:off x="838200" y="-4990"/>
-            <a:ext cx="10515600" cy="1325563"/>
-          </a:xfrm>
-        </p:spPr>
-        <p:txBody>
-          <a:bodyPr>
-            <a:normAutofit/>
-          </a:bodyPr>
-          <a:lstStyle/>
-          <a:p>
-            <a:r>
-              <a:rPr lang="ja-JP" altLang="en-US" sz="3600" dirty="0" smtClean="0"/>
-              <a:t>パターン３：予測フェーズ</a:t>
-            </a:r>
-            <a:endParaRPr kumimoji="1" lang="ja-JP" altLang="en-US" sz="3600" dirty="0"/>
-          </a:p>
-        </p:txBody>
-      </p:sp>
-      <p:sp>
-        <p:nvSpPr>
-          <p:cNvPr id="4" name="角丸四角形 3"/>
-          <p:cNvSpPr/>
-          <p:nvPr/>
-        </p:nvSpPr>
-        <p:spPr>
-          <a:xfrm>
-            <a:off x="4960043" y="2097056"/>
-            <a:ext cx="2295640" cy="2462797"/>
-          </a:xfrm>
-          <a:prstGeom prst="roundRect">
-            <a:avLst/>
-          </a:prstGeom>
-        </p:spPr>
-        <p:style>
-          <a:lnRef idx="2">
-            <a:schemeClr val="dk1"/>
-          </a:lnRef>
-          <a:fillRef idx="1">
-            <a:schemeClr val="lt1"/>
-          </a:fillRef>
-          <a:effectRef idx="0">
-            <a:schemeClr val="dk1"/>
-          </a:effectRef>
-          <a:fontRef idx="minor">
-            <a:schemeClr val="dk1"/>
-          </a:fontRef>
-        </p:style>
-        <p:txBody>
-          <a:bodyPr rtlCol="0" anchor="ctr"/>
-          <a:lstStyle/>
-          <a:p>
-            <a:pPr algn="ctr"/>
-            <a:endParaRPr kumimoji="1" lang="ja-JP" altLang="en-US"/>
-          </a:p>
-        </p:txBody>
-      </p:sp>
-      <p:sp>
-        <p:nvSpPr>
-          <p:cNvPr id="5" name="角丸四角形 4"/>
-          <p:cNvSpPr/>
-          <p:nvPr/>
-        </p:nvSpPr>
-        <p:spPr>
-          <a:xfrm>
-            <a:off x="7502742" y="2097058"/>
-            <a:ext cx="2268518" cy="2462796"/>
-          </a:xfrm>
-          <a:prstGeom prst="roundRect">
-            <a:avLst/>
-          </a:prstGeom>
-        </p:spPr>
-        <p:style>
-          <a:lnRef idx="2">
-            <a:schemeClr val="dk1"/>
-          </a:lnRef>
-          <a:fillRef idx="1">
-            <a:schemeClr val="lt1"/>
-          </a:fillRef>
-          <a:effectRef idx="0">
-            <a:schemeClr val="dk1"/>
-          </a:effectRef>
-          <a:fontRef idx="minor">
-            <a:schemeClr val="dk1"/>
-          </a:fontRef>
-        </p:style>
-        <p:txBody>
-          <a:bodyPr rtlCol="0" anchor="ctr"/>
-          <a:lstStyle/>
-          <a:p>
-            <a:pPr algn="ctr"/>
-            <a:endParaRPr kumimoji="1" lang="ja-JP" altLang="en-US"/>
-          </a:p>
-        </p:txBody>
-      </p:sp>
-      <p:sp>
-        <p:nvSpPr>
-          <p:cNvPr id="6" name="角丸四角形 5"/>
-          <p:cNvSpPr/>
-          <p:nvPr/>
-        </p:nvSpPr>
-        <p:spPr>
-          <a:xfrm>
-            <a:off x="2113926" y="1567111"/>
-            <a:ext cx="2089252" cy="3059334"/>
-          </a:xfrm>
-          <a:prstGeom prst="roundRect">
-            <a:avLst/>
-          </a:prstGeom>
-        </p:spPr>
-        <p:style>
-          <a:lnRef idx="2">
-            <a:schemeClr val="dk1"/>
-          </a:lnRef>
-          <a:fillRef idx="1">
-            <a:schemeClr val="lt1"/>
-          </a:fillRef>
-          <a:effectRef idx="0">
-            <a:schemeClr val="dk1"/>
-          </a:effectRef>
-          <a:fontRef idx="minor">
-            <a:schemeClr val="dk1"/>
-          </a:fontRef>
-        </p:style>
-        <p:txBody>
-          <a:bodyPr rtlCol="0" anchor="ctr"/>
-          <a:lstStyle/>
-          <a:p>
-            <a:pPr algn="ctr"/>
-            <a:endParaRPr kumimoji="1" lang="ja-JP" altLang="en-US"/>
-          </a:p>
-        </p:txBody>
-      </p:sp>
-      <p:sp>
-        <p:nvSpPr>
-          <p:cNvPr id="7" name="テキスト ボックス 6"/>
-          <p:cNvSpPr txBox="1"/>
-          <p:nvPr/>
-        </p:nvSpPr>
-        <p:spPr>
-          <a:xfrm>
-            <a:off x="2462954" y="1329507"/>
-            <a:ext cx="1407731" cy="646331"/>
-          </a:xfrm>
-          <a:prstGeom prst="rect">
-            <a:avLst/>
-          </a:prstGeom>
-        </p:spPr>
-        <p:style>
-          <a:lnRef idx="2">
-            <a:schemeClr val="dk1"/>
-          </a:lnRef>
-          <a:fillRef idx="1">
-            <a:schemeClr val="lt1"/>
-          </a:fillRef>
-          <a:effectRef idx="0">
-            <a:schemeClr val="dk1"/>
-          </a:effectRef>
-          <a:fontRef idx="minor">
-            <a:schemeClr val="dk1"/>
-          </a:fontRef>
-        </p:style>
-        <p:txBody>
-          <a:bodyPr wrap="square" rtlCol="0">
-            <a:spAutoFit/>
-          </a:bodyPr>
-          <a:lstStyle/>
-          <a:p>
-            <a:r>
-              <a:rPr kumimoji="1" lang="en-US" altLang="ja-JP" b="1" dirty="0" smtClean="0"/>
-              <a:t>Web</a:t>
-            </a:r>
-            <a:r>
-              <a:rPr kumimoji="1" lang="ja-JP" altLang="en-US" b="1" dirty="0" smtClean="0"/>
-              <a:t>アプリ</a:t>
-            </a:r>
-            <a:endParaRPr kumimoji="1" lang="en-US" altLang="ja-JP" b="1" dirty="0" smtClean="0"/>
-          </a:p>
-          <a:p>
-            <a:r>
-              <a:rPr kumimoji="1" lang="ja-JP" altLang="en-US" b="1" dirty="0" smtClean="0"/>
-              <a:t>ケーション</a:t>
-            </a:r>
-            <a:endParaRPr kumimoji="1" lang="ja-JP" altLang="en-US" b="1" dirty="0"/>
-          </a:p>
-        </p:txBody>
-      </p:sp>
-      <p:sp>
-        <p:nvSpPr>
-          <p:cNvPr id="8" name="角丸四角形 7"/>
-          <p:cNvSpPr/>
-          <p:nvPr/>
-        </p:nvSpPr>
-        <p:spPr>
-          <a:xfrm>
-            <a:off x="6494635" y="2471615"/>
-            <a:ext cx="1769155" cy="552238"/>
-          </a:xfrm>
-          <a:prstGeom prst="roundRect">
-            <a:avLst/>
-          </a:prstGeom>
-        </p:spPr>
-        <p:style>
-          <a:lnRef idx="1">
-            <a:schemeClr val="accent1"/>
-          </a:lnRef>
-          <a:fillRef idx="2">
-            <a:schemeClr val="accent1"/>
-          </a:fillRef>
-          <a:effectRef idx="1">
-            <a:schemeClr val="accent1"/>
-          </a:effectRef>
-          <a:fontRef idx="minor">
-            <a:schemeClr val="dk1"/>
-          </a:fontRef>
-        </p:style>
-        <p:txBody>
-          <a:bodyPr rtlCol="0" anchor="ctr"/>
-          <a:lstStyle/>
-          <a:p>
-            <a:pPr algn="ctr"/>
-            <a:r>
-              <a:rPr kumimoji="1" lang="ja-JP" altLang="en-US" sz="2000" b="1" dirty="0" smtClean="0"/>
-              <a:t>予測モデル</a:t>
-            </a:r>
-            <a:endParaRPr kumimoji="1" lang="ja-JP" altLang="en-US" sz="2000" b="1" dirty="0"/>
-          </a:p>
-        </p:txBody>
-      </p:sp>
-      <p:sp>
-        <p:nvSpPr>
-          <p:cNvPr id="9" name="角丸四角形 8"/>
-          <p:cNvSpPr/>
-          <p:nvPr/>
-        </p:nvSpPr>
-        <p:spPr>
-          <a:xfrm>
-            <a:off x="3433844" y="3269900"/>
-            <a:ext cx="2119243" cy="546838"/>
-          </a:xfrm>
-          <a:prstGeom prst="roundRect">
-            <a:avLst/>
-          </a:prstGeom>
-        </p:spPr>
-        <p:style>
-          <a:lnRef idx="1">
-            <a:schemeClr val="accent1"/>
-          </a:lnRef>
-          <a:fillRef idx="2">
-            <a:schemeClr val="accent1"/>
-          </a:fillRef>
-          <a:effectRef idx="1">
-            <a:schemeClr val="accent1"/>
-          </a:effectRef>
-          <a:fontRef idx="minor">
-            <a:schemeClr val="dk1"/>
-          </a:fontRef>
-        </p:style>
-        <p:txBody>
-          <a:bodyPr rtlCol="0" anchor="ctr"/>
-          <a:lstStyle/>
-          <a:p>
-            <a:pPr algn="ctr"/>
-            <a:r>
-              <a:rPr lang="en-US" altLang="ja-JP" sz="2000" b="1" dirty="0" smtClean="0"/>
-              <a:t>D</a:t>
-            </a:r>
-            <a:r>
-              <a:rPr lang="en-US" altLang="ja-JP" sz="2000" b="1" dirty="0"/>
-              <a:t>B</a:t>
-            </a:r>
-            <a:endParaRPr kumimoji="1" lang="ja-JP" altLang="en-US" sz="2000" b="1" dirty="0"/>
-          </a:p>
-        </p:txBody>
-      </p:sp>
-      <p:sp>
-        <p:nvSpPr>
-          <p:cNvPr id="14" name="テキスト ボックス 13"/>
-          <p:cNvSpPr txBox="1"/>
-          <p:nvPr/>
-        </p:nvSpPr>
-        <p:spPr>
-          <a:xfrm>
-            <a:off x="8257892" y="3204939"/>
-            <a:ext cx="1402456" cy="400110"/>
-          </a:xfrm>
-          <a:prstGeom prst="rect">
-            <a:avLst/>
-          </a:prstGeom>
-        </p:spPr>
-        <p:style>
-          <a:lnRef idx="2">
-            <a:schemeClr val="dk1"/>
-          </a:lnRef>
-          <a:fillRef idx="1">
-            <a:schemeClr val="lt1"/>
-          </a:fillRef>
-          <a:effectRef idx="0">
-            <a:schemeClr val="dk1"/>
-          </a:effectRef>
-          <a:fontRef idx="minor">
-            <a:schemeClr val="dk1"/>
-          </a:fontRef>
-        </p:style>
-        <p:txBody>
-          <a:bodyPr wrap="square" rtlCol="0">
-            <a:spAutoFit/>
-          </a:bodyPr>
-          <a:lstStyle/>
-          <a:p>
-            <a:pPr algn="ctr"/>
-            <a:r>
-              <a:rPr kumimoji="1" lang="ja-JP" altLang="en-US" sz="2000" b="1" dirty="0" smtClean="0"/>
-              <a:t>学習器</a:t>
-            </a:r>
-            <a:endParaRPr kumimoji="1" lang="ja-JP" altLang="en-US" sz="2000" b="1" dirty="0"/>
-          </a:p>
-        </p:txBody>
-      </p:sp>
-      <p:sp>
-        <p:nvSpPr>
-          <p:cNvPr id="15" name="テキスト ボックス 14"/>
-          <p:cNvSpPr txBox="1"/>
-          <p:nvPr/>
-        </p:nvSpPr>
-        <p:spPr>
-          <a:xfrm>
-            <a:off x="6639048" y="3825527"/>
-            <a:ext cx="1812294" cy="400110"/>
-          </a:xfrm>
-          <a:prstGeom prst="rect">
-            <a:avLst/>
-          </a:prstGeom>
-        </p:spPr>
-        <p:style>
-          <a:lnRef idx="1">
-            <a:schemeClr val="accent1"/>
-          </a:lnRef>
-          <a:fillRef idx="2">
-            <a:schemeClr val="accent1"/>
-          </a:fillRef>
-          <a:effectRef idx="1">
-            <a:schemeClr val="accent1"/>
-          </a:effectRef>
-          <a:fontRef idx="minor">
-            <a:schemeClr val="dk1"/>
-          </a:fontRef>
-        </p:style>
-        <p:txBody>
-          <a:bodyPr wrap="square" rtlCol="0">
-            <a:spAutoFit/>
-          </a:bodyPr>
-          <a:lstStyle/>
-          <a:p>
-            <a:pPr algn="ctr"/>
-            <a:r>
-              <a:rPr lang="ja-JP" altLang="en-US" sz="2000" b="1" dirty="0" smtClean="0"/>
-              <a:t>特徴抽出</a:t>
-            </a:r>
-            <a:r>
-              <a:rPr lang="ja-JP" altLang="en-US" sz="2000" b="1" dirty="0"/>
-              <a:t>器</a:t>
-            </a:r>
-            <a:endParaRPr kumimoji="1" lang="ja-JP" altLang="en-US" sz="2000" b="1" dirty="0"/>
-          </a:p>
-        </p:txBody>
-      </p:sp>
-      <p:cxnSp>
-        <p:nvCxnSpPr>
-          <p:cNvPr id="16" name="直線矢印コネクタ 15"/>
-          <p:cNvCxnSpPr/>
-          <p:nvPr/>
-        </p:nvCxnSpPr>
-        <p:spPr>
-          <a:xfrm flipH="1">
-            <a:off x="8353043" y="2751039"/>
-            <a:ext cx="718968" cy="0"/>
-          </a:xfrm>
-          <a:prstGeom prst="straightConnector1">
-            <a:avLst/>
-          </a:prstGeom>
-          <a:ln>
-            <a:tailEnd type="triangle"/>
-          </a:ln>
-        </p:spPr>
-        <p:style>
-          <a:lnRef idx="1">
-            <a:schemeClr val="dk1"/>
-          </a:lnRef>
-          <a:fillRef idx="0">
-            <a:schemeClr val="dk1"/>
-          </a:fillRef>
-          <a:effectRef idx="0">
-            <a:schemeClr val="dk1"/>
-          </a:effectRef>
-          <a:fontRef idx="minor">
-            <a:schemeClr val="tx1"/>
-          </a:fontRef>
-        </p:style>
-      </p:cxnSp>
-      <p:cxnSp>
-        <p:nvCxnSpPr>
-          <p:cNvPr id="17" name="直線矢印コネクタ 16"/>
-          <p:cNvCxnSpPr/>
-          <p:nvPr/>
-        </p:nvCxnSpPr>
-        <p:spPr>
-          <a:xfrm flipV="1">
-            <a:off x="9072011" y="3698663"/>
-            <a:ext cx="0" cy="370060"/>
-          </a:xfrm>
-          <a:prstGeom prst="straightConnector1">
-            <a:avLst/>
-          </a:prstGeom>
-          <a:ln>
-            <a:tailEnd type="triangle"/>
-          </a:ln>
-        </p:spPr>
-        <p:style>
-          <a:lnRef idx="1">
-            <a:schemeClr val="dk1"/>
-          </a:lnRef>
-          <a:fillRef idx="0">
-            <a:schemeClr val="dk1"/>
-          </a:fillRef>
-          <a:effectRef idx="0">
-            <a:schemeClr val="dk1"/>
-          </a:effectRef>
-          <a:fontRef idx="minor">
-            <a:schemeClr val="tx1"/>
-          </a:fontRef>
-        </p:style>
-      </p:cxnSp>
-      <p:sp>
-        <p:nvSpPr>
-          <p:cNvPr id="18" name="テキスト ボックス 17"/>
-          <p:cNvSpPr txBox="1"/>
-          <p:nvPr/>
-        </p:nvSpPr>
-        <p:spPr>
-          <a:xfrm>
-            <a:off x="8712527" y="4069451"/>
-            <a:ext cx="921895" cy="369332"/>
-          </a:xfrm>
-          <a:prstGeom prst="rect">
-            <a:avLst/>
-          </a:prstGeom>
-          <a:noFill/>
-          <a:ln>
-            <a:noFill/>
-          </a:ln>
-        </p:spPr>
-        <p:txBody>
-          <a:bodyPr wrap="square" rtlCol="0">
-            <a:spAutoFit/>
-          </a:bodyPr>
-          <a:lstStyle/>
-          <a:p>
-            <a:r>
-              <a:rPr kumimoji="1" lang="ja-JP" altLang="en-US" dirty="0" smtClean="0"/>
-              <a:t>特徴量</a:t>
+        <p:spPr/>
+        <p:txBody>
+          <a:bodyPr/>
+          <a:lstStyle/>
+          <a:p>
+            <a:r>
+              <a:rPr kumimoji="1" lang="en-US" altLang="ja-JP" dirty="0" smtClean="0"/>
+              <a:t>4.2.5 </a:t>
+            </a:r>
+            <a:r>
+              <a:rPr kumimoji="1" lang="ja-JP" altLang="en-US" dirty="0" smtClean="0"/>
+              <a:t>リアルタイム処理で学習する</a:t>
             </a:r>
             <a:endParaRPr kumimoji="1" lang="ja-JP" altLang="en-US" dirty="0"/>
           </a:p>
@@ -18182,627 +18130,26 @@
       </p:sp>
       <p:sp>
         <p:nvSpPr>
-          <p:cNvPr id="19" name="テキスト ボックス 18"/>
-          <p:cNvSpPr txBox="1"/>
-          <p:nvPr/>
-        </p:nvSpPr>
-        <p:spPr>
-          <a:xfrm>
-            <a:off x="8511995" y="2364211"/>
-            <a:ext cx="1209520" cy="369332"/>
-          </a:xfrm>
-          <a:prstGeom prst="rect">
-            <a:avLst/>
-          </a:prstGeom>
-          <a:noFill/>
-        </p:spPr>
-        <p:txBody>
-          <a:bodyPr wrap="square" rtlCol="0">
-            <a:spAutoFit/>
-          </a:bodyPr>
-          <a:lstStyle/>
-          <a:p>
-            <a:r>
-              <a:rPr kumimoji="1" lang="ja-JP" altLang="en-US" dirty="0" smtClean="0"/>
-              <a:t>学習結果</a:t>
-            </a:r>
+          <p:cNvPr id="3" name="コンテンツ プレースホルダー 2"/>
+          <p:cNvSpPr>
+            <a:spLocks noGrp="1"/>
+          </p:cNvSpPr>
+          <p:nvPr>
+            <p:ph idx="1"/>
+          </p:nvPr>
+        </p:nvSpPr>
+        <p:spPr/>
+        <p:txBody>
+          <a:bodyPr/>
+          <a:lstStyle/>
+          <a:p>
             <a:endParaRPr kumimoji="1" lang="ja-JP" altLang="en-US" dirty="0"/>
           </a:p>
         </p:txBody>
       </p:sp>
       <p:sp>
         <p:nvSpPr>
-          <p:cNvPr id="20" name="テキスト ボックス 19"/>
-          <p:cNvSpPr txBox="1"/>
-          <p:nvPr/>
-        </p:nvSpPr>
-        <p:spPr>
-          <a:xfrm>
-            <a:off x="5256229" y="3913522"/>
-            <a:ext cx="2122983" cy="646331"/>
-          </a:xfrm>
-          <a:prstGeom prst="rect">
-            <a:avLst/>
-          </a:prstGeom>
-          <a:noFill/>
-        </p:spPr>
-        <p:txBody>
-          <a:bodyPr wrap="square" rtlCol="0">
-            <a:spAutoFit/>
-          </a:bodyPr>
-          <a:lstStyle/>
-          <a:p>
-            <a:r>
-              <a:rPr kumimoji="1" lang="ja-JP" altLang="en-US" dirty="0" smtClean="0"/>
-              <a:t>ログ</a:t>
-            </a:r>
-            <a:endParaRPr kumimoji="1" lang="en-US" altLang="ja-JP" dirty="0" smtClean="0"/>
-          </a:p>
-          <a:p>
-            <a:r>
-              <a:rPr lang="ja-JP" altLang="en-US" dirty="0" smtClean="0"/>
-              <a:t>ユーザー情報</a:t>
-            </a:r>
-            <a:endParaRPr kumimoji="1" lang="ja-JP" altLang="en-US" dirty="0"/>
-          </a:p>
-        </p:txBody>
-      </p:sp>
-      <p:sp>
-        <p:nvSpPr>
-          <p:cNvPr id="21" name="テキスト ボックス 20"/>
-          <p:cNvSpPr txBox="1"/>
-          <p:nvPr/>
-        </p:nvSpPr>
-        <p:spPr>
-          <a:xfrm>
-            <a:off x="7715106" y="1916865"/>
-            <a:ext cx="1843790" cy="369332"/>
-          </a:xfrm>
-          <a:prstGeom prst="rect">
-            <a:avLst/>
-          </a:prstGeom>
-        </p:spPr>
-        <p:style>
-          <a:lnRef idx="2">
-            <a:schemeClr val="dk1"/>
-          </a:lnRef>
-          <a:fillRef idx="1">
-            <a:schemeClr val="lt1"/>
-          </a:fillRef>
-          <a:effectRef idx="0">
-            <a:schemeClr val="dk1"/>
-          </a:effectRef>
-          <a:fontRef idx="minor">
-            <a:schemeClr val="dk1"/>
-          </a:fontRef>
-        </p:style>
-        <p:txBody>
-          <a:bodyPr wrap="square" rtlCol="0">
-            <a:spAutoFit/>
-          </a:bodyPr>
-          <a:lstStyle/>
-          <a:p>
-            <a:pPr algn="ctr"/>
-            <a:r>
-              <a:rPr kumimoji="1" lang="ja-JP" altLang="en-US" b="1" dirty="0" smtClean="0"/>
-              <a:t>学習バッチ</a:t>
-            </a:r>
-            <a:endParaRPr kumimoji="1" lang="ja-JP" altLang="en-US" b="1" dirty="0"/>
-          </a:p>
-        </p:txBody>
-      </p:sp>
-      <p:cxnSp>
-        <p:nvCxnSpPr>
-          <p:cNvPr id="23" name="直線コネクタ 22"/>
-          <p:cNvCxnSpPr/>
-          <p:nvPr/>
-        </p:nvCxnSpPr>
-        <p:spPr>
-          <a:xfrm flipH="1">
-            <a:off x="8499913" y="4068723"/>
-            <a:ext cx="572098" cy="0"/>
-          </a:xfrm>
-          <a:prstGeom prst="line">
-            <a:avLst/>
-          </a:prstGeom>
-          <a:ln>
-            <a:solidFill>
-              <a:schemeClr val="tx1"/>
-            </a:solidFill>
-          </a:ln>
-        </p:spPr>
-        <p:style>
-          <a:lnRef idx="1">
-            <a:schemeClr val="accent1"/>
-          </a:lnRef>
-          <a:fillRef idx="0">
-            <a:schemeClr val="accent1"/>
-          </a:fillRef>
-          <a:effectRef idx="0">
-            <a:schemeClr val="accent1"/>
-          </a:effectRef>
-          <a:fontRef idx="minor">
-            <a:schemeClr val="tx1"/>
-          </a:fontRef>
-        </p:style>
-      </p:cxnSp>
-      <p:cxnSp>
-        <p:nvCxnSpPr>
-          <p:cNvPr id="24" name="直線コネクタ 23"/>
-          <p:cNvCxnSpPr/>
-          <p:nvPr/>
-        </p:nvCxnSpPr>
-        <p:spPr>
-          <a:xfrm flipV="1">
-            <a:off x="9072011" y="2747735"/>
-            <a:ext cx="0" cy="445198"/>
-          </a:xfrm>
-          <a:prstGeom prst="line">
-            <a:avLst/>
-          </a:prstGeom>
-          <a:ln>
-            <a:solidFill>
-              <a:schemeClr val="tx1"/>
-            </a:solidFill>
-          </a:ln>
-        </p:spPr>
-        <p:style>
-          <a:lnRef idx="1">
-            <a:schemeClr val="accent1"/>
-          </a:lnRef>
-          <a:fillRef idx="0">
-            <a:schemeClr val="accent1"/>
-          </a:fillRef>
-          <a:effectRef idx="0">
-            <a:schemeClr val="accent1"/>
-          </a:effectRef>
-          <a:fontRef idx="minor">
-            <a:schemeClr val="tx1"/>
-          </a:fontRef>
-        </p:style>
-      </p:cxnSp>
-      <p:sp>
-        <p:nvSpPr>
-          <p:cNvPr id="25" name="テキスト ボックス 24"/>
-          <p:cNvSpPr txBox="1"/>
-          <p:nvPr/>
-        </p:nvSpPr>
-        <p:spPr>
-          <a:xfrm>
-            <a:off x="5112559" y="1911638"/>
-            <a:ext cx="1859802" cy="369332"/>
-          </a:xfrm>
-          <a:prstGeom prst="rect">
-            <a:avLst/>
-          </a:prstGeom>
-        </p:spPr>
-        <p:style>
-          <a:lnRef idx="1">
-            <a:schemeClr val="accent1"/>
-          </a:lnRef>
-          <a:fillRef idx="2">
-            <a:schemeClr val="accent1"/>
-          </a:fillRef>
-          <a:effectRef idx="1">
-            <a:schemeClr val="accent1"/>
-          </a:effectRef>
-          <a:fontRef idx="minor">
-            <a:schemeClr val="dk1"/>
-          </a:fontRef>
-        </p:style>
-        <p:txBody>
-          <a:bodyPr wrap="square" rtlCol="0">
-            <a:spAutoFit/>
-          </a:bodyPr>
-          <a:lstStyle/>
-          <a:p>
-            <a:pPr algn="ctr"/>
-            <a:r>
-              <a:rPr kumimoji="1" lang="ja-JP" altLang="en-US" b="1" dirty="0" smtClean="0"/>
-              <a:t>予測</a:t>
-            </a:r>
-            <a:r>
-              <a:rPr lang="ja-JP" altLang="en-US" b="1" dirty="0"/>
-              <a:t>バッチ</a:t>
-            </a:r>
-            <a:endParaRPr kumimoji="1" lang="ja-JP" altLang="en-US" b="1" dirty="0"/>
-          </a:p>
-        </p:txBody>
-      </p:sp>
-      <p:cxnSp>
-        <p:nvCxnSpPr>
-          <p:cNvPr id="26" name="直線矢印コネクタ 25"/>
-          <p:cNvCxnSpPr/>
-          <p:nvPr/>
-        </p:nvCxnSpPr>
-        <p:spPr>
-          <a:xfrm flipH="1">
-            <a:off x="5536587" y="2702859"/>
-            <a:ext cx="847136" cy="567041"/>
-          </a:xfrm>
-          <a:prstGeom prst="straightConnector1">
-            <a:avLst/>
-          </a:prstGeom>
-          <a:ln>
-            <a:tailEnd type="triangle"/>
-          </a:ln>
-        </p:spPr>
-        <p:style>
-          <a:lnRef idx="1">
-            <a:schemeClr val="dk1"/>
-          </a:lnRef>
-          <a:fillRef idx="0">
-            <a:schemeClr val="dk1"/>
-          </a:fillRef>
-          <a:effectRef idx="0">
-            <a:schemeClr val="dk1"/>
-          </a:effectRef>
-          <a:fontRef idx="minor">
-            <a:schemeClr val="tx1"/>
-          </a:fontRef>
-        </p:style>
-      </p:cxnSp>
-      <p:cxnSp>
-        <p:nvCxnSpPr>
-          <p:cNvPr id="27" name="直線矢印コネクタ 26"/>
-          <p:cNvCxnSpPr/>
-          <p:nvPr/>
-        </p:nvCxnSpPr>
-        <p:spPr>
-          <a:xfrm flipV="1">
-            <a:off x="7004489" y="3065711"/>
-            <a:ext cx="0" cy="740119"/>
-          </a:xfrm>
-          <a:prstGeom prst="straightConnector1">
-            <a:avLst/>
-          </a:prstGeom>
-          <a:ln>
-            <a:tailEnd type="triangle"/>
-          </a:ln>
-        </p:spPr>
-        <p:style>
-          <a:lnRef idx="1">
-            <a:schemeClr val="dk1"/>
-          </a:lnRef>
-          <a:fillRef idx="0">
-            <a:schemeClr val="dk1"/>
-          </a:fillRef>
-          <a:effectRef idx="0">
-            <a:schemeClr val="dk1"/>
-          </a:effectRef>
-          <a:fontRef idx="minor">
-            <a:schemeClr val="tx1"/>
-          </a:fontRef>
-        </p:style>
-      </p:cxnSp>
-      <p:cxnSp>
-        <p:nvCxnSpPr>
-          <p:cNvPr id="28" name="直線矢印コネクタ 27"/>
-          <p:cNvCxnSpPr/>
-          <p:nvPr/>
-        </p:nvCxnSpPr>
-        <p:spPr>
-          <a:xfrm>
-            <a:off x="5603859" y="3763491"/>
-            <a:ext cx="991167" cy="275068"/>
-          </a:xfrm>
-          <a:prstGeom prst="straightConnector1">
-            <a:avLst/>
-          </a:prstGeom>
-          <a:ln>
-            <a:tailEnd type="triangle"/>
-          </a:ln>
-        </p:spPr>
-        <p:style>
-          <a:lnRef idx="1">
-            <a:schemeClr val="dk1"/>
-          </a:lnRef>
-          <a:fillRef idx="0">
-            <a:schemeClr val="dk1"/>
-          </a:fillRef>
-          <a:effectRef idx="0">
-            <a:schemeClr val="dk1"/>
-          </a:effectRef>
-          <a:fontRef idx="minor">
-            <a:schemeClr val="tx1"/>
-          </a:fontRef>
-        </p:style>
-      </p:cxnSp>
-      <p:sp>
-        <p:nvSpPr>
-          <p:cNvPr id="29" name="テキスト ボックス 28"/>
-          <p:cNvSpPr txBox="1"/>
-          <p:nvPr/>
-        </p:nvSpPr>
-        <p:spPr>
-          <a:xfrm>
-            <a:off x="6204660" y="3424323"/>
-            <a:ext cx="921895" cy="369332"/>
-          </a:xfrm>
-          <a:prstGeom prst="rect">
-            <a:avLst/>
-          </a:prstGeom>
-          <a:noFill/>
-          <a:ln>
-            <a:noFill/>
-          </a:ln>
-        </p:spPr>
-        <p:txBody>
-          <a:bodyPr wrap="square" rtlCol="0">
-            <a:spAutoFit/>
-          </a:bodyPr>
-          <a:lstStyle/>
-          <a:p>
-            <a:r>
-              <a:rPr kumimoji="1" lang="ja-JP" altLang="en-US" dirty="0" smtClean="0"/>
-              <a:t>特徴量</a:t>
-            </a:r>
-            <a:endParaRPr kumimoji="1" lang="ja-JP" altLang="en-US" dirty="0"/>
-          </a:p>
-        </p:txBody>
-      </p:sp>
-      <p:sp>
-        <p:nvSpPr>
-          <p:cNvPr id="33" name="テキスト ボックス 32"/>
-          <p:cNvSpPr txBox="1"/>
-          <p:nvPr/>
-        </p:nvSpPr>
-        <p:spPr>
-          <a:xfrm>
-            <a:off x="6502547" y="1408435"/>
-            <a:ext cx="1838908" cy="369332"/>
-          </a:xfrm>
-          <a:prstGeom prst="rect">
-            <a:avLst/>
-          </a:prstGeom>
-        </p:spPr>
-        <p:style>
-          <a:lnRef idx="1">
-            <a:schemeClr val="accent1"/>
-          </a:lnRef>
-          <a:fillRef idx="2">
-            <a:schemeClr val="accent1"/>
-          </a:fillRef>
-          <a:effectRef idx="1">
-            <a:schemeClr val="accent1"/>
-          </a:effectRef>
-          <a:fontRef idx="minor">
-            <a:schemeClr val="dk1"/>
-          </a:fontRef>
-        </p:style>
-        <p:txBody>
-          <a:bodyPr wrap="square" rtlCol="0">
-            <a:spAutoFit/>
-          </a:bodyPr>
-          <a:lstStyle/>
-          <a:p>
-            <a:pPr algn="ctr"/>
-            <a:r>
-              <a:rPr kumimoji="1" lang="ja-JP" altLang="en-US" b="1" dirty="0" smtClean="0"/>
-              <a:t>バッチシステム</a:t>
-            </a:r>
-            <a:endParaRPr kumimoji="1" lang="ja-JP" altLang="en-US" b="1" dirty="0"/>
-          </a:p>
-        </p:txBody>
-      </p:sp>
-      <p:sp>
-        <p:nvSpPr>
-          <p:cNvPr id="41" name="テキスト ボックス 40"/>
-          <p:cNvSpPr txBox="1"/>
-          <p:nvPr/>
-        </p:nvSpPr>
-        <p:spPr>
-          <a:xfrm>
-            <a:off x="5101894" y="2571597"/>
-            <a:ext cx="1209520" cy="369332"/>
-          </a:xfrm>
-          <a:prstGeom prst="rect">
-            <a:avLst/>
-          </a:prstGeom>
-          <a:noFill/>
-        </p:spPr>
-        <p:txBody>
-          <a:bodyPr wrap="square" rtlCol="0">
-            <a:spAutoFit/>
-          </a:bodyPr>
-          <a:lstStyle/>
-          <a:p>
-            <a:r>
-              <a:rPr lang="ja-JP" altLang="en-US" dirty="0" smtClean="0"/>
-              <a:t>予測結果</a:t>
-            </a:r>
-            <a:endParaRPr kumimoji="1" lang="ja-JP" altLang="en-US" dirty="0"/>
-          </a:p>
-        </p:txBody>
-      </p:sp>
-      <p:cxnSp>
-        <p:nvCxnSpPr>
-          <p:cNvPr id="43" name="直線矢印コネクタ 42"/>
-          <p:cNvCxnSpPr/>
-          <p:nvPr/>
-        </p:nvCxnSpPr>
-        <p:spPr>
-          <a:xfrm flipH="1">
-            <a:off x="2520116" y="3545358"/>
-            <a:ext cx="782323" cy="0"/>
-          </a:xfrm>
-          <a:prstGeom prst="straightConnector1">
-            <a:avLst/>
-          </a:prstGeom>
-          <a:ln>
-            <a:tailEnd type="triangle"/>
-          </a:ln>
-        </p:spPr>
-        <p:style>
-          <a:lnRef idx="1">
-            <a:schemeClr val="dk1"/>
-          </a:lnRef>
-          <a:fillRef idx="0">
-            <a:schemeClr val="dk1"/>
-          </a:fillRef>
-          <a:effectRef idx="0">
-            <a:schemeClr val="dk1"/>
-          </a:effectRef>
-          <a:fontRef idx="minor">
-            <a:schemeClr val="tx1"/>
-          </a:fontRef>
-        </p:style>
-      </p:cxnSp>
-      <p:sp>
-        <p:nvSpPr>
-          <p:cNvPr id="44" name="テキスト ボックス 43"/>
-          <p:cNvSpPr txBox="1"/>
-          <p:nvPr/>
-        </p:nvSpPr>
-        <p:spPr>
-          <a:xfrm>
-            <a:off x="2361129" y="3113587"/>
-            <a:ext cx="1209520" cy="369332"/>
-          </a:xfrm>
-          <a:prstGeom prst="rect">
-            <a:avLst/>
-          </a:prstGeom>
-          <a:noFill/>
-        </p:spPr>
-        <p:txBody>
-          <a:bodyPr wrap="square" rtlCol="0">
-            <a:spAutoFit/>
-          </a:bodyPr>
-          <a:lstStyle/>
-          <a:p>
-            <a:r>
-              <a:rPr lang="ja-JP" altLang="en-US" dirty="0" smtClean="0"/>
-              <a:t>予測結果</a:t>
-            </a:r>
-            <a:endParaRPr kumimoji="1" lang="ja-JP" altLang="en-US" dirty="0"/>
-          </a:p>
-        </p:txBody>
-      </p:sp>
-      <p:sp>
-        <p:nvSpPr>
-          <p:cNvPr id="46" name="テキスト ボックス 45"/>
-          <p:cNvSpPr txBox="1"/>
-          <p:nvPr/>
-        </p:nvSpPr>
-        <p:spPr>
-          <a:xfrm>
-            <a:off x="1259095" y="5080344"/>
-            <a:ext cx="10104638" cy="1384995"/>
-          </a:xfrm>
-          <a:prstGeom prst="rect">
-            <a:avLst/>
-          </a:prstGeom>
-        </p:spPr>
-        <p:style>
-          <a:lnRef idx="2">
-            <a:schemeClr val="dk1"/>
-          </a:lnRef>
-          <a:fillRef idx="1">
-            <a:schemeClr val="lt1"/>
-          </a:fillRef>
-          <a:effectRef idx="0">
-            <a:schemeClr val="dk1"/>
-          </a:effectRef>
-          <a:fontRef idx="minor">
-            <a:schemeClr val="dk1"/>
-          </a:fontRef>
-        </p:style>
-        <p:txBody>
-          <a:bodyPr wrap="square" rtlCol="0">
-            <a:spAutoFit/>
-          </a:bodyPr>
-          <a:lstStyle/>
-          <a:p>
-            <a:pPr marL="285750" indent="-285750">
-              <a:buFont typeface="Arial" panose="020B0604020202020204" pitchFamily="34" charset="0"/>
-              <a:buChar char="•"/>
-            </a:pPr>
-            <a:r>
-              <a:rPr lang="ja-JP" altLang="en-US" sz="2800" dirty="0" smtClean="0">
-                <a:latin typeface="ＭＳ Ｐゴシック" panose="020B0600070205080204" pitchFamily="50" charset="-128"/>
-                <a:ea typeface="ＭＳ Ｐゴシック" panose="020B0600070205080204" pitchFamily="50" charset="-128"/>
-              </a:rPr>
-              <a:t>学習フェーズで作成したモデルを用いて予測を行う</a:t>
-            </a:r>
-            <a:endParaRPr lang="en-US" altLang="ja-JP" sz="2800" dirty="0" smtClean="0">
-              <a:latin typeface="ＭＳ Ｐゴシック" panose="020B0600070205080204" pitchFamily="50" charset="-128"/>
-              <a:ea typeface="ＭＳ Ｐゴシック" panose="020B0600070205080204" pitchFamily="50" charset="-128"/>
-            </a:endParaRPr>
-          </a:p>
-          <a:p>
-            <a:pPr marL="285750" indent="-285750">
-              <a:buFont typeface="Arial" panose="020B0604020202020204" pitchFamily="34" charset="0"/>
-              <a:buChar char="•"/>
-            </a:pPr>
-            <a:r>
-              <a:rPr lang="en-US" altLang="ja-JP" sz="2800" dirty="0" smtClean="0">
-                <a:latin typeface="ＭＳ Ｐゴシック" panose="020B0600070205080204" pitchFamily="50" charset="-128"/>
-                <a:ea typeface="ＭＳ Ｐゴシック" panose="020B0600070205080204" pitchFamily="50" charset="-128"/>
-              </a:rPr>
-              <a:t>DB</a:t>
-            </a:r>
-            <a:r>
-              <a:rPr lang="ja-JP" altLang="en-US" sz="2800" dirty="0" smtClean="0">
-                <a:latin typeface="ＭＳ Ｐゴシック" panose="020B0600070205080204" pitchFamily="50" charset="-128"/>
-                <a:ea typeface="ＭＳ Ｐゴシック" panose="020B0600070205080204" pitchFamily="50" charset="-128"/>
-              </a:rPr>
-              <a:t>中のデータから特徴量を抽出し，予測する</a:t>
-            </a:r>
-            <a:endParaRPr lang="en-US" altLang="ja-JP" sz="2800" dirty="0" smtClean="0">
-              <a:latin typeface="ＭＳ Ｐゴシック" panose="020B0600070205080204" pitchFamily="50" charset="-128"/>
-              <a:ea typeface="ＭＳ Ｐゴシック" panose="020B0600070205080204" pitchFamily="50" charset="-128"/>
-            </a:endParaRPr>
-          </a:p>
-          <a:p>
-            <a:pPr marL="285750" indent="-285750">
-              <a:buFont typeface="Arial" panose="020B0604020202020204" pitchFamily="34" charset="0"/>
-              <a:buChar char="•"/>
-            </a:pPr>
-            <a:r>
-              <a:rPr lang="ja-JP" altLang="en-US" sz="2800" dirty="0" smtClean="0">
-                <a:latin typeface="ＭＳ Ｐゴシック" panose="020B0600070205080204" pitchFamily="50" charset="-128"/>
-                <a:ea typeface="ＭＳ Ｐゴシック" panose="020B0600070205080204" pitchFamily="50" charset="-128"/>
-              </a:rPr>
-              <a:t>予測結果を</a:t>
-            </a:r>
-            <a:r>
-              <a:rPr lang="en-US" altLang="ja-JP" sz="2800" dirty="0" smtClean="0">
-                <a:latin typeface="ＭＳ Ｐゴシック" panose="020B0600070205080204" pitchFamily="50" charset="-128"/>
-                <a:ea typeface="ＭＳ Ｐゴシック" panose="020B0600070205080204" pitchFamily="50" charset="-128"/>
-              </a:rPr>
-              <a:t>Web</a:t>
-            </a:r>
-            <a:r>
-              <a:rPr lang="ja-JP" altLang="en-US" sz="2800" dirty="0" smtClean="0">
-                <a:latin typeface="ＭＳ Ｐゴシック" panose="020B0600070205080204" pitchFamily="50" charset="-128"/>
-                <a:ea typeface="ＭＳ Ｐゴシック" panose="020B0600070205080204" pitchFamily="50" charset="-128"/>
-              </a:rPr>
-              <a:t>アプリケーションで利用できる形にして</a:t>
-            </a:r>
-            <a:r>
-              <a:rPr lang="en-US" altLang="ja-JP" sz="2800" dirty="0" smtClean="0">
-                <a:latin typeface="ＭＳ Ｐゴシック" panose="020B0600070205080204" pitchFamily="50" charset="-128"/>
-                <a:ea typeface="ＭＳ Ｐゴシック" panose="020B0600070205080204" pitchFamily="50" charset="-128"/>
-              </a:rPr>
-              <a:t>DB</a:t>
-            </a:r>
-            <a:r>
-              <a:rPr lang="ja-JP" altLang="en-US" sz="2800" dirty="0" smtClean="0">
-                <a:latin typeface="ＭＳ Ｐゴシック" panose="020B0600070205080204" pitchFamily="50" charset="-128"/>
-                <a:ea typeface="ＭＳ Ｐゴシック" panose="020B0600070205080204" pitchFamily="50" charset="-128"/>
-              </a:rPr>
-              <a:t>へ格納</a:t>
-            </a:r>
-            <a:endParaRPr lang="en-US" altLang="ja-JP" sz="2800" dirty="0" smtClean="0">
-              <a:latin typeface="ＭＳ Ｐゴシック" panose="020B0600070205080204" pitchFamily="50" charset="-128"/>
-              <a:ea typeface="ＭＳ Ｐゴシック" panose="020B0600070205080204" pitchFamily="50" charset="-128"/>
-            </a:endParaRPr>
-          </a:p>
-        </p:txBody>
-      </p:sp>
-      <p:sp>
-        <p:nvSpPr>
-          <p:cNvPr id="11" name="スライド番号プレースホルダー 10"/>
+          <p:cNvPr id="4" name="スライド番号プレースホルダー 3"/>
           <p:cNvSpPr>
             <a:spLocks noGrp="1"/>
           </p:cNvSpPr>
@@ -18826,7 +18173,7 @@
     </p:spTree>
     <p:extLst>
       <p:ext uri="{BB962C8B-B14F-4D97-AF65-F5344CB8AC3E}">
-        <p14:creationId xmlns:p14="http://schemas.microsoft.com/office/powerpoint/2010/main" val="47203621"/>
+        <p14:creationId xmlns:p14="http://schemas.microsoft.com/office/powerpoint/2010/main" val="4047700794"/>
       </p:ext>
     </p:extLst>
   </p:cSld>
@@ -18863,6 +18210,82 @@
       </p:grpSpPr>
       <p:sp>
         <p:nvSpPr>
+          <p:cNvPr id="10" name="正方形/長方形 9"/>
+          <p:cNvSpPr/>
+          <p:nvPr/>
+        </p:nvSpPr>
+        <p:spPr>
+          <a:xfrm>
+            <a:off x="1926236" y="1146748"/>
+            <a:ext cx="8154649" cy="3657600"/>
+          </a:xfrm>
+          <a:prstGeom prst="rect">
+            <a:avLst/>
+          </a:prstGeom>
+        </p:spPr>
+        <p:style>
+          <a:lnRef idx="2">
+            <a:schemeClr val="dk1"/>
+          </a:lnRef>
+          <a:fillRef idx="1">
+            <a:schemeClr val="lt1"/>
+          </a:fillRef>
+          <a:effectRef idx="0">
+            <a:schemeClr val="dk1"/>
+          </a:effectRef>
+          <a:fontRef idx="minor">
+            <a:schemeClr val="dk1"/>
+          </a:fontRef>
+        </p:style>
+        <p:txBody>
+          <a:bodyPr rtlCol="0" anchor="ctr"/>
+          <a:lstStyle/>
+          <a:p>
+            <a:pPr algn="ctr"/>
+            <a:endParaRPr kumimoji="1" lang="ja-JP" altLang="en-US"/>
+          </a:p>
+        </p:txBody>
+      </p:sp>
+      <p:sp>
+        <p:nvSpPr>
+          <p:cNvPr id="32" name="角丸四角形 31"/>
+          <p:cNvSpPr/>
+          <p:nvPr/>
+        </p:nvSpPr>
+        <p:spPr>
+          <a:xfrm>
+            <a:off x="4834328" y="1587971"/>
+            <a:ext cx="5081666" cy="3038474"/>
+          </a:xfrm>
+          <a:prstGeom prst="roundRect">
+            <a:avLst/>
+          </a:prstGeom>
+        </p:spPr>
+        <p:style>
+          <a:lnRef idx="2">
+            <a:schemeClr val="dk1"/>
+          </a:lnRef>
+          <a:fillRef idx="1">
+            <a:schemeClr val="lt1"/>
+          </a:fillRef>
+          <a:effectRef idx="0">
+            <a:schemeClr val="dk1"/>
+          </a:effectRef>
+          <a:fontRef idx="minor">
+            <a:schemeClr val="dk1"/>
+          </a:fontRef>
+        </p:style>
+        <p:txBody>
+          <a:bodyPr rtlCol="0" anchor="ctr"/>
+          <a:lstStyle/>
+          <a:p>
+            <a:pPr algn="ctr"/>
+            <a:endParaRPr kumimoji="1" lang="ja-JP" altLang="en-US"/>
+          </a:p>
+        </p:txBody>
+      </p:sp>
+      <p:sp>
+        <p:nvSpPr>
           <p:cNvPr id="2" name="タイトル 1"/>
           <p:cNvSpPr>
             <a:spLocks noGrp="1"/>
@@ -18873,8 +18296,8 @@
         </p:nvSpPr>
         <p:spPr>
           <a:xfrm>
-            <a:off x="494675" y="365125"/>
-            <a:ext cx="11270110" cy="1325563"/>
+            <a:off x="838200" y="-4990"/>
+            <a:ext cx="10515600" cy="1325563"/>
           </a:xfrm>
         </p:spPr>
         <p:txBody>
@@ -18884,68 +18307,1083 @@
           <a:lstStyle/>
           <a:p>
             <a:r>
-              <a:rPr lang="en-US" altLang="ja-JP" sz="3600" dirty="0" smtClean="0"/>
-              <a:t>4.2.2 </a:t>
-            </a:r>
-            <a:r>
               <a:rPr lang="ja-JP" altLang="en-US" sz="3600" dirty="0" smtClean="0"/>
-              <a:t>バッチ</a:t>
-            </a:r>
-            <a:r>
-              <a:rPr lang="ja-JP" altLang="en-US" sz="3600" dirty="0"/>
-              <a:t>処理で学習＋予測結果を</a:t>
-            </a:r>
-            <a:r>
-              <a:rPr lang="en-US" altLang="ja-JP" sz="3600" dirty="0"/>
-              <a:t>Web</a:t>
-            </a:r>
-            <a:r>
-              <a:rPr lang="ja-JP" altLang="en-US" sz="3600" dirty="0"/>
-              <a:t>アプリケーションで直接算出する</a:t>
-            </a:r>
-            <a:r>
-              <a:rPr lang="en-US" altLang="ja-JP" sz="3600" dirty="0"/>
-              <a:t>(</a:t>
-            </a:r>
-            <a:r>
-              <a:rPr lang="ja-JP" altLang="en-US" sz="3600" dirty="0"/>
-              <a:t>リアルタイム処理で予測</a:t>
-            </a:r>
-            <a:r>
-              <a:rPr lang="en-US" altLang="ja-JP" sz="3600" dirty="0" smtClean="0"/>
-              <a:t>)</a:t>
+              <a:t>パターン３：予測フェーズ</a:t>
             </a:r>
             <a:endParaRPr kumimoji="1" lang="ja-JP" altLang="en-US" sz="3600" dirty="0"/>
           </a:p>
         </p:txBody>
       </p:sp>
-      <p:pic>
-        <p:nvPicPr>
-          <p:cNvPr id="62" name="図 61"/>
-          <p:cNvPicPr>
-            <a:picLocks noChangeAspect="1"/>
-          </p:cNvPicPr>
+      <p:sp>
+        <p:nvSpPr>
+          <p:cNvPr id="4" name="角丸四角形 3"/>
+          <p:cNvSpPr/>
           <p:nvPr/>
-        </p:nvPicPr>
-        <p:blipFill>
-          <a:blip r:embed="rId2"/>
-          <a:stretch>
-            <a:fillRect/>
-          </a:stretch>
-        </p:blipFill>
+        </p:nvSpPr>
         <p:spPr>
           <a:xfrm>
-            <a:off x="1802715" y="3712191"/>
-            <a:ext cx="8163252" cy="3145809"/>
+            <a:off x="4960043" y="2097056"/>
+            <a:ext cx="2295640" cy="2462797"/>
+          </a:xfrm>
+          <a:prstGeom prst="roundRect">
+            <a:avLst/>
+          </a:prstGeom>
+        </p:spPr>
+        <p:style>
+          <a:lnRef idx="2">
+            <a:schemeClr val="dk1"/>
+          </a:lnRef>
+          <a:fillRef idx="1">
+            <a:schemeClr val="lt1"/>
+          </a:fillRef>
+          <a:effectRef idx="0">
+            <a:schemeClr val="dk1"/>
+          </a:effectRef>
+          <a:fontRef idx="minor">
+            <a:schemeClr val="dk1"/>
+          </a:fontRef>
+        </p:style>
+        <p:txBody>
+          <a:bodyPr rtlCol="0" anchor="ctr"/>
+          <a:lstStyle/>
+          <a:p>
+            <a:pPr algn="ctr"/>
+            <a:endParaRPr kumimoji="1" lang="ja-JP" altLang="en-US"/>
+          </a:p>
+        </p:txBody>
+      </p:sp>
+      <p:sp>
+        <p:nvSpPr>
+          <p:cNvPr id="5" name="角丸四角形 4"/>
+          <p:cNvSpPr/>
+          <p:nvPr/>
+        </p:nvSpPr>
+        <p:spPr>
+          <a:xfrm>
+            <a:off x="7502742" y="2097058"/>
+            <a:ext cx="2268518" cy="2462796"/>
+          </a:xfrm>
+          <a:prstGeom prst="roundRect">
+            <a:avLst/>
+          </a:prstGeom>
+        </p:spPr>
+        <p:style>
+          <a:lnRef idx="2">
+            <a:schemeClr val="dk1"/>
+          </a:lnRef>
+          <a:fillRef idx="1">
+            <a:schemeClr val="lt1"/>
+          </a:fillRef>
+          <a:effectRef idx="0">
+            <a:schemeClr val="dk1"/>
+          </a:effectRef>
+          <a:fontRef idx="minor">
+            <a:schemeClr val="dk1"/>
+          </a:fontRef>
+        </p:style>
+        <p:txBody>
+          <a:bodyPr rtlCol="0" anchor="ctr"/>
+          <a:lstStyle/>
+          <a:p>
+            <a:pPr algn="ctr"/>
+            <a:endParaRPr kumimoji="1" lang="ja-JP" altLang="en-US"/>
+          </a:p>
+        </p:txBody>
+      </p:sp>
+      <p:sp>
+        <p:nvSpPr>
+          <p:cNvPr id="6" name="角丸四角形 5"/>
+          <p:cNvSpPr/>
+          <p:nvPr/>
+        </p:nvSpPr>
+        <p:spPr>
+          <a:xfrm>
+            <a:off x="2113926" y="1567111"/>
+            <a:ext cx="2089252" cy="3059334"/>
+          </a:xfrm>
+          <a:prstGeom prst="roundRect">
+            <a:avLst/>
+          </a:prstGeom>
+        </p:spPr>
+        <p:style>
+          <a:lnRef idx="2">
+            <a:schemeClr val="dk1"/>
+          </a:lnRef>
+          <a:fillRef idx="1">
+            <a:schemeClr val="lt1"/>
+          </a:fillRef>
+          <a:effectRef idx="0">
+            <a:schemeClr val="dk1"/>
+          </a:effectRef>
+          <a:fontRef idx="minor">
+            <a:schemeClr val="dk1"/>
+          </a:fontRef>
+        </p:style>
+        <p:txBody>
+          <a:bodyPr rtlCol="0" anchor="ctr"/>
+          <a:lstStyle/>
+          <a:p>
+            <a:pPr algn="ctr"/>
+            <a:endParaRPr kumimoji="1" lang="ja-JP" altLang="en-US"/>
+          </a:p>
+        </p:txBody>
+      </p:sp>
+      <p:sp>
+        <p:nvSpPr>
+          <p:cNvPr id="7" name="テキスト ボックス 6"/>
+          <p:cNvSpPr txBox="1"/>
+          <p:nvPr/>
+        </p:nvSpPr>
+        <p:spPr>
+          <a:xfrm>
+            <a:off x="2462954" y="1329507"/>
+            <a:ext cx="1407731" cy="646331"/>
           </a:xfrm>
           <a:prstGeom prst="rect">
             <a:avLst/>
           </a:prstGeom>
         </p:spPr>
-      </p:pic>
-      <p:sp>
-        <p:nvSpPr>
-          <p:cNvPr id="3" name="スライド番号プレースホルダー 2"/>
+        <p:style>
+          <a:lnRef idx="2">
+            <a:schemeClr val="dk1"/>
+          </a:lnRef>
+          <a:fillRef idx="1">
+            <a:schemeClr val="lt1"/>
+          </a:fillRef>
+          <a:effectRef idx="0">
+            <a:schemeClr val="dk1"/>
+          </a:effectRef>
+          <a:fontRef idx="minor">
+            <a:schemeClr val="dk1"/>
+          </a:fontRef>
+        </p:style>
+        <p:txBody>
+          <a:bodyPr wrap="square" rtlCol="0">
+            <a:spAutoFit/>
+          </a:bodyPr>
+          <a:lstStyle/>
+          <a:p>
+            <a:r>
+              <a:rPr kumimoji="1" lang="en-US" altLang="ja-JP" b="1" dirty="0" smtClean="0"/>
+              <a:t>Web</a:t>
+            </a:r>
+            <a:r>
+              <a:rPr kumimoji="1" lang="ja-JP" altLang="en-US" b="1" dirty="0" smtClean="0"/>
+              <a:t>アプリ</a:t>
+            </a:r>
+            <a:endParaRPr kumimoji="1" lang="en-US" altLang="ja-JP" b="1" dirty="0" smtClean="0"/>
+          </a:p>
+          <a:p>
+            <a:r>
+              <a:rPr kumimoji="1" lang="ja-JP" altLang="en-US" b="1" dirty="0" smtClean="0"/>
+              <a:t>ケーション</a:t>
+            </a:r>
+            <a:endParaRPr kumimoji="1" lang="ja-JP" altLang="en-US" b="1" dirty="0"/>
+          </a:p>
+        </p:txBody>
+      </p:sp>
+      <p:sp>
+        <p:nvSpPr>
+          <p:cNvPr id="8" name="角丸四角形 7"/>
+          <p:cNvSpPr/>
+          <p:nvPr/>
+        </p:nvSpPr>
+        <p:spPr>
+          <a:xfrm>
+            <a:off x="6494635" y="2471615"/>
+            <a:ext cx="1769155" cy="552238"/>
+          </a:xfrm>
+          <a:prstGeom prst="roundRect">
+            <a:avLst/>
+          </a:prstGeom>
+        </p:spPr>
+        <p:style>
+          <a:lnRef idx="1">
+            <a:schemeClr val="accent1"/>
+          </a:lnRef>
+          <a:fillRef idx="2">
+            <a:schemeClr val="accent1"/>
+          </a:fillRef>
+          <a:effectRef idx="1">
+            <a:schemeClr val="accent1"/>
+          </a:effectRef>
+          <a:fontRef idx="minor">
+            <a:schemeClr val="dk1"/>
+          </a:fontRef>
+        </p:style>
+        <p:txBody>
+          <a:bodyPr rtlCol="0" anchor="ctr"/>
+          <a:lstStyle/>
+          <a:p>
+            <a:pPr algn="ctr"/>
+            <a:r>
+              <a:rPr kumimoji="1" lang="ja-JP" altLang="en-US" sz="2000" b="1" dirty="0" smtClean="0"/>
+              <a:t>予測モデル</a:t>
+            </a:r>
+            <a:endParaRPr kumimoji="1" lang="ja-JP" altLang="en-US" sz="2000" b="1" dirty="0"/>
+          </a:p>
+        </p:txBody>
+      </p:sp>
+      <p:sp>
+        <p:nvSpPr>
+          <p:cNvPr id="9" name="角丸四角形 8"/>
+          <p:cNvSpPr/>
+          <p:nvPr/>
+        </p:nvSpPr>
+        <p:spPr>
+          <a:xfrm>
+            <a:off x="3433844" y="3269900"/>
+            <a:ext cx="2119243" cy="546838"/>
+          </a:xfrm>
+          <a:prstGeom prst="roundRect">
+            <a:avLst/>
+          </a:prstGeom>
+        </p:spPr>
+        <p:style>
+          <a:lnRef idx="1">
+            <a:schemeClr val="accent1"/>
+          </a:lnRef>
+          <a:fillRef idx="2">
+            <a:schemeClr val="accent1"/>
+          </a:fillRef>
+          <a:effectRef idx="1">
+            <a:schemeClr val="accent1"/>
+          </a:effectRef>
+          <a:fontRef idx="minor">
+            <a:schemeClr val="dk1"/>
+          </a:fontRef>
+        </p:style>
+        <p:txBody>
+          <a:bodyPr rtlCol="0" anchor="ctr"/>
+          <a:lstStyle/>
+          <a:p>
+            <a:pPr algn="ctr"/>
+            <a:r>
+              <a:rPr lang="en-US" altLang="ja-JP" sz="2000" b="1" dirty="0" smtClean="0"/>
+              <a:t>D</a:t>
+            </a:r>
+            <a:r>
+              <a:rPr lang="en-US" altLang="ja-JP" sz="2000" b="1" dirty="0"/>
+              <a:t>B</a:t>
+            </a:r>
+            <a:endParaRPr kumimoji="1" lang="ja-JP" altLang="en-US" sz="2000" b="1" dirty="0"/>
+          </a:p>
+        </p:txBody>
+      </p:sp>
+      <p:sp>
+        <p:nvSpPr>
+          <p:cNvPr id="14" name="テキスト ボックス 13"/>
+          <p:cNvSpPr txBox="1"/>
+          <p:nvPr/>
+        </p:nvSpPr>
+        <p:spPr>
+          <a:xfrm>
+            <a:off x="8257892" y="3204939"/>
+            <a:ext cx="1402456" cy="400110"/>
+          </a:xfrm>
+          <a:prstGeom prst="rect">
+            <a:avLst/>
+          </a:prstGeom>
+        </p:spPr>
+        <p:style>
+          <a:lnRef idx="2">
+            <a:schemeClr val="dk1"/>
+          </a:lnRef>
+          <a:fillRef idx="1">
+            <a:schemeClr val="lt1"/>
+          </a:fillRef>
+          <a:effectRef idx="0">
+            <a:schemeClr val="dk1"/>
+          </a:effectRef>
+          <a:fontRef idx="minor">
+            <a:schemeClr val="dk1"/>
+          </a:fontRef>
+        </p:style>
+        <p:txBody>
+          <a:bodyPr wrap="square" rtlCol="0">
+            <a:spAutoFit/>
+          </a:bodyPr>
+          <a:lstStyle/>
+          <a:p>
+            <a:pPr algn="ctr"/>
+            <a:r>
+              <a:rPr kumimoji="1" lang="ja-JP" altLang="en-US" sz="2000" b="1" dirty="0" smtClean="0"/>
+              <a:t>学習器</a:t>
+            </a:r>
+            <a:endParaRPr kumimoji="1" lang="ja-JP" altLang="en-US" sz="2000" b="1" dirty="0"/>
+          </a:p>
+        </p:txBody>
+      </p:sp>
+      <p:sp>
+        <p:nvSpPr>
+          <p:cNvPr id="15" name="テキスト ボックス 14"/>
+          <p:cNvSpPr txBox="1"/>
+          <p:nvPr/>
+        </p:nvSpPr>
+        <p:spPr>
+          <a:xfrm>
+            <a:off x="6639048" y="3825527"/>
+            <a:ext cx="1812294" cy="400110"/>
+          </a:xfrm>
+          <a:prstGeom prst="rect">
+            <a:avLst/>
+          </a:prstGeom>
+        </p:spPr>
+        <p:style>
+          <a:lnRef idx="1">
+            <a:schemeClr val="accent1"/>
+          </a:lnRef>
+          <a:fillRef idx="2">
+            <a:schemeClr val="accent1"/>
+          </a:fillRef>
+          <a:effectRef idx="1">
+            <a:schemeClr val="accent1"/>
+          </a:effectRef>
+          <a:fontRef idx="minor">
+            <a:schemeClr val="dk1"/>
+          </a:fontRef>
+        </p:style>
+        <p:txBody>
+          <a:bodyPr wrap="square" rtlCol="0">
+            <a:spAutoFit/>
+          </a:bodyPr>
+          <a:lstStyle/>
+          <a:p>
+            <a:pPr algn="ctr"/>
+            <a:r>
+              <a:rPr lang="ja-JP" altLang="en-US" sz="2000" b="1" dirty="0" smtClean="0"/>
+              <a:t>特徴抽出</a:t>
+            </a:r>
+            <a:r>
+              <a:rPr lang="ja-JP" altLang="en-US" sz="2000" b="1" dirty="0"/>
+              <a:t>器</a:t>
+            </a:r>
+            <a:endParaRPr kumimoji="1" lang="ja-JP" altLang="en-US" sz="2000" b="1" dirty="0"/>
+          </a:p>
+        </p:txBody>
+      </p:sp>
+      <p:cxnSp>
+        <p:nvCxnSpPr>
+          <p:cNvPr id="16" name="直線矢印コネクタ 15"/>
+          <p:cNvCxnSpPr/>
+          <p:nvPr/>
+        </p:nvCxnSpPr>
+        <p:spPr>
+          <a:xfrm flipH="1">
+            <a:off x="8353043" y="2751039"/>
+            <a:ext cx="718968" cy="0"/>
+          </a:xfrm>
+          <a:prstGeom prst="straightConnector1">
+            <a:avLst/>
+          </a:prstGeom>
+          <a:ln>
+            <a:tailEnd type="triangle"/>
+          </a:ln>
+        </p:spPr>
+        <p:style>
+          <a:lnRef idx="1">
+            <a:schemeClr val="dk1"/>
+          </a:lnRef>
+          <a:fillRef idx="0">
+            <a:schemeClr val="dk1"/>
+          </a:fillRef>
+          <a:effectRef idx="0">
+            <a:schemeClr val="dk1"/>
+          </a:effectRef>
+          <a:fontRef idx="minor">
+            <a:schemeClr val="tx1"/>
+          </a:fontRef>
+        </p:style>
+      </p:cxnSp>
+      <p:cxnSp>
+        <p:nvCxnSpPr>
+          <p:cNvPr id="17" name="直線矢印コネクタ 16"/>
+          <p:cNvCxnSpPr/>
+          <p:nvPr/>
+        </p:nvCxnSpPr>
+        <p:spPr>
+          <a:xfrm flipV="1">
+            <a:off x="9072011" y="3698663"/>
+            <a:ext cx="0" cy="370060"/>
+          </a:xfrm>
+          <a:prstGeom prst="straightConnector1">
+            <a:avLst/>
+          </a:prstGeom>
+          <a:ln>
+            <a:tailEnd type="triangle"/>
+          </a:ln>
+        </p:spPr>
+        <p:style>
+          <a:lnRef idx="1">
+            <a:schemeClr val="dk1"/>
+          </a:lnRef>
+          <a:fillRef idx="0">
+            <a:schemeClr val="dk1"/>
+          </a:fillRef>
+          <a:effectRef idx="0">
+            <a:schemeClr val="dk1"/>
+          </a:effectRef>
+          <a:fontRef idx="minor">
+            <a:schemeClr val="tx1"/>
+          </a:fontRef>
+        </p:style>
+      </p:cxnSp>
+      <p:sp>
+        <p:nvSpPr>
+          <p:cNvPr id="18" name="テキスト ボックス 17"/>
+          <p:cNvSpPr txBox="1"/>
+          <p:nvPr/>
+        </p:nvSpPr>
+        <p:spPr>
+          <a:xfrm>
+            <a:off x="8712527" y="4069451"/>
+            <a:ext cx="921895" cy="369332"/>
+          </a:xfrm>
+          <a:prstGeom prst="rect">
+            <a:avLst/>
+          </a:prstGeom>
+          <a:noFill/>
+          <a:ln>
+            <a:noFill/>
+          </a:ln>
+        </p:spPr>
+        <p:txBody>
+          <a:bodyPr wrap="square" rtlCol="0">
+            <a:spAutoFit/>
+          </a:bodyPr>
+          <a:lstStyle/>
+          <a:p>
+            <a:r>
+              <a:rPr kumimoji="1" lang="ja-JP" altLang="en-US" dirty="0" smtClean="0"/>
+              <a:t>特徴量</a:t>
+            </a:r>
+            <a:endParaRPr kumimoji="1" lang="ja-JP" altLang="en-US" dirty="0"/>
+          </a:p>
+        </p:txBody>
+      </p:sp>
+      <p:sp>
+        <p:nvSpPr>
+          <p:cNvPr id="19" name="テキスト ボックス 18"/>
+          <p:cNvSpPr txBox="1"/>
+          <p:nvPr/>
+        </p:nvSpPr>
+        <p:spPr>
+          <a:xfrm>
+            <a:off x="8511995" y="2364211"/>
+            <a:ext cx="1209520" cy="369332"/>
+          </a:xfrm>
+          <a:prstGeom prst="rect">
+            <a:avLst/>
+          </a:prstGeom>
+          <a:noFill/>
+        </p:spPr>
+        <p:txBody>
+          <a:bodyPr wrap="square" rtlCol="0">
+            <a:spAutoFit/>
+          </a:bodyPr>
+          <a:lstStyle/>
+          <a:p>
+            <a:r>
+              <a:rPr kumimoji="1" lang="ja-JP" altLang="en-US" dirty="0" smtClean="0"/>
+              <a:t>学習結果</a:t>
+            </a:r>
+            <a:endParaRPr kumimoji="1" lang="ja-JP" altLang="en-US" dirty="0"/>
+          </a:p>
+        </p:txBody>
+      </p:sp>
+      <p:sp>
+        <p:nvSpPr>
+          <p:cNvPr id="20" name="テキスト ボックス 19"/>
+          <p:cNvSpPr txBox="1"/>
+          <p:nvPr/>
+        </p:nvSpPr>
+        <p:spPr>
+          <a:xfrm>
+            <a:off x="5256229" y="3913522"/>
+            <a:ext cx="2122983" cy="646331"/>
+          </a:xfrm>
+          <a:prstGeom prst="rect">
+            <a:avLst/>
+          </a:prstGeom>
+          <a:noFill/>
+        </p:spPr>
+        <p:txBody>
+          <a:bodyPr wrap="square" rtlCol="0">
+            <a:spAutoFit/>
+          </a:bodyPr>
+          <a:lstStyle/>
+          <a:p>
+            <a:r>
+              <a:rPr kumimoji="1" lang="ja-JP" altLang="en-US" dirty="0" smtClean="0"/>
+              <a:t>ログ</a:t>
+            </a:r>
+            <a:endParaRPr kumimoji="1" lang="en-US" altLang="ja-JP" dirty="0" smtClean="0"/>
+          </a:p>
+          <a:p>
+            <a:r>
+              <a:rPr lang="ja-JP" altLang="en-US" dirty="0" smtClean="0"/>
+              <a:t>ユーザー情報</a:t>
+            </a:r>
+            <a:endParaRPr kumimoji="1" lang="ja-JP" altLang="en-US" dirty="0"/>
+          </a:p>
+        </p:txBody>
+      </p:sp>
+      <p:sp>
+        <p:nvSpPr>
+          <p:cNvPr id="21" name="テキスト ボックス 20"/>
+          <p:cNvSpPr txBox="1"/>
+          <p:nvPr/>
+        </p:nvSpPr>
+        <p:spPr>
+          <a:xfrm>
+            <a:off x="7715106" y="1916865"/>
+            <a:ext cx="1843790" cy="369332"/>
+          </a:xfrm>
+          <a:prstGeom prst="rect">
+            <a:avLst/>
+          </a:prstGeom>
+        </p:spPr>
+        <p:style>
+          <a:lnRef idx="2">
+            <a:schemeClr val="dk1"/>
+          </a:lnRef>
+          <a:fillRef idx="1">
+            <a:schemeClr val="lt1"/>
+          </a:fillRef>
+          <a:effectRef idx="0">
+            <a:schemeClr val="dk1"/>
+          </a:effectRef>
+          <a:fontRef idx="minor">
+            <a:schemeClr val="dk1"/>
+          </a:fontRef>
+        </p:style>
+        <p:txBody>
+          <a:bodyPr wrap="square" rtlCol="0">
+            <a:spAutoFit/>
+          </a:bodyPr>
+          <a:lstStyle/>
+          <a:p>
+            <a:pPr algn="ctr"/>
+            <a:r>
+              <a:rPr kumimoji="1" lang="ja-JP" altLang="en-US" b="1" dirty="0" smtClean="0"/>
+              <a:t>学習バッチ</a:t>
+            </a:r>
+            <a:endParaRPr kumimoji="1" lang="ja-JP" altLang="en-US" b="1" dirty="0"/>
+          </a:p>
+        </p:txBody>
+      </p:sp>
+      <p:cxnSp>
+        <p:nvCxnSpPr>
+          <p:cNvPr id="23" name="直線コネクタ 22"/>
+          <p:cNvCxnSpPr/>
+          <p:nvPr/>
+        </p:nvCxnSpPr>
+        <p:spPr>
+          <a:xfrm flipH="1">
+            <a:off x="8499913" y="4068723"/>
+            <a:ext cx="572098" cy="0"/>
+          </a:xfrm>
+          <a:prstGeom prst="line">
+            <a:avLst/>
+          </a:prstGeom>
+          <a:ln>
+            <a:solidFill>
+              <a:schemeClr val="tx1"/>
+            </a:solidFill>
+          </a:ln>
+        </p:spPr>
+        <p:style>
+          <a:lnRef idx="1">
+            <a:schemeClr val="accent1"/>
+          </a:lnRef>
+          <a:fillRef idx="0">
+            <a:schemeClr val="accent1"/>
+          </a:fillRef>
+          <a:effectRef idx="0">
+            <a:schemeClr val="accent1"/>
+          </a:effectRef>
+          <a:fontRef idx="minor">
+            <a:schemeClr val="tx1"/>
+          </a:fontRef>
+        </p:style>
+      </p:cxnSp>
+      <p:cxnSp>
+        <p:nvCxnSpPr>
+          <p:cNvPr id="24" name="直線コネクタ 23"/>
+          <p:cNvCxnSpPr/>
+          <p:nvPr/>
+        </p:nvCxnSpPr>
+        <p:spPr>
+          <a:xfrm flipV="1">
+            <a:off x="9072011" y="2747735"/>
+            <a:ext cx="0" cy="445198"/>
+          </a:xfrm>
+          <a:prstGeom prst="line">
+            <a:avLst/>
+          </a:prstGeom>
+          <a:ln>
+            <a:solidFill>
+              <a:schemeClr val="tx1"/>
+            </a:solidFill>
+          </a:ln>
+        </p:spPr>
+        <p:style>
+          <a:lnRef idx="1">
+            <a:schemeClr val="accent1"/>
+          </a:lnRef>
+          <a:fillRef idx="0">
+            <a:schemeClr val="accent1"/>
+          </a:fillRef>
+          <a:effectRef idx="0">
+            <a:schemeClr val="accent1"/>
+          </a:effectRef>
+          <a:fontRef idx="minor">
+            <a:schemeClr val="tx1"/>
+          </a:fontRef>
+        </p:style>
+      </p:cxnSp>
+      <p:sp>
+        <p:nvSpPr>
+          <p:cNvPr id="25" name="テキスト ボックス 24"/>
+          <p:cNvSpPr txBox="1"/>
+          <p:nvPr/>
+        </p:nvSpPr>
+        <p:spPr>
+          <a:xfrm>
+            <a:off x="5112559" y="1911638"/>
+            <a:ext cx="1859802" cy="369332"/>
+          </a:xfrm>
+          <a:prstGeom prst="rect">
+            <a:avLst/>
+          </a:prstGeom>
+        </p:spPr>
+        <p:style>
+          <a:lnRef idx="1">
+            <a:schemeClr val="accent1"/>
+          </a:lnRef>
+          <a:fillRef idx="2">
+            <a:schemeClr val="accent1"/>
+          </a:fillRef>
+          <a:effectRef idx="1">
+            <a:schemeClr val="accent1"/>
+          </a:effectRef>
+          <a:fontRef idx="minor">
+            <a:schemeClr val="dk1"/>
+          </a:fontRef>
+        </p:style>
+        <p:txBody>
+          <a:bodyPr wrap="square" rtlCol="0">
+            <a:spAutoFit/>
+          </a:bodyPr>
+          <a:lstStyle/>
+          <a:p>
+            <a:pPr algn="ctr"/>
+            <a:r>
+              <a:rPr kumimoji="1" lang="ja-JP" altLang="en-US" b="1" dirty="0" smtClean="0"/>
+              <a:t>予測</a:t>
+            </a:r>
+            <a:r>
+              <a:rPr lang="ja-JP" altLang="en-US" b="1" dirty="0"/>
+              <a:t>バッチ</a:t>
+            </a:r>
+            <a:endParaRPr kumimoji="1" lang="ja-JP" altLang="en-US" b="1" dirty="0"/>
+          </a:p>
+        </p:txBody>
+      </p:sp>
+      <p:cxnSp>
+        <p:nvCxnSpPr>
+          <p:cNvPr id="26" name="直線矢印コネクタ 25"/>
+          <p:cNvCxnSpPr/>
+          <p:nvPr/>
+        </p:nvCxnSpPr>
+        <p:spPr>
+          <a:xfrm flipH="1">
+            <a:off x="5536587" y="2702859"/>
+            <a:ext cx="847136" cy="567041"/>
+          </a:xfrm>
+          <a:prstGeom prst="straightConnector1">
+            <a:avLst/>
+          </a:prstGeom>
+          <a:ln>
+            <a:tailEnd type="triangle"/>
+          </a:ln>
+        </p:spPr>
+        <p:style>
+          <a:lnRef idx="1">
+            <a:schemeClr val="dk1"/>
+          </a:lnRef>
+          <a:fillRef idx="0">
+            <a:schemeClr val="dk1"/>
+          </a:fillRef>
+          <a:effectRef idx="0">
+            <a:schemeClr val="dk1"/>
+          </a:effectRef>
+          <a:fontRef idx="minor">
+            <a:schemeClr val="tx1"/>
+          </a:fontRef>
+        </p:style>
+      </p:cxnSp>
+      <p:cxnSp>
+        <p:nvCxnSpPr>
+          <p:cNvPr id="27" name="直線矢印コネクタ 26"/>
+          <p:cNvCxnSpPr/>
+          <p:nvPr/>
+        </p:nvCxnSpPr>
+        <p:spPr>
+          <a:xfrm flipV="1">
+            <a:off x="7004489" y="3065711"/>
+            <a:ext cx="0" cy="740119"/>
+          </a:xfrm>
+          <a:prstGeom prst="straightConnector1">
+            <a:avLst/>
+          </a:prstGeom>
+          <a:ln>
+            <a:tailEnd type="triangle"/>
+          </a:ln>
+        </p:spPr>
+        <p:style>
+          <a:lnRef idx="1">
+            <a:schemeClr val="dk1"/>
+          </a:lnRef>
+          <a:fillRef idx="0">
+            <a:schemeClr val="dk1"/>
+          </a:fillRef>
+          <a:effectRef idx="0">
+            <a:schemeClr val="dk1"/>
+          </a:effectRef>
+          <a:fontRef idx="minor">
+            <a:schemeClr val="tx1"/>
+          </a:fontRef>
+        </p:style>
+      </p:cxnSp>
+      <p:cxnSp>
+        <p:nvCxnSpPr>
+          <p:cNvPr id="28" name="直線矢印コネクタ 27"/>
+          <p:cNvCxnSpPr/>
+          <p:nvPr/>
+        </p:nvCxnSpPr>
+        <p:spPr>
+          <a:xfrm>
+            <a:off x="5603859" y="3763491"/>
+            <a:ext cx="991167" cy="275068"/>
+          </a:xfrm>
+          <a:prstGeom prst="straightConnector1">
+            <a:avLst/>
+          </a:prstGeom>
+          <a:ln>
+            <a:tailEnd type="triangle"/>
+          </a:ln>
+        </p:spPr>
+        <p:style>
+          <a:lnRef idx="1">
+            <a:schemeClr val="dk1"/>
+          </a:lnRef>
+          <a:fillRef idx="0">
+            <a:schemeClr val="dk1"/>
+          </a:fillRef>
+          <a:effectRef idx="0">
+            <a:schemeClr val="dk1"/>
+          </a:effectRef>
+          <a:fontRef idx="minor">
+            <a:schemeClr val="tx1"/>
+          </a:fontRef>
+        </p:style>
+      </p:cxnSp>
+      <p:sp>
+        <p:nvSpPr>
+          <p:cNvPr id="29" name="テキスト ボックス 28"/>
+          <p:cNvSpPr txBox="1"/>
+          <p:nvPr/>
+        </p:nvSpPr>
+        <p:spPr>
+          <a:xfrm>
+            <a:off x="6204660" y="3424323"/>
+            <a:ext cx="921895" cy="369332"/>
+          </a:xfrm>
+          <a:prstGeom prst="rect">
+            <a:avLst/>
+          </a:prstGeom>
+          <a:noFill/>
+          <a:ln>
+            <a:noFill/>
+          </a:ln>
+        </p:spPr>
+        <p:txBody>
+          <a:bodyPr wrap="square" rtlCol="0">
+            <a:spAutoFit/>
+          </a:bodyPr>
+          <a:lstStyle/>
+          <a:p>
+            <a:r>
+              <a:rPr kumimoji="1" lang="ja-JP" altLang="en-US" dirty="0" smtClean="0"/>
+              <a:t>特徴量</a:t>
+            </a:r>
+            <a:endParaRPr kumimoji="1" lang="ja-JP" altLang="en-US" dirty="0"/>
+          </a:p>
+        </p:txBody>
+      </p:sp>
+      <p:sp>
+        <p:nvSpPr>
+          <p:cNvPr id="33" name="テキスト ボックス 32"/>
+          <p:cNvSpPr txBox="1"/>
+          <p:nvPr/>
+        </p:nvSpPr>
+        <p:spPr>
+          <a:xfrm>
+            <a:off x="6502547" y="1408435"/>
+            <a:ext cx="1838908" cy="369332"/>
+          </a:xfrm>
+          <a:prstGeom prst="rect">
+            <a:avLst/>
+          </a:prstGeom>
+        </p:spPr>
+        <p:style>
+          <a:lnRef idx="1">
+            <a:schemeClr val="accent1"/>
+          </a:lnRef>
+          <a:fillRef idx="2">
+            <a:schemeClr val="accent1"/>
+          </a:fillRef>
+          <a:effectRef idx="1">
+            <a:schemeClr val="accent1"/>
+          </a:effectRef>
+          <a:fontRef idx="minor">
+            <a:schemeClr val="dk1"/>
+          </a:fontRef>
+        </p:style>
+        <p:txBody>
+          <a:bodyPr wrap="square" rtlCol="0">
+            <a:spAutoFit/>
+          </a:bodyPr>
+          <a:lstStyle/>
+          <a:p>
+            <a:pPr algn="ctr"/>
+            <a:r>
+              <a:rPr kumimoji="1" lang="ja-JP" altLang="en-US" b="1" dirty="0" smtClean="0"/>
+              <a:t>バッチシステム</a:t>
+            </a:r>
+            <a:endParaRPr kumimoji="1" lang="ja-JP" altLang="en-US" b="1" dirty="0"/>
+          </a:p>
+        </p:txBody>
+      </p:sp>
+      <p:sp>
+        <p:nvSpPr>
+          <p:cNvPr id="41" name="テキスト ボックス 40"/>
+          <p:cNvSpPr txBox="1"/>
+          <p:nvPr/>
+        </p:nvSpPr>
+        <p:spPr>
+          <a:xfrm>
+            <a:off x="5101894" y="2571597"/>
+            <a:ext cx="1209520" cy="369332"/>
+          </a:xfrm>
+          <a:prstGeom prst="rect">
+            <a:avLst/>
+          </a:prstGeom>
+          <a:noFill/>
+        </p:spPr>
+        <p:txBody>
+          <a:bodyPr wrap="square" rtlCol="0">
+            <a:spAutoFit/>
+          </a:bodyPr>
+          <a:lstStyle/>
+          <a:p>
+            <a:r>
+              <a:rPr lang="ja-JP" altLang="en-US" dirty="0" smtClean="0"/>
+              <a:t>予測結果</a:t>
+            </a:r>
+            <a:endParaRPr kumimoji="1" lang="ja-JP" altLang="en-US" dirty="0"/>
+          </a:p>
+        </p:txBody>
+      </p:sp>
+      <p:cxnSp>
+        <p:nvCxnSpPr>
+          <p:cNvPr id="43" name="直線矢印コネクタ 42"/>
+          <p:cNvCxnSpPr/>
+          <p:nvPr/>
+        </p:nvCxnSpPr>
+        <p:spPr>
+          <a:xfrm flipH="1">
+            <a:off x="2520116" y="3545358"/>
+            <a:ext cx="782323" cy="0"/>
+          </a:xfrm>
+          <a:prstGeom prst="straightConnector1">
+            <a:avLst/>
+          </a:prstGeom>
+          <a:ln>
+            <a:tailEnd type="triangle"/>
+          </a:ln>
+        </p:spPr>
+        <p:style>
+          <a:lnRef idx="1">
+            <a:schemeClr val="dk1"/>
+          </a:lnRef>
+          <a:fillRef idx="0">
+            <a:schemeClr val="dk1"/>
+          </a:fillRef>
+          <a:effectRef idx="0">
+            <a:schemeClr val="dk1"/>
+          </a:effectRef>
+          <a:fontRef idx="minor">
+            <a:schemeClr val="tx1"/>
+          </a:fontRef>
+        </p:style>
+      </p:cxnSp>
+      <p:sp>
+        <p:nvSpPr>
+          <p:cNvPr id="44" name="テキスト ボックス 43"/>
+          <p:cNvSpPr txBox="1"/>
+          <p:nvPr/>
+        </p:nvSpPr>
+        <p:spPr>
+          <a:xfrm>
+            <a:off x="2361129" y="3113587"/>
+            <a:ext cx="1209520" cy="369332"/>
+          </a:xfrm>
+          <a:prstGeom prst="rect">
+            <a:avLst/>
+          </a:prstGeom>
+          <a:noFill/>
+        </p:spPr>
+        <p:txBody>
+          <a:bodyPr wrap="square" rtlCol="0">
+            <a:spAutoFit/>
+          </a:bodyPr>
+          <a:lstStyle/>
+          <a:p>
+            <a:r>
+              <a:rPr lang="ja-JP" altLang="en-US" dirty="0" smtClean="0"/>
+              <a:t>予測結果</a:t>
+            </a:r>
+            <a:endParaRPr kumimoji="1" lang="ja-JP" altLang="en-US" dirty="0"/>
+          </a:p>
+        </p:txBody>
+      </p:sp>
+      <p:sp>
+        <p:nvSpPr>
+          <p:cNvPr id="46" name="テキスト ボックス 45"/>
+          <p:cNvSpPr txBox="1"/>
+          <p:nvPr/>
+        </p:nvSpPr>
+        <p:spPr>
+          <a:xfrm>
+            <a:off x="1259095" y="5080344"/>
+            <a:ext cx="10104638" cy="1384995"/>
+          </a:xfrm>
+          <a:prstGeom prst="rect">
+            <a:avLst/>
+          </a:prstGeom>
+        </p:spPr>
+        <p:style>
+          <a:lnRef idx="2">
+            <a:schemeClr val="dk1"/>
+          </a:lnRef>
+          <a:fillRef idx="1">
+            <a:schemeClr val="lt1"/>
+          </a:fillRef>
+          <a:effectRef idx="0">
+            <a:schemeClr val="dk1"/>
+          </a:effectRef>
+          <a:fontRef idx="minor">
+            <a:schemeClr val="dk1"/>
+          </a:fontRef>
+        </p:style>
+        <p:txBody>
+          <a:bodyPr wrap="square" rtlCol="0">
+            <a:spAutoFit/>
+          </a:bodyPr>
+          <a:lstStyle/>
+          <a:p>
+            <a:pPr marL="285750" indent="-285750">
+              <a:buFont typeface="Arial" panose="020B0604020202020204" pitchFamily="34" charset="0"/>
+              <a:buChar char="•"/>
+            </a:pPr>
+            <a:r>
+              <a:rPr lang="ja-JP" altLang="en-US" sz="2800" dirty="0" smtClean="0">
+                <a:latin typeface="ＭＳ Ｐゴシック" panose="020B0600070205080204" pitchFamily="50" charset="-128"/>
+                <a:ea typeface="ＭＳ Ｐゴシック" panose="020B0600070205080204" pitchFamily="50" charset="-128"/>
+              </a:rPr>
+              <a:t>学習フェーズで作成したモデルを用いて予測を行う</a:t>
+            </a:r>
+            <a:endParaRPr lang="en-US" altLang="ja-JP" sz="2800" dirty="0" smtClean="0">
+              <a:latin typeface="ＭＳ Ｐゴシック" panose="020B0600070205080204" pitchFamily="50" charset="-128"/>
+              <a:ea typeface="ＭＳ Ｐゴシック" panose="020B0600070205080204" pitchFamily="50" charset="-128"/>
+            </a:endParaRPr>
+          </a:p>
+          <a:p>
+            <a:pPr marL="285750" indent="-285750">
+              <a:buFont typeface="Arial" panose="020B0604020202020204" pitchFamily="34" charset="0"/>
+              <a:buChar char="•"/>
+            </a:pPr>
+            <a:r>
+              <a:rPr lang="en-US" altLang="ja-JP" sz="2800" dirty="0" smtClean="0">
+                <a:latin typeface="ＭＳ Ｐゴシック" panose="020B0600070205080204" pitchFamily="50" charset="-128"/>
+                <a:ea typeface="ＭＳ Ｐゴシック" panose="020B0600070205080204" pitchFamily="50" charset="-128"/>
+              </a:rPr>
+              <a:t>DB</a:t>
+            </a:r>
+            <a:r>
+              <a:rPr lang="ja-JP" altLang="en-US" sz="2800" dirty="0" smtClean="0">
+                <a:latin typeface="ＭＳ Ｐゴシック" panose="020B0600070205080204" pitchFamily="50" charset="-128"/>
+                <a:ea typeface="ＭＳ Ｐゴシック" panose="020B0600070205080204" pitchFamily="50" charset="-128"/>
+              </a:rPr>
+              <a:t>中のデータから特徴量を抽出し，予測する</a:t>
+            </a:r>
+            <a:endParaRPr lang="en-US" altLang="ja-JP" sz="2800" dirty="0" smtClean="0">
+              <a:latin typeface="ＭＳ Ｐゴシック" panose="020B0600070205080204" pitchFamily="50" charset="-128"/>
+              <a:ea typeface="ＭＳ Ｐゴシック" panose="020B0600070205080204" pitchFamily="50" charset="-128"/>
+            </a:endParaRPr>
+          </a:p>
+          <a:p>
+            <a:pPr marL="285750" indent="-285750">
+              <a:buFont typeface="Arial" panose="020B0604020202020204" pitchFamily="34" charset="0"/>
+              <a:buChar char="•"/>
+            </a:pPr>
+            <a:r>
+              <a:rPr lang="ja-JP" altLang="en-US" sz="2800" dirty="0" smtClean="0">
+                <a:latin typeface="ＭＳ Ｐゴシック" panose="020B0600070205080204" pitchFamily="50" charset="-128"/>
+                <a:ea typeface="ＭＳ Ｐゴシック" panose="020B0600070205080204" pitchFamily="50" charset="-128"/>
+              </a:rPr>
+              <a:t>予測結果を</a:t>
+            </a:r>
+            <a:r>
+              <a:rPr lang="en-US" altLang="ja-JP" sz="2800" dirty="0" smtClean="0">
+                <a:latin typeface="ＭＳ Ｐゴシック" panose="020B0600070205080204" pitchFamily="50" charset="-128"/>
+                <a:ea typeface="ＭＳ Ｐゴシック" panose="020B0600070205080204" pitchFamily="50" charset="-128"/>
+              </a:rPr>
+              <a:t>Web</a:t>
+            </a:r>
+            <a:r>
+              <a:rPr lang="ja-JP" altLang="en-US" sz="2800" dirty="0" smtClean="0">
+                <a:latin typeface="ＭＳ Ｐゴシック" panose="020B0600070205080204" pitchFamily="50" charset="-128"/>
+                <a:ea typeface="ＭＳ Ｐゴシック" panose="020B0600070205080204" pitchFamily="50" charset="-128"/>
+              </a:rPr>
+              <a:t>アプリケーションで利用できる形にして</a:t>
+            </a:r>
+            <a:r>
+              <a:rPr lang="en-US" altLang="ja-JP" sz="2800" dirty="0" smtClean="0">
+                <a:latin typeface="ＭＳ Ｐゴシック" panose="020B0600070205080204" pitchFamily="50" charset="-128"/>
+                <a:ea typeface="ＭＳ Ｐゴシック" panose="020B0600070205080204" pitchFamily="50" charset="-128"/>
+              </a:rPr>
+              <a:t>DB</a:t>
+            </a:r>
+            <a:r>
+              <a:rPr lang="ja-JP" altLang="en-US" sz="2800" dirty="0" smtClean="0">
+                <a:latin typeface="ＭＳ Ｐゴシック" panose="020B0600070205080204" pitchFamily="50" charset="-128"/>
+                <a:ea typeface="ＭＳ Ｐゴシック" panose="020B0600070205080204" pitchFamily="50" charset="-128"/>
+              </a:rPr>
+              <a:t>へ格納</a:t>
+            </a:r>
+            <a:endParaRPr lang="en-US" altLang="ja-JP" sz="2800" dirty="0" smtClean="0">
+              <a:latin typeface="ＭＳ Ｐゴシック" panose="020B0600070205080204" pitchFamily="50" charset="-128"/>
+              <a:ea typeface="ＭＳ Ｐゴシック" panose="020B0600070205080204" pitchFamily="50" charset="-128"/>
+            </a:endParaRPr>
+          </a:p>
+        </p:txBody>
+      </p:sp>
+      <p:sp>
+        <p:nvSpPr>
+          <p:cNvPr id="11" name="スライド番号プレースホルダー 10"/>
           <p:cNvSpPr>
             <a:spLocks noGrp="1"/>
           </p:cNvSpPr>
@@ -18969,7 +19407,7 @@
     </p:spTree>
     <p:extLst>
       <p:ext uri="{BB962C8B-B14F-4D97-AF65-F5344CB8AC3E}">
-        <p14:creationId xmlns:p14="http://schemas.microsoft.com/office/powerpoint/2010/main" val="2984906176"/>
+        <p14:creationId xmlns:p14="http://schemas.microsoft.com/office/powerpoint/2010/main" val="47203621"/>
       </p:ext>
     </p:extLst>
   </p:cSld>
@@ -19006,82 +19444,6 @@
       </p:grpSpPr>
       <p:sp>
         <p:nvSpPr>
-          <p:cNvPr id="7" name="正方形/長方形 6"/>
-          <p:cNvSpPr/>
-          <p:nvPr/>
-        </p:nvSpPr>
-        <p:spPr>
-          <a:xfrm>
-            <a:off x="1671403" y="1349115"/>
-            <a:ext cx="8866682" cy="3252865"/>
-          </a:xfrm>
-          <a:prstGeom prst="rect">
-            <a:avLst/>
-          </a:prstGeom>
-        </p:spPr>
-        <p:style>
-          <a:lnRef idx="2">
-            <a:schemeClr val="dk1"/>
-          </a:lnRef>
-          <a:fillRef idx="1">
-            <a:schemeClr val="lt1"/>
-          </a:fillRef>
-          <a:effectRef idx="0">
-            <a:schemeClr val="dk1"/>
-          </a:effectRef>
-          <a:fontRef idx="minor">
-            <a:schemeClr val="dk1"/>
-          </a:fontRef>
-        </p:style>
-        <p:txBody>
-          <a:bodyPr rtlCol="0" anchor="ctr"/>
-          <a:lstStyle/>
-          <a:p>
-            <a:pPr algn="ctr"/>
-            <a:endParaRPr kumimoji="1" lang="ja-JP" altLang="en-US"/>
-          </a:p>
-        </p:txBody>
-      </p:sp>
-      <p:sp>
-        <p:nvSpPr>
-          <p:cNvPr id="27" name="角丸四角形 26"/>
-          <p:cNvSpPr/>
-          <p:nvPr/>
-        </p:nvSpPr>
-        <p:spPr>
-          <a:xfrm>
-            <a:off x="5534279" y="1737811"/>
-            <a:ext cx="2295640" cy="2747637"/>
-          </a:xfrm>
-          <a:prstGeom prst="roundRect">
-            <a:avLst/>
-          </a:prstGeom>
-        </p:spPr>
-        <p:style>
-          <a:lnRef idx="2">
-            <a:schemeClr val="dk1"/>
-          </a:lnRef>
-          <a:fillRef idx="1">
-            <a:schemeClr val="lt1"/>
-          </a:fillRef>
-          <a:effectRef idx="0">
-            <a:schemeClr val="dk1"/>
-          </a:effectRef>
-          <a:fontRef idx="minor">
-            <a:schemeClr val="dk1"/>
-          </a:fontRef>
-        </p:style>
-        <p:txBody>
-          <a:bodyPr rtlCol="0" anchor="ctr"/>
-          <a:lstStyle/>
-          <a:p>
-            <a:pPr algn="ctr"/>
-            <a:endParaRPr kumimoji="1" lang="ja-JP" altLang="en-US"/>
-          </a:p>
-        </p:txBody>
-      </p:sp>
-      <p:sp>
-        <p:nvSpPr>
           <p:cNvPr id="2" name="タイトル 1"/>
           <p:cNvSpPr>
             <a:spLocks noGrp="1"/>
@@ -19092,8 +19454,8 @@
         </p:nvSpPr>
         <p:spPr>
           <a:xfrm>
-            <a:off x="419719" y="132780"/>
-            <a:ext cx="11413761" cy="1325563"/>
+            <a:off x="494675" y="365125"/>
+            <a:ext cx="11270110" cy="1325563"/>
           </a:xfrm>
         </p:spPr>
         <p:txBody>
@@ -19103,27 +19465,27 @@
           <a:lstStyle/>
           <a:p>
             <a:r>
+              <a:rPr lang="en-US" altLang="ja-JP" sz="3600" dirty="0" smtClean="0"/>
+              <a:t>4.2.2 </a:t>
+            </a:r>
+            <a:r>
+              <a:rPr lang="ja-JP" altLang="en-US" sz="3600" dirty="0" smtClean="0"/>
+              <a:t>バッチ</a:t>
+            </a:r>
+            <a:r>
+              <a:rPr lang="ja-JP" altLang="en-US" sz="3600" dirty="0"/>
+              <a:t>処理で学習＋予測結果を</a:t>
+            </a:r>
+            <a:r>
               <a:rPr lang="en-US" altLang="ja-JP" sz="3600" dirty="0"/>
-              <a:t>4.2.2 </a:t>
+              <a:t>Web</a:t>
             </a:r>
             <a:r>
               <a:rPr lang="ja-JP" altLang="en-US" sz="3600" dirty="0"/>
-              <a:t>バッチ処理で学習＋予測結果</a:t>
-            </a:r>
-            <a:r>
-              <a:rPr lang="ja-JP" altLang="en-US" sz="3600" dirty="0" smtClean="0"/>
-              <a:t>を</a:t>
-            </a:r>
-            <a:r>
-              <a:rPr lang="en-US" altLang="ja-JP" sz="3600" dirty="0" smtClean="0"/>
-              <a:t>API</a:t>
-            </a:r>
-            <a:r>
-              <a:rPr lang="ja-JP" altLang="en-US" sz="3600" dirty="0" smtClean="0"/>
-              <a:t>経由で利用する</a:t>
-            </a:r>
-            <a:r>
-              <a:rPr lang="en-US" altLang="ja-JP" sz="3600" dirty="0" smtClean="0"/>
+              <a:t>アプリケーションで直接算出する</a:t>
+            </a:r>
+            <a:r>
+              <a:rPr lang="en-US" altLang="ja-JP" sz="3600" dirty="0"/>
               <a:t>(</a:t>
             </a:r>
             <a:r>
@@ -19131,1074 +19493,40 @@
               <a:t>リアルタイム処理で予測</a:t>
             </a:r>
             <a:r>
-              <a:rPr lang="en-US" altLang="ja-JP" sz="3600" dirty="0"/>
+              <a:rPr lang="en-US" altLang="ja-JP" sz="3600" dirty="0" smtClean="0"/>
               <a:t>)</a:t>
             </a:r>
             <a:endParaRPr kumimoji="1" lang="ja-JP" altLang="en-US" sz="3600" dirty="0"/>
           </a:p>
         </p:txBody>
       </p:sp>
-      <p:sp>
-        <p:nvSpPr>
-          <p:cNvPr id="3" name="コンテンツ プレースホルダー 2"/>
-          <p:cNvSpPr>
-            <a:spLocks noGrp="1"/>
-          </p:cNvSpPr>
-          <p:nvPr>
-            <p:ph idx="1"/>
-          </p:nvPr>
-        </p:nvSpPr>
+      <p:pic>
+        <p:nvPicPr>
+          <p:cNvPr id="62" name="図 61"/>
+          <p:cNvPicPr>
+            <a:picLocks noChangeAspect="1"/>
+          </p:cNvPicPr>
+          <p:nvPr/>
+        </p:nvPicPr>
+        <p:blipFill>
+          <a:blip r:embed="rId2"/>
+          <a:stretch>
+            <a:fillRect/>
+          </a:stretch>
+        </p:blipFill>
         <p:spPr>
           <a:xfrm>
-            <a:off x="812515" y="4732752"/>
-            <a:ext cx="10515600" cy="2579514"/>
-          </a:xfrm>
-        </p:spPr>
-        <p:txBody>
-          <a:bodyPr/>
-          <a:lstStyle/>
-          <a:p>
-            <a:r>
-              <a:rPr lang="ja-JP" altLang="en-US" dirty="0" smtClean="0"/>
-              <a:t>予測処理をラップした</a:t>
-            </a:r>
-            <a:r>
-              <a:rPr lang="en-US" altLang="ja-JP" dirty="0" smtClean="0"/>
-              <a:t>API</a:t>
-            </a:r>
-            <a:r>
-              <a:rPr lang="ja-JP" altLang="en-US" dirty="0" smtClean="0"/>
-              <a:t>サーバーを用意するパターン</a:t>
-            </a:r>
-            <a:endParaRPr lang="en-US" altLang="ja-JP" dirty="0" smtClean="0"/>
-          </a:p>
-          <a:p>
-            <a:pPr lvl="1"/>
-            <a:r>
-              <a:rPr kumimoji="1" lang="en-US" altLang="ja-JP" dirty="0" smtClean="0"/>
-              <a:t>Web</a:t>
-            </a:r>
-            <a:r>
-              <a:rPr kumimoji="1" lang="ja-JP" altLang="en-US" dirty="0" smtClean="0"/>
-              <a:t>アプリケーションから予測結果を利用する場合には</a:t>
-            </a:r>
-            <a:r>
-              <a:rPr kumimoji="1" lang="en-US" altLang="ja-JP" dirty="0" smtClean="0"/>
-              <a:t>API</a:t>
-            </a:r>
-            <a:r>
-              <a:rPr kumimoji="1" lang="ja-JP" altLang="en-US" dirty="0" smtClean="0"/>
-              <a:t>経由のリアルタイム処理で予測を行う</a:t>
-            </a:r>
-            <a:endParaRPr lang="en-US" altLang="ja-JP" dirty="0" smtClean="0"/>
-          </a:p>
-          <a:p>
-            <a:r>
-              <a:rPr kumimoji="1" lang="ja-JP" altLang="en-US" dirty="0" smtClean="0"/>
-              <a:t>特徴</a:t>
-            </a:r>
-            <a:endParaRPr kumimoji="1" lang="en-US" altLang="ja-JP" dirty="0" smtClean="0"/>
-          </a:p>
-          <a:p>
-            <a:pPr lvl="1"/>
-            <a:r>
-              <a:rPr lang="en-US" altLang="ja-JP" dirty="0" smtClean="0"/>
-              <a:t>Web</a:t>
-            </a:r>
-            <a:r>
-              <a:rPr lang="ja-JP" altLang="en-US" dirty="0" smtClean="0"/>
-              <a:t>アプリケーションと機械学習に使うプログラミング言語を分けられる</a:t>
-            </a:r>
-            <a:endParaRPr lang="en-US" altLang="ja-JP" dirty="0" smtClean="0"/>
-          </a:p>
-          <a:p>
-            <a:pPr lvl="1"/>
-            <a:r>
-              <a:rPr kumimoji="1" lang="en-US" altLang="ja-JP" dirty="0" smtClean="0"/>
-              <a:t>Web</a:t>
-            </a:r>
-            <a:r>
-              <a:rPr kumimoji="1" lang="ja-JP" altLang="en-US" dirty="0" smtClean="0"/>
-              <a:t>アプリケーション側のイベントに対してリアルタイム処理で予測</a:t>
-            </a:r>
-            <a:endParaRPr kumimoji="1" lang="en-US" altLang="ja-JP" dirty="0" smtClean="0"/>
-          </a:p>
-        </p:txBody>
-      </p:sp>
-      <p:sp>
-        <p:nvSpPr>
-          <p:cNvPr id="4" name="角丸四角形 3"/>
-          <p:cNvSpPr/>
-          <p:nvPr/>
-        </p:nvSpPr>
-        <p:spPr>
-          <a:xfrm>
-            <a:off x="8076978" y="1737812"/>
-            <a:ext cx="2268518" cy="2747637"/>
-          </a:xfrm>
-          <a:prstGeom prst="roundRect">
-            <a:avLst/>
-          </a:prstGeom>
-        </p:spPr>
-        <p:style>
-          <a:lnRef idx="2">
-            <a:schemeClr val="dk1"/>
-          </a:lnRef>
-          <a:fillRef idx="1">
-            <a:schemeClr val="lt1"/>
-          </a:fillRef>
-          <a:effectRef idx="0">
-            <a:schemeClr val="dk1"/>
-          </a:effectRef>
-          <a:fontRef idx="minor">
-            <a:schemeClr val="dk1"/>
-          </a:fontRef>
-        </p:style>
-        <p:txBody>
-          <a:bodyPr rtlCol="0" anchor="ctr"/>
-          <a:lstStyle/>
-          <a:p>
-            <a:pPr algn="ctr"/>
-            <a:endParaRPr kumimoji="1" lang="ja-JP" altLang="en-US"/>
-          </a:p>
-        </p:txBody>
-      </p:sp>
-      <p:sp>
-        <p:nvSpPr>
-          <p:cNvPr id="5" name="角丸四角形 4"/>
-          <p:cNvSpPr/>
-          <p:nvPr/>
-        </p:nvSpPr>
-        <p:spPr>
-          <a:xfrm>
-            <a:off x="1858602" y="1740517"/>
-            <a:ext cx="2027700" cy="2747636"/>
-          </a:xfrm>
-          <a:prstGeom prst="roundRect">
-            <a:avLst/>
-          </a:prstGeom>
-        </p:spPr>
-        <p:style>
-          <a:lnRef idx="2">
-            <a:schemeClr val="dk1"/>
-          </a:lnRef>
-          <a:fillRef idx="1">
-            <a:schemeClr val="lt1"/>
-          </a:fillRef>
-          <a:effectRef idx="0">
-            <a:schemeClr val="dk1"/>
-          </a:effectRef>
-          <a:fontRef idx="minor">
-            <a:schemeClr val="dk1"/>
-          </a:fontRef>
-        </p:style>
-        <p:txBody>
-          <a:bodyPr rtlCol="0" anchor="ctr"/>
-          <a:lstStyle/>
-          <a:p>
-            <a:pPr algn="ctr"/>
-            <a:endParaRPr kumimoji="1" lang="ja-JP" altLang="en-US"/>
-          </a:p>
-        </p:txBody>
-      </p:sp>
-      <p:sp>
-        <p:nvSpPr>
-          <p:cNvPr id="6" name="テキスト ボックス 5"/>
-          <p:cNvSpPr txBox="1"/>
-          <p:nvPr/>
-        </p:nvSpPr>
-        <p:spPr>
-          <a:xfrm>
-            <a:off x="2173446" y="1413893"/>
-            <a:ext cx="1407731" cy="646331"/>
+            <a:off x="1802715" y="3712191"/>
+            <a:ext cx="8163252" cy="3145809"/>
           </a:xfrm>
           <a:prstGeom prst="rect">
             <a:avLst/>
           </a:prstGeom>
         </p:spPr>
-        <p:style>
-          <a:lnRef idx="2">
-            <a:schemeClr val="dk1"/>
-          </a:lnRef>
-          <a:fillRef idx="1">
-            <a:schemeClr val="lt1"/>
-          </a:fillRef>
-          <a:effectRef idx="0">
-            <a:schemeClr val="dk1"/>
-          </a:effectRef>
-          <a:fontRef idx="minor">
-            <a:schemeClr val="dk1"/>
-          </a:fontRef>
-        </p:style>
-        <p:txBody>
-          <a:bodyPr wrap="square" rtlCol="0">
-            <a:spAutoFit/>
-          </a:bodyPr>
-          <a:lstStyle/>
-          <a:p>
-            <a:r>
-              <a:rPr kumimoji="1" lang="en-US" altLang="ja-JP" dirty="0" smtClean="0"/>
-              <a:t>Web</a:t>
-            </a:r>
-            <a:r>
-              <a:rPr kumimoji="1" lang="ja-JP" altLang="en-US" dirty="0" smtClean="0"/>
-              <a:t>アプリ</a:t>
-            </a:r>
-            <a:endParaRPr kumimoji="1" lang="en-US" altLang="ja-JP" dirty="0" smtClean="0"/>
-          </a:p>
-          <a:p>
-            <a:r>
-              <a:rPr kumimoji="1" lang="ja-JP" altLang="en-US" dirty="0" smtClean="0"/>
-              <a:t>ケーション</a:t>
-            </a:r>
-            <a:endParaRPr kumimoji="1" lang="ja-JP" altLang="en-US" dirty="0"/>
-          </a:p>
-        </p:txBody>
-      </p:sp>
-      <p:sp>
-        <p:nvSpPr>
-          <p:cNvPr id="9" name="角丸四角形 8"/>
-          <p:cNvSpPr/>
-          <p:nvPr/>
-        </p:nvSpPr>
-        <p:spPr>
-          <a:xfrm>
-            <a:off x="6911958" y="2374374"/>
-            <a:ext cx="1769155" cy="552238"/>
-          </a:xfrm>
-          <a:prstGeom prst="roundRect">
-            <a:avLst/>
-          </a:prstGeom>
-        </p:spPr>
-        <p:style>
-          <a:lnRef idx="2">
-            <a:schemeClr val="dk1"/>
-          </a:lnRef>
-          <a:fillRef idx="1">
-            <a:schemeClr val="lt1"/>
-          </a:fillRef>
-          <a:effectRef idx="0">
-            <a:schemeClr val="dk1"/>
-          </a:effectRef>
-          <a:fontRef idx="minor">
-            <a:schemeClr val="dk1"/>
-          </a:fontRef>
-        </p:style>
-        <p:txBody>
-          <a:bodyPr rtlCol="0" anchor="ctr"/>
-          <a:lstStyle/>
-          <a:p>
-            <a:pPr algn="ctr"/>
-            <a:r>
-              <a:rPr kumimoji="1" lang="ja-JP" altLang="en-US" dirty="0" smtClean="0"/>
-              <a:t>予測モデル</a:t>
-            </a:r>
-            <a:endParaRPr kumimoji="1" lang="ja-JP" altLang="en-US" dirty="0"/>
-          </a:p>
-        </p:txBody>
-      </p:sp>
-      <p:sp>
-        <p:nvSpPr>
-          <p:cNvPr id="10" name="角丸四角形 9"/>
-          <p:cNvSpPr/>
-          <p:nvPr/>
-        </p:nvSpPr>
-        <p:spPr>
-          <a:xfrm>
-            <a:off x="3661756" y="3592973"/>
-            <a:ext cx="2119243" cy="546838"/>
-          </a:xfrm>
-          <a:prstGeom prst="roundRect">
-            <a:avLst/>
-          </a:prstGeom>
-        </p:spPr>
-        <p:style>
-          <a:lnRef idx="2">
-            <a:schemeClr val="dk1"/>
-          </a:lnRef>
-          <a:fillRef idx="1">
-            <a:schemeClr val="lt1"/>
-          </a:fillRef>
-          <a:effectRef idx="0">
-            <a:schemeClr val="dk1"/>
-          </a:effectRef>
-          <a:fontRef idx="minor">
-            <a:schemeClr val="dk1"/>
-          </a:fontRef>
-        </p:style>
-        <p:txBody>
-          <a:bodyPr rtlCol="0" anchor="ctr"/>
-          <a:lstStyle/>
-          <a:p>
-            <a:pPr algn="ctr"/>
-            <a:r>
-              <a:rPr lang="en-US" altLang="ja-JP" sz="3200" dirty="0" smtClean="0"/>
-              <a:t>D</a:t>
-            </a:r>
-            <a:r>
-              <a:rPr lang="en-US" altLang="ja-JP" sz="3200" dirty="0"/>
-              <a:t>B</a:t>
-            </a:r>
-            <a:endParaRPr kumimoji="1" lang="ja-JP" altLang="en-US" sz="3200" dirty="0"/>
-          </a:p>
-        </p:txBody>
-      </p:sp>
-      <p:cxnSp>
-        <p:nvCxnSpPr>
-          <p:cNvPr id="11" name="直線矢印コネクタ 10"/>
-          <p:cNvCxnSpPr/>
-          <p:nvPr/>
-        </p:nvCxnSpPr>
-        <p:spPr>
-          <a:xfrm>
-            <a:off x="3908358" y="2565530"/>
-            <a:ext cx="1191006" cy="0"/>
-          </a:xfrm>
-          <a:prstGeom prst="straightConnector1">
-            <a:avLst/>
-          </a:prstGeom>
-          <a:ln>
-            <a:solidFill>
-              <a:schemeClr val="tx1"/>
-            </a:solidFill>
-            <a:tailEnd type="triangle"/>
-          </a:ln>
-        </p:spPr>
-        <p:style>
-          <a:lnRef idx="1">
-            <a:schemeClr val="accent1"/>
-          </a:lnRef>
-          <a:fillRef idx="0">
-            <a:schemeClr val="accent1"/>
-          </a:fillRef>
-          <a:effectRef idx="0">
-            <a:schemeClr val="accent1"/>
-          </a:effectRef>
-          <a:fontRef idx="minor">
-            <a:schemeClr val="tx1"/>
-          </a:fontRef>
-        </p:style>
-      </p:cxnSp>
-      <p:sp>
-        <p:nvSpPr>
-          <p:cNvPr id="13" name="テキスト ボックス 12"/>
-          <p:cNvSpPr txBox="1"/>
-          <p:nvPr/>
-        </p:nvSpPr>
-        <p:spPr>
-          <a:xfrm>
-            <a:off x="3907522" y="2659470"/>
-            <a:ext cx="1713137" cy="646331"/>
-          </a:xfrm>
-          <a:prstGeom prst="rect">
-            <a:avLst/>
-          </a:prstGeom>
-          <a:noFill/>
-          <a:ln>
-            <a:noFill/>
-          </a:ln>
-        </p:spPr>
-        <p:txBody>
-          <a:bodyPr wrap="square" rtlCol="0">
-            <a:spAutoFit/>
-          </a:bodyPr>
-          <a:lstStyle/>
-          <a:p>
-            <a:r>
-              <a:rPr lang="ja-JP" altLang="en-US" dirty="0" smtClean="0"/>
-              <a:t>ユーザー</a:t>
-            </a:r>
-            <a:r>
-              <a:rPr lang="en-US" altLang="ja-JP" dirty="0" smtClean="0"/>
-              <a:t>ID</a:t>
-            </a:r>
-          </a:p>
-          <a:p>
-            <a:r>
-              <a:rPr lang="ja-JP" altLang="en-US" dirty="0" smtClean="0"/>
-              <a:t>商品</a:t>
-            </a:r>
-            <a:r>
-              <a:rPr lang="en-US" altLang="ja-JP" dirty="0" smtClean="0"/>
-              <a:t>ID</a:t>
-            </a:r>
-            <a:endParaRPr kumimoji="1" lang="ja-JP" altLang="en-US" dirty="0"/>
-          </a:p>
-        </p:txBody>
-      </p:sp>
-      <p:sp>
-        <p:nvSpPr>
-          <p:cNvPr id="14" name="テキスト ボックス 13"/>
-          <p:cNvSpPr txBox="1"/>
-          <p:nvPr/>
-        </p:nvSpPr>
-        <p:spPr>
-          <a:xfrm>
-            <a:off x="3908358" y="1968381"/>
-            <a:ext cx="1282906" cy="369332"/>
-          </a:xfrm>
-          <a:prstGeom prst="rect">
-            <a:avLst/>
-          </a:prstGeom>
-          <a:noFill/>
-        </p:spPr>
-        <p:txBody>
-          <a:bodyPr wrap="square" rtlCol="0">
-            <a:spAutoFit/>
-          </a:bodyPr>
-          <a:lstStyle/>
-          <a:p>
-            <a:r>
-              <a:rPr lang="ja-JP" altLang="en-US" dirty="0" smtClean="0"/>
-              <a:t>予測</a:t>
-            </a:r>
-            <a:r>
-              <a:rPr lang="ja-JP" altLang="en-US" dirty="0"/>
-              <a:t>結果</a:t>
-            </a:r>
-            <a:endParaRPr kumimoji="1" lang="ja-JP" altLang="en-US" dirty="0"/>
-          </a:p>
-        </p:txBody>
-      </p:sp>
-      <p:cxnSp>
-        <p:nvCxnSpPr>
-          <p:cNvPr id="15" name="直線矢印コネクタ 14"/>
-          <p:cNvCxnSpPr/>
-          <p:nvPr/>
-        </p:nvCxnSpPr>
-        <p:spPr>
-          <a:xfrm flipH="1">
-            <a:off x="3886303" y="2337713"/>
-            <a:ext cx="1238992" cy="0"/>
-          </a:xfrm>
-          <a:prstGeom prst="straightConnector1">
-            <a:avLst/>
-          </a:prstGeom>
-          <a:ln>
-            <a:solidFill>
-              <a:schemeClr val="tx1"/>
-            </a:solidFill>
-            <a:tailEnd type="triangle"/>
-          </a:ln>
-        </p:spPr>
-        <p:style>
-          <a:lnRef idx="1">
-            <a:schemeClr val="accent1"/>
-          </a:lnRef>
-          <a:fillRef idx="0">
-            <a:schemeClr val="accent1"/>
-          </a:fillRef>
-          <a:effectRef idx="0">
-            <a:schemeClr val="accent1"/>
-          </a:effectRef>
-          <a:fontRef idx="minor">
-            <a:schemeClr val="tx1"/>
-          </a:fontRef>
-        </p:style>
-      </p:cxnSp>
-      <p:sp>
-        <p:nvSpPr>
-          <p:cNvPr id="16" name="テキスト ボックス 15"/>
-          <p:cNvSpPr txBox="1"/>
-          <p:nvPr/>
-        </p:nvSpPr>
-        <p:spPr>
-          <a:xfrm>
-            <a:off x="8695981" y="3074968"/>
-            <a:ext cx="1402456" cy="461665"/>
-          </a:xfrm>
-          <a:prstGeom prst="rect">
-            <a:avLst/>
-          </a:prstGeom>
-        </p:spPr>
-        <p:style>
-          <a:lnRef idx="2">
-            <a:schemeClr val="dk1"/>
-          </a:lnRef>
-          <a:fillRef idx="1">
-            <a:schemeClr val="lt1"/>
-          </a:fillRef>
-          <a:effectRef idx="0">
-            <a:schemeClr val="dk1"/>
-          </a:effectRef>
-          <a:fontRef idx="minor">
-            <a:schemeClr val="dk1"/>
-          </a:fontRef>
-        </p:style>
-        <p:txBody>
-          <a:bodyPr wrap="square" rtlCol="0">
-            <a:spAutoFit/>
-          </a:bodyPr>
-          <a:lstStyle/>
-          <a:p>
-            <a:pPr algn="ctr"/>
-            <a:r>
-              <a:rPr kumimoji="1" lang="ja-JP" altLang="en-US" sz="2400" dirty="0" smtClean="0"/>
-              <a:t>学習器</a:t>
-            </a:r>
-            <a:endParaRPr kumimoji="1" lang="ja-JP" altLang="en-US" sz="2400" dirty="0"/>
-          </a:p>
-        </p:txBody>
-      </p:sp>
-      <p:sp>
-        <p:nvSpPr>
-          <p:cNvPr id="17" name="テキスト ボックス 16"/>
-          <p:cNvSpPr txBox="1"/>
-          <p:nvPr/>
-        </p:nvSpPr>
-        <p:spPr>
-          <a:xfrm>
-            <a:off x="6839733" y="3727865"/>
-            <a:ext cx="2156258" cy="400110"/>
-          </a:xfrm>
-          <a:prstGeom prst="rect">
-            <a:avLst/>
-          </a:prstGeom>
-        </p:spPr>
-        <p:style>
-          <a:lnRef idx="2">
-            <a:schemeClr val="dk1"/>
-          </a:lnRef>
-          <a:fillRef idx="1">
-            <a:schemeClr val="lt1"/>
-          </a:fillRef>
-          <a:effectRef idx="0">
-            <a:schemeClr val="dk1"/>
-          </a:effectRef>
-          <a:fontRef idx="minor">
-            <a:schemeClr val="dk1"/>
-          </a:fontRef>
-        </p:style>
-        <p:txBody>
-          <a:bodyPr wrap="square" rtlCol="0">
-            <a:spAutoFit/>
-          </a:bodyPr>
-          <a:lstStyle/>
-          <a:p>
-            <a:pPr algn="ctr"/>
-            <a:r>
-              <a:rPr lang="ja-JP" altLang="en-US" sz="2000" dirty="0" smtClean="0"/>
-              <a:t>特徴抽出</a:t>
-            </a:r>
-            <a:r>
-              <a:rPr lang="ja-JP" altLang="en-US" sz="2000" dirty="0"/>
-              <a:t>器</a:t>
-            </a:r>
-            <a:endParaRPr kumimoji="1" lang="ja-JP" altLang="en-US" sz="2000" dirty="0"/>
-          </a:p>
-        </p:txBody>
-      </p:sp>
-      <p:cxnSp>
-        <p:nvCxnSpPr>
-          <p:cNvPr id="18" name="直線矢印コネクタ 17"/>
-          <p:cNvCxnSpPr/>
-          <p:nvPr/>
-        </p:nvCxnSpPr>
-        <p:spPr>
-          <a:xfrm flipH="1">
-            <a:off x="8753093" y="2565530"/>
-            <a:ext cx="893154" cy="0"/>
-          </a:xfrm>
-          <a:prstGeom prst="straightConnector1">
-            <a:avLst/>
-          </a:prstGeom>
-          <a:ln>
-            <a:tailEnd type="triangle"/>
-          </a:ln>
-        </p:spPr>
-        <p:style>
-          <a:lnRef idx="1">
-            <a:schemeClr val="dk1"/>
-          </a:lnRef>
-          <a:fillRef idx="0">
-            <a:schemeClr val="dk1"/>
-          </a:fillRef>
-          <a:effectRef idx="0">
-            <a:schemeClr val="dk1"/>
-          </a:effectRef>
-          <a:fontRef idx="minor">
-            <a:schemeClr val="tx1"/>
-          </a:fontRef>
-        </p:style>
-      </p:cxnSp>
-      <p:cxnSp>
-        <p:nvCxnSpPr>
-          <p:cNvPr id="19" name="直線矢印コネクタ 18"/>
-          <p:cNvCxnSpPr/>
-          <p:nvPr/>
-        </p:nvCxnSpPr>
-        <p:spPr>
-          <a:xfrm flipV="1">
-            <a:off x="9646247" y="3569942"/>
-            <a:ext cx="0" cy="296450"/>
-          </a:xfrm>
-          <a:prstGeom prst="straightConnector1">
-            <a:avLst/>
-          </a:prstGeom>
-          <a:ln>
-            <a:tailEnd type="triangle"/>
-          </a:ln>
-        </p:spPr>
-        <p:style>
-          <a:lnRef idx="1">
-            <a:schemeClr val="dk1"/>
-          </a:lnRef>
-          <a:fillRef idx="0">
-            <a:schemeClr val="dk1"/>
-          </a:fillRef>
-          <a:effectRef idx="0">
-            <a:schemeClr val="dk1"/>
-          </a:effectRef>
-          <a:fontRef idx="minor">
-            <a:schemeClr val="tx1"/>
-          </a:fontRef>
-        </p:style>
-      </p:cxnSp>
-      <p:sp>
-        <p:nvSpPr>
-          <p:cNvPr id="20" name="テキスト ボックス 19"/>
-          <p:cNvSpPr txBox="1"/>
-          <p:nvPr/>
-        </p:nvSpPr>
-        <p:spPr>
-          <a:xfrm>
-            <a:off x="9373856" y="3890762"/>
-            <a:ext cx="921895" cy="369332"/>
-          </a:xfrm>
-          <a:prstGeom prst="rect">
-            <a:avLst/>
-          </a:prstGeom>
-          <a:noFill/>
-          <a:ln>
-            <a:noFill/>
-          </a:ln>
-        </p:spPr>
-        <p:txBody>
-          <a:bodyPr wrap="square" rtlCol="0">
-            <a:spAutoFit/>
-          </a:bodyPr>
-          <a:lstStyle/>
-          <a:p>
-            <a:r>
-              <a:rPr kumimoji="1" lang="ja-JP" altLang="en-US" dirty="0" smtClean="0"/>
-              <a:t>特徴量</a:t>
-            </a:r>
-            <a:endParaRPr kumimoji="1" lang="ja-JP" altLang="en-US" dirty="0"/>
-          </a:p>
-        </p:txBody>
-      </p:sp>
-      <p:sp>
-        <p:nvSpPr>
-          <p:cNvPr id="23" name="テキスト ボックス 22"/>
-          <p:cNvSpPr txBox="1"/>
-          <p:nvPr/>
-        </p:nvSpPr>
-        <p:spPr>
-          <a:xfrm>
-            <a:off x="9182683" y="2241749"/>
-            <a:ext cx="1209520" cy="369332"/>
-          </a:xfrm>
-          <a:prstGeom prst="rect">
-            <a:avLst/>
-          </a:prstGeom>
-          <a:noFill/>
-        </p:spPr>
-        <p:txBody>
-          <a:bodyPr wrap="square" rtlCol="0">
-            <a:spAutoFit/>
-          </a:bodyPr>
-          <a:lstStyle/>
-          <a:p>
-            <a:r>
-              <a:rPr kumimoji="1" lang="ja-JP" altLang="en-US" dirty="0" smtClean="0"/>
-              <a:t>学習結果</a:t>
-            </a:r>
-            <a:endParaRPr kumimoji="1" lang="ja-JP" altLang="en-US" dirty="0"/>
-          </a:p>
-        </p:txBody>
-      </p:sp>
-      <p:sp>
-        <p:nvSpPr>
-          <p:cNvPr id="24" name="テキスト ボックス 23"/>
-          <p:cNvSpPr txBox="1"/>
-          <p:nvPr/>
-        </p:nvSpPr>
-        <p:spPr>
-          <a:xfrm>
-            <a:off x="5739162" y="3857963"/>
-            <a:ext cx="2122983" cy="646331"/>
-          </a:xfrm>
-          <a:prstGeom prst="rect">
-            <a:avLst/>
-          </a:prstGeom>
-          <a:noFill/>
-        </p:spPr>
-        <p:txBody>
-          <a:bodyPr wrap="square" rtlCol="0">
-            <a:spAutoFit/>
-          </a:bodyPr>
-          <a:lstStyle/>
-          <a:p>
-            <a:r>
-              <a:rPr kumimoji="1" lang="ja-JP" altLang="en-US" dirty="0" smtClean="0"/>
-              <a:t>ログ</a:t>
-            </a:r>
-            <a:endParaRPr kumimoji="1" lang="en-US" altLang="ja-JP" dirty="0" smtClean="0"/>
-          </a:p>
-          <a:p>
-            <a:r>
-              <a:rPr lang="ja-JP" altLang="en-US" dirty="0" smtClean="0"/>
-              <a:t>ユーザー情報</a:t>
-            </a:r>
-            <a:endParaRPr kumimoji="1" lang="ja-JP" altLang="en-US" dirty="0"/>
-          </a:p>
-        </p:txBody>
-      </p:sp>
-      <p:sp>
-        <p:nvSpPr>
-          <p:cNvPr id="26" name="テキスト ボックス 25"/>
-          <p:cNvSpPr txBox="1"/>
-          <p:nvPr/>
-        </p:nvSpPr>
-        <p:spPr>
-          <a:xfrm>
-            <a:off x="8289342" y="1557620"/>
-            <a:ext cx="1843790" cy="369332"/>
-          </a:xfrm>
-          <a:prstGeom prst="rect">
-            <a:avLst/>
-          </a:prstGeom>
-        </p:spPr>
-        <p:style>
-          <a:lnRef idx="2">
-            <a:schemeClr val="dk1"/>
-          </a:lnRef>
-          <a:fillRef idx="1">
-            <a:schemeClr val="lt1"/>
-          </a:fillRef>
-          <a:effectRef idx="0">
-            <a:schemeClr val="dk1"/>
-          </a:effectRef>
-          <a:fontRef idx="minor">
-            <a:schemeClr val="dk1"/>
-          </a:fontRef>
-        </p:style>
-        <p:txBody>
-          <a:bodyPr wrap="square" rtlCol="0">
-            <a:spAutoFit/>
-          </a:bodyPr>
-          <a:lstStyle/>
-          <a:p>
-            <a:pPr algn="ctr"/>
-            <a:r>
-              <a:rPr kumimoji="1" lang="ja-JP" altLang="en-US" dirty="0" smtClean="0"/>
-              <a:t>バッチシステム</a:t>
-            </a:r>
-            <a:endParaRPr kumimoji="1" lang="ja-JP" altLang="en-US" dirty="0"/>
-          </a:p>
-        </p:txBody>
-      </p:sp>
-      <p:sp>
-        <p:nvSpPr>
-          <p:cNvPr id="29" name="テキスト ボックス 28"/>
-          <p:cNvSpPr txBox="1"/>
-          <p:nvPr/>
-        </p:nvSpPr>
-        <p:spPr>
-          <a:xfrm>
-            <a:off x="5125295" y="2154952"/>
-            <a:ext cx="945020" cy="523220"/>
-          </a:xfrm>
-          <a:prstGeom prst="rect">
-            <a:avLst/>
-          </a:prstGeom>
-        </p:spPr>
-        <p:style>
-          <a:lnRef idx="2">
-            <a:schemeClr val="dk1"/>
-          </a:lnRef>
-          <a:fillRef idx="1">
-            <a:schemeClr val="lt1"/>
-          </a:fillRef>
-          <a:effectRef idx="0">
-            <a:schemeClr val="dk1"/>
-          </a:effectRef>
-          <a:fontRef idx="minor">
-            <a:schemeClr val="dk1"/>
-          </a:fontRef>
-        </p:style>
-        <p:txBody>
-          <a:bodyPr wrap="square" rtlCol="0">
-            <a:spAutoFit/>
-          </a:bodyPr>
-          <a:lstStyle/>
-          <a:p>
-            <a:pPr algn="ctr"/>
-            <a:r>
-              <a:rPr kumimoji="1" lang="en-US" altLang="ja-JP" sz="2800" dirty="0" smtClean="0"/>
-              <a:t>API</a:t>
-            </a:r>
-            <a:endParaRPr kumimoji="1" lang="ja-JP" altLang="en-US" sz="2800" dirty="0"/>
-          </a:p>
-        </p:txBody>
-      </p:sp>
-      <p:cxnSp>
-        <p:nvCxnSpPr>
-          <p:cNvPr id="41" name="直線コネクタ 40"/>
-          <p:cNvCxnSpPr/>
-          <p:nvPr/>
-        </p:nvCxnSpPr>
-        <p:spPr>
-          <a:xfrm flipH="1">
-            <a:off x="9074150" y="3866392"/>
-            <a:ext cx="572098" cy="0"/>
-          </a:xfrm>
-          <a:prstGeom prst="line">
-            <a:avLst/>
-          </a:prstGeom>
-          <a:ln>
-            <a:solidFill>
-              <a:schemeClr val="tx1"/>
-            </a:solidFill>
-          </a:ln>
-        </p:spPr>
-        <p:style>
-          <a:lnRef idx="1">
-            <a:schemeClr val="accent1"/>
-          </a:lnRef>
-          <a:fillRef idx="0">
-            <a:schemeClr val="accent1"/>
-          </a:fillRef>
-          <a:effectRef idx="0">
-            <a:schemeClr val="accent1"/>
-          </a:effectRef>
-          <a:fontRef idx="minor">
-            <a:schemeClr val="tx1"/>
-          </a:fontRef>
-        </p:style>
-      </p:cxnSp>
-      <p:cxnSp>
-        <p:nvCxnSpPr>
-          <p:cNvPr id="44" name="直線コネクタ 43"/>
-          <p:cNvCxnSpPr/>
-          <p:nvPr/>
-        </p:nvCxnSpPr>
-        <p:spPr>
-          <a:xfrm flipV="1">
-            <a:off x="9646247" y="2565530"/>
-            <a:ext cx="0" cy="417105"/>
-          </a:xfrm>
-          <a:prstGeom prst="line">
-            <a:avLst/>
-          </a:prstGeom>
-          <a:ln>
-            <a:solidFill>
-              <a:schemeClr val="tx1"/>
-            </a:solidFill>
-          </a:ln>
-        </p:spPr>
-        <p:style>
-          <a:lnRef idx="1">
-            <a:schemeClr val="accent1"/>
-          </a:lnRef>
-          <a:fillRef idx="0">
-            <a:schemeClr val="accent1"/>
-          </a:fillRef>
-          <a:effectRef idx="0">
-            <a:schemeClr val="accent1"/>
-          </a:effectRef>
-          <a:fontRef idx="minor">
-            <a:schemeClr val="tx1"/>
-          </a:fontRef>
-        </p:style>
-      </p:cxnSp>
-      <p:sp>
-        <p:nvSpPr>
-          <p:cNvPr id="46" name="テキスト ボックス 45"/>
-          <p:cNvSpPr txBox="1"/>
-          <p:nvPr/>
-        </p:nvSpPr>
-        <p:spPr>
-          <a:xfrm>
-            <a:off x="5686795" y="1552393"/>
-            <a:ext cx="1859802" cy="369332"/>
-          </a:xfrm>
-          <a:prstGeom prst="rect">
-            <a:avLst/>
-          </a:prstGeom>
-        </p:spPr>
-        <p:style>
-          <a:lnRef idx="2">
-            <a:schemeClr val="dk1"/>
-          </a:lnRef>
-          <a:fillRef idx="1">
-            <a:schemeClr val="lt1"/>
-          </a:fillRef>
-          <a:effectRef idx="0">
-            <a:schemeClr val="dk1"/>
-          </a:effectRef>
-          <a:fontRef idx="minor">
-            <a:schemeClr val="dk1"/>
-          </a:fontRef>
-        </p:style>
-        <p:txBody>
-          <a:bodyPr wrap="square" rtlCol="0">
-            <a:spAutoFit/>
-          </a:bodyPr>
-          <a:lstStyle/>
-          <a:p>
-            <a:pPr algn="ctr"/>
-            <a:r>
-              <a:rPr kumimoji="1" lang="ja-JP" altLang="en-US" dirty="0" smtClean="0"/>
-              <a:t>予測</a:t>
-            </a:r>
-            <a:r>
-              <a:rPr kumimoji="1" lang="en-US" altLang="ja-JP" dirty="0" smtClean="0"/>
-              <a:t>API</a:t>
-            </a:r>
-            <a:r>
-              <a:rPr kumimoji="1" lang="ja-JP" altLang="en-US" dirty="0" smtClean="0"/>
-              <a:t>サーバ</a:t>
-            </a:r>
-            <a:endParaRPr kumimoji="1" lang="ja-JP" altLang="en-US" dirty="0"/>
-          </a:p>
-        </p:txBody>
-      </p:sp>
-      <p:cxnSp>
-        <p:nvCxnSpPr>
-          <p:cNvPr id="48" name="直線矢印コネクタ 47"/>
-          <p:cNvCxnSpPr/>
-          <p:nvPr/>
-        </p:nvCxnSpPr>
-        <p:spPr>
-          <a:xfrm>
-            <a:off x="5923399" y="2678172"/>
-            <a:ext cx="797172" cy="988559"/>
-          </a:xfrm>
-          <a:prstGeom prst="straightConnector1">
-            <a:avLst/>
-          </a:prstGeom>
-          <a:ln>
-            <a:tailEnd type="triangle"/>
-          </a:ln>
-        </p:spPr>
-        <p:style>
-          <a:lnRef idx="1">
-            <a:schemeClr val="dk1"/>
-          </a:lnRef>
-          <a:fillRef idx="0">
-            <a:schemeClr val="dk1"/>
-          </a:fillRef>
-          <a:effectRef idx="0">
-            <a:schemeClr val="dk1"/>
-          </a:effectRef>
-          <a:fontRef idx="minor">
-            <a:schemeClr val="tx1"/>
-          </a:fontRef>
-        </p:style>
-      </p:cxnSp>
-      <p:cxnSp>
-        <p:nvCxnSpPr>
-          <p:cNvPr id="50" name="直線矢印コネクタ 49"/>
-          <p:cNvCxnSpPr/>
-          <p:nvPr/>
-        </p:nvCxnSpPr>
-        <p:spPr>
-          <a:xfrm flipV="1">
-            <a:off x="7048500" y="2969359"/>
-            <a:ext cx="0" cy="740119"/>
-          </a:xfrm>
-          <a:prstGeom prst="straightConnector1">
-            <a:avLst/>
-          </a:prstGeom>
-          <a:ln>
-            <a:tailEnd type="triangle"/>
-          </a:ln>
-        </p:spPr>
-        <p:style>
-          <a:lnRef idx="1">
-            <a:schemeClr val="dk1"/>
-          </a:lnRef>
-          <a:fillRef idx="0">
-            <a:schemeClr val="dk1"/>
-          </a:fillRef>
-          <a:effectRef idx="0">
-            <a:schemeClr val="dk1"/>
-          </a:effectRef>
-          <a:fontRef idx="minor">
-            <a:schemeClr val="tx1"/>
-          </a:fontRef>
-        </p:style>
-      </p:cxnSp>
-      <p:cxnSp>
-        <p:nvCxnSpPr>
-          <p:cNvPr id="52" name="直線矢印コネクタ 51"/>
-          <p:cNvCxnSpPr/>
-          <p:nvPr/>
-        </p:nvCxnSpPr>
-        <p:spPr>
-          <a:xfrm>
-            <a:off x="5800355" y="3866392"/>
-            <a:ext cx="981445" cy="0"/>
-          </a:xfrm>
-          <a:prstGeom prst="straightConnector1">
-            <a:avLst/>
-          </a:prstGeom>
-          <a:ln>
-            <a:tailEnd type="triangle"/>
-          </a:ln>
-        </p:spPr>
-        <p:style>
-          <a:lnRef idx="1">
-            <a:schemeClr val="dk1"/>
-          </a:lnRef>
-          <a:fillRef idx="0">
-            <a:schemeClr val="dk1"/>
-          </a:fillRef>
-          <a:effectRef idx="0">
-            <a:schemeClr val="dk1"/>
-          </a:effectRef>
-          <a:fontRef idx="minor">
-            <a:schemeClr val="tx1"/>
-          </a:fontRef>
-        </p:style>
-      </p:cxnSp>
-      <p:sp>
-        <p:nvSpPr>
-          <p:cNvPr id="53" name="テキスト ボックス 52"/>
-          <p:cNvSpPr txBox="1"/>
-          <p:nvPr/>
-        </p:nvSpPr>
-        <p:spPr>
-          <a:xfrm>
-            <a:off x="6978224" y="3293484"/>
-            <a:ext cx="921895" cy="369332"/>
-          </a:xfrm>
-          <a:prstGeom prst="rect">
-            <a:avLst/>
-          </a:prstGeom>
-          <a:noFill/>
-          <a:ln>
-            <a:noFill/>
-          </a:ln>
-        </p:spPr>
-        <p:txBody>
-          <a:bodyPr wrap="square" rtlCol="0">
-            <a:spAutoFit/>
-          </a:bodyPr>
-          <a:lstStyle/>
-          <a:p>
-            <a:r>
-              <a:rPr kumimoji="1" lang="ja-JP" altLang="en-US" dirty="0" smtClean="0"/>
-              <a:t>特徴量</a:t>
-            </a:r>
-            <a:endParaRPr kumimoji="1" lang="ja-JP" altLang="en-US" dirty="0"/>
-          </a:p>
-        </p:txBody>
-      </p:sp>
-      <p:sp>
-        <p:nvSpPr>
-          <p:cNvPr id="8" name="スライド番号プレースホルダー 7"/>
+      </p:pic>
+      <p:sp>
+        <p:nvSpPr>
+          <p:cNvPr id="3" name="スライド番号プレースホルダー 2"/>
           <p:cNvSpPr>
             <a:spLocks noGrp="1"/>
           </p:cNvSpPr>
@@ -20222,7 +19550,7 @@
     </p:spTree>
     <p:extLst>
       <p:ext uri="{BB962C8B-B14F-4D97-AF65-F5344CB8AC3E}">
-        <p14:creationId xmlns:p14="http://schemas.microsoft.com/office/powerpoint/2010/main" val="368477621"/>
+        <p14:creationId xmlns:p14="http://schemas.microsoft.com/office/powerpoint/2010/main" val="2984906176"/>
       </p:ext>
     </p:extLst>
   </p:cSld>
@@ -20790,21 +20118,21 @@
           <a:lstStyle/>
           <a:p>
             <a:r>
-              <a:rPr kumimoji="1" lang="en-US" altLang="ja-JP" b="1" dirty="0" smtClean="0"/>
+              <a:rPr kumimoji="1" lang="en-US" altLang="ja-JP" dirty="0" smtClean="0"/>
               <a:t>Web</a:t>
             </a:r>
             <a:r>
-              <a:rPr kumimoji="1" lang="ja-JP" altLang="en-US" b="1" dirty="0" smtClean="0"/>
+              <a:rPr kumimoji="1" lang="ja-JP" altLang="en-US" dirty="0" smtClean="0"/>
               <a:t>アプリ</a:t>
             </a:r>
-            <a:endParaRPr kumimoji="1" lang="en-US" altLang="ja-JP" b="1" dirty="0" smtClean="0"/>
-          </a:p>
-          <a:p>
-            <a:r>
-              <a:rPr kumimoji="1" lang="ja-JP" altLang="en-US" b="1" dirty="0" smtClean="0"/>
+            <a:endParaRPr kumimoji="1" lang="en-US" altLang="ja-JP" dirty="0" smtClean="0"/>
+          </a:p>
+          <a:p>
+            <a:r>
+              <a:rPr kumimoji="1" lang="ja-JP" altLang="en-US" dirty="0" smtClean="0"/>
               <a:t>ケーション</a:t>
             </a:r>
-            <a:endParaRPr kumimoji="1" lang="ja-JP" altLang="en-US" b="1" dirty="0"/>
+            <a:endParaRPr kumimoji="1" lang="ja-JP" altLang="en-US" dirty="0"/>
           </a:p>
         </p:txBody>
       </p:sp>
@@ -20843,10 +20171,10 @@
           <a:p>
             <a:pPr algn="ctr"/>
             <a:r>
-              <a:rPr kumimoji="1" lang="ja-JP" altLang="en-US" sz="2000" b="1" dirty="0" smtClean="0"/>
+              <a:rPr kumimoji="1" lang="ja-JP" altLang="en-US" dirty="0" smtClean="0"/>
               <a:t>予測モデル</a:t>
             </a:r>
-            <a:endParaRPr kumimoji="1" lang="ja-JP" altLang="en-US" sz="2000" b="1" dirty="0"/>
+            <a:endParaRPr kumimoji="1" lang="ja-JP" altLang="en-US" dirty="0"/>
           </a:p>
         </p:txBody>
       </p:sp>
@@ -20885,14 +20213,14 @@
           <a:p>
             <a:pPr algn="ctr"/>
             <a:r>
-              <a:rPr lang="en-US" altLang="ja-JP" sz="2000" b="1" dirty="0" smtClean="0"/>
+              <a:rPr lang="en-US" altLang="ja-JP" sz="3200" dirty="0" smtClean="0"/>
               <a:t>D</a:t>
             </a:r>
             <a:r>
-              <a:rPr lang="en-US" altLang="ja-JP" sz="2000" b="1" dirty="0"/>
+              <a:rPr lang="en-US" altLang="ja-JP" sz="3200" dirty="0"/>
               <a:t>B</a:t>
             </a:r>
-            <a:endParaRPr kumimoji="1" lang="ja-JP" altLang="en-US" sz="2000" b="1" dirty="0"/>
+            <a:endParaRPr kumimoji="1" lang="ja-JP" altLang="en-US" sz="3200" dirty="0"/>
           </a:p>
         </p:txBody>
       </p:sp>
@@ -21086,10 +20414,10 @@
           <a:p>
             <a:pPr algn="ctr"/>
             <a:r>
-              <a:rPr kumimoji="1" lang="ja-JP" altLang="en-US" sz="2400" b="1" dirty="0" smtClean="0"/>
+              <a:rPr kumimoji="1" lang="ja-JP" altLang="en-US" sz="2400" dirty="0" smtClean="0"/>
               <a:t>学習器</a:t>
             </a:r>
-            <a:endParaRPr kumimoji="1" lang="ja-JP" altLang="en-US" sz="2400" b="1" dirty="0"/>
+            <a:endParaRPr kumimoji="1" lang="ja-JP" altLang="en-US" sz="2400" dirty="0"/>
           </a:p>
         </p:txBody>
       </p:sp>
@@ -21130,14 +20458,14 @@
           <a:p>
             <a:pPr algn="ctr"/>
             <a:r>
-              <a:rPr lang="ja-JP" altLang="en-US" sz="2000" b="1" dirty="0" smtClean="0"/>
+              <a:rPr lang="ja-JP" altLang="en-US" sz="2000" dirty="0" smtClean="0"/>
               <a:t>特徴抽出</a:t>
             </a:r>
             <a:r>
-              <a:rPr lang="ja-JP" altLang="en-US" sz="2000" b="1" dirty="0"/>
+              <a:rPr lang="ja-JP" altLang="en-US" sz="2000" dirty="0"/>
               <a:t>器</a:t>
             </a:r>
-            <a:endParaRPr kumimoji="1" lang="ja-JP" altLang="en-US" sz="2000" b="1" dirty="0"/>
+            <a:endParaRPr kumimoji="1" lang="ja-JP" altLang="en-US" sz="2000" dirty="0"/>
           </a:p>
         </p:txBody>
       </p:sp>
@@ -21344,10 +20672,10 @@
           <a:p>
             <a:pPr algn="ctr"/>
             <a:r>
-              <a:rPr kumimoji="1" lang="ja-JP" altLang="en-US" b="1" dirty="0" smtClean="0"/>
+              <a:rPr kumimoji="1" lang="ja-JP" altLang="en-US" dirty="0" smtClean="0"/>
               <a:t>バッチシステム</a:t>
             </a:r>
-            <a:endParaRPr kumimoji="1" lang="ja-JP" altLang="en-US" b="1" dirty="0"/>
+            <a:endParaRPr kumimoji="1" lang="ja-JP" altLang="en-US" dirty="0"/>
           </a:p>
         </p:txBody>
       </p:sp>
@@ -21360,7 +20688,7 @@
         <p:spPr>
           <a:xfrm>
             <a:off x="5125295" y="2154952"/>
-            <a:ext cx="945020" cy="400110"/>
+            <a:ext cx="945020" cy="523220"/>
           </a:xfrm>
           <a:prstGeom prst="rect">
             <a:avLst/>
@@ -21388,10 +20716,10 @@
           <a:p>
             <a:pPr algn="ctr"/>
             <a:r>
-              <a:rPr kumimoji="1" lang="en-US" altLang="ja-JP" sz="2000" b="1" dirty="0" smtClean="0"/>
+              <a:rPr kumimoji="1" lang="en-US" altLang="ja-JP" sz="2800" dirty="0" smtClean="0"/>
               <a:t>API</a:t>
             </a:r>
-            <a:endParaRPr kumimoji="1" lang="ja-JP" altLang="en-US" sz="2000" b="1" dirty="0"/>
+            <a:endParaRPr kumimoji="1" lang="ja-JP" altLang="en-US" sz="2800" dirty="0"/>
           </a:p>
         </p:txBody>
       </p:sp>
@@ -21502,18 +20830,18 @@
           <a:p>
             <a:pPr algn="ctr"/>
             <a:r>
-              <a:rPr kumimoji="1" lang="ja-JP" altLang="en-US" b="1" dirty="0" smtClean="0"/>
+              <a:rPr kumimoji="1" lang="ja-JP" altLang="en-US" dirty="0" smtClean="0"/>
               <a:t>予測</a:t>
             </a:r>
             <a:r>
-              <a:rPr kumimoji="1" lang="en-US" altLang="ja-JP" b="1" dirty="0" smtClean="0"/>
+              <a:rPr kumimoji="1" lang="en-US" altLang="ja-JP" dirty="0" smtClean="0"/>
               <a:t>API</a:t>
             </a:r>
             <a:r>
-              <a:rPr kumimoji="1" lang="ja-JP" altLang="en-US" b="1" dirty="0" smtClean="0"/>
+              <a:rPr kumimoji="1" lang="ja-JP" altLang="en-US" dirty="0" smtClean="0"/>
               <a:t>サーバ</a:t>
             </a:r>
-            <a:endParaRPr kumimoji="1" lang="ja-JP" altLang="en-US" b="1" dirty="0"/>
+            <a:endParaRPr kumimoji="1" lang="ja-JP" altLang="en-US" dirty="0"/>
           </a:p>
         </p:txBody>
       </p:sp>
@@ -21675,7 +21003,7 @@
     </p:spTree>
     <p:extLst>
       <p:ext uri="{BB962C8B-B14F-4D97-AF65-F5344CB8AC3E}">
-        <p14:creationId xmlns:p14="http://schemas.microsoft.com/office/powerpoint/2010/main" val="435574143"/>
+        <p14:creationId xmlns:p14="http://schemas.microsoft.com/office/powerpoint/2010/main" val="368477621"/>
       </p:ext>
     </p:extLst>
   </p:cSld>
@@ -21712,14 +21040,14 @@
       </p:grpSpPr>
       <p:sp>
         <p:nvSpPr>
-          <p:cNvPr id="3" name="正方形/長方形 2"/>
+          <p:cNvPr id="7" name="正方形/長方形 6"/>
           <p:cNvSpPr/>
           <p:nvPr/>
         </p:nvSpPr>
         <p:spPr>
           <a:xfrm>
-            <a:off x="2233534" y="1836295"/>
-            <a:ext cx="7300209" cy="3245371"/>
+            <a:off x="1671403" y="1349115"/>
+            <a:ext cx="8866682" cy="3252865"/>
           </a:xfrm>
           <a:prstGeom prst="rect">
             <a:avLst/>
@@ -21750,52 +21078,14 @@
       </p:sp>
       <p:sp>
         <p:nvSpPr>
-          <p:cNvPr id="32" name="角丸四角形 31"/>
+          <p:cNvPr id="27" name="角丸四角形 26"/>
           <p:cNvSpPr/>
           <p:nvPr/>
         </p:nvSpPr>
         <p:spPr>
           <a:xfrm>
-            <a:off x="6284618" y="2248523"/>
-            <a:ext cx="3099217" cy="2747637"/>
-          </a:xfrm>
-          <a:prstGeom prst="roundRect">
-            <a:avLst/>
-          </a:prstGeom>
-        </p:spPr>
-        <p:style>
-          <a:lnRef idx="2">
-            <a:schemeClr val="dk1"/>
-          </a:lnRef>
-          <a:fillRef idx="1">
-            <a:schemeClr val="lt1"/>
-          </a:fillRef>
-          <a:effectRef idx="0">
-            <a:schemeClr val="dk1"/>
-          </a:effectRef>
-          <a:fontRef idx="minor">
-            <a:schemeClr val="dk1"/>
-          </a:fontRef>
-        </p:style>
-        <p:txBody>
-          <a:bodyPr rtlCol="0" anchor="ctr"/>
-          <a:lstStyle/>
-          <a:p>
-            <a:pPr algn="ctr"/>
-            <a:endParaRPr kumimoji="1" lang="ja-JP" altLang="en-US"/>
-          </a:p>
-        </p:txBody>
-      </p:sp>
-      <p:sp>
-        <p:nvSpPr>
-          <p:cNvPr id="29" name="角丸四角形 28"/>
-          <p:cNvSpPr/>
-          <p:nvPr/>
-        </p:nvSpPr>
-        <p:spPr>
-          <a:xfrm>
-            <a:off x="2368446" y="2248523"/>
-            <a:ext cx="3585152" cy="2747636"/>
+            <a:off x="5534279" y="1737811"/>
+            <a:ext cx="2295640" cy="2747637"/>
           </a:xfrm>
           <a:prstGeom prst="roundRect">
             <a:avLst/>
@@ -21836,8 +21126,8 @@
         </p:nvSpPr>
         <p:spPr>
           <a:xfrm>
-            <a:off x="494675" y="365125"/>
-            <a:ext cx="11270110" cy="1325563"/>
+            <a:off x="419719" y="132780"/>
+            <a:ext cx="11413761" cy="1325563"/>
           </a:xfrm>
         </p:spPr>
         <p:txBody>
@@ -21847,27 +21137,27 @@
           <a:lstStyle/>
           <a:p>
             <a:r>
+              <a:rPr lang="en-US" altLang="ja-JP" sz="3600" dirty="0"/>
+              <a:t>4.2.2 </a:t>
+            </a:r>
+            <a:r>
+              <a:rPr lang="ja-JP" altLang="en-US" sz="3600" dirty="0"/>
+              <a:t>バッチ処理で学習＋予測結果</a:t>
+            </a:r>
+            <a:r>
+              <a:rPr lang="ja-JP" altLang="en-US" sz="3600" dirty="0" smtClean="0"/>
+              <a:t>を</a:t>
+            </a:r>
+            <a:r>
               <a:rPr lang="en-US" altLang="ja-JP" sz="3600" dirty="0" smtClean="0"/>
-              <a:t>4.2.2 </a:t>
+              <a:t>API</a:t>
             </a:r>
             <a:r>
               <a:rPr lang="ja-JP" altLang="en-US" sz="3600" dirty="0" smtClean="0"/>
-              <a:t>バッチ</a:t>
-            </a:r>
-            <a:r>
-              <a:rPr lang="ja-JP" altLang="en-US" sz="3600" dirty="0"/>
-              <a:t>処理で学習＋予測結果を</a:t>
-            </a:r>
-            <a:r>
-              <a:rPr lang="en-US" altLang="ja-JP" sz="3600" dirty="0"/>
-              <a:t>Web</a:t>
-            </a:r>
-            <a:r>
-              <a:rPr lang="ja-JP" altLang="en-US" sz="3600" dirty="0"/>
-              <a:t>アプリケーションで直接算出する</a:t>
-            </a:r>
-            <a:r>
-              <a:rPr lang="en-US" altLang="ja-JP" sz="3600" dirty="0"/>
+              <a:t>経由で利用する</a:t>
+            </a:r>
+            <a:r>
+              <a:rPr lang="en-US" altLang="ja-JP" sz="3600" dirty="0" smtClean="0"/>
               <a:t>(</a:t>
             </a:r>
             <a:r>
@@ -21875,7 +21165,7 @@
               <a:t>リアルタイム処理で予測</a:t>
             </a:r>
             <a:r>
-              <a:rPr lang="en-US" altLang="ja-JP" sz="3600" dirty="0" smtClean="0"/>
+              <a:rPr lang="en-US" altLang="ja-JP" sz="3600" dirty="0"/>
               <a:t>)</a:t>
             </a:r>
             <a:endParaRPr kumimoji="1" lang="ja-JP" altLang="en-US" sz="3600" dirty="0"/>
@@ -21884,16 +21174,103 @@
       </p:sp>
       <p:sp>
         <p:nvSpPr>
-          <p:cNvPr id="6" name="テキスト ボックス 5"/>
-          <p:cNvSpPr txBox="1"/>
+          <p:cNvPr id="3" name="コンテンツ プレースホルダー 2"/>
+          <p:cNvSpPr>
+            <a:spLocks noGrp="1"/>
+          </p:cNvSpPr>
+          <p:nvPr>
+            <p:ph idx="1"/>
+          </p:nvPr>
+        </p:nvSpPr>
+        <p:spPr>
+          <a:xfrm>
+            <a:off x="812515" y="4732752"/>
+            <a:ext cx="10515600" cy="2579514"/>
+          </a:xfrm>
+        </p:spPr>
+        <p:txBody>
+          <a:bodyPr/>
+          <a:lstStyle/>
+          <a:p>
+            <a:r>
+              <a:rPr lang="ja-JP" altLang="en-US" dirty="0" smtClean="0"/>
+              <a:t>予測処理をラップした</a:t>
+            </a:r>
+            <a:r>
+              <a:rPr lang="en-US" altLang="ja-JP" dirty="0" smtClean="0"/>
+              <a:t>API</a:t>
+            </a:r>
+            <a:r>
+              <a:rPr lang="ja-JP" altLang="en-US" dirty="0" smtClean="0"/>
+              <a:t>サーバーを用意するパターン</a:t>
+            </a:r>
+            <a:endParaRPr lang="en-US" altLang="ja-JP" dirty="0" smtClean="0"/>
+          </a:p>
+          <a:p>
+            <a:pPr lvl="1"/>
+            <a:r>
+              <a:rPr kumimoji="1" lang="en-US" altLang="ja-JP" dirty="0" smtClean="0"/>
+              <a:t>Web</a:t>
+            </a:r>
+            <a:r>
+              <a:rPr kumimoji="1" lang="ja-JP" altLang="en-US" dirty="0" smtClean="0"/>
+              <a:t>アプリケーションから予測結果を利用する場合には</a:t>
+            </a:r>
+            <a:r>
+              <a:rPr kumimoji="1" lang="en-US" altLang="ja-JP" dirty="0" smtClean="0"/>
+              <a:t>API</a:t>
+            </a:r>
+            <a:r>
+              <a:rPr kumimoji="1" lang="ja-JP" altLang="en-US" dirty="0" smtClean="0"/>
+              <a:t>経由のリアルタイム処理で予測を行う</a:t>
+            </a:r>
+            <a:endParaRPr lang="en-US" altLang="ja-JP" dirty="0" smtClean="0"/>
+          </a:p>
+          <a:p>
+            <a:r>
+              <a:rPr kumimoji="1" lang="ja-JP" altLang="en-US" dirty="0" smtClean="0"/>
+              <a:t>特徴</a:t>
+            </a:r>
+            <a:endParaRPr kumimoji="1" lang="en-US" altLang="ja-JP" dirty="0" smtClean="0"/>
+          </a:p>
+          <a:p>
+            <a:pPr lvl="1"/>
+            <a:r>
+              <a:rPr lang="en-US" altLang="ja-JP" dirty="0" smtClean="0"/>
+              <a:t>Web</a:t>
+            </a:r>
+            <a:r>
+              <a:rPr lang="ja-JP" altLang="en-US" dirty="0" smtClean="0"/>
+              <a:t>アプリケーションと機械学習に使うプログラミング言語を分けられる</a:t>
+            </a:r>
+            <a:endParaRPr lang="en-US" altLang="ja-JP" dirty="0" smtClean="0"/>
+          </a:p>
+          <a:p>
+            <a:pPr lvl="1"/>
+            <a:r>
+              <a:rPr kumimoji="1" lang="en-US" altLang="ja-JP" dirty="0" smtClean="0"/>
+              <a:t>Web</a:t>
+            </a:r>
+            <a:r>
+              <a:rPr kumimoji="1" lang="ja-JP" altLang="en-US" dirty="0" smtClean="0"/>
+              <a:t>アプリケーション側のイベントに対してリアルタイム処理で予測</a:t>
+            </a:r>
+            <a:endParaRPr kumimoji="1" lang="en-US" altLang="ja-JP" dirty="0" smtClean="0"/>
+          </a:p>
+        </p:txBody>
+      </p:sp>
+      <p:sp>
+        <p:nvSpPr>
+          <p:cNvPr id="4" name="角丸四角形 3"/>
+          <p:cNvSpPr/>
           <p:nvPr/>
         </p:nvSpPr>
         <p:spPr>
           <a:xfrm>
-            <a:off x="2820652" y="1987280"/>
-            <a:ext cx="2570813" cy="369332"/>
-          </a:xfrm>
-          <a:prstGeom prst="rect">
+            <a:off x="8076978" y="1737812"/>
+            <a:ext cx="2268518" cy="2747637"/>
+          </a:xfrm>
+          <a:prstGeom prst="roundRect">
             <a:avLst/>
           </a:prstGeom>
         </p:spPr>
@@ -21912,35 +21289,26 @@
           </a:fontRef>
         </p:style>
         <p:txBody>
-          <a:bodyPr wrap="square" rtlCol="0">
-            <a:spAutoFit/>
-          </a:bodyPr>
-          <a:lstStyle/>
-          <a:p>
-            <a:r>
-              <a:rPr kumimoji="1" lang="en-US" altLang="ja-JP" b="1" dirty="0" smtClean="0"/>
-              <a:t>Web</a:t>
-            </a:r>
-            <a:r>
-              <a:rPr kumimoji="1" lang="ja-JP" altLang="en-US" b="1" dirty="0" smtClean="0"/>
-              <a:t>アプリケーション</a:t>
-            </a:r>
-            <a:endParaRPr kumimoji="1" lang="ja-JP" altLang="en-US" b="1" dirty="0"/>
-          </a:p>
-        </p:txBody>
-      </p:sp>
-      <p:sp>
-        <p:nvSpPr>
-          <p:cNvPr id="7" name="テキスト ボックス 6"/>
-          <p:cNvSpPr txBox="1"/>
+          <a:bodyPr rtlCol="0" anchor="ctr"/>
+          <a:lstStyle/>
+          <a:p>
+            <a:pPr algn="ctr"/>
+            <a:endParaRPr kumimoji="1" lang="ja-JP" altLang="en-US"/>
+          </a:p>
+        </p:txBody>
+      </p:sp>
+      <p:sp>
+        <p:nvSpPr>
+          <p:cNvPr id="5" name="角丸四角形 4"/>
+          <p:cNvSpPr/>
           <p:nvPr/>
         </p:nvSpPr>
         <p:spPr>
           <a:xfrm>
-            <a:off x="3533930" y="3507831"/>
-            <a:ext cx="1517756" cy="400110"/>
-          </a:xfrm>
-          <a:prstGeom prst="rect">
+            <a:off x="1858602" y="1740517"/>
+            <a:ext cx="2027700" cy="2747636"/>
+          </a:xfrm>
+          <a:prstGeom prst="roundRect">
             <a:avLst/>
           </a:prstGeom>
         </p:spPr>
@@ -21959,65 +21327,26 @@
           </a:fontRef>
         </p:style>
         <p:txBody>
-          <a:bodyPr wrap="square" rtlCol="0">
-            <a:spAutoFit/>
-          </a:bodyPr>
+          <a:bodyPr rtlCol="0" anchor="ctr"/>
           <a:lstStyle/>
           <a:p>
             <a:pPr algn="ctr"/>
-            <a:r>
-              <a:rPr kumimoji="1" lang="ja-JP" altLang="en-US" sz="2000" b="1" dirty="0" smtClean="0"/>
-              <a:t>特徴抽出器</a:t>
-            </a:r>
-            <a:endParaRPr kumimoji="1" lang="ja-JP" altLang="en-US" sz="2000" b="1" dirty="0"/>
-          </a:p>
-        </p:txBody>
-      </p:sp>
-      <p:cxnSp>
-        <p:nvCxnSpPr>
-          <p:cNvPr id="9" name="直線矢印コネクタ 8"/>
-          <p:cNvCxnSpPr/>
+            <a:endParaRPr kumimoji="1" lang="ja-JP" altLang="en-US"/>
+          </a:p>
+        </p:txBody>
+      </p:sp>
+      <p:sp>
+        <p:nvSpPr>
+          <p:cNvPr id="6" name="テキスト ボックス 5"/>
+          <p:cNvSpPr txBox="1"/>
           <p:nvPr/>
-        </p:nvCxnSpPr>
+        </p:nvSpPr>
         <p:spPr>
           <a:xfrm>
-            <a:off x="3009275" y="3737333"/>
-            <a:ext cx="389742" cy="0"/>
-          </a:xfrm>
-          <a:prstGeom prst="straightConnector1">
-            <a:avLst/>
-          </a:prstGeom>
-          <a:ln>
-            <a:tailEnd type="triangle"/>
-          </a:ln>
-        </p:spPr>
-        <p:style>
-          <a:lnRef idx="1">
-            <a:schemeClr val="dk1"/>
-          </a:lnRef>
-          <a:fillRef idx="0">
-            <a:schemeClr val="dk1"/>
-          </a:fillRef>
-          <a:effectRef idx="0">
-            <a:schemeClr val="dk1"/>
-          </a:effectRef>
-          <a:fontRef idx="minor">
-            <a:schemeClr val="tx1"/>
-          </a:fontRef>
-        </p:style>
-      </p:cxnSp>
-      <p:sp>
-        <p:nvSpPr>
-          <p:cNvPr id="12" name="角丸四角形 11"/>
-          <p:cNvSpPr/>
-          <p:nvPr/>
-        </p:nvSpPr>
-        <p:spPr>
-          <a:xfrm>
-            <a:off x="5306516" y="2795664"/>
-            <a:ext cx="1506514" cy="359764"/>
-          </a:xfrm>
-          <a:prstGeom prst="roundRect">
+            <a:off x="2173446" y="1413893"/>
+            <a:ext cx="1407731" cy="646331"/>
+          </a:xfrm>
+          <a:prstGeom prst="rect">
             <a:avLst/>
           </a:prstGeom>
         </p:spPr>
@@ -22036,28 +21365,40 @@
           </a:fontRef>
         </p:style>
         <p:txBody>
-          <a:bodyPr rtlCol="0" anchor="ctr"/>
-          <a:lstStyle/>
-          <a:p>
-            <a:pPr algn="ctr"/>
-            <a:r>
-              <a:rPr kumimoji="1" lang="ja-JP" altLang="en-US" sz="2000" b="1" dirty="0" smtClean="0"/>
-              <a:t>予測モデル</a:t>
-            </a:r>
-            <a:endParaRPr kumimoji="1" lang="ja-JP" altLang="en-US" sz="2000" b="1" dirty="0"/>
-          </a:p>
-        </p:txBody>
-      </p:sp>
-      <p:sp>
-        <p:nvSpPr>
-          <p:cNvPr id="13" name="角丸四角形 12"/>
+          <a:bodyPr wrap="square" rtlCol="0">
+            <a:spAutoFit/>
+          </a:bodyPr>
+          <a:lstStyle/>
+          <a:p>
+            <a:r>
+              <a:rPr kumimoji="1" lang="en-US" altLang="ja-JP" b="1" dirty="0" smtClean="0"/>
+              <a:t>Web</a:t>
+            </a:r>
+            <a:r>
+              <a:rPr kumimoji="1" lang="ja-JP" altLang="en-US" b="1" dirty="0" smtClean="0"/>
+              <a:t>アプリ</a:t>
+            </a:r>
+            <a:endParaRPr kumimoji="1" lang="en-US" altLang="ja-JP" b="1" dirty="0" smtClean="0"/>
+          </a:p>
+          <a:p>
+            <a:r>
+              <a:rPr kumimoji="1" lang="ja-JP" altLang="en-US" b="1" dirty="0" smtClean="0"/>
+              <a:t>ケーション</a:t>
+            </a:r>
+            <a:endParaRPr kumimoji="1" lang="ja-JP" altLang="en-US" b="1" dirty="0"/>
+          </a:p>
+        </p:txBody>
+      </p:sp>
+      <p:sp>
+        <p:nvSpPr>
+          <p:cNvPr id="9" name="角丸四角形 8"/>
           <p:cNvSpPr/>
           <p:nvPr/>
         </p:nvSpPr>
         <p:spPr>
           <a:xfrm>
-            <a:off x="5306516" y="4141481"/>
-            <a:ext cx="1431561" cy="359764"/>
+            <a:off x="6911958" y="2374374"/>
+            <a:ext cx="1769155" cy="552238"/>
           </a:xfrm>
           <a:prstGeom prst="roundRect">
             <a:avLst/>
@@ -22083,6 +21424,48 @@
           <a:p>
             <a:pPr algn="ctr"/>
             <a:r>
+              <a:rPr kumimoji="1" lang="ja-JP" altLang="en-US" sz="2000" b="1" dirty="0" smtClean="0"/>
+              <a:t>予測モデル</a:t>
+            </a:r>
+            <a:endParaRPr kumimoji="1" lang="ja-JP" altLang="en-US" sz="2000" b="1" dirty="0"/>
+          </a:p>
+        </p:txBody>
+      </p:sp>
+      <p:sp>
+        <p:nvSpPr>
+          <p:cNvPr id="10" name="角丸四角形 9"/>
+          <p:cNvSpPr/>
+          <p:nvPr/>
+        </p:nvSpPr>
+        <p:spPr>
+          <a:xfrm>
+            <a:off x="3661756" y="3592973"/>
+            <a:ext cx="2119243" cy="546838"/>
+          </a:xfrm>
+          <a:prstGeom prst="roundRect">
+            <a:avLst/>
+          </a:prstGeom>
+        </p:spPr>
+        <p:style>
+          <a:lnRef idx="2">
+            <a:schemeClr val="dk1"/>
+          </a:lnRef>
+          <a:fillRef idx="1">
+            <a:schemeClr val="lt1"/>
+          </a:fillRef>
+          <a:effectRef idx="0">
+            <a:schemeClr val="dk1"/>
+          </a:effectRef>
+          <a:fontRef idx="minor">
+            <a:schemeClr val="dk1"/>
+          </a:fontRef>
+        </p:style>
+        <p:txBody>
+          <a:bodyPr rtlCol="0" anchor="ctr"/>
+          <a:lstStyle/>
+          <a:p>
+            <a:pPr algn="ctr"/>
+            <a:r>
               <a:rPr lang="en-US" altLang="ja-JP" sz="2000" b="1" dirty="0" smtClean="0"/>
               <a:t>D</a:t>
             </a:r>
@@ -22096,14 +21479,14 @@
       </p:sp>
       <p:cxnSp>
         <p:nvCxnSpPr>
-          <p:cNvPr id="15" name="直線矢印コネクタ 14"/>
+          <p:cNvPr id="11" name="直線矢印コネクタ 10"/>
           <p:cNvCxnSpPr/>
           <p:nvPr/>
         </p:nvCxnSpPr>
         <p:spPr>
-          <a:xfrm flipV="1">
-            <a:off x="4726338" y="3049543"/>
-            <a:ext cx="524043" cy="414490"/>
+          <a:xfrm>
+            <a:off x="3908358" y="2565530"/>
+            <a:ext cx="1191006" cy="0"/>
           </a:xfrm>
           <a:prstGeom prst="straightConnector1">
             <a:avLst/>
@@ -22113,6 +21496,504 @@
               <a:schemeClr val="tx1"/>
             </a:solidFill>
             <a:tailEnd type="triangle"/>
+          </a:ln>
+        </p:spPr>
+        <p:style>
+          <a:lnRef idx="1">
+            <a:schemeClr val="accent1"/>
+          </a:lnRef>
+          <a:fillRef idx="0">
+            <a:schemeClr val="accent1"/>
+          </a:fillRef>
+          <a:effectRef idx="0">
+            <a:schemeClr val="accent1"/>
+          </a:effectRef>
+          <a:fontRef idx="minor">
+            <a:schemeClr val="tx1"/>
+          </a:fontRef>
+        </p:style>
+      </p:cxnSp>
+      <p:sp>
+        <p:nvSpPr>
+          <p:cNvPr id="13" name="テキスト ボックス 12"/>
+          <p:cNvSpPr txBox="1"/>
+          <p:nvPr/>
+        </p:nvSpPr>
+        <p:spPr>
+          <a:xfrm>
+            <a:off x="3907522" y="2659470"/>
+            <a:ext cx="1713137" cy="646331"/>
+          </a:xfrm>
+          <a:prstGeom prst="rect">
+            <a:avLst/>
+          </a:prstGeom>
+          <a:noFill/>
+          <a:ln>
+            <a:noFill/>
+          </a:ln>
+        </p:spPr>
+        <p:txBody>
+          <a:bodyPr wrap="square" rtlCol="0">
+            <a:spAutoFit/>
+          </a:bodyPr>
+          <a:lstStyle/>
+          <a:p>
+            <a:r>
+              <a:rPr lang="ja-JP" altLang="en-US" dirty="0" smtClean="0"/>
+              <a:t>ユーザー</a:t>
+            </a:r>
+            <a:r>
+              <a:rPr lang="en-US" altLang="ja-JP" dirty="0" smtClean="0"/>
+              <a:t>ID</a:t>
+            </a:r>
+          </a:p>
+          <a:p>
+            <a:r>
+              <a:rPr lang="ja-JP" altLang="en-US" dirty="0" smtClean="0"/>
+              <a:t>商品</a:t>
+            </a:r>
+            <a:r>
+              <a:rPr lang="en-US" altLang="ja-JP" dirty="0" smtClean="0"/>
+              <a:t>ID</a:t>
+            </a:r>
+            <a:endParaRPr kumimoji="1" lang="ja-JP" altLang="en-US" dirty="0"/>
+          </a:p>
+        </p:txBody>
+      </p:sp>
+      <p:sp>
+        <p:nvSpPr>
+          <p:cNvPr id="14" name="テキスト ボックス 13"/>
+          <p:cNvSpPr txBox="1"/>
+          <p:nvPr/>
+        </p:nvSpPr>
+        <p:spPr>
+          <a:xfrm>
+            <a:off x="3908358" y="1968381"/>
+            <a:ext cx="1282906" cy="369332"/>
+          </a:xfrm>
+          <a:prstGeom prst="rect">
+            <a:avLst/>
+          </a:prstGeom>
+          <a:noFill/>
+        </p:spPr>
+        <p:txBody>
+          <a:bodyPr wrap="square" rtlCol="0">
+            <a:spAutoFit/>
+          </a:bodyPr>
+          <a:lstStyle/>
+          <a:p>
+            <a:r>
+              <a:rPr lang="ja-JP" altLang="en-US" dirty="0" smtClean="0"/>
+              <a:t>予測</a:t>
+            </a:r>
+            <a:r>
+              <a:rPr lang="ja-JP" altLang="en-US" dirty="0"/>
+              <a:t>結果</a:t>
+            </a:r>
+            <a:endParaRPr kumimoji="1" lang="ja-JP" altLang="en-US" dirty="0"/>
+          </a:p>
+        </p:txBody>
+      </p:sp>
+      <p:cxnSp>
+        <p:nvCxnSpPr>
+          <p:cNvPr id="15" name="直線矢印コネクタ 14"/>
+          <p:cNvCxnSpPr/>
+          <p:nvPr/>
+        </p:nvCxnSpPr>
+        <p:spPr>
+          <a:xfrm flipH="1">
+            <a:off x="3886303" y="2337713"/>
+            <a:ext cx="1238992" cy="0"/>
+          </a:xfrm>
+          <a:prstGeom prst="straightConnector1">
+            <a:avLst/>
+          </a:prstGeom>
+          <a:ln>
+            <a:solidFill>
+              <a:schemeClr val="tx1"/>
+            </a:solidFill>
+            <a:tailEnd type="triangle"/>
+          </a:ln>
+        </p:spPr>
+        <p:style>
+          <a:lnRef idx="1">
+            <a:schemeClr val="accent1"/>
+          </a:lnRef>
+          <a:fillRef idx="0">
+            <a:schemeClr val="accent1"/>
+          </a:fillRef>
+          <a:effectRef idx="0">
+            <a:schemeClr val="accent1"/>
+          </a:effectRef>
+          <a:fontRef idx="minor">
+            <a:schemeClr val="tx1"/>
+          </a:fontRef>
+        </p:style>
+      </p:cxnSp>
+      <p:sp>
+        <p:nvSpPr>
+          <p:cNvPr id="16" name="テキスト ボックス 15"/>
+          <p:cNvSpPr txBox="1"/>
+          <p:nvPr/>
+        </p:nvSpPr>
+        <p:spPr>
+          <a:xfrm>
+            <a:off x="8695981" y="3074968"/>
+            <a:ext cx="1402456" cy="461665"/>
+          </a:xfrm>
+          <a:prstGeom prst="rect">
+            <a:avLst/>
+          </a:prstGeom>
+        </p:spPr>
+        <p:style>
+          <a:lnRef idx="2">
+            <a:schemeClr val="dk1"/>
+          </a:lnRef>
+          <a:fillRef idx="1">
+            <a:schemeClr val="lt1"/>
+          </a:fillRef>
+          <a:effectRef idx="0">
+            <a:schemeClr val="dk1"/>
+          </a:effectRef>
+          <a:fontRef idx="minor">
+            <a:schemeClr val="dk1"/>
+          </a:fontRef>
+        </p:style>
+        <p:txBody>
+          <a:bodyPr wrap="square" rtlCol="0">
+            <a:spAutoFit/>
+          </a:bodyPr>
+          <a:lstStyle/>
+          <a:p>
+            <a:pPr algn="ctr"/>
+            <a:r>
+              <a:rPr kumimoji="1" lang="ja-JP" altLang="en-US" sz="2400" b="1" dirty="0" smtClean="0"/>
+              <a:t>学習器</a:t>
+            </a:r>
+            <a:endParaRPr kumimoji="1" lang="ja-JP" altLang="en-US" sz="2400" b="1" dirty="0"/>
+          </a:p>
+        </p:txBody>
+      </p:sp>
+      <p:sp>
+        <p:nvSpPr>
+          <p:cNvPr id="17" name="テキスト ボックス 16"/>
+          <p:cNvSpPr txBox="1"/>
+          <p:nvPr/>
+        </p:nvSpPr>
+        <p:spPr>
+          <a:xfrm>
+            <a:off x="6839733" y="3727865"/>
+            <a:ext cx="2156258" cy="400110"/>
+          </a:xfrm>
+          <a:prstGeom prst="rect">
+            <a:avLst/>
+          </a:prstGeom>
+        </p:spPr>
+        <p:style>
+          <a:lnRef idx="2">
+            <a:schemeClr val="dk1"/>
+          </a:lnRef>
+          <a:fillRef idx="1">
+            <a:schemeClr val="lt1"/>
+          </a:fillRef>
+          <a:effectRef idx="0">
+            <a:schemeClr val="dk1"/>
+          </a:effectRef>
+          <a:fontRef idx="minor">
+            <a:schemeClr val="dk1"/>
+          </a:fontRef>
+        </p:style>
+        <p:txBody>
+          <a:bodyPr wrap="square" rtlCol="0">
+            <a:spAutoFit/>
+          </a:bodyPr>
+          <a:lstStyle/>
+          <a:p>
+            <a:pPr algn="ctr"/>
+            <a:r>
+              <a:rPr lang="ja-JP" altLang="en-US" sz="2000" b="1" dirty="0" smtClean="0"/>
+              <a:t>特徴抽出</a:t>
+            </a:r>
+            <a:r>
+              <a:rPr lang="ja-JP" altLang="en-US" sz="2000" b="1" dirty="0"/>
+              <a:t>器</a:t>
+            </a:r>
+            <a:endParaRPr kumimoji="1" lang="ja-JP" altLang="en-US" sz="2000" b="1" dirty="0"/>
+          </a:p>
+        </p:txBody>
+      </p:sp>
+      <p:cxnSp>
+        <p:nvCxnSpPr>
+          <p:cNvPr id="18" name="直線矢印コネクタ 17"/>
+          <p:cNvCxnSpPr/>
+          <p:nvPr/>
+        </p:nvCxnSpPr>
+        <p:spPr>
+          <a:xfrm flipH="1">
+            <a:off x="8753093" y="2565530"/>
+            <a:ext cx="893154" cy="0"/>
+          </a:xfrm>
+          <a:prstGeom prst="straightConnector1">
+            <a:avLst/>
+          </a:prstGeom>
+          <a:ln>
+            <a:tailEnd type="triangle"/>
+          </a:ln>
+        </p:spPr>
+        <p:style>
+          <a:lnRef idx="1">
+            <a:schemeClr val="dk1"/>
+          </a:lnRef>
+          <a:fillRef idx="0">
+            <a:schemeClr val="dk1"/>
+          </a:fillRef>
+          <a:effectRef idx="0">
+            <a:schemeClr val="dk1"/>
+          </a:effectRef>
+          <a:fontRef idx="minor">
+            <a:schemeClr val="tx1"/>
+          </a:fontRef>
+        </p:style>
+      </p:cxnSp>
+      <p:cxnSp>
+        <p:nvCxnSpPr>
+          <p:cNvPr id="19" name="直線矢印コネクタ 18"/>
+          <p:cNvCxnSpPr/>
+          <p:nvPr/>
+        </p:nvCxnSpPr>
+        <p:spPr>
+          <a:xfrm flipV="1">
+            <a:off x="9646247" y="3569942"/>
+            <a:ext cx="0" cy="296450"/>
+          </a:xfrm>
+          <a:prstGeom prst="straightConnector1">
+            <a:avLst/>
+          </a:prstGeom>
+          <a:ln>
+            <a:tailEnd type="triangle"/>
+          </a:ln>
+        </p:spPr>
+        <p:style>
+          <a:lnRef idx="1">
+            <a:schemeClr val="dk1"/>
+          </a:lnRef>
+          <a:fillRef idx="0">
+            <a:schemeClr val="dk1"/>
+          </a:fillRef>
+          <a:effectRef idx="0">
+            <a:schemeClr val="dk1"/>
+          </a:effectRef>
+          <a:fontRef idx="minor">
+            <a:schemeClr val="tx1"/>
+          </a:fontRef>
+        </p:style>
+      </p:cxnSp>
+      <p:sp>
+        <p:nvSpPr>
+          <p:cNvPr id="20" name="テキスト ボックス 19"/>
+          <p:cNvSpPr txBox="1"/>
+          <p:nvPr/>
+        </p:nvSpPr>
+        <p:spPr>
+          <a:xfrm>
+            <a:off x="9373856" y="3890762"/>
+            <a:ext cx="921895" cy="369332"/>
+          </a:xfrm>
+          <a:prstGeom prst="rect">
+            <a:avLst/>
+          </a:prstGeom>
+          <a:noFill/>
+          <a:ln>
+            <a:noFill/>
+          </a:ln>
+        </p:spPr>
+        <p:txBody>
+          <a:bodyPr wrap="square" rtlCol="0">
+            <a:spAutoFit/>
+          </a:bodyPr>
+          <a:lstStyle/>
+          <a:p>
+            <a:r>
+              <a:rPr kumimoji="1" lang="ja-JP" altLang="en-US" dirty="0" smtClean="0"/>
+              <a:t>特徴量</a:t>
+            </a:r>
+            <a:endParaRPr kumimoji="1" lang="ja-JP" altLang="en-US" dirty="0"/>
+          </a:p>
+        </p:txBody>
+      </p:sp>
+      <p:sp>
+        <p:nvSpPr>
+          <p:cNvPr id="23" name="テキスト ボックス 22"/>
+          <p:cNvSpPr txBox="1"/>
+          <p:nvPr/>
+        </p:nvSpPr>
+        <p:spPr>
+          <a:xfrm>
+            <a:off x="9182683" y="2241749"/>
+            <a:ext cx="1209520" cy="369332"/>
+          </a:xfrm>
+          <a:prstGeom prst="rect">
+            <a:avLst/>
+          </a:prstGeom>
+          <a:noFill/>
+        </p:spPr>
+        <p:txBody>
+          <a:bodyPr wrap="square" rtlCol="0">
+            <a:spAutoFit/>
+          </a:bodyPr>
+          <a:lstStyle/>
+          <a:p>
+            <a:r>
+              <a:rPr kumimoji="1" lang="ja-JP" altLang="en-US" dirty="0" smtClean="0"/>
+              <a:t>学習結果</a:t>
+            </a:r>
+            <a:endParaRPr kumimoji="1" lang="ja-JP" altLang="en-US" dirty="0"/>
+          </a:p>
+        </p:txBody>
+      </p:sp>
+      <p:sp>
+        <p:nvSpPr>
+          <p:cNvPr id="24" name="テキスト ボックス 23"/>
+          <p:cNvSpPr txBox="1"/>
+          <p:nvPr/>
+        </p:nvSpPr>
+        <p:spPr>
+          <a:xfrm>
+            <a:off x="5739162" y="3857963"/>
+            <a:ext cx="2122983" cy="646331"/>
+          </a:xfrm>
+          <a:prstGeom prst="rect">
+            <a:avLst/>
+          </a:prstGeom>
+          <a:noFill/>
+        </p:spPr>
+        <p:txBody>
+          <a:bodyPr wrap="square" rtlCol="0">
+            <a:spAutoFit/>
+          </a:bodyPr>
+          <a:lstStyle/>
+          <a:p>
+            <a:r>
+              <a:rPr kumimoji="1" lang="ja-JP" altLang="en-US" dirty="0" smtClean="0"/>
+              <a:t>ログ</a:t>
+            </a:r>
+            <a:endParaRPr kumimoji="1" lang="en-US" altLang="ja-JP" dirty="0" smtClean="0"/>
+          </a:p>
+          <a:p>
+            <a:r>
+              <a:rPr lang="ja-JP" altLang="en-US" dirty="0" smtClean="0"/>
+              <a:t>ユーザー情報</a:t>
+            </a:r>
+            <a:endParaRPr kumimoji="1" lang="ja-JP" altLang="en-US" dirty="0"/>
+          </a:p>
+        </p:txBody>
+      </p:sp>
+      <p:sp>
+        <p:nvSpPr>
+          <p:cNvPr id="26" name="テキスト ボックス 25"/>
+          <p:cNvSpPr txBox="1"/>
+          <p:nvPr/>
+        </p:nvSpPr>
+        <p:spPr>
+          <a:xfrm>
+            <a:off x="8289342" y="1557620"/>
+            <a:ext cx="1843790" cy="369332"/>
+          </a:xfrm>
+          <a:prstGeom prst="rect">
+            <a:avLst/>
+          </a:prstGeom>
+        </p:spPr>
+        <p:style>
+          <a:lnRef idx="2">
+            <a:schemeClr val="dk1"/>
+          </a:lnRef>
+          <a:fillRef idx="1">
+            <a:schemeClr val="lt1"/>
+          </a:fillRef>
+          <a:effectRef idx="0">
+            <a:schemeClr val="dk1"/>
+          </a:effectRef>
+          <a:fontRef idx="minor">
+            <a:schemeClr val="dk1"/>
+          </a:fontRef>
+        </p:style>
+        <p:txBody>
+          <a:bodyPr wrap="square" rtlCol="0">
+            <a:spAutoFit/>
+          </a:bodyPr>
+          <a:lstStyle/>
+          <a:p>
+            <a:pPr algn="ctr"/>
+            <a:r>
+              <a:rPr kumimoji="1" lang="ja-JP" altLang="en-US" b="1" dirty="0" smtClean="0"/>
+              <a:t>バッチシステム</a:t>
+            </a:r>
+            <a:endParaRPr kumimoji="1" lang="ja-JP" altLang="en-US" b="1" dirty="0"/>
+          </a:p>
+        </p:txBody>
+      </p:sp>
+      <p:sp>
+        <p:nvSpPr>
+          <p:cNvPr id="29" name="テキスト ボックス 28"/>
+          <p:cNvSpPr txBox="1"/>
+          <p:nvPr/>
+        </p:nvSpPr>
+        <p:spPr>
+          <a:xfrm>
+            <a:off x="5125295" y="2154952"/>
+            <a:ext cx="945020" cy="400110"/>
+          </a:xfrm>
+          <a:prstGeom prst="rect">
+            <a:avLst/>
+          </a:prstGeom>
+        </p:spPr>
+        <p:style>
+          <a:lnRef idx="2">
+            <a:schemeClr val="dk1"/>
+          </a:lnRef>
+          <a:fillRef idx="1">
+            <a:schemeClr val="lt1"/>
+          </a:fillRef>
+          <a:effectRef idx="0">
+            <a:schemeClr val="dk1"/>
+          </a:effectRef>
+          <a:fontRef idx="minor">
+            <a:schemeClr val="dk1"/>
+          </a:fontRef>
+        </p:style>
+        <p:txBody>
+          <a:bodyPr wrap="square" rtlCol="0">
+            <a:spAutoFit/>
+          </a:bodyPr>
+          <a:lstStyle/>
+          <a:p>
+            <a:pPr algn="ctr"/>
+            <a:r>
+              <a:rPr kumimoji="1" lang="en-US" altLang="ja-JP" sz="2000" b="1" dirty="0" smtClean="0"/>
+              <a:t>API</a:t>
+            </a:r>
+            <a:endParaRPr kumimoji="1" lang="ja-JP" altLang="en-US" sz="2000" b="1" dirty="0"/>
+          </a:p>
+        </p:txBody>
+      </p:sp>
+      <p:cxnSp>
+        <p:nvCxnSpPr>
+          <p:cNvPr id="41" name="直線コネクタ 40"/>
+          <p:cNvCxnSpPr/>
+          <p:nvPr/>
+        </p:nvCxnSpPr>
+        <p:spPr>
+          <a:xfrm flipH="1">
+            <a:off x="9074150" y="3866392"/>
+            <a:ext cx="572098" cy="0"/>
+          </a:xfrm>
+          <a:prstGeom prst="line">
+            <a:avLst/>
+          </a:prstGeom>
+          <a:ln>
+            <a:solidFill>
+              <a:schemeClr val="tx1"/>
+            </a:solidFill>
           </a:ln>
         </p:spPr>
         <p:style>
@@ -22132,23 +22013,22 @@
       </p:cxnSp>
       <p:cxnSp>
         <p:nvCxnSpPr>
-          <p:cNvPr id="20" name="直線矢印コネクタ 19"/>
+          <p:cNvPr id="44" name="直線コネクタ 43"/>
           <p:cNvCxnSpPr/>
           <p:nvPr/>
         </p:nvCxnSpPr>
         <p:spPr>
-          <a:xfrm flipH="1" flipV="1">
-            <a:off x="4768120" y="3956188"/>
-            <a:ext cx="482261" cy="358496"/>
-          </a:xfrm>
-          <a:prstGeom prst="straightConnector1">
+          <a:xfrm flipV="1">
+            <a:off x="9646247" y="2565530"/>
+            <a:ext cx="0" cy="417105"/>
+          </a:xfrm>
+          <a:prstGeom prst="line">
             <a:avLst/>
           </a:prstGeom>
           <a:ln>
             <a:solidFill>
               <a:schemeClr val="tx1"/>
             </a:solidFill>
-            <a:tailEnd type="triangle"/>
           </a:ln>
         </p:spPr>
         <p:style>
@@ -22168,117 +22048,14 @@
       </p:cxnSp>
       <p:sp>
         <p:nvSpPr>
-          <p:cNvPr id="21" name="テキスト ボックス 20"/>
+          <p:cNvPr id="46" name="テキスト ボックス 45"/>
           <p:cNvSpPr txBox="1"/>
           <p:nvPr/>
         </p:nvSpPr>
         <p:spPr>
           <a:xfrm>
-            <a:off x="4973445" y="3256788"/>
-            <a:ext cx="921895" cy="369332"/>
-          </a:xfrm>
-          <a:prstGeom prst="rect">
-            <a:avLst/>
-          </a:prstGeom>
-          <a:noFill/>
-          <a:ln>
-            <a:noFill/>
-          </a:ln>
-        </p:spPr>
-        <p:txBody>
-          <a:bodyPr wrap="square" rtlCol="0">
-            <a:spAutoFit/>
-          </a:bodyPr>
-          <a:lstStyle/>
-          <a:p>
-            <a:r>
-              <a:rPr kumimoji="1" lang="ja-JP" altLang="en-US" dirty="0" smtClean="0"/>
-              <a:t>特徴量</a:t>
-            </a:r>
-            <a:endParaRPr kumimoji="1" lang="ja-JP" altLang="en-US" dirty="0"/>
-          </a:p>
-        </p:txBody>
-      </p:sp>
-      <p:sp>
-        <p:nvSpPr>
-          <p:cNvPr id="22" name="テキスト ボックス 21"/>
-          <p:cNvSpPr txBox="1"/>
-          <p:nvPr/>
-        </p:nvSpPr>
-        <p:spPr>
-          <a:xfrm>
-            <a:off x="4248475" y="2573809"/>
-            <a:ext cx="1282906" cy="369332"/>
-          </a:xfrm>
-          <a:prstGeom prst="rect">
-            <a:avLst/>
-          </a:prstGeom>
-          <a:noFill/>
-        </p:spPr>
-        <p:txBody>
-          <a:bodyPr wrap="square" rtlCol="0">
-            <a:spAutoFit/>
-          </a:bodyPr>
-          <a:lstStyle/>
-          <a:p>
-            <a:r>
-              <a:rPr lang="ja-JP" altLang="en-US" dirty="0" smtClean="0"/>
-              <a:t>予測</a:t>
-            </a:r>
-            <a:r>
-              <a:rPr lang="ja-JP" altLang="en-US" dirty="0"/>
-              <a:t>結果</a:t>
-            </a:r>
-            <a:endParaRPr kumimoji="1" lang="ja-JP" altLang="en-US" dirty="0"/>
-          </a:p>
-        </p:txBody>
-      </p:sp>
-      <p:cxnSp>
-        <p:nvCxnSpPr>
-          <p:cNvPr id="24" name="直線矢印コネクタ 23"/>
-          <p:cNvCxnSpPr/>
-          <p:nvPr/>
-        </p:nvCxnSpPr>
-        <p:spPr>
-          <a:xfrm flipH="1">
-            <a:off x="4106058" y="2980330"/>
-            <a:ext cx="1144871" cy="0"/>
-          </a:xfrm>
-          <a:prstGeom prst="straightConnector1">
-            <a:avLst/>
-          </a:prstGeom>
-          <a:ln>
-            <a:solidFill>
-              <a:schemeClr val="tx1"/>
-            </a:solidFill>
-            <a:tailEnd type="triangle"/>
-          </a:ln>
-        </p:spPr>
-        <p:style>
-          <a:lnRef idx="1">
-            <a:schemeClr val="accent1"/>
-          </a:lnRef>
-          <a:fillRef idx="0">
-            <a:schemeClr val="accent1"/>
-          </a:fillRef>
-          <a:effectRef idx="0">
-            <a:schemeClr val="accent1"/>
-          </a:effectRef>
-          <a:fontRef idx="minor">
-            <a:schemeClr val="tx1"/>
-          </a:fontRef>
-        </p:style>
-      </p:cxnSp>
-      <p:sp>
-        <p:nvSpPr>
-          <p:cNvPr id="25" name="テキスト ボックス 24"/>
-          <p:cNvSpPr txBox="1"/>
-          <p:nvPr/>
-        </p:nvSpPr>
-        <p:spPr>
-          <a:xfrm>
-            <a:off x="8039722" y="2795664"/>
-            <a:ext cx="899410" cy="369332"/>
+            <a:off x="5686795" y="1552393"/>
+            <a:ext cx="1859802" cy="369332"/>
           </a:xfrm>
           <a:prstGeom prst="rect">
             <a:avLst/>
@@ -22307,70 +22084,30 @@
             <a:pPr algn="ctr"/>
             <a:r>
               <a:rPr kumimoji="1" lang="ja-JP" altLang="en-US" b="1" dirty="0" smtClean="0"/>
-              <a:t>学習器</a:t>
+              <a:t>予測</a:t>
+            </a:r>
+            <a:r>
+              <a:rPr kumimoji="1" lang="en-US" altLang="ja-JP" b="1" dirty="0" smtClean="0"/>
+              <a:t>API</a:t>
+            </a:r>
+            <a:r>
+              <a:rPr kumimoji="1" lang="ja-JP" altLang="en-US" b="1" dirty="0" smtClean="0"/>
+              <a:t>サーバ</a:t>
             </a:r>
             <a:endParaRPr kumimoji="1" lang="ja-JP" altLang="en-US" b="1" dirty="0"/>
-          </a:p>
-        </p:txBody>
-      </p:sp>
-      <p:sp>
-        <p:nvSpPr>
-          <p:cNvPr id="26" name="テキスト ボックス 25"/>
-          <p:cNvSpPr txBox="1"/>
-          <p:nvPr/>
-        </p:nvSpPr>
-        <p:spPr>
-          <a:xfrm>
-            <a:off x="7744916" y="4141481"/>
-            <a:ext cx="1489022" cy="400110"/>
-          </a:xfrm>
-          <a:prstGeom prst="rect">
-            <a:avLst/>
-          </a:prstGeom>
-        </p:spPr>
-        <p:style>
-          <a:lnRef idx="2">
-            <a:schemeClr val="dk1"/>
-          </a:lnRef>
-          <a:fillRef idx="1">
-            <a:schemeClr val="lt1"/>
-          </a:fillRef>
-          <a:effectRef idx="0">
-            <a:schemeClr val="dk1"/>
-          </a:effectRef>
-          <a:fontRef idx="minor">
-            <a:schemeClr val="dk1"/>
-          </a:fontRef>
-        </p:style>
-        <p:txBody>
-          <a:bodyPr wrap="square" rtlCol="0">
-            <a:spAutoFit/>
-          </a:bodyPr>
-          <a:lstStyle/>
-          <a:p>
-            <a:pPr algn="ctr"/>
-            <a:r>
-              <a:rPr lang="ja-JP" altLang="en-US" sz="2000" b="1" dirty="0" smtClean="0"/>
-              <a:t>特徴抽出</a:t>
-            </a:r>
-            <a:r>
-              <a:rPr lang="ja-JP" altLang="en-US" sz="2000" b="1" dirty="0"/>
-              <a:t>器</a:t>
-            </a:r>
-            <a:endParaRPr kumimoji="1" lang="ja-JP" altLang="en-US" sz="2000" b="1" dirty="0"/>
           </a:p>
         </p:txBody>
       </p:sp>
       <p:cxnSp>
         <p:nvCxnSpPr>
-          <p:cNvPr id="28" name="直線矢印コネクタ 27"/>
+          <p:cNvPr id="48" name="直線矢印コネクタ 47"/>
           <p:cNvCxnSpPr/>
           <p:nvPr/>
         </p:nvCxnSpPr>
         <p:spPr>
-          <a:xfrm flipH="1">
-            <a:off x="6865495" y="2975546"/>
-            <a:ext cx="1060863" cy="0"/>
+          <a:xfrm>
+            <a:off x="5923399" y="2678172"/>
+            <a:ext cx="797172" cy="988559"/>
           </a:xfrm>
           <a:prstGeom prst="straightConnector1">
             <a:avLst/>
@@ -22396,14 +22133,14 @@
       </p:cxnSp>
       <p:cxnSp>
         <p:nvCxnSpPr>
-          <p:cNvPr id="33" name="直線矢印コネクタ 32"/>
+          <p:cNvPr id="50" name="直線矢印コネクタ 49"/>
           <p:cNvCxnSpPr/>
           <p:nvPr/>
         </p:nvCxnSpPr>
         <p:spPr>
           <a:xfrm flipV="1">
-            <a:off x="8489427" y="3264618"/>
-            <a:ext cx="0" cy="839066"/>
+            <a:off x="7048500" y="2969359"/>
+            <a:ext cx="0" cy="740119"/>
           </a:xfrm>
           <a:prstGeom prst="straightConnector1">
             <a:avLst/>
@@ -22427,15 +22164,48 @@
           </a:fontRef>
         </p:style>
       </p:cxnSp>
-      <p:sp>
-        <p:nvSpPr>
-          <p:cNvPr id="34" name="テキスト ボックス 33"/>
+      <p:cxnSp>
+        <p:nvCxnSpPr>
+          <p:cNvPr id="52" name="直線矢印コネクタ 51"/>
+          <p:cNvCxnSpPr/>
+          <p:nvPr/>
+        </p:nvCxnSpPr>
+        <p:spPr>
+          <a:xfrm>
+            <a:off x="5800355" y="3866392"/>
+            <a:ext cx="981445" cy="0"/>
+          </a:xfrm>
+          <a:prstGeom prst="straightConnector1">
+            <a:avLst/>
+          </a:prstGeom>
+          <a:ln>
+            <a:tailEnd type="triangle"/>
+          </a:ln>
+        </p:spPr>
+        <p:style>
+          <a:lnRef idx="1">
+            <a:schemeClr val="dk1"/>
+          </a:lnRef>
+          <a:fillRef idx="0">
+            <a:schemeClr val="dk1"/>
+          </a:fillRef>
+          <a:effectRef idx="0">
+            <a:schemeClr val="dk1"/>
+          </a:effectRef>
+          <a:fontRef idx="minor">
+            <a:schemeClr val="tx1"/>
+          </a:fontRef>
+        </p:style>
+      </p:cxnSp>
+      <p:sp>
+        <p:nvSpPr>
+          <p:cNvPr id="53" name="テキスト ボックス 52"/>
           <p:cNvSpPr txBox="1"/>
           <p:nvPr/>
         </p:nvSpPr>
         <p:spPr>
           <a:xfrm>
-            <a:off x="8553136" y="3499485"/>
+            <a:off x="6978224" y="3293484"/>
             <a:ext cx="921895" cy="369332"/>
           </a:xfrm>
           <a:prstGeom prst="rect">
@@ -22462,229 +22232,7 @@
       </p:sp>
       <p:sp>
         <p:nvSpPr>
-          <p:cNvPr id="10" name="テキスト ボックス 9"/>
-          <p:cNvSpPr txBox="1"/>
-          <p:nvPr/>
-        </p:nvSpPr>
-        <p:spPr>
-          <a:xfrm>
-            <a:off x="2345960" y="3564900"/>
-            <a:ext cx="1361600" cy="646331"/>
-          </a:xfrm>
-          <a:prstGeom prst="rect">
-            <a:avLst/>
-          </a:prstGeom>
-          <a:noFill/>
-        </p:spPr>
-        <p:txBody>
-          <a:bodyPr wrap="square" rtlCol="0">
-            <a:spAutoFit/>
-          </a:bodyPr>
-          <a:lstStyle/>
-          <a:p>
-            <a:r>
-              <a:rPr kumimoji="1" lang="ja-JP" altLang="en-US" dirty="0" smtClean="0"/>
-              <a:t>予測</a:t>
-            </a:r>
-            <a:endParaRPr kumimoji="1" lang="en-US" altLang="ja-JP" dirty="0" smtClean="0"/>
-          </a:p>
-          <a:p>
-            <a:r>
-              <a:rPr kumimoji="1" lang="ja-JP" altLang="en-US" dirty="0" smtClean="0"/>
-              <a:t>リクエスト</a:t>
-            </a:r>
-            <a:endParaRPr kumimoji="1" lang="ja-JP" altLang="en-US" dirty="0"/>
-          </a:p>
-        </p:txBody>
-      </p:sp>
-      <p:sp>
-        <p:nvSpPr>
-          <p:cNvPr id="16" name="テキスト ボックス 15"/>
-          <p:cNvSpPr txBox="1"/>
-          <p:nvPr/>
-        </p:nvSpPr>
-        <p:spPr>
-          <a:xfrm>
-            <a:off x="4206721" y="4203738"/>
-            <a:ext cx="1821305" cy="646331"/>
-          </a:xfrm>
-          <a:prstGeom prst="rect">
-            <a:avLst/>
-          </a:prstGeom>
-          <a:noFill/>
-        </p:spPr>
-        <p:txBody>
-          <a:bodyPr wrap="square" rtlCol="0">
-            <a:spAutoFit/>
-          </a:bodyPr>
-          <a:lstStyle/>
-          <a:p>
-            <a:r>
-              <a:rPr kumimoji="1" lang="ja-JP" altLang="en-US" dirty="0" smtClean="0"/>
-              <a:t>ログ</a:t>
-            </a:r>
-            <a:endParaRPr kumimoji="1" lang="en-US" altLang="ja-JP" dirty="0" smtClean="0"/>
-          </a:p>
-          <a:p>
-            <a:r>
-              <a:rPr lang="ja-JP" altLang="en-US" dirty="0" smtClean="0"/>
-              <a:t>ユーザー</a:t>
-            </a:r>
-            <a:r>
-              <a:rPr lang="ja-JP" altLang="en-US" dirty="0"/>
-              <a:t>情報</a:t>
-            </a:r>
-            <a:endParaRPr kumimoji="1" lang="ja-JP" altLang="en-US" dirty="0"/>
-          </a:p>
-        </p:txBody>
-      </p:sp>
-      <p:sp>
-        <p:nvSpPr>
-          <p:cNvPr id="18" name="テキスト ボックス 17"/>
-          <p:cNvSpPr txBox="1"/>
-          <p:nvPr/>
-        </p:nvSpPr>
-        <p:spPr>
-          <a:xfrm>
-            <a:off x="6813030" y="2600791"/>
-            <a:ext cx="1209520" cy="369332"/>
-          </a:xfrm>
-          <a:prstGeom prst="rect">
-            <a:avLst/>
-          </a:prstGeom>
-          <a:noFill/>
-        </p:spPr>
-        <p:txBody>
-          <a:bodyPr wrap="square" rtlCol="0">
-            <a:spAutoFit/>
-          </a:bodyPr>
-          <a:lstStyle/>
-          <a:p>
-            <a:r>
-              <a:rPr kumimoji="1" lang="ja-JP" altLang="en-US" dirty="0" smtClean="0"/>
-              <a:t>学習結果</a:t>
-            </a:r>
-            <a:endParaRPr kumimoji="1" lang="ja-JP" altLang="en-US" dirty="0"/>
-          </a:p>
-        </p:txBody>
-      </p:sp>
-      <p:sp>
-        <p:nvSpPr>
-          <p:cNvPr id="19" name="テキスト ボックス 18"/>
-          <p:cNvSpPr txBox="1"/>
-          <p:nvPr/>
-        </p:nvSpPr>
-        <p:spPr>
-          <a:xfrm>
-            <a:off x="6683424" y="4343916"/>
-            <a:ext cx="2122983" cy="646331"/>
-          </a:xfrm>
-          <a:prstGeom prst="rect">
-            <a:avLst/>
-          </a:prstGeom>
-          <a:noFill/>
-        </p:spPr>
-        <p:txBody>
-          <a:bodyPr wrap="square" rtlCol="0">
-            <a:spAutoFit/>
-          </a:bodyPr>
-          <a:lstStyle/>
-          <a:p>
-            <a:r>
-              <a:rPr kumimoji="1" lang="ja-JP" altLang="en-US" dirty="0" smtClean="0"/>
-              <a:t>ログ</a:t>
-            </a:r>
-            <a:endParaRPr kumimoji="1" lang="en-US" altLang="ja-JP" dirty="0" smtClean="0"/>
-          </a:p>
-          <a:p>
-            <a:r>
-              <a:rPr lang="ja-JP" altLang="en-US" dirty="0" smtClean="0"/>
-              <a:t>ユーザー情報</a:t>
-            </a:r>
-            <a:endParaRPr kumimoji="1" lang="ja-JP" altLang="en-US" dirty="0"/>
-          </a:p>
-        </p:txBody>
-      </p:sp>
-      <p:cxnSp>
-        <p:nvCxnSpPr>
-          <p:cNvPr id="27" name="直線矢印コネクタ 26"/>
-          <p:cNvCxnSpPr/>
-          <p:nvPr/>
-        </p:nvCxnSpPr>
-        <p:spPr>
-          <a:xfrm>
-            <a:off x="6813030" y="4321363"/>
-            <a:ext cx="821958" cy="0"/>
-          </a:xfrm>
-          <a:prstGeom prst="straightConnector1">
-            <a:avLst/>
-          </a:prstGeom>
-          <a:ln>
-            <a:tailEnd type="triangle"/>
-          </a:ln>
-        </p:spPr>
-        <p:style>
-          <a:lnRef idx="1">
-            <a:schemeClr val="dk1"/>
-          </a:lnRef>
-          <a:fillRef idx="0">
-            <a:schemeClr val="dk1"/>
-          </a:fillRef>
-          <a:effectRef idx="0">
-            <a:schemeClr val="dk1"/>
-          </a:effectRef>
-          <a:fontRef idx="minor">
-            <a:schemeClr val="tx1"/>
-          </a:fontRef>
-        </p:style>
-      </p:cxnSp>
-      <p:sp>
-        <p:nvSpPr>
-          <p:cNvPr id="30" name="テキスト ボックス 29"/>
-          <p:cNvSpPr txBox="1"/>
-          <p:nvPr/>
-        </p:nvSpPr>
-        <p:spPr>
-          <a:xfrm>
-            <a:off x="6951998" y="1976269"/>
-            <a:ext cx="1843790" cy="369332"/>
-          </a:xfrm>
-          <a:prstGeom prst="rect">
-            <a:avLst/>
-          </a:prstGeom>
-        </p:spPr>
-        <p:style>
-          <a:lnRef idx="2">
-            <a:schemeClr val="dk1"/>
-          </a:lnRef>
-          <a:fillRef idx="1">
-            <a:schemeClr val="lt1"/>
-          </a:fillRef>
-          <a:effectRef idx="0">
-            <a:schemeClr val="dk1"/>
-          </a:effectRef>
-          <a:fontRef idx="minor">
-            <a:schemeClr val="dk1"/>
-          </a:fontRef>
-        </p:style>
-        <p:txBody>
-          <a:bodyPr wrap="square" rtlCol="0">
-            <a:spAutoFit/>
-          </a:bodyPr>
-          <a:lstStyle/>
-          <a:p>
-            <a:pPr algn="ctr"/>
-            <a:r>
-              <a:rPr kumimoji="1" lang="ja-JP" altLang="en-US" b="1" dirty="0" smtClean="0"/>
-              <a:t>バッチシステム</a:t>
-            </a:r>
-            <a:endParaRPr kumimoji="1" lang="ja-JP" altLang="en-US" b="1" dirty="0"/>
-          </a:p>
-        </p:txBody>
-      </p:sp>
-      <p:sp>
-        <p:nvSpPr>
-          <p:cNvPr id="36" name="スライド番号プレースホルダー 35"/>
+          <p:cNvPr id="8" name="スライド番号プレースホルダー 7"/>
           <p:cNvSpPr>
             <a:spLocks noGrp="1"/>
           </p:cNvSpPr>
@@ -22708,7 +22256,7 @@
     </p:spTree>
     <p:extLst>
       <p:ext uri="{BB962C8B-B14F-4D97-AF65-F5344CB8AC3E}">
-        <p14:creationId xmlns:p14="http://schemas.microsoft.com/office/powerpoint/2010/main" val="111327187"/>
+        <p14:creationId xmlns:p14="http://schemas.microsoft.com/office/powerpoint/2010/main" val="435574143"/>
       </p:ext>
     </p:extLst>
   </p:cSld>
@@ -22751,6 +22299,1039 @@
         </p:nvSpPr>
         <p:spPr>
           <a:xfrm>
+            <a:off x="2233534" y="1836295"/>
+            <a:ext cx="7300209" cy="3245371"/>
+          </a:xfrm>
+          <a:prstGeom prst="rect">
+            <a:avLst/>
+          </a:prstGeom>
+        </p:spPr>
+        <p:style>
+          <a:lnRef idx="2">
+            <a:schemeClr val="dk1"/>
+          </a:lnRef>
+          <a:fillRef idx="1">
+            <a:schemeClr val="lt1"/>
+          </a:fillRef>
+          <a:effectRef idx="0">
+            <a:schemeClr val="dk1"/>
+          </a:effectRef>
+          <a:fontRef idx="minor">
+            <a:schemeClr val="dk1"/>
+          </a:fontRef>
+        </p:style>
+        <p:txBody>
+          <a:bodyPr rtlCol="0" anchor="ctr"/>
+          <a:lstStyle/>
+          <a:p>
+            <a:pPr algn="ctr"/>
+            <a:endParaRPr kumimoji="1" lang="ja-JP" altLang="en-US"/>
+          </a:p>
+        </p:txBody>
+      </p:sp>
+      <p:sp>
+        <p:nvSpPr>
+          <p:cNvPr id="32" name="角丸四角形 31"/>
+          <p:cNvSpPr/>
+          <p:nvPr/>
+        </p:nvSpPr>
+        <p:spPr>
+          <a:xfrm>
+            <a:off x="6284618" y="2248523"/>
+            <a:ext cx="3099217" cy="2747637"/>
+          </a:xfrm>
+          <a:prstGeom prst="roundRect">
+            <a:avLst/>
+          </a:prstGeom>
+        </p:spPr>
+        <p:style>
+          <a:lnRef idx="2">
+            <a:schemeClr val="dk1"/>
+          </a:lnRef>
+          <a:fillRef idx="1">
+            <a:schemeClr val="lt1"/>
+          </a:fillRef>
+          <a:effectRef idx="0">
+            <a:schemeClr val="dk1"/>
+          </a:effectRef>
+          <a:fontRef idx="minor">
+            <a:schemeClr val="dk1"/>
+          </a:fontRef>
+        </p:style>
+        <p:txBody>
+          <a:bodyPr rtlCol="0" anchor="ctr"/>
+          <a:lstStyle/>
+          <a:p>
+            <a:pPr algn="ctr"/>
+            <a:endParaRPr kumimoji="1" lang="ja-JP" altLang="en-US"/>
+          </a:p>
+        </p:txBody>
+      </p:sp>
+      <p:sp>
+        <p:nvSpPr>
+          <p:cNvPr id="29" name="角丸四角形 28"/>
+          <p:cNvSpPr/>
+          <p:nvPr/>
+        </p:nvSpPr>
+        <p:spPr>
+          <a:xfrm>
+            <a:off x="2368446" y="2248523"/>
+            <a:ext cx="3585152" cy="2747636"/>
+          </a:xfrm>
+          <a:prstGeom prst="roundRect">
+            <a:avLst/>
+          </a:prstGeom>
+        </p:spPr>
+        <p:style>
+          <a:lnRef idx="2">
+            <a:schemeClr val="dk1"/>
+          </a:lnRef>
+          <a:fillRef idx="1">
+            <a:schemeClr val="lt1"/>
+          </a:fillRef>
+          <a:effectRef idx="0">
+            <a:schemeClr val="dk1"/>
+          </a:effectRef>
+          <a:fontRef idx="minor">
+            <a:schemeClr val="dk1"/>
+          </a:fontRef>
+        </p:style>
+        <p:txBody>
+          <a:bodyPr rtlCol="0" anchor="ctr"/>
+          <a:lstStyle/>
+          <a:p>
+            <a:pPr algn="ctr"/>
+            <a:endParaRPr kumimoji="1" lang="ja-JP" altLang="en-US"/>
+          </a:p>
+        </p:txBody>
+      </p:sp>
+      <p:sp>
+        <p:nvSpPr>
+          <p:cNvPr id="2" name="タイトル 1"/>
+          <p:cNvSpPr>
+            <a:spLocks noGrp="1"/>
+          </p:cNvSpPr>
+          <p:nvPr>
+            <p:ph type="title"/>
+          </p:nvPr>
+        </p:nvSpPr>
+        <p:spPr>
+          <a:xfrm>
+            <a:off x="494675" y="365125"/>
+            <a:ext cx="11270110" cy="1325563"/>
+          </a:xfrm>
+        </p:spPr>
+        <p:txBody>
+          <a:bodyPr>
+            <a:normAutofit/>
+          </a:bodyPr>
+          <a:lstStyle/>
+          <a:p>
+            <a:r>
+              <a:rPr lang="en-US" altLang="ja-JP" sz="3600" dirty="0" smtClean="0"/>
+              <a:t>4.2.2 </a:t>
+            </a:r>
+            <a:r>
+              <a:rPr lang="ja-JP" altLang="en-US" sz="3600" dirty="0" smtClean="0"/>
+              <a:t>バッチ</a:t>
+            </a:r>
+            <a:r>
+              <a:rPr lang="ja-JP" altLang="en-US" sz="3600" dirty="0"/>
+              <a:t>処理で学習＋予測結果を</a:t>
+            </a:r>
+            <a:r>
+              <a:rPr lang="en-US" altLang="ja-JP" sz="3600" dirty="0"/>
+              <a:t>Web</a:t>
+            </a:r>
+            <a:r>
+              <a:rPr lang="ja-JP" altLang="en-US" sz="3600" dirty="0"/>
+              <a:t>アプリケーションで直接算出する</a:t>
+            </a:r>
+            <a:r>
+              <a:rPr lang="en-US" altLang="ja-JP" sz="3600" dirty="0"/>
+              <a:t>(</a:t>
+            </a:r>
+            <a:r>
+              <a:rPr lang="ja-JP" altLang="en-US" sz="3600" dirty="0"/>
+              <a:t>リアルタイム処理で予測</a:t>
+            </a:r>
+            <a:r>
+              <a:rPr lang="en-US" altLang="ja-JP" sz="3600" dirty="0" smtClean="0"/>
+              <a:t>)</a:t>
+            </a:r>
+            <a:endParaRPr kumimoji="1" lang="ja-JP" altLang="en-US" sz="3600" dirty="0"/>
+          </a:p>
+        </p:txBody>
+      </p:sp>
+      <p:sp>
+        <p:nvSpPr>
+          <p:cNvPr id="6" name="テキスト ボックス 5"/>
+          <p:cNvSpPr txBox="1"/>
+          <p:nvPr/>
+        </p:nvSpPr>
+        <p:spPr>
+          <a:xfrm>
+            <a:off x="2820652" y="1987280"/>
+            <a:ext cx="2570813" cy="369332"/>
+          </a:xfrm>
+          <a:prstGeom prst="rect">
+            <a:avLst/>
+          </a:prstGeom>
+        </p:spPr>
+        <p:style>
+          <a:lnRef idx="2">
+            <a:schemeClr val="dk1"/>
+          </a:lnRef>
+          <a:fillRef idx="1">
+            <a:schemeClr val="lt1"/>
+          </a:fillRef>
+          <a:effectRef idx="0">
+            <a:schemeClr val="dk1"/>
+          </a:effectRef>
+          <a:fontRef idx="minor">
+            <a:schemeClr val="dk1"/>
+          </a:fontRef>
+        </p:style>
+        <p:txBody>
+          <a:bodyPr wrap="square" rtlCol="0">
+            <a:spAutoFit/>
+          </a:bodyPr>
+          <a:lstStyle/>
+          <a:p>
+            <a:r>
+              <a:rPr kumimoji="1" lang="en-US" altLang="ja-JP" b="1" dirty="0" smtClean="0"/>
+              <a:t>Web</a:t>
+            </a:r>
+            <a:r>
+              <a:rPr kumimoji="1" lang="ja-JP" altLang="en-US" b="1" dirty="0" smtClean="0"/>
+              <a:t>アプリケーション</a:t>
+            </a:r>
+            <a:endParaRPr kumimoji="1" lang="ja-JP" altLang="en-US" b="1" dirty="0"/>
+          </a:p>
+        </p:txBody>
+      </p:sp>
+      <p:sp>
+        <p:nvSpPr>
+          <p:cNvPr id="7" name="テキスト ボックス 6"/>
+          <p:cNvSpPr txBox="1"/>
+          <p:nvPr/>
+        </p:nvSpPr>
+        <p:spPr>
+          <a:xfrm>
+            <a:off x="3533930" y="3507831"/>
+            <a:ext cx="1517756" cy="400110"/>
+          </a:xfrm>
+          <a:prstGeom prst="rect">
+            <a:avLst/>
+          </a:prstGeom>
+        </p:spPr>
+        <p:style>
+          <a:lnRef idx="2">
+            <a:schemeClr val="dk1"/>
+          </a:lnRef>
+          <a:fillRef idx="1">
+            <a:schemeClr val="lt1"/>
+          </a:fillRef>
+          <a:effectRef idx="0">
+            <a:schemeClr val="dk1"/>
+          </a:effectRef>
+          <a:fontRef idx="minor">
+            <a:schemeClr val="dk1"/>
+          </a:fontRef>
+        </p:style>
+        <p:txBody>
+          <a:bodyPr wrap="square" rtlCol="0">
+            <a:spAutoFit/>
+          </a:bodyPr>
+          <a:lstStyle/>
+          <a:p>
+            <a:pPr algn="ctr"/>
+            <a:r>
+              <a:rPr kumimoji="1" lang="ja-JP" altLang="en-US" sz="2000" b="1" dirty="0" smtClean="0"/>
+              <a:t>特徴抽出器</a:t>
+            </a:r>
+            <a:endParaRPr kumimoji="1" lang="ja-JP" altLang="en-US" sz="2000" b="1" dirty="0"/>
+          </a:p>
+        </p:txBody>
+      </p:sp>
+      <p:cxnSp>
+        <p:nvCxnSpPr>
+          <p:cNvPr id="9" name="直線矢印コネクタ 8"/>
+          <p:cNvCxnSpPr/>
+          <p:nvPr/>
+        </p:nvCxnSpPr>
+        <p:spPr>
+          <a:xfrm>
+            <a:off x="3009275" y="3737333"/>
+            <a:ext cx="389742" cy="0"/>
+          </a:xfrm>
+          <a:prstGeom prst="straightConnector1">
+            <a:avLst/>
+          </a:prstGeom>
+          <a:ln>
+            <a:tailEnd type="triangle"/>
+          </a:ln>
+        </p:spPr>
+        <p:style>
+          <a:lnRef idx="1">
+            <a:schemeClr val="dk1"/>
+          </a:lnRef>
+          <a:fillRef idx="0">
+            <a:schemeClr val="dk1"/>
+          </a:fillRef>
+          <a:effectRef idx="0">
+            <a:schemeClr val="dk1"/>
+          </a:effectRef>
+          <a:fontRef idx="minor">
+            <a:schemeClr val="tx1"/>
+          </a:fontRef>
+        </p:style>
+      </p:cxnSp>
+      <p:sp>
+        <p:nvSpPr>
+          <p:cNvPr id="12" name="角丸四角形 11"/>
+          <p:cNvSpPr/>
+          <p:nvPr/>
+        </p:nvSpPr>
+        <p:spPr>
+          <a:xfrm>
+            <a:off x="5306516" y="2795664"/>
+            <a:ext cx="1506514" cy="359764"/>
+          </a:xfrm>
+          <a:prstGeom prst="roundRect">
+            <a:avLst/>
+          </a:prstGeom>
+        </p:spPr>
+        <p:style>
+          <a:lnRef idx="2">
+            <a:schemeClr val="dk1"/>
+          </a:lnRef>
+          <a:fillRef idx="1">
+            <a:schemeClr val="lt1"/>
+          </a:fillRef>
+          <a:effectRef idx="0">
+            <a:schemeClr val="dk1"/>
+          </a:effectRef>
+          <a:fontRef idx="minor">
+            <a:schemeClr val="dk1"/>
+          </a:fontRef>
+        </p:style>
+        <p:txBody>
+          <a:bodyPr rtlCol="0" anchor="ctr"/>
+          <a:lstStyle/>
+          <a:p>
+            <a:pPr algn="ctr"/>
+            <a:r>
+              <a:rPr kumimoji="1" lang="ja-JP" altLang="en-US" sz="2000" b="1" dirty="0" smtClean="0"/>
+              <a:t>予測モデル</a:t>
+            </a:r>
+            <a:endParaRPr kumimoji="1" lang="ja-JP" altLang="en-US" sz="2000" b="1" dirty="0"/>
+          </a:p>
+        </p:txBody>
+      </p:sp>
+      <p:sp>
+        <p:nvSpPr>
+          <p:cNvPr id="13" name="角丸四角形 12"/>
+          <p:cNvSpPr/>
+          <p:nvPr/>
+        </p:nvSpPr>
+        <p:spPr>
+          <a:xfrm>
+            <a:off x="5306516" y="4141481"/>
+            <a:ext cx="1431561" cy="359764"/>
+          </a:xfrm>
+          <a:prstGeom prst="roundRect">
+            <a:avLst/>
+          </a:prstGeom>
+        </p:spPr>
+        <p:style>
+          <a:lnRef idx="2">
+            <a:schemeClr val="dk1"/>
+          </a:lnRef>
+          <a:fillRef idx="1">
+            <a:schemeClr val="lt1"/>
+          </a:fillRef>
+          <a:effectRef idx="0">
+            <a:schemeClr val="dk1"/>
+          </a:effectRef>
+          <a:fontRef idx="minor">
+            <a:schemeClr val="dk1"/>
+          </a:fontRef>
+        </p:style>
+        <p:txBody>
+          <a:bodyPr rtlCol="0" anchor="ctr"/>
+          <a:lstStyle/>
+          <a:p>
+            <a:pPr algn="ctr"/>
+            <a:r>
+              <a:rPr lang="en-US" altLang="ja-JP" sz="2000" b="1" dirty="0" smtClean="0"/>
+              <a:t>D</a:t>
+            </a:r>
+            <a:r>
+              <a:rPr lang="en-US" altLang="ja-JP" sz="2000" b="1" dirty="0"/>
+              <a:t>B</a:t>
+            </a:r>
+            <a:endParaRPr kumimoji="1" lang="ja-JP" altLang="en-US" sz="2000" b="1" dirty="0"/>
+          </a:p>
+        </p:txBody>
+      </p:sp>
+      <p:cxnSp>
+        <p:nvCxnSpPr>
+          <p:cNvPr id="15" name="直線矢印コネクタ 14"/>
+          <p:cNvCxnSpPr/>
+          <p:nvPr/>
+        </p:nvCxnSpPr>
+        <p:spPr>
+          <a:xfrm flipV="1">
+            <a:off x="4726338" y="3049543"/>
+            <a:ext cx="524043" cy="414490"/>
+          </a:xfrm>
+          <a:prstGeom prst="straightConnector1">
+            <a:avLst/>
+          </a:prstGeom>
+          <a:ln>
+            <a:solidFill>
+              <a:schemeClr val="tx1"/>
+            </a:solidFill>
+            <a:tailEnd type="triangle"/>
+          </a:ln>
+        </p:spPr>
+        <p:style>
+          <a:lnRef idx="1">
+            <a:schemeClr val="accent1"/>
+          </a:lnRef>
+          <a:fillRef idx="0">
+            <a:schemeClr val="accent1"/>
+          </a:fillRef>
+          <a:effectRef idx="0">
+            <a:schemeClr val="accent1"/>
+          </a:effectRef>
+          <a:fontRef idx="minor">
+            <a:schemeClr val="tx1"/>
+          </a:fontRef>
+        </p:style>
+      </p:cxnSp>
+      <p:cxnSp>
+        <p:nvCxnSpPr>
+          <p:cNvPr id="20" name="直線矢印コネクタ 19"/>
+          <p:cNvCxnSpPr/>
+          <p:nvPr/>
+        </p:nvCxnSpPr>
+        <p:spPr>
+          <a:xfrm flipH="1" flipV="1">
+            <a:off x="4768120" y="3956188"/>
+            <a:ext cx="482261" cy="358496"/>
+          </a:xfrm>
+          <a:prstGeom prst="straightConnector1">
+            <a:avLst/>
+          </a:prstGeom>
+          <a:ln>
+            <a:solidFill>
+              <a:schemeClr val="tx1"/>
+            </a:solidFill>
+            <a:tailEnd type="triangle"/>
+          </a:ln>
+        </p:spPr>
+        <p:style>
+          <a:lnRef idx="1">
+            <a:schemeClr val="accent1"/>
+          </a:lnRef>
+          <a:fillRef idx="0">
+            <a:schemeClr val="accent1"/>
+          </a:fillRef>
+          <a:effectRef idx="0">
+            <a:schemeClr val="accent1"/>
+          </a:effectRef>
+          <a:fontRef idx="minor">
+            <a:schemeClr val="tx1"/>
+          </a:fontRef>
+        </p:style>
+      </p:cxnSp>
+      <p:sp>
+        <p:nvSpPr>
+          <p:cNvPr id="21" name="テキスト ボックス 20"/>
+          <p:cNvSpPr txBox="1"/>
+          <p:nvPr/>
+        </p:nvSpPr>
+        <p:spPr>
+          <a:xfrm>
+            <a:off x="4973445" y="3256788"/>
+            <a:ext cx="921895" cy="369332"/>
+          </a:xfrm>
+          <a:prstGeom prst="rect">
+            <a:avLst/>
+          </a:prstGeom>
+          <a:noFill/>
+          <a:ln>
+            <a:noFill/>
+          </a:ln>
+        </p:spPr>
+        <p:txBody>
+          <a:bodyPr wrap="square" rtlCol="0">
+            <a:spAutoFit/>
+          </a:bodyPr>
+          <a:lstStyle/>
+          <a:p>
+            <a:r>
+              <a:rPr kumimoji="1" lang="ja-JP" altLang="en-US" dirty="0" smtClean="0"/>
+              <a:t>特徴量</a:t>
+            </a:r>
+            <a:endParaRPr kumimoji="1" lang="ja-JP" altLang="en-US" dirty="0"/>
+          </a:p>
+        </p:txBody>
+      </p:sp>
+      <p:sp>
+        <p:nvSpPr>
+          <p:cNvPr id="22" name="テキスト ボックス 21"/>
+          <p:cNvSpPr txBox="1"/>
+          <p:nvPr/>
+        </p:nvSpPr>
+        <p:spPr>
+          <a:xfrm>
+            <a:off x="4248475" y="2573809"/>
+            <a:ext cx="1282906" cy="369332"/>
+          </a:xfrm>
+          <a:prstGeom prst="rect">
+            <a:avLst/>
+          </a:prstGeom>
+          <a:noFill/>
+        </p:spPr>
+        <p:txBody>
+          <a:bodyPr wrap="square" rtlCol="0">
+            <a:spAutoFit/>
+          </a:bodyPr>
+          <a:lstStyle/>
+          <a:p>
+            <a:r>
+              <a:rPr lang="ja-JP" altLang="en-US" dirty="0" smtClean="0"/>
+              <a:t>予測</a:t>
+            </a:r>
+            <a:r>
+              <a:rPr lang="ja-JP" altLang="en-US" dirty="0"/>
+              <a:t>結果</a:t>
+            </a:r>
+            <a:endParaRPr kumimoji="1" lang="ja-JP" altLang="en-US" dirty="0"/>
+          </a:p>
+        </p:txBody>
+      </p:sp>
+      <p:cxnSp>
+        <p:nvCxnSpPr>
+          <p:cNvPr id="24" name="直線矢印コネクタ 23"/>
+          <p:cNvCxnSpPr/>
+          <p:nvPr/>
+        </p:nvCxnSpPr>
+        <p:spPr>
+          <a:xfrm flipH="1">
+            <a:off x="4106058" y="2980330"/>
+            <a:ext cx="1144871" cy="0"/>
+          </a:xfrm>
+          <a:prstGeom prst="straightConnector1">
+            <a:avLst/>
+          </a:prstGeom>
+          <a:ln>
+            <a:solidFill>
+              <a:schemeClr val="tx1"/>
+            </a:solidFill>
+            <a:tailEnd type="triangle"/>
+          </a:ln>
+        </p:spPr>
+        <p:style>
+          <a:lnRef idx="1">
+            <a:schemeClr val="accent1"/>
+          </a:lnRef>
+          <a:fillRef idx="0">
+            <a:schemeClr val="accent1"/>
+          </a:fillRef>
+          <a:effectRef idx="0">
+            <a:schemeClr val="accent1"/>
+          </a:effectRef>
+          <a:fontRef idx="minor">
+            <a:schemeClr val="tx1"/>
+          </a:fontRef>
+        </p:style>
+      </p:cxnSp>
+      <p:sp>
+        <p:nvSpPr>
+          <p:cNvPr id="25" name="テキスト ボックス 24"/>
+          <p:cNvSpPr txBox="1"/>
+          <p:nvPr/>
+        </p:nvSpPr>
+        <p:spPr>
+          <a:xfrm>
+            <a:off x="8039722" y="2795664"/>
+            <a:ext cx="899410" cy="369332"/>
+          </a:xfrm>
+          <a:prstGeom prst="rect">
+            <a:avLst/>
+          </a:prstGeom>
+        </p:spPr>
+        <p:style>
+          <a:lnRef idx="2">
+            <a:schemeClr val="dk1"/>
+          </a:lnRef>
+          <a:fillRef idx="1">
+            <a:schemeClr val="lt1"/>
+          </a:fillRef>
+          <a:effectRef idx="0">
+            <a:schemeClr val="dk1"/>
+          </a:effectRef>
+          <a:fontRef idx="minor">
+            <a:schemeClr val="dk1"/>
+          </a:fontRef>
+        </p:style>
+        <p:txBody>
+          <a:bodyPr wrap="square" rtlCol="0">
+            <a:spAutoFit/>
+          </a:bodyPr>
+          <a:lstStyle/>
+          <a:p>
+            <a:pPr algn="ctr"/>
+            <a:r>
+              <a:rPr kumimoji="1" lang="ja-JP" altLang="en-US" b="1" dirty="0" smtClean="0"/>
+              <a:t>学習器</a:t>
+            </a:r>
+            <a:endParaRPr kumimoji="1" lang="ja-JP" altLang="en-US" b="1" dirty="0"/>
+          </a:p>
+        </p:txBody>
+      </p:sp>
+      <p:sp>
+        <p:nvSpPr>
+          <p:cNvPr id="26" name="テキスト ボックス 25"/>
+          <p:cNvSpPr txBox="1"/>
+          <p:nvPr/>
+        </p:nvSpPr>
+        <p:spPr>
+          <a:xfrm>
+            <a:off x="7744916" y="4141481"/>
+            <a:ext cx="1489022" cy="400110"/>
+          </a:xfrm>
+          <a:prstGeom prst="rect">
+            <a:avLst/>
+          </a:prstGeom>
+        </p:spPr>
+        <p:style>
+          <a:lnRef idx="2">
+            <a:schemeClr val="dk1"/>
+          </a:lnRef>
+          <a:fillRef idx="1">
+            <a:schemeClr val="lt1"/>
+          </a:fillRef>
+          <a:effectRef idx="0">
+            <a:schemeClr val="dk1"/>
+          </a:effectRef>
+          <a:fontRef idx="minor">
+            <a:schemeClr val="dk1"/>
+          </a:fontRef>
+        </p:style>
+        <p:txBody>
+          <a:bodyPr wrap="square" rtlCol="0">
+            <a:spAutoFit/>
+          </a:bodyPr>
+          <a:lstStyle/>
+          <a:p>
+            <a:pPr algn="ctr"/>
+            <a:r>
+              <a:rPr lang="ja-JP" altLang="en-US" sz="2000" b="1" dirty="0" smtClean="0"/>
+              <a:t>特徴抽出</a:t>
+            </a:r>
+            <a:r>
+              <a:rPr lang="ja-JP" altLang="en-US" sz="2000" b="1" dirty="0"/>
+              <a:t>器</a:t>
+            </a:r>
+            <a:endParaRPr kumimoji="1" lang="ja-JP" altLang="en-US" sz="2000" b="1" dirty="0"/>
+          </a:p>
+        </p:txBody>
+      </p:sp>
+      <p:cxnSp>
+        <p:nvCxnSpPr>
+          <p:cNvPr id="28" name="直線矢印コネクタ 27"/>
+          <p:cNvCxnSpPr/>
+          <p:nvPr/>
+        </p:nvCxnSpPr>
+        <p:spPr>
+          <a:xfrm flipH="1">
+            <a:off x="6865495" y="2975546"/>
+            <a:ext cx="1060863" cy="0"/>
+          </a:xfrm>
+          <a:prstGeom prst="straightConnector1">
+            <a:avLst/>
+          </a:prstGeom>
+          <a:ln>
+            <a:tailEnd type="triangle"/>
+          </a:ln>
+        </p:spPr>
+        <p:style>
+          <a:lnRef idx="1">
+            <a:schemeClr val="dk1"/>
+          </a:lnRef>
+          <a:fillRef idx="0">
+            <a:schemeClr val="dk1"/>
+          </a:fillRef>
+          <a:effectRef idx="0">
+            <a:schemeClr val="dk1"/>
+          </a:effectRef>
+          <a:fontRef idx="minor">
+            <a:schemeClr val="tx1"/>
+          </a:fontRef>
+        </p:style>
+      </p:cxnSp>
+      <p:cxnSp>
+        <p:nvCxnSpPr>
+          <p:cNvPr id="33" name="直線矢印コネクタ 32"/>
+          <p:cNvCxnSpPr/>
+          <p:nvPr/>
+        </p:nvCxnSpPr>
+        <p:spPr>
+          <a:xfrm flipV="1">
+            <a:off x="8489427" y="3264618"/>
+            <a:ext cx="0" cy="839066"/>
+          </a:xfrm>
+          <a:prstGeom prst="straightConnector1">
+            <a:avLst/>
+          </a:prstGeom>
+          <a:ln>
+            <a:tailEnd type="triangle"/>
+          </a:ln>
+        </p:spPr>
+        <p:style>
+          <a:lnRef idx="1">
+            <a:schemeClr val="dk1"/>
+          </a:lnRef>
+          <a:fillRef idx="0">
+            <a:schemeClr val="dk1"/>
+          </a:fillRef>
+          <a:effectRef idx="0">
+            <a:schemeClr val="dk1"/>
+          </a:effectRef>
+          <a:fontRef idx="minor">
+            <a:schemeClr val="tx1"/>
+          </a:fontRef>
+        </p:style>
+      </p:cxnSp>
+      <p:sp>
+        <p:nvSpPr>
+          <p:cNvPr id="34" name="テキスト ボックス 33"/>
+          <p:cNvSpPr txBox="1"/>
+          <p:nvPr/>
+        </p:nvSpPr>
+        <p:spPr>
+          <a:xfrm>
+            <a:off x="8553136" y="3499485"/>
+            <a:ext cx="921895" cy="369332"/>
+          </a:xfrm>
+          <a:prstGeom prst="rect">
+            <a:avLst/>
+          </a:prstGeom>
+          <a:noFill/>
+          <a:ln>
+            <a:noFill/>
+          </a:ln>
+        </p:spPr>
+        <p:txBody>
+          <a:bodyPr wrap="square" rtlCol="0">
+            <a:spAutoFit/>
+          </a:bodyPr>
+          <a:lstStyle/>
+          <a:p>
+            <a:r>
+              <a:rPr kumimoji="1" lang="ja-JP" altLang="en-US" dirty="0" smtClean="0"/>
+              <a:t>特徴量</a:t>
+            </a:r>
+            <a:endParaRPr kumimoji="1" lang="ja-JP" altLang="en-US" dirty="0"/>
+          </a:p>
+        </p:txBody>
+      </p:sp>
+      <p:sp>
+        <p:nvSpPr>
+          <p:cNvPr id="10" name="テキスト ボックス 9"/>
+          <p:cNvSpPr txBox="1"/>
+          <p:nvPr/>
+        </p:nvSpPr>
+        <p:spPr>
+          <a:xfrm>
+            <a:off x="2345960" y="3564900"/>
+            <a:ext cx="1361600" cy="646331"/>
+          </a:xfrm>
+          <a:prstGeom prst="rect">
+            <a:avLst/>
+          </a:prstGeom>
+          <a:noFill/>
+        </p:spPr>
+        <p:txBody>
+          <a:bodyPr wrap="square" rtlCol="0">
+            <a:spAutoFit/>
+          </a:bodyPr>
+          <a:lstStyle/>
+          <a:p>
+            <a:r>
+              <a:rPr kumimoji="1" lang="ja-JP" altLang="en-US" dirty="0" smtClean="0"/>
+              <a:t>予測</a:t>
+            </a:r>
+            <a:endParaRPr kumimoji="1" lang="en-US" altLang="ja-JP" dirty="0" smtClean="0"/>
+          </a:p>
+          <a:p>
+            <a:r>
+              <a:rPr kumimoji="1" lang="ja-JP" altLang="en-US" dirty="0" smtClean="0"/>
+              <a:t>リクエスト</a:t>
+            </a:r>
+            <a:endParaRPr kumimoji="1" lang="ja-JP" altLang="en-US" dirty="0"/>
+          </a:p>
+        </p:txBody>
+      </p:sp>
+      <p:sp>
+        <p:nvSpPr>
+          <p:cNvPr id="16" name="テキスト ボックス 15"/>
+          <p:cNvSpPr txBox="1"/>
+          <p:nvPr/>
+        </p:nvSpPr>
+        <p:spPr>
+          <a:xfrm>
+            <a:off x="4206721" y="4203738"/>
+            <a:ext cx="1821305" cy="646331"/>
+          </a:xfrm>
+          <a:prstGeom prst="rect">
+            <a:avLst/>
+          </a:prstGeom>
+          <a:noFill/>
+        </p:spPr>
+        <p:txBody>
+          <a:bodyPr wrap="square" rtlCol="0">
+            <a:spAutoFit/>
+          </a:bodyPr>
+          <a:lstStyle/>
+          <a:p>
+            <a:r>
+              <a:rPr kumimoji="1" lang="ja-JP" altLang="en-US" dirty="0" smtClean="0"/>
+              <a:t>ログ</a:t>
+            </a:r>
+            <a:endParaRPr kumimoji="1" lang="en-US" altLang="ja-JP" dirty="0" smtClean="0"/>
+          </a:p>
+          <a:p>
+            <a:r>
+              <a:rPr lang="ja-JP" altLang="en-US" dirty="0" smtClean="0"/>
+              <a:t>ユーザー</a:t>
+            </a:r>
+            <a:r>
+              <a:rPr lang="ja-JP" altLang="en-US" dirty="0"/>
+              <a:t>情報</a:t>
+            </a:r>
+            <a:endParaRPr kumimoji="1" lang="ja-JP" altLang="en-US" dirty="0"/>
+          </a:p>
+        </p:txBody>
+      </p:sp>
+      <p:sp>
+        <p:nvSpPr>
+          <p:cNvPr id="18" name="テキスト ボックス 17"/>
+          <p:cNvSpPr txBox="1"/>
+          <p:nvPr/>
+        </p:nvSpPr>
+        <p:spPr>
+          <a:xfrm>
+            <a:off x="6813030" y="2600791"/>
+            <a:ext cx="1209520" cy="369332"/>
+          </a:xfrm>
+          <a:prstGeom prst="rect">
+            <a:avLst/>
+          </a:prstGeom>
+          <a:noFill/>
+        </p:spPr>
+        <p:txBody>
+          <a:bodyPr wrap="square" rtlCol="0">
+            <a:spAutoFit/>
+          </a:bodyPr>
+          <a:lstStyle/>
+          <a:p>
+            <a:r>
+              <a:rPr kumimoji="1" lang="ja-JP" altLang="en-US" dirty="0" smtClean="0"/>
+              <a:t>学習結果</a:t>
+            </a:r>
+            <a:endParaRPr kumimoji="1" lang="ja-JP" altLang="en-US" dirty="0"/>
+          </a:p>
+        </p:txBody>
+      </p:sp>
+      <p:sp>
+        <p:nvSpPr>
+          <p:cNvPr id="19" name="テキスト ボックス 18"/>
+          <p:cNvSpPr txBox="1"/>
+          <p:nvPr/>
+        </p:nvSpPr>
+        <p:spPr>
+          <a:xfrm>
+            <a:off x="6683424" y="4343916"/>
+            <a:ext cx="2122983" cy="646331"/>
+          </a:xfrm>
+          <a:prstGeom prst="rect">
+            <a:avLst/>
+          </a:prstGeom>
+          <a:noFill/>
+        </p:spPr>
+        <p:txBody>
+          <a:bodyPr wrap="square" rtlCol="0">
+            <a:spAutoFit/>
+          </a:bodyPr>
+          <a:lstStyle/>
+          <a:p>
+            <a:r>
+              <a:rPr kumimoji="1" lang="ja-JP" altLang="en-US" dirty="0" smtClean="0"/>
+              <a:t>ログ</a:t>
+            </a:r>
+            <a:endParaRPr kumimoji="1" lang="en-US" altLang="ja-JP" dirty="0" smtClean="0"/>
+          </a:p>
+          <a:p>
+            <a:r>
+              <a:rPr lang="ja-JP" altLang="en-US" dirty="0" smtClean="0"/>
+              <a:t>ユーザー情報</a:t>
+            </a:r>
+            <a:endParaRPr kumimoji="1" lang="ja-JP" altLang="en-US" dirty="0"/>
+          </a:p>
+        </p:txBody>
+      </p:sp>
+      <p:cxnSp>
+        <p:nvCxnSpPr>
+          <p:cNvPr id="27" name="直線矢印コネクタ 26"/>
+          <p:cNvCxnSpPr/>
+          <p:nvPr/>
+        </p:nvCxnSpPr>
+        <p:spPr>
+          <a:xfrm>
+            <a:off x="6813030" y="4321363"/>
+            <a:ext cx="821958" cy="0"/>
+          </a:xfrm>
+          <a:prstGeom prst="straightConnector1">
+            <a:avLst/>
+          </a:prstGeom>
+          <a:ln>
+            <a:tailEnd type="triangle"/>
+          </a:ln>
+        </p:spPr>
+        <p:style>
+          <a:lnRef idx="1">
+            <a:schemeClr val="dk1"/>
+          </a:lnRef>
+          <a:fillRef idx="0">
+            <a:schemeClr val="dk1"/>
+          </a:fillRef>
+          <a:effectRef idx="0">
+            <a:schemeClr val="dk1"/>
+          </a:effectRef>
+          <a:fontRef idx="minor">
+            <a:schemeClr val="tx1"/>
+          </a:fontRef>
+        </p:style>
+      </p:cxnSp>
+      <p:sp>
+        <p:nvSpPr>
+          <p:cNvPr id="30" name="テキスト ボックス 29"/>
+          <p:cNvSpPr txBox="1"/>
+          <p:nvPr/>
+        </p:nvSpPr>
+        <p:spPr>
+          <a:xfrm>
+            <a:off x="6951998" y="1976269"/>
+            <a:ext cx="1843790" cy="369332"/>
+          </a:xfrm>
+          <a:prstGeom prst="rect">
+            <a:avLst/>
+          </a:prstGeom>
+        </p:spPr>
+        <p:style>
+          <a:lnRef idx="2">
+            <a:schemeClr val="dk1"/>
+          </a:lnRef>
+          <a:fillRef idx="1">
+            <a:schemeClr val="lt1"/>
+          </a:fillRef>
+          <a:effectRef idx="0">
+            <a:schemeClr val="dk1"/>
+          </a:effectRef>
+          <a:fontRef idx="minor">
+            <a:schemeClr val="dk1"/>
+          </a:fontRef>
+        </p:style>
+        <p:txBody>
+          <a:bodyPr wrap="square" rtlCol="0">
+            <a:spAutoFit/>
+          </a:bodyPr>
+          <a:lstStyle/>
+          <a:p>
+            <a:pPr algn="ctr"/>
+            <a:r>
+              <a:rPr kumimoji="1" lang="ja-JP" altLang="en-US" b="1" dirty="0" smtClean="0"/>
+              <a:t>バッチシステム</a:t>
+            </a:r>
+            <a:endParaRPr kumimoji="1" lang="ja-JP" altLang="en-US" b="1" dirty="0"/>
+          </a:p>
+        </p:txBody>
+      </p:sp>
+      <p:sp>
+        <p:nvSpPr>
+          <p:cNvPr id="36" name="スライド番号プレースホルダー 35"/>
+          <p:cNvSpPr>
+            <a:spLocks noGrp="1"/>
+          </p:cNvSpPr>
+          <p:nvPr>
+            <p:ph type="sldNum" sz="quarter" idx="12"/>
+          </p:nvPr>
+        </p:nvSpPr>
+        <p:spPr/>
+        <p:txBody>
+          <a:bodyPr/>
+          <a:lstStyle/>
+          <a:p>
+            <a:fld id="{4DC2A55A-9417-4532-9704-8CDE2F5A56C0}" type="slidenum">
+              <a:rPr kumimoji="1" lang="ja-JP" altLang="en-US" smtClean="0"/>
+              <a:t>32</a:t>
+            </a:fld>
+            <a:endParaRPr kumimoji="1" lang="ja-JP" altLang="en-US"/>
+          </a:p>
+        </p:txBody>
+      </p:sp>
+    </p:spTree>
+    <p:extLst>
+      <p:ext uri="{BB962C8B-B14F-4D97-AF65-F5344CB8AC3E}">
+        <p14:creationId xmlns:p14="http://schemas.microsoft.com/office/powerpoint/2010/main" val="111327187"/>
+      </p:ext>
+    </p:extLst>
+  </p:cSld>
+  <p:clrMapOvr>
+    <a:masterClrMapping/>
+  </p:clrMapOvr>
+  <mc:AlternateContent xmlns:mc="http://schemas.openxmlformats.org/markup-compatibility/2006">
+    <mc:Choice xmlns:p14="http://schemas.microsoft.com/office/powerpoint/2010/main" Requires="p14">
+      <p:transition spd="slow" p14:dur="2000"/>
+    </mc:Choice>
+    <mc:Fallback>
+      <p:transition spd="slow"/>
+    </mc:Fallback>
+  </mc:AlternateContent>
+</p:sld>
+</file>
+
+<file path=ppt/slides/slide33.xml><?xml version="1.0" encoding="utf-8"?>
+<p:sld xmlns:a="http://schemas.openxmlformats.org/drawingml/2006/main" xmlns:r="http://schemas.openxmlformats.org/officeDocument/2006/relationships" xmlns:p="http://schemas.openxmlformats.org/presentationml/2006/main" show="0">
+  <p:cSld>
+    <p:spTree>
+      <p:nvGrpSpPr>
+        <p:cNvPr id="1" name=""/>
+        <p:cNvGrpSpPr/>
+        <p:nvPr/>
+      </p:nvGrpSpPr>
+      <p:grpSpPr>
+        <a:xfrm>
+          <a:off x="0" y="0"/>
+          <a:ext cx="0" cy="0"/>
+          <a:chOff x="0" y="0"/>
+          <a:chExt cx="0" cy="0"/>
+        </a:xfrm>
+      </p:grpSpPr>
+      <p:sp>
+        <p:nvSpPr>
+          <p:cNvPr id="3" name="正方形/長方形 2"/>
+          <p:cNvSpPr/>
+          <p:nvPr/>
+        </p:nvSpPr>
+        <p:spPr>
+          <a:xfrm>
             <a:off x="1821305" y="1199213"/>
             <a:ext cx="8117174" cy="3575154"/>
           </a:xfrm>
@@ -23908,7 +24489,7 @@
           <a:p>
             <a:fld id="{4DC2A55A-9417-4532-9704-8CDE2F5A56C0}" type="slidenum">
               <a:rPr kumimoji="1" lang="ja-JP" altLang="en-US" smtClean="0"/>
-              <a:t>32</a:t>
+              <a:t>33</a:t>
             </a:fld>
             <a:endParaRPr kumimoji="1" lang="ja-JP" altLang="en-US"/>
           </a:p>

--- a/仕事ではじめる機械学習第4章.pptx
+++ b/仕事ではじめる機械学習第4章.pptx
@@ -4776,7 +4776,7 @@
             </a:endParaRPr>
           </a:p>
           <a:p>
-            <a:endParaRPr kumimoji="1" lang="en-US" altLang="ja-JP" sz="1200" b="0" i="0" kern="1200" smtClean="0">
+            <a:endParaRPr kumimoji="1" lang="en-US" altLang="ja-JP" sz="1200" b="0" i="0" kern="1200" dirty="0" smtClean="0">
               <a:solidFill>
                 <a:schemeClr val="tx1"/>
               </a:solidFill>

--- a/仕事ではじめる機械学習第4章.pptx
+++ b/仕事ではじめる機械学習第4章.pptx
@@ -2165,6 +2165,54 @@
               <a:tabLst/>
               <a:defRPr/>
             </a:pPr>
+            <a:r>
+              <a:rPr lang="ja-JP" altLang="en-US" dirty="0" smtClean="0"/>
+              <a:t>これは</a:t>
+            </a:r>
+            <a:r>
+              <a:rPr lang="en-US" altLang="ja-JP" dirty="0" err="1" smtClean="0"/>
+              <a:t>javascrpt</a:t>
+            </a:r>
+            <a:r>
+              <a:rPr lang="ja-JP" altLang="en-US" dirty="0" smtClean="0"/>
+              <a:t>の</a:t>
+            </a:r>
+            <a:r>
+              <a:rPr lang="en-US" altLang="ja-JP" dirty="0" smtClean="0"/>
+              <a:t>ajax</a:t>
+            </a:r>
+            <a:r>
+              <a:rPr lang="ja-JP" altLang="en-US" dirty="0" smtClean="0"/>
+              <a:t>で</a:t>
+            </a:r>
+            <a:r>
+              <a:rPr lang="en-US" altLang="ja-JP" dirty="0" smtClean="0"/>
+              <a:t>HTTP</a:t>
+            </a:r>
+            <a:r>
+              <a:rPr lang="ja-JP" altLang="en-US" dirty="0" smtClean="0"/>
+              <a:t>メソッドを非同期でやるというかんじですかね　</a:t>
+            </a:r>
+            <a:endParaRPr lang="en-US" altLang="ja-JP" dirty="0" smtClean="0"/>
+          </a:p>
+          <a:p>
+            <a:pPr marL="0" marR="0" lvl="1" indent="0" algn="l" defTabSz="914400" rtl="0" eaLnBrk="1" fontAlgn="auto" latinLnBrk="0" hangingPunct="1">
+              <a:lnSpc>
+                <a:spcPct val="100000"/>
+              </a:lnSpc>
+              <a:spcBef>
+                <a:spcPts val="0"/>
+              </a:spcBef>
+              <a:spcAft>
+                <a:spcPts val="0"/>
+              </a:spcAft>
+              <a:buClrTx/>
+              <a:buSzTx/>
+              <a:buFontTx/>
+              <a:buNone/>
+              <a:tabLst/>
+              <a:defRPr/>
+            </a:pPr>
             <a:endParaRPr lang="en-US" altLang="ja-JP" dirty="0" smtClean="0"/>
           </a:p>
           <a:p>
@@ -2416,11 +2464,21 @@
             </a:r>
             <a:r>
               <a:rPr kumimoji="1" lang="ja-JP" altLang="en-US" dirty="0" smtClean="0"/>
-              <a:t>つ目は～～ということです、</a:t>
+              <a:t>つ目は～～ということです、つまり、リアルタイム処理をする必要ながないものに使えるということです</a:t>
+            </a:r>
+            <a:endParaRPr kumimoji="1" lang="en-US" altLang="ja-JP" dirty="0" smtClean="0"/>
+          </a:p>
+          <a:p>
+            <a:endParaRPr kumimoji="1" lang="en-US" altLang="ja-JP" b="1" smtClean="0"/>
+          </a:p>
+          <a:p>
+            <a:r>
+              <a:rPr kumimoji="1" lang="ja-JP" altLang="en-US" b="1" smtClean="0"/>
+              <a:t>即時</a:t>
             </a:r>
             <a:r>
               <a:rPr kumimoji="1" lang="ja-JP" altLang="en-US" b="1" dirty="0" smtClean="0"/>
-              <a:t>即時に予測結果を提供したい場合は、前の２つのパターンでやってるようにリアルタイム処理で予測をする必要があります</a:t>
+              <a:t>に予測結果を提供したい場合は、前の２つのパターンでやってるようにリアルタイム処理で予測をする必要があります</a:t>
             </a:r>
             <a:endParaRPr kumimoji="1" lang="ja-JP" altLang="en-US" b="1" dirty="0"/>
           </a:p>
@@ -25270,11 +25328,31 @@
             <a:pPr lvl="1"/>
             <a:r>
               <a:rPr kumimoji="1" lang="ja-JP" altLang="en-US" dirty="0" smtClean="0"/>
-              <a:t>バッチ処理でまとまったデータを一括処理</a:t>
+              <a:t>バッチ処理でまとまったデータを</a:t>
+            </a:r>
+            <a:r>
+              <a:rPr kumimoji="1" lang="ja-JP" altLang="en-US" dirty="0" smtClean="0">
+                <a:solidFill>
+                  <a:srgbClr val="FF0000"/>
+                </a:solidFill>
+              </a:rPr>
+              <a:t>一括処理</a:t>
             </a:r>
             <a:r>
               <a:rPr lang="ja-JP" altLang="en-US" dirty="0" smtClean="0"/>
-              <a:t>をするけれど，最適化方針は逐次学習するということはありえる</a:t>
+              <a:t>をするけれど，最適化方針は</a:t>
+            </a:r>
+            <a:r>
+              <a:rPr lang="ja-JP" altLang="en-US" dirty="0" smtClean="0">
+                <a:solidFill>
+                  <a:srgbClr val="FF0000"/>
+                </a:solidFill>
+              </a:rPr>
+              <a:t>逐次学習</a:t>
+            </a:r>
+            <a:r>
+              <a:rPr lang="ja-JP" altLang="en-US" dirty="0" smtClean="0"/>
+              <a:t>するということはありえる</a:t>
             </a:r>
             <a:endParaRPr kumimoji="1" lang="en-US" altLang="ja-JP" dirty="0" smtClean="0"/>
           </a:p>

--- a/仕事ではじめる機械学習第4章.pptx
+++ b/仕事ではじめる機械学習第4章.pptx
@@ -2469,16 +2469,12 @@
             <a:endParaRPr kumimoji="1" lang="en-US" altLang="ja-JP" dirty="0" smtClean="0"/>
           </a:p>
           <a:p>
-            <a:endParaRPr kumimoji="1" lang="en-US" altLang="ja-JP" b="1" smtClean="0"/>
-          </a:p>
-          <a:p>
-            <a:r>
-              <a:rPr kumimoji="1" lang="ja-JP" altLang="en-US" b="1" smtClean="0"/>
-              <a:t>即時</a:t>
-            </a:r>
+            <a:endParaRPr kumimoji="1" lang="en-US" altLang="ja-JP" b="1" dirty="0" smtClean="0"/>
+          </a:p>
+          <a:p>
             <a:r>
               <a:rPr kumimoji="1" lang="ja-JP" altLang="en-US" b="1" dirty="0" smtClean="0"/>
-              <a:t>に予測結果を提供したい場合は、前の２つのパターンでやってるようにリアルタイム処理で予測をする必要があります</a:t>
+              <a:t>即時に予測結果を提供したい場合は、前の２つのパターンでやってるようにリアルタイム処理で予測をする必要があります</a:t>
             </a:r>
             <a:endParaRPr kumimoji="1" lang="ja-JP" altLang="en-US" b="1" dirty="0"/>
           </a:p>
@@ -2580,7 +2576,7 @@
           <a:p>
             <a:r>
               <a:rPr kumimoji="1" lang="ja-JP" altLang="en-US" dirty="0" smtClean="0"/>
-              <a:t>前のスライドの特徴で予測結果をリアルタイムに返す必要にないといったように、予測の頻度が頻繁でない対象や結果に向いているパターンになります。</a:t>
+              <a:t>前のスライドの特徴でも言ったように、予測の頻度が頻繁でない対象や結果に向いているパターンになります。</a:t>
             </a:r>
             <a:endParaRPr kumimoji="1" lang="en-US" altLang="ja-JP" dirty="0" smtClean="0"/>
           </a:p>
@@ -2590,7 +2586,7 @@
           <a:p>
             <a:r>
               <a:rPr kumimoji="1" lang="ja-JP" altLang="en-US" dirty="0" smtClean="0"/>
-              <a:t>具体的には、予測の頻度がおよそ一日一回以上、短くても数時間に一回程度で問題のない対象や結果に向いています。</a:t>
+              <a:t>具体的には、予測の頻度がおよそ一日一回以上、短くても数時間に一回程度で問題のない対象や結果に向いているらしいです。</a:t>
             </a:r>
             <a:endParaRPr kumimoji="1" lang="en-US" altLang="ja-JP" dirty="0" smtClean="0"/>
           </a:p>
@@ -2600,11 +2596,8 @@
           <a:p>
             <a:r>
               <a:rPr kumimoji="1" lang="ja-JP" altLang="en-US" dirty="0" smtClean="0"/>
-              <a:t>例としては、～～</a:t>
-            </a:r>
-            <a:endParaRPr kumimoji="1" lang="en-US" altLang="ja-JP" dirty="0" smtClean="0"/>
-          </a:p>
-          <a:p>
+              <a:t>例としては、～～することなどがあります</a:t>
+            </a:r>
             <a:endParaRPr kumimoji="1" lang="en-US" altLang="ja-JP" dirty="0" smtClean="0"/>
           </a:p>
           <a:p>
@@ -2835,7 +2828,7 @@
             </a:pPr>
             <a:r>
               <a:rPr kumimoji="1" lang="ja-JP" altLang="en-US" dirty="0" smtClean="0"/>
-              <a:t>学習フェーズでは、</a:t>
+              <a:t>学習フェーズでは、既に</a:t>
             </a:r>
             <a:r>
               <a:rPr kumimoji="1" lang="en-US" altLang="ja-JP" dirty="0" smtClean="0"/>
@@ -3113,6 +3106,14 @@
             </a:r>
             <a:r>
               <a:rPr kumimoji="1" lang="en-US" altLang="ja-JP" dirty="0" smtClean="0"/>
+              <a:t>Apache</a:t>
+            </a:r>
+            <a:r>
+              <a:rPr kumimoji="1" lang="ja-JP" altLang="en-US" dirty="0" smtClean="0"/>
+              <a:t> </a:t>
+            </a:r>
+            <a:r>
+              <a:rPr kumimoji="1" lang="en-US" altLang="ja-JP" dirty="0" smtClean="0"/>
               <a:t>Spark</a:t>
             </a:r>
             <a:r>
@@ -3222,6 +3223,31 @@
             <a:endParaRPr kumimoji="1" lang="en-US" altLang="ja-JP" dirty="0" smtClean="0"/>
           </a:p>
           <a:p>
+            <a:endParaRPr kumimoji="1" lang="en-US" altLang="ja-JP" dirty="0" smtClean="0"/>
+          </a:p>
+          <a:p>
+            <a:r>
+              <a:rPr kumimoji="1" lang="ja-JP" altLang="en-US" dirty="0" smtClean="0"/>
+              <a:t>リアルタイム処理で予測する場合のパターンは、予測結果を渡すまでの時間とデータ一件あたりにかけられる時間が短くて、バッチ処理で予測するパターンは長くなるということでした。</a:t>
+            </a:r>
+            <a:endParaRPr kumimoji="1" lang="en-US" altLang="ja-JP" dirty="0" smtClean="0"/>
+          </a:p>
+          <a:p>
+            <a:endParaRPr kumimoji="1" lang="en-US" altLang="ja-JP" dirty="0" smtClean="0"/>
+          </a:p>
+          <a:p>
+            <a:r>
+              <a:rPr kumimoji="1" lang="ja-JP" altLang="en-US" dirty="0" smtClean="0"/>
+              <a:t>まぁ、あと</a:t>
+            </a:r>
+            <a:r>
+              <a:rPr kumimoji="1" lang="en-US" altLang="ja-JP" dirty="0" smtClean="0"/>
+              <a:t>Web</a:t>
+            </a:r>
+            <a:r>
+              <a:rPr kumimoji="1" lang="ja-JP" altLang="en-US" dirty="0" smtClean="0"/>
+              <a:t>アプリケーションと機械学習の処理部分が独立してるかどうかで、同一言語で書かないといけないのか、それぞれ別の言語でいいのかが分かれるということです。</a:t>
+            </a:r>
             <a:endParaRPr kumimoji="1" lang="ja-JP" altLang="en-US" dirty="0"/>
           </a:p>
         </p:txBody>
@@ -3459,7 +3485,15 @@
             </a:r>
             <a:r>
               <a:rPr kumimoji="1" lang="ja-JP" altLang="en-US" dirty="0" smtClean="0"/>
-              <a:t>。</a:t>
+              <a:t>。　スキーマというのは何らかの構造のことで、ログは</a:t>
+            </a:r>
+            <a:r>
+              <a:rPr kumimoji="1" lang="en-US" altLang="ja-JP" dirty="0" smtClean="0"/>
+              <a:t>DB</a:t>
+            </a:r>
+            <a:r>
+              <a:rPr kumimoji="1" lang="ja-JP" altLang="en-US" dirty="0" smtClean="0"/>
+              <a:t>でよくある階層構造とかはないってことです。</a:t>
             </a:r>
             <a:endParaRPr kumimoji="1" lang="en-US" altLang="ja-JP" dirty="0" smtClean="0"/>
           </a:p>
@@ -4799,7 +4833,7 @@
                 <a:ea typeface="+mn-ea"/>
                 <a:cs typeface="+mn-cs"/>
               </a:rPr>
-              <a:t>と同じ分散処理基盤のことで抽出するデータの細かな加工を行う必要がある場合</a:t>
+              <a:t>と同じ分散処理基盤のことなんですが、データの細かな加工を行うことも行えることができるらしいです。</a:t>
             </a:r>
             <a:endParaRPr kumimoji="1" lang="en-US" altLang="ja-JP" sz="1200" b="0" i="0" kern="1200" dirty="0" smtClean="0">
               <a:solidFill>
@@ -5639,6 +5673,177 @@
           <a:lstStyle/>
           <a:p>
             <a:r>
+              <a:rPr kumimoji="1" lang="ja-JP" altLang="en-US" sz="1200" b="1" i="0" kern="1200" dirty="0" smtClean="0">
+                <a:solidFill>
+                  <a:schemeClr val="tx1"/>
+                </a:solidFill>
+                <a:effectLst/>
+                <a:latin typeface="+mn-lt"/>
+                <a:ea typeface="+mn-ea"/>
+                <a:cs typeface="+mn-cs"/>
+              </a:rPr>
+              <a:t>過去データを整理して保管しておく「倉庫」的な役割を果たすデータベースのこと</a:t>
+            </a:r>
+            <a:endParaRPr kumimoji="1" lang="en-US" altLang="ja-JP" sz="1200" b="1" i="0" kern="1200" dirty="0" smtClean="0">
+              <a:solidFill>
+                <a:schemeClr val="tx1"/>
+              </a:solidFill>
+              <a:effectLst/>
+              <a:latin typeface="+mn-lt"/>
+              <a:ea typeface="+mn-ea"/>
+              <a:cs typeface="+mn-cs"/>
+            </a:endParaRPr>
+          </a:p>
+          <a:p>
+            <a:endParaRPr kumimoji="1" lang="en-US" altLang="ja-JP" sz="1200" b="1" i="0" kern="1200" dirty="0" smtClean="0">
+              <a:solidFill>
+                <a:schemeClr val="tx1"/>
+              </a:solidFill>
+              <a:effectLst/>
+              <a:latin typeface="+mn-lt"/>
+              <a:ea typeface="+mn-ea"/>
+              <a:cs typeface="+mn-cs"/>
+            </a:endParaRPr>
+          </a:p>
+          <a:p>
+            <a:r>
+              <a:rPr kumimoji="1" lang="ja-JP" altLang="en-US" sz="1200" b="1" i="0" kern="1200" dirty="0" smtClean="0">
+                <a:solidFill>
+                  <a:schemeClr val="tx1"/>
+                </a:solidFill>
+                <a:effectLst/>
+                <a:latin typeface="+mn-lt"/>
+                <a:ea typeface="+mn-ea"/>
+                <a:cs typeface="+mn-cs"/>
+              </a:rPr>
+              <a:t>日次や月次の過去データを整理・分類して保管しておいて、何かを分析したりするときに使うデータベース</a:t>
+            </a:r>
+            <a:endParaRPr kumimoji="1" lang="en-US" altLang="ja-JP" sz="1200" b="1" i="0" kern="1200" dirty="0" smtClean="0">
+              <a:solidFill>
+                <a:schemeClr val="tx1"/>
+              </a:solidFill>
+              <a:effectLst/>
+              <a:latin typeface="+mn-lt"/>
+              <a:ea typeface="+mn-ea"/>
+              <a:cs typeface="+mn-cs"/>
+            </a:endParaRPr>
+          </a:p>
+          <a:p>
+            <a:endParaRPr kumimoji="1" lang="en-US" altLang="ja-JP" sz="1200" b="1" i="0" kern="1200" dirty="0" smtClean="0">
+              <a:solidFill>
+                <a:schemeClr val="tx1"/>
+              </a:solidFill>
+              <a:effectLst/>
+              <a:latin typeface="+mn-lt"/>
+              <a:ea typeface="+mn-ea"/>
+              <a:cs typeface="+mn-cs"/>
+            </a:endParaRPr>
+          </a:p>
+          <a:p>
+            <a:r>
+              <a:rPr kumimoji="1" lang="ja-JP" altLang="en-US" sz="1200" b="1" i="0" kern="1200" dirty="0" smtClean="0">
+                <a:solidFill>
+                  <a:schemeClr val="tx1"/>
+                </a:solidFill>
+                <a:effectLst/>
+                <a:latin typeface="+mn-lt"/>
+                <a:ea typeface="+mn-ea"/>
+                <a:cs typeface="+mn-cs"/>
+              </a:rPr>
+              <a:t>整理して保管された履歴データを使って、あれやこれやの分析をするシステム</a:t>
+            </a:r>
+            <a:r>
+              <a:rPr lang="ja-JP" altLang="en-US" dirty="0" smtClean="0"/>
+              <a:t/>
+            </a:r>
+            <a:br>
+              <a:rPr lang="ja-JP" altLang="en-US" dirty="0" smtClean="0"/>
+            </a:br>
+            <a:endParaRPr kumimoji="1" lang="ja-JP" altLang="en-US" dirty="0"/>
+          </a:p>
+        </p:txBody>
+      </p:sp>
+      <p:sp>
+        <p:nvSpPr>
+          <p:cNvPr id="4" name="スライド番号プレースホルダー 3"/>
+          <p:cNvSpPr>
+            <a:spLocks noGrp="1"/>
+          </p:cNvSpPr>
+          <p:nvPr>
+            <p:ph type="sldNum" sz="quarter" idx="10"/>
+          </p:nvPr>
+        </p:nvSpPr>
+        <p:spPr/>
+        <p:txBody>
+          <a:bodyPr/>
+          <a:lstStyle/>
+          <a:p>
+            <a:fld id="{7D904524-672D-4E66-A637-CA0A2B28D555}" type="slidenum">
+              <a:rPr kumimoji="1" lang="ja-JP" altLang="en-US" smtClean="0"/>
+              <a:t>25</a:t>
+            </a:fld>
+            <a:endParaRPr kumimoji="1" lang="ja-JP" altLang="en-US"/>
+          </a:p>
+        </p:txBody>
+      </p:sp>
+    </p:spTree>
+    <p:extLst>
+      <p:ext uri="{BB962C8B-B14F-4D97-AF65-F5344CB8AC3E}">
+        <p14:creationId xmlns:p14="http://schemas.microsoft.com/office/powerpoint/2010/main" val="417900458"/>
+      </p:ext>
+    </p:extLst>
+  </p:cSld>
+  <p:clrMapOvr>
+    <a:masterClrMapping/>
+  </p:clrMapOvr>
+</p:notes>
+</file>
+
+<file path=ppt/notesSlides/notesSlide25.xml><?xml version="1.0" encoding="utf-8"?>
+<p:notes xmlns:a="http://schemas.openxmlformats.org/drawingml/2006/main" xmlns:r="http://schemas.openxmlformats.org/officeDocument/2006/relationships" xmlns:p="http://schemas.openxmlformats.org/presentationml/2006/main">
+  <p:cSld>
+    <p:spTree>
+      <p:nvGrpSpPr>
+        <p:cNvPr id="1" name=""/>
+        <p:cNvGrpSpPr/>
+        <p:nvPr/>
+      </p:nvGrpSpPr>
+      <p:grpSpPr>
+        <a:xfrm>
+          <a:off x="0" y="0"/>
+          <a:ext cx="0" cy="0"/>
+          <a:chOff x="0" y="0"/>
+          <a:chExt cx="0" cy="0"/>
+        </a:xfrm>
+      </p:grpSpPr>
+      <p:sp>
+        <p:nvSpPr>
+          <p:cNvPr id="2" name="スライド イメージ プレースホルダー 1"/>
+          <p:cNvSpPr>
+            <a:spLocks noGrp="1" noRot="1" noChangeAspect="1"/>
+          </p:cNvSpPr>
+          <p:nvPr>
+            <p:ph type="sldImg"/>
+          </p:nvPr>
+        </p:nvSpPr>
+        <p:spPr/>
+      </p:sp>
+      <p:sp>
+        <p:nvSpPr>
+          <p:cNvPr id="3" name="ノート プレースホルダー 2"/>
+          <p:cNvSpPr>
+            <a:spLocks noGrp="1"/>
+          </p:cNvSpPr>
+          <p:nvPr>
+            <p:ph type="body" idx="1"/>
+          </p:nvPr>
+        </p:nvSpPr>
+        <p:spPr/>
+        <p:txBody>
+          <a:bodyPr/>
+          <a:lstStyle/>
+          <a:p>
+            <a:r>
               <a:rPr kumimoji="1" lang="ja-JP" altLang="en-US" dirty="0" smtClean="0"/>
               <a:t>このパターンは他のパターンと比べ、予測にかけられる時間に余裕があるのが特徴ですが、予測対象となるコンテンツが増えていくと</a:t>
             </a:r>
@@ -5682,7 +5887,7 @@
 </p:notes>
 </file>
 
-<file path=ppt/notesSlides/notesSlide25.xml><?xml version="1.0" encoding="utf-8"?>
+<file path=ppt/notesSlides/notesSlide26.xml><?xml version="1.0" encoding="utf-8"?>
 <p:notes xmlns:a="http://schemas.openxmlformats.org/drawingml/2006/main" xmlns:r="http://schemas.openxmlformats.org/officeDocument/2006/relationships" xmlns:p="http://schemas.openxmlformats.org/presentationml/2006/main">
   <p:cSld>
     <p:spTree>
@@ -17918,7 +18123,7 @@
           </p:nvPr>
         </p:nvPicPr>
         <p:blipFill rotWithShape="1">
-          <a:blip r:embed="rId2"/>
+          <a:blip r:embed="rId3"/>
           <a:srcRect l="7660" t="17744" r="44481" b="59093"/>
           <a:stretch/>
         </p:blipFill>

--- a/仕事ではじめる機械学習第4章.pptx
+++ b/仕事ではじめる機械学習第4章.pptx
@@ -591,11 +591,15 @@
             </a:r>
             <a:r>
               <a:rPr kumimoji="1" lang="ja-JP" altLang="en-US" baseline="0" dirty="0" smtClean="0"/>
-              <a:t> </a:t>
+              <a:t> システムに機械学習を組み込</a:t>
+            </a:r>
+            <a:r>
+              <a:rPr kumimoji="1" lang="ja-JP" altLang="en-US" baseline="0" dirty="0" err="1" smtClean="0"/>
+              <a:t>むを</a:t>
             </a:r>
             <a:r>
               <a:rPr kumimoji="1" lang="ja-JP" altLang="en-US" baseline="0" dirty="0" smtClean="0"/>
-              <a:t>機械学習プロジェクトの始め方をやっていきたいと思います。</a:t>
+              <a:t>やっていきたいと思います。</a:t>
             </a:r>
             <a:endParaRPr kumimoji="1" lang="ja-JP" altLang="en-US" dirty="0"/>
           </a:p>
@@ -1421,7 +1425,7 @@
           <a:p>
             <a:r>
               <a:rPr kumimoji="1" lang="ja-JP" altLang="en-US" dirty="0" smtClean="0"/>
-              <a:t>で、次に学習フェーズ完成させておいた～～</a:t>
+              <a:t>で、次に学習フェーズ完成させておいたモデルを読み込んで、</a:t>
             </a:r>
             <a:endParaRPr kumimoji="1" lang="en-US" altLang="ja-JP" dirty="0" smtClean="0"/>
           </a:p>
@@ -1664,7 +1668,7 @@
             </a:r>
             <a:r>
               <a:rPr kumimoji="1" lang="ja-JP" altLang="en-US" dirty="0" smtClean="0"/>
-              <a:t>あり一つは、～～ということです、これは実装する際に非常にメリットがあります</a:t>
+              <a:t>あり一つは、～～ということです、これは開発者が実装しやすくなるというメリットがあります</a:t>
             </a:r>
             <a:endParaRPr kumimoji="1" lang="en-US" altLang="ja-JP" dirty="0" smtClean="0"/>
           </a:p>
@@ -2167,7 +2171,7 @@
             </a:pPr>
             <a:r>
               <a:rPr lang="ja-JP" altLang="en-US" dirty="0" smtClean="0"/>
-              <a:t>これは</a:t>
+              <a:t>これは自分がクラウドスパイラルをやっていた時</a:t>
             </a:r>
             <a:r>
               <a:rPr lang="en-US" altLang="ja-JP" dirty="0" err="1" smtClean="0"/>
@@ -2191,7 +2195,7 @@
             </a:r>
             <a:r>
               <a:rPr lang="ja-JP" altLang="en-US" dirty="0" smtClean="0"/>
-              <a:t>メソッドを非同期でやるというかんじですかね　</a:t>
+              <a:t>メソッドを非同期通信してました。　</a:t>
             </a:r>
             <a:endParaRPr lang="en-US" altLang="ja-JP" dirty="0" smtClean="0"/>
           </a:p>
@@ -3066,15 +3070,7 @@
           <a:p>
             <a:r>
               <a:rPr kumimoji="1" lang="ja-JP" altLang="en-US" dirty="0" smtClean="0"/>
-              <a:t>この</a:t>
-            </a:r>
-            <a:r>
-              <a:rPr kumimoji="1" lang="ja-JP" altLang="en-US" dirty="0" smtClean="0"/>
-              <a:t>パターンは他のパターンと比べ</a:t>
-            </a:r>
-            <a:r>
-              <a:rPr kumimoji="1" lang="ja-JP" altLang="en-US" dirty="0" smtClean="0"/>
-              <a:t>、予測にかけられる時間に余裕があるのが特徴ですが、～～</a:t>
+              <a:t>このパターンはデメリットのところで言ったのですが～～</a:t>
             </a:r>
             <a:endParaRPr kumimoji="1" lang="en-US" altLang="ja-JP" dirty="0" smtClean="0"/>
           </a:p>
@@ -3228,7 +3224,17 @@
           <a:p>
             <a:r>
               <a:rPr kumimoji="1" lang="ja-JP" altLang="en-US" dirty="0" smtClean="0"/>
-              <a:t>リアルタイム処理で予測する場合のパターンは、予測結果を渡すまでの時間とデータ一件あたりにかけられる時間が短くて、バッチ処理で予測するパターンは長くなるということでした。</a:t>
+              <a:t>リアルタイム処理で予測する場合のパターンは、予測結果を渡すまでの時間とデータ一件あたりにかけられる時間が短くて、</a:t>
+            </a:r>
+            <a:endParaRPr kumimoji="1" lang="en-US" altLang="ja-JP" dirty="0" smtClean="0"/>
+          </a:p>
+          <a:p>
+            <a:endParaRPr kumimoji="1" lang="en-US" altLang="ja-JP" dirty="0" smtClean="0"/>
+          </a:p>
+          <a:p>
+            <a:r>
+              <a:rPr kumimoji="1" lang="ja-JP" altLang="en-US" dirty="0" smtClean="0"/>
+              <a:t>バッチ処理で予測するパターンは長くなるということでした。</a:t>
             </a:r>
             <a:endParaRPr kumimoji="1" lang="en-US" altLang="ja-JP" dirty="0" smtClean="0"/>
           </a:p>
@@ -3246,9 +3252,9 @@
             </a:r>
             <a:r>
               <a:rPr kumimoji="1" lang="ja-JP" altLang="en-US" dirty="0" smtClean="0"/>
-              <a:t>アプリケーションと機械学習の処理部分が独立してるかどうかで、同一言語で書かないといけないのか、それぞれ別の言語でいいのかが分かれるということです。</a:t>
-            </a:r>
-            <a:endParaRPr kumimoji="1" lang="ja-JP" altLang="en-US" dirty="0"/>
+              <a:t>アプリケーションと機械学習の処理部分が独立してるかどうかで、同一言語で書かないといけないのか、それぞれ別の言語でいいのかが分かれるということでした。</a:t>
+            </a:r>
+            <a:endParaRPr kumimoji="1" lang="en-US" altLang="ja-JP" dirty="0" smtClean="0"/>
           </a:p>
         </p:txBody>
       </p:sp>
@@ -3432,7 +3438,15 @@
           <a:p>
             <a:r>
               <a:rPr kumimoji="1" lang="ja-JP" altLang="en-US" dirty="0" smtClean="0"/>
-              <a:t>ログの設計とは、機械学習システムで必要な教師データをどのように取得するかを設計することです。</a:t>
+              <a:t>ログの設計とは、</a:t>
+            </a:r>
+            <a:r>
+              <a:rPr kumimoji="1" lang="ja-JP" altLang="en-US" b="1" dirty="0" smtClean="0"/>
+              <a:t>機械学習システムで必要な教師データをどのように取得するかを設計すること</a:t>
+            </a:r>
+            <a:r>
+              <a:rPr kumimoji="1" lang="ja-JP" altLang="en-US" dirty="0" smtClean="0"/>
+              <a:t>です。</a:t>
             </a:r>
             <a:endParaRPr kumimoji="1" lang="en-US" altLang="ja-JP" dirty="0" smtClean="0"/>
           </a:p>
@@ -3852,7 +3866,7 @@
                 <a:ea typeface="+mn-ea"/>
                 <a:cs typeface="+mn-cs"/>
               </a:rPr>
-              <a:t>、</a:t>
+              <a:t>とか、</a:t>
             </a:r>
             <a:r>
               <a:rPr kumimoji="1" lang="ja-JP" altLang="en-US" sz="1200" b="1" i="0" u="sng" kern="1200" dirty="0" smtClean="0">
@@ -3864,31 +3878,7 @@
                 <a:ea typeface="+mn-ea"/>
                 <a:cs typeface="+mn-cs"/>
               </a:rPr>
-              <a:t>パフォーマンスの向上が図れるほか</a:t>
-            </a:r>
-            <a:r>
-              <a:rPr kumimoji="1" lang="ja-JP" altLang="en-US" sz="1200" b="0" i="0" u="sng" kern="1200" dirty="0" smtClean="0">
-                <a:solidFill>
-                  <a:schemeClr val="tx1"/>
-                </a:solidFill>
-                <a:effectLst/>
-                <a:latin typeface="+mn-lt"/>
-                <a:ea typeface="+mn-ea"/>
-                <a:cs typeface="+mn-cs"/>
-              </a:rPr>
-              <a:t>、</a:t>
-            </a:r>
-            <a:r>
-              <a:rPr kumimoji="1" lang="ja-JP" altLang="en-US" sz="1200" b="1" i="0" u="sng" kern="1200" dirty="0" smtClean="0">
-                <a:solidFill>
-                  <a:schemeClr val="tx1"/>
-                </a:solidFill>
-                <a:effectLst/>
-                <a:latin typeface="+mn-lt"/>
-                <a:ea typeface="+mn-ea"/>
-                <a:cs typeface="+mn-cs"/>
-              </a:rPr>
-              <a:t>一つのサイトが障害に遭っても全体の機能が失われない</a:t>
+              <a:t>一つのデータに障害に遭っても全体の機能が失われない</a:t>
             </a:r>
             <a:r>
               <a:rPr kumimoji="1" lang="ja-JP" altLang="en-US" sz="1200" b="0" i="0" u="sng" kern="1200" dirty="0" smtClean="0">
@@ -4177,7 +4167,15 @@
             </a:pPr>
             <a:r>
               <a:rPr lang="ja-JP" altLang="en-US" sz="2400" dirty="0" smtClean="0"/>
-              <a:t>オブジェクトストレージというのはファイル単位，ブロック単位ではなく「オブジェクト」という単位でデータを管理するストレージことで、</a:t>
+              <a:t>オブジェクトストレージというのはファイル単位，ブロック単位ではなく</a:t>
+            </a:r>
+            <a:r>
+              <a:rPr lang="ja-JP" altLang="en-US" sz="2400" b="1" dirty="0" smtClean="0"/>
+              <a:t>「オブジェクト」という単位でデータを管理するストレージ</a:t>
+            </a:r>
+            <a:r>
+              <a:rPr lang="ja-JP" altLang="en-US" sz="2400" dirty="0" smtClean="0"/>
+              <a:t>ことで、</a:t>
             </a:r>
             <a:endParaRPr lang="en-US" altLang="ja-JP" sz="2400" dirty="0" smtClean="0"/>
           </a:p>
@@ -4578,30 +4576,6 @@
           </a:p>
           <a:p>
             <a:r>
-              <a:rPr kumimoji="1" lang="en-US" altLang="ja-JP" sz="1200" b="0" i="0" kern="1200" dirty="0" err="1" smtClean="0">
-                <a:solidFill>
-                  <a:schemeClr val="tx1"/>
-                </a:solidFill>
-                <a:effectLst/>
-                <a:latin typeface="+mn-lt"/>
-                <a:ea typeface="+mn-ea"/>
-                <a:cs typeface="+mn-cs"/>
-              </a:rPr>
-              <a:t>sckit</a:t>
-            </a:r>
-            <a:r>
-              <a:rPr kumimoji="1" lang="en-US" altLang="ja-JP" sz="1200" b="0" i="0" kern="1200" dirty="0" smtClean="0">
-                <a:solidFill>
-                  <a:schemeClr val="tx1"/>
-                </a:solidFill>
-                <a:effectLst/>
-                <a:latin typeface="+mn-lt"/>
-                <a:ea typeface="+mn-ea"/>
-                <a:cs typeface="+mn-cs"/>
-              </a:rPr>
-              <a:t>-learn</a:t>
-            </a:r>
-            <a:r>
               <a:rPr kumimoji="1" lang="ja-JP" altLang="en-US" sz="1200" b="0" i="0" kern="1200" dirty="0" smtClean="0">
                 <a:solidFill>
                   <a:schemeClr val="tx1"/>
@@ -4611,7 +4585,7 @@
                 <a:ea typeface="+mn-ea"/>
                 <a:cs typeface="+mn-cs"/>
               </a:rPr>
-              <a:t>などの機械学習ライブラリを使った学習をする場合、どうしても機械学習のバッチ処理を行うサーバーにデータを転送する必要がありますが、大規模データになると時間がかかります。</a:t>
+              <a:t>機械学習のバッチ処理を行うサーバーにデータを転送する必要がありますが、大規模データになると時間がかかってしまう問題があります。</a:t>
             </a:r>
             <a:endParaRPr kumimoji="1" lang="en-US" altLang="ja-JP" sz="1200" b="0" i="0" kern="1200" dirty="0" smtClean="0">
               <a:solidFill>
@@ -4645,10 +4619,10 @@
                 <a:ea typeface="+mn-ea"/>
                 <a:cs typeface="+mn-cs"/>
               </a:rPr>
-              <a:t>この時間を抑えるためにこの本では、分散</a:t>
-            </a:r>
-            <a:r>
-              <a:rPr kumimoji="1" lang="en-US" altLang="ja-JP" sz="1200" b="0" i="0" kern="1200" dirty="0" smtClean="0">
+              <a:t>この時間を抑えるためにこの本では、～～と言ってます。つまりこれは、</a:t>
+            </a:r>
+            <a:r>
+              <a:rPr kumimoji="1" lang="ja-JP" altLang="en-US" sz="1200" b="1" i="0" kern="1200" dirty="0" smtClean="0">
                 <a:solidFill>
                   <a:schemeClr val="tx1"/>
                 </a:solidFill>
@@ -4657,22 +4631,10 @@
                 <a:ea typeface="+mn-ea"/>
                 <a:cs typeface="+mn-cs"/>
               </a:rPr>
-              <a:t>RDB</a:t>
-            </a:r>
-            <a:r>
-              <a:rPr kumimoji="1" lang="ja-JP" altLang="en-US" sz="1200" b="0" i="0" kern="1200" dirty="0" smtClean="0">
-                <a:solidFill>
-                  <a:schemeClr val="tx1"/>
-                </a:solidFill>
-                <a:effectLst/>
-                <a:latin typeface="+mn-lt"/>
-                <a:ea typeface="+mn-ea"/>
-                <a:cs typeface="+mn-cs"/>
-              </a:rPr>
-              <a:t>を利用した～～と言ってます。つまりこれは、既にデータが保存されている</a:t>
-            </a:r>
-            <a:r>
-              <a:rPr kumimoji="1" lang="en-US" altLang="ja-JP" sz="1200" b="0" i="0" kern="1200" dirty="0" smtClean="0">
+              <a:t>データをローカル環境に持ってこないで既にデータが保存されている</a:t>
+            </a:r>
+            <a:r>
+              <a:rPr kumimoji="1" lang="en-US" altLang="ja-JP" sz="1200" b="1" i="0" kern="1200" dirty="0" smtClean="0">
                 <a:solidFill>
                   <a:schemeClr val="tx1"/>
                 </a:solidFill>
@@ -4684,7 +4646,7 @@
               <a:t>DB</a:t>
             </a:r>
             <a:r>
-              <a:rPr kumimoji="1" lang="ja-JP" altLang="en-US" sz="1200" b="0" i="0" kern="1200" dirty="0" smtClean="0">
+              <a:rPr kumimoji="1" lang="ja-JP" altLang="en-US" sz="1200" b="1" i="0" kern="1200" dirty="0" smtClean="0">
                 <a:solidFill>
                   <a:schemeClr val="tx1"/>
                 </a:solidFill>
@@ -4693,9 +4655,9 @@
                 <a:ea typeface="+mn-ea"/>
                 <a:cs typeface="+mn-cs"/>
               </a:rPr>
-              <a:t>上で前処理するってことです</a:t>
-            </a:r>
-            <a:endParaRPr kumimoji="1" lang="en-US" altLang="ja-JP" sz="1200" b="0" i="0" kern="1200" dirty="0" smtClean="0">
+              <a:t>上で前処理するってことだと思います。</a:t>
+            </a:r>
+            <a:endParaRPr kumimoji="1" lang="en-US" altLang="ja-JP" sz="1200" b="1" i="0" kern="1200" dirty="0" smtClean="0">
               <a:solidFill>
                 <a:schemeClr val="tx1"/>
               </a:solidFill>
@@ -4833,7 +4795,7 @@
                 <a:ea typeface="+mn-ea"/>
                 <a:cs typeface="+mn-cs"/>
               </a:rPr>
-              <a:t>と同じ分散処理基盤のことなんですが、データの細かな加工を行うことも行えることができるらしいです。</a:t>
+              <a:t>と同じ分散処理基盤のことなんですが、データの細かな加工を行うことも行えることができるものらしいです。</a:t>
             </a:r>
             <a:endParaRPr kumimoji="1" lang="en-US" altLang="ja-JP" sz="1200" b="0" i="0" kern="1200" dirty="0" smtClean="0">
               <a:solidFill>
@@ -6075,7 +6037,7 @@
           <a:p>
             <a:r>
               <a:rPr kumimoji="1" lang="ja-JP" altLang="en-US" dirty="0" smtClean="0"/>
-              <a:t>はじめに第１章でやった、システムに機械学習を含めるの流れを一応確認しておきます</a:t>
+              <a:t>はじめに第１章でやったんですが、機械学習プロジェクトの流れを一応確認しておきます</a:t>
             </a:r>
             <a:endParaRPr kumimoji="1" lang="en-US" altLang="ja-JP" dirty="0" smtClean="0"/>
           </a:p>
@@ -6216,7 +6178,15 @@
             </a:r>
             <a:r>
               <a:rPr kumimoji="1" lang="ja-JP" altLang="en-US" u="sng" dirty="0" smtClean="0"/>
-              <a:t>学習にはいくつかの種類がありますが、ここでは最も活用ケースが多い教師あり学習について、システムに組み込む場合の構成を説明します</a:t>
+              <a:t>学習にはいくつかの種類がありますが、</a:t>
+            </a:r>
+            <a:r>
+              <a:rPr kumimoji="1" lang="ja-JP" altLang="en-US" b="1" u="sng" dirty="0" smtClean="0"/>
+              <a:t>ここでは最も活用ケースが多い教師あり学習について</a:t>
+            </a:r>
+            <a:r>
+              <a:rPr kumimoji="1" lang="ja-JP" altLang="en-US" u="sng" dirty="0" smtClean="0"/>
+              <a:t>、システムに組み込む場合の構成を説明します</a:t>
             </a:r>
             <a:endParaRPr kumimoji="1" lang="en-US" altLang="ja-JP" u="sng" dirty="0" smtClean="0"/>
           </a:p>
@@ -6226,7 +6196,7 @@
           <a:p>
             <a:r>
               <a:rPr kumimoji="1" lang="ja-JP" altLang="en-US" dirty="0" smtClean="0"/>
-              <a:t>第１章で習ったように分類</a:t>
+              <a:t>第１章で分類</a:t>
             </a:r>
             <a:r>
               <a:rPr kumimoji="1" lang="ja-JP" altLang="en-US" dirty="0" smtClean="0"/>
@@ -6242,7 +6212,11 @@
             </a:r>
             <a:r>
               <a:rPr kumimoji="1" lang="ja-JP" altLang="en-US" dirty="0" smtClean="0"/>
-              <a:t>フェーズがあります。</a:t>
+              <a:t>フェーズが</a:t>
+            </a:r>
+            <a:r>
+              <a:rPr kumimoji="1" lang="ja-JP" altLang="en-US" dirty="0" smtClean="0"/>
+              <a:t>あることを話しました、</a:t>
             </a:r>
             <a:endParaRPr kumimoji="1" lang="en-US" altLang="ja-JP" dirty="0" smtClean="0"/>
           </a:p>
@@ -6252,11 +6226,15 @@
           <a:p>
             <a:r>
               <a:rPr kumimoji="1" lang="ja-JP" altLang="en-US" dirty="0" smtClean="0"/>
-              <a:t>更にそのタイミングによって、バッチ処理での学習とリアルタイム処理での学習という２種類のタイミングが</a:t>
-            </a:r>
-            <a:r>
-              <a:rPr kumimoji="1" lang="ja-JP" altLang="en-US" dirty="0" smtClean="0"/>
-              <a:t>あります</a:t>
+              <a:t>更に学習のタイミング</a:t>
+            </a:r>
+            <a:r>
+              <a:rPr kumimoji="1" lang="ja-JP" altLang="en-US" dirty="0" smtClean="0"/>
+              <a:t>によって、バッチ処理での学習とリアルタイム処理での学習という２種類の</a:t>
+            </a:r>
+            <a:r>
+              <a:rPr kumimoji="1" lang="ja-JP" altLang="en-US" dirty="0" smtClean="0"/>
+              <a:t>タイミングがあります</a:t>
             </a:r>
             <a:endParaRPr kumimoji="1" lang="en-US" altLang="ja-JP" dirty="0" smtClean="0"/>
           </a:p>
@@ -6283,7 +6261,7 @@
             </a:pPr>
             <a:r>
               <a:rPr kumimoji="1" lang="ja-JP" altLang="en-US" dirty="0" smtClean="0"/>
-              <a:t>ちょっとシステム構成とそのポイントについて学ぶ前に、重要でありながら混乱しがちな用語について整理しておきます</a:t>
+              <a:t>で、ちょっとシステム構成を説明する前に、重要でありながら混乱しがちな用語について整理しておきます</a:t>
             </a:r>
             <a:endParaRPr kumimoji="1" lang="en-US" altLang="ja-JP" dirty="0" smtClean="0"/>
           </a:p>
@@ -6837,11 +6815,19 @@
           <a:p>
             <a:r>
               <a:rPr kumimoji="1" lang="ja-JP" altLang="en-US" u="sng" dirty="0" smtClean="0"/>
-              <a:t>前のスライドで逐次学習は、</a:t>
+              <a:t>前のスライドで逐次学習は</a:t>
+            </a:r>
+            <a:r>
+              <a:rPr kumimoji="1" lang="ja-JP" altLang="en-US" u="sng" dirty="0" smtClean="0"/>
+              <a:t>、</a:t>
             </a:r>
             <a:r>
               <a:rPr kumimoji="1" lang="ja-JP" altLang="en-US" b="1" u="sng" dirty="0" smtClean="0"/>
-              <a:t>最適化時に教師データを１ずつ与えてその都度処理する最適化方針だと説明しました</a:t>
+              <a:t>データ</a:t>
+            </a:r>
+            <a:r>
+              <a:rPr kumimoji="1" lang="ja-JP" altLang="en-US" b="1" u="sng" dirty="0" smtClean="0"/>
+              <a:t>を１ずつ与えてその都度処理する最適化方針だと説明しました</a:t>
             </a:r>
             <a:r>
               <a:rPr kumimoji="1" lang="ja-JP" altLang="en-US" u="sng" dirty="0" smtClean="0"/>
@@ -6849,7 +6835,15 @@
             </a:r>
             <a:r>
               <a:rPr kumimoji="1" lang="ja-JP" altLang="en-US" u="sng" dirty="0" smtClean="0"/>
-              <a:t>つまり～～</a:t>
+              <a:t>つまり</a:t>
+            </a:r>
+            <a:r>
+              <a:rPr kumimoji="1" lang="en-US" altLang="ja-JP" u="sng" dirty="0" smtClean="0"/>
+              <a:t>2.</a:t>
+            </a:r>
+            <a:r>
+              <a:rPr kumimoji="1" lang="ja-JP" altLang="en-US" u="sng" dirty="0" smtClean="0"/>
+              <a:t>の～～</a:t>
             </a:r>
             <a:endParaRPr kumimoji="1" lang="en-US" altLang="ja-JP" u="sng" dirty="0" smtClean="0"/>
           </a:p>
@@ -15633,8 +15627,8 @@
         </p:nvSpPr>
         <p:spPr>
           <a:xfrm>
-            <a:off x="6705581" y="1329507"/>
-            <a:ext cx="5099172" cy="2308324"/>
+            <a:off x="6743681" y="1768774"/>
+            <a:ext cx="5099172" cy="1569660"/>
           </a:xfrm>
           <a:prstGeom prst="rect">
             <a:avLst/>
@@ -15665,23 +15659,6 @@
               <a:buChar char="•"/>
             </a:pPr>
             <a:r>
-              <a:rPr lang="ja-JP" altLang="en-US" sz="2400" dirty="0" smtClean="0">
-                <a:latin typeface="ＭＳ Ｐゴシック" panose="020B0600070205080204" pitchFamily="50" charset="-128"/>
-                <a:ea typeface="ＭＳ Ｐゴシック" panose="020B0600070205080204" pitchFamily="50" charset="-128"/>
-              </a:rPr>
-              <a:t>学習フェーズで作成したモデルを用いて予測を行う</a:t>
-            </a:r>
-            <a:endParaRPr lang="en-US" altLang="ja-JP" sz="2400" dirty="0" smtClean="0">
-              <a:latin typeface="ＭＳ Ｐゴシック" panose="020B0600070205080204" pitchFamily="50" charset="-128"/>
-              <a:ea typeface="ＭＳ Ｐゴシック" panose="020B0600070205080204" pitchFamily="50" charset="-128"/>
-            </a:endParaRPr>
-          </a:p>
-          <a:p>
-            <a:pPr marL="285750" indent="-285750">
-              <a:buFont typeface="Arial" panose="020B0604020202020204" pitchFamily="34" charset="0"/>
-              <a:buChar char="•"/>
-            </a:pPr>
-            <a:r>
               <a:rPr lang="en-US" altLang="ja-JP" sz="2400" dirty="0" smtClean="0">
                 <a:latin typeface="ＭＳ Ｐゴシック" panose="020B0600070205080204" pitchFamily="50" charset="-128"/>
                 <a:ea typeface="ＭＳ Ｐゴシック" panose="020B0600070205080204" pitchFamily="50" charset="-128"/>
@@ -15693,7 +15670,21 @@
                 <a:latin typeface="ＭＳ Ｐゴシック" panose="020B0600070205080204" pitchFamily="50" charset="-128"/>
                 <a:ea typeface="ＭＳ Ｐゴシック" panose="020B0600070205080204" pitchFamily="50" charset="-128"/>
               </a:rPr>
-              <a:t>中のデータから特徴量を抽出し，予測する</a:t>
+              <a:t>中のデータから特徴量を抽出し</a:t>
+            </a:r>
+            <a:r>
+              <a:rPr lang="ja-JP" altLang="en-US" sz="2400" dirty="0" smtClean="0">
+                <a:latin typeface="ＭＳ Ｐゴシック" panose="020B0600070205080204" pitchFamily="50" charset="-128"/>
+                <a:ea typeface="ＭＳ Ｐゴシック" panose="020B0600070205080204" pitchFamily="50" charset="-128"/>
+              </a:rPr>
+              <a:t>，バッチ処理で予測</a:t>
+            </a:r>
+            <a:r>
+              <a:rPr lang="ja-JP" altLang="en-US" sz="2400" dirty="0" smtClean="0">
+                <a:latin typeface="ＭＳ Ｐゴシック" panose="020B0600070205080204" pitchFamily="50" charset="-128"/>
+                <a:ea typeface="ＭＳ Ｐゴシック" panose="020B0600070205080204" pitchFamily="50" charset="-128"/>
+              </a:rPr>
+              <a:t>する</a:t>
             </a:r>
             <a:endParaRPr lang="en-US" altLang="ja-JP" sz="2400" dirty="0" smtClean="0">
               <a:latin typeface="ＭＳ Ｐゴシック" panose="020B0600070205080204" pitchFamily="50" charset="-128"/>
@@ -16916,17 +16907,23 @@
         </p:nvSpPr>
         <p:spPr>
           <a:xfrm>
-            <a:off x="838200" y="1753055"/>
-            <a:ext cx="10515600" cy="4351338"/>
-          </a:xfrm>
-        </p:spPr>
-        <p:txBody>
-          <a:bodyPr/>
-          <a:lstStyle/>
-          <a:p>
-            <a:r>
-              <a:rPr kumimoji="1" lang="ja-JP" altLang="en-US" dirty="0" smtClean="0"/>
-              <a:t>機械学習システムの</a:t>
+            <a:off x="838200" y="1753054"/>
+            <a:ext cx="10696575" cy="4733471"/>
+          </a:xfrm>
+        </p:spPr>
+        <p:txBody>
+          <a:bodyPr>
+            <a:normAutofit/>
+          </a:bodyPr>
+          <a:lstStyle/>
+          <a:p>
+            <a:r>
+              <a:rPr kumimoji="1" lang="ja-JP" altLang="en-US" dirty="0" smtClean="0"/>
+              <a:t>機械</a:t>
+            </a:r>
+            <a:r>
+              <a:rPr kumimoji="1" lang="ja-JP" altLang="en-US" dirty="0" smtClean="0"/>
+              <a:t>学習で必要な</a:t>
             </a:r>
             <a:r>
               <a:rPr kumimoji="1" lang="ja-JP" altLang="en-US" dirty="0" smtClean="0">
@@ -16934,11 +16931,27 @@
                   <a:srgbClr val="FF0000"/>
                 </a:solidFill>
               </a:rPr>
-              <a:t>教師データを取得する</a:t>
-            </a:r>
-            <a:r>
-              <a:rPr kumimoji="1" lang="ja-JP" altLang="en-US" dirty="0" smtClean="0"/>
-              <a:t>ためのログの設計</a:t>
+              <a:t>教師</a:t>
+            </a:r>
+            <a:r>
+              <a:rPr kumimoji="1" lang="ja-JP" altLang="en-US" dirty="0" smtClean="0">
+                <a:solidFill>
+                  <a:srgbClr val="FF0000"/>
+                </a:solidFill>
+              </a:rPr>
+              <a:t>データ</a:t>
+            </a:r>
+            <a:r>
+              <a:rPr kumimoji="1" lang="ja-JP" altLang="en-US" dirty="0" smtClean="0">
+                <a:solidFill>
+                  <a:srgbClr val="FF0000"/>
+                </a:solidFill>
+              </a:rPr>
+              <a:t>をどのように取得するか</a:t>
+            </a:r>
+            <a:r>
+              <a:rPr kumimoji="1" lang="ja-JP" altLang="en-US" dirty="0" smtClean="0"/>
+              <a:t>を設計すること</a:t>
             </a:r>
             <a:endParaRPr kumimoji="1" lang="en-US" altLang="ja-JP" dirty="0" smtClean="0"/>
           </a:p>
@@ -17154,7 +17167,11 @@
             </a:pPr>
             <a:r>
               <a:rPr kumimoji="1" lang="ja-JP" altLang="en-US" sz="3600" dirty="0" smtClean="0"/>
-              <a:t>ユーザー行動ログはデータ量が多く</a:t>
+              <a:t>ユーザーの行動</a:t>
+            </a:r>
+            <a:r>
+              <a:rPr kumimoji="1" lang="ja-JP" altLang="en-US" sz="3600" dirty="0" smtClean="0"/>
+              <a:t>ログはデータ量が多く</a:t>
             </a:r>
             <a:r>
               <a:rPr kumimoji="1" lang="ja-JP" altLang="en-US" sz="3600" dirty="0" smtClean="0"/>
@@ -17175,7 +17192,7 @@
             </a:r>
             <a:r>
               <a:rPr lang="en-US" altLang="ja-JP" sz="3200" dirty="0" smtClean="0"/>
-              <a:t>RDBMS</a:t>
+              <a:t>RDB</a:t>
             </a:r>
             <a:r>
               <a:rPr lang="ja-JP" altLang="en-US" sz="3200" dirty="0" smtClean="0"/>
@@ -17551,36 +17568,12 @@
           <a:p>
             <a:pPr lvl="1"/>
             <a:r>
-              <a:rPr lang="ja-JP" altLang="en-US" sz="2800" dirty="0" smtClean="0"/>
-              <a:t>データウェアハウスに</a:t>
-            </a:r>
-            <a:r>
-              <a:rPr lang="en-US" altLang="ja-JP" sz="2800" dirty="0" smtClean="0"/>
-              <a:t>MySQL</a:t>
-            </a:r>
-            <a:r>
-              <a:rPr lang="ja-JP" altLang="en-US" sz="2800" dirty="0" smtClean="0"/>
-              <a:t>などの</a:t>
-            </a:r>
-            <a:r>
-              <a:rPr lang="en-US" altLang="ja-JP" sz="2800" dirty="0" smtClean="0"/>
-              <a:t>OLTP</a:t>
-            </a:r>
-            <a:r>
-              <a:rPr lang="ja-JP" altLang="en-US" sz="2800" dirty="0" smtClean="0"/>
-              <a:t>サーバーのデータを同期</a:t>
-            </a:r>
-            <a:endParaRPr lang="en-US" altLang="ja-JP" sz="2800" dirty="0" smtClean="0"/>
-          </a:p>
-          <a:p>
-            <a:pPr lvl="1"/>
-            <a:r>
               <a:rPr kumimoji="1" lang="ja-JP" altLang="en-US" sz="2800" dirty="0" smtClean="0"/>
               <a:t>分散</a:t>
             </a:r>
             <a:r>
               <a:rPr kumimoji="1" lang="en-US" altLang="ja-JP" sz="2800" dirty="0" smtClean="0"/>
-              <a:t>RDBMS</a:t>
+              <a:t>RDB</a:t>
             </a:r>
             <a:r>
               <a:rPr kumimoji="1" lang="ja-JP" altLang="en-US" sz="2800" dirty="0" smtClean="0"/>
@@ -19923,7 +19916,15 @@
             </a:pPr>
             <a:r>
               <a:rPr kumimoji="1" lang="ja-JP" altLang="en-US" dirty="0" smtClean="0"/>
-              <a:t>システム設計を考える</a:t>
+              <a:t>システム設計・誤りをカバーする方法を</a:t>
+            </a:r>
+            <a:r>
+              <a:rPr lang="ja-JP" altLang="en-US" dirty="0"/>
+              <a:t>考</a:t>
+            </a:r>
+            <a:r>
+              <a:rPr lang="ja-JP" altLang="en-US" dirty="0" smtClean="0"/>
+              <a:t>える</a:t>
             </a:r>
             <a:endParaRPr kumimoji="1" lang="en-US" altLang="ja-JP" dirty="0" smtClean="0"/>
           </a:p>
@@ -24854,7 +24855,29 @@
             </a:r>
             <a:r>
               <a:rPr kumimoji="1" lang="ja-JP" altLang="en-US" sz="3600" dirty="0" smtClean="0"/>
-              <a:t>フェーズがある</a:t>
+              <a:t>フェーズが</a:t>
+            </a:r>
+            <a:r>
+              <a:rPr kumimoji="1" lang="ja-JP" altLang="en-US" sz="3600" dirty="0" smtClean="0"/>
+              <a:t>ある</a:t>
+            </a:r>
+            <a:endParaRPr kumimoji="1" lang="en-US" altLang="ja-JP" sz="3600" dirty="0" smtClean="0"/>
+          </a:p>
+          <a:p>
+            <a:endParaRPr kumimoji="1" lang="en-US" altLang="ja-JP" sz="600" dirty="0" smtClean="0"/>
+          </a:p>
+          <a:p>
+            <a:r>
+              <a:rPr lang="ja-JP" altLang="en-US" sz="3600" dirty="0" smtClean="0"/>
+              <a:t>学習</a:t>
+            </a:r>
+            <a:r>
+              <a:rPr lang="ja-JP" altLang="en-US" sz="3600" dirty="0"/>
+              <a:t>フェーズ</a:t>
+            </a:r>
+            <a:r>
+              <a:rPr lang="ja-JP" altLang="en-US" sz="3600" dirty="0" smtClean="0"/>
+              <a:t>では２種類のタイミングがある</a:t>
             </a:r>
             <a:endParaRPr kumimoji="1" lang="en-US" altLang="ja-JP" sz="3600" dirty="0" smtClean="0"/>
           </a:p>

--- a/仕事ではじめる機械学習第4章.pptx
+++ b/仕事ではじめる機械学習第4章.pptx
@@ -1389,7 +1389,7 @@
           <a:p>
             <a:r>
               <a:rPr kumimoji="1" lang="ja-JP" altLang="en-US" dirty="0" smtClean="0"/>
-              <a:t>で、</a:t>
+              <a:t>で、流れとしては</a:t>
             </a:r>
             <a:r>
               <a:rPr kumimoji="1" lang="en-US" altLang="ja-JP" dirty="0" smtClean="0"/>
@@ -1434,26 +1434,26 @@
           </a:p>
           <a:p>
             <a:r>
-              <a:rPr kumimoji="1" lang="ja-JP" altLang="en-US" dirty="0" smtClean="0"/>
+              <a:rPr kumimoji="1" lang="ja-JP" altLang="en-US" b="1" dirty="0" smtClean="0"/>
               <a:t>その</a:t>
             </a:r>
             <a:r>
-              <a:rPr kumimoji="1" lang="ja-JP" altLang="en-US" dirty="0" smtClean="0"/>
+              <a:rPr kumimoji="1" lang="ja-JP" altLang="en-US" b="1" dirty="0" smtClean="0"/>
               <a:t>結果</a:t>
             </a:r>
             <a:r>
-              <a:rPr kumimoji="1" lang="ja-JP" altLang="en-US" dirty="0" smtClean="0"/>
+              <a:rPr kumimoji="1" lang="ja-JP" altLang="en-US" b="1" dirty="0" smtClean="0"/>
               <a:t>をもと</a:t>
             </a:r>
             <a:r>
-              <a:rPr kumimoji="1" lang="ja-JP" altLang="en-US" dirty="0" smtClean="0"/>
+              <a:rPr kumimoji="1" lang="ja-JP" altLang="en-US" b="1" dirty="0" smtClean="0"/>
               <a:t>に、ユーザーにフィードバックをするなどして、次の処理へとつなげて</a:t>
             </a:r>
             <a:r>
-              <a:rPr kumimoji="1" lang="ja-JP" altLang="en-US" dirty="0" smtClean="0"/>
+              <a:rPr kumimoji="1" lang="ja-JP" altLang="en-US" b="1" dirty="0" smtClean="0"/>
               <a:t>いきます</a:t>
             </a:r>
-            <a:endParaRPr kumimoji="1" lang="en-US" altLang="ja-JP" dirty="0" smtClean="0"/>
+            <a:endParaRPr kumimoji="1" lang="en-US" altLang="ja-JP" b="1" dirty="0" smtClean="0"/>
           </a:p>
           <a:p>
             <a:endParaRPr kumimoji="1" lang="en-US" altLang="ja-JP" b="0" dirty="0" smtClean="0"/>
@@ -1688,11 +1688,7 @@
           <a:p>
             <a:r>
               <a:rPr kumimoji="1" lang="ja-JP" altLang="en-US" dirty="0" smtClean="0"/>
-              <a:t>で、このパターンはバッチ</a:t>
-            </a:r>
-            <a:r>
-              <a:rPr kumimoji="1" lang="ja-JP" altLang="en-US" dirty="0" smtClean="0"/>
-              <a:t>処理で学習を行うことは他のパターンとは代わりませんが、</a:t>
+              <a:t>で、このパターンは、</a:t>
             </a:r>
             <a:r>
               <a:rPr kumimoji="1" lang="en-US" altLang="ja-JP" dirty="0" smtClean="0"/>
@@ -1922,18 +1918,18 @@
               <a:defRPr/>
             </a:pPr>
             <a:r>
-              <a:rPr lang="en-US" altLang="ja-JP" u="sng" dirty="0" smtClean="0"/>
+              <a:rPr lang="en-US" altLang="ja-JP" b="1" u="sng" dirty="0" smtClean="0"/>
               <a:t>A/B</a:t>
             </a:r>
             <a:r>
-              <a:rPr lang="ja-JP" altLang="en-US" u="sng" dirty="0" smtClean="0"/>
+              <a:rPr lang="ja-JP" altLang="en-US" b="1" u="sng" dirty="0" smtClean="0"/>
               <a:t>テストというのはモデルの検証方法で、</a:t>
             </a:r>
             <a:r>
-              <a:rPr lang="ja-JP" altLang="en-US" sz="1200" u="sng" dirty="0" smtClean="0"/>
+              <a:rPr lang="ja-JP" altLang="en-US" sz="1200" b="1" u="sng" dirty="0" smtClean="0"/>
               <a:t>複数の予測モデルを並列に検証し、どのモデルがより高い成果を出せるのか調べることですね。</a:t>
             </a:r>
-            <a:endParaRPr lang="en-US" altLang="ja-JP" sz="1200" u="sng" dirty="0" smtClean="0"/>
+            <a:endParaRPr lang="en-US" altLang="ja-JP" sz="1200" b="1" u="sng" dirty="0" smtClean="0"/>
           </a:p>
           <a:p>
             <a:pPr marL="0" marR="0" lvl="1" indent="0" algn="l" defTabSz="914400" rtl="0" eaLnBrk="1" fontAlgn="auto" latinLnBrk="0" hangingPunct="1">
@@ -2039,9 +2035,13 @@
             </a:pPr>
             <a:r>
               <a:rPr lang="ja-JP" altLang="en-US" dirty="0" smtClean="0"/>
-              <a:t>デメリットとしては、パターン１と比べると遅延が大きくなることですね</a:t>
-            </a:r>
-            <a:endParaRPr lang="en-US" altLang="ja-JP" dirty="0" smtClean="0"/>
+              <a:t>デメリットとしては、パターン１と比べると遅延が大きくなることですね　</a:t>
+            </a:r>
+            <a:r>
+              <a:rPr lang="ja-JP" altLang="en-US" b="1" dirty="0" smtClean="0"/>
+              <a:t>この遅延というのは、予測結果が出てからユーザに反映されるまでの時間ことですね</a:t>
+            </a:r>
+            <a:endParaRPr lang="en-US" altLang="ja-JP" b="1" dirty="0" smtClean="0"/>
           </a:p>
           <a:p>
             <a:pPr marL="0" marR="0" lvl="1" indent="0" algn="l" defTabSz="914400" rtl="0" eaLnBrk="1" fontAlgn="auto" latinLnBrk="0" hangingPunct="1">
@@ -2335,25 +2335,25 @@
           </a:p>
           <a:p>
             <a:r>
-              <a:rPr kumimoji="1" lang="en-US" altLang="ja-JP" b="1" dirty="0" smtClean="0"/>
+              <a:rPr kumimoji="1" lang="en-US" altLang="ja-JP" b="1" u="sng" dirty="0" smtClean="0"/>
               <a:t>Web</a:t>
             </a:r>
             <a:r>
-              <a:rPr kumimoji="1" lang="ja-JP" altLang="en-US" b="1" dirty="0" smtClean="0"/>
+              <a:rPr kumimoji="1" lang="ja-JP" altLang="en-US" b="1" u="sng" dirty="0" smtClean="0"/>
               <a:t>アプリケーションで使い勝手の良いのはこの</a:t>
             </a:r>
             <a:r>
-              <a:rPr kumimoji="1" lang="ja-JP" altLang="en-US" b="1" dirty="0" smtClean="0"/>
+              <a:rPr kumimoji="1" lang="ja-JP" altLang="en-US" b="1" u="sng" dirty="0" smtClean="0"/>
               <a:t>パターン</a:t>
             </a:r>
             <a:r>
-              <a:rPr kumimoji="1" lang="ja-JP" altLang="en-US" b="1" dirty="0" smtClean="0"/>
+              <a:rPr kumimoji="1" lang="ja-JP" altLang="en-US" b="1" u="sng" dirty="0" smtClean="0"/>
               <a:t>で、一番初めに試すパターンとしてはこの方法が無難らしいです。</a:t>
             </a:r>
-            <a:endParaRPr kumimoji="1" lang="en-US" altLang="ja-JP" b="1" dirty="0" smtClean="0"/>
-          </a:p>
-          <a:p>
-            <a:endParaRPr kumimoji="1" lang="en-US" altLang="ja-JP" dirty="0" smtClean="0"/>
+            <a:endParaRPr kumimoji="1" lang="en-US" altLang="ja-JP" b="1" u="sng" dirty="0" smtClean="0"/>
+          </a:p>
+          <a:p>
+            <a:endParaRPr kumimoji="1" lang="en-US" altLang="ja-JP" u="sng" dirty="0" smtClean="0"/>
           </a:p>
           <a:p>
             <a:r>
@@ -2453,13 +2453,13 @@
               <a:t>１つは、予測に必要な情報は予測バッチ実行時に存在する、</a:t>
             </a:r>
             <a:r>
-              <a:rPr kumimoji="1" lang="ja-JP" altLang="en-US" u="sng" dirty="0" smtClean="0"/>
+              <a:rPr kumimoji="1" lang="ja-JP" altLang="en-US" b="1" u="sng" dirty="0" smtClean="0"/>
               <a:t>これは予測を一括で行うので予測で必要な情報が事前に存在しているってことですね</a:t>
             </a:r>
-            <a:endParaRPr kumimoji="1" lang="en-US" altLang="ja-JP" u="sng" dirty="0" smtClean="0"/>
-          </a:p>
-          <a:p>
-            <a:endParaRPr kumimoji="1" lang="en-US" altLang="ja-JP" dirty="0" smtClean="0"/>
+            <a:endParaRPr kumimoji="1" lang="en-US" altLang="ja-JP" b="1" u="sng" dirty="0" smtClean="0"/>
+          </a:p>
+          <a:p>
+            <a:endParaRPr kumimoji="1" lang="en-US" altLang="ja-JP" b="1" dirty="0" smtClean="0"/>
           </a:p>
           <a:p>
             <a:r>
@@ -2686,17 +2686,36 @@
             </a:r>
             <a:r>
               <a:rPr kumimoji="1" lang="ja-JP" altLang="en-US" dirty="0" smtClean="0"/>
-              <a:t>パターンと異なり～～ということです。これは、</a:t>
-            </a:r>
-            <a:r>
-              <a:rPr kumimoji="1" lang="en-US" altLang="ja-JP" dirty="0" smtClean="0"/>
+              <a:t>パターンと異なり～～ということです。</a:t>
+            </a:r>
+            <a:endParaRPr kumimoji="1" lang="en-US" altLang="ja-JP" dirty="0" smtClean="0"/>
+          </a:p>
+          <a:p>
+            <a:r>
+              <a:rPr kumimoji="1" lang="ja-JP" altLang="en-US" dirty="0" smtClean="0"/>
+              <a:t>これは、</a:t>
+            </a:r>
+            <a:r>
+              <a:rPr kumimoji="1" lang="ja-JP" altLang="en-US" b="1" dirty="0" smtClean="0"/>
+              <a:t>予測リクエストから結果を提供するまでの時間が速いということです</a:t>
+            </a:r>
+            <a:r>
+              <a:rPr kumimoji="1" lang="ja-JP" altLang="en-US" dirty="0" smtClean="0"/>
+              <a:t>。</a:t>
+            </a:r>
+            <a:r>
+              <a:rPr kumimoji="1" lang="ja-JP" altLang="en-US" b="1" dirty="0" smtClean="0"/>
+              <a:t>理由としては、</a:t>
+            </a:r>
+            <a:r>
+              <a:rPr kumimoji="1" lang="en-US" altLang="ja-JP" b="1" dirty="0" smtClean="0"/>
               <a:t>API</a:t>
             </a:r>
             <a:r>
-              <a:rPr kumimoji="1" lang="ja-JP" altLang="en-US" dirty="0" smtClean="0"/>
-              <a:t>パターンのような余分な通信が発生しないからですね</a:t>
-            </a:r>
-            <a:endParaRPr kumimoji="1" lang="en-US" altLang="ja-JP" dirty="0" smtClean="0"/>
+              <a:rPr kumimoji="1" lang="ja-JP" altLang="en-US" b="1" dirty="0" smtClean="0"/>
+              <a:t>パターンのようにクライアントとの間で余分な通信が発生しないからということです</a:t>
+            </a:r>
+            <a:endParaRPr kumimoji="1" lang="en-US" altLang="ja-JP" b="1" dirty="0" smtClean="0"/>
           </a:p>
           <a:p>
             <a:endParaRPr kumimoji="1" lang="en-US" altLang="ja-JP" dirty="0" smtClean="0"/>
@@ -2832,24 +2851,28 @@
             </a:pPr>
             <a:r>
               <a:rPr kumimoji="1" lang="ja-JP" altLang="en-US" dirty="0" smtClean="0"/>
-              <a:t>学習フェーズでは、既に</a:t>
-            </a:r>
-            <a:r>
-              <a:rPr kumimoji="1" lang="en-US" altLang="ja-JP" dirty="0" smtClean="0"/>
+              <a:t>学習フェーズでは、</a:t>
+            </a:r>
+            <a:r>
+              <a:rPr kumimoji="1" lang="ja-JP" altLang="en-US" b="1" dirty="0" smtClean="0"/>
+              <a:t>既に</a:t>
+            </a:r>
+            <a:r>
+              <a:rPr kumimoji="1" lang="en-US" altLang="ja-JP" b="1" dirty="0" smtClean="0"/>
               <a:t>DB</a:t>
             </a:r>
             <a:r>
-              <a:rPr kumimoji="1" lang="ja-JP" altLang="en-US" dirty="0" smtClean="0"/>
+              <a:rPr kumimoji="1" lang="ja-JP" altLang="en-US" b="1" dirty="0" smtClean="0"/>
               <a:t>の中にある</a:t>
             </a:r>
             <a:r>
-              <a:rPr kumimoji="1" lang="ja-JP" altLang="en-US" sz="1200" dirty="0" smtClean="0">
+              <a:rPr kumimoji="1" lang="ja-JP" altLang="en-US" sz="1200" b="1" dirty="0" smtClean="0">
                 <a:latin typeface="ＭＳ Ｐゴシック" panose="020B0600070205080204" pitchFamily="50" charset="-128"/>
                 <a:ea typeface="ＭＳ Ｐゴシック" panose="020B0600070205080204" pitchFamily="50" charset="-128"/>
               </a:rPr>
               <a:t>ログやユーザー情報から特徴を抽出してモデルを一括学習します。</a:t>
             </a:r>
-            <a:endParaRPr kumimoji="1" lang="en-US" altLang="ja-JP" sz="1200" dirty="0" smtClean="0">
+            <a:endParaRPr kumimoji="1" lang="en-US" altLang="ja-JP" sz="1200" b="1" dirty="0" smtClean="0">
               <a:latin typeface="ＭＳ Ｐゴシック" panose="020B0600070205080204" pitchFamily="50" charset="-128"/>
               <a:ea typeface="ＭＳ Ｐゴシック" panose="020B0600070205080204" pitchFamily="50" charset="-128"/>
             </a:endParaRPr>
@@ -2994,7 +3017,7 @@
           <a:p>
             <a:r>
               <a:rPr kumimoji="1" lang="ja-JP" altLang="en-US" dirty="0" smtClean="0"/>
-              <a:t>パターン３の予測フェーズです。　青のコンポーネントが予測フェーズで使う要素になります</a:t>
+              <a:t>パターン３の予測フェーズです。　予測フェーズも流れは似たような感じで</a:t>
             </a:r>
             <a:endParaRPr kumimoji="1" lang="en-US" altLang="ja-JP" dirty="0" smtClean="0"/>
           </a:p>
@@ -3219,6 +3242,17 @@
             <a:endParaRPr kumimoji="1" lang="en-US" altLang="ja-JP" dirty="0" smtClean="0"/>
           </a:p>
           <a:p>
+            <a:r>
+              <a:rPr kumimoji="1" lang="ja-JP" altLang="en-US" b="1" dirty="0" smtClean="0"/>
+              <a:t>大きく、予測をリアルタイムで処理するかとバッチで処理するかのパターンで</a:t>
+            </a:r>
+            <a:r>
+              <a:rPr kumimoji="1" lang="ja-JP" altLang="en-US" dirty="0" smtClean="0"/>
+              <a:t>予測結果を渡すまでの時間とデータ一件あたりにかけられる時間に違いがあるということでした。</a:t>
+            </a:r>
+            <a:endParaRPr kumimoji="1" lang="en-US" altLang="ja-JP" b="1" dirty="0" smtClean="0"/>
+          </a:p>
+          <a:p>
             <a:endParaRPr kumimoji="1" lang="en-US" altLang="ja-JP" dirty="0" smtClean="0"/>
           </a:p>
           <a:p>
@@ -6186,9 +6220,13 @@
             </a:r>
             <a:r>
               <a:rPr kumimoji="1" lang="ja-JP" altLang="en-US" u="sng" dirty="0" smtClean="0"/>
-              <a:t>、システムに組み込む場合の構成を説明します</a:t>
-            </a:r>
-            <a:endParaRPr kumimoji="1" lang="en-US" altLang="ja-JP" u="sng" dirty="0" smtClean="0"/>
+              <a:t>、</a:t>
+            </a:r>
+            <a:r>
+              <a:rPr kumimoji="1" lang="ja-JP" altLang="en-US" b="1" u="sng" dirty="0" smtClean="0"/>
+              <a:t>システムに組み込む場合の構成を説明します</a:t>
+            </a:r>
+            <a:endParaRPr kumimoji="1" lang="en-US" altLang="ja-JP" b="1" u="sng" dirty="0" smtClean="0"/>
           </a:p>
           <a:p>
             <a:endParaRPr kumimoji="1" lang="en-US" altLang="ja-JP" dirty="0" smtClean="0"/>
@@ -6226,7 +6264,7 @@
           <a:p>
             <a:r>
               <a:rPr kumimoji="1" lang="ja-JP" altLang="en-US" dirty="0" smtClean="0"/>
-              <a:t>更に学習のタイミング</a:t>
+              <a:t>更に学習フェーズでは、その学習のタイミング</a:t>
             </a:r>
             <a:r>
               <a:rPr kumimoji="1" lang="ja-JP" altLang="en-US" dirty="0" smtClean="0"/>
@@ -6261,12 +6299,20 @@
             </a:pPr>
             <a:r>
               <a:rPr kumimoji="1" lang="ja-JP" altLang="en-US" dirty="0" smtClean="0"/>
-              <a:t>で、ちょっとシステム構成を説明する前に、重要でありながら混乱しがちな用語について整理しておきます</a:t>
-            </a:r>
-            <a:endParaRPr kumimoji="1" lang="en-US" altLang="ja-JP" dirty="0" smtClean="0"/>
-          </a:p>
-          <a:p>
-            <a:endParaRPr kumimoji="1" lang="en-US" altLang="ja-JP" dirty="0" smtClean="0"/>
+              <a:t>で、</a:t>
+            </a:r>
+            <a:r>
+              <a:rPr kumimoji="1" lang="ja-JP" altLang="en-US" u="sng" dirty="0" smtClean="0"/>
+              <a:t>ちょっと</a:t>
+            </a:r>
+            <a:r>
+              <a:rPr kumimoji="1" lang="ja-JP" altLang="en-US" i="1" u="sng" dirty="0" smtClean="0"/>
+              <a:t>システム構成を説明する前に、重要でありながら混乱しがちな用語について整理しておきます</a:t>
+            </a:r>
+            <a:endParaRPr kumimoji="1" lang="en-US" altLang="ja-JP" i="1" u="sng" dirty="0" smtClean="0"/>
+          </a:p>
+          <a:p>
+            <a:endParaRPr kumimoji="1" lang="en-US" altLang="ja-JP" i="1" dirty="0" smtClean="0"/>
           </a:p>
           <a:p>
             <a:endParaRPr kumimoji="1" lang="en-US" altLang="ja-JP" dirty="0" smtClean="0"/>
@@ -6585,7 +6631,15 @@
           <a:p>
             <a:r>
               <a:rPr kumimoji="1" lang="ja-JP" altLang="en-US" dirty="0" smtClean="0"/>
-              <a:t>で、一括学習と逐次学習では～～ということです</a:t>
+              <a:t>で</a:t>
+            </a:r>
+            <a:r>
+              <a:rPr kumimoji="1" lang="ja-JP" altLang="en-US" dirty="0" smtClean="0"/>
+              <a:t>、まとめると一括</a:t>
+            </a:r>
+            <a:r>
+              <a:rPr kumimoji="1" lang="ja-JP" altLang="en-US" dirty="0" smtClean="0"/>
+              <a:t>学習と逐次学習では～～ということです</a:t>
             </a:r>
             <a:endParaRPr kumimoji="1" lang="en-US" altLang="ja-JP" dirty="0" smtClean="0"/>
           </a:p>
@@ -6705,17 +6759,11 @@
             </a:r>
             <a:r>
               <a:rPr kumimoji="1" lang="ja-JP" altLang="en-US" dirty="0" smtClean="0"/>
-              <a:t>、取りうる処理と学習の組み合わせはどのようなものがあるかというと、</a:t>
-            </a:r>
-            <a:endParaRPr kumimoji="1" lang="en-US" altLang="ja-JP" dirty="0" smtClean="0"/>
-          </a:p>
-          <a:p>
-            <a:endParaRPr kumimoji="1" lang="en-US" altLang="ja-JP" dirty="0" smtClean="0"/>
-          </a:p>
-          <a:p>
-            <a:r>
-              <a:rPr kumimoji="1" lang="ja-JP" altLang="en-US" dirty="0" smtClean="0"/>
-              <a:t>処理</a:t>
+              <a:t>、取りうる処理と学習の組み合わせはどのようなものがあるかというと</a:t>
+            </a:r>
+            <a:r>
+              <a:rPr kumimoji="1" lang="ja-JP" altLang="en-US" dirty="0" smtClean="0"/>
+              <a:t>、　処理</a:t>
             </a:r>
             <a:r>
               <a:rPr kumimoji="1" lang="en-US" altLang="ja-JP" dirty="0" smtClean="0"/>
@@ -6843,7 +6891,7 @@
             </a:r>
             <a:r>
               <a:rPr kumimoji="1" lang="ja-JP" altLang="en-US" u="sng" dirty="0" smtClean="0"/>
-              <a:t>の～～</a:t>
+              <a:t>の～～になります</a:t>
             </a:r>
             <a:endParaRPr kumimoji="1" lang="en-US" altLang="ja-JP" u="sng" dirty="0" smtClean="0"/>
           </a:p>
@@ -7065,7 +7113,11 @@
           <a:p>
             <a:r>
               <a:rPr kumimoji="1" lang="ja-JP" altLang="en-US" dirty="0" smtClean="0"/>
-              <a:t>一つ目は～～という方法で、</a:t>
+              <a:t>一つ目のパターン１は</a:t>
+            </a:r>
+            <a:r>
+              <a:rPr kumimoji="1" lang="ja-JP" altLang="en-US" dirty="0" smtClean="0"/>
+              <a:t>～～という方法で、</a:t>
             </a:r>
             <a:r>
               <a:rPr kumimoji="1" lang="ja-JP" altLang="en-US" b="1" dirty="0" smtClean="0"/>
@@ -10801,6 +10853,13 @@
   <p:clrMapOvr>
     <a:masterClrMapping/>
   </p:clrMapOvr>
+  <p:timing>
+    <p:tnLst>
+      <p:par>
+        <p:cTn id="1" dur="indefinite" restart="never" nodeType="tmRoot"/>
+      </p:par>
+    </p:tnLst>
+  </p:timing>
 </p:sld>
 </file>
 
@@ -11911,6 +11970,13 @@
   <p:clrMapOvr>
     <a:masterClrMapping/>
   </p:clrMapOvr>
+  <p:timing>
+    <p:tnLst>
+      <p:par>
+        <p:cTn id="1" dur="indefinite" restart="never" nodeType="tmRoot"/>
+      </p:par>
+    </p:tnLst>
+  </p:timing>
 </p:sld>
 </file>
 
@@ -13066,6 +13132,13 @@
   <p:clrMapOvr>
     <a:masterClrMapping/>
   </p:clrMapOvr>
+  <p:timing>
+    <p:tnLst>
+      <p:par>
+        <p:cTn id="1" dur="indefinite" restart="never" nodeType="tmRoot"/>
+      </p:par>
+    </p:tnLst>
+  </p:timing>
 </p:sld>
 </file>
 
@@ -13341,6 +13414,13 @@
   <p:clrMapOvr>
     <a:masterClrMapping/>
   </p:clrMapOvr>
+  <p:timing>
+    <p:tnLst>
+      <p:par>
+        <p:cTn id="1" dur="indefinite" restart="never" nodeType="tmRoot"/>
+      </p:par>
+    </p:tnLst>
+  </p:timing>
 </p:sld>
 </file>
 
@@ -13657,6 +13737,13 @@
   <p:clrMapOvr>
     <a:masterClrMapping/>
   </p:clrMapOvr>
+  <p:timing>
+    <p:tnLst>
+      <p:par>
+        <p:cTn id="1" dur="indefinite" restart="never" nodeType="tmRoot"/>
+      </p:par>
+    </p:tnLst>
+  </p:timing>
 </p:sld>
 </file>
 
@@ -13970,6 +14057,13 @@
   <p:clrMapOvr>
     <a:masterClrMapping/>
   </p:clrMapOvr>
+  <p:timing>
+    <p:tnLst>
+      <p:par>
+        <p:cTn id="1" dur="indefinite" restart="never" nodeType="tmRoot"/>
+      </p:par>
+    </p:tnLst>
+  </p:timing>
 </p:sld>
 </file>
 
@@ -14065,7 +14159,7 @@
         <p:spPr>
           <a:xfrm>
             <a:off x="795032" y="1786677"/>
-            <a:ext cx="10837334" cy="4647426"/>
+            <a:ext cx="10837334" cy="4278094"/>
           </a:xfrm>
           <a:prstGeom prst="rect">
             <a:avLst/>
@@ -14208,7 +14302,7 @@
               <a:buFont typeface="Arial" panose="020B0604020202020204" pitchFamily="34" charset="0"/>
               <a:buChar char="•"/>
             </a:pPr>
-            <a:endParaRPr kumimoji="1" lang="en-US" altLang="ja-JP" sz="2000" dirty="0" smtClean="0">
+            <a:endParaRPr kumimoji="1" lang="en-US" altLang="ja-JP" sz="900" dirty="0" smtClean="0">
               <a:latin typeface="ＭＳ Ｐゴシック" panose="020B0600070205080204" pitchFamily="50" charset="-128"/>
               <a:ea typeface="ＭＳ Ｐゴシック" panose="020B0600070205080204" pitchFamily="50" charset="-128"/>
             </a:endParaRPr>
@@ -14290,7 +14384,7 @@
               <a:buFont typeface="Arial" panose="020B0604020202020204" pitchFamily="34" charset="0"/>
               <a:buChar char="•"/>
             </a:pPr>
-            <a:endParaRPr kumimoji="1" lang="en-US" altLang="ja-JP" sz="2400" dirty="0" smtClean="0">
+            <a:endParaRPr kumimoji="1" lang="en-US" altLang="ja-JP" sz="900" dirty="0" smtClean="0">
               <a:latin typeface="ＭＳ Ｐゴシック" panose="020B0600070205080204" pitchFamily="50" charset="-128"/>
               <a:ea typeface="ＭＳ Ｐゴシック" panose="020B0600070205080204" pitchFamily="50" charset="-128"/>
             </a:endParaRPr>
@@ -14371,6 +14465,13 @@
   <p:clrMapOvr>
     <a:masterClrMapping/>
   </p:clrMapOvr>
+  <p:timing>
+    <p:tnLst>
+      <p:par>
+        <p:cTn id="1" dur="indefinite" restart="never" nodeType="tmRoot"/>
+      </p:par>
+    </p:tnLst>
+  </p:timing>
 </p:sld>
 </file>
 
@@ -15545,6 +15646,13 @@
   <p:clrMapOvr>
     <a:masterClrMapping/>
   </p:clrMapOvr>
+  <p:timing>
+    <p:tnLst>
+      <p:par>
+        <p:cTn id="1" dur="indefinite" restart="never" nodeType="tmRoot"/>
+      </p:par>
+    </p:tnLst>
+  </p:timing>
 </p:sld>
 </file>
 
@@ -15914,6 +16022,13 @@
   <p:clrMapOvr>
     <a:masterClrMapping/>
   </p:clrMapOvr>
+  <p:timing>
+    <p:tnLst>
+      <p:par>
+        <p:cTn id="1" dur="indefinite" restart="never" nodeType="tmRoot"/>
+      </p:par>
+    </p:tnLst>
+  </p:timing>
 </p:sld>
 </file>
 
@@ -16589,6 +16704,13 @@
   <p:clrMapOvr>
     <a:masterClrMapping/>
   </p:clrMapOvr>
+  <p:timing>
+    <p:tnLst>
+      <p:par>
+        <p:cTn id="1" dur="indefinite" restart="never" nodeType="tmRoot"/>
+      </p:par>
+    </p:tnLst>
+  </p:timing>
 </p:sld>
 </file>
 
@@ -17093,6 +17215,13 @@
   <p:clrMapOvr>
     <a:masterClrMapping/>
   </p:clrMapOvr>
+  <p:timing>
+    <p:tnLst>
+      <p:par>
+        <p:cTn id="1" dur="indefinite" restart="never" nodeType="tmRoot"/>
+      </p:par>
+    </p:tnLst>
+  </p:timing>
 </p:sld>
 </file>
 
@@ -17177,12 +17306,6 @@
               <a:rPr kumimoji="1" lang="ja-JP" altLang="en-US" sz="3600" dirty="0" smtClean="0"/>
               <a:t>なる</a:t>
             </a:r>
-            <a:endParaRPr kumimoji="1" lang="en-US" altLang="ja-JP" sz="3600" dirty="0" smtClean="0"/>
-          </a:p>
-          <a:p>
-            <a:pPr marL="0" indent="0">
-              <a:buNone/>
-            </a:pPr>
             <a:endParaRPr kumimoji="1" lang="en-US" altLang="ja-JP" sz="100" dirty="0" smtClean="0"/>
           </a:p>
           <a:p>
@@ -17449,6 +17572,13 @@
   <p:clrMapOvr>
     <a:masterClrMapping/>
   </p:clrMapOvr>
+  <p:timing>
+    <p:tnLst>
+      <p:par>
+        <p:cTn id="1" dur="indefinite" restart="never" nodeType="tmRoot"/>
+      </p:par>
+    </p:tnLst>
+  </p:timing>
 </p:sld>
 </file>
 
@@ -17714,6 +17844,13 @@
       <p:transition spd="slow"/>
     </mc:Fallback>
   </mc:AlternateContent>
+  <p:timing>
+    <p:tnLst>
+      <p:par>
+        <p:cTn id="1" dur="indefinite" restart="never" nodeType="tmRoot"/>
+      </p:par>
+    </p:tnLst>
+  </p:timing>
 </p:sld>
 </file>
 
@@ -17937,6 +18074,13 @@
   <p:clrMapOvr>
     <a:masterClrMapping/>
   </p:clrMapOvr>
+  <p:timing>
+    <p:tnLst>
+      <p:par>
+        <p:cTn id="1" dur="indefinite" restart="never" nodeType="tmRoot"/>
+      </p:par>
+    </p:tnLst>
+  </p:timing>
 </p:sld>
 </file>
 
@@ -24940,6 +25084,13 @@
   <p:clrMapOvr>
     <a:masterClrMapping/>
   </p:clrMapOvr>
+  <p:timing>
+    <p:tnLst>
+      <p:par>
+        <p:cTn id="1" dur="indefinite" restart="never" nodeType="tmRoot"/>
+      </p:par>
+    </p:tnLst>
+  </p:timing>
 </p:sld>
 </file>
 
@@ -25140,6 +25291,13 @@
   <p:clrMapOvr>
     <a:masterClrMapping/>
   </p:clrMapOvr>
+  <p:timing>
+    <p:tnLst>
+      <p:par>
+        <p:cTn id="1" dur="indefinite" restart="never" nodeType="tmRoot"/>
+      </p:par>
+    </p:tnLst>
+  </p:timing>
 </p:sld>
 </file>
 
@@ -25393,6 +25551,13 @@
   <p:clrMapOvr>
     <a:masterClrMapping/>
   </p:clrMapOvr>
+  <p:timing>
+    <p:tnLst>
+      <p:par>
+        <p:cTn id="1" dur="indefinite" restart="never" nodeType="tmRoot"/>
+      </p:par>
+    </p:tnLst>
+  </p:timing>
 </p:sld>
 </file>
 
@@ -25580,7 +25745,15 @@
             </a:r>
             <a:r>
               <a:rPr lang="ja-JP" altLang="en-US" dirty="0" smtClean="0"/>
-              <a:t>するということはありえる</a:t>
+              <a:t>する</a:t>
+            </a:r>
+            <a:r>
+              <a:rPr lang="ja-JP" altLang="en-US" dirty="0" smtClean="0"/>
+              <a:t>こ</a:t>
+            </a:r>
+            <a:r>
+              <a:rPr lang="ja-JP" altLang="en-US" dirty="0"/>
+              <a:t>と</a:t>
             </a:r>
             <a:endParaRPr kumimoji="1" lang="en-US" altLang="ja-JP" dirty="0" smtClean="0"/>
           </a:p>
@@ -25619,6 +25792,13 @@
   <p:clrMapOvr>
     <a:masterClrMapping/>
   </p:clrMapOvr>
+  <p:timing>
+    <p:tnLst>
+      <p:par>
+        <p:cTn id="1" dur="indefinite" restart="never" nodeType="tmRoot"/>
+      </p:par>
+    </p:tnLst>
+  </p:timing>
 </p:sld>
 </file>
 
@@ -25810,6 +25990,13 @@
   <p:clrMapOvr>
     <a:masterClrMapping/>
   </p:clrMapOvr>
+  <p:timing>
+    <p:tnLst>
+      <p:par>
+        <p:cTn id="1" dur="indefinite" restart="never" nodeType="tmRoot"/>
+      </p:par>
+    </p:tnLst>
+  </p:timing>
 </p:sld>
 </file>
 
@@ -25920,7 +26107,7 @@
         </p:nvSpPr>
         <p:spPr>
           <a:xfrm>
-            <a:off x="6981670" y="1690689"/>
+            <a:off x="6981670" y="1793713"/>
             <a:ext cx="5081699" cy="3615830"/>
           </a:xfrm>
         </p:spPr>
@@ -26080,6 +26267,13 @@
   <p:clrMapOvr>
     <a:masterClrMapping/>
   </p:clrMapOvr>
+  <p:timing>
+    <p:tnLst>
+      <p:par>
+        <p:cTn id="1" dur="indefinite" restart="never" nodeType="tmRoot"/>
+      </p:par>
+    </p:tnLst>
+  </p:timing>
 </p:sld>
 </file>
 
